--- a/Lab Meeting 5_25_17.pptx
+++ b/Lab Meeting 5_25_17.pptx
@@ -4,10 +4,17 @@
   <p:sldMasterIdLst>
     <p:sldMasterId id="2147483684" r:id="rId1"/>
   </p:sldMasterIdLst>
+  <p:notesMasterIdLst>
+    <p:notesMasterId r:id="rId9"/>
+  </p:notesMasterIdLst>
   <p:sldIdLst>
     <p:sldId id="256" r:id="rId2"/>
     <p:sldId id="258" r:id="rId3"/>
-    <p:sldId id="257" r:id="rId4"/>
+    <p:sldId id="259" r:id="rId4"/>
+    <p:sldId id="261" r:id="rId5"/>
+    <p:sldId id="260" r:id="rId6"/>
+    <p:sldId id="262" r:id="rId7"/>
+    <p:sldId id="263" r:id="rId8"/>
   </p:sldIdLst>
   <p:sldSz cx="12192000" cy="6858000"/>
   <p:notesSz cx="6858000" cy="9144000"/>
@@ -114,1409 +121,438 @@
 </p:presentation>
 </file>
 
-<file path=ppt/charts/chart1.xml><?xml version="1.0" encoding="utf-8"?>
-<c:chartSpace xmlns:c="http://schemas.openxmlformats.org/drawingml/2006/chart" xmlns:a="http://schemas.openxmlformats.org/drawingml/2006/main" xmlns:r="http://schemas.openxmlformats.org/officeDocument/2006/relationships">
-  <c:date1904 val="0"/>
-  <c:lang val="en-US"/>
-  <c:roundedCorners val="0"/>
-  <mc:AlternateContent xmlns:mc="http://schemas.openxmlformats.org/markup-compatibility/2006">
-    <mc:Choice xmlns:c14="http://schemas.microsoft.com/office/drawing/2007/8/2/chart" Requires="c14">
-      <c14:style val="102"/>
-    </mc:Choice>
-    <mc:Fallback>
-      <c:style val="2"/>
-    </mc:Fallback>
-  </mc:AlternateContent>
-  <c:chart>
-    <c:autoTitleDeleted val="1"/>
-    <c:plotArea>
-      <c:layout>
-        <c:manualLayout>
-          <c:layoutTarget val="inner"/>
-          <c:xMode val="edge"/>
-          <c:yMode val="edge"/>
-          <c:x val="0.0541635342064654"/>
-          <c:y val="0.0687745098039216"/>
-          <c:w val="0.929504807502077"/>
-          <c:h val="0.683525756135275"/>
-        </c:manualLayout>
-      </c:layout>
-      <c:barChart>
-        <c:barDir val="col"/>
-        <c:grouping val="clustered"/>
-        <c:varyColors val="0"/>
-        <c:ser>
-          <c:idx val="0"/>
-          <c:order val="0"/>
-          <c:spPr>
+<file path=ppt/notesMasters/notesMaster1.xml><?xml version="1.0" encoding="utf-8"?>
+<p:notesMaster xmlns:a="http://schemas.openxmlformats.org/drawingml/2006/main" xmlns:r="http://schemas.openxmlformats.org/officeDocument/2006/relationships" xmlns:p="http://schemas.openxmlformats.org/presentationml/2006/main">
+  <p:cSld>
+    <p:bg>
+      <p:bgRef idx="1001">
+        <a:schemeClr val="bg1"/>
+      </p:bgRef>
+    </p:bg>
+    <p:spTree>
+      <p:nvGrpSpPr>
+        <p:cNvPr id="1" name=""/>
+        <p:cNvGrpSpPr/>
+        <p:nvPr/>
+      </p:nvGrpSpPr>
+      <p:grpSpPr>
+        <a:xfrm>
+          <a:off x="0" y="0"/>
+          <a:ext cx="0" cy="0"/>
+          <a:chOff x="0" y="0"/>
+          <a:chExt cx="0" cy="0"/>
+        </a:xfrm>
+      </p:grpSpPr>
+      <p:sp>
+        <p:nvSpPr>
+          <p:cNvPr id="2" name="Header Placeholder 1"/>
+          <p:cNvSpPr>
+            <a:spLocks noGrp="1"/>
+          </p:cNvSpPr>
+          <p:nvPr>
+            <p:ph type="hdr" sz="quarter"/>
+          </p:nvPr>
+        </p:nvSpPr>
+        <p:spPr>
+          <a:xfrm>
+            <a:off x="0" y="0"/>
+            <a:ext cx="2971800" cy="458788"/>
+          </a:xfrm>
+          <a:prstGeom prst="rect">
+            <a:avLst/>
+          </a:prstGeom>
+        </p:spPr>
+        <p:txBody>
+          <a:bodyPr vert="horz" lIns="91440" tIns="45720" rIns="91440" bIns="45720" rtlCol="0"/>
+          <a:lstStyle>
+            <a:lvl1pPr algn="l">
+              <a:defRPr sz="1200"/>
+            </a:lvl1pPr>
+          </a:lstStyle>
+          <a:p>
+            <a:endParaRPr lang="en-US"/>
+          </a:p>
+        </p:txBody>
+      </p:sp>
+      <p:sp>
+        <p:nvSpPr>
+          <p:cNvPr id="3" name="Date Placeholder 2"/>
+          <p:cNvSpPr>
+            <a:spLocks noGrp="1"/>
+          </p:cNvSpPr>
+          <p:nvPr>
+            <p:ph type="dt" idx="1"/>
+          </p:nvPr>
+        </p:nvSpPr>
+        <p:spPr>
+          <a:xfrm>
+            <a:off x="3884613" y="0"/>
+            <a:ext cx="2971800" cy="458788"/>
+          </a:xfrm>
+          <a:prstGeom prst="rect">
+            <a:avLst/>
+          </a:prstGeom>
+        </p:spPr>
+        <p:txBody>
+          <a:bodyPr vert="horz" lIns="91440" tIns="45720" rIns="91440" bIns="45720" rtlCol="0"/>
+          <a:lstStyle>
+            <a:lvl1pPr algn="r">
+              <a:defRPr sz="1200"/>
+            </a:lvl1pPr>
+          </a:lstStyle>
+          <a:p>
+            <a:fld id="{E5E12688-8E35-CA4B-B576-BA5244C40734}" type="datetimeFigureOut">
+              <a:rPr lang="en-US" smtClean="0"/>
+              <a:t>5/18/17</a:t>
+            </a:fld>
+            <a:endParaRPr lang="en-US"/>
+          </a:p>
+        </p:txBody>
+      </p:sp>
+      <p:sp>
+        <p:nvSpPr>
+          <p:cNvPr id="4" name="Slide Image Placeholder 3"/>
+          <p:cNvSpPr>
+            <a:spLocks noGrp="1" noRot="1" noChangeAspect="1"/>
+          </p:cNvSpPr>
+          <p:nvPr>
+            <p:ph type="sldImg" idx="2"/>
+          </p:nvPr>
+        </p:nvSpPr>
+        <p:spPr>
+          <a:xfrm>
+            <a:off x="685800" y="1143000"/>
+            <a:ext cx="5486400" cy="3086100"/>
+          </a:xfrm>
+          <a:prstGeom prst="rect">
+            <a:avLst/>
+          </a:prstGeom>
+          <a:noFill/>
+          <a:ln w="12700">
             <a:solidFill>
-              <a:srgbClr val="00B050"/>
+              <a:prstClr val="black"/>
             </a:solidFill>
-            <a:ln>
-              <a:noFill/>
-            </a:ln>
-            <a:effectLst/>
-          </c:spPr>
-          <c:invertIfNegative val="0"/>
-          <c:dPt>
-            <c:idx val="38"/>
-            <c:invertIfNegative val="0"/>
-            <c:bubble3D val="0"/>
-            <c:spPr>
-              <a:solidFill>
-                <a:srgbClr val="FFFF00"/>
-              </a:solidFill>
-              <a:ln>
-                <a:noFill/>
-              </a:ln>
-              <a:effectLst/>
-            </c:spPr>
-          </c:dPt>
-          <c:dPt>
-            <c:idx val="39"/>
-            <c:invertIfNegative val="0"/>
-            <c:bubble3D val="0"/>
-            <c:spPr>
-              <a:solidFill>
-                <a:srgbClr val="FFFF00"/>
-              </a:solidFill>
-              <a:ln>
-                <a:noFill/>
-              </a:ln>
-              <a:effectLst/>
-            </c:spPr>
-          </c:dPt>
-          <c:dPt>
-            <c:idx val="40"/>
-            <c:invertIfNegative val="0"/>
-            <c:bubble3D val="0"/>
-            <c:spPr>
-              <a:solidFill>
-                <a:srgbClr val="FFFF00"/>
-              </a:solidFill>
-              <a:ln>
-                <a:noFill/>
-              </a:ln>
-              <a:effectLst/>
-            </c:spPr>
-          </c:dPt>
-          <c:dPt>
-            <c:idx val="41"/>
-            <c:invertIfNegative val="0"/>
-            <c:bubble3D val="0"/>
-            <c:spPr>
-              <a:solidFill>
-                <a:srgbClr val="FFFF00"/>
-              </a:solidFill>
-              <a:ln>
-                <a:noFill/>
-              </a:ln>
-              <a:effectLst/>
-            </c:spPr>
-          </c:dPt>
-          <c:dPt>
-            <c:idx val="42"/>
-            <c:invertIfNegative val="0"/>
-            <c:bubble3D val="0"/>
-            <c:spPr>
-              <a:solidFill>
-                <a:srgbClr val="FFFF00"/>
-              </a:solidFill>
-              <a:ln>
-                <a:noFill/>
-              </a:ln>
-              <a:effectLst/>
-            </c:spPr>
-          </c:dPt>
-          <c:dPt>
-            <c:idx val="43"/>
-            <c:invertIfNegative val="0"/>
-            <c:bubble3D val="0"/>
-            <c:spPr>
-              <a:solidFill>
-                <a:srgbClr val="FFFF00"/>
-              </a:solidFill>
-              <a:ln>
-                <a:noFill/>
-              </a:ln>
-              <a:effectLst/>
-            </c:spPr>
-          </c:dPt>
-          <c:dPt>
-            <c:idx val="44"/>
-            <c:invertIfNegative val="0"/>
-            <c:bubble3D val="0"/>
-            <c:spPr>
-              <a:solidFill>
-                <a:srgbClr val="C00000"/>
-              </a:solidFill>
-              <a:ln>
-                <a:noFill/>
-              </a:ln>
-              <a:effectLst/>
-            </c:spPr>
-          </c:dPt>
-          <c:dPt>
-            <c:idx val="45"/>
-            <c:invertIfNegative val="0"/>
-            <c:bubble3D val="0"/>
-            <c:spPr>
-              <a:solidFill>
-                <a:srgbClr val="C00000"/>
-              </a:solidFill>
-              <a:ln>
-                <a:noFill/>
-              </a:ln>
-              <a:effectLst/>
-            </c:spPr>
-          </c:dPt>
-          <c:dPt>
-            <c:idx val="46"/>
-            <c:invertIfNegative val="0"/>
-            <c:bubble3D val="0"/>
-            <c:spPr>
-              <a:solidFill>
-                <a:srgbClr val="C00000"/>
-              </a:solidFill>
-              <a:ln>
-                <a:noFill/>
-              </a:ln>
-              <a:effectLst/>
-            </c:spPr>
-          </c:dPt>
-          <c:dPt>
-            <c:idx val="47"/>
-            <c:invertIfNegative val="0"/>
-            <c:bubble3D val="0"/>
-            <c:spPr>
-              <a:solidFill>
-                <a:srgbClr val="C00000"/>
-              </a:solidFill>
-              <a:ln>
-                <a:noFill/>
-              </a:ln>
-              <a:effectLst/>
-            </c:spPr>
-          </c:dPt>
-          <c:dPt>
-            <c:idx val="48"/>
-            <c:invertIfNegative val="0"/>
-            <c:bubble3D val="0"/>
-            <c:spPr>
-              <a:solidFill>
-                <a:srgbClr val="C00000"/>
-              </a:solidFill>
-              <a:ln>
-                <a:noFill/>
-              </a:ln>
-              <a:effectLst/>
-            </c:spPr>
-          </c:dPt>
-          <c:dPt>
-            <c:idx val="49"/>
-            <c:invertIfNegative val="0"/>
-            <c:bubble3D val="0"/>
-            <c:spPr>
-              <a:solidFill>
-                <a:srgbClr val="C00000"/>
-              </a:solidFill>
-              <a:ln>
-                <a:noFill/>
-              </a:ln>
-              <a:effectLst/>
-            </c:spPr>
-          </c:dPt>
-          <c:cat>
-            <c:strRef>
-              <c:f>Sheet2!$T$1:$T$50</c:f>
-              <c:strCache>
-                <c:ptCount val="50"/>
-                <c:pt idx="0">
-                  <c:v>A0DD59_PARTE</c:v>
-                </c:pt>
-                <c:pt idx="1">
-                  <c:v>G9YPX2_9FIRM</c:v>
-                </c:pt>
-                <c:pt idx="2">
-                  <c:v>J3IBV8_9PSED</c:v>
-                </c:pt>
-                <c:pt idx="3">
-                  <c:v>I4HYU4_MICAE</c:v>
-                </c:pt>
-                <c:pt idx="4">
-                  <c:v>A0A0K2SV87_LEPSM</c:v>
-                </c:pt>
-                <c:pt idx="5">
-                  <c:v>A0A0R0V838_ACIBA</c:v>
-                </c:pt>
-                <c:pt idx="6">
-                  <c:v>A0A0P7JN00_9MYCO</c:v>
-                </c:pt>
-                <c:pt idx="7">
-                  <c:v>A0A0A9RCC7_ARUDO</c:v>
-                </c:pt>
-                <c:pt idx="8">
-                  <c:v>A0A0D2DW88_9EURO</c:v>
-                </c:pt>
-                <c:pt idx="9">
-                  <c:v>A0A087LKF0_9RHIZ</c:v>
-                </c:pt>
-                <c:pt idx="10">
-                  <c:v>A0A0P6XKB2_9CHLR</c:v>
-                </c:pt>
-                <c:pt idx="11">
-                  <c:v>C8X312_DESRD</c:v>
-                </c:pt>
-                <c:pt idx="12">
-                  <c:v>R7Y995_9ACTN</c:v>
-                </c:pt>
-                <c:pt idx="13">
-                  <c:v>G5RZ68_SALET</c:v>
-                </c:pt>
-                <c:pt idx="14">
-                  <c:v>A0A087G8L9_ARAAL</c:v>
-                </c:pt>
-                <c:pt idx="15">
-                  <c:v>D7CCS3_STRBB</c:v>
-                </c:pt>
-                <c:pt idx="16">
-                  <c:v>D6P1K5_9HIV1</c:v>
-                </c:pt>
-                <c:pt idx="17">
-                  <c:v>A0A0S4HVB8_9PSED</c:v>
-                </c:pt>
-                <c:pt idx="18">
-                  <c:v>A0A0M2J3I6_9ACTN</c:v>
-                </c:pt>
-                <c:pt idx="19">
-                  <c:v>A0A0D9WWX1_9ORYZ</c:v>
-                </c:pt>
-                <c:pt idx="20">
-                  <c:v>A0A0N4T2C5_BRUPA</c:v>
-                </c:pt>
-                <c:pt idx="21">
-                  <c:v>Q115E3_TRIEI</c:v>
-                </c:pt>
-                <c:pt idx="22">
-                  <c:v>A0A074JBV9_9RHOB</c:v>
-                </c:pt>
-                <c:pt idx="23">
-                  <c:v>V6GL22_9LEPT</c:v>
-                </c:pt>
-                <c:pt idx="24">
-                  <c:v>F8S5V2_HPV67</c:v>
-                </c:pt>
-                <c:pt idx="25">
-                  <c:v>A0A0D2RK23_GOSRA</c:v>
-                </c:pt>
-                <c:pt idx="26">
-                  <c:v>M1BUJ2_SOLTU</c:v>
-                </c:pt>
-                <c:pt idx="27">
-                  <c:v>H4EZV6_9RHIZ</c:v>
-                </c:pt>
-                <c:pt idx="28">
-                  <c:v>A0A0C6BB88_YEASX</c:v>
-                </c:pt>
-                <c:pt idx="29">
-                  <c:v>A0A0P6X0X6_9CHLR</c:v>
-                </c:pt>
-                <c:pt idx="30">
-                  <c:v>A0A0Q7B7A2_9BURK</c:v>
-                </c:pt>
-                <c:pt idx="31">
-                  <c:v>A0A0R1J2L2_9LACO</c:v>
-                </c:pt>
-                <c:pt idx="32">
-                  <c:v>A0A0D4ULB3_YEASX</c:v>
-                </c:pt>
-                <c:pt idx="33">
-                  <c:v>C8TC02_KLEPR</c:v>
-                </c:pt>
-                <c:pt idx="34">
-                  <c:v>A0A0P9NSP5_PSESX</c:v>
-                </c:pt>
-                <c:pt idx="35">
-                  <c:v>A0A0C2AH67_9ACTN</c:v>
-                </c:pt>
-                <c:pt idx="36">
-                  <c:v>A2TKD0_9PARA</c:v>
-                </c:pt>
-                <c:pt idx="37">
-                  <c:v>A0A072F3A4_VIBPH</c:v>
-                </c:pt>
-                <c:pt idx="38">
-                  <c:v>A0A0Q9W122_PECCA</c:v>
-                </c:pt>
-                <c:pt idx="39">
-                  <c:v>A0A0H0ZS83_9MICC</c:v>
-                </c:pt>
-                <c:pt idx="40">
-                  <c:v>A0A0V4REG3_PSEAI</c:v>
-                </c:pt>
-                <c:pt idx="41">
-                  <c:v>Q7Z8Z3_9SACH</c:v>
-                </c:pt>
-                <c:pt idx="42">
-                  <c:v>M1FFL1_9TELE</c:v>
-                </c:pt>
-                <c:pt idx="43">
-                  <c:v>A0A0P1MDT8_9BACT</c:v>
-                </c:pt>
-                <c:pt idx="44">
-                  <c:v>K7XKF0_9HEPC</c:v>
-                </c:pt>
-                <c:pt idx="45">
-                  <c:v>F3AQB2_9FIRM</c:v>
-                </c:pt>
-                <c:pt idx="46">
-                  <c:v>B0DAB4_LACBS</c:v>
-                </c:pt>
-                <c:pt idx="47">
-                  <c:v>A0A0T6KU39_PSEAI</c:v>
-                </c:pt>
-                <c:pt idx="48">
-                  <c:v>T1XEF6_VARPD</c:v>
-                </c:pt>
-                <c:pt idx="49">
-                  <c:v>A0A0V9K2F0_KLEPN</c:v>
-                </c:pt>
-              </c:strCache>
-            </c:strRef>
-          </c:cat>
-          <c:val>
-            <c:numRef>
-              <c:f>Sheet2!$U$1:$U$50</c:f>
-              <c:numCache>
-                <c:formatCode>General</c:formatCode>
-                <c:ptCount val="50"/>
-                <c:pt idx="0">
-                  <c:v>0.175919</c:v>
-                </c:pt>
-                <c:pt idx="1">
-                  <c:v>0.186563</c:v>
-                </c:pt>
-                <c:pt idx="2">
-                  <c:v>0.2093</c:v>
-                </c:pt>
-                <c:pt idx="3">
-                  <c:v>0.220857</c:v>
-                </c:pt>
-                <c:pt idx="4">
-                  <c:v>0.267168</c:v>
-                </c:pt>
-                <c:pt idx="5">
-                  <c:v>0.287729</c:v>
-                </c:pt>
-                <c:pt idx="6">
-                  <c:v>0.289081</c:v>
-                </c:pt>
-                <c:pt idx="7">
-                  <c:v>0.289099</c:v>
-                </c:pt>
-                <c:pt idx="8">
-                  <c:v>0.30477</c:v>
-                </c:pt>
-                <c:pt idx="9">
-                  <c:v>0.307306</c:v>
-                </c:pt>
-                <c:pt idx="10">
-                  <c:v>0.312625</c:v>
-                </c:pt>
-                <c:pt idx="11">
-                  <c:v>0.315503</c:v>
-                </c:pt>
-                <c:pt idx="12">
-                  <c:v>0.317143</c:v>
-                </c:pt>
-                <c:pt idx="13">
-                  <c:v>0.325555</c:v>
-                </c:pt>
-                <c:pt idx="14">
-                  <c:v>0.357839</c:v>
-                </c:pt>
-                <c:pt idx="15">
-                  <c:v>0.395306</c:v>
-                </c:pt>
-                <c:pt idx="16">
-                  <c:v>0.414469</c:v>
-                </c:pt>
-                <c:pt idx="17">
-                  <c:v>0.452414</c:v>
-                </c:pt>
-                <c:pt idx="18">
-                  <c:v>0.506564</c:v>
-                </c:pt>
-                <c:pt idx="19">
-                  <c:v>0.521395</c:v>
-                </c:pt>
-                <c:pt idx="20">
-                  <c:v>0.551327</c:v>
-                </c:pt>
-                <c:pt idx="21">
-                  <c:v>0.614553</c:v>
-                </c:pt>
-                <c:pt idx="22">
-                  <c:v>0.622161</c:v>
-                </c:pt>
-                <c:pt idx="23">
-                  <c:v>0.643412</c:v>
-                </c:pt>
-                <c:pt idx="24">
-                  <c:v>0.652353</c:v>
-                </c:pt>
-                <c:pt idx="25">
-                  <c:v>0.692926</c:v>
-                </c:pt>
-                <c:pt idx="26">
-                  <c:v>0.726545</c:v>
-                </c:pt>
-                <c:pt idx="27">
-                  <c:v>0.734675</c:v>
-                </c:pt>
-                <c:pt idx="28">
-                  <c:v>0.735043</c:v>
-                </c:pt>
-                <c:pt idx="29">
-                  <c:v>0.739407</c:v>
-                </c:pt>
-                <c:pt idx="30">
-                  <c:v>0.742131</c:v>
-                </c:pt>
-                <c:pt idx="31">
-                  <c:v>0.758866</c:v>
-                </c:pt>
-                <c:pt idx="32">
-                  <c:v>0.770072</c:v>
-                </c:pt>
-                <c:pt idx="33">
-                  <c:v>0.802895</c:v>
-                </c:pt>
-                <c:pt idx="34">
-                  <c:v>0.853571</c:v>
-                </c:pt>
-                <c:pt idx="35">
-                  <c:v>0.855499</c:v>
-                </c:pt>
-                <c:pt idx="36">
-                  <c:v>0.904766</c:v>
-                </c:pt>
-                <c:pt idx="37">
-                  <c:v>0.915258</c:v>
-                </c:pt>
-                <c:pt idx="38">
-                  <c:v>1.066071</c:v>
-                </c:pt>
-                <c:pt idx="39">
-                  <c:v>1.116608</c:v>
-                </c:pt>
-                <c:pt idx="40">
-                  <c:v>1.180657</c:v>
-                </c:pt>
-                <c:pt idx="41">
-                  <c:v>1.198735</c:v>
-                </c:pt>
-                <c:pt idx="42">
-                  <c:v>1.332829</c:v>
-                </c:pt>
-                <c:pt idx="43">
-                  <c:v>1.390877</c:v>
-                </c:pt>
-                <c:pt idx="44">
-                  <c:v>1.849892</c:v>
-                </c:pt>
-                <c:pt idx="45">
-                  <c:v>2.353007</c:v>
-                </c:pt>
-                <c:pt idx="46">
-                  <c:v>2.956539999999999</c:v>
-                </c:pt>
-                <c:pt idx="47">
-                  <c:v>4.938295</c:v>
-                </c:pt>
-                <c:pt idx="48">
-                  <c:v>5.209192</c:v>
-                </c:pt>
-                <c:pt idx="49">
-                  <c:v>5.608732</c:v>
-                </c:pt>
-              </c:numCache>
-            </c:numRef>
-          </c:val>
-        </c:ser>
-        <c:dLbls>
-          <c:showLegendKey val="0"/>
-          <c:showVal val="0"/>
-          <c:showCatName val="0"/>
-          <c:showSerName val="0"/>
-          <c:showPercent val="0"/>
-          <c:showBubbleSize val="0"/>
-        </c:dLbls>
-        <c:gapWidth val="219"/>
-        <c:overlap val="-27"/>
-        <c:axId val="1183599952"/>
-        <c:axId val="1190869168"/>
-      </c:barChart>
-      <c:catAx>
-        <c:axId val="1183599952"/>
-        <c:scaling>
-          <c:orientation val="minMax"/>
-        </c:scaling>
-        <c:delete val="0"/>
-        <c:axPos val="b"/>
-        <c:title>
-          <c:tx>
-            <c:rich>
-              <a:bodyPr rot="0" spcFirstLastPara="1" vertOverflow="ellipsis" vert="horz" wrap="square" anchor="ctr" anchorCtr="1"/>
-              <a:lstStyle/>
-              <a:p>
-                <a:pPr>
-                  <a:defRPr sz="1400" b="0" i="0" u="none" strike="noStrike" kern="1200" baseline="0">
-                    <a:solidFill>
-                      <a:schemeClr val="tx1"/>
-                    </a:solidFill>
-                    <a:latin typeface="+mn-lt"/>
-                    <a:ea typeface="+mn-ea"/>
-                    <a:cs typeface="+mn-cs"/>
-                  </a:defRPr>
-                </a:pPr>
-                <a:r>
-                  <a:rPr lang="en-US" sz="1400" baseline="0">
-                    <a:solidFill>
-                      <a:schemeClr val="tx1"/>
-                    </a:solidFill>
-                  </a:rPr>
-                  <a:t>HMM</a:t>
-                </a:r>
-              </a:p>
-            </c:rich>
-          </c:tx>
-          <c:layout>
-            <c:manualLayout>
-              <c:xMode val="edge"/>
-              <c:yMode val="edge"/>
-              <c:x val="0.482376564342501"/>
-              <c:y val="0.957181351228116"/>
-            </c:manualLayout>
-          </c:layout>
-          <c:overlay val="0"/>
-          <c:spPr>
-            <a:noFill/>
-            <a:ln>
-              <a:noFill/>
-            </a:ln>
-            <a:effectLst/>
-          </c:spPr>
-          <c:txPr>
-            <a:bodyPr rot="0" spcFirstLastPara="1" vertOverflow="ellipsis" vert="horz" wrap="square" anchor="ctr" anchorCtr="1"/>
-            <a:lstStyle/>
-            <a:p>
-              <a:pPr>
-                <a:defRPr sz="1400" b="0" i="0" u="none" strike="noStrike" kern="1200" baseline="0">
-                  <a:solidFill>
-                    <a:schemeClr val="tx1"/>
-                  </a:solidFill>
-                  <a:latin typeface="+mn-lt"/>
-                  <a:ea typeface="+mn-ea"/>
-                  <a:cs typeface="+mn-cs"/>
-                </a:defRPr>
-              </a:pPr>
-              <a:endParaRPr lang="en-US"/>
-            </a:p>
-          </c:txPr>
-        </c:title>
-        <c:numFmt formatCode="General" sourceLinked="1"/>
-        <c:majorTickMark val="none"/>
-        <c:minorTickMark val="none"/>
-        <c:tickLblPos val="nextTo"/>
-        <c:spPr>
-          <a:noFill/>
-          <a:ln w="9525" cap="flat" cmpd="sng" algn="ctr">
-            <a:solidFill>
-              <a:schemeClr val="tx1">
-                <a:lumMod val="15000"/>
-                <a:lumOff val="85000"/>
-              </a:schemeClr>
-            </a:solidFill>
-            <a:round/>
           </a:ln>
-          <a:effectLst/>
-        </c:spPr>
-        <c:txPr>
-          <a:bodyPr rot="-60000000" spcFirstLastPara="1" vertOverflow="ellipsis" vert="horz" wrap="square" anchor="ctr" anchorCtr="1"/>
-          <a:lstStyle/>
-          <a:p>
-            <a:pPr>
-              <a:defRPr sz="1100" b="0" i="0" u="none" strike="noStrike" kern="1200" baseline="0">
-                <a:solidFill>
-                  <a:schemeClr val="tx1"/>
-                </a:solidFill>
-                <a:latin typeface="+mn-lt"/>
-                <a:ea typeface="+mn-ea"/>
-                <a:cs typeface="+mn-cs"/>
-              </a:defRPr>
-            </a:pPr>
+        </p:spPr>
+        <p:txBody>
+          <a:bodyPr vert="horz" lIns="91440" tIns="45720" rIns="91440" bIns="45720" rtlCol="0" anchor="ctr"/>
+          <a:lstStyle/>
+          <a:p>
             <a:endParaRPr lang="en-US"/>
           </a:p>
-        </c:txPr>
-        <c:crossAx val="1190869168"/>
-        <c:crosses val="autoZero"/>
-        <c:auto val="1"/>
-        <c:lblAlgn val="ctr"/>
-        <c:lblOffset val="100"/>
-        <c:noMultiLvlLbl val="0"/>
-      </c:catAx>
-      <c:valAx>
-        <c:axId val="1190869168"/>
-        <c:scaling>
-          <c:orientation val="minMax"/>
-        </c:scaling>
-        <c:delete val="0"/>
-        <c:axPos val="l"/>
-        <c:majorGridlines>
-          <c:spPr>
-            <a:ln w="9525" cap="flat" cmpd="sng" algn="ctr">
-              <a:solidFill>
-                <a:schemeClr val="bg1">
-                  <a:lumMod val="75000"/>
-                </a:schemeClr>
-              </a:solidFill>
-              <a:round/>
-            </a:ln>
-            <a:effectLst/>
-          </c:spPr>
-        </c:majorGridlines>
-        <c:title>
-          <c:tx>
-            <c:rich>
-              <a:bodyPr rot="-5400000" spcFirstLastPara="1" vertOverflow="ellipsis" vert="horz" wrap="square" anchor="ctr" anchorCtr="1"/>
-              <a:lstStyle/>
-              <a:p>
-                <a:pPr>
-                  <a:defRPr sz="1400" b="0" i="0" u="none" strike="noStrike" kern="1200" baseline="0">
-                    <a:solidFill>
-                      <a:schemeClr val="tx1"/>
-                    </a:solidFill>
-                    <a:latin typeface="+mn-lt"/>
-                    <a:ea typeface="+mn-ea"/>
-                    <a:cs typeface="+mn-cs"/>
-                  </a:defRPr>
-                </a:pPr>
-                <a:r>
-                  <a:rPr lang="en-US" sz="1400" baseline="0" dirty="0">
-                    <a:solidFill>
-                      <a:schemeClr val="tx1"/>
-                    </a:solidFill>
-                  </a:rPr>
-                  <a:t>Runtime (s)</a:t>
-                </a:r>
-              </a:p>
-            </c:rich>
-          </c:tx>
-          <c:layout/>
-          <c:overlay val="0"/>
-          <c:spPr>
-            <a:noFill/>
-            <a:ln>
-              <a:noFill/>
-            </a:ln>
-            <a:effectLst/>
-          </c:spPr>
-          <c:txPr>
-            <a:bodyPr rot="-5400000" spcFirstLastPara="1" vertOverflow="ellipsis" vert="horz" wrap="square" anchor="ctr" anchorCtr="1"/>
-            <a:lstStyle/>
-            <a:p>
-              <a:pPr>
-                <a:defRPr sz="1400" b="0" i="0" u="none" strike="noStrike" kern="1200" baseline="0">
-                  <a:solidFill>
-                    <a:schemeClr val="tx1"/>
-                  </a:solidFill>
-                  <a:latin typeface="+mn-lt"/>
-                  <a:ea typeface="+mn-ea"/>
-                  <a:cs typeface="+mn-cs"/>
-                </a:defRPr>
-              </a:pPr>
-              <a:endParaRPr lang="en-US"/>
-            </a:p>
-          </c:txPr>
-        </c:title>
-        <c:majorTickMark val="none"/>
-        <c:minorTickMark val="none"/>
-        <c:tickLblPos val="nextTo"/>
-        <c:spPr>
-          <a:noFill/>
-          <a:ln>
-            <a:noFill/>
-          </a:ln>
-          <a:effectLst/>
-        </c:spPr>
-        <c:txPr>
-          <a:bodyPr rot="-60000000" spcFirstLastPara="1" vertOverflow="ellipsis" vert="horz" wrap="square" anchor="ctr" anchorCtr="1"/>
-          <a:lstStyle/>
-          <a:p>
-            <a:pPr>
-              <a:defRPr sz="1400" b="0" i="0" u="none" strike="noStrike" kern="1200" baseline="0">
-                <a:solidFill>
-                  <a:schemeClr val="tx1"/>
-                </a:solidFill>
-                <a:latin typeface="+mn-lt"/>
-                <a:ea typeface="+mn-ea"/>
-                <a:cs typeface="+mn-cs"/>
-              </a:defRPr>
-            </a:pPr>
+        </p:txBody>
+      </p:sp>
+      <p:sp>
+        <p:nvSpPr>
+          <p:cNvPr id="5" name="Notes Placeholder 4"/>
+          <p:cNvSpPr>
+            <a:spLocks noGrp="1"/>
+          </p:cNvSpPr>
+          <p:nvPr>
+            <p:ph type="body" sz="quarter" idx="3"/>
+          </p:nvPr>
+        </p:nvSpPr>
+        <p:spPr>
+          <a:xfrm>
+            <a:off x="685800" y="4400550"/>
+            <a:ext cx="5486400" cy="3600450"/>
+          </a:xfrm>
+          <a:prstGeom prst="rect">
+            <a:avLst/>
+          </a:prstGeom>
+        </p:spPr>
+        <p:txBody>
+          <a:bodyPr vert="horz" lIns="91440" tIns="45720" rIns="91440" bIns="45720" rtlCol="0"/>
+          <a:lstStyle/>
+          <a:p>
+            <a:pPr lvl="0"/>
+            <a:r>
+              <a:rPr lang="en-US" smtClean="0"/>
+              <a:t>Click to edit Master text styles</a:t>
+            </a:r>
+          </a:p>
+          <a:p>
+            <a:pPr lvl="1"/>
+            <a:r>
+              <a:rPr lang="en-US" smtClean="0"/>
+              <a:t>Second level</a:t>
+            </a:r>
+          </a:p>
+          <a:p>
+            <a:pPr lvl="2"/>
+            <a:r>
+              <a:rPr lang="en-US" smtClean="0"/>
+              <a:t>Third level</a:t>
+            </a:r>
+          </a:p>
+          <a:p>
+            <a:pPr lvl="3"/>
+            <a:r>
+              <a:rPr lang="en-US" smtClean="0"/>
+              <a:t>Fourth level</a:t>
+            </a:r>
+          </a:p>
+          <a:p>
+            <a:pPr lvl="4"/>
+            <a:r>
+              <a:rPr lang="en-US" smtClean="0"/>
+              <a:t>Fifth level</a:t>
+            </a:r>
             <a:endParaRPr lang="en-US"/>
           </a:p>
-        </c:txPr>
-        <c:crossAx val="1183599952"/>
-        <c:crosses val="autoZero"/>
-        <c:crossBetween val="between"/>
-      </c:valAx>
-      <c:spPr>
-        <a:noFill/>
-        <a:ln>
-          <a:noFill/>
-        </a:ln>
-        <a:effectLst/>
-      </c:spPr>
-    </c:plotArea>
-    <c:plotVisOnly val="1"/>
-    <c:dispBlanksAs val="gap"/>
-    <c:showDLblsOverMax val="0"/>
-  </c:chart>
-  <c:spPr>
-    <a:noFill/>
-    <a:ln w="9525" cap="flat" cmpd="sng" algn="ctr">
-      <a:noFill/>
-      <a:round/>
-    </a:ln>
-    <a:effectLst/>
-  </c:spPr>
-  <c:txPr>
-    <a:bodyPr/>
-    <a:lstStyle/>
-    <a:p>
-      <a:pPr>
-        <a:defRPr/>
-      </a:pPr>
-      <a:endParaRPr lang="en-US"/>
-    </a:p>
-  </c:txPr>
-  <c:externalData r:id="rId3">
-    <c:autoUpdate val="0"/>
-  </c:externalData>
-  <c:userShapes r:id="rId4"/>
-</c:chartSpace>
+        </p:txBody>
+      </p:sp>
+      <p:sp>
+        <p:nvSpPr>
+          <p:cNvPr id="6" name="Footer Placeholder 5"/>
+          <p:cNvSpPr>
+            <a:spLocks noGrp="1"/>
+          </p:cNvSpPr>
+          <p:nvPr>
+            <p:ph type="ftr" sz="quarter" idx="4"/>
+          </p:nvPr>
+        </p:nvSpPr>
+        <p:spPr>
+          <a:xfrm>
+            <a:off x="0" y="8685213"/>
+            <a:ext cx="2971800" cy="458787"/>
+          </a:xfrm>
+          <a:prstGeom prst="rect">
+            <a:avLst/>
+          </a:prstGeom>
+        </p:spPr>
+        <p:txBody>
+          <a:bodyPr vert="horz" lIns="91440" tIns="45720" rIns="91440" bIns="45720" rtlCol="0" anchor="b"/>
+          <a:lstStyle>
+            <a:lvl1pPr algn="l">
+              <a:defRPr sz="1200"/>
+            </a:lvl1pPr>
+          </a:lstStyle>
+          <a:p>
+            <a:endParaRPr lang="en-US"/>
+          </a:p>
+        </p:txBody>
+      </p:sp>
+      <p:sp>
+        <p:nvSpPr>
+          <p:cNvPr id="7" name="Slide Number Placeholder 6"/>
+          <p:cNvSpPr>
+            <a:spLocks noGrp="1"/>
+          </p:cNvSpPr>
+          <p:nvPr>
+            <p:ph type="sldNum" sz="quarter" idx="5"/>
+          </p:nvPr>
+        </p:nvSpPr>
+        <p:spPr>
+          <a:xfrm>
+            <a:off x="3884613" y="8685213"/>
+            <a:ext cx="2971800" cy="458787"/>
+          </a:xfrm>
+          <a:prstGeom prst="rect">
+            <a:avLst/>
+          </a:prstGeom>
+        </p:spPr>
+        <p:txBody>
+          <a:bodyPr vert="horz" lIns="91440" tIns="45720" rIns="91440" bIns="45720" rtlCol="0" anchor="b"/>
+          <a:lstStyle>
+            <a:lvl1pPr algn="r">
+              <a:defRPr sz="1200"/>
+            </a:lvl1pPr>
+          </a:lstStyle>
+          <a:p>
+            <a:fld id="{6092F379-BBDA-4C4C-8388-62C243978CCA}" type="slidenum">
+              <a:rPr lang="en-US" smtClean="0"/>
+              <a:t>‹#›</a:t>
+            </a:fld>
+            <a:endParaRPr lang="en-US"/>
+          </a:p>
+        </p:txBody>
+      </p:sp>
+    </p:spTree>
+    <p:extLst>
+      <p:ext uri="{BB962C8B-B14F-4D97-AF65-F5344CB8AC3E}">
+        <p14:creationId xmlns:p14="http://schemas.microsoft.com/office/powerpoint/2010/main" val="885582183"/>
+      </p:ext>
+    </p:extLst>
+  </p:cSld>
+  <p:clrMap bg1="lt1" tx1="dk1" bg2="lt2" tx2="dk2" accent1="accent1" accent2="accent2" accent3="accent3" accent4="accent4" accent5="accent5" accent6="accent6" hlink="hlink" folHlink="folHlink"/>
+  <p:notesStyle>
+    <a:lvl1pPr marL="0" algn="l" defTabSz="914400" rtl="0" eaLnBrk="1" latinLnBrk="0" hangingPunct="1">
+      <a:defRPr sz="1200" kern="1200">
+        <a:solidFill>
+          <a:schemeClr val="tx1"/>
+        </a:solidFill>
+        <a:latin typeface="+mn-lt"/>
+        <a:ea typeface="+mn-ea"/>
+        <a:cs typeface="+mn-cs"/>
+      </a:defRPr>
+    </a:lvl1pPr>
+    <a:lvl2pPr marL="457200" algn="l" defTabSz="914400" rtl="0" eaLnBrk="1" latinLnBrk="0" hangingPunct="1">
+      <a:defRPr sz="1200" kern="1200">
+        <a:solidFill>
+          <a:schemeClr val="tx1"/>
+        </a:solidFill>
+        <a:latin typeface="+mn-lt"/>
+        <a:ea typeface="+mn-ea"/>
+        <a:cs typeface="+mn-cs"/>
+      </a:defRPr>
+    </a:lvl2pPr>
+    <a:lvl3pPr marL="914400" algn="l" defTabSz="914400" rtl="0" eaLnBrk="1" latinLnBrk="0" hangingPunct="1">
+      <a:defRPr sz="1200" kern="1200">
+        <a:solidFill>
+          <a:schemeClr val="tx1"/>
+        </a:solidFill>
+        <a:latin typeface="+mn-lt"/>
+        <a:ea typeface="+mn-ea"/>
+        <a:cs typeface="+mn-cs"/>
+      </a:defRPr>
+    </a:lvl3pPr>
+    <a:lvl4pPr marL="1371600" algn="l" defTabSz="914400" rtl="0" eaLnBrk="1" latinLnBrk="0" hangingPunct="1">
+      <a:defRPr sz="1200" kern="1200">
+        <a:solidFill>
+          <a:schemeClr val="tx1"/>
+        </a:solidFill>
+        <a:latin typeface="+mn-lt"/>
+        <a:ea typeface="+mn-ea"/>
+        <a:cs typeface="+mn-cs"/>
+      </a:defRPr>
+    </a:lvl4pPr>
+    <a:lvl5pPr marL="1828800" algn="l" defTabSz="914400" rtl="0" eaLnBrk="1" latinLnBrk="0" hangingPunct="1">
+      <a:defRPr sz="1200" kern="1200">
+        <a:solidFill>
+          <a:schemeClr val="tx1"/>
+        </a:solidFill>
+        <a:latin typeface="+mn-lt"/>
+        <a:ea typeface="+mn-ea"/>
+        <a:cs typeface="+mn-cs"/>
+      </a:defRPr>
+    </a:lvl5pPr>
+    <a:lvl6pPr marL="2286000" algn="l" defTabSz="914400" rtl="0" eaLnBrk="1" latinLnBrk="0" hangingPunct="1">
+      <a:defRPr sz="1200" kern="1200">
+        <a:solidFill>
+          <a:schemeClr val="tx1"/>
+        </a:solidFill>
+        <a:latin typeface="+mn-lt"/>
+        <a:ea typeface="+mn-ea"/>
+        <a:cs typeface="+mn-cs"/>
+      </a:defRPr>
+    </a:lvl6pPr>
+    <a:lvl7pPr marL="2743200" algn="l" defTabSz="914400" rtl="0" eaLnBrk="1" latinLnBrk="0" hangingPunct="1">
+      <a:defRPr sz="1200" kern="1200">
+        <a:solidFill>
+          <a:schemeClr val="tx1"/>
+        </a:solidFill>
+        <a:latin typeface="+mn-lt"/>
+        <a:ea typeface="+mn-ea"/>
+        <a:cs typeface="+mn-cs"/>
+      </a:defRPr>
+    </a:lvl7pPr>
+    <a:lvl8pPr marL="3200400" algn="l" defTabSz="914400" rtl="0" eaLnBrk="1" latinLnBrk="0" hangingPunct="1">
+      <a:defRPr sz="1200" kern="1200">
+        <a:solidFill>
+          <a:schemeClr val="tx1"/>
+        </a:solidFill>
+        <a:latin typeface="+mn-lt"/>
+        <a:ea typeface="+mn-ea"/>
+        <a:cs typeface="+mn-cs"/>
+      </a:defRPr>
+    </a:lvl8pPr>
+    <a:lvl9pPr marL="3657600" algn="l" defTabSz="914400" rtl="0" eaLnBrk="1" latinLnBrk="0" hangingPunct="1">
+      <a:defRPr sz="1200" kern="1200">
+        <a:solidFill>
+          <a:schemeClr val="tx1"/>
+        </a:solidFill>
+        <a:latin typeface="+mn-lt"/>
+        <a:ea typeface="+mn-ea"/>
+        <a:cs typeface="+mn-cs"/>
+      </a:defRPr>
+    </a:lvl9pPr>
+  </p:notesStyle>
+</p:notesMaster>
 </file>
 
-<file path=ppt/charts/colors1.xml><?xml version="1.0" encoding="utf-8"?>
-<cs:colorStyle xmlns:cs="http://schemas.microsoft.com/office/drawing/2012/chartStyle" xmlns:a="http://schemas.openxmlformats.org/drawingml/2006/main" meth="cycle" id="10">
-  <a:schemeClr val="accent1"/>
-  <a:schemeClr val="accent2"/>
-  <a:schemeClr val="accent3"/>
-  <a:schemeClr val="accent4"/>
-  <a:schemeClr val="accent5"/>
-  <a:schemeClr val="accent6"/>
-  <cs:variation/>
-  <cs:variation>
-    <a:lumMod val="60000"/>
-  </cs:variation>
-  <cs:variation>
-    <a:lumMod val="80000"/>
-    <a:lumOff val="20000"/>
-  </cs:variation>
-  <cs:variation>
-    <a:lumMod val="80000"/>
-  </cs:variation>
-  <cs:variation>
-    <a:lumMod val="60000"/>
-    <a:lumOff val="40000"/>
-  </cs:variation>
-  <cs:variation>
-    <a:lumMod val="50000"/>
-  </cs:variation>
-  <cs:variation>
-    <a:lumMod val="70000"/>
-    <a:lumOff val="30000"/>
-  </cs:variation>
-  <cs:variation>
-    <a:lumMod val="70000"/>
-  </cs:variation>
-  <cs:variation>
-    <a:lumMod val="50000"/>
-    <a:lumOff val="50000"/>
-  </cs:variation>
-</cs:colorStyle>
-</file>
-
-<file path=ppt/charts/style1.xml><?xml version="1.0" encoding="utf-8"?>
-<cs:chartStyle xmlns:cs="http://schemas.microsoft.com/office/drawing/2012/chartStyle" xmlns:a="http://schemas.openxmlformats.org/drawingml/2006/main" id="201">
-  <cs:axisTitle>
-    <cs:lnRef idx="0"/>
-    <cs:fillRef idx="0"/>
-    <cs:effectRef idx="0"/>
-    <cs:fontRef idx="minor">
-      <a:schemeClr val="tx1">
-        <a:lumMod val="65000"/>
-        <a:lumOff val="35000"/>
-      </a:schemeClr>
-    </cs:fontRef>
-    <cs:defRPr sz="1000" kern="1200"/>
-  </cs:axisTitle>
-  <cs:categoryAxis>
-    <cs:lnRef idx="0"/>
-    <cs:fillRef idx="0"/>
-    <cs:effectRef idx="0"/>
-    <cs:fontRef idx="minor">
-      <a:schemeClr val="tx1">
-        <a:lumMod val="65000"/>
-        <a:lumOff val="35000"/>
-      </a:schemeClr>
-    </cs:fontRef>
-    <cs:spPr>
-      <a:ln w="9525" cap="flat" cmpd="sng" algn="ctr">
-        <a:solidFill>
-          <a:schemeClr val="tx1">
-            <a:lumMod val="15000"/>
-            <a:lumOff val="85000"/>
-          </a:schemeClr>
-        </a:solidFill>
-        <a:round/>
-      </a:ln>
-    </cs:spPr>
-    <cs:defRPr sz="900" kern="1200"/>
-  </cs:categoryAxis>
-  <cs:chartArea mods="allowNoFillOverride allowNoLineOverride">
-    <cs:lnRef idx="0"/>
-    <cs:fillRef idx="0"/>
-    <cs:effectRef idx="0"/>
-    <cs:fontRef idx="minor">
-      <a:schemeClr val="tx1"/>
-    </cs:fontRef>
-    <cs:spPr>
-      <a:solidFill>
-        <a:schemeClr val="bg1"/>
-      </a:solidFill>
-      <a:ln w="9525" cap="flat" cmpd="sng" algn="ctr">
-        <a:solidFill>
-          <a:schemeClr val="tx1">
-            <a:lumMod val="15000"/>
-            <a:lumOff val="85000"/>
-          </a:schemeClr>
-        </a:solidFill>
-        <a:round/>
-      </a:ln>
-    </cs:spPr>
-    <cs:defRPr sz="1000" kern="1200"/>
-  </cs:chartArea>
-  <cs:dataLabel>
-    <cs:lnRef idx="0"/>
-    <cs:fillRef idx="0"/>
-    <cs:effectRef idx="0"/>
-    <cs:fontRef idx="minor">
-      <a:schemeClr val="tx1">
-        <a:lumMod val="75000"/>
-        <a:lumOff val="25000"/>
-      </a:schemeClr>
-    </cs:fontRef>
-    <cs:defRPr sz="900" kern="1200"/>
-  </cs:dataLabel>
-  <cs:dataLabelCallout>
-    <cs:lnRef idx="0"/>
-    <cs:fillRef idx="0"/>
-    <cs:effectRef idx="0"/>
-    <cs:fontRef idx="minor">
-      <a:schemeClr val="dk1">
-        <a:lumMod val="65000"/>
-        <a:lumOff val="35000"/>
-      </a:schemeClr>
-    </cs:fontRef>
-    <cs:spPr>
-      <a:solidFill>
-        <a:schemeClr val="lt1"/>
-      </a:solidFill>
-      <a:ln>
-        <a:solidFill>
-          <a:schemeClr val="dk1">
-            <a:lumMod val="25000"/>
-            <a:lumOff val="75000"/>
-          </a:schemeClr>
-        </a:solidFill>
-      </a:ln>
-    </cs:spPr>
-    <cs:defRPr sz="900" kern="1200"/>
-    <cs:bodyPr rot="0" spcFirstLastPara="1" vertOverflow="clip" horzOverflow="clip" vert="horz" wrap="square" lIns="36576" tIns="18288" rIns="36576" bIns="18288" anchor="ctr" anchorCtr="1">
-      <a:spAutoFit/>
-    </cs:bodyPr>
-  </cs:dataLabelCallout>
-  <cs:dataPoint>
-    <cs:lnRef idx="0"/>
-    <cs:fillRef idx="1">
-      <cs:styleClr val="auto"/>
-    </cs:fillRef>
-    <cs:effectRef idx="0"/>
-    <cs:fontRef idx="minor">
-      <a:schemeClr val="tx1"/>
-    </cs:fontRef>
-  </cs:dataPoint>
-  <cs:dataPoint3D>
-    <cs:lnRef idx="0"/>
-    <cs:fillRef idx="1">
-      <cs:styleClr val="auto"/>
-    </cs:fillRef>
-    <cs:effectRef idx="0"/>
-    <cs:fontRef idx="minor">
-      <a:schemeClr val="tx1"/>
-    </cs:fontRef>
-  </cs:dataPoint3D>
-  <cs:dataPointLine>
-    <cs:lnRef idx="0">
-      <cs:styleClr val="auto"/>
-    </cs:lnRef>
-    <cs:fillRef idx="1"/>
-    <cs:effectRef idx="0"/>
-    <cs:fontRef idx="minor">
-      <a:schemeClr val="tx1"/>
-    </cs:fontRef>
-    <cs:spPr>
-      <a:ln w="28575" cap="rnd">
-        <a:solidFill>
-          <a:schemeClr val="phClr"/>
-        </a:solidFill>
-        <a:round/>
-      </a:ln>
-    </cs:spPr>
-  </cs:dataPointLine>
-  <cs:dataPointMarker>
-    <cs:lnRef idx="0">
-      <cs:styleClr val="auto"/>
-    </cs:lnRef>
-    <cs:fillRef idx="1">
-      <cs:styleClr val="auto"/>
-    </cs:fillRef>
-    <cs:effectRef idx="0"/>
-    <cs:fontRef idx="minor">
-      <a:schemeClr val="tx1"/>
-    </cs:fontRef>
-    <cs:spPr>
-      <a:ln w="9525">
-        <a:solidFill>
-          <a:schemeClr val="phClr"/>
-        </a:solidFill>
-      </a:ln>
-    </cs:spPr>
-  </cs:dataPointMarker>
-  <cs:dataPointMarkerLayout symbol="circle" size="5"/>
-  <cs:dataPointWireframe>
-    <cs:lnRef idx="0">
-      <cs:styleClr val="auto"/>
-    </cs:lnRef>
-    <cs:fillRef idx="1"/>
-    <cs:effectRef idx="0"/>
-    <cs:fontRef idx="minor">
-      <a:schemeClr val="tx1"/>
-    </cs:fontRef>
-    <cs:spPr>
-      <a:ln w="9525" cap="rnd">
-        <a:solidFill>
-          <a:schemeClr val="phClr"/>
-        </a:solidFill>
-        <a:round/>
-      </a:ln>
-    </cs:spPr>
-  </cs:dataPointWireframe>
-  <cs:dataTable>
-    <cs:lnRef idx="0"/>
-    <cs:fillRef idx="0"/>
-    <cs:effectRef idx="0"/>
-    <cs:fontRef idx="minor">
-      <a:schemeClr val="tx1">
-        <a:lumMod val="65000"/>
-        <a:lumOff val="35000"/>
-      </a:schemeClr>
-    </cs:fontRef>
-    <cs:spPr>
-      <a:noFill/>
-      <a:ln w="9525" cap="flat" cmpd="sng" algn="ctr">
-        <a:solidFill>
-          <a:schemeClr val="tx1">
-            <a:lumMod val="15000"/>
-            <a:lumOff val="85000"/>
-          </a:schemeClr>
-        </a:solidFill>
-        <a:round/>
-      </a:ln>
-    </cs:spPr>
-    <cs:defRPr sz="900" kern="1200"/>
-  </cs:dataTable>
-  <cs:downBar>
-    <cs:lnRef idx="0"/>
-    <cs:fillRef idx="0"/>
-    <cs:effectRef idx="0"/>
-    <cs:fontRef idx="minor">
-      <a:schemeClr val="dk1"/>
-    </cs:fontRef>
-    <cs:spPr>
-      <a:solidFill>
-        <a:schemeClr val="dk1">
-          <a:lumMod val="65000"/>
-          <a:lumOff val="35000"/>
-        </a:schemeClr>
-      </a:solidFill>
-      <a:ln w="9525">
-        <a:solidFill>
-          <a:schemeClr val="tx1">
-            <a:lumMod val="65000"/>
-            <a:lumOff val="35000"/>
-          </a:schemeClr>
-        </a:solidFill>
-      </a:ln>
-    </cs:spPr>
-  </cs:downBar>
-  <cs:dropLine>
-    <cs:lnRef idx="0"/>
-    <cs:fillRef idx="0"/>
-    <cs:effectRef idx="0"/>
-    <cs:fontRef idx="minor">
-      <a:schemeClr val="tx1"/>
-    </cs:fontRef>
-    <cs:spPr>
-      <a:ln w="9525" cap="flat" cmpd="sng" algn="ctr">
-        <a:solidFill>
-          <a:schemeClr val="tx1">
-            <a:lumMod val="35000"/>
-            <a:lumOff val="65000"/>
-          </a:schemeClr>
-        </a:solidFill>
-        <a:round/>
-      </a:ln>
-    </cs:spPr>
-  </cs:dropLine>
-  <cs:errorBar>
-    <cs:lnRef idx="0"/>
-    <cs:fillRef idx="0"/>
-    <cs:effectRef idx="0"/>
-    <cs:fontRef idx="minor">
-      <a:schemeClr val="tx1"/>
-    </cs:fontRef>
-    <cs:spPr>
-      <a:ln w="9525" cap="flat" cmpd="sng" algn="ctr">
-        <a:solidFill>
-          <a:schemeClr val="tx1">
-            <a:lumMod val="65000"/>
-            <a:lumOff val="35000"/>
-          </a:schemeClr>
-        </a:solidFill>
-        <a:round/>
-      </a:ln>
-    </cs:spPr>
-  </cs:errorBar>
-  <cs:floor>
-    <cs:lnRef idx="0"/>
-    <cs:fillRef idx="0"/>
-    <cs:effectRef idx="0"/>
-    <cs:fontRef idx="minor">
-      <a:schemeClr val="tx1"/>
-    </cs:fontRef>
-    <cs:spPr>
-      <a:noFill/>
-      <a:ln>
-        <a:noFill/>
-      </a:ln>
-    </cs:spPr>
-  </cs:floor>
-  <cs:gridlineMajor>
-    <cs:lnRef idx="0"/>
-    <cs:fillRef idx="0"/>
-    <cs:effectRef idx="0"/>
-    <cs:fontRef idx="minor">
-      <a:schemeClr val="tx1"/>
-    </cs:fontRef>
-    <cs:spPr>
-      <a:ln w="9525" cap="flat" cmpd="sng" algn="ctr">
-        <a:solidFill>
-          <a:schemeClr val="tx1">
-            <a:lumMod val="15000"/>
-            <a:lumOff val="85000"/>
-          </a:schemeClr>
-        </a:solidFill>
-        <a:round/>
-      </a:ln>
-    </cs:spPr>
-  </cs:gridlineMajor>
-  <cs:gridlineMinor>
-    <cs:lnRef idx="0"/>
-    <cs:fillRef idx="0"/>
-    <cs:effectRef idx="0"/>
-    <cs:fontRef idx="minor">
-      <a:schemeClr val="tx1"/>
-    </cs:fontRef>
-    <cs:spPr>
-      <a:ln w="9525" cap="flat" cmpd="sng" algn="ctr">
-        <a:solidFill>
-          <a:schemeClr val="tx1">
-            <a:lumMod val="5000"/>
-            <a:lumOff val="95000"/>
-          </a:schemeClr>
-        </a:solidFill>
-        <a:round/>
-      </a:ln>
-    </cs:spPr>
-  </cs:gridlineMinor>
-  <cs:hiLoLine>
-    <cs:lnRef idx="0"/>
-    <cs:fillRef idx="0"/>
-    <cs:effectRef idx="0"/>
-    <cs:fontRef idx="minor">
-      <a:schemeClr val="tx1"/>
-    </cs:fontRef>
-    <cs:spPr>
-      <a:ln w="9525" cap="flat" cmpd="sng" algn="ctr">
-        <a:solidFill>
-          <a:schemeClr val="tx1">
-            <a:lumMod val="75000"/>
-            <a:lumOff val="25000"/>
-          </a:schemeClr>
-        </a:solidFill>
-        <a:round/>
-      </a:ln>
-    </cs:spPr>
-  </cs:hiLoLine>
-  <cs:leaderLine>
-    <cs:lnRef idx="0"/>
-    <cs:fillRef idx="0"/>
-    <cs:effectRef idx="0"/>
-    <cs:fontRef idx="minor">
-      <a:schemeClr val="tx1"/>
-    </cs:fontRef>
-    <cs:spPr>
-      <a:ln w="9525" cap="flat" cmpd="sng" algn="ctr">
-        <a:solidFill>
-          <a:schemeClr val="tx1">
-            <a:lumMod val="35000"/>
-            <a:lumOff val="65000"/>
-          </a:schemeClr>
-        </a:solidFill>
-        <a:round/>
-      </a:ln>
-    </cs:spPr>
-  </cs:leaderLine>
-  <cs:legend>
-    <cs:lnRef idx="0"/>
-    <cs:fillRef idx="0"/>
-    <cs:effectRef idx="0"/>
-    <cs:fontRef idx="minor">
-      <a:schemeClr val="tx1">
-        <a:lumMod val="65000"/>
-        <a:lumOff val="35000"/>
-      </a:schemeClr>
-    </cs:fontRef>
-    <cs:defRPr sz="900" kern="1200"/>
-  </cs:legend>
-  <cs:plotArea mods="allowNoFillOverride allowNoLineOverride">
-    <cs:lnRef idx="0"/>
-    <cs:fillRef idx="0"/>
-    <cs:effectRef idx="0"/>
-    <cs:fontRef idx="minor">
-      <a:schemeClr val="tx1"/>
-    </cs:fontRef>
-  </cs:plotArea>
-  <cs:plotArea3D mods="allowNoFillOverride allowNoLineOverride">
-    <cs:lnRef idx="0"/>
-    <cs:fillRef idx="0"/>
-    <cs:effectRef idx="0"/>
-    <cs:fontRef idx="minor">
-      <a:schemeClr val="tx1"/>
-    </cs:fontRef>
-  </cs:plotArea3D>
-  <cs:seriesAxis>
-    <cs:lnRef idx="0"/>
-    <cs:fillRef idx="0"/>
-    <cs:effectRef idx="0"/>
-    <cs:fontRef idx="minor">
-      <a:schemeClr val="tx1">
-        <a:lumMod val="65000"/>
-        <a:lumOff val="35000"/>
-      </a:schemeClr>
-    </cs:fontRef>
-    <cs:defRPr sz="900" kern="1200"/>
-  </cs:seriesAxis>
-  <cs:seriesLine>
-    <cs:lnRef idx="0"/>
-    <cs:fillRef idx="0"/>
-    <cs:effectRef idx="0"/>
-    <cs:fontRef idx="minor">
-      <a:schemeClr val="tx1"/>
-    </cs:fontRef>
-    <cs:spPr>
-      <a:ln w="9525" cap="flat" cmpd="sng" algn="ctr">
-        <a:solidFill>
-          <a:schemeClr val="tx1">
-            <a:lumMod val="35000"/>
-            <a:lumOff val="65000"/>
-          </a:schemeClr>
-        </a:solidFill>
-        <a:round/>
-      </a:ln>
-    </cs:spPr>
-  </cs:seriesLine>
-  <cs:title>
-    <cs:lnRef idx="0"/>
-    <cs:fillRef idx="0"/>
-    <cs:effectRef idx="0"/>
-    <cs:fontRef idx="minor">
-      <a:schemeClr val="tx1">
-        <a:lumMod val="65000"/>
-        <a:lumOff val="35000"/>
-      </a:schemeClr>
-    </cs:fontRef>
-    <cs:defRPr sz="1400" b="0" kern="1200" spc="0" baseline="0"/>
-  </cs:title>
-  <cs:trendline>
-    <cs:lnRef idx="0">
-      <cs:styleClr val="auto"/>
-    </cs:lnRef>
-    <cs:fillRef idx="0"/>
-    <cs:effectRef idx="0"/>
-    <cs:fontRef idx="minor">
-      <a:schemeClr val="tx1"/>
-    </cs:fontRef>
-    <cs:spPr>
-      <a:ln w="19050" cap="rnd">
-        <a:solidFill>
-          <a:schemeClr val="phClr"/>
-        </a:solidFill>
-        <a:prstDash val="sysDot"/>
-      </a:ln>
-    </cs:spPr>
-  </cs:trendline>
-  <cs:trendlineLabel>
-    <cs:lnRef idx="0"/>
-    <cs:fillRef idx="0"/>
-    <cs:effectRef idx="0"/>
-    <cs:fontRef idx="minor">
-      <a:schemeClr val="tx1">
-        <a:lumMod val="65000"/>
-        <a:lumOff val="35000"/>
-      </a:schemeClr>
-    </cs:fontRef>
-    <cs:defRPr sz="900" kern="1200"/>
-  </cs:trendlineLabel>
-  <cs:upBar>
-    <cs:lnRef idx="0"/>
-    <cs:fillRef idx="0"/>
-    <cs:effectRef idx="0"/>
-    <cs:fontRef idx="minor">
-      <a:schemeClr val="dk1"/>
-    </cs:fontRef>
-    <cs:spPr>
-      <a:solidFill>
-        <a:schemeClr val="lt1"/>
-      </a:solidFill>
-      <a:ln w="9525">
-        <a:solidFill>
-          <a:schemeClr val="tx1">
-            <a:lumMod val="15000"/>
-            <a:lumOff val="85000"/>
-          </a:schemeClr>
-        </a:solidFill>
-      </a:ln>
-    </cs:spPr>
-  </cs:upBar>
-  <cs:valueAxis>
-    <cs:lnRef idx="0"/>
-    <cs:fillRef idx="0"/>
-    <cs:effectRef idx="0"/>
-    <cs:fontRef idx="minor">
-      <a:schemeClr val="tx1">
-        <a:lumMod val="65000"/>
-        <a:lumOff val="35000"/>
-      </a:schemeClr>
-    </cs:fontRef>
-    <cs:defRPr sz="900" kern="1200"/>
-  </cs:valueAxis>
-  <cs:wall>
-    <cs:lnRef idx="0"/>
-    <cs:fillRef idx="0"/>
-    <cs:effectRef idx="0"/>
-    <cs:fontRef idx="minor">
-      <a:schemeClr val="tx1"/>
-    </cs:fontRef>
-    <cs:spPr>
-      <a:noFill/>
-      <a:ln>
-        <a:noFill/>
-      </a:ln>
-    </cs:spPr>
-  </cs:wall>
-</cs:chartStyle>
-</file>
-
-<file path=ppt/drawings/drawing1.xml><?xml version="1.0" encoding="utf-8"?>
-<c:userShapes xmlns:c="http://schemas.openxmlformats.org/drawingml/2006/chart">
-  <cdr:relSizeAnchor xmlns:cdr="http://schemas.openxmlformats.org/drawingml/2006/chartDrawing">
-    <cdr:from>
-      <cdr:x>0.08351</cdr:x>
-      <cdr:y>0.11078</cdr:y>
-    </cdr:from>
-    <cdr:to>
-      <cdr:x>0.25176</cdr:x>
-      <cdr:y>0.28271</cdr:y>
-    </cdr:to>
-    <cdr:sp macro="" textlink="">
-      <cdr:nvSpPr>
-        <cdr:cNvPr id="2" name="TextBox 1"/>
-        <cdr:cNvSpPr txBox="1"/>
-      </cdr:nvSpPr>
-      <cdr:spPr>
-        <a:xfrm xmlns:a="http://schemas.openxmlformats.org/drawingml/2006/main">
-          <a:off x="999909" y="718065"/>
-          <a:ext cx="2014445" cy="1114465"/>
+<file path=ppt/notesSlides/notesSlide1.xml><?xml version="1.0" encoding="utf-8"?>
+<p:notes xmlns:a="http://schemas.openxmlformats.org/drawingml/2006/main" xmlns:r="http://schemas.openxmlformats.org/officeDocument/2006/relationships" xmlns:p="http://schemas.openxmlformats.org/presentationml/2006/main">
+  <p:cSld>
+    <p:spTree>
+      <p:nvGrpSpPr>
+        <p:cNvPr id="1" name=""/>
+        <p:cNvGrpSpPr/>
+        <p:nvPr/>
+      </p:nvGrpSpPr>
+      <p:grpSpPr>
+        <a:xfrm>
+          <a:off x="0" y="0"/>
+          <a:ext cx="0" cy="0"/>
+          <a:chOff x="0" y="0"/>
+          <a:chExt cx="0" cy="0"/>
         </a:xfrm>
-        <a:prstGeom xmlns:a="http://schemas.openxmlformats.org/drawingml/2006/main" prst="rect">
-          <a:avLst/>
-        </a:prstGeom>
-        <a:noFill xmlns:a="http://schemas.openxmlformats.org/drawingml/2006/main"/>
-      </cdr:spPr>
-      <cdr:txBody>
-        <a:bodyPr xmlns:a="http://schemas.openxmlformats.org/drawingml/2006/main" vertOverflow="clip" wrap="square" rtlCol="0"/>
-        <a:lstStyle xmlns:a="http://schemas.openxmlformats.org/drawingml/2006/main"/>
-        <a:p xmlns:a="http://schemas.openxmlformats.org/drawingml/2006/main">
-          <a:r>
-            <a:rPr lang="en-US" sz="1600" dirty="0" smtClean="0">
-              <a:solidFill>
-                <a:schemeClr val="tx1"/>
-              </a:solidFill>
-            </a:rPr>
-            <a:t>Mean: </a:t>
-          </a:r>
-          <a:r>
-            <a:rPr lang="en-US" sz="1600" dirty="0" smtClean="0">
-              <a:solidFill>
-                <a:schemeClr val="tx1"/>
-              </a:solidFill>
-            </a:rPr>
-            <a:t> 0.999 sec.</a:t>
-          </a:r>
-        </a:p>
-        <a:p xmlns:a="http://schemas.openxmlformats.org/drawingml/2006/main">
-          <a:r>
-            <a:rPr lang="en-US" sz="1600" dirty="0" smtClean="0">
-              <a:solidFill>
-                <a:schemeClr val="tx1"/>
-              </a:solidFill>
-            </a:rPr>
-            <a:t>Median: 0.672 sec.</a:t>
-          </a:r>
-          <a:endParaRPr lang="en-US" sz="1600" dirty="0">
-            <a:solidFill>
-              <a:schemeClr val="tx1"/>
-            </a:solidFill>
-          </a:endParaRPr>
-        </a:p>
-      </cdr:txBody>
-    </cdr:sp>
-  </cdr:relSizeAnchor>
-</c:userShapes>
+      </p:grpSpPr>
+      <p:sp>
+        <p:nvSpPr>
+          <p:cNvPr id="2" name="Slide Image Placeholder 1"/>
+          <p:cNvSpPr>
+            <a:spLocks noGrp="1" noRot="1" noChangeAspect="1"/>
+          </p:cNvSpPr>
+          <p:nvPr>
+            <p:ph type="sldImg"/>
+          </p:nvPr>
+        </p:nvSpPr>
+        <p:spPr/>
+      </p:sp>
+      <p:sp>
+        <p:nvSpPr>
+          <p:cNvPr id="3" name="Notes Placeholder 2"/>
+          <p:cNvSpPr>
+            <a:spLocks noGrp="1"/>
+          </p:cNvSpPr>
+          <p:nvPr>
+            <p:ph type="body" idx="1"/>
+          </p:nvPr>
+        </p:nvSpPr>
+        <p:spPr/>
+        <p:txBody>
+          <a:bodyPr/>
+          <a:lstStyle/>
+          <a:p>
+            <a:endParaRPr lang="en-US" dirty="0"/>
+          </a:p>
+        </p:txBody>
+      </p:sp>
+      <p:sp>
+        <p:nvSpPr>
+          <p:cNvPr id="4" name="Slide Number Placeholder 3"/>
+          <p:cNvSpPr>
+            <a:spLocks noGrp="1"/>
+          </p:cNvSpPr>
+          <p:nvPr>
+            <p:ph type="sldNum" sz="quarter" idx="10"/>
+          </p:nvPr>
+        </p:nvSpPr>
+        <p:spPr/>
+        <p:txBody>
+          <a:bodyPr/>
+          <a:lstStyle/>
+          <a:p>
+            <a:fld id="{6092F379-BBDA-4C4C-8388-62C243978CCA}" type="slidenum">
+              <a:rPr lang="en-US" smtClean="0"/>
+              <a:t>3</a:t>
+            </a:fld>
+            <a:endParaRPr lang="en-US"/>
+          </a:p>
+        </p:txBody>
+      </p:sp>
+    </p:spTree>
+    <p:extLst>
+      <p:ext uri="{BB962C8B-B14F-4D97-AF65-F5344CB8AC3E}">
+        <p14:creationId xmlns:p14="http://schemas.microsoft.com/office/powerpoint/2010/main" val="1918075971"/>
+      </p:ext>
+    </p:extLst>
+  </p:cSld>
+  <p:clrMapOvr>
+    <a:masterClrMapping/>
+  </p:clrMapOvr>
+</p:notes>
 </file>
 
 <file path=ppt/slideLayouts/slideLayout1.xml><?xml version="1.0" encoding="utf-8"?>
@@ -5942,28 +4978,41 @@
           <a:chExt cx="0" cy="0"/>
         </a:xfrm>
       </p:grpSpPr>
-      <p:graphicFrame>
-        <p:nvGraphicFramePr>
-          <p:cNvPr id="4" name="Chart 3"/>
-          <p:cNvGraphicFramePr/>
-          <p:nvPr>
-            <p:extLst>
-              <p:ext uri="{D42A27DB-BD31-4B8C-83A1-F6EECF244321}">
-                <p14:modId xmlns:p14="http://schemas.microsoft.com/office/powerpoint/2010/main" val="92398953"/>
-              </p:ext>
-            </p:extLst>
-          </p:nvPr>
-        </p:nvGraphicFramePr>
-        <p:xfrm>
-          <a:off x="142875" y="221456"/>
-          <a:ext cx="11972925" cy="6482085"/>
-        </p:xfrm>
-        <a:graphic>
-          <a:graphicData uri="http://schemas.openxmlformats.org/drawingml/2006/chart">
-            <c:chart xmlns:c="http://schemas.openxmlformats.org/drawingml/2006/chart" xmlns:r="http://schemas.openxmlformats.org/officeDocument/2006/relationships" r:id="rId2"/>
-          </a:graphicData>
-        </a:graphic>
-      </p:graphicFrame>
+      <p:cxnSp>
+        <p:nvCxnSpPr>
+          <p:cNvPr id="65" name="Straight Connector 64"/>
+          <p:cNvCxnSpPr/>
+          <p:nvPr/>
+        </p:nvCxnSpPr>
+        <p:spPr>
+          <a:xfrm>
+            <a:off x="8031681" y="4126317"/>
+            <a:ext cx="349695" cy="0"/>
+          </a:xfrm>
+          <a:prstGeom prst="line">
+            <a:avLst/>
+          </a:prstGeom>
+          <a:ln w="38100">
+            <a:solidFill>
+              <a:schemeClr val="tx1"/>
+            </a:solidFill>
+          </a:ln>
+        </p:spPr>
+        <p:style>
+          <a:lnRef idx="1">
+            <a:schemeClr val="accent1"/>
+          </a:lnRef>
+          <a:fillRef idx="0">
+            <a:schemeClr val="accent1"/>
+          </a:fillRef>
+          <a:effectRef idx="0">
+            <a:schemeClr val="accent1"/>
+          </a:effectRef>
+          <a:fontRef idx="minor">
+            <a:schemeClr val="tx1"/>
+          </a:fontRef>
+        </p:style>
+      </p:cxnSp>
       <p:sp>
         <p:nvSpPr>
           <p:cNvPr id="2" name="Title 1"/>
@@ -5974,30 +5023,5253 @@
             <p:ph type="title"/>
           </p:nvPr>
         </p:nvSpPr>
-        <p:spPr>
-          <a:xfrm>
-            <a:off x="2528350" y="50710"/>
-            <a:ext cx="6890657" cy="510399"/>
-          </a:xfrm>
-        </p:spPr>
-        <p:txBody>
-          <a:bodyPr>
-            <a:normAutofit fontScale="90000"/>
+        <p:spPr/>
+        <p:txBody>
+          <a:bodyPr/>
+          <a:lstStyle/>
+          <a:p>
+            <a:r>
+              <a:rPr lang="en-US" dirty="0" smtClean="0"/>
+              <a:t>Refresher #2: HMMER Engine</a:t>
+            </a:r>
+            <a:endParaRPr lang="en-US" dirty="0"/>
+          </a:p>
+        </p:txBody>
+      </p:sp>
+      <p:sp>
+        <p:nvSpPr>
+          <p:cNvPr id="10" name="Rectangle 9"/>
+          <p:cNvSpPr/>
+          <p:nvPr/>
+        </p:nvSpPr>
+        <p:spPr>
+          <a:xfrm>
+            <a:off x="8781336" y="2543814"/>
+            <a:ext cx="1169355" cy="2571321"/>
+          </a:xfrm>
+          <a:prstGeom prst="rect">
+            <a:avLst/>
+          </a:prstGeom>
+          <a:solidFill>
+            <a:schemeClr val="accent4">
+              <a:lumMod val="60000"/>
+              <a:lumOff val="40000"/>
+            </a:schemeClr>
+          </a:solidFill>
+          <a:ln>
+            <a:noFill/>
+          </a:ln>
+        </p:spPr>
+        <p:style>
+          <a:lnRef idx="2">
+            <a:schemeClr val="accent1">
+              <a:shade val="50000"/>
+            </a:schemeClr>
+          </a:lnRef>
+          <a:fillRef idx="1">
+            <a:schemeClr val="accent1"/>
+          </a:fillRef>
+          <a:effectRef idx="0">
+            <a:schemeClr val="accent1"/>
+          </a:effectRef>
+          <a:fontRef idx="minor">
+            <a:schemeClr val="lt1"/>
+          </a:fontRef>
+        </p:style>
+        <p:txBody>
+          <a:bodyPr rtlCol="0" anchor="ctr"/>
+          <a:lstStyle/>
+          <a:p>
+            <a:pPr algn="ctr"/>
+            <a:r>
+              <a:rPr lang="en-US" dirty="0" smtClean="0"/>
+              <a:t>Backward</a:t>
+            </a:r>
+            <a:endParaRPr lang="en-US" dirty="0"/>
+          </a:p>
+        </p:txBody>
+      </p:sp>
+      <p:sp>
+        <p:nvSpPr>
+          <p:cNvPr id="12" name="Rectangle 11"/>
+          <p:cNvSpPr/>
+          <p:nvPr/>
+        </p:nvSpPr>
+        <p:spPr>
+          <a:xfrm>
+            <a:off x="6896961" y="2543816"/>
+            <a:ext cx="1169355" cy="2571321"/>
+          </a:xfrm>
+          <a:prstGeom prst="rect">
+            <a:avLst/>
+          </a:prstGeom>
+          <a:ln>
+            <a:noFill/>
+          </a:ln>
+        </p:spPr>
+        <p:style>
+          <a:lnRef idx="2">
+            <a:schemeClr val="accent1">
+              <a:shade val="50000"/>
+            </a:schemeClr>
+          </a:lnRef>
+          <a:fillRef idx="1">
+            <a:schemeClr val="accent1"/>
+          </a:fillRef>
+          <a:effectRef idx="0">
+            <a:schemeClr val="accent1"/>
+          </a:effectRef>
+          <a:fontRef idx="minor">
+            <a:schemeClr val="lt1"/>
+          </a:fontRef>
+        </p:style>
+        <p:txBody>
+          <a:bodyPr rtlCol="0" anchor="ctr"/>
+          <a:lstStyle/>
+          <a:p>
+            <a:pPr algn="ctr"/>
+            <a:r>
+              <a:rPr lang="en-US" dirty="0" smtClean="0"/>
+              <a:t>Forward</a:t>
+            </a:r>
+          </a:p>
+          <a:p>
+            <a:pPr algn="ctr"/>
+            <a:r>
+              <a:rPr lang="en-US" dirty="0" smtClean="0"/>
+              <a:t>Filter</a:t>
+            </a:r>
+            <a:endParaRPr lang="en-US" dirty="0"/>
+          </a:p>
+        </p:txBody>
+      </p:sp>
+      <p:sp>
+        <p:nvSpPr>
+          <p:cNvPr id="14" name="Rectangle 13"/>
+          <p:cNvSpPr/>
+          <p:nvPr/>
+        </p:nvSpPr>
+        <p:spPr>
+          <a:xfrm>
+            <a:off x="3128211" y="2543814"/>
+            <a:ext cx="1169355" cy="2571321"/>
+          </a:xfrm>
+          <a:prstGeom prst="rect">
+            <a:avLst/>
+          </a:prstGeom>
+          <a:ln>
+            <a:noFill/>
+          </a:ln>
+        </p:spPr>
+        <p:style>
+          <a:lnRef idx="2">
+            <a:schemeClr val="accent1">
+              <a:shade val="50000"/>
+            </a:schemeClr>
+          </a:lnRef>
+          <a:fillRef idx="1">
+            <a:schemeClr val="accent1"/>
+          </a:fillRef>
+          <a:effectRef idx="0">
+            <a:schemeClr val="accent1"/>
+          </a:effectRef>
+          <a:fontRef idx="minor">
+            <a:schemeClr val="lt1"/>
+          </a:fontRef>
+        </p:style>
+        <p:txBody>
+          <a:bodyPr rtlCol="0" anchor="ctr"/>
+          <a:lstStyle/>
+          <a:p>
+            <a:pPr algn="ctr"/>
+            <a:r>
+              <a:rPr lang="en-US" dirty="0" smtClean="0"/>
+              <a:t>MSV</a:t>
+            </a:r>
+          </a:p>
+          <a:p>
+            <a:pPr algn="ctr"/>
+            <a:r>
+              <a:rPr lang="en-US" dirty="0" smtClean="0"/>
+              <a:t>Filter</a:t>
+            </a:r>
+            <a:endParaRPr lang="en-US" dirty="0"/>
+          </a:p>
+        </p:txBody>
+      </p:sp>
+      <p:sp>
+        <p:nvSpPr>
+          <p:cNvPr id="15" name="Rectangle 14"/>
+          <p:cNvSpPr/>
+          <p:nvPr/>
+        </p:nvSpPr>
+        <p:spPr>
+          <a:xfrm>
+            <a:off x="1243836" y="2543814"/>
+            <a:ext cx="1169355" cy="2571321"/>
+          </a:xfrm>
+          <a:prstGeom prst="rect">
+            <a:avLst/>
+          </a:prstGeom>
+          <a:ln>
+            <a:noFill/>
+          </a:ln>
+        </p:spPr>
+        <p:style>
+          <a:lnRef idx="2">
+            <a:schemeClr val="accent1">
+              <a:shade val="50000"/>
+            </a:schemeClr>
+          </a:lnRef>
+          <a:fillRef idx="1">
+            <a:schemeClr val="accent1"/>
+          </a:fillRef>
+          <a:effectRef idx="0">
+            <a:schemeClr val="accent1"/>
+          </a:effectRef>
+          <a:fontRef idx="minor">
+            <a:schemeClr val="lt1"/>
+          </a:fontRef>
+        </p:style>
+        <p:txBody>
+          <a:bodyPr rtlCol="0" anchor="ctr"/>
+          <a:lstStyle/>
+          <a:p>
+            <a:pPr algn="ctr"/>
+            <a:r>
+              <a:rPr lang="en-US" dirty="0" smtClean="0"/>
+              <a:t>SSV</a:t>
+            </a:r>
+          </a:p>
+          <a:p>
+            <a:pPr algn="ctr"/>
+            <a:r>
+              <a:rPr lang="en-US" dirty="0" smtClean="0"/>
+              <a:t>Filter</a:t>
+            </a:r>
+            <a:endParaRPr lang="en-US" dirty="0"/>
+          </a:p>
+        </p:txBody>
+      </p:sp>
+      <p:cxnSp>
+        <p:nvCxnSpPr>
+          <p:cNvPr id="18" name="Straight Arrow Connector 17"/>
+          <p:cNvCxnSpPr/>
+          <p:nvPr/>
+        </p:nvCxnSpPr>
+        <p:spPr>
+          <a:xfrm>
+            <a:off x="2413191" y="3580093"/>
+            <a:ext cx="715020" cy="0"/>
+          </a:xfrm>
+          <a:prstGeom prst="straightConnector1">
+            <a:avLst/>
+          </a:prstGeom>
+          <a:ln w="38100">
+            <a:solidFill>
+              <a:schemeClr val="tx1"/>
+            </a:solidFill>
+            <a:tailEnd type="triangle"/>
+          </a:ln>
+        </p:spPr>
+        <p:style>
+          <a:lnRef idx="1">
+            <a:schemeClr val="accent1"/>
+          </a:lnRef>
+          <a:fillRef idx="0">
+            <a:schemeClr val="accent1"/>
+          </a:fillRef>
+          <a:effectRef idx="0">
+            <a:schemeClr val="accent1"/>
+          </a:effectRef>
+          <a:fontRef idx="minor">
+            <a:schemeClr val="tx1"/>
+          </a:fontRef>
+        </p:style>
+      </p:cxnSp>
+      <p:cxnSp>
+        <p:nvCxnSpPr>
+          <p:cNvPr id="19" name="Straight Arrow Connector 18"/>
+          <p:cNvCxnSpPr/>
+          <p:nvPr/>
+        </p:nvCxnSpPr>
+        <p:spPr>
+          <a:xfrm>
+            <a:off x="4297566" y="3574358"/>
+            <a:ext cx="715020" cy="0"/>
+          </a:xfrm>
+          <a:prstGeom prst="straightConnector1">
+            <a:avLst/>
+          </a:prstGeom>
+          <a:ln w="38100">
+            <a:solidFill>
+              <a:schemeClr val="tx1"/>
+            </a:solidFill>
+            <a:tailEnd type="triangle"/>
+          </a:ln>
+        </p:spPr>
+        <p:style>
+          <a:lnRef idx="1">
+            <a:schemeClr val="accent1"/>
+          </a:lnRef>
+          <a:fillRef idx="0">
+            <a:schemeClr val="accent1"/>
+          </a:fillRef>
+          <a:effectRef idx="0">
+            <a:schemeClr val="accent1"/>
+          </a:effectRef>
+          <a:fontRef idx="minor">
+            <a:schemeClr val="tx1"/>
+          </a:fontRef>
+        </p:style>
+      </p:cxnSp>
+      <p:cxnSp>
+        <p:nvCxnSpPr>
+          <p:cNvPr id="20" name="Straight Arrow Connector 19"/>
+          <p:cNvCxnSpPr/>
+          <p:nvPr/>
+        </p:nvCxnSpPr>
+        <p:spPr>
+          <a:xfrm>
+            <a:off x="6181941" y="3568624"/>
+            <a:ext cx="715020" cy="0"/>
+          </a:xfrm>
+          <a:prstGeom prst="straightConnector1">
+            <a:avLst/>
+          </a:prstGeom>
+          <a:ln w="38100">
+            <a:solidFill>
+              <a:schemeClr val="tx1"/>
+            </a:solidFill>
+            <a:tailEnd type="triangle"/>
+          </a:ln>
+        </p:spPr>
+        <p:style>
+          <a:lnRef idx="1">
+            <a:schemeClr val="accent1"/>
+          </a:lnRef>
+          <a:fillRef idx="0">
+            <a:schemeClr val="accent1"/>
+          </a:fillRef>
+          <a:effectRef idx="0">
+            <a:schemeClr val="accent1"/>
+          </a:effectRef>
+          <a:fontRef idx="minor">
+            <a:schemeClr val="tx1"/>
+          </a:fontRef>
+        </p:style>
+      </p:cxnSp>
+      <p:cxnSp>
+        <p:nvCxnSpPr>
+          <p:cNvPr id="21" name="Straight Arrow Connector 20"/>
+          <p:cNvCxnSpPr/>
+          <p:nvPr/>
+        </p:nvCxnSpPr>
+        <p:spPr>
+          <a:xfrm>
+            <a:off x="8066316" y="3556009"/>
+            <a:ext cx="715020" cy="0"/>
+          </a:xfrm>
+          <a:prstGeom prst="straightConnector1">
+            <a:avLst/>
+          </a:prstGeom>
+          <a:ln w="38100">
+            <a:solidFill>
+              <a:schemeClr val="tx1"/>
+            </a:solidFill>
+            <a:tailEnd type="triangle"/>
+          </a:ln>
+        </p:spPr>
+        <p:style>
+          <a:lnRef idx="1">
+            <a:schemeClr val="accent1"/>
+          </a:lnRef>
+          <a:fillRef idx="0">
+            <a:schemeClr val="accent1"/>
+          </a:fillRef>
+          <a:effectRef idx="0">
+            <a:schemeClr val="accent1"/>
+          </a:effectRef>
+          <a:fontRef idx="minor">
+            <a:schemeClr val="tx1"/>
+          </a:fontRef>
+        </p:style>
+      </p:cxnSp>
+      <p:cxnSp>
+        <p:nvCxnSpPr>
+          <p:cNvPr id="22" name="Straight Arrow Connector 21"/>
+          <p:cNvCxnSpPr/>
+          <p:nvPr/>
+        </p:nvCxnSpPr>
+        <p:spPr>
+          <a:xfrm>
+            <a:off x="9950691" y="3837490"/>
+            <a:ext cx="715020" cy="0"/>
+          </a:xfrm>
+          <a:prstGeom prst="straightConnector1">
+            <a:avLst/>
+          </a:prstGeom>
+          <a:ln w="38100">
+            <a:solidFill>
+              <a:schemeClr val="tx1"/>
+            </a:solidFill>
+            <a:tailEnd type="triangle"/>
+          </a:ln>
+        </p:spPr>
+        <p:style>
+          <a:lnRef idx="1">
+            <a:schemeClr val="accent1"/>
+          </a:lnRef>
+          <a:fillRef idx="0">
+            <a:schemeClr val="accent1"/>
+          </a:fillRef>
+          <a:effectRef idx="0">
+            <a:schemeClr val="accent1"/>
+          </a:effectRef>
+          <a:fontRef idx="minor">
+            <a:schemeClr val="tx1"/>
+          </a:fontRef>
+        </p:style>
+      </p:cxnSp>
+      <p:sp>
+        <p:nvSpPr>
+          <p:cNvPr id="23" name="TextBox 22"/>
+          <p:cNvSpPr txBox="1"/>
+          <p:nvPr/>
+        </p:nvSpPr>
+        <p:spPr>
+          <a:xfrm>
+            <a:off x="0" y="2894455"/>
+            <a:ext cx="1099981" cy="369332"/>
+          </a:xfrm>
+          <a:prstGeom prst="rect">
+            <a:avLst/>
+          </a:prstGeom>
+          <a:noFill/>
+        </p:spPr>
+        <p:txBody>
+          <a:bodyPr wrap="none" rtlCol="0">
+            <a:spAutoFit/>
           </a:bodyPr>
           <a:lstStyle/>
           <a:p>
             <a:r>
+              <a:rPr lang="en-US" smtClean="0"/>
+              <a:t>Sequence</a:t>
+            </a:r>
+            <a:endParaRPr lang="en-US"/>
+          </a:p>
+        </p:txBody>
+      </p:sp>
+      <p:cxnSp>
+        <p:nvCxnSpPr>
+          <p:cNvPr id="24" name="Straight Arrow Connector 23"/>
+          <p:cNvCxnSpPr/>
+          <p:nvPr/>
+        </p:nvCxnSpPr>
+        <p:spPr>
+          <a:xfrm flipV="1">
+            <a:off x="82502" y="3263782"/>
+            <a:ext cx="1161334" cy="5"/>
+          </a:xfrm>
+          <a:prstGeom prst="straightConnector1">
+            <a:avLst/>
+          </a:prstGeom>
+          <a:ln w="38100">
+            <a:solidFill>
+              <a:schemeClr val="tx1"/>
+            </a:solidFill>
+            <a:tailEnd type="triangle"/>
+          </a:ln>
+        </p:spPr>
+        <p:style>
+          <a:lnRef idx="1">
+            <a:schemeClr val="accent1"/>
+          </a:lnRef>
+          <a:fillRef idx="0">
+            <a:schemeClr val="accent1"/>
+          </a:fillRef>
+          <a:effectRef idx="0">
+            <a:schemeClr val="accent1"/>
+          </a:effectRef>
+          <a:fontRef idx="minor">
+            <a:schemeClr val="tx1"/>
+          </a:fontRef>
+        </p:style>
+      </p:cxnSp>
+      <p:sp>
+        <p:nvSpPr>
+          <p:cNvPr id="26" name="TextBox 25"/>
+          <p:cNvSpPr txBox="1"/>
+          <p:nvPr/>
+        </p:nvSpPr>
+        <p:spPr>
+          <a:xfrm>
+            <a:off x="188352" y="4098217"/>
+            <a:ext cx="723275" cy="369332"/>
+          </a:xfrm>
+          <a:prstGeom prst="rect">
+            <a:avLst/>
+          </a:prstGeom>
+          <a:noFill/>
+        </p:spPr>
+        <p:txBody>
+          <a:bodyPr wrap="none" rtlCol="0">
+            <a:spAutoFit/>
+          </a:bodyPr>
+          <a:lstStyle/>
+          <a:p>
+            <a:r>
+              <a:rPr lang="en-US" smtClean="0"/>
+              <a:t>HMM</a:t>
+            </a:r>
+            <a:endParaRPr lang="en-US" dirty="0"/>
+          </a:p>
+        </p:txBody>
+      </p:sp>
+      <p:cxnSp>
+        <p:nvCxnSpPr>
+          <p:cNvPr id="27" name="Straight Arrow Connector 26"/>
+          <p:cNvCxnSpPr/>
+          <p:nvPr/>
+        </p:nvCxnSpPr>
+        <p:spPr>
+          <a:xfrm flipV="1">
+            <a:off x="95679" y="4467549"/>
+            <a:ext cx="1161334" cy="5"/>
+          </a:xfrm>
+          <a:prstGeom prst="straightConnector1">
+            <a:avLst/>
+          </a:prstGeom>
+          <a:ln w="38100">
+            <a:solidFill>
+              <a:schemeClr val="tx1"/>
+            </a:solidFill>
+            <a:tailEnd type="triangle"/>
+          </a:ln>
+        </p:spPr>
+        <p:style>
+          <a:lnRef idx="1">
+            <a:schemeClr val="accent1"/>
+          </a:lnRef>
+          <a:fillRef idx="0">
+            <a:schemeClr val="accent1"/>
+          </a:fillRef>
+          <a:effectRef idx="0">
+            <a:schemeClr val="accent1"/>
+          </a:effectRef>
+          <a:fontRef idx="minor">
+            <a:schemeClr val="tx1"/>
+          </a:fontRef>
+        </p:style>
+      </p:cxnSp>
+      <p:sp>
+        <p:nvSpPr>
+          <p:cNvPr id="28" name="TextBox 27"/>
+          <p:cNvSpPr txBox="1"/>
+          <p:nvPr/>
+        </p:nvSpPr>
+        <p:spPr>
+          <a:xfrm>
+            <a:off x="2409309" y="3218776"/>
+            <a:ext cx="588559" cy="369332"/>
+          </a:xfrm>
+          <a:prstGeom prst="rect">
+            <a:avLst/>
+          </a:prstGeom>
+          <a:noFill/>
+        </p:spPr>
+        <p:txBody>
+          <a:bodyPr wrap="none" rtlCol="0">
+            <a:spAutoFit/>
+          </a:bodyPr>
+          <a:lstStyle/>
+          <a:p>
+            <a:r>
+              <a:rPr lang="en-US" smtClean="0"/>
+              <a:t>Pass</a:t>
+            </a:r>
+            <a:endParaRPr lang="en-US" dirty="0"/>
+          </a:p>
+        </p:txBody>
+      </p:sp>
+      <p:sp>
+        <p:nvSpPr>
+          <p:cNvPr id="29" name="TextBox 28"/>
+          <p:cNvSpPr txBox="1"/>
+          <p:nvPr/>
+        </p:nvSpPr>
+        <p:spPr>
+          <a:xfrm>
+            <a:off x="4297566" y="3218776"/>
+            <a:ext cx="588559" cy="369332"/>
+          </a:xfrm>
+          <a:prstGeom prst="rect">
+            <a:avLst/>
+          </a:prstGeom>
+          <a:noFill/>
+        </p:spPr>
+        <p:txBody>
+          <a:bodyPr wrap="none" rtlCol="0">
+            <a:spAutoFit/>
+          </a:bodyPr>
+          <a:lstStyle/>
+          <a:p>
+            <a:r>
+              <a:rPr lang="en-US" smtClean="0"/>
+              <a:t>Pass</a:t>
+            </a:r>
+            <a:endParaRPr lang="en-US" dirty="0"/>
+          </a:p>
+        </p:txBody>
+      </p:sp>
+      <p:sp>
+        <p:nvSpPr>
+          <p:cNvPr id="30" name="TextBox 29"/>
+          <p:cNvSpPr txBox="1"/>
+          <p:nvPr/>
+        </p:nvSpPr>
+        <p:spPr>
+          <a:xfrm>
+            <a:off x="6189102" y="3218776"/>
+            <a:ext cx="588559" cy="369332"/>
+          </a:xfrm>
+          <a:prstGeom prst="rect">
+            <a:avLst/>
+          </a:prstGeom>
+          <a:noFill/>
+        </p:spPr>
+        <p:txBody>
+          <a:bodyPr wrap="none" rtlCol="0">
+            <a:spAutoFit/>
+          </a:bodyPr>
+          <a:lstStyle/>
+          <a:p>
+            <a:r>
+              <a:rPr lang="en-US" smtClean="0"/>
+              <a:t>Pass</a:t>
+            </a:r>
+            <a:endParaRPr lang="en-US" dirty="0"/>
+          </a:p>
+        </p:txBody>
+      </p:sp>
+      <p:sp>
+        <p:nvSpPr>
+          <p:cNvPr id="31" name="TextBox 30"/>
+          <p:cNvSpPr txBox="1"/>
+          <p:nvPr/>
+        </p:nvSpPr>
+        <p:spPr>
+          <a:xfrm>
+            <a:off x="8066316" y="3217241"/>
+            <a:ext cx="588559" cy="369332"/>
+          </a:xfrm>
+          <a:prstGeom prst="rect">
+            <a:avLst/>
+          </a:prstGeom>
+          <a:noFill/>
+        </p:spPr>
+        <p:txBody>
+          <a:bodyPr wrap="none" rtlCol="0">
+            <a:spAutoFit/>
+          </a:bodyPr>
+          <a:lstStyle/>
+          <a:p>
+            <a:r>
+              <a:rPr lang="en-US" smtClean="0"/>
+              <a:t>Pass</a:t>
+            </a:r>
+            <a:endParaRPr lang="en-US" dirty="0"/>
+          </a:p>
+        </p:txBody>
+      </p:sp>
+      <p:cxnSp>
+        <p:nvCxnSpPr>
+          <p:cNvPr id="33" name="Elbow Connector 32"/>
+          <p:cNvCxnSpPr/>
+          <p:nvPr/>
+        </p:nvCxnSpPr>
+        <p:spPr>
+          <a:xfrm>
+            <a:off x="2406030" y="4197902"/>
+            <a:ext cx="3444236" cy="2122474"/>
+          </a:xfrm>
+          <a:prstGeom prst="bentConnector3">
+            <a:avLst>
+              <a:gd name="adj1" fmla="val 13596"/>
+            </a:avLst>
+          </a:prstGeom>
+          <a:ln w="38100">
+            <a:solidFill>
+              <a:schemeClr val="tx1"/>
+            </a:solidFill>
+            <a:tailEnd type="triangle"/>
+          </a:ln>
+        </p:spPr>
+        <p:style>
+          <a:lnRef idx="1">
+            <a:schemeClr val="accent1"/>
+          </a:lnRef>
+          <a:fillRef idx="0">
+            <a:schemeClr val="accent1"/>
+          </a:fillRef>
+          <a:effectRef idx="0">
+            <a:schemeClr val="accent1"/>
+          </a:effectRef>
+          <a:fontRef idx="minor">
+            <a:schemeClr val="tx1"/>
+          </a:fontRef>
+        </p:style>
+      </p:cxnSp>
+      <p:sp>
+        <p:nvSpPr>
+          <p:cNvPr id="36" name="TextBox 35"/>
+          <p:cNvSpPr txBox="1"/>
+          <p:nvPr/>
+        </p:nvSpPr>
+        <p:spPr>
+          <a:xfrm flipH="1">
+            <a:off x="5906249" y="6135710"/>
+            <a:ext cx="817418" cy="369332"/>
+          </a:xfrm>
+          <a:prstGeom prst="rect">
+            <a:avLst/>
+          </a:prstGeom>
+          <a:noFill/>
+        </p:spPr>
+        <p:txBody>
+          <a:bodyPr wrap="square" rtlCol="0">
+            <a:spAutoFit/>
+          </a:bodyPr>
+          <a:lstStyle/>
+          <a:p>
+            <a:r>
+              <a:rPr lang="en-US" smtClean="0"/>
+              <a:t>No Hit</a:t>
+            </a:r>
+            <a:endParaRPr lang="en-US"/>
+          </a:p>
+        </p:txBody>
+      </p:sp>
+      <p:sp>
+        <p:nvSpPr>
+          <p:cNvPr id="37" name="TextBox 36"/>
+          <p:cNvSpPr txBox="1"/>
+          <p:nvPr/>
+        </p:nvSpPr>
+        <p:spPr>
+          <a:xfrm>
+            <a:off x="2409309" y="3812012"/>
+            <a:ext cx="500843" cy="369332"/>
+          </a:xfrm>
+          <a:prstGeom prst="rect">
+            <a:avLst/>
+          </a:prstGeom>
+          <a:noFill/>
+        </p:spPr>
+        <p:txBody>
+          <a:bodyPr wrap="none" rtlCol="0">
+            <a:spAutoFit/>
+          </a:bodyPr>
+          <a:lstStyle/>
+          <a:p>
+            <a:r>
               <a:rPr lang="en-US" dirty="0" smtClean="0"/>
-              <a:t>HMMER 4 Daemon Performance</a:t>
+              <a:t>Fail</a:t>
             </a:r>
             <a:endParaRPr lang="en-US" dirty="0"/>
+          </a:p>
+        </p:txBody>
+      </p:sp>
+      <p:cxnSp>
+        <p:nvCxnSpPr>
+          <p:cNvPr id="43" name="Elbow Connector 42"/>
+          <p:cNvCxnSpPr/>
+          <p:nvPr/>
+        </p:nvCxnSpPr>
+        <p:spPr>
+          <a:xfrm rot="16200000" flipH="1">
+            <a:off x="4387438" y="4457865"/>
+            <a:ext cx="1964971" cy="1369096"/>
+          </a:xfrm>
+          <a:prstGeom prst="bentConnector3">
+            <a:avLst>
+              <a:gd name="adj1" fmla="val 58813"/>
+            </a:avLst>
+          </a:prstGeom>
+          <a:ln w="38100">
+            <a:solidFill>
+              <a:schemeClr val="tx1"/>
+            </a:solidFill>
+            <a:tailEnd type="triangle"/>
+          </a:ln>
+        </p:spPr>
+        <p:style>
+          <a:lnRef idx="1">
+            <a:schemeClr val="accent1"/>
+          </a:lnRef>
+          <a:fillRef idx="0">
+            <a:schemeClr val="accent1"/>
+          </a:fillRef>
+          <a:effectRef idx="0">
+            <a:schemeClr val="accent1"/>
+          </a:effectRef>
+          <a:fontRef idx="minor">
+            <a:schemeClr val="tx1"/>
+          </a:fontRef>
+        </p:style>
+      </p:cxnSp>
+      <p:cxnSp>
+        <p:nvCxnSpPr>
+          <p:cNvPr id="47" name="Straight Connector 46"/>
+          <p:cNvCxnSpPr/>
+          <p:nvPr/>
+        </p:nvCxnSpPr>
+        <p:spPr>
+          <a:xfrm flipH="1">
+            <a:off x="4297566" y="4181344"/>
+            <a:ext cx="401664" cy="0"/>
+          </a:xfrm>
+          <a:prstGeom prst="line">
+            <a:avLst/>
+          </a:prstGeom>
+          <a:ln w="38100">
+            <a:solidFill>
+              <a:schemeClr val="tx1"/>
+            </a:solidFill>
+          </a:ln>
+        </p:spPr>
+        <p:style>
+          <a:lnRef idx="1">
+            <a:schemeClr val="accent1"/>
+          </a:lnRef>
+          <a:fillRef idx="0">
+            <a:schemeClr val="accent1"/>
+          </a:fillRef>
+          <a:effectRef idx="0">
+            <a:schemeClr val="accent1"/>
+          </a:effectRef>
+          <a:fontRef idx="minor">
+            <a:schemeClr val="tx1"/>
+          </a:fontRef>
+        </p:style>
+      </p:cxnSp>
+      <p:cxnSp>
+        <p:nvCxnSpPr>
+          <p:cNvPr id="54" name="Elbow Connector 53"/>
+          <p:cNvCxnSpPr/>
+          <p:nvPr/>
+        </p:nvCxnSpPr>
+        <p:spPr>
+          <a:xfrm rot="16200000" flipH="1">
+            <a:off x="5312379" y="5030747"/>
+            <a:ext cx="1963596" cy="210153"/>
+          </a:xfrm>
+          <a:prstGeom prst="bentConnector3">
+            <a:avLst>
+              <a:gd name="adj1" fmla="val 963"/>
+            </a:avLst>
+          </a:prstGeom>
+          <a:ln w="38100">
+            <a:solidFill>
+              <a:schemeClr val="tx1"/>
+            </a:solidFill>
+            <a:tailEnd type="triangle"/>
+          </a:ln>
+        </p:spPr>
+        <p:style>
+          <a:lnRef idx="1">
+            <a:schemeClr val="accent1"/>
+          </a:lnRef>
+          <a:fillRef idx="0">
+            <a:schemeClr val="accent1"/>
+          </a:fillRef>
+          <a:effectRef idx="0">
+            <a:schemeClr val="accent1"/>
+          </a:effectRef>
+          <a:fontRef idx="minor">
+            <a:schemeClr val="tx1"/>
+          </a:fontRef>
+        </p:style>
+      </p:cxnSp>
+      <p:sp>
+        <p:nvSpPr>
+          <p:cNvPr id="13" name="Rectangle 12"/>
+          <p:cNvSpPr/>
+          <p:nvPr/>
+        </p:nvSpPr>
+        <p:spPr>
+          <a:xfrm>
+            <a:off x="5012586" y="2543815"/>
+            <a:ext cx="1169355" cy="2571321"/>
+          </a:xfrm>
+          <a:prstGeom prst="rect">
+            <a:avLst/>
+          </a:prstGeom>
+          <a:ln>
+            <a:noFill/>
+          </a:ln>
+        </p:spPr>
+        <p:style>
+          <a:lnRef idx="2">
+            <a:schemeClr val="accent1">
+              <a:shade val="50000"/>
+            </a:schemeClr>
+          </a:lnRef>
+          <a:fillRef idx="1">
+            <a:schemeClr val="accent1"/>
+          </a:fillRef>
+          <a:effectRef idx="0">
+            <a:schemeClr val="accent1"/>
+          </a:effectRef>
+          <a:fontRef idx="minor">
+            <a:schemeClr val="lt1"/>
+          </a:fontRef>
+        </p:style>
+        <p:txBody>
+          <a:bodyPr rtlCol="0" anchor="ctr"/>
+          <a:lstStyle/>
+          <a:p>
+            <a:pPr algn="ctr"/>
+            <a:r>
+              <a:rPr lang="en-US" dirty="0" smtClean="0"/>
+              <a:t>Viterbi</a:t>
+            </a:r>
+          </a:p>
+          <a:p>
+            <a:pPr algn="ctr"/>
+            <a:r>
+              <a:rPr lang="en-US" smtClean="0"/>
+              <a:t>Filter</a:t>
+            </a:r>
+            <a:endParaRPr lang="en-US"/>
+          </a:p>
+        </p:txBody>
+      </p:sp>
+      <p:cxnSp>
+        <p:nvCxnSpPr>
+          <p:cNvPr id="60" name="Elbow Connector 59"/>
+          <p:cNvCxnSpPr/>
+          <p:nvPr/>
+        </p:nvCxnSpPr>
+        <p:spPr>
+          <a:xfrm rot="5400000">
+            <a:off x="6472592" y="4229615"/>
+            <a:ext cx="1992324" cy="1783685"/>
+          </a:xfrm>
+          <a:prstGeom prst="bentConnector3">
+            <a:avLst>
+              <a:gd name="adj1" fmla="val 59040"/>
+            </a:avLst>
+          </a:prstGeom>
+          <a:ln w="38100">
+            <a:solidFill>
+              <a:schemeClr val="tx1"/>
+            </a:solidFill>
+            <a:tailEnd type="triangle"/>
+          </a:ln>
+        </p:spPr>
+        <p:style>
+          <a:lnRef idx="1">
+            <a:schemeClr val="accent1"/>
+          </a:lnRef>
+          <a:fillRef idx="0">
+            <a:schemeClr val="accent1"/>
+          </a:fillRef>
+          <a:effectRef idx="0">
+            <a:schemeClr val="accent1"/>
+          </a:effectRef>
+          <a:fontRef idx="minor">
+            <a:schemeClr val="tx1"/>
+          </a:fontRef>
+        </p:style>
+      </p:cxnSp>
+      <p:sp>
+        <p:nvSpPr>
+          <p:cNvPr id="69" name="TextBox 68"/>
+          <p:cNvSpPr txBox="1"/>
+          <p:nvPr/>
+        </p:nvSpPr>
+        <p:spPr>
+          <a:xfrm>
+            <a:off x="4286112" y="3807647"/>
+            <a:ext cx="500843" cy="369332"/>
+          </a:xfrm>
+          <a:prstGeom prst="rect">
+            <a:avLst/>
+          </a:prstGeom>
+          <a:noFill/>
+        </p:spPr>
+        <p:txBody>
+          <a:bodyPr wrap="none" rtlCol="0">
+            <a:spAutoFit/>
+          </a:bodyPr>
+          <a:lstStyle/>
+          <a:p>
+            <a:r>
+              <a:rPr lang="en-US" dirty="0" smtClean="0"/>
+              <a:t>Fail</a:t>
+            </a:r>
+            <a:endParaRPr lang="en-US" dirty="0"/>
+          </a:p>
+        </p:txBody>
+      </p:sp>
+      <p:sp>
+        <p:nvSpPr>
+          <p:cNvPr id="70" name="TextBox 69"/>
+          <p:cNvSpPr txBox="1"/>
+          <p:nvPr/>
+        </p:nvSpPr>
+        <p:spPr>
+          <a:xfrm>
+            <a:off x="6205753" y="3814605"/>
+            <a:ext cx="500843" cy="369332"/>
+          </a:xfrm>
+          <a:prstGeom prst="rect">
+            <a:avLst/>
+          </a:prstGeom>
+          <a:noFill/>
+        </p:spPr>
+        <p:txBody>
+          <a:bodyPr wrap="none" rtlCol="0">
+            <a:spAutoFit/>
+          </a:bodyPr>
+          <a:lstStyle/>
+          <a:p>
+            <a:r>
+              <a:rPr lang="en-US" dirty="0" smtClean="0"/>
+              <a:t>Fail</a:t>
+            </a:r>
+            <a:endParaRPr lang="en-US" dirty="0"/>
+          </a:p>
+        </p:txBody>
+      </p:sp>
+      <p:sp>
+        <p:nvSpPr>
+          <p:cNvPr id="73" name="TextBox 72"/>
+          <p:cNvSpPr txBox="1"/>
+          <p:nvPr/>
+        </p:nvSpPr>
+        <p:spPr>
+          <a:xfrm>
+            <a:off x="8063182" y="3750748"/>
+            <a:ext cx="500843" cy="369332"/>
+          </a:xfrm>
+          <a:prstGeom prst="rect">
+            <a:avLst/>
+          </a:prstGeom>
+          <a:noFill/>
+        </p:spPr>
+        <p:txBody>
+          <a:bodyPr wrap="none" rtlCol="0">
+            <a:spAutoFit/>
+          </a:bodyPr>
+          <a:lstStyle/>
+          <a:p>
+            <a:r>
+              <a:rPr lang="en-US" dirty="0" smtClean="0"/>
+              <a:t>Fail</a:t>
+            </a:r>
+            <a:endParaRPr lang="en-US" dirty="0"/>
+          </a:p>
+        </p:txBody>
+      </p:sp>
+      <p:cxnSp>
+        <p:nvCxnSpPr>
+          <p:cNvPr id="77" name="Elbow Connector 76"/>
+          <p:cNvCxnSpPr>
+            <a:endCxn id="36" idx="1"/>
+          </p:cNvCxnSpPr>
+          <p:nvPr/>
+        </p:nvCxnSpPr>
+        <p:spPr>
+          <a:xfrm rot="10800000" flipV="1">
+            <a:off x="6723668" y="5108620"/>
+            <a:ext cx="4257753" cy="1211756"/>
+          </a:xfrm>
+          <a:prstGeom prst="bentConnector3">
+            <a:avLst>
+              <a:gd name="adj1" fmla="val 377"/>
+            </a:avLst>
+          </a:prstGeom>
+          <a:ln w="38100">
+            <a:solidFill>
+              <a:schemeClr val="tx1"/>
+            </a:solidFill>
+            <a:tailEnd type="triangle"/>
+          </a:ln>
+        </p:spPr>
+        <p:style>
+          <a:lnRef idx="1">
+            <a:schemeClr val="accent1"/>
+          </a:lnRef>
+          <a:fillRef idx="0">
+            <a:schemeClr val="accent1"/>
+          </a:fillRef>
+          <a:effectRef idx="0">
+            <a:schemeClr val="accent1"/>
+          </a:effectRef>
+          <a:fontRef idx="minor">
+            <a:schemeClr val="tx1"/>
+          </a:fontRef>
+        </p:style>
+      </p:cxnSp>
+      <p:sp>
+        <p:nvSpPr>
+          <p:cNvPr id="78" name="TextBox 77"/>
+          <p:cNvSpPr txBox="1"/>
+          <p:nvPr/>
+        </p:nvSpPr>
+        <p:spPr>
+          <a:xfrm>
+            <a:off x="10322582" y="5912771"/>
+            <a:ext cx="500843" cy="369332"/>
+          </a:xfrm>
+          <a:prstGeom prst="rect">
+            <a:avLst/>
+          </a:prstGeom>
+          <a:noFill/>
+        </p:spPr>
+        <p:txBody>
+          <a:bodyPr wrap="none" rtlCol="0">
+            <a:spAutoFit/>
+          </a:bodyPr>
+          <a:lstStyle/>
+          <a:p>
+            <a:r>
+              <a:rPr lang="en-US" dirty="0" smtClean="0"/>
+              <a:t>Fail</a:t>
+            </a:r>
+            <a:endParaRPr lang="en-US" dirty="0"/>
+          </a:p>
+        </p:txBody>
+      </p:sp>
+      <p:sp>
+        <p:nvSpPr>
+          <p:cNvPr id="16" name="Rectangle 15"/>
+          <p:cNvSpPr/>
+          <p:nvPr/>
+        </p:nvSpPr>
+        <p:spPr>
+          <a:xfrm>
+            <a:off x="10665711" y="2543814"/>
+            <a:ext cx="1169355" cy="2571321"/>
+          </a:xfrm>
+          <a:prstGeom prst="rect">
+            <a:avLst/>
+          </a:prstGeom>
+          <a:solidFill>
+            <a:srgbClr val="0070C0"/>
+          </a:solidFill>
+          <a:ln>
+            <a:noFill/>
+          </a:ln>
+        </p:spPr>
+        <p:style>
+          <a:lnRef idx="2">
+            <a:schemeClr val="accent1">
+              <a:shade val="50000"/>
+            </a:schemeClr>
+          </a:lnRef>
+          <a:fillRef idx="1">
+            <a:schemeClr val="accent1"/>
+          </a:fillRef>
+          <a:effectRef idx="0">
+            <a:schemeClr val="accent1"/>
+          </a:effectRef>
+          <a:fontRef idx="minor">
+            <a:schemeClr val="lt1"/>
+          </a:fontRef>
+        </p:style>
+        <p:txBody>
+          <a:bodyPr rtlCol="0" anchor="ctr"/>
+          <a:lstStyle/>
+          <a:p>
+            <a:pPr algn="ctr"/>
+            <a:r>
+              <a:rPr lang="en-US" dirty="0" smtClean="0"/>
+              <a:t>Main</a:t>
+            </a:r>
+          </a:p>
+          <a:p>
+            <a:pPr algn="ctr"/>
+            <a:r>
+              <a:rPr lang="en-US" dirty="0" smtClean="0"/>
+              <a:t>Stage</a:t>
+            </a:r>
+            <a:endParaRPr lang="en-US" dirty="0"/>
+          </a:p>
+        </p:txBody>
+      </p:sp>
+      <p:cxnSp>
+        <p:nvCxnSpPr>
+          <p:cNvPr id="85" name="Straight Arrow Connector 84"/>
+          <p:cNvCxnSpPr/>
+          <p:nvPr/>
+        </p:nvCxnSpPr>
+        <p:spPr>
+          <a:xfrm>
+            <a:off x="11533909" y="5115135"/>
+            <a:ext cx="4536" cy="1257956"/>
+          </a:xfrm>
+          <a:prstGeom prst="straightConnector1">
+            <a:avLst/>
+          </a:prstGeom>
+          <a:ln w="38100">
+            <a:solidFill>
+              <a:schemeClr val="tx1"/>
+            </a:solidFill>
+            <a:tailEnd type="triangle"/>
+          </a:ln>
+        </p:spPr>
+        <p:style>
+          <a:lnRef idx="1">
+            <a:schemeClr val="accent1"/>
+          </a:lnRef>
+          <a:fillRef idx="0">
+            <a:schemeClr val="accent1"/>
+          </a:fillRef>
+          <a:effectRef idx="0">
+            <a:schemeClr val="accent1"/>
+          </a:effectRef>
+          <a:fontRef idx="minor">
+            <a:schemeClr val="tx1"/>
+          </a:fontRef>
+        </p:style>
+      </p:cxnSp>
+      <p:sp>
+        <p:nvSpPr>
+          <p:cNvPr id="88" name="TextBox 87"/>
+          <p:cNvSpPr txBox="1"/>
+          <p:nvPr/>
+        </p:nvSpPr>
+        <p:spPr>
+          <a:xfrm>
+            <a:off x="11533909" y="5533089"/>
+            <a:ext cx="588559" cy="369332"/>
+          </a:xfrm>
+          <a:prstGeom prst="rect">
+            <a:avLst/>
+          </a:prstGeom>
+          <a:noFill/>
+        </p:spPr>
+        <p:txBody>
+          <a:bodyPr wrap="none" rtlCol="0">
+            <a:spAutoFit/>
+          </a:bodyPr>
+          <a:lstStyle/>
+          <a:p>
+            <a:r>
+              <a:rPr lang="en-US" smtClean="0"/>
+              <a:t>Pass</a:t>
+            </a:r>
+            <a:endParaRPr lang="en-US" dirty="0"/>
+          </a:p>
+        </p:txBody>
+      </p:sp>
+      <p:sp>
+        <p:nvSpPr>
+          <p:cNvPr id="89" name="TextBox 88"/>
+          <p:cNvSpPr txBox="1"/>
+          <p:nvPr/>
+        </p:nvSpPr>
+        <p:spPr>
+          <a:xfrm flipH="1">
+            <a:off x="11291301" y="6325000"/>
+            <a:ext cx="817418" cy="369332"/>
+          </a:xfrm>
+          <a:prstGeom prst="rect">
+            <a:avLst/>
+          </a:prstGeom>
+          <a:noFill/>
+        </p:spPr>
+        <p:txBody>
+          <a:bodyPr wrap="square" rtlCol="0">
+            <a:spAutoFit/>
+          </a:bodyPr>
+          <a:lstStyle/>
+          <a:p>
+            <a:r>
+              <a:rPr lang="en-US" dirty="0" smtClean="0"/>
+              <a:t>Hit</a:t>
+            </a:r>
+            <a:endParaRPr lang="en-US" dirty="0"/>
+          </a:p>
+        </p:txBody>
+      </p:sp>
+      <p:sp>
+        <p:nvSpPr>
+          <p:cNvPr id="94" name="Right Arrow 93"/>
+          <p:cNvSpPr/>
+          <p:nvPr/>
+        </p:nvSpPr>
+        <p:spPr>
+          <a:xfrm>
+            <a:off x="1243837" y="1884218"/>
+            <a:ext cx="10525600" cy="346364"/>
+          </a:xfrm>
+          <a:prstGeom prst="rightArrow">
+            <a:avLst/>
+          </a:prstGeom>
+          <a:solidFill>
+            <a:srgbClr val="EAED99"/>
+          </a:solidFill>
+          <a:ln>
+            <a:noFill/>
+          </a:ln>
+        </p:spPr>
+        <p:style>
+          <a:lnRef idx="2">
+            <a:schemeClr val="accent1">
+              <a:shade val="50000"/>
+            </a:schemeClr>
+          </a:lnRef>
+          <a:fillRef idx="1">
+            <a:schemeClr val="accent1"/>
+          </a:fillRef>
+          <a:effectRef idx="0">
+            <a:schemeClr val="accent1"/>
+          </a:effectRef>
+          <a:fontRef idx="minor">
+            <a:schemeClr val="lt1"/>
+          </a:fontRef>
+        </p:style>
+        <p:txBody>
+          <a:bodyPr rtlCol="0" anchor="ctr"/>
+          <a:lstStyle/>
+          <a:p>
+            <a:pPr algn="ctr"/>
+            <a:endParaRPr lang="en-US"/>
+          </a:p>
+        </p:txBody>
+      </p:sp>
+      <p:sp>
+        <p:nvSpPr>
+          <p:cNvPr id="95" name="TextBox 94"/>
+          <p:cNvSpPr txBox="1"/>
+          <p:nvPr/>
+        </p:nvSpPr>
+        <p:spPr>
+          <a:xfrm flipH="1">
+            <a:off x="4525395" y="1607265"/>
+            <a:ext cx="3360716" cy="369332"/>
+          </a:xfrm>
+          <a:prstGeom prst="rect">
+            <a:avLst/>
+          </a:prstGeom>
+          <a:noFill/>
+        </p:spPr>
+        <p:txBody>
+          <a:bodyPr wrap="square" rtlCol="0">
+            <a:spAutoFit/>
+          </a:bodyPr>
+          <a:lstStyle/>
+          <a:p>
+            <a:r>
+              <a:rPr lang="en-US" dirty="0" smtClean="0"/>
+              <a:t>Increasing Runtime </a:t>
+            </a:r>
+            <a:r>
+              <a:rPr lang="en-US" smtClean="0"/>
+              <a:t>and Accuracy</a:t>
+            </a:r>
+            <a:endParaRPr lang="en-US"/>
           </a:p>
         </p:txBody>
       </p:sp>
     </p:spTree>
     <p:extLst>
       <p:ext uri="{BB962C8B-B14F-4D97-AF65-F5344CB8AC3E}">
-        <p14:creationId xmlns:p14="http://schemas.microsoft.com/office/powerpoint/2010/main" val="2141916746"/>
+        <p14:creationId xmlns:p14="http://schemas.microsoft.com/office/powerpoint/2010/main" val="620427468"/>
+      </p:ext>
+    </p:extLst>
+  </p:cSld>
+  <p:clrMapOvr>
+    <a:masterClrMapping/>
+  </p:clrMapOvr>
+</p:sld>
+</file>
+
+<file path=ppt/slides/slide4.xml><?xml version="1.0" encoding="utf-8"?>
+<p:sld xmlns:a="http://schemas.openxmlformats.org/drawingml/2006/main" xmlns:r="http://schemas.openxmlformats.org/officeDocument/2006/relationships" xmlns:p="http://schemas.openxmlformats.org/presentationml/2006/main">
+  <p:cSld>
+    <p:spTree>
+      <p:nvGrpSpPr>
+        <p:cNvPr id="1" name=""/>
+        <p:cNvGrpSpPr/>
+        <p:nvPr/>
+      </p:nvGrpSpPr>
+      <p:grpSpPr>
+        <a:xfrm>
+          <a:off x="0" y="0"/>
+          <a:ext cx="0" cy="0"/>
+          <a:chOff x="0" y="0"/>
+          <a:chExt cx="0" cy="0"/>
+        </a:xfrm>
+      </p:grpSpPr>
+      <p:sp>
+        <p:nvSpPr>
+          <p:cNvPr id="2" name="Title 1"/>
+          <p:cNvSpPr>
+            <a:spLocks noGrp="1"/>
+          </p:cNvSpPr>
+          <p:nvPr>
+            <p:ph type="title"/>
+          </p:nvPr>
+        </p:nvSpPr>
+        <p:spPr/>
+        <p:txBody>
+          <a:bodyPr/>
+          <a:lstStyle/>
+          <a:p>
+            <a:r>
+              <a:rPr lang="en-US" dirty="0" smtClean="0"/>
+              <a:t>Parallelizing HMMER</a:t>
+            </a:r>
+            <a:endParaRPr lang="en-US" dirty="0"/>
+          </a:p>
+        </p:txBody>
+      </p:sp>
+      <p:sp>
+        <p:nvSpPr>
+          <p:cNvPr id="4" name="Rectangle 3"/>
+          <p:cNvSpPr/>
+          <p:nvPr/>
+        </p:nvSpPr>
+        <p:spPr>
+          <a:xfrm>
+            <a:off x="782877" y="2974931"/>
+            <a:ext cx="1622120" cy="3501025"/>
+          </a:xfrm>
+          <a:prstGeom prst="rect">
+            <a:avLst/>
+          </a:prstGeom>
+          <a:solidFill>
+            <a:srgbClr val="0070C0"/>
+          </a:solidFill>
+          <a:ln>
+            <a:noFill/>
+          </a:ln>
+        </p:spPr>
+        <p:style>
+          <a:lnRef idx="2">
+            <a:schemeClr val="accent1">
+              <a:shade val="50000"/>
+            </a:schemeClr>
+          </a:lnRef>
+          <a:fillRef idx="1">
+            <a:schemeClr val="accent1"/>
+          </a:fillRef>
+          <a:effectRef idx="0">
+            <a:schemeClr val="accent1"/>
+          </a:effectRef>
+          <a:fontRef idx="minor">
+            <a:schemeClr val="lt1"/>
+          </a:fontRef>
+        </p:style>
+        <p:txBody>
+          <a:bodyPr rtlCol="0" anchor="ctr"/>
+          <a:lstStyle/>
+          <a:p>
+            <a:pPr algn="ctr"/>
+            <a:r>
+              <a:rPr lang="en-US" dirty="0" smtClean="0"/>
+              <a:t>63 </a:t>
+            </a:r>
+            <a:r>
+              <a:rPr lang="en-US" smtClean="0"/>
+              <a:t>M Sequences</a:t>
+            </a:r>
+            <a:endParaRPr lang="en-US"/>
+          </a:p>
+        </p:txBody>
+      </p:sp>
+      <p:sp>
+        <p:nvSpPr>
+          <p:cNvPr id="6" name="Rectangle 5"/>
+          <p:cNvSpPr/>
+          <p:nvPr/>
+        </p:nvSpPr>
+        <p:spPr>
+          <a:xfrm>
+            <a:off x="782877" y="1987463"/>
+            <a:ext cx="1622120" cy="542795"/>
+          </a:xfrm>
+          <a:prstGeom prst="rect">
+            <a:avLst/>
+          </a:prstGeom>
+          <a:solidFill>
+            <a:srgbClr val="00B050"/>
+          </a:solidFill>
+          <a:ln>
+            <a:noFill/>
+          </a:ln>
+        </p:spPr>
+        <p:style>
+          <a:lnRef idx="2">
+            <a:schemeClr val="accent1">
+              <a:shade val="50000"/>
+            </a:schemeClr>
+          </a:lnRef>
+          <a:fillRef idx="1">
+            <a:schemeClr val="accent1"/>
+          </a:fillRef>
+          <a:effectRef idx="0">
+            <a:schemeClr val="accent1"/>
+          </a:effectRef>
+          <a:fontRef idx="minor">
+            <a:schemeClr val="lt1"/>
+          </a:fontRef>
+        </p:style>
+        <p:txBody>
+          <a:bodyPr rtlCol="0" anchor="ctr"/>
+          <a:lstStyle/>
+          <a:p>
+            <a:pPr algn="ctr"/>
+            <a:r>
+              <a:rPr lang="en-US" dirty="0" smtClean="0"/>
+              <a:t>1</a:t>
+            </a:r>
+          </a:p>
+          <a:p>
+            <a:pPr algn="ctr"/>
+            <a:r>
+              <a:rPr lang="en-US" dirty="0" smtClean="0"/>
+              <a:t>HMM</a:t>
+            </a:r>
+            <a:endParaRPr lang="en-US" dirty="0"/>
+          </a:p>
+        </p:txBody>
+      </p:sp>
+      <p:sp>
+        <p:nvSpPr>
+          <p:cNvPr id="7" name="Rectangle 6"/>
+          <p:cNvSpPr/>
+          <p:nvPr/>
+        </p:nvSpPr>
+        <p:spPr>
+          <a:xfrm>
+            <a:off x="4023406" y="2589174"/>
+            <a:ext cx="3063193" cy="286070"/>
+          </a:xfrm>
+          <a:prstGeom prst="rect">
+            <a:avLst/>
+          </a:prstGeom>
+          <a:solidFill>
+            <a:schemeClr val="accent4">
+              <a:lumMod val="75000"/>
+            </a:schemeClr>
+          </a:solidFill>
+          <a:ln>
+            <a:noFill/>
+          </a:ln>
+        </p:spPr>
+        <p:style>
+          <a:lnRef idx="2">
+            <a:schemeClr val="accent1">
+              <a:shade val="50000"/>
+            </a:schemeClr>
+          </a:lnRef>
+          <a:fillRef idx="1">
+            <a:schemeClr val="accent1"/>
+          </a:fillRef>
+          <a:effectRef idx="0">
+            <a:schemeClr val="accent1"/>
+          </a:effectRef>
+          <a:fontRef idx="minor">
+            <a:schemeClr val="lt1"/>
+          </a:fontRef>
+        </p:style>
+        <p:txBody>
+          <a:bodyPr rtlCol="0" anchor="ctr"/>
+          <a:lstStyle/>
+          <a:p>
+            <a:pPr algn="ctr"/>
+            <a:endParaRPr lang="en-US" dirty="0"/>
+          </a:p>
+        </p:txBody>
+      </p:sp>
+      <p:sp>
+        <p:nvSpPr>
+          <p:cNvPr id="8" name="Rectangle 7"/>
+          <p:cNvSpPr/>
+          <p:nvPr/>
+        </p:nvSpPr>
+        <p:spPr>
+          <a:xfrm>
+            <a:off x="4023406" y="2938695"/>
+            <a:ext cx="3063193" cy="286070"/>
+          </a:xfrm>
+          <a:prstGeom prst="rect">
+            <a:avLst/>
+          </a:prstGeom>
+          <a:solidFill>
+            <a:schemeClr val="accent4">
+              <a:lumMod val="75000"/>
+            </a:schemeClr>
+          </a:solidFill>
+          <a:ln>
+            <a:noFill/>
+          </a:ln>
+        </p:spPr>
+        <p:style>
+          <a:lnRef idx="2">
+            <a:schemeClr val="accent1">
+              <a:shade val="50000"/>
+            </a:schemeClr>
+          </a:lnRef>
+          <a:fillRef idx="1">
+            <a:schemeClr val="accent1"/>
+          </a:fillRef>
+          <a:effectRef idx="0">
+            <a:schemeClr val="accent1"/>
+          </a:effectRef>
+          <a:fontRef idx="minor">
+            <a:schemeClr val="lt1"/>
+          </a:fontRef>
+        </p:style>
+        <p:txBody>
+          <a:bodyPr rtlCol="0" anchor="ctr"/>
+          <a:lstStyle/>
+          <a:p>
+            <a:pPr algn="ctr"/>
+            <a:endParaRPr lang="en-US" dirty="0"/>
+          </a:p>
+        </p:txBody>
+      </p:sp>
+      <p:sp>
+        <p:nvSpPr>
+          <p:cNvPr id="9" name="Rectangle 8"/>
+          <p:cNvSpPr/>
+          <p:nvPr/>
+        </p:nvSpPr>
+        <p:spPr>
+          <a:xfrm>
+            <a:off x="4023406" y="3288216"/>
+            <a:ext cx="3063193" cy="286070"/>
+          </a:xfrm>
+          <a:prstGeom prst="rect">
+            <a:avLst/>
+          </a:prstGeom>
+          <a:solidFill>
+            <a:schemeClr val="accent4">
+              <a:lumMod val="75000"/>
+            </a:schemeClr>
+          </a:solidFill>
+          <a:ln>
+            <a:noFill/>
+          </a:ln>
+        </p:spPr>
+        <p:style>
+          <a:lnRef idx="2">
+            <a:schemeClr val="accent1">
+              <a:shade val="50000"/>
+            </a:schemeClr>
+          </a:lnRef>
+          <a:fillRef idx="1">
+            <a:schemeClr val="accent1"/>
+          </a:fillRef>
+          <a:effectRef idx="0">
+            <a:schemeClr val="accent1"/>
+          </a:effectRef>
+          <a:fontRef idx="minor">
+            <a:schemeClr val="lt1"/>
+          </a:fontRef>
+        </p:style>
+        <p:txBody>
+          <a:bodyPr rtlCol="0" anchor="ctr"/>
+          <a:lstStyle/>
+          <a:p>
+            <a:pPr algn="ctr"/>
+            <a:endParaRPr lang="en-US" dirty="0"/>
+          </a:p>
+        </p:txBody>
+      </p:sp>
+      <p:sp>
+        <p:nvSpPr>
+          <p:cNvPr id="10" name="Rectangle 9"/>
+          <p:cNvSpPr/>
+          <p:nvPr/>
+        </p:nvSpPr>
+        <p:spPr>
+          <a:xfrm>
+            <a:off x="4023407" y="3637737"/>
+            <a:ext cx="3063192" cy="286070"/>
+          </a:xfrm>
+          <a:prstGeom prst="rect">
+            <a:avLst/>
+          </a:prstGeom>
+          <a:solidFill>
+            <a:schemeClr val="accent4">
+              <a:lumMod val="75000"/>
+            </a:schemeClr>
+          </a:solidFill>
+          <a:ln>
+            <a:noFill/>
+          </a:ln>
+        </p:spPr>
+        <p:style>
+          <a:lnRef idx="2">
+            <a:schemeClr val="accent1">
+              <a:shade val="50000"/>
+            </a:schemeClr>
+          </a:lnRef>
+          <a:fillRef idx="1">
+            <a:schemeClr val="accent1"/>
+          </a:fillRef>
+          <a:effectRef idx="0">
+            <a:schemeClr val="accent1"/>
+          </a:effectRef>
+          <a:fontRef idx="minor">
+            <a:schemeClr val="lt1"/>
+          </a:fontRef>
+        </p:style>
+        <p:txBody>
+          <a:bodyPr rtlCol="0" anchor="ctr"/>
+          <a:lstStyle/>
+          <a:p>
+            <a:pPr algn="ctr"/>
+            <a:endParaRPr lang="en-US" dirty="0"/>
+          </a:p>
+        </p:txBody>
+      </p:sp>
+      <p:sp>
+        <p:nvSpPr>
+          <p:cNvPr id="11" name="Rectangle 10"/>
+          <p:cNvSpPr/>
+          <p:nvPr/>
+        </p:nvSpPr>
+        <p:spPr>
+          <a:xfrm>
+            <a:off x="4023407" y="3987258"/>
+            <a:ext cx="3063192" cy="286070"/>
+          </a:xfrm>
+          <a:prstGeom prst="rect">
+            <a:avLst/>
+          </a:prstGeom>
+          <a:solidFill>
+            <a:schemeClr val="accent4">
+              <a:lumMod val="75000"/>
+            </a:schemeClr>
+          </a:solidFill>
+          <a:ln>
+            <a:noFill/>
+          </a:ln>
+        </p:spPr>
+        <p:style>
+          <a:lnRef idx="2">
+            <a:schemeClr val="accent1">
+              <a:shade val="50000"/>
+            </a:schemeClr>
+          </a:lnRef>
+          <a:fillRef idx="1">
+            <a:schemeClr val="accent1"/>
+          </a:fillRef>
+          <a:effectRef idx="0">
+            <a:schemeClr val="accent1"/>
+          </a:effectRef>
+          <a:fontRef idx="minor">
+            <a:schemeClr val="lt1"/>
+          </a:fontRef>
+        </p:style>
+        <p:txBody>
+          <a:bodyPr rtlCol="0" anchor="ctr"/>
+          <a:lstStyle/>
+          <a:p>
+            <a:pPr algn="ctr"/>
+            <a:endParaRPr lang="en-US" dirty="0"/>
+          </a:p>
+        </p:txBody>
+      </p:sp>
+      <p:sp>
+        <p:nvSpPr>
+          <p:cNvPr id="12" name="Rectangle 11"/>
+          <p:cNvSpPr/>
+          <p:nvPr/>
+        </p:nvSpPr>
+        <p:spPr>
+          <a:xfrm>
+            <a:off x="4023406" y="4336779"/>
+            <a:ext cx="3063193" cy="286070"/>
+          </a:xfrm>
+          <a:prstGeom prst="rect">
+            <a:avLst/>
+          </a:prstGeom>
+          <a:solidFill>
+            <a:schemeClr val="accent4">
+              <a:lumMod val="75000"/>
+            </a:schemeClr>
+          </a:solidFill>
+          <a:ln>
+            <a:noFill/>
+          </a:ln>
+        </p:spPr>
+        <p:style>
+          <a:lnRef idx="2">
+            <a:schemeClr val="accent1">
+              <a:shade val="50000"/>
+            </a:schemeClr>
+          </a:lnRef>
+          <a:fillRef idx="1">
+            <a:schemeClr val="accent1"/>
+          </a:fillRef>
+          <a:effectRef idx="0">
+            <a:schemeClr val="accent1"/>
+          </a:effectRef>
+          <a:fontRef idx="minor">
+            <a:schemeClr val="lt1"/>
+          </a:fontRef>
+        </p:style>
+        <p:txBody>
+          <a:bodyPr rtlCol="0" anchor="ctr"/>
+          <a:lstStyle/>
+          <a:p>
+            <a:pPr algn="ctr"/>
+            <a:endParaRPr lang="en-US" dirty="0"/>
+          </a:p>
+        </p:txBody>
+      </p:sp>
+      <p:sp>
+        <p:nvSpPr>
+          <p:cNvPr id="13" name="Rectangle 12"/>
+          <p:cNvSpPr/>
+          <p:nvPr/>
+        </p:nvSpPr>
+        <p:spPr>
+          <a:xfrm>
+            <a:off x="4023406" y="4686300"/>
+            <a:ext cx="3063193" cy="286070"/>
+          </a:xfrm>
+          <a:prstGeom prst="rect">
+            <a:avLst/>
+          </a:prstGeom>
+          <a:solidFill>
+            <a:schemeClr val="accent4">
+              <a:lumMod val="75000"/>
+            </a:schemeClr>
+          </a:solidFill>
+          <a:ln>
+            <a:noFill/>
+          </a:ln>
+        </p:spPr>
+        <p:style>
+          <a:lnRef idx="2">
+            <a:schemeClr val="accent1">
+              <a:shade val="50000"/>
+            </a:schemeClr>
+          </a:lnRef>
+          <a:fillRef idx="1">
+            <a:schemeClr val="accent1"/>
+          </a:fillRef>
+          <a:effectRef idx="0">
+            <a:schemeClr val="accent1"/>
+          </a:effectRef>
+          <a:fontRef idx="minor">
+            <a:schemeClr val="lt1"/>
+          </a:fontRef>
+        </p:style>
+        <p:txBody>
+          <a:bodyPr rtlCol="0" anchor="ctr"/>
+          <a:lstStyle/>
+          <a:p>
+            <a:pPr algn="ctr"/>
+            <a:endParaRPr lang="en-US" dirty="0"/>
+          </a:p>
+        </p:txBody>
+      </p:sp>
+      <p:sp>
+        <p:nvSpPr>
+          <p:cNvPr id="14" name="Rectangle 13"/>
+          <p:cNvSpPr/>
+          <p:nvPr/>
+        </p:nvSpPr>
+        <p:spPr>
+          <a:xfrm>
+            <a:off x="4023406" y="5035821"/>
+            <a:ext cx="3063193" cy="286070"/>
+          </a:xfrm>
+          <a:prstGeom prst="rect">
+            <a:avLst/>
+          </a:prstGeom>
+          <a:solidFill>
+            <a:schemeClr val="accent4">
+              <a:lumMod val="75000"/>
+            </a:schemeClr>
+          </a:solidFill>
+          <a:ln>
+            <a:noFill/>
+          </a:ln>
+        </p:spPr>
+        <p:style>
+          <a:lnRef idx="2">
+            <a:schemeClr val="accent1">
+              <a:shade val="50000"/>
+            </a:schemeClr>
+          </a:lnRef>
+          <a:fillRef idx="1">
+            <a:schemeClr val="accent1"/>
+          </a:fillRef>
+          <a:effectRef idx="0">
+            <a:schemeClr val="accent1"/>
+          </a:effectRef>
+          <a:fontRef idx="minor">
+            <a:schemeClr val="lt1"/>
+          </a:fontRef>
+        </p:style>
+        <p:txBody>
+          <a:bodyPr rtlCol="0" anchor="ctr"/>
+          <a:lstStyle/>
+          <a:p>
+            <a:pPr algn="ctr"/>
+            <a:endParaRPr lang="en-US" dirty="0"/>
+          </a:p>
+        </p:txBody>
+      </p:sp>
+      <p:sp>
+        <p:nvSpPr>
+          <p:cNvPr id="15" name="Rectangle 14"/>
+          <p:cNvSpPr/>
+          <p:nvPr/>
+        </p:nvSpPr>
+        <p:spPr>
+          <a:xfrm>
+            <a:off x="4023406" y="5385342"/>
+            <a:ext cx="3063193" cy="286070"/>
+          </a:xfrm>
+          <a:prstGeom prst="rect">
+            <a:avLst/>
+          </a:prstGeom>
+          <a:solidFill>
+            <a:schemeClr val="accent4">
+              <a:lumMod val="75000"/>
+            </a:schemeClr>
+          </a:solidFill>
+          <a:ln>
+            <a:noFill/>
+          </a:ln>
+        </p:spPr>
+        <p:style>
+          <a:lnRef idx="2">
+            <a:schemeClr val="accent1">
+              <a:shade val="50000"/>
+            </a:schemeClr>
+          </a:lnRef>
+          <a:fillRef idx="1">
+            <a:schemeClr val="accent1"/>
+          </a:fillRef>
+          <a:effectRef idx="0">
+            <a:schemeClr val="accent1"/>
+          </a:effectRef>
+          <a:fontRef idx="minor">
+            <a:schemeClr val="lt1"/>
+          </a:fontRef>
+        </p:style>
+        <p:txBody>
+          <a:bodyPr rtlCol="0" anchor="ctr"/>
+          <a:lstStyle/>
+          <a:p>
+            <a:pPr algn="ctr"/>
+            <a:endParaRPr lang="en-US" dirty="0"/>
+          </a:p>
+        </p:txBody>
+      </p:sp>
+      <p:sp>
+        <p:nvSpPr>
+          <p:cNvPr id="16" name="Rectangle 15"/>
+          <p:cNvSpPr/>
+          <p:nvPr/>
+        </p:nvSpPr>
+        <p:spPr>
+          <a:xfrm>
+            <a:off x="4023406" y="5734863"/>
+            <a:ext cx="3063193" cy="286070"/>
+          </a:xfrm>
+          <a:prstGeom prst="rect">
+            <a:avLst/>
+          </a:prstGeom>
+          <a:solidFill>
+            <a:schemeClr val="accent4">
+              <a:lumMod val="75000"/>
+            </a:schemeClr>
+          </a:solidFill>
+          <a:ln>
+            <a:noFill/>
+          </a:ln>
+        </p:spPr>
+        <p:style>
+          <a:lnRef idx="2">
+            <a:schemeClr val="accent1">
+              <a:shade val="50000"/>
+            </a:schemeClr>
+          </a:lnRef>
+          <a:fillRef idx="1">
+            <a:schemeClr val="accent1"/>
+          </a:fillRef>
+          <a:effectRef idx="0">
+            <a:schemeClr val="accent1"/>
+          </a:effectRef>
+          <a:fontRef idx="minor">
+            <a:schemeClr val="lt1"/>
+          </a:fontRef>
+        </p:style>
+        <p:txBody>
+          <a:bodyPr rtlCol="0" anchor="ctr"/>
+          <a:lstStyle/>
+          <a:p>
+            <a:pPr algn="ctr"/>
+            <a:endParaRPr lang="en-US" dirty="0"/>
+          </a:p>
+        </p:txBody>
+      </p:sp>
+      <p:sp>
+        <p:nvSpPr>
+          <p:cNvPr id="17" name="Rectangle 16"/>
+          <p:cNvSpPr/>
+          <p:nvPr/>
+        </p:nvSpPr>
+        <p:spPr>
+          <a:xfrm>
+            <a:off x="4023406" y="6084384"/>
+            <a:ext cx="3063193" cy="286070"/>
+          </a:xfrm>
+          <a:prstGeom prst="rect">
+            <a:avLst/>
+          </a:prstGeom>
+          <a:solidFill>
+            <a:schemeClr val="accent4">
+              <a:lumMod val="75000"/>
+            </a:schemeClr>
+          </a:solidFill>
+          <a:ln>
+            <a:noFill/>
+          </a:ln>
+        </p:spPr>
+        <p:style>
+          <a:lnRef idx="2">
+            <a:schemeClr val="accent1">
+              <a:shade val="50000"/>
+            </a:schemeClr>
+          </a:lnRef>
+          <a:fillRef idx="1">
+            <a:schemeClr val="accent1"/>
+          </a:fillRef>
+          <a:effectRef idx="0">
+            <a:schemeClr val="accent1"/>
+          </a:effectRef>
+          <a:fontRef idx="minor">
+            <a:schemeClr val="lt1"/>
+          </a:fontRef>
+        </p:style>
+        <p:txBody>
+          <a:bodyPr rtlCol="0" anchor="ctr"/>
+          <a:lstStyle/>
+          <a:p>
+            <a:pPr algn="ctr"/>
+            <a:endParaRPr lang="en-US" dirty="0"/>
+          </a:p>
+        </p:txBody>
+      </p:sp>
+      <p:sp>
+        <p:nvSpPr>
+          <p:cNvPr id="18" name="Rectangle 17"/>
+          <p:cNvSpPr/>
+          <p:nvPr/>
+        </p:nvSpPr>
+        <p:spPr>
+          <a:xfrm>
+            <a:off x="4023406" y="6433905"/>
+            <a:ext cx="3063193" cy="286070"/>
+          </a:xfrm>
+          <a:prstGeom prst="rect">
+            <a:avLst/>
+          </a:prstGeom>
+          <a:solidFill>
+            <a:schemeClr val="accent4">
+              <a:lumMod val="75000"/>
+            </a:schemeClr>
+          </a:solidFill>
+          <a:ln>
+            <a:noFill/>
+          </a:ln>
+        </p:spPr>
+        <p:style>
+          <a:lnRef idx="2">
+            <a:schemeClr val="accent1">
+              <a:shade val="50000"/>
+            </a:schemeClr>
+          </a:lnRef>
+          <a:fillRef idx="1">
+            <a:schemeClr val="accent1"/>
+          </a:fillRef>
+          <a:effectRef idx="0">
+            <a:schemeClr val="accent1"/>
+          </a:effectRef>
+          <a:fontRef idx="minor">
+            <a:schemeClr val="lt1"/>
+          </a:fontRef>
+        </p:style>
+        <p:txBody>
+          <a:bodyPr rtlCol="0" anchor="ctr"/>
+          <a:lstStyle/>
+          <a:p>
+            <a:pPr algn="ctr"/>
+            <a:endParaRPr lang="en-US" dirty="0"/>
+          </a:p>
+        </p:txBody>
+      </p:sp>
+      <p:sp>
+        <p:nvSpPr>
+          <p:cNvPr id="19" name="Rectangle 18"/>
+          <p:cNvSpPr/>
+          <p:nvPr/>
+        </p:nvSpPr>
+        <p:spPr>
+          <a:xfrm>
+            <a:off x="4023406" y="1536065"/>
+            <a:ext cx="3063193" cy="286070"/>
+          </a:xfrm>
+          <a:prstGeom prst="rect">
+            <a:avLst/>
+          </a:prstGeom>
+          <a:solidFill>
+            <a:schemeClr val="accent4">
+              <a:lumMod val="75000"/>
+            </a:schemeClr>
+          </a:solidFill>
+          <a:ln>
+            <a:noFill/>
+          </a:ln>
+        </p:spPr>
+        <p:style>
+          <a:lnRef idx="2">
+            <a:schemeClr val="accent1">
+              <a:shade val="50000"/>
+            </a:schemeClr>
+          </a:lnRef>
+          <a:fillRef idx="1">
+            <a:schemeClr val="accent1"/>
+          </a:fillRef>
+          <a:effectRef idx="0">
+            <a:schemeClr val="accent1"/>
+          </a:effectRef>
+          <a:fontRef idx="minor">
+            <a:schemeClr val="lt1"/>
+          </a:fontRef>
+        </p:style>
+        <p:txBody>
+          <a:bodyPr rtlCol="0" anchor="ctr"/>
+          <a:lstStyle/>
+          <a:p>
+            <a:pPr algn="ctr"/>
+            <a:endParaRPr lang="en-US" dirty="0"/>
+          </a:p>
+        </p:txBody>
+      </p:sp>
+      <p:sp>
+        <p:nvSpPr>
+          <p:cNvPr id="20" name="Rectangle 19"/>
+          <p:cNvSpPr/>
+          <p:nvPr/>
+        </p:nvSpPr>
+        <p:spPr>
+          <a:xfrm>
+            <a:off x="4023406" y="1885586"/>
+            <a:ext cx="3063193" cy="286070"/>
+          </a:xfrm>
+          <a:prstGeom prst="rect">
+            <a:avLst/>
+          </a:prstGeom>
+          <a:solidFill>
+            <a:schemeClr val="accent4">
+              <a:lumMod val="75000"/>
+            </a:schemeClr>
+          </a:solidFill>
+          <a:ln>
+            <a:noFill/>
+          </a:ln>
+        </p:spPr>
+        <p:style>
+          <a:lnRef idx="2">
+            <a:schemeClr val="accent1">
+              <a:shade val="50000"/>
+            </a:schemeClr>
+          </a:lnRef>
+          <a:fillRef idx="1">
+            <a:schemeClr val="accent1"/>
+          </a:fillRef>
+          <a:effectRef idx="0">
+            <a:schemeClr val="accent1"/>
+          </a:effectRef>
+          <a:fontRef idx="minor">
+            <a:schemeClr val="lt1"/>
+          </a:fontRef>
+        </p:style>
+        <p:txBody>
+          <a:bodyPr rtlCol="0" anchor="ctr"/>
+          <a:lstStyle/>
+          <a:p>
+            <a:pPr algn="ctr"/>
+            <a:endParaRPr lang="en-US" dirty="0"/>
+          </a:p>
+        </p:txBody>
+      </p:sp>
+      <p:sp>
+        <p:nvSpPr>
+          <p:cNvPr id="21" name="Rectangle 20"/>
+          <p:cNvSpPr/>
+          <p:nvPr/>
+        </p:nvSpPr>
+        <p:spPr>
+          <a:xfrm>
+            <a:off x="4023406" y="2235107"/>
+            <a:ext cx="3063193" cy="286070"/>
+          </a:xfrm>
+          <a:prstGeom prst="rect">
+            <a:avLst/>
+          </a:prstGeom>
+          <a:solidFill>
+            <a:schemeClr val="accent4">
+              <a:lumMod val="75000"/>
+            </a:schemeClr>
+          </a:solidFill>
+          <a:ln>
+            <a:noFill/>
+          </a:ln>
+        </p:spPr>
+        <p:style>
+          <a:lnRef idx="2">
+            <a:schemeClr val="accent1">
+              <a:shade val="50000"/>
+            </a:schemeClr>
+          </a:lnRef>
+          <a:fillRef idx="1">
+            <a:schemeClr val="accent1"/>
+          </a:fillRef>
+          <a:effectRef idx="0">
+            <a:schemeClr val="accent1"/>
+          </a:effectRef>
+          <a:fontRef idx="minor">
+            <a:schemeClr val="lt1"/>
+          </a:fontRef>
+        </p:style>
+        <p:txBody>
+          <a:bodyPr rtlCol="0" anchor="ctr"/>
+          <a:lstStyle/>
+          <a:p>
+            <a:pPr algn="ctr"/>
+            <a:endParaRPr lang="en-US" dirty="0"/>
+          </a:p>
+        </p:txBody>
+      </p:sp>
+      <p:sp>
+        <p:nvSpPr>
+          <p:cNvPr id="22" name="TextBox 21"/>
+          <p:cNvSpPr txBox="1"/>
+          <p:nvPr/>
+        </p:nvSpPr>
+        <p:spPr>
+          <a:xfrm>
+            <a:off x="4110737" y="3626997"/>
+            <a:ext cx="2894764" cy="646331"/>
+          </a:xfrm>
+          <a:prstGeom prst="rect">
+            <a:avLst/>
+          </a:prstGeom>
+          <a:noFill/>
+        </p:spPr>
+        <p:txBody>
+          <a:bodyPr wrap="square" rtlCol="0">
+            <a:spAutoFit/>
+          </a:bodyPr>
+          <a:lstStyle/>
+          <a:p>
+            <a:pPr algn="ctr"/>
+            <a:r>
+              <a:rPr lang="en-US" dirty="0" smtClean="0"/>
+              <a:t>15 Computers</a:t>
+            </a:r>
+          </a:p>
+          <a:p>
+            <a:pPr algn="ctr"/>
+            <a:r>
+              <a:rPr lang="en-US" dirty="0" smtClean="0"/>
+              <a:t>540 Cores</a:t>
+            </a:r>
+          </a:p>
+        </p:txBody>
+      </p:sp>
+      <p:cxnSp>
+        <p:nvCxnSpPr>
+          <p:cNvPr id="24" name="Straight Arrow Connector 23"/>
+          <p:cNvCxnSpPr/>
+          <p:nvPr/>
+        </p:nvCxnSpPr>
+        <p:spPr>
+          <a:xfrm flipV="1">
+            <a:off x="2404997" y="1679100"/>
+            <a:ext cx="1618410" cy="1402630"/>
+          </a:xfrm>
+          <a:prstGeom prst="straightConnector1">
+            <a:avLst/>
+          </a:prstGeom>
+          <a:ln w="12700">
+            <a:solidFill>
+              <a:schemeClr val="tx1"/>
+            </a:solidFill>
+            <a:tailEnd type="triangle"/>
+          </a:ln>
+        </p:spPr>
+        <p:style>
+          <a:lnRef idx="1">
+            <a:schemeClr val="accent1"/>
+          </a:lnRef>
+          <a:fillRef idx="0">
+            <a:schemeClr val="accent1"/>
+          </a:fillRef>
+          <a:effectRef idx="0">
+            <a:schemeClr val="accent1"/>
+          </a:effectRef>
+          <a:fontRef idx="minor">
+            <a:schemeClr val="tx1"/>
+          </a:fontRef>
+        </p:style>
+      </p:cxnSp>
+      <p:cxnSp>
+        <p:nvCxnSpPr>
+          <p:cNvPr id="25" name="Straight Arrow Connector 24"/>
+          <p:cNvCxnSpPr/>
+          <p:nvPr/>
+        </p:nvCxnSpPr>
+        <p:spPr>
+          <a:xfrm flipV="1">
+            <a:off x="2404997" y="2028621"/>
+            <a:ext cx="1618410" cy="1206884"/>
+          </a:xfrm>
+          <a:prstGeom prst="straightConnector1">
+            <a:avLst/>
+          </a:prstGeom>
+          <a:ln w="12700">
+            <a:solidFill>
+              <a:schemeClr val="tx1"/>
+            </a:solidFill>
+            <a:tailEnd type="triangle"/>
+          </a:ln>
+        </p:spPr>
+        <p:style>
+          <a:lnRef idx="1">
+            <a:schemeClr val="accent1"/>
+          </a:lnRef>
+          <a:fillRef idx="0">
+            <a:schemeClr val="accent1"/>
+          </a:fillRef>
+          <a:effectRef idx="0">
+            <a:schemeClr val="accent1"/>
+          </a:effectRef>
+          <a:fontRef idx="minor">
+            <a:schemeClr val="tx1"/>
+          </a:fontRef>
+        </p:style>
+      </p:cxnSp>
+      <p:cxnSp>
+        <p:nvCxnSpPr>
+          <p:cNvPr id="27" name="Straight Arrow Connector 26"/>
+          <p:cNvCxnSpPr/>
+          <p:nvPr/>
+        </p:nvCxnSpPr>
+        <p:spPr>
+          <a:xfrm flipV="1">
+            <a:off x="2404997" y="2362292"/>
+            <a:ext cx="1618410" cy="1050836"/>
+          </a:xfrm>
+          <a:prstGeom prst="straightConnector1">
+            <a:avLst/>
+          </a:prstGeom>
+          <a:ln w="12700">
+            <a:solidFill>
+              <a:schemeClr val="tx1"/>
+            </a:solidFill>
+            <a:tailEnd type="triangle"/>
+          </a:ln>
+        </p:spPr>
+        <p:style>
+          <a:lnRef idx="1">
+            <a:schemeClr val="accent1"/>
+          </a:lnRef>
+          <a:fillRef idx="0">
+            <a:schemeClr val="accent1"/>
+          </a:fillRef>
+          <a:effectRef idx="0">
+            <a:schemeClr val="accent1"/>
+          </a:effectRef>
+          <a:fontRef idx="minor">
+            <a:schemeClr val="tx1"/>
+          </a:fontRef>
+        </p:style>
+      </p:cxnSp>
+      <p:cxnSp>
+        <p:nvCxnSpPr>
+          <p:cNvPr id="29" name="Straight Arrow Connector 28"/>
+          <p:cNvCxnSpPr/>
+          <p:nvPr/>
+        </p:nvCxnSpPr>
+        <p:spPr>
+          <a:xfrm flipV="1">
+            <a:off x="2404997" y="2720894"/>
+            <a:ext cx="1618410" cy="857382"/>
+          </a:xfrm>
+          <a:prstGeom prst="straightConnector1">
+            <a:avLst/>
+          </a:prstGeom>
+          <a:ln w="12700">
+            <a:solidFill>
+              <a:schemeClr val="tx1"/>
+            </a:solidFill>
+            <a:tailEnd type="triangle"/>
+          </a:ln>
+        </p:spPr>
+        <p:style>
+          <a:lnRef idx="1">
+            <a:schemeClr val="accent1"/>
+          </a:lnRef>
+          <a:fillRef idx="0">
+            <a:schemeClr val="accent1"/>
+          </a:fillRef>
+          <a:effectRef idx="0">
+            <a:schemeClr val="accent1"/>
+          </a:effectRef>
+          <a:fontRef idx="minor">
+            <a:schemeClr val="tx1"/>
+          </a:fontRef>
+        </p:style>
+      </p:cxnSp>
+      <p:cxnSp>
+        <p:nvCxnSpPr>
+          <p:cNvPr id="31" name="Straight Arrow Connector 30"/>
+          <p:cNvCxnSpPr/>
+          <p:nvPr/>
+        </p:nvCxnSpPr>
+        <p:spPr>
+          <a:xfrm flipV="1">
+            <a:off x="2404997" y="3092780"/>
+            <a:ext cx="1618410" cy="638552"/>
+          </a:xfrm>
+          <a:prstGeom prst="straightConnector1">
+            <a:avLst/>
+          </a:prstGeom>
+          <a:ln w="12700">
+            <a:solidFill>
+              <a:schemeClr val="tx1"/>
+            </a:solidFill>
+            <a:tailEnd type="triangle"/>
+          </a:ln>
+        </p:spPr>
+        <p:style>
+          <a:lnRef idx="1">
+            <a:schemeClr val="accent1"/>
+          </a:lnRef>
+          <a:fillRef idx="0">
+            <a:schemeClr val="accent1"/>
+          </a:fillRef>
+          <a:effectRef idx="0">
+            <a:schemeClr val="accent1"/>
+          </a:effectRef>
+          <a:fontRef idx="minor">
+            <a:schemeClr val="tx1"/>
+          </a:fontRef>
+        </p:style>
+      </p:cxnSp>
+      <p:cxnSp>
+        <p:nvCxnSpPr>
+          <p:cNvPr id="33" name="Straight Arrow Connector 32"/>
+          <p:cNvCxnSpPr/>
+          <p:nvPr/>
+        </p:nvCxnSpPr>
+        <p:spPr>
+          <a:xfrm flipV="1">
+            <a:off x="2404997" y="3419663"/>
+            <a:ext cx="1618410" cy="456700"/>
+          </a:xfrm>
+          <a:prstGeom prst="straightConnector1">
+            <a:avLst/>
+          </a:prstGeom>
+          <a:ln w="12700">
+            <a:solidFill>
+              <a:schemeClr val="tx1"/>
+            </a:solidFill>
+            <a:tailEnd type="triangle"/>
+          </a:ln>
+        </p:spPr>
+        <p:style>
+          <a:lnRef idx="1">
+            <a:schemeClr val="accent1"/>
+          </a:lnRef>
+          <a:fillRef idx="0">
+            <a:schemeClr val="accent1"/>
+          </a:fillRef>
+          <a:effectRef idx="0">
+            <a:schemeClr val="accent1"/>
+          </a:effectRef>
+          <a:fontRef idx="minor">
+            <a:schemeClr val="tx1"/>
+          </a:fontRef>
+        </p:style>
+      </p:cxnSp>
+      <p:cxnSp>
+        <p:nvCxnSpPr>
+          <p:cNvPr id="35" name="Straight Arrow Connector 34"/>
+          <p:cNvCxnSpPr/>
+          <p:nvPr/>
+        </p:nvCxnSpPr>
+        <p:spPr>
+          <a:xfrm flipV="1">
+            <a:off x="2404997" y="3768912"/>
+            <a:ext cx="1618410" cy="214356"/>
+          </a:xfrm>
+          <a:prstGeom prst="straightConnector1">
+            <a:avLst/>
+          </a:prstGeom>
+          <a:ln w="12700">
+            <a:solidFill>
+              <a:schemeClr val="tx1"/>
+            </a:solidFill>
+            <a:tailEnd type="triangle"/>
+          </a:ln>
+        </p:spPr>
+        <p:style>
+          <a:lnRef idx="1">
+            <a:schemeClr val="accent1"/>
+          </a:lnRef>
+          <a:fillRef idx="0">
+            <a:schemeClr val="accent1"/>
+          </a:fillRef>
+          <a:effectRef idx="0">
+            <a:schemeClr val="accent1"/>
+          </a:effectRef>
+          <a:fontRef idx="minor">
+            <a:schemeClr val="tx1"/>
+          </a:fontRef>
+        </p:style>
+      </p:cxnSp>
+      <p:cxnSp>
+        <p:nvCxnSpPr>
+          <p:cNvPr id="37" name="Straight Arrow Connector 36"/>
+          <p:cNvCxnSpPr/>
+          <p:nvPr/>
+        </p:nvCxnSpPr>
+        <p:spPr>
+          <a:xfrm flipV="1">
+            <a:off x="2404997" y="4130293"/>
+            <a:ext cx="1618410" cy="20522"/>
+          </a:xfrm>
+          <a:prstGeom prst="straightConnector1">
+            <a:avLst/>
+          </a:prstGeom>
+          <a:ln w="12700">
+            <a:solidFill>
+              <a:schemeClr val="tx1"/>
+            </a:solidFill>
+            <a:tailEnd type="triangle"/>
+          </a:ln>
+        </p:spPr>
+        <p:style>
+          <a:lnRef idx="1">
+            <a:schemeClr val="accent1"/>
+          </a:lnRef>
+          <a:fillRef idx="0">
+            <a:schemeClr val="accent1"/>
+          </a:fillRef>
+          <a:effectRef idx="0">
+            <a:schemeClr val="accent1"/>
+          </a:effectRef>
+          <a:fontRef idx="minor">
+            <a:schemeClr val="tx1"/>
+          </a:fontRef>
+        </p:style>
+      </p:cxnSp>
+      <p:cxnSp>
+        <p:nvCxnSpPr>
+          <p:cNvPr id="40" name="Straight Arrow Connector 39"/>
+          <p:cNvCxnSpPr/>
+          <p:nvPr/>
+        </p:nvCxnSpPr>
+        <p:spPr>
+          <a:xfrm>
+            <a:off x="2404997" y="4269425"/>
+            <a:ext cx="1618410" cy="206995"/>
+          </a:xfrm>
+          <a:prstGeom prst="straightConnector1">
+            <a:avLst/>
+          </a:prstGeom>
+          <a:ln w="12700">
+            <a:solidFill>
+              <a:schemeClr val="tx1"/>
+            </a:solidFill>
+            <a:tailEnd type="triangle"/>
+          </a:ln>
+        </p:spPr>
+        <p:style>
+          <a:lnRef idx="1">
+            <a:schemeClr val="accent1"/>
+          </a:lnRef>
+          <a:fillRef idx="0">
+            <a:schemeClr val="accent1"/>
+          </a:fillRef>
+          <a:effectRef idx="0">
+            <a:schemeClr val="accent1"/>
+          </a:effectRef>
+          <a:fontRef idx="minor">
+            <a:schemeClr val="tx1"/>
+          </a:fontRef>
+        </p:style>
+      </p:cxnSp>
+      <p:cxnSp>
+        <p:nvCxnSpPr>
+          <p:cNvPr id="42" name="Straight Arrow Connector 41"/>
+          <p:cNvCxnSpPr/>
+          <p:nvPr/>
+        </p:nvCxnSpPr>
+        <p:spPr>
+          <a:xfrm>
+            <a:off x="2404997" y="4426414"/>
+            <a:ext cx="1618410" cy="396965"/>
+          </a:xfrm>
+          <a:prstGeom prst="straightConnector1">
+            <a:avLst/>
+          </a:prstGeom>
+          <a:ln w="12700">
+            <a:solidFill>
+              <a:schemeClr val="tx1"/>
+            </a:solidFill>
+            <a:tailEnd type="triangle"/>
+          </a:ln>
+        </p:spPr>
+        <p:style>
+          <a:lnRef idx="1">
+            <a:schemeClr val="accent1"/>
+          </a:lnRef>
+          <a:fillRef idx="0">
+            <a:schemeClr val="accent1"/>
+          </a:fillRef>
+          <a:effectRef idx="0">
+            <a:schemeClr val="accent1"/>
+          </a:effectRef>
+          <a:fontRef idx="minor">
+            <a:schemeClr val="tx1"/>
+          </a:fontRef>
+        </p:style>
+      </p:cxnSp>
+      <p:cxnSp>
+        <p:nvCxnSpPr>
+          <p:cNvPr id="44" name="Straight Arrow Connector 43"/>
+          <p:cNvCxnSpPr/>
+          <p:nvPr/>
+        </p:nvCxnSpPr>
+        <p:spPr>
+          <a:xfrm>
+            <a:off x="2404997" y="4575405"/>
+            <a:ext cx="1618410" cy="603451"/>
+          </a:xfrm>
+          <a:prstGeom prst="straightConnector1">
+            <a:avLst/>
+          </a:prstGeom>
+          <a:ln w="12700">
+            <a:solidFill>
+              <a:schemeClr val="tx1"/>
+            </a:solidFill>
+            <a:tailEnd type="triangle"/>
+          </a:ln>
+        </p:spPr>
+        <p:style>
+          <a:lnRef idx="1">
+            <a:schemeClr val="accent1"/>
+          </a:lnRef>
+          <a:fillRef idx="0">
+            <a:schemeClr val="accent1"/>
+          </a:fillRef>
+          <a:effectRef idx="0">
+            <a:schemeClr val="accent1"/>
+          </a:effectRef>
+          <a:fontRef idx="minor">
+            <a:schemeClr val="tx1"/>
+          </a:fontRef>
+        </p:style>
+      </p:cxnSp>
+      <p:cxnSp>
+        <p:nvCxnSpPr>
+          <p:cNvPr id="46" name="Straight Arrow Connector 45"/>
+          <p:cNvCxnSpPr>
+            <a:stCxn id="5" idx="3"/>
+          </p:cNvCxnSpPr>
+          <p:nvPr/>
+        </p:nvCxnSpPr>
+        <p:spPr>
+          <a:xfrm>
+            <a:off x="2404997" y="4731707"/>
+            <a:ext cx="1618410" cy="796997"/>
+          </a:xfrm>
+          <a:prstGeom prst="straightConnector1">
+            <a:avLst/>
+          </a:prstGeom>
+          <a:ln w="12700">
+            <a:solidFill>
+              <a:schemeClr val="tx1"/>
+            </a:solidFill>
+            <a:tailEnd type="triangle"/>
+          </a:ln>
+        </p:spPr>
+        <p:style>
+          <a:lnRef idx="1">
+            <a:schemeClr val="accent1"/>
+          </a:lnRef>
+          <a:fillRef idx="0">
+            <a:schemeClr val="accent1"/>
+          </a:fillRef>
+          <a:effectRef idx="0">
+            <a:schemeClr val="accent1"/>
+          </a:effectRef>
+          <a:fontRef idx="minor">
+            <a:schemeClr val="tx1"/>
+          </a:fontRef>
+        </p:style>
+      </p:cxnSp>
+      <p:cxnSp>
+        <p:nvCxnSpPr>
+          <p:cNvPr id="48" name="Straight Arrow Connector 47"/>
+          <p:cNvCxnSpPr/>
+          <p:nvPr/>
+        </p:nvCxnSpPr>
+        <p:spPr>
+          <a:xfrm>
+            <a:off x="2404997" y="4913014"/>
+            <a:ext cx="1618410" cy="964884"/>
+          </a:xfrm>
+          <a:prstGeom prst="straightConnector1">
+            <a:avLst/>
+          </a:prstGeom>
+          <a:ln w="12700">
+            <a:solidFill>
+              <a:schemeClr val="tx1"/>
+            </a:solidFill>
+            <a:tailEnd type="triangle"/>
+          </a:ln>
+        </p:spPr>
+        <p:style>
+          <a:lnRef idx="1">
+            <a:schemeClr val="accent1"/>
+          </a:lnRef>
+          <a:fillRef idx="0">
+            <a:schemeClr val="accent1"/>
+          </a:fillRef>
+          <a:effectRef idx="0">
+            <a:schemeClr val="accent1"/>
+          </a:effectRef>
+          <a:fontRef idx="minor">
+            <a:schemeClr val="tx1"/>
+          </a:fontRef>
+        </p:style>
+      </p:cxnSp>
+      <p:cxnSp>
+        <p:nvCxnSpPr>
+          <p:cNvPr id="50" name="Straight Arrow Connector 49"/>
+          <p:cNvCxnSpPr/>
+          <p:nvPr/>
+        </p:nvCxnSpPr>
+        <p:spPr>
+          <a:xfrm>
+            <a:off x="2392472" y="5048637"/>
+            <a:ext cx="1662251" cy="1180272"/>
+          </a:xfrm>
+          <a:prstGeom prst="straightConnector1">
+            <a:avLst/>
+          </a:prstGeom>
+          <a:ln w="12700">
+            <a:solidFill>
+              <a:schemeClr val="tx1"/>
+            </a:solidFill>
+            <a:tailEnd type="triangle"/>
+          </a:ln>
+        </p:spPr>
+        <p:style>
+          <a:lnRef idx="1">
+            <a:schemeClr val="accent1"/>
+          </a:lnRef>
+          <a:fillRef idx="0">
+            <a:schemeClr val="accent1"/>
+          </a:fillRef>
+          <a:effectRef idx="0">
+            <a:schemeClr val="accent1"/>
+          </a:effectRef>
+          <a:fontRef idx="minor">
+            <a:schemeClr val="tx1"/>
+          </a:fontRef>
+        </p:style>
+      </p:cxnSp>
+      <p:cxnSp>
+        <p:nvCxnSpPr>
+          <p:cNvPr id="52" name="Straight Arrow Connector 51"/>
+          <p:cNvCxnSpPr>
+            <a:endCxn id="18" idx="1"/>
+          </p:cNvCxnSpPr>
+          <p:nvPr/>
+        </p:nvCxnSpPr>
+        <p:spPr>
+          <a:xfrm>
+            <a:off x="2392472" y="5241112"/>
+            <a:ext cx="1630934" cy="1335828"/>
+          </a:xfrm>
+          <a:prstGeom prst="straightConnector1">
+            <a:avLst/>
+          </a:prstGeom>
+          <a:ln w="12700">
+            <a:solidFill>
+              <a:schemeClr val="tx1"/>
+            </a:solidFill>
+            <a:tailEnd type="triangle"/>
+          </a:ln>
+        </p:spPr>
+        <p:style>
+          <a:lnRef idx="1">
+            <a:schemeClr val="accent1"/>
+          </a:lnRef>
+          <a:fillRef idx="0">
+            <a:schemeClr val="accent1"/>
+          </a:fillRef>
+          <a:effectRef idx="0">
+            <a:schemeClr val="accent1"/>
+          </a:effectRef>
+          <a:fontRef idx="minor">
+            <a:schemeClr val="tx1"/>
+          </a:fontRef>
+        </p:style>
+      </p:cxnSp>
+      <p:sp>
+        <p:nvSpPr>
+          <p:cNvPr id="5" name="Rectangle 4"/>
+          <p:cNvSpPr/>
+          <p:nvPr/>
+        </p:nvSpPr>
+        <p:spPr>
+          <a:xfrm>
+            <a:off x="782877" y="2974931"/>
+            <a:ext cx="1622120" cy="3513551"/>
+          </a:xfrm>
+          <a:prstGeom prst="rect">
+            <a:avLst/>
+          </a:prstGeom>
+          <a:solidFill>
+            <a:srgbClr val="0070C0"/>
+          </a:solidFill>
+          <a:ln>
+            <a:noFill/>
+          </a:ln>
+        </p:spPr>
+        <p:style>
+          <a:lnRef idx="2">
+            <a:schemeClr val="accent1">
+              <a:shade val="50000"/>
+            </a:schemeClr>
+          </a:lnRef>
+          <a:fillRef idx="1">
+            <a:schemeClr val="accent1"/>
+          </a:fillRef>
+          <a:effectRef idx="0">
+            <a:schemeClr val="accent1"/>
+          </a:effectRef>
+          <a:fontRef idx="minor">
+            <a:schemeClr val="lt1"/>
+          </a:fontRef>
+        </p:style>
+        <p:txBody>
+          <a:bodyPr rtlCol="0" anchor="ctr"/>
+          <a:lstStyle/>
+          <a:p>
+            <a:pPr algn="ctr"/>
+            <a:r>
+              <a:rPr lang="en-US" dirty="0" smtClean="0"/>
+              <a:t>63 </a:t>
+            </a:r>
+            <a:r>
+              <a:rPr lang="en-US" smtClean="0"/>
+              <a:t>M Sequences</a:t>
+            </a:r>
+            <a:endParaRPr lang="en-US"/>
+          </a:p>
+        </p:txBody>
+      </p:sp>
+      <p:sp>
+        <p:nvSpPr>
+          <p:cNvPr id="55" name="Rectangle 54"/>
+          <p:cNvSpPr/>
+          <p:nvPr/>
+        </p:nvSpPr>
+        <p:spPr>
+          <a:xfrm>
+            <a:off x="9084733" y="3333310"/>
+            <a:ext cx="2269067" cy="1233704"/>
+          </a:xfrm>
+          <a:prstGeom prst="rect">
+            <a:avLst/>
+          </a:prstGeom>
+          <a:solidFill>
+            <a:schemeClr val="accent4">
+              <a:lumMod val="75000"/>
+            </a:schemeClr>
+          </a:solidFill>
+          <a:ln>
+            <a:noFill/>
+          </a:ln>
+        </p:spPr>
+        <p:style>
+          <a:lnRef idx="2">
+            <a:schemeClr val="accent1">
+              <a:shade val="50000"/>
+            </a:schemeClr>
+          </a:lnRef>
+          <a:fillRef idx="1">
+            <a:schemeClr val="accent1"/>
+          </a:fillRef>
+          <a:effectRef idx="0">
+            <a:schemeClr val="accent1"/>
+          </a:effectRef>
+          <a:fontRef idx="minor">
+            <a:schemeClr val="lt1"/>
+          </a:fontRef>
+        </p:style>
+        <p:txBody>
+          <a:bodyPr rtlCol="0" anchor="ctr"/>
+          <a:lstStyle/>
+          <a:p>
+            <a:pPr algn="ctr"/>
+            <a:r>
+              <a:rPr lang="en-US" dirty="0" smtClean="0"/>
+              <a:t>Master</a:t>
+            </a:r>
+          </a:p>
+          <a:p>
+            <a:pPr algn="ctr"/>
+            <a:r>
+              <a:rPr lang="en-US" dirty="0" smtClean="0"/>
+              <a:t>Node</a:t>
+            </a:r>
+            <a:endParaRPr lang="en-US" dirty="0"/>
+          </a:p>
+        </p:txBody>
+      </p:sp>
+      <p:sp>
+        <p:nvSpPr>
+          <p:cNvPr id="57" name="TextBox 56"/>
+          <p:cNvSpPr txBox="1"/>
+          <p:nvPr/>
+        </p:nvSpPr>
+        <p:spPr>
+          <a:xfrm>
+            <a:off x="2864671" y="1609278"/>
+            <a:ext cx="686535" cy="369332"/>
+          </a:xfrm>
+          <a:prstGeom prst="rect">
+            <a:avLst/>
+          </a:prstGeom>
+          <a:noFill/>
+        </p:spPr>
+        <p:txBody>
+          <a:bodyPr wrap="none" rtlCol="0">
+            <a:spAutoFit/>
+          </a:bodyPr>
+          <a:lstStyle/>
+          <a:p>
+            <a:r>
+              <a:rPr lang="en-US" smtClean="0"/>
+              <a:t>Work</a:t>
+            </a:r>
+            <a:endParaRPr lang="en-US"/>
+          </a:p>
+        </p:txBody>
+      </p:sp>
+      <p:cxnSp>
+        <p:nvCxnSpPr>
+          <p:cNvPr id="58" name="Straight Arrow Connector 57"/>
+          <p:cNvCxnSpPr/>
+          <p:nvPr/>
+        </p:nvCxnSpPr>
+        <p:spPr>
+          <a:xfrm flipV="1">
+            <a:off x="7099123" y="4473543"/>
+            <a:ext cx="1985609" cy="2136799"/>
+          </a:xfrm>
+          <a:prstGeom prst="straightConnector1">
+            <a:avLst/>
+          </a:prstGeom>
+          <a:ln w="12700">
+            <a:solidFill>
+              <a:schemeClr val="tx1"/>
+            </a:solidFill>
+            <a:tailEnd type="triangle"/>
+          </a:ln>
+        </p:spPr>
+        <p:style>
+          <a:lnRef idx="1">
+            <a:schemeClr val="accent1"/>
+          </a:lnRef>
+          <a:fillRef idx="0">
+            <a:schemeClr val="accent1"/>
+          </a:fillRef>
+          <a:effectRef idx="0">
+            <a:schemeClr val="accent1"/>
+          </a:effectRef>
+          <a:fontRef idx="minor">
+            <a:schemeClr val="tx1"/>
+          </a:fontRef>
+        </p:style>
+      </p:cxnSp>
+      <p:cxnSp>
+        <p:nvCxnSpPr>
+          <p:cNvPr id="60" name="Straight Arrow Connector 59"/>
+          <p:cNvCxnSpPr/>
+          <p:nvPr/>
+        </p:nvCxnSpPr>
+        <p:spPr>
+          <a:xfrm flipV="1">
+            <a:off x="7086599" y="4317869"/>
+            <a:ext cx="1998133" cy="1952951"/>
+          </a:xfrm>
+          <a:prstGeom prst="straightConnector1">
+            <a:avLst/>
+          </a:prstGeom>
+          <a:ln w="12700">
+            <a:solidFill>
+              <a:schemeClr val="tx1"/>
+            </a:solidFill>
+            <a:tailEnd type="triangle"/>
+          </a:ln>
+        </p:spPr>
+        <p:style>
+          <a:lnRef idx="1">
+            <a:schemeClr val="accent1"/>
+          </a:lnRef>
+          <a:fillRef idx="0">
+            <a:schemeClr val="accent1"/>
+          </a:fillRef>
+          <a:effectRef idx="0">
+            <a:schemeClr val="accent1"/>
+          </a:effectRef>
+          <a:fontRef idx="minor">
+            <a:schemeClr val="tx1"/>
+          </a:fontRef>
+        </p:style>
+      </p:cxnSp>
+      <p:cxnSp>
+        <p:nvCxnSpPr>
+          <p:cNvPr id="62" name="Straight Arrow Connector 61"/>
+          <p:cNvCxnSpPr/>
+          <p:nvPr/>
+        </p:nvCxnSpPr>
+        <p:spPr>
+          <a:xfrm flipV="1">
+            <a:off x="7099123" y="4218235"/>
+            <a:ext cx="1985609" cy="1659664"/>
+          </a:xfrm>
+          <a:prstGeom prst="straightConnector1">
+            <a:avLst/>
+          </a:prstGeom>
+          <a:ln w="12700">
+            <a:solidFill>
+              <a:schemeClr val="tx1"/>
+            </a:solidFill>
+            <a:tailEnd type="triangle"/>
+          </a:ln>
+        </p:spPr>
+        <p:style>
+          <a:lnRef idx="1">
+            <a:schemeClr val="accent1"/>
+          </a:lnRef>
+          <a:fillRef idx="0">
+            <a:schemeClr val="accent1"/>
+          </a:fillRef>
+          <a:effectRef idx="0">
+            <a:schemeClr val="accent1"/>
+          </a:effectRef>
+          <a:fontRef idx="minor">
+            <a:schemeClr val="tx1"/>
+          </a:fontRef>
+        </p:style>
+      </p:cxnSp>
+      <p:cxnSp>
+        <p:nvCxnSpPr>
+          <p:cNvPr id="64" name="Straight Arrow Connector 63"/>
+          <p:cNvCxnSpPr/>
+          <p:nvPr/>
+        </p:nvCxnSpPr>
+        <p:spPr>
+          <a:xfrm flipV="1">
+            <a:off x="7086598" y="4140554"/>
+            <a:ext cx="1998134" cy="1427830"/>
+          </a:xfrm>
+          <a:prstGeom prst="straightConnector1">
+            <a:avLst/>
+          </a:prstGeom>
+          <a:ln w="12700">
+            <a:solidFill>
+              <a:schemeClr val="tx1"/>
+            </a:solidFill>
+            <a:tailEnd type="triangle"/>
+          </a:ln>
+        </p:spPr>
+        <p:style>
+          <a:lnRef idx="1">
+            <a:schemeClr val="accent1"/>
+          </a:lnRef>
+          <a:fillRef idx="0">
+            <a:schemeClr val="accent1"/>
+          </a:fillRef>
+          <a:effectRef idx="0">
+            <a:schemeClr val="accent1"/>
+          </a:effectRef>
+          <a:fontRef idx="minor">
+            <a:schemeClr val="tx1"/>
+          </a:fontRef>
+        </p:style>
+      </p:cxnSp>
+      <p:cxnSp>
+        <p:nvCxnSpPr>
+          <p:cNvPr id="66" name="Straight Arrow Connector 65"/>
+          <p:cNvCxnSpPr/>
+          <p:nvPr/>
+        </p:nvCxnSpPr>
+        <p:spPr>
+          <a:xfrm flipV="1">
+            <a:off x="7086597" y="4096348"/>
+            <a:ext cx="1998135" cy="1117940"/>
+          </a:xfrm>
+          <a:prstGeom prst="straightConnector1">
+            <a:avLst/>
+          </a:prstGeom>
+          <a:ln w="12700">
+            <a:solidFill>
+              <a:schemeClr val="tx1"/>
+            </a:solidFill>
+            <a:tailEnd type="triangle"/>
+          </a:ln>
+        </p:spPr>
+        <p:style>
+          <a:lnRef idx="1">
+            <a:schemeClr val="accent1"/>
+          </a:lnRef>
+          <a:fillRef idx="0">
+            <a:schemeClr val="accent1"/>
+          </a:fillRef>
+          <a:effectRef idx="0">
+            <a:schemeClr val="accent1"/>
+          </a:effectRef>
+          <a:fontRef idx="minor">
+            <a:schemeClr val="tx1"/>
+          </a:fontRef>
+        </p:style>
+      </p:cxnSp>
+      <p:cxnSp>
+        <p:nvCxnSpPr>
+          <p:cNvPr id="68" name="Straight Arrow Connector 67"/>
+          <p:cNvCxnSpPr/>
+          <p:nvPr/>
+        </p:nvCxnSpPr>
+        <p:spPr>
+          <a:xfrm flipV="1">
+            <a:off x="7092859" y="4057455"/>
+            <a:ext cx="1991873" cy="791336"/>
+          </a:xfrm>
+          <a:prstGeom prst="straightConnector1">
+            <a:avLst/>
+          </a:prstGeom>
+          <a:ln w="12700">
+            <a:solidFill>
+              <a:schemeClr val="tx1"/>
+            </a:solidFill>
+            <a:tailEnd type="triangle"/>
+          </a:ln>
+        </p:spPr>
+        <p:style>
+          <a:lnRef idx="1">
+            <a:schemeClr val="accent1"/>
+          </a:lnRef>
+          <a:fillRef idx="0">
+            <a:schemeClr val="accent1"/>
+          </a:fillRef>
+          <a:effectRef idx="0">
+            <a:schemeClr val="accent1"/>
+          </a:effectRef>
+          <a:fontRef idx="minor">
+            <a:schemeClr val="tx1"/>
+          </a:fontRef>
+        </p:style>
+      </p:cxnSp>
+      <p:cxnSp>
+        <p:nvCxnSpPr>
+          <p:cNvPr id="70" name="Straight Arrow Connector 69"/>
+          <p:cNvCxnSpPr>
+            <a:endCxn id="55" idx="1"/>
+          </p:cNvCxnSpPr>
+          <p:nvPr/>
+        </p:nvCxnSpPr>
+        <p:spPr>
+          <a:xfrm flipV="1">
+            <a:off x="7086596" y="3950162"/>
+            <a:ext cx="1998137" cy="554204"/>
+          </a:xfrm>
+          <a:prstGeom prst="straightConnector1">
+            <a:avLst/>
+          </a:prstGeom>
+          <a:ln w="12700">
+            <a:solidFill>
+              <a:schemeClr val="tx1"/>
+            </a:solidFill>
+            <a:tailEnd type="triangle"/>
+          </a:ln>
+        </p:spPr>
+        <p:style>
+          <a:lnRef idx="1">
+            <a:schemeClr val="accent1"/>
+          </a:lnRef>
+          <a:fillRef idx="0">
+            <a:schemeClr val="accent1"/>
+          </a:fillRef>
+          <a:effectRef idx="0">
+            <a:schemeClr val="accent1"/>
+          </a:effectRef>
+          <a:fontRef idx="minor">
+            <a:schemeClr val="tx1"/>
+          </a:fontRef>
+        </p:style>
+      </p:cxnSp>
+      <p:cxnSp>
+        <p:nvCxnSpPr>
+          <p:cNvPr id="72" name="Straight Arrow Connector 71"/>
+          <p:cNvCxnSpPr>
+            <a:endCxn id="55" idx="1"/>
+          </p:cNvCxnSpPr>
+          <p:nvPr/>
+        </p:nvCxnSpPr>
+        <p:spPr>
+          <a:xfrm flipV="1">
+            <a:off x="7086595" y="3950162"/>
+            <a:ext cx="1998138" cy="199436"/>
+          </a:xfrm>
+          <a:prstGeom prst="straightConnector1">
+            <a:avLst/>
+          </a:prstGeom>
+          <a:ln w="12700">
+            <a:solidFill>
+              <a:schemeClr val="tx1"/>
+            </a:solidFill>
+            <a:tailEnd type="triangle"/>
+          </a:ln>
+        </p:spPr>
+        <p:style>
+          <a:lnRef idx="1">
+            <a:schemeClr val="accent1"/>
+          </a:lnRef>
+          <a:fillRef idx="0">
+            <a:schemeClr val="accent1"/>
+          </a:fillRef>
+          <a:effectRef idx="0">
+            <a:schemeClr val="accent1"/>
+          </a:effectRef>
+          <a:fontRef idx="minor">
+            <a:schemeClr val="tx1"/>
+          </a:fontRef>
+        </p:style>
+      </p:cxnSp>
+      <p:cxnSp>
+        <p:nvCxnSpPr>
+          <p:cNvPr id="74" name="Straight Arrow Connector 73"/>
+          <p:cNvCxnSpPr/>
+          <p:nvPr/>
+        </p:nvCxnSpPr>
+        <p:spPr>
+          <a:xfrm>
+            <a:off x="7086595" y="3793206"/>
+            <a:ext cx="1998137" cy="22998"/>
+          </a:xfrm>
+          <a:prstGeom prst="straightConnector1">
+            <a:avLst/>
+          </a:prstGeom>
+          <a:ln w="12700">
+            <a:solidFill>
+              <a:schemeClr val="tx1"/>
+            </a:solidFill>
+            <a:tailEnd type="triangle"/>
+          </a:ln>
+        </p:spPr>
+        <p:style>
+          <a:lnRef idx="1">
+            <a:schemeClr val="accent1"/>
+          </a:lnRef>
+          <a:fillRef idx="0">
+            <a:schemeClr val="accent1"/>
+          </a:fillRef>
+          <a:effectRef idx="0">
+            <a:schemeClr val="accent1"/>
+          </a:effectRef>
+          <a:fontRef idx="minor">
+            <a:schemeClr val="tx1"/>
+          </a:fontRef>
+        </p:style>
+      </p:cxnSp>
+      <p:cxnSp>
+        <p:nvCxnSpPr>
+          <p:cNvPr id="76" name="Straight Arrow Connector 75"/>
+          <p:cNvCxnSpPr/>
+          <p:nvPr/>
+        </p:nvCxnSpPr>
+        <p:spPr>
+          <a:xfrm>
+            <a:off x="7092858" y="3434163"/>
+            <a:ext cx="1991874" cy="308089"/>
+          </a:xfrm>
+          <a:prstGeom prst="straightConnector1">
+            <a:avLst/>
+          </a:prstGeom>
+          <a:ln w="12700">
+            <a:solidFill>
+              <a:schemeClr val="tx1"/>
+            </a:solidFill>
+            <a:tailEnd type="triangle"/>
+          </a:ln>
+        </p:spPr>
+        <p:style>
+          <a:lnRef idx="1">
+            <a:schemeClr val="accent1"/>
+          </a:lnRef>
+          <a:fillRef idx="0">
+            <a:schemeClr val="accent1"/>
+          </a:fillRef>
+          <a:effectRef idx="0">
+            <a:schemeClr val="accent1"/>
+          </a:effectRef>
+          <a:fontRef idx="minor">
+            <a:schemeClr val="tx1"/>
+          </a:fontRef>
+        </p:style>
+      </p:cxnSp>
+      <p:cxnSp>
+        <p:nvCxnSpPr>
+          <p:cNvPr id="78" name="Straight Arrow Connector 77"/>
+          <p:cNvCxnSpPr/>
+          <p:nvPr/>
+        </p:nvCxnSpPr>
+        <p:spPr>
+          <a:xfrm>
+            <a:off x="7099123" y="3089739"/>
+            <a:ext cx="1985609" cy="562360"/>
+          </a:xfrm>
+          <a:prstGeom prst="straightConnector1">
+            <a:avLst/>
+          </a:prstGeom>
+          <a:ln w="12700">
+            <a:solidFill>
+              <a:schemeClr val="tx1"/>
+            </a:solidFill>
+            <a:tailEnd type="triangle"/>
+          </a:ln>
+        </p:spPr>
+        <p:style>
+          <a:lnRef idx="1">
+            <a:schemeClr val="accent1"/>
+          </a:lnRef>
+          <a:fillRef idx="0">
+            <a:schemeClr val="accent1"/>
+          </a:fillRef>
+          <a:effectRef idx="0">
+            <a:schemeClr val="accent1"/>
+          </a:effectRef>
+          <a:fontRef idx="minor">
+            <a:schemeClr val="tx1"/>
+          </a:fontRef>
+        </p:style>
+      </p:cxnSp>
+      <p:cxnSp>
+        <p:nvCxnSpPr>
+          <p:cNvPr id="80" name="Straight Arrow Connector 79"/>
+          <p:cNvCxnSpPr/>
+          <p:nvPr/>
+        </p:nvCxnSpPr>
+        <p:spPr>
+          <a:xfrm>
+            <a:off x="7092858" y="2723779"/>
+            <a:ext cx="1991874" cy="833462"/>
+          </a:xfrm>
+          <a:prstGeom prst="straightConnector1">
+            <a:avLst/>
+          </a:prstGeom>
+          <a:ln w="12700">
+            <a:solidFill>
+              <a:schemeClr val="tx1"/>
+            </a:solidFill>
+            <a:tailEnd type="triangle"/>
+          </a:ln>
+        </p:spPr>
+        <p:style>
+          <a:lnRef idx="1">
+            <a:schemeClr val="accent1"/>
+          </a:lnRef>
+          <a:fillRef idx="0">
+            <a:schemeClr val="accent1"/>
+          </a:fillRef>
+          <a:effectRef idx="0">
+            <a:schemeClr val="accent1"/>
+          </a:effectRef>
+          <a:fontRef idx="minor">
+            <a:schemeClr val="tx1"/>
+          </a:fontRef>
+        </p:style>
+      </p:cxnSp>
+      <p:cxnSp>
+        <p:nvCxnSpPr>
+          <p:cNvPr id="82" name="Straight Arrow Connector 81"/>
+          <p:cNvCxnSpPr/>
+          <p:nvPr/>
+        </p:nvCxnSpPr>
+        <p:spPr>
+          <a:xfrm>
+            <a:off x="7099123" y="2387304"/>
+            <a:ext cx="1985609" cy="1084340"/>
+          </a:xfrm>
+          <a:prstGeom prst="straightConnector1">
+            <a:avLst/>
+          </a:prstGeom>
+          <a:ln w="12700">
+            <a:solidFill>
+              <a:schemeClr val="tx1"/>
+            </a:solidFill>
+            <a:tailEnd type="triangle"/>
+          </a:ln>
+        </p:spPr>
+        <p:style>
+          <a:lnRef idx="1">
+            <a:schemeClr val="accent1"/>
+          </a:lnRef>
+          <a:fillRef idx="0">
+            <a:schemeClr val="accent1"/>
+          </a:fillRef>
+          <a:effectRef idx="0">
+            <a:schemeClr val="accent1"/>
+          </a:effectRef>
+          <a:fontRef idx="minor">
+            <a:schemeClr val="tx1"/>
+          </a:fontRef>
+        </p:style>
+      </p:cxnSp>
+      <p:cxnSp>
+        <p:nvCxnSpPr>
+          <p:cNvPr id="84" name="Straight Arrow Connector 83"/>
+          <p:cNvCxnSpPr/>
+          <p:nvPr/>
+        </p:nvCxnSpPr>
+        <p:spPr>
+          <a:xfrm>
+            <a:off x="7086595" y="2057720"/>
+            <a:ext cx="1998137" cy="1360987"/>
+          </a:xfrm>
+          <a:prstGeom prst="straightConnector1">
+            <a:avLst/>
+          </a:prstGeom>
+          <a:ln w="12700">
+            <a:solidFill>
+              <a:schemeClr val="tx1"/>
+            </a:solidFill>
+            <a:tailEnd type="triangle"/>
+          </a:ln>
+        </p:spPr>
+        <p:style>
+          <a:lnRef idx="1">
+            <a:schemeClr val="accent1"/>
+          </a:lnRef>
+          <a:fillRef idx="0">
+            <a:schemeClr val="accent1"/>
+          </a:fillRef>
+          <a:effectRef idx="0">
+            <a:schemeClr val="accent1"/>
+          </a:effectRef>
+          <a:fontRef idx="minor">
+            <a:schemeClr val="tx1"/>
+          </a:fontRef>
+        </p:style>
+      </p:cxnSp>
+      <p:cxnSp>
+        <p:nvCxnSpPr>
+          <p:cNvPr id="86" name="Straight Arrow Connector 85"/>
+          <p:cNvCxnSpPr/>
+          <p:nvPr/>
+        </p:nvCxnSpPr>
+        <p:spPr>
+          <a:xfrm>
+            <a:off x="7086595" y="1669520"/>
+            <a:ext cx="1998137" cy="1698770"/>
+          </a:xfrm>
+          <a:prstGeom prst="straightConnector1">
+            <a:avLst/>
+          </a:prstGeom>
+          <a:ln w="12700">
+            <a:solidFill>
+              <a:schemeClr val="tx1"/>
+            </a:solidFill>
+            <a:tailEnd type="triangle"/>
+          </a:ln>
+        </p:spPr>
+        <p:style>
+          <a:lnRef idx="1">
+            <a:schemeClr val="accent1"/>
+          </a:lnRef>
+          <a:fillRef idx="0">
+            <a:schemeClr val="accent1"/>
+          </a:fillRef>
+          <a:effectRef idx="0">
+            <a:schemeClr val="accent1"/>
+          </a:effectRef>
+          <a:fontRef idx="minor">
+            <a:schemeClr val="tx1"/>
+          </a:fontRef>
+        </p:style>
+      </p:cxnSp>
+      <p:sp>
+        <p:nvSpPr>
+          <p:cNvPr id="89" name="TextBox 88"/>
+          <p:cNvSpPr txBox="1"/>
+          <p:nvPr/>
+        </p:nvSpPr>
+        <p:spPr>
+          <a:xfrm>
+            <a:off x="7749703" y="1511930"/>
+            <a:ext cx="570689" cy="369332"/>
+          </a:xfrm>
+          <a:prstGeom prst="rect">
+            <a:avLst/>
+          </a:prstGeom>
+          <a:noFill/>
+        </p:spPr>
+        <p:txBody>
+          <a:bodyPr wrap="square" rtlCol="0">
+            <a:spAutoFit/>
+          </a:bodyPr>
+          <a:lstStyle/>
+          <a:p>
+            <a:r>
+              <a:rPr lang="en-US" smtClean="0"/>
+              <a:t>Hits</a:t>
+            </a:r>
+            <a:endParaRPr lang="en-US"/>
+          </a:p>
+        </p:txBody>
+      </p:sp>
+    </p:spTree>
+    <p:extLst>
+      <p:ext uri="{BB962C8B-B14F-4D97-AF65-F5344CB8AC3E}">
+        <p14:creationId xmlns:p14="http://schemas.microsoft.com/office/powerpoint/2010/main" val="431519988"/>
+      </p:ext>
+    </p:extLst>
+  </p:cSld>
+  <p:clrMapOvr>
+    <a:masterClrMapping/>
+  </p:clrMapOvr>
+</p:sld>
+</file>
+
+<file path=ppt/slides/slide5.xml><?xml version="1.0" encoding="utf-8"?>
+<p:sld xmlns:a="http://schemas.openxmlformats.org/drawingml/2006/main" xmlns:r="http://schemas.openxmlformats.org/officeDocument/2006/relationships" xmlns:p="http://schemas.openxmlformats.org/presentationml/2006/main">
+  <p:cSld>
+    <p:spTree>
+      <p:nvGrpSpPr>
+        <p:cNvPr id="1" name=""/>
+        <p:cNvGrpSpPr/>
+        <p:nvPr/>
+      </p:nvGrpSpPr>
+      <p:grpSpPr>
+        <a:xfrm>
+          <a:off x="0" y="0"/>
+          <a:ext cx="0" cy="0"/>
+          <a:chOff x="0" y="0"/>
+          <a:chExt cx="0" cy="0"/>
+        </a:xfrm>
+      </p:grpSpPr>
+      <p:sp>
+        <p:nvSpPr>
+          <p:cNvPr id="2" name="Title 1"/>
+          <p:cNvSpPr>
+            <a:spLocks noGrp="1"/>
+          </p:cNvSpPr>
+          <p:nvPr>
+            <p:ph type="title"/>
+          </p:nvPr>
+        </p:nvSpPr>
+        <p:spPr/>
+        <p:txBody>
+          <a:bodyPr/>
+          <a:lstStyle/>
+          <a:p>
+            <a:r>
+              <a:rPr lang="en-US" dirty="0" smtClean="0"/>
+              <a:t>Why is Load-Balancing Hard?</a:t>
+            </a:r>
+            <a:endParaRPr lang="en-US" dirty="0"/>
+          </a:p>
+        </p:txBody>
+      </p:sp>
+      <p:pic>
+        <p:nvPicPr>
+          <p:cNvPr id="6" name="Content Placeholder 5"/>
+          <p:cNvPicPr>
+            <a:picLocks noGrp="1" noChangeAspect="1"/>
+          </p:cNvPicPr>
+          <p:nvPr>
+            <p:ph idx="1"/>
+          </p:nvPr>
+        </p:nvPicPr>
+        <p:blipFill>
+          <a:blip r:embed="rId2">
+            <a:extLst>
+              <a:ext uri="{28A0092B-C50C-407E-A947-70E740481C1C}">
+                <a14:useLocalDpi xmlns:a14="http://schemas.microsoft.com/office/drawing/2010/main" val="0"/>
+              </a:ext>
+            </a:extLst>
+          </a:blip>
+          <a:stretch>
+            <a:fillRect/>
+          </a:stretch>
+        </p:blipFill>
+        <p:spPr>
+          <a:xfrm>
+            <a:off x="904575" y="1335933"/>
+            <a:ext cx="10120973" cy="5428522"/>
+          </a:xfrm>
+        </p:spPr>
+      </p:pic>
+    </p:spTree>
+    <p:extLst>
+      <p:ext uri="{BB962C8B-B14F-4D97-AF65-F5344CB8AC3E}">
+        <p14:creationId xmlns:p14="http://schemas.microsoft.com/office/powerpoint/2010/main" val="467678279"/>
+      </p:ext>
+    </p:extLst>
+  </p:cSld>
+  <p:clrMapOvr>
+    <a:masterClrMapping/>
+  </p:clrMapOvr>
+</p:sld>
+</file>
+
+<file path=ppt/slides/slide6.xml><?xml version="1.0" encoding="utf-8"?>
+<p:sld xmlns:a="http://schemas.openxmlformats.org/drawingml/2006/main" xmlns:r="http://schemas.openxmlformats.org/officeDocument/2006/relationships" xmlns:p="http://schemas.openxmlformats.org/presentationml/2006/main">
+  <p:cSld>
+    <p:spTree>
+      <p:nvGrpSpPr>
+        <p:cNvPr id="1" name=""/>
+        <p:cNvGrpSpPr/>
+        <p:nvPr/>
+      </p:nvGrpSpPr>
+      <p:grpSpPr>
+        <a:xfrm>
+          <a:off x="0" y="0"/>
+          <a:ext cx="0" cy="0"/>
+          <a:chOff x="0" y="0"/>
+          <a:chExt cx="0" cy="0"/>
+        </a:xfrm>
+      </p:grpSpPr>
+      <p:sp>
+        <p:nvSpPr>
+          <p:cNvPr id="2" name="Title 1"/>
+          <p:cNvSpPr>
+            <a:spLocks noGrp="1"/>
+          </p:cNvSpPr>
+          <p:nvPr>
+            <p:ph type="title"/>
+          </p:nvPr>
+        </p:nvSpPr>
+        <p:spPr/>
+        <p:txBody>
+          <a:bodyPr/>
+          <a:lstStyle/>
+          <a:p>
+            <a:r>
+              <a:rPr lang="en-US" dirty="0" smtClean="0"/>
+              <a:t>Load-Balancing Between Computers</a:t>
+            </a:r>
+            <a:endParaRPr lang="en-US" dirty="0"/>
+          </a:p>
+        </p:txBody>
+      </p:sp>
+      <p:sp>
+        <p:nvSpPr>
+          <p:cNvPr id="4" name="Rectangle 3"/>
+          <p:cNvSpPr/>
+          <p:nvPr/>
+        </p:nvSpPr>
+        <p:spPr>
+          <a:xfrm>
+            <a:off x="838200" y="1690687"/>
+            <a:ext cx="2269067" cy="4586895"/>
+          </a:xfrm>
+          <a:prstGeom prst="rect">
+            <a:avLst/>
+          </a:prstGeom>
+          <a:solidFill>
+            <a:schemeClr val="accent4">
+              <a:lumMod val="75000"/>
+            </a:schemeClr>
+          </a:solidFill>
+          <a:ln>
+            <a:noFill/>
+          </a:ln>
+        </p:spPr>
+        <p:style>
+          <a:lnRef idx="2">
+            <a:schemeClr val="accent1">
+              <a:shade val="50000"/>
+            </a:schemeClr>
+          </a:lnRef>
+          <a:fillRef idx="1">
+            <a:schemeClr val="accent1"/>
+          </a:fillRef>
+          <a:effectRef idx="0">
+            <a:schemeClr val="accent1"/>
+          </a:effectRef>
+          <a:fontRef idx="minor">
+            <a:schemeClr val="lt1"/>
+          </a:fontRef>
+        </p:style>
+        <p:txBody>
+          <a:bodyPr rtlCol="0" anchor="ctr"/>
+          <a:lstStyle/>
+          <a:p>
+            <a:pPr algn="ctr"/>
+            <a:endParaRPr lang="en-US" dirty="0"/>
+          </a:p>
+        </p:txBody>
+      </p:sp>
+      <p:sp>
+        <p:nvSpPr>
+          <p:cNvPr id="5" name="TextBox 4"/>
+          <p:cNvSpPr txBox="1"/>
+          <p:nvPr/>
+        </p:nvSpPr>
+        <p:spPr>
+          <a:xfrm>
+            <a:off x="1547809" y="1815829"/>
+            <a:ext cx="849848" cy="646331"/>
+          </a:xfrm>
+          <a:prstGeom prst="rect">
+            <a:avLst/>
+          </a:prstGeom>
+          <a:noFill/>
+        </p:spPr>
+        <p:txBody>
+          <a:bodyPr wrap="none" rtlCol="0">
+            <a:spAutoFit/>
+          </a:bodyPr>
+          <a:lstStyle/>
+          <a:p>
+            <a:r>
+              <a:rPr lang="en-US" dirty="0" smtClean="0"/>
+              <a:t>Master</a:t>
+            </a:r>
+          </a:p>
+          <a:p>
+            <a:r>
+              <a:rPr lang="en-US" dirty="0" smtClean="0"/>
+              <a:t> Node</a:t>
+            </a:r>
+            <a:endParaRPr lang="en-US" dirty="0"/>
+          </a:p>
+        </p:txBody>
+      </p:sp>
+      <p:sp>
+        <p:nvSpPr>
+          <p:cNvPr id="6" name="Rounded Rectangle 5"/>
+          <p:cNvSpPr/>
+          <p:nvPr/>
+        </p:nvSpPr>
+        <p:spPr>
+          <a:xfrm>
+            <a:off x="2232286" y="2989635"/>
+            <a:ext cx="330741" cy="3035030"/>
+          </a:xfrm>
+          <a:prstGeom prst="roundRect">
+            <a:avLst/>
+          </a:prstGeom>
+          <a:solidFill>
+            <a:srgbClr val="FFC000"/>
+          </a:solidFill>
+          <a:ln>
+            <a:noFill/>
+          </a:ln>
+        </p:spPr>
+        <p:style>
+          <a:lnRef idx="2">
+            <a:schemeClr val="accent1">
+              <a:shade val="50000"/>
+            </a:schemeClr>
+          </a:lnRef>
+          <a:fillRef idx="1">
+            <a:schemeClr val="accent1"/>
+          </a:fillRef>
+          <a:effectRef idx="0">
+            <a:schemeClr val="accent1"/>
+          </a:effectRef>
+          <a:fontRef idx="minor">
+            <a:schemeClr val="lt1"/>
+          </a:fontRef>
+        </p:style>
+        <p:txBody>
+          <a:bodyPr rtlCol="0" anchor="ctr"/>
+          <a:lstStyle/>
+          <a:p>
+            <a:pPr algn="ctr"/>
+            <a:endParaRPr lang="en-US"/>
+          </a:p>
+        </p:txBody>
+      </p:sp>
+      <p:sp>
+        <p:nvSpPr>
+          <p:cNvPr id="15" name="TextBox 14"/>
+          <p:cNvSpPr txBox="1"/>
+          <p:nvPr/>
+        </p:nvSpPr>
+        <p:spPr>
+          <a:xfrm>
+            <a:off x="1280722" y="4181703"/>
+            <a:ext cx="814647" cy="646331"/>
+          </a:xfrm>
+          <a:prstGeom prst="rect">
+            <a:avLst/>
+          </a:prstGeom>
+          <a:noFill/>
+        </p:spPr>
+        <p:txBody>
+          <a:bodyPr wrap="none" rtlCol="0">
+            <a:spAutoFit/>
+          </a:bodyPr>
+          <a:lstStyle/>
+          <a:p>
+            <a:r>
+              <a:rPr lang="en-US" smtClean="0"/>
+              <a:t> Work</a:t>
+            </a:r>
+            <a:endParaRPr lang="en-US" dirty="0" smtClean="0"/>
+          </a:p>
+          <a:p>
+            <a:r>
+              <a:rPr lang="en-US" dirty="0" smtClean="0"/>
+              <a:t>Queue</a:t>
+            </a:r>
+            <a:endParaRPr lang="en-US" dirty="0"/>
+          </a:p>
+        </p:txBody>
+      </p:sp>
+      <p:grpSp>
+        <p:nvGrpSpPr>
+          <p:cNvPr id="21" name="Group 20"/>
+          <p:cNvGrpSpPr/>
+          <p:nvPr/>
+        </p:nvGrpSpPr>
+        <p:grpSpPr>
+          <a:xfrm>
+            <a:off x="5979268" y="1815829"/>
+            <a:ext cx="5286611" cy="955237"/>
+            <a:chOff x="5979268" y="1815829"/>
+            <a:chExt cx="5286611" cy="955237"/>
+          </a:xfrm>
+        </p:grpSpPr>
+        <p:sp>
+          <p:nvSpPr>
+            <p:cNvPr id="8" name="Rectangle 7"/>
+            <p:cNvSpPr/>
+            <p:nvPr/>
+          </p:nvSpPr>
+          <p:spPr>
+            <a:xfrm>
+              <a:off x="5979268" y="1815829"/>
+              <a:ext cx="5261734" cy="955237"/>
+            </a:xfrm>
+            <a:prstGeom prst="rect">
+              <a:avLst/>
+            </a:prstGeom>
+            <a:solidFill>
+              <a:schemeClr val="accent4">
+                <a:lumMod val="75000"/>
+              </a:schemeClr>
+            </a:solidFill>
+            <a:ln>
+              <a:noFill/>
+            </a:ln>
+          </p:spPr>
+          <p:style>
+            <a:lnRef idx="2">
+              <a:schemeClr val="accent1">
+                <a:shade val="50000"/>
+              </a:schemeClr>
+            </a:lnRef>
+            <a:fillRef idx="1">
+              <a:schemeClr val="accent1"/>
+            </a:fillRef>
+            <a:effectRef idx="0">
+              <a:schemeClr val="accent1"/>
+            </a:effectRef>
+            <a:fontRef idx="minor">
+              <a:schemeClr val="lt1"/>
+            </a:fontRef>
+          </p:style>
+          <p:txBody>
+            <a:bodyPr rtlCol="0" anchor="ctr"/>
+            <a:lstStyle/>
+            <a:p>
+              <a:pPr algn="ctr"/>
+              <a:endParaRPr lang="en-US" dirty="0"/>
+            </a:p>
+          </p:txBody>
+        </p:sp>
+        <p:sp>
+          <p:nvSpPr>
+            <p:cNvPr id="12" name="Rounded Rectangle 11"/>
+            <p:cNvSpPr/>
+            <p:nvPr/>
+          </p:nvSpPr>
+          <p:spPr>
+            <a:xfrm>
+              <a:off x="7871176" y="1885216"/>
+              <a:ext cx="330741" cy="816464"/>
+            </a:xfrm>
+            <a:prstGeom prst="roundRect">
+              <a:avLst/>
+            </a:prstGeom>
+            <a:solidFill>
+              <a:srgbClr val="FFC000"/>
+            </a:solidFill>
+            <a:ln>
+              <a:noFill/>
+            </a:ln>
+          </p:spPr>
+          <p:style>
+            <a:lnRef idx="2">
+              <a:schemeClr val="accent1">
+                <a:shade val="50000"/>
+              </a:schemeClr>
+            </a:lnRef>
+            <a:fillRef idx="1">
+              <a:schemeClr val="accent1"/>
+            </a:fillRef>
+            <a:effectRef idx="0">
+              <a:schemeClr val="accent1"/>
+            </a:effectRef>
+            <a:fontRef idx="minor">
+              <a:schemeClr val="lt1"/>
+            </a:fontRef>
+          </p:style>
+          <p:txBody>
+            <a:bodyPr rtlCol="0" anchor="ctr"/>
+            <a:lstStyle/>
+            <a:p>
+              <a:pPr algn="ctr"/>
+              <a:endParaRPr lang="en-US"/>
+            </a:p>
+          </p:txBody>
+        </p:sp>
+        <p:sp>
+          <p:nvSpPr>
+            <p:cNvPr id="13" name="TextBox 12"/>
+            <p:cNvSpPr txBox="1"/>
+            <p:nvPr/>
+          </p:nvSpPr>
+          <p:spPr>
+            <a:xfrm>
+              <a:off x="10391152" y="1970282"/>
+              <a:ext cx="874727" cy="646331"/>
+            </a:xfrm>
+            <a:prstGeom prst="rect">
+              <a:avLst/>
+            </a:prstGeom>
+            <a:noFill/>
+          </p:spPr>
+          <p:txBody>
+            <a:bodyPr wrap="none" rtlCol="0">
+              <a:spAutoFit/>
+            </a:bodyPr>
+            <a:lstStyle/>
+            <a:p>
+              <a:r>
+                <a:rPr lang="en-US" dirty="0" smtClean="0"/>
+                <a:t>Worker</a:t>
+              </a:r>
+            </a:p>
+            <a:p>
+              <a:r>
+                <a:rPr lang="en-US" dirty="0"/>
+                <a:t> </a:t>
+              </a:r>
+              <a:r>
+                <a:rPr lang="en-US" dirty="0" smtClean="0"/>
+                <a:t>Node</a:t>
+              </a:r>
+              <a:endParaRPr lang="en-US" dirty="0"/>
+            </a:p>
+          </p:txBody>
+        </p:sp>
+        <p:sp>
+          <p:nvSpPr>
+            <p:cNvPr id="7" name="TextBox 6"/>
+            <p:cNvSpPr txBox="1"/>
+            <p:nvPr/>
+          </p:nvSpPr>
+          <p:spPr>
+            <a:xfrm>
+              <a:off x="8202811" y="1970282"/>
+              <a:ext cx="814647" cy="646331"/>
+            </a:xfrm>
+            <a:prstGeom prst="rect">
+              <a:avLst/>
+            </a:prstGeom>
+            <a:noFill/>
+          </p:spPr>
+          <p:txBody>
+            <a:bodyPr wrap="none" rtlCol="0">
+              <a:spAutoFit/>
+            </a:bodyPr>
+            <a:lstStyle/>
+            <a:p>
+              <a:r>
+                <a:rPr lang="en-US" smtClean="0"/>
+                <a:t> Work</a:t>
+              </a:r>
+              <a:endParaRPr lang="en-US" dirty="0" smtClean="0"/>
+            </a:p>
+            <a:p>
+              <a:r>
+                <a:rPr lang="en-US" dirty="0" smtClean="0"/>
+                <a:t>Queue</a:t>
+              </a:r>
+              <a:endParaRPr lang="en-US" dirty="0"/>
+            </a:p>
+          </p:txBody>
+        </p:sp>
+        <p:cxnSp>
+          <p:nvCxnSpPr>
+            <p:cNvPr id="17" name="Straight Connector 16"/>
+            <p:cNvCxnSpPr/>
+            <p:nvPr/>
+          </p:nvCxnSpPr>
+          <p:spPr>
+            <a:xfrm flipH="1">
+              <a:off x="7587574" y="2462160"/>
+              <a:ext cx="614343" cy="0"/>
+            </a:xfrm>
+            <a:prstGeom prst="line">
+              <a:avLst/>
+            </a:prstGeom>
+            <a:ln w="38100">
+              <a:solidFill>
+                <a:srgbClr val="C00000"/>
+              </a:solidFill>
+            </a:ln>
+          </p:spPr>
+          <p:style>
+            <a:lnRef idx="1">
+              <a:schemeClr val="accent1"/>
+            </a:lnRef>
+            <a:fillRef idx="0">
+              <a:schemeClr val="accent1"/>
+            </a:fillRef>
+            <a:effectRef idx="0">
+              <a:schemeClr val="accent1"/>
+            </a:effectRef>
+            <a:fontRef idx="minor">
+              <a:schemeClr val="tx1"/>
+            </a:fontRef>
+          </p:style>
+        </p:cxnSp>
+        <p:sp>
+          <p:nvSpPr>
+            <p:cNvPr id="18" name="TextBox 17"/>
+            <p:cNvSpPr txBox="1"/>
+            <p:nvPr/>
+          </p:nvSpPr>
+          <p:spPr>
+            <a:xfrm>
+              <a:off x="6354231" y="2247281"/>
+              <a:ext cx="1240083" cy="369332"/>
+            </a:xfrm>
+            <a:prstGeom prst="rect">
+              <a:avLst/>
+            </a:prstGeom>
+            <a:noFill/>
+          </p:spPr>
+          <p:txBody>
+            <a:bodyPr wrap="none" rtlCol="0">
+              <a:spAutoFit/>
+            </a:bodyPr>
+            <a:lstStyle/>
+            <a:p>
+              <a:r>
+                <a:rPr lang="en-US" smtClean="0"/>
+                <a:t>Watermark</a:t>
+              </a:r>
+              <a:endParaRPr lang="en-US"/>
+            </a:p>
+          </p:txBody>
+        </p:sp>
+      </p:grpSp>
+      <p:grpSp>
+        <p:nvGrpSpPr>
+          <p:cNvPr id="23" name="Group 22"/>
+          <p:cNvGrpSpPr/>
+          <p:nvPr/>
+        </p:nvGrpSpPr>
+        <p:grpSpPr>
+          <a:xfrm>
+            <a:off x="5979268" y="2979956"/>
+            <a:ext cx="5286611" cy="955237"/>
+            <a:chOff x="5979268" y="1815829"/>
+            <a:chExt cx="5286611" cy="955237"/>
+          </a:xfrm>
+        </p:grpSpPr>
+        <p:sp>
+          <p:nvSpPr>
+            <p:cNvPr id="24" name="Rectangle 23"/>
+            <p:cNvSpPr/>
+            <p:nvPr/>
+          </p:nvSpPr>
+          <p:spPr>
+            <a:xfrm>
+              <a:off x="5979268" y="1815829"/>
+              <a:ext cx="5261734" cy="955237"/>
+            </a:xfrm>
+            <a:prstGeom prst="rect">
+              <a:avLst/>
+            </a:prstGeom>
+            <a:solidFill>
+              <a:schemeClr val="accent4">
+                <a:lumMod val="75000"/>
+              </a:schemeClr>
+            </a:solidFill>
+            <a:ln>
+              <a:noFill/>
+            </a:ln>
+          </p:spPr>
+          <p:style>
+            <a:lnRef idx="2">
+              <a:schemeClr val="accent1">
+                <a:shade val="50000"/>
+              </a:schemeClr>
+            </a:lnRef>
+            <a:fillRef idx="1">
+              <a:schemeClr val="accent1"/>
+            </a:fillRef>
+            <a:effectRef idx="0">
+              <a:schemeClr val="accent1"/>
+            </a:effectRef>
+            <a:fontRef idx="minor">
+              <a:schemeClr val="lt1"/>
+            </a:fontRef>
+          </p:style>
+          <p:txBody>
+            <a:bodyPr rtlCol="0" anchor="ctr"/>
+            <a:lstStyle/>
+            <a:p>
+              <a:pPr algn="ctr"/>
+              <a:endParaRPr lang="en-US" dirty="0"/>
+            </a:p>
+          </p:txBody>
+        </p:sp>
+        <p:sp>
+          <p:nvSpPr>
+            <p:cNvPr id="25" name="Rounded Rectangle 24"/>
+            <p:cNvSpPr/>
+            <p:nvPr/>
+          </p:nvSpPr>
+          <p:spPr>
+            <a:xfrm>
+              <a:off x="7871176" y="1885216"/>
+              <a:ext cx="330741" cy="816464"/>
+            </a:xfrm>
+            <a:prstGeom prst="roundRect">
+              <a:avLst/>
+            </a:prstGeom>
+            <a:solidFill>
+              <a:srgbClr val="FFC000"/>
+            </a:solidFill>
+            <a:ln>
+              <a:noFill/>
+            </a:ln>
+          </p:spPr>
+          <p:style>
+            <a:lnRef idx="2">
+              <a:schemeClr val="accent1">
+                <a:shade val="50000"/>
+              </a:schemeClr>
+            </a:lnRef>
+            <a:fillRef idx="1">
+              <a:schemeClr val="accent1"/>
+            </a:fillRef>
+            <a:effectRef idx="0">
+              <a:schemeClr val="accent1"/>
+            </a:effectRef>
+            <a:fontRef idx="minor">
+              <a:schemeClr val="lt1"/>
+            </a:fontRef>
+          </p:style>
+          <p:txBody>
+            <a:bodyPr rtlCol="0" anchor="ctr"/>
+            <a:lstStyle/>
+            <a:p>
+              <a:pPr algn="ctr"/>
+              <a:endParaRPr lang="en-US"/>
+            </a:p>
+          </p:txBody>
+        </p:sp>
+        <p:sp>
+          <p:nvSpPr>
+            <p:cNvPr id="26" name="TextBox 25"/>
+            <p:cNvSpPr txBox="1"/>
+            <p:nvPr/>
+          </p:nvSpPr>
+          <p:spPr>
+            <a:xfrm>
+              <a:off x="10391152" y="1970282"/>
+              <a:ext cx="874727" cy="646331"/>
+            </a:xfrm>
+            <a:prstGeom prst="rect">
+              <a:avLst/>
+            </a:prstGeom>
+            <a:noFill/>
+          </p:spPr>
+          <p:txBody>
+            <a:bodyPr wrap="none" rtlCol="0">
+              <a:spAutoFit/>
+            </a:bodyPr>
+            <a:lstStyle/>
+            <a:p>
+              <a:r>
+                <a:rPr lang="en-US" dirty="0" smtClean="0"/>
+                <a:t>Worker</a:t>
+              </a:r>
+            </a:p>
+            <a:p>
+              <a:r>
+                <a:rPr lang="en-US" dirty="0"/>
+                <a:t> </a:t>
+              </a:r>
+              <a:r>
+                <a:rPr lang="en-US" dirty="0" smtClean="0"/>
+                <a:t>Node</a:t>
+              </a:r>
+              <a:endParaRPr lang="en-US" dirty="0"/>
+            </a:p>
+          </p:txBody>
+        </p:sp>
+        <p:sp>
+          <p:nvSpPr>
+            <p:cNvPr id="27" name="TextBox 26"/>
+            <p:cNvSpPr txBox="1"/>
+            <p:nvPr/>
+          </p:nvSpPr>
+          <p:spPr>
+            <a:xfrm>
+              <a:off x="8202811" y="1970282"/>
+              <a:ext cx="814647" cy="646331"/>
+            </a:xfrm>
+            <a:prstGeom prst="rect">
+              <a:avLst/>
+            </a:prstGeom>
+            <a:noFill/>
+          </p:spPr>
+          <p:txBody>
+            <a:bodyPr wrap="none" rtlCol="0">
+              <a:spAutoFit/>
+            </a:bodyPr>
+            <a:lstStyle/>
+            <a:p>
+              <a:r>
+                <a:rPr lang="en-US" smtClean="0"/>
+                <a:t> Work</a:t>
+              </a:r>
+              <a:endParaRPr lang="en-US" dirty="0" smtClean="0"/>
+            </a:p>
+            <a:p>
+              <a:r>
+                <a:rPr lang="en-US" dirty="0" smtClean="0"/>
+                <a:t>Queue</a:t>
+              </a:r>
+              <a:endParaRPr lang="en-US" dirty="0"/>
+            </a:p>
+          </p:txBody>
+        </p:sp>
+        <p:cxnSp>
+          <p:nvCxnSpPr>
+            <p:cNvPr id="28" name="Straight Connector 27"/>
+            <p:cNvCxnSpPr/>
+            <p:nvPr/>
+          </p:nvCxnSpPr>
+          <p:spPr>
+            <a:xfrm flipH="1">
+              <a:off x="7587574" y="2462160"/>
+              <a:ext cx="614343" cy="0"/>
+            </a:xfrm>
+            <a:prstGeom prst="line">
+              <a:avLst/>
+            </a:prstGeom>
+            <a:ln w="38100">
+              <a:solidFill>
+                <a:srgbClr val="C00000"/>
+              </a:solidFill>
+            </a:ln>
+          </p:spPr>
+          <p:style>
+            <a:lnRef idx="1">
+              <a:schemeClr val="accent1"/>
+            </a:lnRef>
+            <a:fillRef idx="0">
+              <a:schemeClr val="accent1"/>
+            </a:fillRef>
+            <a:effectRef idx="0">
+              <a:schemeClr val="accent1"/>
+            </a:effectRef>
+            <a:fontRef idx="minor">
+              <a:schemeClr val="tx1"/>
+            </a:fontRef>
+          </p:style>
+        </p:cxnSp>
+        <p:sp>
+          <p:nvSpPr>
+            <p:cNvPr id="29" name="TextBox 28"/>
+            <p:cNvSpPr txBox="1"/>
+            <p:nvPr/>
+          </p:nvSpPr>
+          <p:spPr>
+            <a:xfrm>
+              <a:off x="6354231" y="2247281"/>
+              <a:ext cx="1240083" cy="369332"/>
+            </a:xfrm>
+            <a:prstGeom prst="rect">
+              <a:avLst/>
+            </a:prstGeom>
+            <a:noFill/>
+          </p:spPr>
+          <p:txBody>
+            <a:bodyPr wrap="none" rtlCol="0">
+              <a:spAutoFit/>
+            </a:bodyPr>
+            <a:lstStyle/>
+            <a:p>
+              <a:r>
+                <a:rPr lang="en-US" smtClean="0"/>
+                <a:t>Watermark</a:t>
+              </a:r>
+              <a:endParaRPr lang="en-US"/>
+            </a:p>
+          </p:txBody>
+        </p:sp>
+      </p:grpSp>
+      <p:grpSp>
+        <p:nvGrpSpPr>
+          <p:cNvPr id="30" name="Group 29"/>
+          <p:cNvGrpSpPr/>
+          <p:nvPr/>
+        </p:nvGrpSpPr>
+        <p:grpSpPr>
+          <a:xfrm>
+            <a:off x="5979268" y="4088529"/>
+            <a:ext cx="5286611" cy="955237"/>
+            <a:chOff x="5979268" y="1815829"/>
+            <a:chExt cx="5286611" cy="955237"/>
+          </a:xfrm>
+        </p:grpSpPr>
+        <p:sp>
+          <p:nvSpPr>
+            <p:cNvPr id="31" name="Rectangle 30"/>
+            <p:cNvSpPr/>
+            <p:nvPr/>
+          </p:nvSpPr>
+          <p:spPr>
+            <a:xfrm>
+              <a:off x="5979268" y="1815829"/>
+              <a:ext cx="5261734" cy="955237"/>
+            </a:xfrm>
+            <a:prstGeom prst="rect">
+              <a:avLst/>
+            </a:prstGeom>
+            <a:solidFill>
+              <a:schemeClr val="accent4">
+                <a:lumMod val="75000"/>
+              </a:schemeClr>
+            </a:solidFill>
+            <a:ln>
+              <a:noFill/>
+            </a:ln>
+          </p:spPr>
+          <p:style>
+            <a:lnRef idx="2">
+              <a:schemeClr val="accent1">
+                <a:shade val="50000"/>
+              </a:schemeClr>
+            </a:lnRef>
+            <a:fillRef idx="1">
+              <a:schemeClr val="accent1"/>
+            </a:fillRef>
+            <a:effectRef idx="0">
+              <a:schemeClr val="accent1"/>
+            </a:effectRef>
+            <a:fontRef idx="minor">
+              <a:schemeClr val="lt1"/>
+            </a:fontRef>
+          </p:style>
+          <p:txBody>
+            <a:bodyPr rtlCol="0" anchor="ctr"/>
+            <a:lstStyle/>
+            <a:p>
+              <a:pPr algn="ctr"/>
+              <a:endParaRPr lang="en-US" dirty="0"/>
+            </a:p>
+          </p:txBody>
+        </p:sp>
+        <p:sp>
+          <p:nvSpPr>
+            <p:cNvPr id="32" name="Rounded Rectangle 31"/>
+            <p:cNvSpPr/>
+            <p:nvPr/>
+          </p:nvSpPr>
+          <p:spPr>
+            <a:xfrm>
+              <a:off x="7871176" y="1885216"/>
+              <a:ext cx="330741" cy="816464"/>
+            </a:xfrm>
+            <a:prstGeom prst="roundRect">
+              <a:avLst/>
+            </a:prstGeom>
+            <a:solidFill>
+              <a:srgbClr val="FFC000"/>
+            </a:solidFill>
+            <a:ln>
+              <a:noFill/>
+            </a:ln>
+          </p:spPr>
+          <p:style>
+            <a:lnRef idx="2">
+              <a:schemeClr val="accent1">
+                <a:shade val="50000"/>
+              </a:schemeClr>
+            </a:lnRef>
+            <a:fillRef idx="1">
+              <a:schemeClr val="accent1"/>
+            </a:fillRef>
+            <a:effectRef idx="0">
+              <a:schemeClr val="accent1"/>
+            </a:effectRef>
+            <a:fontRef idx="minor">
+              <a:schemeClr val="lt1"/>
+            </a:fontRef>
+          </p:style>
+          <p:txBody>
+            <a:bodyPr rtlCol="0" anchor="ctr"/>
+            <a:lstStyle/>
+            <a:p>
+              <a:pPr algn="ctr"/>
+              <a:endParaRPr lang="en-US"/>
+            </a:p>
+          </p:txBody>
+        </p:sp>
+        <p:sp>
+          <p:nvSpPr>
+            <p:cNvPr id="33" name="TextBox 32"/>
+            <p:cNvSpPr txBox="1"/>
+            <p:nvPr/>
+          </p:nvSpPr>
+          <p:spPr>
+            <a:xfrm>
+              <a:off x="10391152" y="1970282"/>
+              <a:ext cx="874727" cy="646331"/>
+            </a:xfrm>
+            <a:prstGeom prst="rect">
+              <a:avLst/>
+            </a:prstGeom>
+            <a:noFill/>
+          </p:spPr>
+          <p:txBody>
+            <a:bodyPr wrap="none" rtlCol="0">
+              <a:spAutoFit/>
+            </a:bodyPr>
+            <a:lstStyle/>
+            <a:p>
+              <a:r>
+                <a:rPr lang="en-US" dirty="0" smtClean="0"/>
+                <a:t>Worker</a:t>
+              </a:r>
+            </a:p>
+            <a:p>
+              <a:r>
+                <a:rPr lang="en-US" dirty="0"/>
+                <a:t> </a:t>
+              </a:r>
+              <a:r>
+                <a:rPr lang="en-US" dirty="0" smtClean="0"/>
+                <a:t>Node</a:t>
+              </a:r>
+              <a:endParaRPr lang="en-US" dirty="0"/>
+            </a:p>
+          </p:txBody>
+        </p:sp>
+        <p:sp>
+          <p:nvSpPr>
+            <p:cNvPr id="34" name="TextBox 33"/>
+            <p:cNvSpPr txBox="1"/>
+            <p:nvPr/>
+          </p:nvSpPr>
+          <p:spPr>
+            <a:xfrm>
+              <a:off x="8202811" y="1970282"/>
+              <a:ext cx="814647" cy="646331"/>
+            </a:xfrm>
+            <a:prstGeom prst="rect">
+              <a:avLst/>
+            </a:prstGeom>
+            <a:noFill/>
+          </p:spPr>
+          <p:txBody>
+            <a:bodyPr wrap="none" rtlCol="0">
+              <a:spAutoFit/>
+            </a:bodyPr>
+            <a:lstStyle/>
+            <a:p>
+              <a:r>
+                <a:rPr lang="en-US" smtClean="0"/>
+                <a:t> Work</a:t>
+              </a:r>
+              <a:endParaRPr lang="en-US" dirty="0" smtClean="0"/>
+            </a:p>
+            <a:p>
+              <a:r>
+                <a:rPr lang="en-US" dirty="0" smtClean="0"/>
+                <a:t>Queue</a:t>
+              </a:r>
+              <a:endParaRPr lang="en-US" dirty="0"/>
+            </a:p>
+          </p:txBody>
+        </p:sp>
+        <p:cxnSp>
+          <p:nvCxnSpPr>
+            <p:cNvPr id="35" name="Straight Connector 34"/>
+            <p:cNvCxnSpPr/>
+            <p:nvPr/>
+          </p:nvCxnSpPr>
+          <p:spPr>
+            <a:xfrm flipH="1">
+              <a:off x="7587574" y="2462160"/>
+              <a:ext cx="614343" cy="0"/>
+            </a:xfrm>
+            <a:prstGeom prst="line">
+              <a:avLst/>
+            </a:prstGeom>
+            <a:ln w="38100">
+              <a:solidFill>
+                <a:srgbClr val="C00000"/>
+              </a:solidFill>
+            </a:ln>
+          </p:spPr>
+          <p:style>
+            <a:lnRef idx="1">
+              <a:schemeClr val="accent1"/>
+            </a:lnRef>
+            <a:fillRef idx="0">
+              <a:schemeClr val="accent1"/>
+            </a:fillRef>
+            <a:effectRef idx="0">
+              <a:schemeClr val="accent1"/>
+            </a:effectRef>
+            <a:fontRef idx="minor">
+              <a:schemeClr val="tx1"/>
+            </a:fontRef>
+          </p:style>
+        </p:cxnSp>
+        <p:sp>
+          <p:nvSpPr>
+            <p:cNvPr id="36" name="TextBox 35"/>
+            <p:cNvSpPr txBox="1"/>
+            <p:nvPr/>
+          </p:nvSpPr>
+          <p:spPr>
+            <a:xfrm>
+              <a:off x="6354231" y="2247281"/>
+              <a:ext cx="1240083" cy="369332"/>
+            </a:xfrm>
+            <a:prstGeom prst="rect">
+              <a:avLst/>
+            </a:prstGeom>
+            <a:noFill/>
+          </p:spPr>
+          <p:txBody>
+            <a:bodyPr wrap="none" rtlCol="0">
+              <a:spAutoFit/>
+            </a:bodyPr>
+            <a:lstStyle/>
+            <a:p>
+              <a:r>
+                <a:rPr lang="en-US" smtClean="0"/>
+                <a:t>Watermark</a:t>
+              </a:r>
+              <a:endParaRPr lang="en-US"/>
+            </a:p>
+          </p:txBody>
+        </p:sp>
+      </p:grpSp>
+      <p:grpSp>
+        <p:nvGrpSpPr>
+          <p:cNvPr id="37" name="Group 36"/>
+          <p:cNvGrpSpPr/>
+          <p:nvPr/>
+        </p:nvGrpSpPr>
+        <p:grpSpPr>
+          <a:xfrm>
+            <a:off x="5979268" y="5320765"/>
+            <a:ext cx="5286611" cy="955237"/>
+            <a:chOff x="5979268" y="1815829"/>
+            <a:chExt cx="5286611" cy="955237"/>
+          </a:xfrm>
+        </p:grpSpPr>
+        <p:sp>
+          <p:nvSpPr>
+            <p:cNvPr id="38" name="Rectangle 37"/>
+            <p:cNvSpPr/>
+            <p:nvPr/>
+          </p:nvSpPr>
+          <p:spPr>
+            <a:xfrm>
+              <a:off x="5979268" y="1815829"/>
+              <a:ext cx="5261734" cy="955237"/>
+            </a:xfrm>
+            <a:prstGeom prst="rect">
+              <a:avLst/>
+            </a:prstGeom>
+            <a:solidFill>
+              <a:schemeClr val="accent4">
+                <a:lumMod val="75000"/>
+              </a:schemeClr>
+            </a:solidFill>
+            <a:ln>
+              <a:noFill/>
+            </a:ln>
+          </p:spPr>
+          <p:style>
+            <a:lnRef idx="2">
+              <a:schemeClr val="accent1">
+                <a:shade val="50000"/>
+              </a:schemeClr>
+            </a:lnRef>
+            <a:fillRef idx="1">
+              <a:schemeClr val="accent1"/>
+            </a:fillRef>
+            <a:effectRef idx="0">
+              <a:schemeClr val="accent1"/>
+            </a:effectRef>
+            <a:fontRef idx="minor">
+              <a:schemeClr val="lt1"/>
+            </a:fontRef>
+          </p:style>
+          <p:txBody>
+            <a:bodyPr rtlCol="0" anchor="ctr"/>
+            <a:lstStyle/>
+            <a:p>
+              <a:pPr algn="ctr"/>
+              <a:endParaRPr lang="en-US" dirty="0"/>
+            </a:p>
+          </p:txBody>
+        </p:sp>
+        <p:sp>
+          <p:nvSpPr>
+            <p:cNvPr id="39" name="Rounded Rectangle 38"/>
+            <p:cNvSpPr/>
+            <p:nvPr/>
+          </p:nvSpPr>
+          <p:spPr>
+            <a:xfrm>
+              <a:off x="7871176" y="1885216"/>
+              <a:ext cx="330741" cy="816464"/>
+            </a:xfrm>
+            <a:prstGeom prst="roundRect">
+              <a:avLst/>
+            </a:prstGeom>
+            <a:solidFill>
+              <a:srgbClr val="FFC000"/>
+            </a:solidFill>
+            <a:ln>
+              <a:noFill/>
+            </a:ln>
+          </p:spPr>
+          <p:style>
+            <a:lnRef idx="2">
+              <a:schemeClr val="accent1">
+                <a:shade val="50000"/>
+              </a:schemeClr>
+            </a:lnRef>
+            <a:fillRef idx="1">
+              <a:schemeClr val="accent1"/>
+            </a:fillRef>
+            <a:effectRef idx="0">
+              <a:schemeClr val="accent1"/>
+            </a:effectRef>
+            <a:fontRef idx="minor">
+              <a:schemeClr val="lt1"/>
+            </a:fontRef>
+          </p:style>
+          <p:txBody>
+            <a:bodyPr rtlCol="0" anchor="ctr"/>
+            <a:lstStyle/>
+            <a:p>
+              <a:pPr algn="ctr"/>
+              <a:endParaRPr lang="en-US"/>
+            </a:p>
+          </p:txBody>
+        </p:sp>
+        <p:sp>
+          <p:nvSpPr>
+            <p:cNvPr id="40" name="TextBox 39"/>
+            <p:cNvSpPr txBox="1"/>
+            <p:nvPr/>
+          </p:nvSpPr>
+          <p:spPr>
+            <a:xfrm>
+              <a:off x="10391152" y="1970282"/>
+              <a:ext cx="874727" cy="646331"/>
+            </a:xfrm>
+            <a:prstGeom prst="rect">
+              <a:avLst/>
+            </a:prstGeom>
+            <a:noFill/>
+          </p:spPr>
+          <p:txBody>
+            <a:bodyPr wrap="none" rtlCol="0">
+              <a:spAutoFit/>
+            </a:bodyPr>
+            <a:lstStyle/>
+            <a:p>
+              <a:r>
+                <a:rPr lang="en-US" dirty="0" smtClean="0"/>
+                <a:t>Worker</a:t>
+              </a:r>
+            </a:p>
+            <a:p>
+              <a:r>
+                <a:rPr lang="en-US" dirty="0"/>
+                <a:t> </a:t>
+              </a:r>
+              <a:r>
+                <a:rPr lang="en-US" dirty="0" smtClean="0"/>
+                <a:t>Node</a:t>
+              </a:r>
+              <a:endParaRPr lang="en-US" dirty="0"/>
+            </a:p>
+          </p:txBody>
+        </p:sp>
+        <p:sp>
+          <p:nvSpPr>
+            <p:cNvPr id="41" name="TextBox 40"/>
+            <p:cNvSpPr txBox="1"/>
+            <p:nvPr/>
+          </p:nvSpPr>
+          <p:spPr>
+            <a:xfrm>
+              <a:off x="8202811" y="1970282"/>
+              <a:ext cx="814647" cy="646331"/>
+            </a:xfrm>
+            <a:prstGeom prst="rect">
+              <a:avLst/>
+            </a:prstGeom>
+            <a:noFill/>
+          </p:spPr>
+          <p:txBody>
+            <a:bodyPr wrap="none" rtlCol="0">
+              <a:spAutoFit/>
+            </a:bodyPr>
+            <a:lstStyle/>
+            <a:p>
+              <a:r>
+                <a:rPr lang="en-US" smtClean="0"/>
+                <a:t> Work</a:t>
+              </a:r>
+              <a:endParaRPr lang="en-US" dirty="0" smtClean="0"/>
+            </a:p>
+            <a:p>
+              <a:r>
+                <a:rPr lang="en-US" dirty="0" smtClean="0"/>
+                <a:t>Queue</a:t>
+              </a:r>
+              <a:endParaRPr lang="en-US" dirty="0"/>
+            </a:p>
+          </p:txBody>
+        </p:sp>
+        <p:cxnSp>
+          <p:nvCxnSpPr>
+            <p:cNvPr id="42" name="Straight Connector 41"/>
+            <p:cNvCxnSpPr/>
+            <p:nvPr/>
+          </p:nvCxnSpPr>
+          <p:spPr>
+            <a:xfrm flipH="1">
+              <a:off x="7587574" y="2462160"/>
+              <a:ext cx="614343" cy="0"/>
+            </a:xfrm>
+            <a:prstGeom prst="line">
+              <a:avLst/>
+            </a:prstGeom>
+            <a:ln w="38100">
+              <a:solidFill>
+                <a:srgbClr val="C00000"/>
+              </a:solidFill>
+            </a:ln>
+          </p:spPr>
+          <p:style>
+            <a:lnRef idx="1">
+              <a:schemeClr val="accent1"/>
+            </a:lnRef>
+            <a:fillRef idx="0">
+              <a:schemeClr val="accent1"/>
+            </a:fillRef>
+            <a:effectRef idx="0">
+              <a:schemeClr val="accent1"/>
+            </a:effectRef>
+            <a:fontRef idx="minor">
+              <a:schemeClr val="tx1"/>
+            </a:fontRef>
+          </p:style>
+        </p:cxnSp>
+        <p:sp>
+          <p:nvSpPr>
+            <p:cNvPr id="43" name="TextBox 42"/>
+            <p:cNvSpPr txBox="1"/>
+            <p:nvPr/>
+          </p:nvSpPr>
+          <p:spPr>
+            <a:xfrm>
+              <a:off x="6354231" y="2247281"/>
+              <a:ext cx="1240083" cy="369332"/>
+            </a:xfrm>
+            <a:prstGeom prst="rect">
+              <a:avLst/>
+            </a:prstGeom>
+            <a:noFill/>
+          </p:spPr>
+          <p:txBody>
+            <a:bodyPr wrap="none" rtlCol="0">
+              <a:spAutoFit/>
+            </a:bodyPr>
+            <a:lstStyle/>
+            <a:p>
+              <a:r>
+                <a:rPr lang="en-US" smtClean="0"/>
+                <a:t>Watermark</a:t>
+              </a:r>
+              <a:endParaRPr lang="en-US"/>
+            </a:p>
+          </p:txBody>
+        </p:sp>
+      </p:grpSp>
+      <p:cxnSp>
+        <p:nvCxnSpPr>
+          <p:cNvPr id="52" name="Straight Arrow Connector 51"/>
+          <p:cNvCxnSpPr/>
+          <p:nvPr/>
+        </p:nvCxnSpPr>
+        <p:spPr>
+          <a:xfrm flipV="1">
+            <a:off x="3107266" y="6090495"/>
+            <a:ext cx="2880410" cy="31054"/>
+          </a:xfrm>
+          <a:prstGeom prst="straightConnector1">
+            <a:avLst/>
+          </a:prstGeom>
+          <a:ln w="25400">
+            <a:solidFill>
+              <a:schemeClr val="tx1"/>
+            </a:solidFill>
+            <a:tailEnd type="triangle"/>
+          </a:ln>
+        </p:spPr>
+        <p:style>
+          <a:lnRef idx="1">
+            <a:schemeClr val="accent1"/>
+          </a:lnRef>
+          <a:fillRef idx="0">
+            <a:schemeClr val="accent1"/>
+          </a:fillRef>
+          <a:effectRef idx="0">
+            <a:schemeClr val="accent1"/>
+          </a:effectRef>
+          <a:fontRef idx="minor">
+            <a:schemeClr val="tx1"/>
+          </a:fontRef>
+        </p:style>
+      </p:cxnSp>
+      <p:cxnSp>
+        <p:nvCxnSpPr>
+          <p:cNvPr id="58" name="Straight Arrow Connector 57"/>
+          <p:cNvCxnSpPr/>
+          <p:nvPr/>
+        </p:nvCxnSpPr>
+        <p:spPr>
+          <a:xfrm flipH="1">
+            <a:off x="3108162" y="5586927"/>
+            <a:ext cx="2887806" cy="41651"/>
+          </a:xfrm>
+          <a:prstGeom prst="straightConnector1">
+            <a:avLst/>
+          </a:prstGeom>
+          <a:ln w="25400">
+            <a:solidFill>
+              <a:schemeClr val="tx1"/>
+            </a:solidFill>
+            <a:tailEnd type="triangle"/>
+          </a:ln>
+        </p:spPr>
+        <p:style>
+          <a:lnRef idx="1">
+            <a:schemeClr val="accent1"/>
+          </a:lnRef>
+          <a:fillRef idx="0">
+            <a:schemeClr val="accent1"/>
+          </a:fillRef>
+          <a:effectRef idx="0">
+            <a:schemeClr val="accent1"/>
+          </a:effectRef>
+          <a:fontRef idx="minor">
+            <a:schemeClr val="tx1"/>
+          </a:fontRef>
+        </p:style>
+      </p:cxnSp>
+      <p:cxnSp>
+        <p:nvCxnSpPr>
+          <p:cNvPr id="60" name="Straight Arrow Connector 59"/>
+          <p:cNvCxnSpPr/>
+          <p:nvPr/>
+        </p:nvCxnSpPr>
+        <p:spPr>
+          <a:xfrm flipV="1">
+            <a:off x="3115558" y="4895732"/>
+            <a:ext cx="2880410" cy="31054"/>
+          </a:xfrm>
+          <a:prstGeom prst="straightConnector1">
+            <a:avLst/>
+          </a:prstGeom>
+          <a:ln w="25400">
+            <a:solidFill>
+              <a:schemeClr val="tx1"/>
+            </a:solidFill>
+            <a:tailEnd type="triangle"/>
+          </a:ln>
+        </p:spPr>
+        <p:style>
+          <a:lnRef idx="1">
+            <a:schemeClr val="accent1"/>
+          </a:lnRef>
+          <a:fillRef idx="0">
+            <a:schemeClr val="accent1"/>
+          </a:fillRef>
+          <a:effectRef idx="0">
+            <a:schemeClr val="accent1"/>
+          </a:effectRef>
+          <a:fontRef idx="minor">
+            <a:schemeClr val="tx1"/>
+          </a:fontRef>
+        </p:style>
+      </p:cxnSp>
+      <p:cxnSp>
+        <p:nvCxnSpPr>
+          <p:cNvPr id="61" name="Straight Arrow Connector 60"/>
+          <p:cNvCxnSpPr/>
+          <p:nvPr/>
+        </p:nvCxnSpPr>
+        <p:spPr>
+          <a:xfrm flipH="1">
+            <a:off x="3122940" y="4404447"/>
+            <a:ext cx="2873028" cy="29368"/>
+          </a:xfrm>
+          <a:prstGeom prst="straightConnector1">
+            <a:avLst/>
+          </a:prstGeom>
+          <a:ln w="25400">
+            <a:solidFill>
+              <a:schemeClr val="tx1"/>
+            </a:solidFill>
+            <a:tailEnd type="triangle"/>
+          </a:ln>
+        </p:spPr>
+        <p:style>
+          <a:lnRef idx="1">
+            <a:schemeClr val="accent1"/>
+          </a:lnRef>
+          <a:fillRef idx="0">
+            <a:schemeClr val="accent1"/>
+          </a:fillRef>
+          <a:effectRef idx="0">
+            <a:schemeClr val="accent1"/>
+          </a:effectRef>
+          <a:fontRef idx="minor">
+            <a:schemeClr val="tx1"/>
+          </a:fontRef>
+        </p:style>
+      </p:cxnSp>
+      <p:cxnSp>
+        <p:nvCxnSpPr>
+          <p:cNvPr id="65" name="Straight Arrow Connector 64"/>
+          <p:cNvCxnSpPr/>
+          <p:nvPr/>
+        </p:nvCxnSpPr>
+        <p:spPr>
+          <a:xfrm flipV="1">
+            <a:off x="3119011" y="3713252"/>
+            <a:ext cx="2880410" cy="31054"/>
+          </a:xfrm>
+          <a:prstGeom prst="straightConnector1">
+            <a:avLst/>
+          </a:prstGeom>
+          <a:ln w="25400">
+            <a:solidFill>
+              <a:schemeClr val="tx1"/>
+            </a:solidFill>
+            <a:tailEnd type="triangle"/>
+          </a:ln>
+        </p:spPr>
+        <p:style>
+          <a:lnRef idx="1">
+            <a:schemeClr val="accent1"/>
+          </a:lnRef>
+          <a:fillRef idx="0">
+            <a:schemeClr val="accent1"/>
+          </a:fillRef>
+          <a:effectRef idx="0">
+            <a:schemeClr val="accent1"/>
+          </a:effectRef>
+          <a:fontRef idx="minor">
+            <a:schemeClr val="tx1"/>
+          </a:fontRef>
+        </p:style>
+      </p:cxnSp>
+      <p:cxnSp>
+        <p:nvCxnSpPr>
+          <p:cNvPr id="66" name="Straight Arrow Connector 65"/>
+          <p:cNvCxnSpPr/>
+          <p:nvPr/>
+        </p:nvCxnSpPr>
+        <p:spPr>
+          <a:xfrm flipH="1">
+            <a:off x="3111731" y="3232983"/>
+            <a:ext cx="2852875" cy="18352"/>
+          </a:xfrm>
+          <a:prstGeom prst="straightConnector1">
+            <a:avLst/>
+          </a:prstGeom>
+          <a:ln w="25400">
+            <a:solidFill>
+              <a:schemeClr val="tx1"/>
+            </a:solidFill>
+            <a:tailEnd type="triangle"/>
+          </a:ln>
+        </p:spPr>
+        <p:style>
+          <a:lnRef idx="1">
+            <a:schemeClr val="accent1"/>
+          </a:lnRef>
+          <a:fillRef idx="0">
+            <a:schemeClr val="accent1"/>
+          </a:fillRef>
+          <a:effectRef idx="0">
+            <a:schemeClr val="accent1"/>
+          </a:effectRef>
+          <a:fontRef idx="minor">
+            <a:schemeClr val="tx1"/>
+          </a:fontRef>
+        </p:style>
+      </p:cxnSp>
+      <p:cxnSp>
+        <p:nvCxnSpPr>
+          <p:cNvPr id="70" name="Straight Arrow Connector 69"/>
+          <p:cNvCxnSpPr/>
+          <p:nvPr/>
+        </p:nvCxnSpPr>
+        <p:spPr>
+          <a:xfrm flipV="1">
+            <a:off x="3097964" y="2541788"/>
+            <a:ext cx="2880410" cy="31054"/>
+          </a:xfrm>
+          <a:prstGeom prst="straightConnector1">
+            <a:avLst/>
+          </a:prstGeom>
+          <a:ln w="25400">
+            <a:solidFill>
+              <a:schemeClr val="tx1"/>
+            </a:solidFill>
+            <a:tailEnd type="triangle"/>
+          </a:ln>
+        </p:spPr>
+        <p:style>
+          <a:lnRef idx="1">
+            <a:schemeClr val="accent1"/>
+          </a:lnRef>
+          <a:fillRef idx="0">
+            <a:schemeClr val="accent1"/>
+          </a:fillRef>
+          <a:effectRef idx="0">
+            <a:schemeClr val="accent1"/>
+          </a:effectRef>
+          <a:fontRef idx="minor">
+            <a:schemeClr val="tx1"/>
+          </a:fontRef>
+        </p:style>
+      </p:cxnSp>
+      <p:cxnSp>
+        <p:nvCxnSpPr>
+          <p:cNvPr id="71" name="Straight Arrow Connector 70"/>
+          <p:cNvCxnSpPr/>
+          <p:nvPr/>
+        </p:nvCxnSpPr>
+        <p:spPr>
+          <a:xfrm flipH="1">
+            <a:off x="3107267" y="2065744"/>
+            <a:ext cx="2871107" cy="26634"/>
+          </a:xfrm>
+          <a:prstGeom prst="straightConnector1">
+            <a:avLst/>
+          </a:prstGeom>
+          <a:ln w="25400">
+            <a:solidFill>
+              <a:schemeClr val="tx1"/>
+            </a:solidFill>
+            <a:tailEnd type="triangle"/>
+          </a:ln>
+        </p:spPr>
+        <p:style>
+          <a:lnRef idx="1">
+            <a:schemeClr val="accent1"/>
+          </a:lnRef>
+          <a:fillRef idx="0">
+            <a:schemeClr val="accent1"/>
+          </a:fillRef>
+          <a:effectRef idx="0">
+            <a:schemeClr val="accent1"/>
+          </a:effectRef>
+          <a:fontRef idx="minor">
+            <a:schemeClr val="tx1"/>
+          </a:fontRef>
+        </p:style>
+      </p:cxnSp>
+      <p:sp>
+        <p:nvSpPr>
+          <p:cNvPr id="74" name="TextBox 73"/>
+          <p:cNvSpPr txBox="1"/>
+          <p:nvPr/>
+        </p:nvSpPr>
+        <p:spPr>
+          <a:xfrm>
+            <a:off x="3824103" y="2515378"/>
+            <a:ext cx="1463320" cy="369332"/>
+          </a:xfrm>
+          <a:prstGeom prst="rect">
+            <a:avLst/>
+          </a:prstGeom>
+          <a:noFill/>
+        </p:spPr>
+        <p:txBody>
+          <a:bodyPr wrap="square" rtlCol="0">
+            <a:spAutoFit/>
+          </a:bodyPr>
+          <a:lstStyle/>
+          <a:p>
+            <a:r>
+              <a:rPr lang="en-US" smtClean="0"/>
+              <a:t>Work  Chunk</a:t>
+            </a:r>
+            <a:endParaRPr lang="en-US"/>
+          </a:p>
+        </p:txBody>
+      </p:sp>
+      <p:sp>
+        <p:nvSpPr>
+          <p:cNvPr id="75" name="TextBox 74"/>
+          <p:cNvSpPr txBox="1"/>
+          <p:nvPr/>
+        </p:nvSpPr>
+        <p:spPr>
+          <a:xfrm>
+            <a:off x="3718950" y="1729466"/>
+            <a:ext cx="1587782" cy="369332"/>
+          </a:xfrm>
+          <a:prstGeom prst="rect">
+            <a:avLst/>
+          </a:prstGeom>
+          <a:noFill/>
+        </p:spPr>
+        <p:txBody>
+          <a:bodyPr wrap="square" rtlCol="0">
+            <a:spAutoFit/>
+          </a:bodyPr>
+          <a:lstStyle/>
+          <a:p>
+            <a:r>
+              <a:rPr lang="en-US" smtClean="0"/>
+              <a:t>Work  Request</a:t>
+            </a:r>
+            <a:endParaRPr lang="en-US"/>
+          </a:p>
+        </p:txBody>
+      </p:sp>
+    </p:spTree>
+    <p:extLst>
+      <p:ext uri="{BB962C8B-B14F-4D97-AF65-F5344CB8AC3E}">
+        <p14:creationId xmlns:p14="http://schemas.microsoft.com/office/powerpoint/2010/main" val="511452960"/>
+      </p:ext>
+    </p:extLst>
+  </p:cSld>
+  <p:clrMapOvr>
+    <a:masterClrMapping/>
+  </p:clrMapOvr>
+</p:sld>
+</file>
+
+<file path=ppt/slides/slide7.xml><?xml version="1.0" encoding="utf-8"?>
+<p:sld xmlns:a="http://schemas.openxmlformats.org/drawingml/2006/main" xmlns:r="http://schemas.openxmlformats.org/officeDocument/2006/relationships" xmlns:p="http://schemas.openxmlformats.org/presentationml/2006/main">
+  <p:cSld>
+    <p:spTree>
+      <p:nvGrpSpPr>
+        <p:cNvPr id="1" name=""/>
+        <p:cNvGrpSpPr/>
+        <p:nvPr/>
+      </p:nvGrpSpPr>
+      <p:grpSpPr>
+        <a:xfrm>
+          <a:off x="0" y="0"/>
+          <a:ext cx="0" cy="0"/>
+          <a:chOff x="0" y="0"/>
+          <a:chExt cx="0" cy="0"/>
+        </a:xfrm>
+      </p:grpSpPr>
+      <p:sp>
+        <p:nvSpPr>
+          <p:cNvPr id="2" name="Title 1"/>
+          <p:cNvSpPr>
+            <a:spLocks noGrp="1"/>
+          </p:cNvSpPr>
+          <p:nvPr>
+            <p:ph type="title"/>
+          </p:nvPr>
+        </p:nvSpPr>
+        <p:spPr/>
+        <p:txBody>
+          <a:bodyPr/>
+          <a:lstStyle/>
+          <a:p>
+            <a:r>
+              <a:rPr lang="en-US" dirty="0" smtClean="0"/>
+              <a:t>How Big Should the Chunks Be?</a:t>
+            </a:r>
+            <a:endParaRPr lang="en-US" dirty="0"/>
+          </a:p>
+        </p:txBody>
+      </p:sp>
+    </p:spTree>
+    <p:extLst>
+      <p:ext uri="{BB962C8B-B14F-4D97-AF65-F5344CB8AC3E}">
+        <p14:creationId xmlns:p14="http://schemas.microsoft.com/office/powerpoint/2010/main" val="261489723"/>
       </p:ext>
     </p:extLst>
   </p:cSld>
@@ -6266,4 +10538,265 @@
     </a:ext>
   </a:extLst>
 </a:theme>
+</file>
+
+<file path=ppt/theme/theme2.xml><?xml version="1.0" encoding="utf-8"?>
+<a:theme xmlns:a="http://schemas.openxmlformats.org/drawingml/2006/main" name="Office Theme">
+  <a:themeElements>
+    <a:clrScheme name="Office">
+      <a:dk1>
+        <a:sysClr val="windowText" lastClr="000000"/>
+      </a:dk1>
+      <a:lt1>
+        <a:sysClr val="window" lastClr="FFFFFF"/>
+      </a:lt1>
+      <a:dk2>
+        <a:srgbClr val="44546A"/>
+      </a:dk2>
+      <a:lt2>
+        <a:srgbClr val="E7E6E6"/>
+      </a:lt2>
+      <a:accent1>
+        <a:srgbClr val="5B9BD5"/>
+      </a:accent1>
+      <a:accent2>
+        <a:srgbClr val="ED7D31"/>
+      </a:accent2>
+      <a:accent3>
+        <a:srgbClr val="A5A5A5"/>
+      </a:accent3>
+      <a:accent4>
+        <a:srgbClr val="FFC000"/>
+      </a:accent4>
+      <a:accent5>
+        <a:srgbClr val="4472C4"/>
+      </a:accent5>
+      <a:accent6>
+        <a:srgbClr val="70AD47"/>
+      </a:accent6>
+      <a:hlink>
+        <a:srgbClr val="0563C1"/>
+      </a:hlink>
+      <a:folHlink>
+        <a:srgbClr val="954F72"/>
+      </a:folHlink>
+    </a:clrScheme>
+    <a:fontScheme name="Office">
+      <a:majorFont>
+        <a:latin typeface="Calibri Light" panose="020F0302020204030204"/>
+        <a:ea typeface=""/>
+        <a:cs typeface=""/>
+        <a:font script="Jpan" typeface="Yu Gothic Light"/>
+        <a:font script="Hang" typeface="맑은 고딕"/>
+        <a:font script="Hans" typeface="DengXian Light"/>
+        <a:font script="Hant" typeface="新細明體"/>
+        <a:font script="Arab" typeface="Times New Roman"/>
+        <a:font script="Hebr" typeface="Times New Roman"/>
+        <a:font script="Thai" typeface="Angsana New"/>
+        <a:font script="Ethi" typeface="Nyala"/>
+        <a:font script="Beng" typeface="Vrinda"/>
+        <a:font script="Gujr" typeface="Shruti"/>
+        <a:font script="Khmr" typeface="MoolBoran"/>
+        <a:font script="Knda" typeface="Tunga"/>
+        <a:font script="Guru" typeface="Raavi"/>
+        <a:font script="Cans" typeface="Euphemia"/>
+        <a:font script="Cher" typeface="Plantagenet Cherokee"/>
+        <a:font script="Yiii" typeface="Microsoft Yi Baiti"/>
+        <a:font script="Tibt" typeface="Microsoft Himalaya"/>
+        <a:font script="Thaa" typeface="MV Boli"/>
+        <a:font script="Deva" typeface="Mangal"/>
+        <a:font script="Telu" typeface="Gautami"/>
+        <a:font script="Taml" typeface="Latha"/>
+        <a:font script="Syrc" typeface="Estrangelo Edessa"/>
+        <a:font script="Orya" typeface="Kalinga"/>
+        <a:font script="Mlym" typeface="Kartika"/>
+        <a:font script="Laoo" typeface="DokChampa"/>
+        <a:font script="Sinh" typeface="Iskoola Pota"/>
+        <a:font script="Mong" typeface="Mongolian Baiti"/>
+        <a:font script="Viet" typeface="Times New Roman"/>
+        <a:font script="Uigh" typeface="Microsoft Uighur"/>
+        <a:font script="Geor" typeface="Sylfaen"/>
+      </a:majorFont>
+      <a:minorFont>
+        <a:latin typeface="Calibri" panose="020F0502020204030204"/>
+        <a:ea typeface=""/>
+        <a:cs typeface=""/>
+        <a:font script="Jpan" typeface="Yu Gothic"/>
+        <a:font script="Hang" typeface="맑은 고딕"/>
+        <a:font script="Hans" typeface="DengXian"/>
+        <a:font script="Hant" typeface="新細明體"/>
+        <a:font script="Arab" typeface="Arial"/>
+        <a:font script="Hebr" typeface="Arial"/>
+        <a:font script="Thai" typeface="Cordia New"/>
+        <a:font script="Ethi" typeface="Nyala"/>
+        <a:font script="Beng" typeface="Vrinda"/>
+        <a:font script="Gujr" typeface="Shruti"/>
+        <a:font script="Khmr" typeface="DaunPenh"/>
+        <a:font script="Knda" typeface="Tunga"/>
+        <a:font script="Guru" typeface="Raavi"/>
+        <a:font script="Cans" typeface="Euphemia"/>
+        <a:font script="Cher" typeface="Plantagenet Cherokee"/>
+        <a:font script="Yiii" typeface="Microsoft Yi Baiti"/>
+        <a:font script="Tibt" typeface="Microsoft Himalaya"/>
+        <a:font script="Thaa" typeface="MV Boli"/>
+        <a:font script="Deva" typeface="Mangal"/>
+        <a:font script="Telu" typeface="Gautami"/>
+        <a:font script="Taml" typeface="Latha"/>
+        <a:font script="Syrc" typeface="Estrangelo Edessa"/>
+        <a:font script="Orya" typeface="Kalinga"/>
+        <a:font script="Mlym" typeface="Kartika"/>
+        <a:font script="Laoo" typeface="DokChampa"/>
+        <a:font script="Sinh" typeface="Iskoola Pota"/>
+        <a:font script="Mong" typeface="Mongolian Baiti"/>
+        <a:font script="Viet" typeface="Arial"/>
+        <a:font script="Uigh" typeface="Microsoft Uighur"/>
+        <a:font script="Geor" typeface="Sylfaen"/>
+      </a:minorFont>
+    </a:fontScheme>
+    <a:fmtScheme name="Office">
+      <a:fillStyleLst>
+        <a:solidFill>
+          <a:schemeClr val="phClr"/>
+        </a:solidFill>
+        <a:gradFill rotWithShape="1">
+          <a:gsLst>
+            <a:gs pos="0">
+              <a:schemeClr val="phClr">
+                <a:lumMod val="110000"/>
+                <a:satMod val="105000"/>
+                <a:tint val="67000"/>
+              </a:schemeClr>
+            </a:gs>
+            <a:gs pos="50000">
+              <a:schemeClr val="phClr">
+                <a:lumMod val="105000"/>
+                <a:satMod val="103000"/>
+                <a:tint val="73000"/>
+              </a:schemeClr>
+            </a:gs>
+            <a:gs pos="100000">
+              <a:schemeClr val="phClr">
+                <a:lumMod val="105000"/>
+                <a:satMod val="109000"/>
+                <a:tint val="81000"/>
+              </a:schemeClr>
+            </a:gs>
+          </a:gsLst>
+          <a:lin ang="5400000" scaled="0"/>
+        </a:gradFill>
+        <a:gradFill rotWithShape="1">
+          <a:gsLst>
+            <a:gs pos="0">
+              <a:schemeClr val="phClr">
+                <a:satMod val="103000"/>
+                <a:lumMod val="102000"/>
+                <a:tint val="94000"/>
+              </a:schemeClr>
+            </a:gs>
+            <a:gs pos="50000">
+              <a:schemeClr val="phClr">
+                <a:satMod val="110000"/>
+                <a:lumMod val="100000"/>
+                <a:shade val="100000"/>
+              </a:schemeClr>
+            </a:gs>
+            <a:gs pos="100000">
+              <a:schemeClr val="phClr">
+                <a:lumMod val="99000"/>
+                <a:satMod val="120000"/>
+                <a:shade val="78000"/>
+              </a:schemeClr>
+            </a:gs>
+          </a:gsLst>
+          <a:lin ang="5400000" scaled="0"/>
+        </a:gradFill>
+      </a:fillStyleLst>
+      <a:lnStyleLst>
+        <a:ln w="6350" cap="flat" cmpd="sng" algn="ctr">
+          <a:solidFill>
+            <a:schemeClr val="phClr"/>
+          </a:solidFill>
+          <a:prstDash val="solid"/>
+          <a:miter lim="800000"/>
+        </a:ln>
+        <a:ln w="12700" cap="flat" cmpd="sng" algn="ctr">
+          <a:solidFill>
+            <a:schemeClr val="phClr"/>
+          </a:solidFill>
+          <a:prstDash val="solid"/>
+          <a:miter lim="800000"/>
+        </a:ln>
+        <a:ln w="19050" cap="flat" cmpd="sng" algn="ctr">
+          <a:solidFill>
+            <a:schemeClr val="phClr"/>
+          </a:solidFill>
+          <a:prstDash val="solid"/>
+          <a:miter lim="800000"/>
+        </a:ln>
+      </a:lnStyleLst>
+      <a:effectStyleLst>
+        <a:effectStyle>
+          <a:effectLst/>
+        </a:effectStyle>
+        <a:effectStyle>
+          <a:effectLst/>
+        </a:effectStyle>
+        <a:effectStyle>
+          <a:effectLst>
+            <a:outerShdw blurRad="57150" dist="19050" dir="5400000" algn="ctr" rotWithShape="0">
+              <a:srgbClr val="000000">
+                <a:alpha val="63000"/>
+              </a:srgbClr>
+            </a:outerShdw>
+          </a:effectLst>
+        </a:effectStyle>
+      </a:effectStyleLst>
+      <a:bgFillStyleLst>
+        <a:solidFill>
+          <a:schemeClr val="phClr"/>
+        </a:solidFill>
+        <a:solidFill>
+          <a:schemeClr val="phClr">
+            <a:tint val="95000"/>
+            <a:satMod val="170000"/>
+          </a:schemeClr>
+        </a:solidFill>
+        <a:gradFill rotWithShape="1">
+          <a:gsLst>
+            <a:gs pos="0">
+              <a:schemeClr val="phClr">
+                <a:tint val="93000"/>
+                <a:satMod val="150000"/>
+                <a:shade val="98000"/>
+                <a:lumMod val="102000"/>
+              </a:schemeClr>
+            </a:gs>
+            <a:gs pos="50000">
+              <a:schemeClr val="phClr">
+                <a:tint val="98000"/>
+                <a:satMod val="130000"/>
+                <a:shade val="90000"/>
+                <a:lumMod val="103000"/>
+              </a:schemeClr>
+            </a:gs>
+            <a:gs pos="100000">
+              <a:schemeClr val="phClr">
+                <a:shade val="63000"/>
+                <a:satMod val="120000"/>
+              </a:schemeClr>
+            </a:gs>
+          </a:gsLst>
+          <a:lin ang="5400000" scaled="0"/>
+        </a:gradFill>
+      </a:bgFillStyleLst>
+    </a:fmtScheme>
+  </a:themeElements>
+  <a:objectDefaults/>
+  <a:extraClrSchemeLst/>
+  <a:extLst>
+    <a:ext uri="{05A4C25C-085E-4340-85A3-A5531E510DB2}">
+      <thm15:themeFamily xmlns:thm15="http://schemas.microsoft.com/office/thememl/2012/main" name="Office Theme" id="{62F939B6-93AF-4DB8-9C6B-D6C7DFDC589F}" vid="{4A3C46E8-61CC-4603-A589-7422A47A8E4A}"/>
+    </a:ext>
+  </a:extLst>
+</a:theme>
 </file>
--- a/Lab Meeting 5_25_17.pptx
+++ b/Lab Meeting 5_25_17.pptx
@@ -5,7 +5,7 @@
     <p:sldMasterId id="2147483684" r:id="rId1"/>
   </p:sldMasterIdLst>
   <p:notesMasterIdLst>
-    <p:notesMasterId r:id="rId9"/>
+    <p:notesMasterId r:id="rId15"/>
   </p:notesMasterIdLst>
   <p:sldIdLst>
     <p:sldId id="256" r:id="rId2"/>
@@ -15,6 +15,12 @@
     <p:sldId id="260" r:id="rId6"/>
     <p:sldId id="262" r:id="rId7"/>
     <p:sldId id="263" r:id="rId8"/>
+    <p:sldId id="264" r:id="rId9"/>
+    <p:sldId id="265" r:id="rId10"/>
+    <p:sldId id="266" r:id="rId11"/>
+    <p:sldId id="267" r:id="rId12"/>
+    <p:sldId id="268" r:id="rId13"/>
+    <p:sldId id="269" r:id="rId14"/>
   </p:sldIdLst>
   <p:sldSz cx="12192000" cy="6858000"/>
   <p:notesSz cx="6858000" cy="9144000"/>
@@ -119,6 +125,5657 @@
     </p:ext>
   </p:extLst>
 </p:presentation>
+</file>
+
+<file path=ppt/charts/chart1.xml><?xml version="1.0" encoding="utf-8"?>
+<c:chartSpace xmlns:c="http://schemas.openxmlformats.org/drawingml/2006/chart" xmlns:a="http://schemas.openxmlformats.org/drawingml/2006/main" xmlns:r="http://schemas.openxmlformats.org/officeDocument/2006/relationships">
+  <c:date1904 val="0"/>
+  <c:lang val="en-US"/>
+  <c:roundedCorners val="0"/>
+  <mc:AlternateContent xmlns:mc="http://schemas.openxmlformats.org/markup-compatibility/2006">
+    <mc:Choice xmlns:c14="http://schemas.microsoft.com/office/drawing/2007/8/2/chart" Requires="c14">
+      <c14:style val="102"/>
+    </mc:Choice>
+    <mc:Fallback>
+      <c:style val="2"/>
+    </mc:Fallback>
+  </mc:AlternateContent>
+  <c:chart>
+    <c:autoTitleDeleted val="1"/>
+    <c:plotArea>
+      <c:layout>
+        <c:manualLayout>
+          <c:layoutTarget val="inner"/>
+          <c:xMode val="edge"/>
+          <c:yMode val="edge"/>
+          <c:x val="0.050220361234003"/>
+          <c:y val="0.0320655700050756"/>
+          <c:w val="0.936707719227404"/>
+          <c:h val="0.703214609364635"/>
+        </c:manualLayout>
+      </c:layout>
+      <c:barChart>
+        <c:barDir val="col"/>
+        <c:grouping val="clustered"/>
+        <c:varyColors val="0"/>
+        <c:ser>
+          <c:idx val="0"/>
+          <c:order val="0"/>
+          <c:tx>
+            <c:v>Uniprot_trembl</c:v>
+          </c:tx>
+          <c:spPr>
+            <a:solidFill>
+              <a:srgbClr val="00B050"/>
+            </a:solidFill>
+            <a:ln>
+              <a:noFill/>
+            </a:ln>
+            <a:effectLst/>
+          </c:spPr>
+          <c:invertIfNegative val="0"/>
+          <c:dPt>
+            <c:idx val="41"/>
+            <c:invertIfNegative val="0"/>
+            <c:bubble3D val="0"/>
+            <c:spPr>
+              <a:solidFill>
+                <a:srgbClr val="FFFF00"/>
+              </a:solidFill>
+              <a:ln>
+                <a:noFill/>
+              </a:ln>
+              <a:effectLst/>
+            </c:spPr>
+          </c:dPt>
+          <c:dPt>
+            <c:idx val="42"/>
+            <c:invertIfNegative val="0"/>
+            <c:bubble3D val="0"/>
+            <c:spPr>
+              <a:solidFill>
+                <a:srgbClr val="FFFF00"/>
+              </a:solidFill>
+              <a:ln>
+                <a:noFill/>
+              </a:ln>
+              <a:effectLst/>
+            </c:spPr>
+          </c:dPt>
+          <c:dPt>
+            <c:idx val="43"/>
+            <c:invertIfNegative val="0"/>
+            <c:bubble3D val="0"/>
+            <c:spPr>
+              <a:solidFill>
+                <a:srgbClr val="FFFF00"/>
+              </a:solidFill>
+              <a:ln>
+                <a:noFill/>
+              </a:ln>
+              <a:effectLst/>
+            </c:spPr>
+          </c:dPt>
+          <c:dPt>
+            <c:idx val="44"/>
+            <c:invertIfNegative val="0"/>
+            <c:bubble3D val="0"/>
+            <c:spPr>
+              <a:solidFill>
+                <a:srgbClr val="FFFF00"/>
+              </a:solidFill>
+              <a:ln>
+                <a:noFill/>
+              </a:ln>
+              <a:effectLst/>
+            </c:spPr>
+          </c:dPt>
+          <c:dPt>
+            <c:idx val="45"/>
+            <c:invertIfNegative val="0"/>
+            <c:bubble3D val="0"/>
+            <c:spPr>
+              <a:solidFill>
+                <a:srgbClr val="C00000"/>
+              </a:solidFill>
+              <a:ln>
+                <a:noFill/>
+              </a:ln>
+              <a:effectLst/>
+            </c:spPr>
+          </c:dPt>
+          <c:dPt>
+            <c:idx val="46"/>
+            <c:invertIfNegative val="0"/>
+            <c:bubble3D val="0"/>
+            <c:spPr>
+              <a:solidFill>
+                <a:srgbClr val="C00000"/>
+              </a:solidFill>
+              <a:ln>
+                <a:noFill/>
+              </a:ln>
+              <a:effectLst/>
+            </c:spPr>
+          </c:dPt>
+          <c:dPt>
+            <c:idx val="47"/>
+            <c:invertIfNegative val="0"/>
+            <c:bubble3D val="0"/>
+            <c:spPr>
+              <a:solidFill>
+                <a:srgbClr val="C00000"/>
+              </a:solidFill>
+              <a:ln>
+                <a:noFill/>
+              </a:ln>
+              <a:effectLst/>
+            </c:spPr>
+          </c:dPt>
+          <c:dPt>
+            <c:idx val="48"/>
+            <c:invertIfNegative val="0"/>
+            <c:bubble3D val="0"/>
+            <c:spPr>
+              <a:solidFill>
+                <a:srgbClr val="C00000"/>
+              </a:solidFill>
+              <a:ln>
+                <a:noFill/>
+              </a:ln>
+              <a:effectLst/>
+            </c:spPr>
+          </c:dPt>
+          <c:dPt>
+            <c:idx val="49"/>
+            <c:invertIfNegative val="0"/>
+            <c:bubble3D val="0"/>
+            <c:spPr>
+              <a:solidFill>
+                <a:srgbClr val="C00000"/>
+              </a:solidFill>
+              <a:ln>
+                <a:noFill/>
+              </a:ln>
+              <a:effectLst/>
+            </c:spPr>
+          </c:dPt>
+          <c:cat>
+            <c:strRef>
+              <c:f>GCUPS!$A$4:$A$53</c:f>
+              <c:strCache>
+                <c:ptCount val="50"/>
+                <c:pt idx="0">
+                  <c:v>P10_ASFWA</c:v>
+                </c:pt>
+                <c:pt idx="1">
+                  <c:v>PRGJ_SALTY</c:v>
+                </c:pt>
+                <c:pt idx="2">
+                  <c:v>H6_ONCMY</c:v>
+                </c:pt>
+                <c:pt idx="3">
+                  <c:v>MT2H_BOVIN</c:v>
+                </c:pt>
+                <c:pt idx="4">
+                  <c:v>RS18_METPP</c:v>
+                </c:pt>
+                <c:pt idx="5">
+                  <c:v>YAEH_SALTY</c:v>
+                </c:pt>
+                <c:pt idx="6">
+                  <c:v>PROF1_STRPU</c:v>
+                </c:pt>
+                <c:pt idx="7">
+                  <c:v>RS14_ACICJ</c:v>
+                </c:pt>
+                <c:pt idx="8">
+                  <c:v>YO13_BPHC1</c:v>
+                </c:pt>
+                <c:pt idx="9">
+                  <c:v>BP40_BPPHE</c:v>
+                </c:pt>
+                <c:pt idx="10">
+                  <c:v>SPEH_BACCN</c:v>
+                </c:pt>
+                <c:pt idx="11">
+                  <c:v>GCSH_BORA1</c:v>
+                </c:pt>
+                <c:pt idx="12">
+                  <c:v>EMC4_HUMAN</c:v>
+                </c:pt>
+                <c:pt idx="13">
+                  <c:v>RM11_RECAM</c:v>
+                </c:pt>
+                <c:pt idx="14">
+                  <c:v>MSCL_HAEDU</c:v>
+                </c:pt>
+                <c:pt idx="15">
+                  <c:v>RS5_ANAMM</c:v>
+                </c:pt>
+                <c:pt idx="16">
+                  <c:v>NTPA_BRASB</c:v>
+                </c:pt>
+                <c:pt idx="17">
+                  <c:v>KDUI_YERE8</c:v>
+                </c:pt>
+                <c:pt idx="18">
+                  <c:v>PIMT_SHIB3</c:v>
+                </c:pt>
+                <c:pt idx="19">
+                  <c:v>RBL_PINPS</c:v>
+                </c:pt>
+                <c:pt idx="20">
+                  <c:v>RS3_AGRRK</c:v>
+                </c:pt>
+                <c:pt idx="21">
+                  <c:v>LEXA_RHORT</c:v>
+                </c:pt>
+                <c:pt idx="22">
+                  <c:v>EFTS_HAHCH</c:v>
+                </c:pt>
+                <c:pt idx="23">
+                  <c:v>META_SYNP6</c:v>
+                </c:pt>
+                <c:pt idx="24">
+                  <c:v>KCD15_HUMAN</c:v>
+                </c:pt>
+                <c:pt idx="25">
+                  <c:v>Y5318_PSEAB</c:v>
+                </c:pt>
+                <c:pt idx="26">
+                  <c:v>HTPX_BURP0</c:v>
+                </c:pt>
+                <c:pt idx="27">
+                  <c:v>HTPX_SERP5</c:v>
+                </c:pt>
+                <c:pt idx="28">
+                  <c:v>QUEA_BACMF</c:v>
+                </c:pt>
+                <c:pt idx="29">
+                  <c:v>PYRK_METAC</c:v>
+                </c:pt>
+                <c:pt idx="30">
+                  <c:v>TRG_CUPNH</c:v>
+                </c:pt>
+                <c:pt idx="31">
+                  <c:v>TLX3_HUMAN</c:v>
+                </c:pt>
+                <c:pt idx="32">
+                  <c:v>PUR9_CLOBL</c:v>
+                </c:pt>
+                <c:pt idx="33">
+                  <c:v>SYE1_BRUSU</c:v>
+                </c:pt>
+                <c:pt idx="34">
+                  <c:v>FDFT_USTMA</c:v>
+                </c:pt>
+                <c:pt idx="35">
+                  <c:v>RIMO_BDEBA</c:v>
+                </c:pt>
+                <c:pt idx="36">
+                  <c:v>OPSV_ORYLA</c:v>
+                </c:pt>
+                <c:pt idx="37">
+                  <c:v>CYSK_YEAST</c:v>
+                </c:pt>
+                <c:pt idx="38">
+                  <c:v>GLGC_BURP8</c:v>
+                </c:pt>
+                <c:pt idx="39">
+                  <c:v>ECM14_LEPMJ</c:v>
+                </c:pt>
+                <c:pt idx="40">
+                  <c:v>SMAG1_RAT</c:v>
+                </c:pt>
+                <c:pt idx="41">
+                  <c:v>MURD_CUPMC</c:v>
+                </c:pt>
+                <c:pt idx="42">
+                  <c:v>SYC_BURCC</c:v>
+                </c:pt>
+                <c:pt idx="43">
+                  <c:v>RMLB_MYCTO</c:v>
+                </c:pt>
+                <c:pt idx="44">
+                  <c:v>MNME_PSYIN</c:v>
+                </c:pt>
+                <c:pt idx="45">
+                  <c:v>XYNA_THEMA</c:v>
+                </c:pt>
+                <c:pt idx="46">
+                  <c:v>CLPB_ECOL6</c:v>
+                </c:pt>
+                <c:pt idx="47">
+                  <c:v>FTSH3_ORYSJ</c:v>
+                </c:pt>
+                <c:pt idx="48">
+                  <c:v>EVI1B_XENLA</c:v>
+                </c:pt>
+                <c:pt idx="49">
+                  <c:v>XYLG_YERPA</c:v>
+                </c:pt>
+              </c:strCache>
+            </c:strRef>
+          </c:cat>
+          <c:val>
+            <c:numRef>
+              <c:f>GCUPS!$C$4:$C$54</c:f>
+              <c:numCache>
+                <c:formatCode>General</c:formatCode>
+                <c:ptCount val="51"/>
+                <c:pt idx="0">
+                  <c:v>0.255665</c:v>
+                </c:pt>
+                <c:pt idx="1">
+                  <c:v>0.261958</c:v>
+                </c:pt>
+                <c:pt idx="2">
+                  <c:v>0.285097</c:v>
+                </c:pt>
+                <c:pt idx="3">
+                  <c:v>0.289209</c:v>
+                </c:pt>
+                <c:pt idx="4">
+                  <c:v>0.291694</c:v>
+                </c:pt>
+                <c:pt idx="5">
+                  <c:v>0.299318</c:v>
+                </c:pt>
+                <c:pt idx="6">
+                  <c:v>0.303405</c:v>
+                </c:pt>
+                <c:pt idx="7">
+                  <c:v>0.309366</c:v>
+                </c:pt>
+                <c:pt idx="8">
+                  <c:v>0.327612</c:v>
+                </c:pt>
+                <c:pt idx="9">
+                  <c:v>0.332559</c:v>
+                </c:pt>
+                <c:pt idx="10">
+                  <c:v>0.333858</c:v>
+                </c:pt>
+                <c:pt idx="11">
+                  <c:v>0.334379</c:v>
+                </c:pt>
+                <c:pt idx="12">
+                  <c:v>0.336414</c:v>
+                </c:pt>
+                <c:pt idx="13">
+                  <c:v>0.345907</c:v>
+                </c:pt>
+                <c:pt idx="14">
+                  <c:v>0.372798</c:v>
+                </c:pt>
+                <c:pt idx="15">
+                  <c:v>0.376258</c:v>
+                </c:pt>
+                <c:pt idx="16">
+                  <c:v>0.440356</c:v>
+                </c:pt>
+                <c:pt idx="17">
+                  <c:v>0.480937</c:v>
+                </c:pt>
+                <c:pt idx="18">
+                  <c:v>0.482063</c:v>
+                </c:pt>
+                <c:pt idx="19">
+                  <c:v>0.500074</c:v>
+                </c:pt>
+                <c:pt idx="20">
+                  <c:v>0.513828</c:v>
+                </c:pt>
+                <c:pt idx="21">
+                  <c:v>0.518774</c:v>
+                </c:pt>
+                <c:pt idx="22">
+                  <c:v>0.529769</c:v>
+                </c:pt>
+                <c:pt idx="23">
+                  <c:v>0.552216</c:v>
+                </c:pt>
+                <c:pt idx="24">
+                  <c:v>0.590595</c:v>
+                </c:pt>
+                <c:pt idx="25">
+                  <c:v>0.594815</c:v>
+                </c:pt>
+                <c:pt idx="26">
+                  <c:v>0.606703</c:v>
+                </c:pt>
+                <c:pt idx="27">
+                  <c:v>0.619698</c:v>
+                </c:pt>
+                <c:pt idx="28">
+                  <c:v>0.64514</c:v>
+                </c:pt>
+                <c:pt idx="29">
+                  <c:v>0.650044</c:v>
+                </c:pt>
+                <c:pt idx="30">
+                  <c:v>0.652589</c:v>
+                </c:pt>
+                <c:pt idx="31">
+                  <c:v>0.742017</c:v>
+                </c:pt>
+                <c:pt idx="32">
+                  <c:v>0.807419</c:v>
+                </c:pt>
+                <c:pt idx="33">
+                  <c:v>0.832311</c:v>
+                </c:pt>
+                <c:pt idx="34">
+                  <c:v>0.844624</c:v>
+                </c:pt>
+                <c:pt idx="35">
+                  <c:v>0.846456</c:v>
+                </c:pt>
+                <c:pt idx="36">
+                  <c:v>0.852353</c:v>
+                </c:pt>
+                <c:pt idx="37">
+                  <c:v>0.872308</c:v>
+                </c:pt>
+                <c:pt idx="38">
+                  <c:v>0.878529</c:v>
+                </c:pt>
+                <c:pt idx="39">
+                  <c:v>0.913751</c:v>
+                </c:pt>
+                <c:pt idx="40">
+                  <c:v>0.940381</c:v>
+                </c:pt>
+                <c:pt idx="41">
+                  <c:v>1.027096</c:v>
+                </c:pt>
+                <c:pt idx="42">
+                  <c:v>1.047097</c:v>
+                </c:pt>
+                <c:pt idx="43">
+                  <c:v>1.060083</c:v>
+                </c:pt>
+                <c:pt idx="44">
+                  <c:v>1.086736</c:v>
+                </c:pt>
+                <c:pt idx="45">
+                  <c:v>1.558419</c:v>
+                </c:pt>
+                <c:pt idx="46">
+                  <c:v>2.03558</c:v>
+                </c:pt>
+                <c:pt idx="47">
+                  <c:v>2.421471</c:v>
+                </c:pt>
+                <c:pt idx="48">
+                  <c:v>2.506042</c:v>
+                </c:pt>
+                <c:pt idx="49">
+                  <c:v>5.021453</c:v>
+                </c:pt>
+              </c:numCache>
+            </c:numRef>
+          </c:val>
+        </c:ser>
+        <c:dLbls>
+          <c:showLegendKey val="0"/>
+          <c:showVal val="0"/>
+          <c:showCatName val="0"/>
+          <c:showSerName val="0"/>
+          <c:showPercent val="0"/>
+          <c:showBubbleSize val="0"/>
+        </c:dLbls>
+        <c:gapWidth val="219"/>
+        <c:overlap val="-27"/>
+        <c:axId val="1260969424"/>
+        <c:axId val="1260971616"/>
+      </c:barChart>
+      <c:catAx>
+        <c:axId val="1260969424"/>
+        <c:scaling>
+          <c:orientation val="minMax"/>
+        </c:scaling>
+        <c:delete val="0"/>
+        <c:axPos val="b"/>
+        <c:title>
+          <c:tx>
+            <c:rich>
+              <a:bodyPr rot="0" spcFirstLastPara="1" vertOverflow="ellipsis" vert="horz" wrap="square" anchor="ctr" anchorCtr="1"/>
+              <a:lstStyle/>
+              <a:p>
+                <a:pPr>
+                  <a:defRPr sz="1000" b="0" i="0" u="none" strike="noStrike" kern="1200" baseline="0">
+                    <a:solidFill>
+                      <a:schemeClr val="tx1">
+                        <a:lumMod val="65000"/>
+                        <a:lumOff val="35000"/>
+                      </a:schemeClr>
+                    </a:solidFill>
+                    <a:latin typeface="+mn-lt"/>
+                    <a:ea typeface="+mn-ea"/>
+                    <a:cs typeface="+mn-cs"/>
+                  </a:defRPr>
+                </a:pPr>
+                <a:r>
+                  <a:rPr lang="en-US" sz="1400" baseline="0" dirty="0"/>
+                  <a:t>HMM</a:t>
+                </a:r>
+              </a:p>
+            </c:rich>
+          </c:tx>
+          <c:layout/>
+          <c:overlay val="0"/>
+          <c:spPr>
+            <a:noFill/>
+            <a:ln>
+              <a:noFill/>
+            </a:ln>
+            <a:effectLst/>
+          </c:spPr>
+          <c:txPr>
+            <a:bodyPr rot="0" spcFirstLastPara="1" vertOverflow="ellipsis" vert="horz" wrap="square" anchor="ctr" anchorCtr="1"/>
+            <a:lstStyle/>
+            <a:p>
+              <a:pPr>
+                <a:defRPr sz="1000" b="0" i="0" u="none" strike="noStrike" kern="1200" baseline="0">
+                  <a:solidFill>
+                    <a:schemeClr val="tx1">
+                      <a:lumMod val="65000"/>
+                      <a:lumOff val="35000"/>
+                    </a:schemeClr>
+                  </a:solidFill>
+                  <a:latin typeface="+mn-lt"/>
+                  <a:ea typeface="+mn-ea"/>
+                  <a:cs typeface="+mn-cs"/>
+                </a:defRPr>
+              </a:pPr>
+              <a:endParaRPr lang="en-US"/>
+            </a:p>
+          </c:txPr>
+        </c:title>
+        <c:numFmt formatCode="General" sourceLinked="1"/>
+        <c:majorTickMark val="none"/>
+        <c:minorTickMark val="none"/>
+        <c:tickLblPos val="nextTo"/>
+        <c:spPr>
+          <a:noFill/>
+          <a:ln w="9525" cap="flat" cmpd="sng" algn="ctr">
+            <a:solidFill>
+              <a:schemeClr val="tx1">
+                <a:lumMod val="15000"/>
+                <a:lumOff val="85000"/>
+              </a:schemeClr>
+            </a:solidFill>
+            <a:round/>
+          </a:ln>
+          <a:effectLst/>
+        </c:spPr>
+        <c:txPr>
+          <a:bodyPr rot="-60000000" spcFirstLastPara="1" vertOverflow="ellipsis" vert="horz" wrap="square" anchor="ctr" anchorCtr="1"/>
+          <a:lstStyle/>
+          <a:p>
+            <a:pPr>
+              <a:defRPr sz="1400" b="0" i="0" u="none" strike="noStrike" kern="1200" baseline="0">
+                <a:solidFill>
+                  <a:schemeClr val="tx1">
+                    <a:lumMod val="65000"/>
+                    <a:lumOff val="35000"/>
+                  </a:schemeClr>
+                </a:solidFill>
+                <a:latin typeface="+mn-lt"/>
+                <a:ea typeface="+mn-ea"/>
+                <a:cs typeface="+mn-cs"/>
+              </a:defRPr>
+            </a:pPr>
+            <a:endParaRPr lang="en-US"/>
+          </a:p>
+        </c:txPr>
+        <c:crossAx val="1260971616"/>
+        <c:crosses val="autoZero"/>
+        <c:auto val="1"/>
+        <c:lblAlgn val="ctr"/>
+        <c:lblOffset val="100"/>
+        <c:noMultiLvlLbl val="0"/>
+      </c:catAx>
+      <c:valAx>
+        <c:axId val="1260971616"/>
+        <c:scaling>
+          <c:orientation val="minMax"/>
+          <c:max val="5.1"/>
+          <c:min val="0.0"/>
+        </c:scaling>
+        <c:delete val="0"/>
+        <c:axPos val="l"/>
+        <c:majorGridlines>
+          <c:spPr>
+            <a:ln w="9525" cap="flat" cmpd="sng" algn="ctr">
+              <a:noFill/>
+              <a:round/>
+            </a:ln>
+            <a:effectLst/>
+          </c:spPr>
+        </c:majorGridlines>
+        <c:title>
+          <c:tx>
+            <c:rich>
+              <a:bodyPr rot="-5400000" spcFirstLastPara="1" vertOverflow="ellipsis" vert="horz" wrap="square" anchor="ctr" anchorCtr="1"/>
+              <a:lstStyle/>
+              <a:p>
+                <a:pPr>
+                  <a:defRPr sz="1400" b="0" i="0" u="none" strike="noStrike" kern="1200" baseline="0">
+                    <a:solidFill>
+                      <a:schemeClr val="tx1">
+                        <a:lumMod val="65000"/>
+                        <a:lumOff val="35000"/>
+                      </a:schemeClr>
+                    </a:solidFill>
+                    <a:latin typeface="+mn-lt"/>
+                    <a:ea typeface="+mn-ea"/>
+                    <a:cs typeface="+mn-cs"/>
+                  </a:defRPr>
+                </a:pPr>
+                <a:r>
+                  <a:rPr lang="en-US" sz="1400" baseline="0" dirty="0" smtClean="0"/>
+                  <a:t>Time </a:t>
+                </a:r>
+                <a:r>
+                  <a:rPr lang="en-US" sz="1400" baseline="0" dirty="0"/>
+                  <a:t>to Search </a:t>
+                </a:r>
+                <a:r>
+                  <a:rPr lang="en-US" sz="1400" baseline="0" dirty="0" err="1" smtClean="0"/>
+                  <a:t>Uniprot_trmebl</a:t>
+                </a:r>
+                <a:r>
+                  <a:rPr lang="en-US" sz="1400" baseline="0" dirty="0" smtClean="0"/>
+                  <a:t> (s)</a:t>
+                </a:r>
+                <a:endParaRPr lang="en-US" sz="1400" baseline="0" dirty="0"/>
+              </a:p>
+            </c:rich>
+          </c:tx>
+          <c:layout>
+            <c:manualLayout>
+              <c:xMode val="edge"/>
+              <c:yMode val="edge"/>
+              <c:x val="0.00402747846276943"/>
+              <c:y val="0.215228967653917"/>
+            </c:manualLayout>
+          </c:layout>
+          <c:overlay val="0"/>
+          <c:spPr>
+            <a:noFill/>
+            <a:ln>
+              <a:noFill/>
+            </a:ln>
+            <a:effectLst/>
+          </c:spPr>
+          <c:txPr>
+            <a:bodyPr rot="-5400000" spcFirstLastPara="1" vertOverflow="ellipsis" vert="horz" wrap="square" anchor="ctr" anchorCtr="1"/>
+            <a:lstStyle/>
+            <a:p>
+              <a:pPr>
+                <a:defRPr sz="1400" b="0" i="0" u="none" strike="noStrike" kern="1200" baseline="0">
+                  <a:solidFill>
+                    <a:schemeClr val="tx1">
+                      <a:lumMod val="65000"/>
+                      <a:lumOff val="35000"/>
+                    </a:schemeClr>
+                  </a:solidFill>
+                  <a:latin typeface="+mn-lt"/>
+                  <a:ea typeface="+mn-ea"/>
+                  <a:cs typeface="+mn-cs"/>
+                </a:defRPr>
+              </a:pPr>
+              <a:endParaRPr lang="en-US"/>
+            </a:p>
+          </c:txPr>
+        </c:title>
+        <c:majorTickMark val="none"/>
+        <c:minorTickMark val="none"/>
+        <c:tickLblPos val="nextTo"/>
+        <c:spPr>
+          <a:noFill/>
+          <a:ln>
+            <a:noFill/>
+          </a:ln>
+          <a:effectLst/>
+        </c:spPr>
+        <c:txPr>
+          <a:bodyPr rot="-60000000" spcFirstLastPara="1" vertOverflow="ellipsis" vert="horz" wrap="square" anchor="ctr" anchorCtr="1"/>
+          <a:lstStyle/>
+          <a:p>
+            <a:pPr>
+              <a:defRPr sz="1400" b="0" i="0" u="none" strike="noStrike" kern="1200" baseline="0">
+                <a:solidFill>
+                  <a:schemeClr val="tx1">
+                    <a:lumMod val="65000"/>
+                    <a:lumOff val="35000"/>
+                  </a:schemeClr>
+                </a:solidFill>
+                <a:latin typeface="+mn-lt"/>
+                <a:ea typeface="+mn-ea"/>
+                <a:cs typeface="+mn-cs"/>
+              </a:defRPr>
+            </a:pPr>
+            <a:endParaRPr lang="en-US"/>
+          </a:p>
+        </c:txPr>
+        <c:crossAx val="1260969424"/>
+        <c:crosses val="autoZero"/>
+        <c:crossBetween val="between"/>
+      </c:valAx>
+      <c:spPr>
+        <a:noFill/>
+        <a:ln>
+          <a:noFill/>
+        </a:ln>
+        <a:effectLst/>
+      </c:spPr>
+    </c:plotArea>
+    <c:plotVisOnly val="1"/>
+    <c:dispBlanksAs val="gap"/>
+    <c:showDLblsOverMax val="0"/>
+  </c:chart>
+  <c:spPr>
+    <a:noFill/>
+    <a:ln>
+      <a:noFill/>
+    </a:ln>
+    <a:effectLst/>
+  </c:spPr>
+  <c:txPr>
+    <a:bodyPr/>
+    <a:lstStyle/>
+    <a:p>
+      <a:pPr>
+        <a:defRPr/>
+      </a:pPr>
+      <a:endParaRPr lang="en-US"/>
+    </a:p>
+  </c:txPr>
+  <c:externalData r:id="rId3">
+    <c:autoUpdate val="0"/>
+  </c:externalData>
+</c:chartSpace>
+</file>
+
+<file path=ppt/charts/chart2.xml><?xml version="1.0" encoding="utf-8"?>
+<c:chartSpace xmlns:c="http://schemas.openxmlformats.org/drawingml/2006/chart" xmlns:a="http://schemas.openxmlformats.org/drawingml/2006/main" xmlns:r="http://schemas.openxmlformats.org/officeDocument/2006/relationships">
+  <c:date1904 val="0"/>
+  <c:lang val="en-US"/>
+  <c:roundedCorners val="0"/>
+  <mc:AlternateContent xmlns:mc="http://schemas.openxmlformats.org/markup-compatibility/2006">
+    <mc:Choice xmlns:c14="http://schemas.microsoft.com/office/drawing/2007/8/2/chart" Requires="c14">
+      <c14:style val="102"/>
+    </mc:Choice>
+    <mc:Fallback>
+      <c:style val="2"/>
+    </mc:Fallback>
+  </mc:AlternateContent>
+  <c:chart>
+    <c:autoTitleDeleted val="1"/>
+    <c:plotArea>
+      <c:layout>
+        <c:manualLayout>
+          <c:layoutTarget val="inner"/>
+          <c:xMode val="edge"/>
+          <c:yMode val="edge"/>
+          <c:x val="0.0759356955380577"/>
+          <c:y val="0.0328723365445617"/>
+          <c:w val="0.910522637795276"/>
+          <c:h val="0.664785842478082"/>
+        </c:manualLayout>
+      </c:layout>
+      <c:barChart>
+        <c:barDir val="col"/>
+        <c:grouping val="clustered"/>
+        <c:varyColors val="0"/>
+        <c:ser>
+          <c:idx val="0"/>
+          <c:order val="0"/>
+          <c:spPr>
+            <a:solidFill>
+              <a:srgbClr val="00B050"/>
+            </a:solidFill>
+            <a:ln>
+              <a:noFill/>
+            </a:ln>
+            <a:effectLst/>
+          </c:spPr>
+          <c:invertIfNegative val="0"/>
+          <c:dPt>
+            <c:idx val="21"/>
+            <c:invertIfNegative val="0"/>
+            <c:bubble3D val="0"/>
+            <c:spPr>
+              <a:solidFill>
+                <a:srgbClr val="FFFF00"/>
+              </a:solidFill>
+              <a:ln>
+                <a:noFill/>
+              </a:ln>
+              <a:effectLst/>
+            </c:spPr>
+          </c:dPt>
+          <c:dPt>
+            <c:idx val="22"/>
+            <c:invertIfNegative val="0"/>
+            <c:bubble3D val="0"/>
+            <c:spPr>
+              <a:solidFill>
+                <a:srgbClr val="FFFF00"/>
+              </a:solidFill>
+              <a:ln>
+                <a:noFill/>
+              </a:ln>
+              <a:effectLst/>
+            </c:spPr>
+          </c:dPt>
+          <c:dPt>
+            <c:idx val="23"/>
+            <c:invertIfNegative val="0"/>
+            <c:bubble3D val="0"/>
+            <c:spPr>
+              <a:solidFill>
+                <a:srgbClr val="FFFF00"/>
+              </a:solidFill>
+              <a:ln>
+                <a:noFill/>
+              </a:ln>
+              <a:effectLst/>
+            </c:spPr>
+          </c:dPt>
+          <c:dPt>
+            <c:idx val="24"/>
+            <c:invertIfNegative val="0"/>
+            <c:bubble3D val="0"/>
+            <c:spPr>
+              <a:solidFill>
+                <a:srgbClr val="FFFF00"/>
+              </a:solidFill>
+              <a:ln>
+                <a:noFill/>
+              </a:ln>
+              <a:effectLst/>
+            </c:spPr>
+          </c:dPt>
+          <c:dPt>
+            <c:idx val="25"/>
+            <c:invertIfNegative val="0"/>
+            <c:bubble3D val="0"/>
+            <c:spPr>
+              <a:solidFill>
+                <a:srgbClr val="FFFF00"/>
+              </a:solidFill>
+              <a:ln>
+                <a:noFill/>
+              </a:ln>
+              <a:effectLst/>
+            </c:spPr>
+          </c:dPt>
+          <c:dPt>
+            <c:idx val="26"/>
+            <c:invertIfNegative val="0"/>
+            <c:bubble3D val="0"/>
+            <c:spPr>
+              <a:solidFill>
+                <a:srgbClr val="FFFF00"/>
+              </a:solidFill>
+              <a:ln>
+                <a:noFill/>
+              </a:ln>
+              <a:effectLst/>
+            </c:spPr>
+          </c:dPt>
+          <c:dPt>
+            <c:idx val="27"/>
+            <c:invertIfNegative val="0"/>
+            <c:bubble3D val="0"/>
+            <c:spPr>
+              <a:solidFill>
+                <a:srgbClr val="FFFF00"/>
+              </a:solidFill>
+              <a:ln>
+                <a:noFill/>
+              </a:ln>
+              <a:effectLst/>
+            </c:spPr>
+          </c:dPt>
+          <c:dPt>
+            <c:idx val="28"/>
+            <c:invertIfNegative val="0"/>
+            <c:bubble3D val="0"/>
+            <c:spPr>
+              <a:solidFill>
+                <a:srgbClr val="FFFF00"/>
+              </a:solidFill>
+              <a:ln>
+                <a:noFill/>
+              </a:ln>
+              <a:effectLst/>
+            </c:spPr>
+          </c:dPt>
+          <c:dPt>
+            <c:idx val="29"/>
+            <c:invertIfNegative val="0"/>
+            <c:bubble3D val="0"/>
+            <c:spPr>
+              <a:solidFill>
+                <a:srgbClr val="FFFF00"/>
+              </a:solidFill>
+              <a:ln>
+                <a:noFill/>
+              </a:ln>
+              <a:effectLst/>
+            </c:spPr>
+          </c:dPt>
+          <c:dPt>
+            <c:idx val="30"/>
+            <c:invertIfNegative val="0"/>
+            <c:bubble3D val="0"/>
+            <c:spPr>
+              <a:solidFill>
+                <a:srgbClr val="FFFF00"/>
+              </a:solidFill>
+              <a:ln>
+                <a:noFill/>
+              </a:ln>
+              <a:effectLst/>
+            </c:spPr>
+          </c:dPt>
+          <c:dPt>
+            <c:idx val="31"/>
+            <c:invertIfNegative val="0"/>
+            <c:bubble3D val="0"/>
+            <c:spPr>
+              <a:solidFill>
+                <a:srgbClr val="FFFF00"/>
+              </a:solidFill>
+              <a:ln>
+                <a:noFill/>
+              </a:ln>
+              <a:effectLst/>
+            </c:spPr>
+          </c:dPt>
+          <c:dPt>
+            <c:idx val="32"/>
+            <c:invertIfNegative val="0"/>
+            <c:bubble3D val="0"/>
+            <c:spPr>
+              <a:solidFill>
+                <a:srgbClr val="C00000"/>
+              </a:solidFill>
+              <a:ln>
+                <a:noFill/>
+              </a:ln>
+              <a:effectLst/>
+            </c:spPr>
+          </c:dPt>
+          <c:dPt>
+            <c:idx val="33"/>
+            <c:invertIfNegative val="0"/>
+            <c:bubble3D val="0"/>
+            <c:spPr>
+              <a:solidFill>
+                <a:srgbClr val="C00000"/>
+              </a:solidFill>
+              <a:ln>
+                <a:noFill/>
+              </a:ln>
+              <a:effectLst/>
+            </c:spPr>
+          </c:dPt>
+          <c:dPt>
+            <c:idx val="34"/>
+            <c:invertIfNegative val="0"/>
+            <c:bubble3D val="0"/>
+            <c:spPr>
+              <a:solidFill>
+                <a:srgbClr val="C00000"/>
+              </a:solidFill>
+              <a:ln>
+                <a:noFill/>
+              </a:ln>
+              <a:effectLst/>
+            </c:spPr>
+          </c:dPt>
+          <c:dPt>
+            <c:idx val="35"/>
+            <c:invertIfNegative val="0"/>
+            <c:bubble3D val="0"/>
+            <c:spPr>
+              <a:solidFill>
+                <a:srgbClr val="C00000"/>
+              </a:solidFill>
+              <a:ln>
+                <a:noFill/>
+              </a:ln>
+              <a:effectLst/>
+            </c:spPr>
+          </c:dPt>
+          <c:dPt>
+            <c:idx val="36"/>
+            <c:invertIfNegative val="0"/>
+            <c:bubble3D val="0"/>
+            <c:spPr>
+              <a:solidFill>
+                <a:srgbClr val="FFFF00"/>
+              </a:solidFill>
+              <a:ln>
+                <a:noFill/>
+              </a:ln>
+              <a:effectLst/>
+            </c:spPr>
+          </c:dPt>
+          <c:dPt>
+            <c:idx val="37"/>
+            <c:invertIfNegative val="0"/>
+            <c:bubble3D val="0"/>
+            <c:spPr>
+              <a:solidFill>
+                <a:srgbClr val="C00000"/>
+              </a:solidFill>
+              <a:ln>
+                <a:noFill/>
+              </a:ln>
+              <a:effectLst/>
+            </c:spPr>
+          </c:dPt>
+          <c:dPt>
+            <c:idx val="38"/>
+            <c:invertIfNegative val="0"/>
+            <c:bubble3D val="0"/>
+            <c:spPr>
+              <a:solidFill>
+                <a:srgbClr val="C00000"/>
+              </a:solidFill>
+              <a:ln>
+                <a:noFill/>
+              </a:ln>
+              <a:effectLst/>
+            </c:spPr>
+          </c:dPt>
+          <c:dPt>
+            <c:idx val="39"/>
+            <c:invertIfNegative val="0"/>
+            <c:bubble3D val="0"/>
+            <c:spPr>
+              <a:solidFill>
+                <a:srgbClr val="C00000"/>
+              </a:solidFill>
+              <a:ln>
+                <a:noFill/>
+              </a:ln>
+              <a:effectLst/>
+            </c:spPr>
+          </c:dPt>
+          <c:dPt>
+            <c:idx val="40"/>
+            <c:invertIfNegative val="0"/>
+            <c:bubble3D val="0"/>
+            <c:spPr>
+              <a:solidFill>
+                <a:srgbClr val="C00000"/>
+              </a:solidFill>
+              <a:ln>
+                <a:noFill/>
+              </a:ln>
+              <a:effectLst/>
+            </c:spPr>
+          </c:dPt>
+          <c:dPt>
+            <c:idx val="41"/>
+            <c:invertIfNegative val="0"/>
+            <c:bubble3D val="0"/>
+            <c:spPr>
+              <a:solidFill>
+                <a:srgbClr val="C00000"/>
+              </a:solidFill>
+              <a:ln>
+                <a:noFill/>
+              </a:ln>
+              <a:effectLst/>
+            </c:spPr>
+          </c:dPt>
+          <c:dPt>
+            <c:idx val="42"/>
+            <c:invertIfNegative val="0"/>
+            <c:bubble3D val="0"/>
+            <c:spPr>
+              <a:solidFill>
+                <a:srgbClr val="C00000"/>
+              </a:solidFill>
+              <a:ln>
+                <a:noFill/>
+              </a:ln>
+              <a:effectLst/>
+            </c:spPr>
+          </c:dPt>
+          <c:dPt>
+            <c:idx val="43"/>
+            <c:invertIfNegative val="0"/>
+            <c:bubble3D val="0"/>
+            <c:spPr>
+              <a:solidFill>
+                <a:srgbClr val="C00000"/>
+              </a:solidFill>
+              <a:ln>
+                <a:noFill/>
+              </a:ln>
+              <a:effectLst/>
+            </c:spPr>
+          </c:dPt>
+          <c:dPt>
+            <c:idx val="44"/>
+            <c:invertIfNegative val="0"/>
+            <c:bubble3D val="0"/>
+            <c:spPr>
+              <a:solidFill>
+                <a:srgbClr val="C00000"/>
+              </a:solidFill>
+              <a:ln>
+                <a:noFill/>
+              </a:ln>
+              <a:effectLst/>
+            </c:spPr>
+          </c:dPt>
+          <c:dPt>
+            <c:idx val="45"/>
+            <c:invertIfNegative val="0"/>
+            <c:bubble3D val="0"/>
+            <c:spPr>
+              <a:solidFill>
+                <a:srgbClr val="C00000"/>
+              </a:solidFill>
+              <a:ln>
+                <a:noFill/>
+              </a:ln>
+              <a:effectLst/>
+            </c:spPr>
+          </c:dPt>
+          <c:dPt>
+            <c:idx val="46"/>
+            <c:invertIfNegative val="0"/>
+            <c:bubble3D val="0"/>
+            <c:spPr>
+              <a:solidFill>
+                <a:srgbClr val="C00000"/>
+              </a:solidFill>
+              <a:ln>
+                <a:noFill/>
+              </a:ln>
+              <a:effectLst/>
+            </c:spPr>
+          </c:dPt>
+          <c:dPt>
+            <c:idx val="47"/>
+            <c:invertIfNegative val="0"/>
+            <c:bubble3D val="0"/>
+            <c:spPr>
+              <a:solidFill>
+                <a:srgbClr val="C00000"/>
+              </a:solidFill>
+              <a:ln>
+                <a:noFill/>
+              </a:ln>
+              <a:effectLst/>
+            </c:spPr>
+          </c:dPt>
+          <c:dPt>
+            <c:idx val="48"/>
+            <c:invertIfNegative val="0"/>
+            <c:bubble3D val="0"/>
+            <c:spPr>
+              <a:solidFill>
+                <a:srgbClr val="C00000"/>
+              </a:solidFill>
+              <a:ln>
+                <a:noFill/>
+              </a:ln>
+              <a:effectLst/>
+            </c:spPr>
+          </c:dPt>
+          <c:dPt>
+            <c:idx val="49"/>
+            <c:invertIfNegative val="0"/>
+            <c:bubble3D val="0"/>
+            <c:spPr>
+              <a:solidFill>
+                <a:srgbClr val="C00000"/>
+              </a:solidFill>
+              <a:ln>
+                <a:noFill/>
+              </a:ln>
+              <a:effectLst/>
+            </c:spPr>
+          </c:dPt>
+          <c:cat>
+            <c:strRef>
+              <c:f>GCUPS!$L$4:$L$53</c:f>
+              <c:strCache>
+                <c:ptCount val="50"/>
+                <c:pt idx="0">
+                  <c:v>P10_ASFWA</c:v>
+                </c:pt>
+                <c:pt idx="1">
+                  <c:v>PRGJ_SALTY</c:v>
+                </c:pt>
+                <c:pt idx="2">
+                  <c:v>H6_ONCMY</c:v>
+                </c:pt>
+                <c:pt idx="3">
+                  <c:v>MT2H_BOVIN</c:v>
+                </c:pt>
+                <c:pt idx="4">
+                  <c:v>RS18_METPP</c:v>
+                </c:pt>
+                <c:pt idx="5">
+                  <c:v>YAEH_SALTY</c:v>
+                </c:pt>
+                <c:pt idx="6">
+                  <c:v>PROF1_STRPU</c:v>
+                </c:pt>
+                <c:pt idx="7">
+                  <c:v>RS14_ACICJ</c:v>
+                </c:pt>
+                <c:pt idx="8">
+                  <c:v>YO13_BPHC1</c:v>
+                </c:pt>
+                <c:pt idx="9">
+                  <c:v>BP40_BPPHE</c:v>
+                </c:pt>
+                <c:pt idx="10">
+                  <c:v>SPEH_BACCN</c:v>
+                </c:pt>
+                <c:pt idx="11">
+                  <c:v>GCSH_BORA1</c:v>
+                </c:pt>
+                <c:pt idx="12">
+                  <c:v>EMC4_HUMAN</c:v>
+                </c:pt>
+                <c:pt idx="13">
+                  <c:v>RM11_RECAM</c:v>
+                </c:pt>
+                <c:pt idx="14">
+                  <c:v>MSCL_HAEDU</c:v>
+                </c:pt>
+                <c:pt idx="15">
+                  <c:v>RS5_ANAMM</c:v>
+                </c:pt>
+                <c:pt idx="16">
+                  <c:v>NTPA_BRASB</c:v>
+                </c:pt>
+                <c:pt idx="17">
+                  <c:v>KDUI_YERE8</c:v>
+                </c:pt>
+                <c:pt idx="18">
+                  <c:v>PIMT_SHIB3</c:v>
+                </c:pt>
+                <c:pt idx="19">
+                  <c:v>RBL_PINPS</c:v>
+                </c:pt>
+                <c:pt idx="20">
+                  <c:v>RS3_AGRRK</c:v>
+                </c:pt>
+                <c:pt idx="21">
+                  <c:v>LEXA_RHORT</c:v>
+                </c:pt>
+                <c:pt idx="22">
+                  <c:v>EFTS_HAHCH</c:v>
+                </c:pt>
+                <c:pt idx="23">
+                  <c:v>META_SYNP6</c:v>
+                </c:pt>
+                <c:pt idx="24">
+                  <c:v>KCD15_HUMAN</c:v>
+                </c:pt>
+                <c:pt idx="25">
+                  <c:v>Y5318_PSEAB</c:v>
+                </c:pt>
+                <c:pt idx="26">
+                  <c:v>HTPX_BURP0</c:v>
+                </c:pt>
+                <c:pt idx="27">
+                  <c:v>HTPX_SERP5</c:v>
+                </c:pt>
+                <c:pt idx="28">
+                  <c:v>QUEA_BACMF</c:v>
+                </c:pt>
+                <c:pt idx="29">
+                  <c:v>PYRK_METAC</c:v>
+                </c:pt>
+                <c:pt idx="30">
+                  <c:v>TRG_CUPNH</c:v>
+                </c:pt>
+                <c:pt idx="31">
+                  <c:v>TLX3_HUMAN</c:v>
+                </c:pt>
+                <c:pt idx="32">
+                  <c:v>PUR9_CLOBL</c:v>
+                </c:pt>
+                <c:pt idx="33">
+                  <c:v>SYE1_BRUSU</c:v>
+                </c:pt>
+                <c:pt idx="34">
+                  <c:v>FDFT_USTMA</c:v>
+                </c:pt>
+                <c:pt idx="35">
+                  <c:v>RIMO_BDEBA</c:v>
+                </c:pt>
+                <c:pt idx="36">
+                  <c:v>OPSV_ORYLA</c:v>
+                </c:pt>
+                <c:pt idx="37">
+                  <c:v>CYSK_YEAST</c:v>
+                </c:pt>
+                <c:pt idx="38">
+                  <c:v>GLGC_BURP8</c:v>
+                </c:pt>
+                <c:pt idx="39">
+                  <c:v>ECM14_LEPMJ</c:v>
+                </c:pt>
+                <c:pt idx="40">
+                  <c:v>SMAG1_RAT</c:v>
+                </c:pt>
+                <c:pt idx="41">
+                  <c:v>MURD_CUPMC</c:v>
+                </c:pt>
+                <c:pt idx="42">
+                  <c:v>SYC_BURCC</c:v>
+                </c:pt>
+                <c:pt idx="43">
+                  <c:v>RMLB_MYCTO</c:v>
+                </c:pt>
+                <c:pt idx="44">
+                  <c:v>MNME_PSYIN</c:v>
+                </c:pt>
+                <c:pt idx="45">
+                  <c:v>XYNA_THEMA</c:v>
+                </c:pt>
+                <c:pt idx="46">
+                  <c:v>CLPB_ECOL6</c:v>
+                </c:pt>
+                <c:pt idx="47">
+                  <c:v>FTSH3_ORYSJ</c:v>
+                </c:pt>
+                <c:pt idx="48">
+                  <c:v>EVI1B_XENLA</c:v>
+                </c:pt>
+                <c:pt idx="49">
+                  <c:v>XYLG_YERPA</c:v>
+                </c:pt>
+              </c:strCache>
+            </c:strRef>
+          </c:cat>
+          <c:val>
+            <c:numRef>
+              <c:f>GCUPS!$N$4:$N$53</c:f>
+              <c:numCache>
+                <c:formatCode>General</c:formatCode>
+                <c:ptCount val="50"/>
+                <c:pt idx="0">
+                  <c:v>0.464268</c:v>
+                </c:pt>
+                <c:pt idx="1">
+                  <c:v>0.500252</c:v>
+                </c:pt>
+                <c:pt idx="2">
+                  <c:v>0.491999</c:v>
+                </c:pt>
+                <c:pt idx="3">
+                  <c:v>0.490646</c:v>
+                </c:pt>
+                <c:pt idx="4">
+                  <c:v>0.51535</c:v>
+                </c:pt>
+                <c:pt idx="5">
+                  <c:v>0.552952</c:v>
+                </c:pt>
+                <c:pt idx="6">
+                  <c:v>0.553338</c:v>
+                </c:pt>
+                <c:pt idx="7">
+                  <c:v>0.574846</c:v>
+                </c:pt>
+                <c:pt idx="8">
+                  <c:v>0.614428</c:v>
+                </c:pt>
+                <c:pt idx="9">
+                  <c:v>0.599425</c:v>
+                </c:pt>
+                <c:pt idx="10">
+                  <c:v>0.622276</c:v>
+                </c:pt>
+                <c:pt idx="11">
+                  <c:v>0.660475</c:v>
+                </c:pt>
+                <c:pt idx="12">
+                  <c:v>0.614578</c:v>
+                </c:pt>
+                <c:pt idx="13">
+                  <c:v>0.608222</c:v>
+                </c:pt>
+                <c:pt idx="14">
+                  <c:v>0.681143</c:v>
+                </c:pt>
+                <c:pt idx="15">
+                  <c:v>0.694641</c:v>
+                </c:pt>
+                <c:pt idx="16">
+                  <c:v>0.797164</c:v>
+                </c:pt>
+                <c:pt idx="17">
+                  <c:v>0.920379</c:v>
+                </c:pt>
+                <c:pt idx="18">
+                  <c:v>0.917958</c:v>
+                </c:pt>
+                <c:pt idx="19">
+                  <c:v>0.616689</c:v>
+                </c:pt>
+                <c:pt idx="20">
+                  <c:v>0.970972</c:v>
+                </c:pt>
+                <c:pt idx="21">
+                  <c:v>1.004113</c:v>
+                </c:pt>
+                <c:pt idx="22">
+                  <c:v>1.013967</c:v>
+                </c:pt>
+                <c:pt idx="23">
+                  <c:v>1.053844</c:v>
+                </c:pt>
+                <c:pt idx="24">
+                  <c:v>1.063328</c:v>
+                </c:pt>
+                <c:pt idx="25">
+                  <c:v>1.154562</c:v>
+                </c:pt>
+                <c:pt idx="26">
+                  <c:v>1.164104</c:v>
+                </c:pt>
+                <c:pt idx="27">
+                  <c:v>1.184835</c:v>
+                </c:pt>
+                <c:pt idx="28">
+                  <c:v>1.222619</c:v>
+                </c:pt>
+                <c:pt idx="29">
+                  <c:v>1.176832</c:v>
+                </c:pt>
+                <c:pt idx="30">
+                  <c:v>1.234729</c:v>
+                </c:pt>
+                <c:pt idx="31">
+                  <c:v>1.240837</c:v>
+                </c:pt>
+                <c:pt idx="32">
+                  <c:v>1.533684</c:v>
+                </c:pt>
+                <c:pt idx="33">
+                  <c:v>1.587737</c:v>
+                </c:pt>
+                <c:pt idx="34">
+                  <c:v>1.639639</c:v>
+                </c:pt>
+                <c:pt idx="35">
+                  <c:v>1.618014</c:v>
+                </c:pt>
+                <c:pt idx="36">
+                  <c:v>1.364681</c:v>
+                </c:pt>
+                <c:pt idx="37">
+                  <c:v>1.707625</c:v>
+                </c:pt>
+                <c:pt idx="38">
+                  <c:v>1.630603</c:v>
+                </c:pt>
+                <c:pt idx="39">
+                  <c:v>1.713314</c:v>
+                </c:pt>
+                <c:pt idx="40">
+                  <c:v>1.721819</c:v>
+                </c:pt>
+                <c:pt idx="41">
+                  <c:v>2.045005</c:v>
+                </c:pt>
+                <c:pt idx="42">
+                  <c:v>2.107503</c:v>
+                </c:pt>
+                <c:pt idx="43">
+                  <c:v>1.88189</c:v>
+                </c:pt>
+                <c:pt idx="44">
+                  <c:v>2.152599</c:v>
+                </c:pt>
+                <c:pt idx="45">
+                  <c:v>2.986497</c:v>
+                </c:pt>
+                <c:pt idx="46">
+                  <c:v>4.2197</c:v>
+                </c:pt>
+                <c:pt idx="47">
+                  <c:v>4.55598</c:v>
+                </c:pt>
+                <c:pt idx="48">
+                  <c:v>4.164071</c:v>
+                </c:pt>
+                <c:pt idx="49">
+                  <c:v>10.060313</c:v>
+                </c:pt>
+              </c:numCache>
+            </c:numRef>
+          </c:val>
+        </c:ser>
+        <c:dLbls>
+          <c:showLegendKey val="0"/>
+          <c:showVal val="0"/>
+          <c:showCatName val="0"/>
+          <c:showSerName val="0"/>
+          <c:showPercent val="0"/>
+          <c:showBubbleSize val="0"/>
+        </c:dLbls>
+        <c:gapWidth val="219"/>
+        <c:overlap val="-27"/>
+        <c:axId val="1262122944"/>
+        <c:axId val="1262063408"/>
+      </c:barChart>
+      <c:catAx>
+        <c:axId val="1262122944"/>
+        <c:scaling>
+          <c:orientation val="minMax"/>
+        </c:scaling>
+        <c:delete val="0"/>
+        <c:axPos val="b"/>
+        <c:title>
+          <c:tx>
+            <c:rich>
+              <a:bodyPr rot="0" spcFirstLastPara="1" vertOverflow="ellipsis" vert="horz" wrap="square" anchor="ctr" anchorCtr="1"/>
+              <a:lstStyle/>
+              <a:p>
+                <a:pPr>
+                  <a:defRPr sz="1000" b="0" i="0" u="none" strike="noStrike" kern="1200" baseline="0">
+                    <a:solidFill>
+                      <a:schemeClr val="tx1">
+                        <a:lumMod val="65000"/>
+                        <a:lumOff val="35000"/>
+                      </a:schemeClr>
+                    </a:solidFill>
+                    <a:latin typeface="+mn-lt"/>
+                    <a:ea typeface="+mn-ea"/>
+                    <a:cs typeface="+mn-cs"/>
+                  </a:defRPr>
+                </a:pPr>
+                <a:r>
+                  <a:rPr lang="en-US" sz="1400" baseline="0" dirty="0"/>
+                  <a:t>HMM</a:t>
+                </a:r>
+              </a:p>
+            </c:rich>
+          </c:tx>
+          <c:layout/>
+          <c:overlay val="0"/>
+          <c:spPr>
+            <a:noFill/>
+            <a:ln>
+              <a:noFill/>
+            </a:ln>
+            <a:effectLst/>
+          </c:spPr>
+          <c:txPr>
+            <a:bodyPr rot="0" spcFirstLastPara="1" vertOverflow="ellipsis" vert="horz" wrap="square" anchor="ctr" anchorCtr="1"/>
+            <a:lstStyle/>
+            <a:p>
+              <a:pPr>
+                <a:defRPr sz="1000" b="0" i="0" u="none" strike="noStrike" kern="1200" baseline="0">
+                  <a:solidFill>
+                    <a:schemeClr val="tx1">
+                      <a:lumMod val="65000"/>
+                      <a:lumOff val="35000"/>
+                    </a:schemeClr>
+                  </a:solidFill>
+                  <a:latin typeface="+mn-lt"/>
+                  <a:ea typeface="+mn-ea"/>
+                  <a:cs typeface="+mn-cs"/>
+                </a:defRPr>
+              </a:pPr>
+              <a:endParaRPr lang="en-US"/>
+            </a:p>
+          </c:txPr>
+        </c:title>
+        <c:numFmt formatCode="General" sourceLinked="1"/>
+        <c:majorTickMark val="none"/>
+        <c:minorTickMark val="none"/>
+        <c:tickLblPos val="nextTo"/>
+        <c:spPr>
+          <a:noFill/>
+          <a:ln w="9525" cap="flat" cmpd="sng" algn="ctr">
+            <a:solidFill>
+              <a:schemeClr val="tx1">
+                <a:lumMod val="15000"/>
+                <a:lumOff val="85000"/>
+              </a:schemeClr>
+            </a:solidFill>
+            <a:round/>
+          </a:ln>
+          <a:effectLst/>
+        </c:spPr>
+        <c:txPr>
+          <a:bodyPr rot="-60000000" spcFirstLastPara="1" vertOverflow="ellipsis" vert="horz" wrap="square" anchor="ctr" anchorCtr="1"/>
+          <a:lstStyle/>
+          <a:p>
+            <a:pPr>
+              <a:defRPr sz="1400" b="0" i="0" u="none" strike="noStrike" kern="1200" baseline="0">
+                <a:solidFill>
+                  <a:schemeClr val="tx1">
+                    <a:lumMod val="65000"/>
+                    <a:lumOff val="35000"/>
+                  </a:schemeClr>
+                </a:solidFill>
+                <a:latin typeface="+mn-lt"/>
+                <a:ea typeface="+mn-ea"/>
+                <a:cs typeface="+mn-cs"/>
+              </a:defRPr>
+            </a:pPr>
+            <a:endParaRPr lang="en-US"/>
+          </a:p>
+        </c:txPr>
+        <c:crossAx val="1262063408"/>
+        <c:crosses val="autoZero"/>
+        <c:auto val="1"/>
+        <c:lblAlgn val="ctr"/>
+        <c:lblOffset val="100"/>
+        <c:noMultiLvlLbl val="0"/>
+      </c:catAx>
+      <c:valAx>
+        <c:axId val="1262063408"/>
+        <c:scaling>
+          <c:orientation val="minMax"/>
+          <c:max val="10.6"/>
+          <c:min val="0.0"/>
+        </c:scaling>
+        <c:delete val="0"/>
+        <c:axPos val="l"/>
+        <c:majorGridlines>
+          <c:spPr>
+            <a:ln w="9525" cap="flat" cmpd="sng" algn="ctr">
+              <a:noFill/>
+              <a:round/>
+            </a:ln>
+            <a:effectLst/>
+          </c:spPr>
+        </c:majorGridlines>
+        <c:title>
+          <c:tx>
+            <c:rich>
+              <a:bodyPr rot="-5400000" spcFirstLastPara="1" vertOverflow="ellipsis" vert="horz" wrap="square" anchor="ctr" anchorCtr="1"/>
+              <a:lstStyle/>
+              <a:p>
+                <a:pPr>
+                  <a:defRPr sz="1400" b="0" i="0" u="none" strike="noStrike" kern="1200" baseline="0">
+                    <a:solidFill>
+                      <a:schemeClr val="tx1">
+                        <a:lumMod val="65000"/>
+                        <a:lumOff val="35000"/>
+                      </a:schemeClr>
+                    </a:solidFill>
+                    <a:latin typeface="+mn-lt"/>
+                    <a:ea typeface="+mn-ea"/>
+                    <a:cs typeface="+mn-cs"/>
+                  </a:defRPr>
+                </a:pPr>
+                <a:r>
+                  <a:rPr lang="en-US" sz="1400" baseline="0"/>
+                  <a:t>Time to Search Tara Oceans (s)</a:t>
+                </a:r>
+              </a:p>
+            </c:rich>
+          </c:tx>
+          <c:layout/>
+          <c:overlay val="0"/>
+          <c:spPr>
+            <a:noFill/>
+            <a:ln>
+              <a:noFill/>
+            </a:ln>
+            <a:effectLst/>
+          </c:spPr>
+          <c:txPr>
+            <a:bodyPr rot="-5400000" spcFirstLastPara="1" vertOverflow="ellipsis" vert="horz" wrap="square" anchor="ctr" anchorCtr="1"/>
+            <a:lstStyle/>
+            <a:p>
+              <a:pPr>
+                <a:defRPr sz="1400" b="0" i="0" u="none" strike="noStrike" kern="1200" baseline="0">
+                  <a:solidFill>
+                    <a:schemeClr val="tx1">
+                      <a:lumMod val="65000"/>
+                      <a:lumOff val="35000"/>
+                    </a:schemeClr>
+                  </a:solidFill>
+                  <a:latin typeface="+mn-lt"/>
+                  <a:ea typeface="+mn-ea"/>
+                  <a:cs typeface="+mn-cs"/>
+                </a:defRPr>
+              </a:pPr>
+              <a:endParaRPr lang="en-US"/>
+            </a:p>
+          </c:txPr>
+        </c:title>
+        <c:majorTickMark val="none"/>
+        <c:minorTickMark val="none"/>
+        <c:tickLblPos val="nextTo"/>
+        <c:spPr>
+          <a:noFill/>
+          <a:ln>
+            <a:noFill/>
+          </a:ln>
+          <a:effectLst/>
+        </c:spPr>
+        <c:txPr>
+          <a:bodyPr rot="-60000000" spcFirstLastPara="1" vertOverflow="ellipsis" vert="horz" wrap="square" anchor="ctr" anchorCtr="1"/>
+          <a:lstStyle/>
+          <a:p>
+            <a:pPr>
+              <a:defRPr sz="1400" b="0" i="0" u="none" strike="noStrike" kern="1200" baseline="0">
+                <a:solidFill>
+                  <a:schemeClr val="tx1">
+                    <a:lumMod val="65000"/>
+                    <a:lumOff val="35000"/>
+                  </a:schemeClr>
+                </a:solidFill>
+                <a:latin typeface="+mn-lt"/>
+                <a:ea typeface="+mn-ea"/>
+                <a:cs typeface="+mn-cs"/>
+              </a:defRPr>
+            </a:pPr>
+            <a:endParaRPr lang="en-US"/>
+          </a:p>
+        </c:txPr>
+        <c:crossAx val="1262122944"/>
+        <c:crosses val="autoZero"/>
+        <c:crossBetween val="between"/>
+      </c:valAx>
+      <c:spPr>
+        <a:noFill/>
+        <a:ln>
+          <a:noFill/>
+        </a:ln>
+        <a:effectLst/>
+      </c:spPr>
+    </c:plotArea>
+    <c:plotVisOnly val="1"/>
+    <c:dispBlanksAs val="gap"/>
+    <c:showDLblsOverMax val="0"/>
+  </c:chart>
+  <c:spPr>
+    <a:noFill/>
+    <a:ln>
+      <a:noFill/>
+    </a:ln>
+    <a:effectLst/>
+  </c:spPr>
+  <c:txPr>
+    <a:bodyPr/>
+    <a:lstStyle/>
+    <a:p>
+      <a:pPr>
+        <a:defRPr/>
+      </a:pPr>
+      <a:endParaRPr lang="en-US"/>
+    </a:p>
+  </c:txPr>
+  <c:externalData r:id="rId3">
+    <c:autoUpdate val="0"/>
+  </c:externalData>
+</c:chartSpace>
+</file>
+
+<file path=ppt/charts/chart3.xml><?xml version="1.0" encoding="utf-8"?>
+<c:chartSpace xmlns:c="http://schemas.openxmlformats.org/drawingml/2006/chart" xmlns:a="http://schemas.openxmlformats.org/drawingml/2006/main" xmlns:r="http://schemas.openxmlformats.org/officeDocument/2006/relationships">
+  <c:date1904 val="0"/>
+  <c:lang val="en-US"/>
+  <c:roundedCorners val="0"/>
+  <mc:AlternateContent xmlns:mc="http://schemas.openxmlformats.org/markup-compatibility/2006">
+    <mc:Choice xmlns:c14="http://schemas.microsoft.com/office/drawing/2007/8/2/chart" Requires="c14">
+      <c14:style val="102"/>
+    </mc:Choice>
+    <mc:Fallback>
+      <c:style val="2"/>
+    </mc:Fallback>
+  </mc:AlternateContent>
+  <c:chart>
+    <c:autoTitleDeleted val="0"/>
+    <c:plotArea>
+      <c:layout>
+        <c:manualLayout>
+          <c:layoutTarget val="inner"/>
+          <c:xMode val="edge"/>
+          <c:yMode val="edge"/>
+          <c:x val="0.0819970472440945"/>
+          <c:y val="0.0245192176538514"/>
+          <c:w val="0.907982611548556"/>
+          <c:h val="0.678582956524668"/>
+        </c:manualLayout>
+      </c:layout>
+      <c:barChart>
+        <c:barDir val="col"/>
+        <c:grouping val="clustered"/>
+        <c:varyColors val="0"/>
+        <c:ser>
+          <c:idx val="0"/>
+          <c:order val="0"/>
+          <c:tx>
+            <c:v>Uniprot_trembl</c:v>
+          </c:tx>
+          <c:spPr>
+            <a:solidFill>
+              <a:schemeClr val="accent6">
+                <a:lumMod val="60000"/>
+                <a:lumOff val="40000"/>
+              </a:schemeClr>
+            </a:solidFill>
+            <a:ln>
+              <a:noFill/>
+            </a:ln>
+            <a:effectLst/>
+          </c:spPr>
+          <c:invertIfNegative val="0"/>
+          <c:cat>
+            <c:strRef>
+              <c:f>GCUPS!$A$4:$A$53</c:f>
+              <c:strCache>
+                <c:ptCount val="50"/>
+                <c:pt idx="0">
+                  <c:v>P10_ASFWA</c:v>
+                </c:pt>
+                <c:pt idx="1">
+                  <c:v>PRGJ_SALTY</c:v>
+                </c:pt>
+                <c:pt idx="2">
+                  <c:v>H6_ONCMY</c:v>
+                </c:pt>
+                <c:pt idx="3">
+                  <c:v>MT2H_BOVIN</c:v>
+                </c:pt>
+                <c:pt idx="4">
+                  <c:v>RS18_METPP</c:v>
+                </c:pt>
+                <c:pt idx="5">
+                  <c:v>YAEH_SALTY</c:v>
+                </c:pt>
+                <c:pt idx="6">
+                  <c:v>PROF1_STRPU</c:v>
+                </c:pt>
+                <c:pt idx="7">
+                  <c:v>RS14_ACICJ</c:v>
+                </c:pt>
+                <c:pt idx="8">
+                  <c:v>YO13_BPHC1</c:v>
+                </c:pt>
+                <c:pt idx="9">
+                  <c:v>BP40_BPPHE</c:v>
+                </c:pt>
+                <c:pt idx="10">
+                  <c:v>SPEH_BACCN</c:v>
+                </c:pt>
+                <c:pt idx="11">
+                  <c:v>GCSH_BORA1</c:v>
+                </c:pt>
+                <c:pt idx="12">
+                  <c:v>EMC4_HUMAN</c:v>
+                </c:pt>
+                <c:pt idx="13">
+                  <c:v>RM11_RECAM</c:v>
+                </c:pt>
+                <c:pt idx="14">
+                  <c:v>MSCL_HAEDU</c:v>
+                </c:pt>
+                <c:pt idx="15">
+                  <c:v>RS5_ANAMM</c:v>
+                </c:pt>
+                <c:pt idx="16">
+                  <c:v>NTPA_BRASB</c:v>
+                </c:pt>
+                <c:pt idx="17">
+                  <c:v>KDUI_YERE8</c:v>
+                </c:pt>
+                <c:pt idx="18">
+                  <c:v>PIMT_SHIB3</c:v>
+                </c:pt>
+                <c:pt idx="19">
+                  <c:v>RBL_PINPS</c:v>
+                </c:pt>
+                <c:pt idx="20">
+                  <c:v>RS3_AGRRK</c:v>
+                </c:pt>
+                <c:pt idx="21">
+                  <c:v>LEXA_RHORT</c:v>
+                </c:pt>
+                <c:pt idx="22">
+                  <c:v>EFTS_HAHCH</c:v>
+                </c:pt>
+                <c:pt idx="23">
+                  <c:v>META_SYNP6</c:v>
+                </c:pt>
+                <c:pt idx="24">
+                  <c:v>KCD15_HUMAN</c:v>
+                </c:pt>
+                <c:pt idx="25">
+                  <c:v>Y5318_PSEAB</c:v>
+                </c:pt>
+                <c:pt idx="26">
+                  <c:v>HTPX_BURP0</c:v>
+                </c:pt>
+                <c:pt idx="27">
+                  <c:v>HTPX_SERP5</c:v>
+                </c:pt>
+                <c:pt idx="28">
+                  <c:v>QUEA_BACMF</c:v>
+                </c:pt>
+                <c:pt idx="29">
+                  <c:v>PYRK_METAC</c:v>
+                </c:pt>
+                <c:pt idx="30">
+                  <c:v>TRG_CUPNH</c:v>
+                </c:pt>
+                <c:pt idx="31">
+                  <c:v>TLX3_HUMAN</c:v>
+                </c:pt>
+                <c:pt idx="32">
+                  <c:v>PUR9_CLOBL</c:v>
+                </c:pt>
+                <c:pt idx="33">
+                  <c:v>SYE1_BRUSU</c:v>
+                </c:pt>
+                <c:pt idx="34">
+                  <c:v>FDFT_USTMA</c:v>
+                </c:pt>
+                <c:pt idx="35">
+                  <c:v>RIMO_BDEBA</c:v>
+                </c:pt>
+                <c:pt idx="36">
+                  <c:v>OPSV_ORYLA</c:v>
+                </c:pt>
+                <c:pt idx="37">
+                  <c:v>CYSK_YEAST</c:v>
+                </c:pt>
+                <c:pt idx="38">
+                  <c:v>GLGC_BURP8</c:v>
+                </c:pt>
+                <c:pt idx="39">
+                  <c:v>ECM14_LEPMJ</c:v>
+                </c:pt>
+                <c:pt idx="40">
+                  <c:v>SMAG1_RAT</c:v>
+                </c:pt>
+                <c:pt idx="41">
+                  <c:v>MURD_CUPMC</c:v>
+                </c:pt>
+                <c:pt idx="42">
+                  <c:v>SYC_BURCC</c:v>
+                </c:pt>
+                <c:pt idx="43">
+                  <c:v>RMLB_MYCTO</c:v>
+                </c:pt>
+                <c:pt idx="44">
+                  <c:v>MNME_PSYIN</c:v>
+                </c:pt>
+                <c:pt idx="45">
+                  <c:v>XYNA_THEMA</c:v>
+                </c:pt>
+                <c:pt idx="46">
+                  <c:v>CLPB_ECOL6</c:v>
+                </c:pt>
+                <c:pt idx="47">
+                  <c:v>FTSH3_ORYSJ</c:v>
+                </c:pt>
+                <c:pt idx="48">
+                  <c:v>EVI1B_XENLA</c:v>
+                </c:pt>
+                <c:pt idx="49">
+                  <c:v>XYLG_YERPA</c:v>
+                </c:pt>
+              </c:strCache>
+            </c:strRef>
+          </c:cat>
+          <c:val>
+            <c:numRef>
+              <c:f>GCUPS!$F$4:$F$53</c:f>
+              <c:numCache>
+                <c:formatCode>General</c:formatCode>
+                <c:ptCount val="50"/>
+                <c:pt idx="0">
+                  <c:v>6430.694377728669</c:v>
+                </c:pt>
+                <c:pt idx="1">
+                  <c:v>8126.887598847907</c:v>
+                </c:pt>
+                <c:pt idx="2">
+                  <c:v>5175.352530296706</c:v>
+                </c:pt>
+                <c:pt idx="3">
+                  <c:v>4445.82717985609</c:v>
+                </c:pt>
+                <c:pt idx="4">
+                  <c:v>6937.10523022071</c:v>
+                </c:pt>
+                <c:pt idx="5">
+                  <c:v>9013.878096312282</c:v>
+                </c:pt>
+                <c:pt idx="6">
+                  <c:v>9865.069659689196</c:v>
+                </c:pt>
+                <c:pt idx="7">
+                  <c:v>6881.503531800521</c:v>
+                </c:pt>
+                <c:pt idx="8">
+                  <c:v>11130.65822188137</c:v>
+                </c:pt>
+                <c:pt idx="9">
+                  <c:v>11472.13937719021</c:v>
+                </c:pt>
+                <c:pt idx="10">
+                  <c:v>8207.59863016612</c:v>
+                </c:pt>
+                <c:pt idx="11">
+                  <c:v>7879.625260183804</c:v>
+                </c:pt>
+                <c:pt idx="12">
+                  <c:v>11465.99041234015</c:v>
+                </c:pt>
+                <c:pt idx="13">
+                  <c:v>8835.745472786036</c:v>
+                </c:pt>
+                <c:pt idx="14">
+                  <c:v>7519.909475445146</c:v>
+                </c:pt>
+                <c:pt idx="15">
+                  <c:v>9747.607894333145</c:v>
+                </c:pt>
+                <c:pt idx="16">
+                  <c:v>10243.40633457021</c:v>
+                </c:pt>
+                <c:pt idx="17">
+                  <c:v>12184.03537652957</c:v>
+                </c:pt>
+                <c:pt idx="18">
+                  <c:v>9094.819435534358</c:v>
+                </c:pt>
+                <c:pt idx="19">
+                  <c:v>2023.21253756844</c:v>
+                </c:pt>
+                <c:pt idx="20">
+                  <c:v>9886.30082883572</c:v>
+                </c:pt>
+                <c:pt idx="21">
+                  <c:v>10198.35357876262</c:v>
+                </c:pt>
+                <c:pt idx="22">
+                  <c:v>11379.26043168626</c:v>
+                </c:pt>
+                <c:pt idx="23">
+                  <c:v>11412.9193394994</c:v>
+                </c:pt>
+                <c:pt idx="24">
+                  <c:v>10100.22887169211</c:v>
+                </c:pt>
+                <c:pt idx="25">
+                  <c:v>11056.23414394055</c:v>
+                </c:pt>
+                <c:pt idx="26">
+                  <c:v>9901.551780549957</c:v>
+                </c:pt>
+                <c:pt idx="27">
+                  <c:v>9932.01352585937</c:v>
+                </c:pt>
+                <c:pt idx="28">
+                  <c:v>11173.94891635614</c:v>
+                </c:pt>
+                <c:pt idx="29">
+                  <c:v>8398.303310577439</c:v>
+                </c:pt>
+                <c:pt idx="30">
+                  <c:v>7461.167266210432</c:v>
+                </c:pt>
+                <c:pt idx="31">
+                  <c:v>8266.347897998294</c:v>
+                </c:pt>
+                <c:pt idx="32">
+                  <c:v>13026.75142618764</c:v>
+                </c:pt>
+                <c:pt idx="33">
+                  <c:v>11573.51052861611</c:v>
+                </c:pt>
+                <c:pt idx="34">
+                  <c:v>14274.7054775474</c:v>
+                </c:pt>
+                <c:pt idx="35">
+                  <c:v>11380.10731991149</c:v>
+                </c:pt>
+                <c:pt idx="36">
+                  <c:v>8259.647594536536</c:v>
+                </c:pt>
+                <c:pt idx="37">
+                  <c:v>9496.361536942226</c:v>
+                </c:pt>
+                <c:pt idx="38">
+                  <c:v>10124.90353923206</c:v>
+                </c:pt>
+                <c:pt idx="39">
+                  <c:v>13217.86470163863</c:v>
+                </c:pt>
+                <c:pt idx="40">
+                  <c:v>13672.89676055769</c:v>
+                </c:pt>
+                <c:pt idx="41">
+                  <c:v>10343.17907807644</c:v>
+                </c:pt>
+                <c:pt idx="42">
+                  <c:v>9360.533092287535</c:v>
+                </c:pt>
+                <c:pt idx="43">
+                  <c:v>6581.466410638601</c:v>
+                </c:pt>
+                <c:pt idx="44">
+                  <c:v>8825.14577794883</c:v>
+                </c:pt>
+                <c:pt idx="45">
+                  <c:v>14323.40497159044</c:v>
+                </c:pt>
+                <c:pt idx="46">
+                  <c:v>8874.158720945874</c:v>
+                </c:pt>
+                <c:pt idx="47">
+                  <c:v>6981.192950333908</c:v>
+                </c:pt>
+                <c:pt idx="48">
+                  <c:v>8831.52086235985</c:v>
+                </c:pt>
+                <c:pt idx="49">
+                  <c:v>2140.796171285483</c:v>
+                </c:pt>
+              </c:numCache>
+            </c:numRef>
+          </c:val>
+        </c:ser>
+        <c:ser>
+          <c:idx val="1"/>
+          <c:order val="1"/>
+          <c:tx>
+            <c:v>Tara_oceans</c:v>
+          </c:tx>
+          <c:spPr>
+            <a:solidFill>
+              <a:srgbClr val="0070C0"/>
+            </a:solidFill>
+            <a:ln>
+              <a:noFill/>
+            </a:ln>
+            <a:effectLst/>
+          </c:spPr>
+          <c:invertIfNegative val="0"/>
+          <c:val>
+            <c:numRef>
+              <c:f>GCUPS!$Q$4:$Q$53</c:f>
+              <c:numCache>
+                <c:formatCode>General</c:formatCode>
+                <c:ptCount val="50"/>
+                <c:pt idx="0">
+                  <c:v>6997.501459898162</c:v>
+                </c:pt>
+                <c:pt idx="1">
+                  <c:v>8409.10326800892</c:v>
+                </c:pt>
+                <c:pt idx="2">
+                  <c:v>5925.854251654982</c:v>
+                </c:pt>
+                <c:pt idx="3">
+                  <c:v>5178.19878060353</c:v>
+                </c:pt>
+                <c:pt idx="4">
+                  <c:v>7758.648883065878</c:v>
+                </c:pt>
+                <c:pt idx="5">
+                  <c:v>9641.390697897828</c:v>
+                </c:pt>
+                <c:pt idx="6">
+                  <c:v>10688.45649923916</c:v>
+                </c:pt>
+                <c:pt idx="7">
+                  <c:v>7317.909019159914</c:v>
+                </c:pt>
+                <c:pt idx="8">
+                  <c:v>11727.14378974266</c:v>
+                </c:pt>
+                <c:pt idx="9">
+                  <c:v>12576.53108607082</c:v>
+                </c:pt>
+                <c:pt idx="10">
+                  <c:v>8701.165848658793</c:v>
+                </c:pt>
+                <c:pt idx="11">
+                  <c:v>7882.623344562624</c:v>
+                </c:pt>
+                <c:pt idx="12">
+                  <c:v>12401.98568240972</c:v>
+                </c:pt>
+                <c:pt idx="13">
+                  <c:v>9929.400380223009</c:v>
+                </c:pt>
+                <c:pt idx="14">
+                  <c:v>8132.620162468086</c:v>
+                </c:pt>
+                <c:pt idx="15">
+                  <c:v>10432.9224875468</c:v>
+                </c:pt>
+                <c:pt idx="16">
+                  <c:v>11181.0667802259</c:v>
+                </c:pt>
+                <c:pt idx="17">
+                  <c:v>12580.42290554652</c:v>
+                </c:pt>
+                <c:pt idx="18">
+                  <c:v>9437.515319245544</c:v>
+                </c:pt>
+                <c:pt idx="19">
+                  <c:v>3241.844513107903</c:v>
+                </c:pt>
+                <c:pt idx="20">
+                  <c:v>10337.78467344888</c:v>
+                </c:pt>
+                <c:pt idx="21">
+                  <c:v>10411.37950831032</c:v>
+                </c:pt>
+                <c:pt idx="22">
+                  <c:v>11747.87610958542</c:v>
+                </c:pt>
+                <c:pt idx="23">
+                  <c:v>11817.1298248811</c:v>
+                </c:pt>
+                <c:pt idx="24">
+                  <c:v>11085.01617518207</c:v>
+                </c:pt>
+                <c:pt idx="25">
+                  <c:v>11255.2327472548</c:v>
+                </c:pt>
+                <c:pt idx="26">
+                  <c:v>10196.94845991423</c:v>
+                </c:pt>
+                <c:pt idx="27">
+                  <c:v>10264.60218222453</c:v>
+                </c:pt>
+                <c:pt idx="28">
+                  <c:v>11650.70245757346</c:v>
+                </c:pt>
+                <c:pt idx="29">
+                  <c:v>9166.476739289888</c:v>
+                </c:pt>
+                <c:pt idx="30">
+                  <c:v>7792.15310215278</c:v>
+                </c:pt>
+                <c:pt idx="31">
+                  <c:v>9767.769434138408</c:v>
+                </c:pt>
+                <c:pt idx="32">
+                  <c:v>13551.32635456326</c:v>
+                </c:pt>
+                <c:pt idx="33">
+                  <c:v>11988.22209798978</c:v>
+                </c:pt>
+                <c:pt idx="34">
+                  <c:v>14529.97726354155</c:v>
+                </c:pt>
+                <c:pt idx="35">
+                  <c:v>11763.89313639808</c:v>
+                </c:pt>
+                <c:pt idx="36">
+                  <c:v>10193.71453559623</c:v>
+                </c:pt>
+                <c:pt idx="37">
+                  <c:v>9585.55341752668</c:v>
+                </c:pt>
+                <c:pt idx="38">
+                  <c:v>10779.07167239113</c:v>
+                </c:pt>
+                <c:pt idx="39">
+                  <c:v>13929.47678921902</c:v>
+                </c:pt>
+                <c:pt idx="40">
+                  <c:v>14755.68871587548</c:v>
+                </c:pt>
+                <c:pt idx="41">
+                  <c:v>10264.86655774044</c:v>
+                </c:pt>
+                <c:pt idx="42">
+                  <c:v>9189.711915484819</c:v>
+                </c:pt>
+                <c:pt idx="43">
+                  <c:v>7325.729947270032</c:v>
+                </c:pt>
+                <c:pt idx="44">
+                  <c:v>8803.703513167107</c:v>
+                </c:pt>
+                <c:pt idx="45">
+                  <c:v>14768.99770415038</c:v>
+                </c:pt>
+                <c:pt idx="46">
+                  <c:v>8458.94871208759</c:v>
+                </c:pt>
+                <c:pt idx="47">
+                  <c:v>7331.784729708208</c:v>
+                </c:pt>
+                <c:pt idx="48">
+                  <c:v>10502.39428900228</c:v>
+                </c:pt>
+                <c:pt idx="49">
+                  <c:v>2111.425824055375</c:v>
+                </c:pt>
+              </c:numCache>
+            </c:numRef>
+          </c:val>
+        </c:ser>
+        <c:dLbls>
+          <c:showLegendKey val="0"/>
+          <c:showVal val="0"/>
+          <c:showCatName val="0"/>
+          <c:showSerName val="0"/>
+          <c:showPercent val="0"/>
+          <c:showBubbleSize val="0"/>
+        </c:dLbls>
+        <c:gapWidth val="219"/>
+        <c:overlap val="-27"/>
+        <c:axId val="1300509216"/>
+        <c:axId val="1300511760"/>
+      </c:barChart>
+      <c:catAx>
+        <c:axId val="1300509216"/>
+        <c:scaling>
+          <c:orientation val="minMax"/>
+        </c:scaling>
+        <c:delete val="0"/>
+        <c:axPos val="b"/>
+        <c:title>
+          <c:tx>
+            <c:rich>
+              <a:bodyPr rot="0" spcFirstLastPara="1" vertOverflow="ellipsis" vert="horz" wrap="square" anchor="ctr" anchorCtr="1"/>
+              <a:lstStyle/>
+              <a:p>
+                <a:pPr>
+                  <a:defRPr sz="1400" b="0" i="0" u="none" strike="noStrike" kern="1200" baseline="0">
+                    <a:solidFill>
+                      <a:schemeClr val="tx1">
+                        <a:lumMod val="65000"/>
+                        <a:lumOff val="35000"/>
+                      </a:schemeClr>
+                    </a:solidFill>
+                    <a:latin typeface="+mn-lt"/>
+                    <a:ea typeface="+mn-ea"/>
+                    <a:cs typeface="+mn-cs"/>
+                  </a:defRPr>
+                </a:pPr>
+                <a:r>
+                  <a:rPr lang="en-US" sz="1400" baseline="0"/>
+                  <a:t>HMM</a:t>
+                </a:r>
+              </a:p>
+            </c:rich>
+          </c:tx>
+          <c:layout/>
+          <c:overlay val="0"/>
+          <c:spPr>
+            <a:noFill/>
+            <a:ln>
+              <a:noFill/>
+            </a:ln>
+            <a:effectLst/>
+          </c:spPr>
+          <c:txPr>
+            <a:bodyPr rot="0" spcFirstLastPara="1" vertOverflow="ellipsis" vert="horz" wrap="square" anchor="ctr" anchorCtr="1"/>
+            <a:lstStyle/>
+            <a:p>
+              <a:pPr>
+                <a:defRPr sz="1400" b="0" i="0" u="none" strike="noStrike" kern="1200" baseline="0">
+                  <a:solidFill>
+                    <a:schemeClr val="tx1">
+                      <a:lumMod val="65000"/>
+                      <a:lumOff val="35000"/>
+                    </a:schemeClr>
+                  </a:solidFill>
+                  <a:latin typeface="+mn-lt"/>
+                  <a:ea typeface="+mn-ea"/>
+                  <a:cs typeface="+mn-cs"/>
+                </a:defRPr>
+              </a:pPr>
+              <a:endParaRPr lang="en-US"/>
+            </a:p>
+          </c:txPr>
+        </c:title>
+        <c:numFmt formatCode="General" sourceLinked="1"/>
+        <c:majorTickMark val="none"/>
+        <c:minorTickMark val="none"/>
+        <c:tickLblPos val="nextTo"/>
+        <c:spPr>
+          <a:noFill/>
+          <a:ln w="9525" cap="flat" cmpd="sng" algn="ctr">
+            <a:solidFill>
+              <a:schemeClr val="tx1">
+                <a:lumMod val="15000"/>
+                <a:lumOff val="85000"/>
+              </a:schemeClr>
+            </a:solidFill>
+            <a:round/>
+          </a:ln>
+          <a:effectLst/>
+        </c:spPr>
+        <c:txPr>
+          <a:bodyPr rot="-60000000" spcFirstLastPara="1" vertOverflow="ellipsis" vert="horz" wrap="square" anchor="ctr" anchorCtr="1"/>
+          <a:lstStyle/>
+          <a:p>
+            <a:pPr>
+              <a:defRPr sz="1400" b="0" i="0" u="none" strike="noStrike" kern="1200" baseline="0">
+                <a:solidFill>
+                  <a:schemeClr val="tx1">
+                    <a:lumMod val="65000"/>
+                    <a:lumOff val="35000"/>
+                  </a:schemeClr>
+                </a:solidFill>
+                <a:latin typeface="+mn-lt"/>
+                <a:ea typeface="+mn-ea"/>
+                <a:cs typeface="+mn-cs"/>
+              </a:defRPr>
+            </a:pPr>
+            <a:endParaRPr lang="en-US"/>
+          </a:p>
+        </c:txPr>
+        <c:crossAx val="1300511760"/>
+        <c:crosses val="autoZero"/>
+        <c:auto val="1"/>
+        <c:lblAlgn val="ctr"/>
+        <c:lblOffset val="100"/>
+        <c:noMultiLvlLbl val="0"/>
+      </c:catAx>
+      <c:valAx>
+        <c:axId val="1300511760"/>
+        <c:scaling>
+          <c:orientation val="minMax"/>
+        </c:scaling>
+        <c:delete val="0"/>
+        <c:axPos val="l"/>
+        <c:majorGridlines>
+          <c:spPr>
+            <a:ln w="9525" cap="flat" cmpd="sng" algn="ctr">
+              <a:noFill/>
+              <a:round/>
+            </a:ln>
+            <a:effectLst/>
+          </c:spPr>
+        </c:majorGridlines>
+        <c:title>
+          <c:tx>
+            <c:rich>
+              <a:bodyPr rot="-5400000" spcFirstLastPara="1" vertOverflow="ellipsis" vert="horz" wrap="square" anchor="ctr" anchorCtr="1"/>
+              <a:lstStyle/>
+              <a:p>
+                <a:pPr>
+                  <a:defRPr sz="1400" b="0" i="0" u="none" strike="noStrike" kern="1200" baseline="0">
+                    <a:solidFill>
+                      <a:schemeClr val="tx1">
+                        <a:lumMod val="65000"/>
+                        <a:lumOff val="35000"/>
+                      </a:schemeClr>
+                    </a:solidFill>
+                    <a:latin typeface="+mn-lt"/>
+                    <a:ea typeface="+mn-ea"/>
+                    <a:cs typeface="+mn-cs"/>
+                  </a:defRPr>
+                </a:pPr>
+                <a:r>
+                  <a:rPr lang="en-US" sz="1400" baseline="0"/>
+                  <a:t>Billions of Cell Updates Per Second</a:t>
+                </a:r>
+              </a:p>
+            </c:rich>
+          </c:tx>
+          <c:layout/>
+          <c:overlay val="0"/>
+          <c:spPr>
+            <a:noFill/>
+            <a:ln>
+              <a:noFill/>
+            </a:ln>
+            <a:effectLst/>
+          </c:spPr>
+          <c:txPr>
+            <a:bodyPr rot="-5400000" spcFirstLastPara="1" vertOverflow="ellipsis" vert="horz" wrap="square" anchor="ctr" anchorCtr="1"/>
+            <a:lstStyle/>
+            <a:p>
+              <a:pPr>
+                <a:defRPr sz="1400" b="0" i="0" u="none" strike="noStrike" kern="1200" baseline="0">
+                  <a:solidFill>
+                    <a:schemeClr val="tx1">
+                      <a:lumMod val="65000"/>
+                      <a:lumOff val="35000"/>
+                    </a:schemeClr>
+                  </a:solidFill>
+                  <a:latin typeface="+mn-lt"/>
+                  <a:ea typeface="+mn-ea"/>
+                  <a:cs typeface="+mn-cs"/>
+                </a:defRPr>
+              </a:pPr>
+              <a:endParaRPr lang="en-US"/>
+            </a:p>
+          </c:txPr>
+        </c:title>
+        <c:majorTickMark val="none"/>
+        <c:minorTickMark val="none"/>
+        <c:tickLblPos val="nextTo"/>
+        <c:spPr>
+          <a:noFill/>
+          <a:ln>
+            <a:noFill/>
+          </a:ln>
+          <a:effectLst/>
+        </c:spPr>
+        <c:txPr>
+          <a:bodyPr rot="-60000000" spcFirstLastPara="1" vertOverflow="ellipsis" vert="horz" wrap="square" anchor="ctr" anchorCtr="1"/>
+          <a:lstStyle/>
+          <a:p>
+            <a:pPr>
+              <a:defRPr sz="1400" b="0" i="0" u="none" strike="noStrike" kern="1200" baseline="0">
+                <a:solidFill>
+                  <a:schemeClr val="tx1">
+                    <a:lumMod val="65000"/>
+                    <a:lumOff val="35000"/>
+                  </a:schemeClr>
+                </a:solidFill>
+                <a:latin typeface="+mn-lt"/>
+                <a:ea typeface="+mn-ea"/>
+                <a:cs typeface="+mn-cs"/>
+              </a:defRPr>
+            </a:pPr>
+            <a:endParaRPr lang="en-US"/>
+          </a:p>
+        </c:txPr>
+        <c:crossAx val="1300509216"/>
+        <c:crosses val="autoZero"/>
+        <c:crossBetween val="between"/>
+      </c:valAx>
+      <c:spPr>
+        <a:noFill/>
+        <a:ln>
+          <a:noFill/>
+        </a:ln>
+        <a:effectLst/>
+      </c:spPr>
+    </c:plotArea>
+    <c:legend>
+      <c:legendPos val="t"/>
+      <c:layout/>
+      <c:overlay val="0"/>
+      <c:spPr>
+        <a:noFill/>
+        <a:ln>
+          <a:noFill/>
+        </a:ln>
+        <a:effectLst/>
+      </c:spPr>
+      <c:txPr>
+        <a:bodyPr rot="0" spcFirstLastPara="1" vertOverflow="ellipsis" vert="horz" wrap="square" anchor="ctr" anchorCtr="1"/>
+        <a:lstStyle/>
+        <a:p>
+          <a:pPr>
+            <a:defRPr sz="1400" b="0" i="0" u="none" strike="noStrike" kern="1200" baseline="0">
+              <a:solidFill>
+                <a:schemeClr val="tx1">
+                  <a:lumMod val="65000"/>
+                  <a:lumOff val="35000"/>
+                </a:schemeClr>
+              </a:solidFill>
+              <a:latin typeface="+mn-lt"/>
+              <a:ea typeface="+mn-ea"/>
+              <a:cs typeface="+mn-cs"/>
+            </a:defRPr>
+          </a:pPr>
+          <a:endParaRPr lang="en-US"/>
+        </a:p>
+      </c:txPr>
+    </c:legend>
+    <c:plotVisOnly val="1"/>
+    <c:dispBlanksAs val="gap"/>
+    <c:showDLblsOverMax val="0"/>
+  </c:chart>
+  <c:spPr>
+    <a:noFill/>
+    <a:ln>
+      <a:noFill/>
+    </a:ln>
+    <a:effectLst/>
+  </c:spPr>
+  <c:txPr>
+    <a:bodyPr/>
+    <a:lstStyle/>
+    <a:p>
+      <a:pPr>
+        <a:defRPr/>
+      </a:pPr>
+      <a:endParaRPr lang="en-US"/>
+    </a:p>
+  </c:txPr>
+  <c:externalData r:id="rId3">
+    <c:autoUpdate val="0"/>
+  </c:externalData>
+</c:chartSpace>
+</file>
+
+<file path=ppt/charts/chart4.xml><?xml version="1.0" encoding="utf-8"?>
+<c:chartSpace xmlns:c="http://schemas.openxmlformats.org/drawingml/2006/chart" xmlns:a="http://schemas.openxmlformats.org/drawingml/2006/main" xmlns:r="http://schemas.openxmlformats.org/officeDocument/2006/relationships">
+  <c:date1904 val="0"/>
+  <c:lang val="en-US"/>
+  <c:roundedCorners val="0"/>
+  <mc:AlternateContent xmlns:mc="http://schemas.openxmlformats.org/markup-compatibility/2006">
+    <mc:Choice xmlns:c14="http://schemas.microsoft.com/office/drawing/2007/8/2/chart" Requires="c14">
+      <c14:style val="102"/>
+    </mc:Choice>
+    <mc:Fallback>
+      <c:style val="2"/>
+    </mc:Fallback>
+  </mc:AlternateContent>
+  <c:chart>
+    <c:autoTitleDeleted val="0"/>
+    <c:plotArea>
+      <c:layout>
+        <c:manualLayout>
+          <c:layoutTarget val="inner"/>
+          <c:xMode val="edge"/>
+          <c:yMode val="edge"/>
+          <c:x val="0.0525480147459938"/>
+          <c:y val="0.012485414590761"/>
+          <c:w val="0.933971268190905"/>
+          <c:h val="0.706235046543542"/>
+        </c:manualLayout>
+      </c:layout>
+      <c:barChart>
+        <c:barDir val="col"/>
+        <c:grouping val="clustered"/>
+        <c:varyColors val="0"/>
+        <c:ser>
+          <c:idx val="0"/>
+          <c:order val="0"/>
+          <c:tx>
+            <c:v>Uniprot_trembl</c:v>
+          </c:tx>
+          <c:spPr>
+            <a:solidFill>
+              <a:schemeClr val="accent6">
+                <a:lumMod val="60000"/>
+                <a:lumOff val="40000"/>
+              </a:schemeClr>
+            </a:solidFill>
+            <a:ln>
+              <a:noFill/>
+            </a:ln>
+            <a:effectLst/>
+          </c:spPr>
+          <c:invertIfNegative val="0"/>
+          <c:cat>
+            <c:strRef>
+              <c:f>GCUPS!$A$4:$A$53</c:f>
+              <c:strCache>
+                <c:ptCount val="50"/>
+                <c:pt idx="0">
+                  <c:v>P10_ASFWA</c:v>
+                </c:pt>
+                <c:pt idx="1">
+                  <c:v>PRGJ_SALTY</c:v>
+                </c:pt>
+                <c:pt idx="2">
+                  <c:v>H6_ONCMY</c:v>
+                </c:pt>
+                <c:pt idx="3">
+                  <c:v>MT2H_BOVIN</c:v>
+                </c:pt>
+                <c:pt idx="4">
+                  <c:v>RS18_METPP</c:v>
+                </c:pt>
+                <c:pt idx="5">
+                  <c:v>YAEH_SALTY</c:v>
+                </c:pt>
+                <c:pt idx="6">
+                  <c:v>PROF1_STRPU</c:v>
+                </c:pt>
+                <c:pt idx="7">
+                  <c:v>RS14_ACICJ</c:v>
+                </c:pt>
+                <c:pt idx="8">
+                  <c:v>YO13_BPHC1</c:v>
+                </c:pt>
+                <c:pt idx="9">
+                  <c:v>BP40_BPPHE</c:v>
+                </c:pt>
+                <c:pt idx="10">
+                  <c:v>SPEH_BACCN</c:v>
+                </c:pt>
+                <c:pt idx="11">
+                  <c:v>GCSH_BORA1</c:v>
+                </c:pt>
+                <c:pt idx="12">
+                  <c:v>EMC4_HUMAN</c:v>
+                </c:pt>
+                <c:pt idx="13">
+                  <c:v>RM11_RECAM</c:v>
+                </c:pt>
+                <c:pt idx="14">
+                  <c:v>MSCL_HAEDU</c:v>
+                </c:pt>
+                <c:pt idx="15">
+                  <c:v>RS5_ANAMM</c:v>
+                </c:pt>
+                <c:pt idx="16">
+                  <c:v>NTPA_BRASB</c:v>
+                </c:pt>
+                <c:pt idx="17">
+                  <c:v>KDUI_YERE8</c:v>
+                </c:pt>
+                <c:pt idx="18">
+                  <c:v>PIMT_SHIB3</c:v>
+                </c:pt>
+                <c:pt idx="19">
+                  <c:v>RBL_PINPS</c:v>
+                </c:pt>
+                <c:pt idx="20">
+                  <c:v>RS3_AGRRK</c:v>
+                </c:pt>
+                <c:pt idx="21">
+                  <c:v>LEXA_RHORT</c:v>
+                </c:pt>
+                <c:pt idx="22">
+                  <c:v>EFTS_HAHCH</c:v>
+                </c:pt>
+                <c:pt idx="23">
+                  <c:v>META_SYNP6</c:v>
+                </c:pt>
+                <c:pt idx="24">
+                  <c:v>KCD15_HUMAN</c:v>
+                </c:pt>
+                <c:pt idx="25">
+                  <c:v>Y5318_PSEAB</c:v>
+                </c:pt>
+                <c:pt idx="26">
+                  <c:v>HTPX_BURP0</c:v>
+                </c:pt>
+                <c:pt idx="27">
+                  <c:v>HTPX_SERP5</c:v>
+                </c:pt>
+                <c:pt idx="28">
+                  <c:v>QUEA_BACMF</c:v>
+                </c:pt>
+                <c:pt idx="29">
+                  <c:v>PYRK_METAC</c:v>
+                </c:pt>
+                <c:pt idx="30">
+                  <c:v>TRG_CUPNH</c:v>
+                </c:pt>
+                <c:pt idx="31">
+                  <c:v>TLX3_HUMAN</c:v>
+                </c:pt>
+                <c:pt idx="32">
+                  <c:v>PUR9_CLOBL</c:v>
+                </c:pt>
+                <c:pt idx="33">
+                  <c:v>SYE1_BRUSU</c:v>
+                </c:pt>
+                <c:pt idx="34">
+                  <c:v>FDFT_USTMA</c:v>
+                </c:pt>
+                <c:pt idx="35">
+                  <c:v>RIMO_BDEBA</c:v>
+                </c:pt>
+                <c:pt idx="36">
+                  <c:v>OPSV_ORYLA</c:v>
+                </c:pt>
+                <c:pt idx="37">
+                  <c:v>CYSK_YEAST</c:v>
+                </c:pt>
+                <c:pt idx="38">
+                  <c:v>GLGC_BURP8</c:v>
+                </c:pt>
+                <c:pt idx="39">
+                  <c:v>ECM14_LEPMJ</c:v>
+                </c:pt>
+                <c:pt idx="40">
+                  <c:v>SMAG1_RAT</c:v>
+                </c:pt>
+                <c:pt idx="41">
+                  <c:v>MURD_CUPMC</c:v>
+                </c:pt>
+                <c:pt idx="42">
+                  <c:v>SYC_BURCC</c:v>
+                </c:pt>
+                <c:pt idx="43">
+                  <c:v>RMLB_MYCTO</c:v>
+                </c:pt>
+                <c:pt idx="44">
+                  <c:v>MNME_PSYIN</c:v>
+                </c:pt>
+                <c:pt idx="45">
+                  <c:v>XYNA_THEMA</c:v>
+                </c:pt>
+                <c:pt idx="46">
+                  <c:v>CLPB_ECOL6</c:v>
+                </c:pt>
+                <c:pt idx="47">
+                  <c:v>FTSH3_ORYSJ</c:v>
+                </c:pt>
+                <c:pt idx="48">
+                  <c:v>EVI1B_XENLA</c:v>
+                </c:pt>
+                <c:pt idx="49">
+                  <c:v>XYLG_YERPA</c:v>
+                </c:pt>
+              </c:strCache>
+            </c:strRef>
+          </c:cat>
+          <c:val>
+            <c:numRef>
+              <c:f>GCUPS!$E$4:$E$53</c:f>
+              <c:numCache>
+                <c:formatCode>General</c:formatCode>
+                <c:ptCount val="50"/>
+                <c:pt idx="0">
+                  <c:v>19.5146295207708</c:v>
+                </c:pt>
+                <c:pt idx="1">
+                  <c:v>25.69192031685117</c:v>
+                </c:pt>
+                <c:pt idx="2">
+                  <c:v>16.11713705827119</c:v>
+                </c:pt>
+                <c:pt idx="3">
+                  <c:v>13.44713083059986</c:v>
+                </c:pt>
+                <c:pt idx="4">
+                  <c:v>24.15827934642302</c:v>
+                </c:pt>
+                <c:pt idx="5">
+                  <c:v>27.48223142697006</c:v>
+                </c:pt>
+                <c:pt idx="6">
+                  <c:v>30.42901854563858</c:v>
+                </c:pt>
+                <c:pt idx="7">
+                  <c:v>23.38255258511636</c:v>
+                </c:pt>
+                <c:pt idx="8">
+                  <c:v>34.0730742147902</c:v>
+                </c:pt>
+                <c:pt idx="9">
+                  <c:v>36.42207581656805</c:v>
+                </c:pt>
+                <c:pt idx="10">
+                  <c:v>26.01056318807848</c:v>
+                </c:pt>
+                <c:pt idx="11">
+                  <c:v>25.27018046493129</c:v>
+                </c:pt>
+                <c:pt idx="12">
+                  <c:v>34.25410996227121</c:v>
+                </c:pt>
+                <c:pt idx="13">
+                  <c:v>30.17896279204318</c:v>
+                </c:pt>
+                <c:pt idx="14">
+                  <c:v>24.24966713345036</c:v>
+                </c:pt>
+                <c:pt idx="15">
+                  <c:v>30.86494054346505</c:v>
+                </c:pt>
+                <c:pt idx="16">
+                  <c:v>31.53800021116481</c:v>
+                </c:pt>
+                <c:pt idx="17">
+                  <c:v>34.91020896272853</c:v>
+                </c:pt>
+                <c:pt idx="18">
+                  <c:v>28.36337346674045</c:v>
+                </c:pt>
+                <c:pt idx="19">
+                  <c:v>9.506300199282067</c:v>
+                </c:pt>
+                <c:pt idx="20">
+                  <c:v>30.15780107610194</c:v>
+                </c:pt>
+                <c:pt idx="21">
+                  <c:v>30.41259478192844</c:v>
+                </c:pt>
+                <c:pt idx="22">
+                  <c:v>34.12717587039654</c:v>
+                </c:pt>
+                <c:pt idx="23">
+                  <c:v>32.05682627842533</c:v>
+                </c:pt>
+                <c:pt idx="24">
+                  <c:v>27.99952069398844</c:v>
+                </c:pt>
+                <c:pt idx="25">
+                  <c:v>32.25172381052183</c:v>
+                </c:pt>
+                <c:pt idx="26">
+                  <c:v>28.91237868823466</c:v>
+                </c:pt>
+                <c:pt idx="27">
+                  <c:v>28.6175163750519</c:v>
+                </c:pt>
+                <c:pt idx="28">
+                  <c:v>32.44429659579158</c:v>
+                </c:pt>
+                <c:pt idx="29">
+                  <c:v>24.62095182241615</c:v>
+                </c:pt>
+                <c:pt idx="30">
+                  <c:v>22.88448593534025</c:v>
+                </c:pt>
+                <c:pt idx="31">
+                  <c:v>24.06279733702279</c:v>
+                </c:pt>
+                <c:pt idx="32">
+                  <c:v>37.92988822777533</c:v>
+                </c:pt>
+                <c:pt idx="33">
+                  <c:v>34.17898494375205</c:v>
+                </c:pt>
+                <c:pt idx="34">
+                  <c:v>40.19950435579695</c:v>
+                </c:pt>
+                <c:pt idx="35">
+                  <c:v>32.69244051851427</c:v>
+                </c:pt>
+                <c:pt idx="36">
+                  <c:v>25.0439719797565</c:v>
+                </c:pt>
+                <c:pt idx="37">
+                  <c:v>27.91107675788911</c:v>
+                </c:pt>
+                <c:pt idx="38">
+                  <c:v>29.47804838614983</c:v>
+                </c:pt>
+                <c:pt idx="39">
+                  <c:v>36.96033597829141</c:v>
+                </c:pt>
+                <c:pt idx="40">
+                  <c:v>39.74348556953792</c:v>
+                </c:pt>
+                <c:pt idx="41">
+                  <c:v>29.55500915134265</c:v>
+                </c:pt>
+                <c:pt idx="42">
+                  <c:v>26.24067120605791</c:v>
+                </c:pt>
+                <c:pt idx="43">
+                  <c:v>20.25869292649462</c:v>
+                </c:pt>
+                <c:pt idx="44">
+                  <c:v>24.90496619511644</c:v>
+                </c:pt>
+                <c:pt idx="45">
+                  <c:v>40.05102255279181</c:v>
+                </c:pt>
+                <c:pt idx="46">
+                  <c:v>23.95342854900451</c:v>
+                </c:pt>
+                <c:pt idx="47">
+                  <c:v>18.4644214322702</c:v>
+                </c:pt>
+                <c:pt idx="48">
+                  <c:v>23.62759301746458</c:v>
+                </c:pt>
+                <c:pt idx="49">
+                  <c:v>6.301175692455118</c:v>
+                </c:pt>
+              </c:numCache>
+            </c:numRef>
+          </c:val>
+        </c:ser>
+        <c:ser>
+          <c:idx val="1"/>
+          <c:order val="1"/>
+          <c:tx>
+            <c:v>Tara_oceans</c:v>
+          </c:tx>
+          <c:spPr>
+            <a:solidFill>
+              <a:srgbClr val="0070C0"/>
+            </a:solidFill>
+            <a:ln>
+              <a:noFill/>
+            </a:ln>
+            <a:effectLst/>
+          </c:spPr>
+          <c:invertIfNegative val="0"/>
+          <c:val>
+            <c:numRef>
+              <c:f>GCUPS!$P$4:$P$53</c:f>
+              <c:numCache>
+                <c:formatCode>General</c:formatCode>
+                <c:ptCount val="50"/>
+                <c:pt idx="0">
+                  <c:v>19.40160209362124</c:v>
+                </c:pt>
+                <c:pt idx="1">
+                  <c:v>25.08608491257838</c:v>
+                </c:pt>
+                <c:pt idx="2">
+                  <c:v>16.45068498813864</c:v>
+                </c:pt>
+                <c:pt idx="3">
+                  <c:v>14.50848366736478</c:v>
+                </c:pt>
+                <c:pt idx="4">
+                  <c:v>23.46711885656816</c:v>
+                </c:pt>
+                <c:pt idx="5">
+                  <c:v>27.71596547565961</c:v>
+                </c:pt>
+                <c:pt idx="6">
+                  <c:v>29.72577982543082</c:v>
+                </c:pt>
+                <c:pt idx="7">
+                  <c:v>22.7988866553541</c:v>
+                </c:pt>
+                <c:pt idx="8">
+                  <c:v>33.41807969678222</c:v>
+                </c:pt>
+                <c:pt idx="9">
+                  <c:v>36.24800729269587</c:v>
+                </c:pt>
+                <c:pt idx="10">
+                  <c:v>25.1237536769728</c:v>
+                </c:pt>
+                <c:pt idx="11">
+                  <c:v>23.49526547856176</c:v>
+                </c:pt>
+                <c:pt idx="12">
+                  <c:v>34.63024882535022</c:v>
+                </c:pt>
+                <c:pt idx="13">
+                  <c:v>29.80675299248109</c:v>
+                </c:pt>
+                <c:pt idx="14">
+                  <c:v>23.1428093842369</c:v>
+                </c:pt>
+                <c:pt idx="15">
+                  <c:v>30.41719722495596</c:v>
+                </c:pt>
+                <c:pt idx="16">
+                  <c:v>30.77375821031855</c:v>
+                </c:pt>
+                <c:pt idx="17">
+                  <c:v>34.29810166164712</c:v>
+                </c:pt>
+                <c:pt idx="18">
+                  <c:v>26.74836563642617</c:v>
+                </c:pt>
+                <c:pt idx="19">
+                  <c:v>11.03731970889886</c:v>
+                </c:pt>
+                <c:pt idx="20">
+                  <c:v>29.16519139478246</c:v>
+                </c:pt>
+                <c:pt idx="21">
+                  <c:v>29.17734466628326</c:v>
+                </c:pt>
+                <c:pt idx="22">
+                  <c:v>32.34700977689045</c:v>
+                </c:pt>
+                <c:pt idx="23">
+                  <c:v>32.1721536253939</c:v>
+                </c:pt>
+                <c:pt idx="24">
+                  <c:v>29.84793813999182</c:v>
+                </c:pt>
+                <c:pt idx="25">
+                  <c:v>31.35507626970109</c:v>
+                </c:pt>
+                <c:pt idx="26">
+                  <c:v>27.5208674857882</c:v>
+                </c:pt>
+                <c:pt idx="27">
+                  <c:v>28.20112658926147</c:v>
+                </c:pt>
+                <c:pt idx="28">
+                  <c:v>31.97981222863666</c:v>
+                </c:pt>
+                <c:pt idx="29">
+                  <c:v>25.04814477541094</c:v>
+                </c:pt>
+                <c:pt idx="30">
+                  <c:v>21.34870824097283</c:v>
+                </c:pt>
+                <c:pt idx="31">
+                  <c:v>25.86744798271716</c:v>
+                </c:pt>
+                <c:pt idx="32">
+                  <c:v>36.79178967877429</c:v>
+                </c:pt>
+                <c:pt idx="33">
+                  <c:v>32.81836203381381</c:v>
+                </c:pt>
+                <c:pt idx="34">
+                  <c:v>39.49020689601124</c:v>
+                </c:pt>
+                <c:pt idx="35">
+                  <c:v>31.5588643235945</c:v>
+                </c:pt>
+                <c:pt idx="36">
+                  <c:v>27.71447678298092</c:v>
+                </c:pt>
+                <c:pt idx="37">
+                  <c:v>25.94929924737677</c:v>
+                </c:pt>
+                <c:pt idx="38">
+                  <c:v>29.04916218316748</c:v>
+                </c:pt>
+                <c:pt idx="39">
+                  <c:v>37.85402352900654</c:v>
+                </c:pt>
+                <c:pt idx="40">
+                  <c:v>39.73076879988822</c:v>
+                </c:pt>
+                <c:pt idx="41">
+                  <c:v>27.34670257226885</c:v>
+                </c:pt>
+                <c:pt idx="42">
+                  <c:v>24.05229922394884</c:v>
+                </c:pt>
+                <c:pt idx="43">
+                  <c:v>19.51299373642519</c:v>
+                </c:pt>
+                <c:pt idx="44">
+                  <c:v>23.21310161901618</c:v>
+                </c:pt>
+                <c:pt idx="45">
+                  <c:v>40.35741906460357</c:v>
+                </c:pt>
+                <c:pt idx="46">
+                  <c:v>22.25591497571251</c:v>
+                </c:pt>
+                <c:pt idx="47">
+                  <c:v>19.03347904783562</c:v>
+                </c:pt>
+                <c:pt idx="48">
+                  <c:v>28.02815300346856</c:v>
+                </c:pt>
+                <c:pt idx="49">
+                  <c:v>5.511615888359779</c:v>
+                </c:pt>
+              </c:numCache>
+            </c:numRef>
+          </c:val>
+        </c:ser>
+        <c:dLbls>
+          <c:showLegendKey val="0"/>
+          <c:showVal val="0"/>
+          <c:showCatName val="0"/>
+          <c:showSerName val="0"/>
+          <c:showPercent val="0"/>
+          <c:showBubbleSize val="0"/>
+        </c:dLbls>
+        <c:gapWidth val="219"/>
+        <c:overlap val="-27"/>
+        <c:axId val="1301968160"/>
+        <c:axId val="1301970352"/>
+      </c:barChart>
+      <c:catAx>
+        <c:axId val="1301968160"/>
+        <c:scaling>
+          <c:orientation val="minMax"/>
+        </c:scaling>
+        <c:delete val="0"/>
+        <c:axPos val="b"/>
+        <c:title>
+          <c:tx>
+            <c:rich>
+              <a:bodyPr rot="0" spcFirstLastPara="1" vertOverflow="ellipsis" vert="horz" wrap="square" anchor="ctr" anchorCtr="1"/>
+              <a:lstStyle/>
+              <a:p>
+                <a:pPr>
+                  <a:defRPr sz="1400" b="0" i="0" u="none" strike="noStrike" kern="1200" baseline="0">
+                    <a:solidFill>
+                      <a:schemeClr val="tx1">
+                        <a:lumMod val="65000"/>
+                        <a:lumOff val="35000"/>
+                      </a:schemeClr>
+                    </a:solidFill>
+                    <a:latin typeface="+mn-lt"/>
+                    <a:ea typeface="+mn-ea"/>
+                    <a:cs typeface="+mn-cs"/>
+                  </a:defRPr>
+                </a:pPr>
+                <a:r>
+                  <a:rPr lang="en-US" sz="1400" baseline="0"/>
+                  <a:t>HMM</a:t>
+                </a:r>
+              </a:p>
+            </c:rich>
+          </c:tx>
+          <c:layout/>
+          <c:overlay val="0"/>
+          <c:spPr>
+            <a:noFill/>
+            <a:ln>
+              <a:noFill/>
+            </a:ln>
+            <a:effectLst/>
+          </c:spPr>
+          <c:txPr>
+            <a:bodyPr rot="0" spcFirstLastPara="1" vertOverflow="ellipsis" vert="horz" wrap="square" anchor="ctr" anchorCtr="1"/>
+            <a:lstStyle/>
+            <a:p>
+              <a:pPr>
+                <a:defRPr sz="1400" b="0" i="0" u="none" strike="noStrike" kern="1200" baseline="0">
+                  <a:solidFill>
+                    <a:schemeClr val="tx1">
+                      <a:lumMod val="65000"/>
+                      <a:lumOff val="35000"/>
+                    </a:schemeClr>
+                  </a:solidFill>
+                  <a:latin typeface="+mn-lt"/>
+                  <a:ea typeface="+mn-ea"/>
+                  <a:cs typeface="+mn-cs"/>
+                </a:defRPr>
+              </a:pPr>
+              <a:endParaRPr lang="en-US"/>
+            </a:p>
+          </c:txPr>
+        </c:title>
+        <c:numFmt formatCode="General" sourceLinked="1"/>
+        <c:majorTickMark val="none"/>
+        <c:minorTickMark val="none"/>
+        <c:tickLblPos val="nextTo"/>
+        <c:spPr>
+          <a:noFill/>
+          <a:ln w="9525" cap="flat" cmpd="sng" algn="ctr">
+            <a:solidFill>
+              <a:schemeClr val="tx1">
+                <a:lumMod val="15000"/>
+                <a:lumOff val="85000"/>
+              </a:schemeClr>
+            </a:solidFill>
+            <a:round/>
+          </a:ln>
+          <a:effectLst/>
+        </c:spPr>
+        <c:txPr>
+          <a:bodyPr rot="-60000000" spcFirstLastPara="1" vertOverflow="ellipsis" vert="horz" wrap="square" anchor="ctr" anchorCtr="1"/>
+          <a:lstStyle/>
+          <a:p>
+            <a:pPr>
+              <a:defRPr sz="1400" b="0" i="0" u="none" strike="noStrike" kern="1200" baseline="0">
+                <a:solidFill>
+                  <a:schemeClr val="tx1">
+                    <a:lumMod val="65000"/>
+                    <a:lumOff val="35000"/>
+                  </a:schemeClr>
+                </a:solidFill>
+                <a:latin typeface="+mn-lt"/>
+                <a:ea typeface="+mn-ea"/>
+                <a:cs typeface="+mn-cs"/>
+              </a:defRPr>
+            </a:pPr>
+            <a:endParaRPr lang="en-US"/>
+          </a:p>
+        </c:txPr>
+        <c:crossAx val="1301970352"/>
+        <c:crosses val="autoZero"/>
+        <c:auto val="1"/>
+        <c:lblAlgn val="ctr"/>
+        <c:lblOffset val="100"/>
+        <c:noMultiLvlLbl val="0"/>
+      </c:catAx>
+      <c:valAx>
+        <c:axId val="1301970352"/>
+        <c:scaling>
+          <c:orientation val="minMax"/>
+        </c:scaling>
+        <c:delete val="0"/>
+        <c:axPos val="l"/>
+        <c:majorGridlines>
+          <c:spPr>
+            <a:ln w="9525" cap="flat" cmpd="sng" algn="ctr">
+              <a:noFill/>
+              <a:round/>
+            </a:ln>
+            <a:effectLst/>
+          </c:spPr>
+        </c:majorGridlines>
+        <c:title>
+          <c:tx>
+            <c:rich>
+              <a:bodyPr rot="-5400000" spcFirstLastPara="1" vertOverflow="ellipsis" vert="horz" wrap="square" anchor="ctr" anchorCtr="1"/>
+              <a:lstStyle/>
+              <a:p>
+                <a:pPr>
+                  <a:defRPr sz="1400" b="0" i="0" u="none" strike="noStrike" kern="1200" baseline="0">
+                    <a:solidFill>
+                      <a:schemeClr val="tx1">
+                        <a:lumMod val="65000"/>
+                        <a:lumOff val="35000"/>
+                      </a:schemeClr>
+                    </a:solidFill>
+                    <a:latin typeface="+mn-lt"/>
+                    <a:ea typeface="+mn-ea"/>
+                    <a:cs typeface="+mn-cs"/>
+                  </a:defRPr>
+                </a:pPr>
+                <a:r>
+                  <a:rPr lang="en-US" sz="1400" baseline="0"/>
+                  <a:t>Billions of Cell Updates perSecond</a:t>
+                </a:r>
+              </a:p>
+            </c:rich>
+          </c:tx>
+          <c:layout/>
+          <c:overlay val="0"/>
+          <c:spPr>
+            <a:noFill/>
+            <a:ln>
+              <a:noFill/>
+            </a:ln>
+            <a:effectLst/>
+          </c:spPr>
+          <c:txPr>
+            <a:bodyPr rot="-5400000" spcFirstLastPara="1" vertOverflow="ellipsis" vert="horz" wrap="square" anchor="ctr" anchorCtr="1"/>
+            <a:lstStyle/>
+            <a:p>
+              <a:pPr>
+                <a:defRPr sz="1400" b="0" i="0" u="none" strike="noStrike" kern="1200" baseline="0">
+                  <a:solidFill>
+                    <a:schemeClr val="tx1">
+                      <a:lumMod val="65000"/>
+                      <a:lumOff val="35000"/>
+                    </a:schemeClr>
+                  </a:solidFill>
+                  <a:latin typeface="+mn-lt"/>
+                  <a:ea typeface="+mn-ea"/>
+                  <a:cs typeface="+mn-cs"/>
+                </a:defRPr>
+              </a:pPr>
+              <a:endParaRPr lang="en-US"/>
+            </a:p>
+          </c:txPr>
+        </c:title>
+        <c:majorTickMark val="none"/>
+        <c:minorTickMark val="none"/>
+        <c:tickLblPos val="nextTo"/>
+        <c:spPr>
+          <a:noFill/>
+          <a:ln>
+            <a:noFill/>
+          </a:ln>
+          <a:effectLst/>
+        </c:spPr>
+        <c:txPr>
+          <a:bodyPr rot="-60000000" spcFirstLastPara="1" vertOverflow="ellipsis" vert="horz" wrap="square" anchor="ctr" anchorCtr="1"/>
+          <a:lstStyle/>
+          <a:p>
+            <a:pPr>
+              <a:defRPr sz="1400" b="0" i="0" u="none" strike="noStrike" kern="1200" baseline="0">
+                <a:solidFill>
+                  <a:schemeClr val="tx1">
+                    <a:lumMod val="65000"/>
+                    <a:lumOff val="35000"/>
+                  </a:schemeClr>
+                </a:solidFill>
+                <a:latin typeface="+mn-lt"/>
+                <a:ea typeface="+mn-ea"/>
+                <a:cs typeface="+mn-cs"/>
+              </a:defRPr>
+            </a:pPr>
+            <a:endParaRPr lang="en-US"/>
+          </a:p>
+        </c:txPr>
+        <c:crossAx val="1301968160"/>
+        <c:crosses val="autoZero"/>
+        <c:crossBetween val="between"/>
+      </c:valAx>
+      <c:spPr>
+        <a:noFill/>
+        <a:ln>
+          <a:noFill/>
+        </a:ln>
+        <a:effectLst/>
+      </c:spPr>
+    </c:plotArea>
+    <c:legend>
+      <c:legendPos val="t"/>
+      <c:layout/>
+      <c:overlay val="0"/>
+      <c:spPr>
+        <a:noFill/>
+        <a:ln>
+          <a:noFill/>
+        </a:ln>
+        <a:effectLst/>
+      </c:spPr>
+      <c:txPr>
+        <a:bodyPr rot="0" spcFirstLastPara="1" vertOverflow="ellipsis" vert="horz" wrap="square" anchor="ctr" anchorCtr="1"/>
+        <a:lstStyle/>
+        <a:p>
+          <a:pPr>
+            <a:defRPr sz="1400" b="0" i="0" u="none" strike="noStrike" kern="1200" baseline="0">
+              <a:solidFill>
+                <a:schemeClr val="tx1">
+                  <a:lumMod val="65000"/>
+                  <a:lumOff val="35000"/>
+                </a:schemeClr>
+              </a:solidFill>
+              <a:latin typeface="+mn-lt"/>
+              <a:ea typeface="+mn-ea"/>
+              <a:cs typeface="+mn-cs"/>
+            </a:defRPr>
+          </a:pPr>
+          <a:endParaRPr lang="en-US"/>
+        </a:p>
+      </c:txPr>
+    </c:legend>
+    <c:plotVisOnly val="1"/>
+    <c:dispBlanksAs val="gap"/>
+    <c:showDLblsOverMax val="0"/>
+  </c:chart>
+  <c:spPr>
+    <a:noFill/>
+    <a:ln>
+      <a:noFill/>
+    </a:ln>
+    <a:effectLst/>
+  </c:spPr>
+  <c:txPr>
+    <a:bodyPr/>
+    <a:lstStyle/>
+    <a:p>
+      <a:pPr>
+        <a:defRPr/>
+      </a:pPr>
+      <a:endParaRPr lang="en-US"/>
+    </a:p>
+  </c:txPr>
+  <c:externalData r:id="rId3">
+    <c:autoUpdate val="0"/>
+  </c:externalData>
+</c:chartSpace>
+</file>
+
+<file path=ppt/charts/colors1.xml><?xml version="1.0" encoding="utf-8"?>
+<cs:colorStyle xmlns:cs="http://schemas.microsoft.com/office/drawing/2012/chartStyle" xmlns:a="http://schemas.openxmlformats.org/drawingml/2006/main" meth="cycle" id="10">
+  <a:schemeClr val="accent1"/>
+  <a:schemeClr val="accent2"/>
+  <a:schemeClr val="accent3"/>
+  <a:schemeClr val="accent4"/>
+  <a:schemeClr val="accent5"/>
+  <a:schemeClr val="accent6"/>
+  <cs:variation/>
+  <cs:variation>
+    <a:lumMod val="60000"/>
+  </cs:variation>
+  <cs:variation>
+    <a:lumMod val="80000"/>
+    <a:lumOff val="20000"/>
+  </cs:variation>
+  <cs:variation>
+    <a:lumMod val="80000"/>
+  </cs:variation>
+  <cs:variation>
+    <a:lumMod val="60000"/>
+    <a:lumOff val="40000"/>
+  </cs:variation>
+  <cs:variation>
+    <a:lumMod val="50000"/>
+  </cs:variation>
+  <cs:variation>
+    <a:lumMod val="70000"/>
+    <a:lumOff val="30000"/>
+  </cs:variation>
+  <cs:variation>
+    <a:lumMod val="70000"/>
+  </cs:variation>
+  <cs:variation>
+    <a:lumMod val="50000"/>
+    <a:lumOff val="50000"/>
+  </cs:variation>
+</cs:colorStyle>
+</file>
+
+<file path=ppt/charts/colors2.xml><?xml version="1.0" encoding="utf-8"?>
+<cs:colorStyle xmlns:cs="http://schemas.microsoft.com/office/drawing/2012/chartStyle" xmlns:a="http://schemas.openxmlformats.org/drawingml/2006/main" meth="cycle" id="10">
+  <a:schemeClr val="accent1"/>
+  <a:schemeClr val="accent2"/>
+  <a:schemeClr val="accent3"/>
+  <a:schemeClr val="accent4"/>
+  <a:schemeClr val="accent5"/>
+  <a:schemeClr val="accent6"/>
+  <cs:variation/>
+  <cs:variation>
+    <a:lumMod val="60000"/>
+  </cs:variation>
+  <cs:variation>
+    <a:lumMod val="80000"/>
+    <a:lumOff val="20000"/>
+  </cs:variation>
+  <cs:variation>
+    <a:lumMod val="80000"/>
+  </cs:variation>
+  <cs:variation>
+    <a:lumMod val="60000"/>
+    <a:lumOff val="40000"/>
+  </cs:variation>
+  <cs:variation>
+    <a:lumMod val="50000"/>
+  </cs:variation>
+  <cs:variation>
+    <a:lumMod val="70000"/>
+    <a:lumOff val="30000"/>
+  </cs:variation>
+  <cs:variation>
+    <a:lumMod val="70000"/>
+  </cs:variation>
+  <cs:variation>
+    <a:lumMod val="50000"/>
+    <a:lumOff val="50000"/>
+  </cs:variation>
+</cs:colorStyle>
+</file>
+
+<file path=ppt/charts/colors3.xml><?xml version="1.0" encoding="utf-8"?>
+<cs:colorStyle xmlns:cs="http://schemas.microsoft.com/office/drawing/2012/chartStyle" xmlns:a="http://schemas.openxmlformats.org/drawingml/2006/main" meth="cycle" id="10">
+  <a:schemeClr val="accent1"/>
+  <a:schemeClr val="accent2"/>
+  <a:schemeClr val="accent3"/>
+  <a:schemeClr val="accent4"/>
+  <a:schemeClr val="accent5"/>
+  <a:schemeClr val="accent6"/>
+  <cs:variation/>
+  <cs:variation>
+    <a:lumMod val="60000"/>
+  </cs:variation>
+  <cs:variation>
+    <a:lumMod val="80000"/>
+    <a:lumOff val="20000"/>
+  </cs:variation>
+  <cs:variation>
+    <a:lumMod val="80000"/>
+  </cs:variation>
+  <cs:variation>
+    <a:lumMod val="60000"/>
+    <a:lumOff val="40000"/>
+  </cs:variation>
+  <cs:variation>
+    <a:lumMod val="50000"/>
+  </cs:variation>
+  <cs:variation>
+    <a:lumMod val="70000"/>
+    <a:lumOff val="30000"/>
+  </cs:variation>
+  <cs:variation>
+    <a:lumMod val="70000"/>
+  </cs:variation>
+  <cs:variation>
+    <a:lumMod val="50000"/>
+    <a:lumOff val="50000"/>
+  </cs:variation>
+</cs:colorStyle>
+</file>
+
+<file path=ppt/charts/colors4.xml><?xml version="1.0" encoding="utf-8"?>
+<cs:colorStyle xmlns:cs="http://schemas.microsoft.com/office/drawing/2012/chartStyle" xmlns:a="http://schemas.openxmlformats.org/drawingml/2006/main" meth="cycle" id="10">
+  <a:schemeClr val="accent1"/>
+  <a:schemeClr val="accent2"/>
+  <a:schemeClr val="accent3"/>
+  <a:schemeClr val="accent4"/>
+  <a:schemeClr val="accent5"/>
+  <a:schemeClr val="accent6"/>
+  <cs:variation/>
+  <cs:variation>
+    <a:lumMod val="60000"/>
+  </cs:variation>
+  <cs:variation>
+    <a:lumMod val="80000"/>
+    <a:lumOff val="20000"/>
+  </cs:variation>
+  <cs:variation>
+    <a:lumMod val="80000"/>
+  </cs:variation>
+  <cs:variation>
+    <a:lumMod val="60000"/>
+    <a:lumOff val="40000"/>
+  </cs:variation>
+  <cs:variation>
+    <a:lumMod val="50000"/>
+  </cs:variation>
+  <cs:variation>
+    <a:lumMod val="70000"/>
+    <a:lumOff val="30000"/>
+  </cs:variation>
+  <cs:variation>
+    <a:lumMod val="70000"/>
+  </cs:variation>
+  <cs:variation>
+    <a:lumMod val="50000"/>
+    <a:lumOff val="50000"/>
+  </cs:variation>
+</cs:colorStyle>
+</file>
+
+<file path=ppt/charts/style1.xml><?xml version="1.0" encoding="utf-8"?>
+<cs:chartStyle xmlns:cs="http://schemas.microsoft.com/office/drawing/2012/chartStyle" xmlns:a="http://schemas.openxmlformats.org/drawingml/2006/main" id="201">
+  <cs:axisTitle>
+    <cs:lnRef idx="0"/>
+    <cs:fillRef idx="0"/>
+    <cs:effectRef idx="0"/>
+    <cs:fontRef idx="minor">
+      <a:schemeClr val="tx1">
+        <a:lumMod val="65000"/>
+        <a:lumOff val="35000"/>
+      </a:schemeClr>
+    </cs:fontRef>
+    <cs:defRPr sz="1000" kern="1200"/>
+  </cs:axisTitle>
+  <cs:categoryAxis>
+    <cs:lnRef idx="0"/>
+    <cs:fillRef idx="0"/>
+    <cs:effectRef idx="0"/>
+    <cs:fontRef idx="minor">
+      <a:schemeClr val="tx1">
+        <a:lumMod val="65000"/>
+        <a:lumOff val="35000"/>
+      </a:schemeClr>
+    </cs:fontRef>
+    <cs:spPr>
+      <a:ln w="9525" cap="flat" cmpd="sng" algn="ctr">
+        <a:solidFill>
+          <a:schemeClr val="tx1">
+            <a:lumMod val="15000"/>
+            <a:lumOff val="85000"/>
+          </a:schemeClr>
+        </a:solidFill>
+        <a:round/>
+      </a:ln>
+    </cs:spPr>
+    <cs:defRPr sz="900" kern="1200"/>
+  </cs:categoryAxis>
+  <cs:chartArea mods="allowNoFillOverride allowNoLineOverride">
+    <cs:lnRef idx="0"/>
+    <cs:fillRef idx="0"/>
+    <cs:effectRef idx="0"/>
+    <cs:fontRef idx="minor">
+      <a:schemeClr val="tx1"/>
+    </cs:fontRef>
+    <cs:spPr>
+      <a:solidFill>
+        <a:schemeClr val="bg1"/>
+      </a:solidFill>
+      <a:ln w="9525" cap="flat" cmpd="sng" algn="ctr">
+        <a:solidFill>
+          <a:schemeClr val="tx1">
+            <a:lumMod val="15000"/>
+            <a:lumOff val="85000"/>
+          </a:schemeClr>
+        </a:solidFill>
+        <a:round/>
+      </a:ln>
+    </cs:spPr>
+    <cs:defRPr sz="1000" kern="1200"/>
+  </cs:chartArea>
+  <cs:dataLabel>
+    <cs:lnRef idx="0"/>
+    <cs:fillRef idx="0"/>
+    <cs:effectRef idx="0"/>
+    <cs:fontRef idx="minor">
+      <a:schemeClr val="tx1">
+        <a:lumMod val="75000"/>
+        <a:lumOff val="25000"/>
+      </a:schemeClr>
+    </cs:fontRef>
+    <cs:defRPr sz="900" kern="1200"/>
+  </cs:dataLabel>
+  <cs:dataLabelCallout>
+    <cs:lnRef idx="0"/>
+    <cs:fillRef idx="0"/>
+    <cs:effectRef idx="0"/>
+    <cs:fontRef idx="minor">
+      <a:schemeClr val="dk1">
+        <a:lumMod val="65000"/>
+        <a:lumOff val="35000"/>
+      </a:schemeClr>
+    </cs:fontRef>
+    <cs:spPr>
+      <a:solidFill>
+        <a:schemeClr val="lt1"/>
+      </a:solidFill>
+      <a:ln>
+        <a:solidFill>
+          <a:schemeClr val="dk1">
+            <a:lumMod val="25000"/>
+            <a:lumOff val="75000"/>
+          </a:schemeClr>
+        </a:solidFill>
+      </a:ln>
+    </cs:spPr>
+    <cs:defRPr sz="900" kern="1200"/>
+    <cs:bodyPr rot="0" spcFirstLastPara="1" vertOverflow="clip" horzOverflow="clip" vert="horz" wrap="square" lIns="36576" tIns="18288" rIns="36576" bIns="18288" anchor="ctr" anchorCtr="1">
+      <a:spAutoFit/>
+    </cs:bodyPr>
+  </cs:dataLabelCallout>
+  <cs:dataPoint>
+    <cs:lnRef idx="0"/>
+    <cs:fillRef idx="1">
+      <cs:styleClr val="auto"/>
+    </cs:fillRef>
+    <cs:effectRef idx="0"/>
+    <cs:fontRef idx="minor">
+      <a:schemeClr val="tx1"/>
+    </cs:fontRef>
+  </cs:dataPoint>
+  <cs:dataPoint3D>
+    <cs:lnRef idx="0"/>
+    <cs:fillRef idx="1">
+      <cs:styleClr val="auto"/>
+    </cs:fillRef>
+    <cs:effectRef idx="0"/>
+    <cs:fontRef idx="minor">
+      <a:schemeClr val="tx1"/>
+    </cs:fontRef>
+  </cs:dataPoint3D>
+  <cs:dataPointLine>
+    <cs:lnRef idx="0">
+      <cs:styleClr val="auto"/>
+    </cs:lnRef>
+    <cs:fillRef idx="1"/>
+    <cs:effectRef idx="0"/>
+    <cs:fontRef idx="minor">
+      <a:schemeClr val="tx1"/>
+    </cs:fontRef>
+    <cs:spPr>
+      <a:ln w="28575" cap="rnd">
+        <a:solidFill>
+          <a:schemeClr val="phClr"/>
+        </a:solidFill>
+        <a:round/>
+      </a:ln>
+    </cs:spPr>
+  </cs:dataPointLine>
+  <cs:dataPointMarker>
+    <cs:lnRef idx="0">
+      <cs:styleClr val="auto"/>
+    </cs:lnRef>
+    <cs:fillRef idx="1">
+      <cs:styleClr val="auto"/>
+    </cs:fillRef>
+    <cs:effectRef idx="0"/>
+    <cs:fontRef idx="minor">
+      <a:schemeClr val="tx1"/>
+    </cs:fontRef>
+    <cs:spPr>
+      <a:ln w="9525">
+        <a:solidFill>
+          <a:schemeClr val="phClr"/>
+        </a:solidFill>
+      </a:ln>
+    </cs:spPr>
+  </cs:dataPointMarker>
+  <cs:dataPointMarkerLayout symbol="circle" size="5"/>
+  <cs:dataPointWireframe>
+    <cs:lnRef idx="0">
+      <cs:styleClr val="auto"/>
+    </cs:lnRef>
+    <cs:fillRef idx="1"/>
+    <cs:effectRef idx="0"/>
+    <cs:fontRef idx="minor">
+      <a:schemeClr val="tx1"/>
+    </cs:fontRef>
+    <cs:spPr>
+      <a:ln w="9525" cap="rnd">
+        <a:solidFill>
+          <a:schemeClr val="phClr"/>
+        </a:solidFill>
+        <a:round/>
+      </a:ln>
+    </cs:spPr>
+  </cs:dataPointWireframe>
+  <cs:dataTable>
+    <cs:lnRef idx="0"/>
+    <cs:fillRef idx="0"/>
+    <cs:effectRef idx="0"/>
+    <cs:fontRef idx="minor">
+      <a:schemeClr val="tx1">
+        <a:lumMod val="65000"/>
+        <a:lumOff val="35000"/>
+      </a:schemeClr>
+    </cs:fontRef>
+    <cs:spPr>
+      <a:noFill/>
+      <a:ln w="9525" cap="flat" cmpd="sng" algn="ctr">
+        <a:solidFill>
+          <a:schemeClr val="tx1">
+            <a:lumMod val="15000"/>
+            <a:lumOff val="85000"/>
+          </a:schemeClr>
+        </a:solidFill>
+        <a:round/>
+      </a:ln>
+    </cs:spPr>
+    <cs:defRPr sz="900" kern="1200"/>
+  </cs:dataTable>
+  <cs:downBar>
+    <cs:lnRef idx="0"/>
+    <cs:fillRef idx="0"/>
+    <cs:effectRef idx="0"/>
+    <cs:fontRef idx="minor">
+      <a:schemeClr val="dk1"/>
+    </cs:fontRef>
+    <cs:spPr>
+      <a:solidFill>
+        <a:schemeClr val="dk1">
+          <a:lumMod val="65000"/>
+          <a:lumOff val="35000"/>
+        </a:schemeClr>
+      </a:solidFill>
+      <a:ln w="9525">
+        <a:solidFill>
+          <a:schemeClr val="tx1">
+            <a:lumMod val="65000"/>
+            <a:lumOff val="35000"/>
+          </a:schemeClr>
+        </a:solidFill>
+      </a:ln>
+    </cs:spPr>
+  </cs:downBar>
+  <cs:dropLine>
+    <cs:lnRef idx="0"/>
+    <cs:fillRef idx="0"/>
+    <cs:effectRef idx="0"/>
+    <cs:fontRef idx="minor">
+      <a:schemeClr val="tx1"/>
+    </cs:fontRef>
+    <cs:spPr>
+      <a:ln w="9525" cap="flat" cmpd="sng" algn="ctr">
+        <a:solidFill>
+          <a:schemeClr val="tx1">
+            <a:lumMod val="35000"/>
+            <a:lumOff val="65000"/>
+          </a:schemeClr>
+        </a:solidFill>
+        <a:round/>
+      </a:ln>
+    </cs:spPr>
+  </cs:dropLine>
+  <cs:errorBar>
+    <cs:lnRef idx="0"/>
+    <cs:fillRef idx="0"/>
+    <cs:effectRef idx="0"/>
+    <cs:fontRef idx="minor">
+      <a:schemeClr val="tx1"/>
+    </cs:fontRef>
+    <cs:spPr>
+      <a:ln w="9525" cap="flat" cmpd="sng" algn="ctr">
+        <a:solidFill>
+          <a:schemeClr val="tx1">
+            <a:lumMod val="65000"/>
+            <a:lumOff val="35000"/>
+          </a:schemeClr>
+        </a:solidFill>
+        <a:round/>
+      </a:ln>
+    </cs:spPr>
+  </cs:errorBar>
+  <cs:floor>
+    <cs:lnRef idx="0"/>
+    <cs:fillRef idx="0"/>
+    <cs:effectRef idx="0"/>
+    <cs:fontRef idx="minor">
+      <a:schemeClr val="tx1"/>
+    </cs:fontRef>
+    <cs:spPr>
+      <a:noFill/>
+      <a:ln>
+        <a:noFill/>
+      </a:ln>
+    </cs:spPr>
+  </cs:floor>
+  <cs:gridlineMajor>
+    <cs:lnRef idx="0"/>
+    <cs:fillRef idx="0"/>
+    <cs:effectRef idx="0"/>
+    <cs:fontRef idx="minor">
+      <a:schemeClr val="tx1"/>
+    </cs:fontRef>
+    <cs:spPr>
+      <a:ln w="9525" cap="flat" cmpd="sng" algn="ctr">
+        <a:solidFill>
+          <a:schemeClr val="tx1">
+            <a:lumMod val="15000"/>
+            <a:lumOff val="85000"/>
+          </a:schemeClr>
+        </a:solidFill>
+        <a:round/>
+      </a:ln>
+    </cs:spPr>
+  </cs:gridlineMajor>
+  <cs:gridlineMinor>
+    <cs:lnRef idx="0"/>
+    <cs:fillRef idx="0"/>
+    <cs:effectRef idx="0"/>
+    <cs:fontRef idx="minor">
+      <a:schemeClr val="tx1"/>
+    </cs:fontRef>
+    <cs:spPr>
+      <a:ln w="9525" cap="flat" cmpd="sng" algn="ctr">
+        <a:solidFill>
+          <a:schemeClr val="tx1">
+            <a:lumMod val="5000"/>
+            <a:lumOff val="95000"/>
+          </a:schemeClr>
+        </a:solidFill>
+        <a:round/>
+      </a:ln>
+    </cs:spPr>
+  </cs:gridlineMinor>
+  <cs:hiLoLine>
+    <cs:lnRef idx="0"/>
+    <cs:fillRef idx="0"/>
+    <cs:effectRef idx="0"/>
+    <cs:fontRef idx="minor">
+      <a:schemeClr val="tx1"/>
+    </cs:fontRef>
+    <cs:spPr>
+      <a:ln w="9525" cap="flat" cmpd="sng" algn="ctr">
+        <a:solidFill>
+          <a:schemeClr val="tx1">
+            <a:lumMod val="75000"/>
+            <a:lumOff val="25000"/>
+          </a:schemeClr>
+        </a:solidFill>
+        <a:round/>
+      </a:ln>
+    </cs:spPr>
+  </cs:hiLoLine>
+  <cs:leaderLine>
+    <cs:lnRef idx="0"/>
+    <cs:fillRef idx="0"/>
+    <cs:effectRef idx="0"/>
+    <cs:fontRef idx="minor">
+      <a:schemeClr val="tx1"/>
+    </cs:fontRef>
+    <cs:spPr>
+      <a:ln w="9525" cap="flat" cmpd="sng" algn="ctr">
+        <a:solidFill>
+          <a:schemeClr val="tx1">
+            <a:lumMod val="35000"/>
+            <a:lumOff val="65000"/>
+          </a:schemeClr>
+        </a:solidFill>
+        <a:round/>
+      </a:ln>
+    </cs:spPr>
+  </cs:leaderLine>
+  <cs:legend>
+    <cs:lnRef idx="0"/>
+    <cs:fillRef idx="0"/>
+    <cs:effectRef idx="0"/>
+    <cs:fontRef idx="minor">
+      <a:schemeClr val="tx1">
+        <a:lumMod val="65000"/>
+        <a:lumOff val="35000"/>
+      </a:schemeClr>
+    </cs:fontRef>
+    <cs:defRPr sz="900" kern="1200"/>
+  </cs:legend>
+  <cs:plotArea mods="allowNoFillOverride allowNoLineOverride">
+    <cs:lnRef idx="0"/>
+    <cs:fillRef idx="0"/>
+    <cs:effectRef idx="0"/>
+    <cs:fontRef idx="minor">
+      <a:schemeClr val="tx1"/>
+    </cs:fontRef>
+  </cs:plotArea>
+  <cs:plotArea3D mods="allowNoFillOverride allowNoLineOverride">
+    <cs:lnRef idx="0"/>
+    <cs:fillRef idx="0"/>
+    <cs:effectRef idx="0"/>
+    <cs:fontRef idx="minor">
+      <a:schemeClr val="tx1"/>
+    </cs:fontRef>
+  </cs:plotArea3D>
+  <cs:seriesAxis>
+    <cs:lnRef idx="0"/>
+    <cs:fillRef idx="0"/>
+    <cs:effectRef idx="0"/>
+    <cs:fontRef idx="minor">
+      <a:schemeClr val="tx1">
+        <a:lumMod val="65000"/>
+        <a:lumOff val="35000"/>
+      </a:schemeClr>
+    </cs:fontRef>
+    <cs:defRPr sz="900" kern="1200"/>
+  </cs:seriesAxis>
+  <cs:seriesLine>
+    <cs:lnRef idx="0"/>
+    <cs:fillRef idx="0"/>
+    <cs:effectRef idx="0"/>
+    <cs:fontRef idx="minor">
+      <a:schemeClr val="tx1"/>
+    </cs:fontRef>
+    <cs:spPr>
+      <a:ln w="9525" cap="flat" cmpd="sng" algn="ctr">
+        <a:solidFill>
+          <a:schemeClr val="tx1">
+            <a:lumMod val="35000"/>
+            <a:lumOff val="65000"/>
+          </a:schemeClr>
+        </a:solidFill>
+        <a:round/>
+      </a:ln>
+    </cs:spPr>
+  </cs:seriesLine>
+  <cs:title>
+    <cs:lnRef idx="0"/>
+    <cs:fillRef idx="0"/>
+    <cs:effectRef idx="0"/>
+    <cs:fontRef idx="minor">
+      <a:schemeClr val="tx1">
+        <a:lumMod val="65000"/>
+        <a:lumOff val="35000"/>
+      </a:schemeClr>
+    </cs:fontRef>
+    <cs:defRPr sz="1400" b="0" kern="1200" spc="0" baseline="0"/>
+  </cs:title>
+  <cs:trendline>
+    <cs:lnRef idx="0">
+      <cs:styleClr val="auto"/>
+    </cs:lnRef>
+    <cs:fillRef idx="0"/>
+    <cs:effectRef idx="0"/>
+    <cs:fontRef idx="minor">
+      <a:schemeClr val="tx1"/>
+    </cs:fontRef>
+    <cs:spPr>
+      <a:ln w="19050" cap="rnd">
+        <a:solidFill>
+          <a:schemeClr val="phClr"/>
+        </a:solidFill>
+        <a:prstDash val="sysDot"/>
+      </a:ln>
+    </cs:spPr>
+  </cs:trendline>
+  <cs:trendlineLabel>
+    <cs:lnRef idx="0"/>
+    <cs:fillRef idx="0"/>
+    <cs:effectRef idx="0"/>
+    <cs:fontRef idx="minor">
+      <a:schemeClr val="tx1">
+        <a:lumMod val="65000"/>
+        <a:lumOff val="35000"/>
+      </a:schemeClr>
+    </cs:fontRef>
+    <cs:defRPr sz="900" kern="1200"/>
+  </cs:trendlineLabel>
+  <cs:upBar>
+    <cs:lnRef idx="0"/>
+    <cs:fillRef idx="0"/>
+    <cs:effectRef idx="0"/>
+    <cs:fontRef idx="minor">
+      <a:schemeClr val="dk1"/>
+    </cs:fontRef>
+    <cs:spPr>
+      <a:solidFill>
+        <a:schemeClr val="lt1"/>
+      </a:solidFill>
+      <a:ln w="9525">
+        <a:solidFill>
+          <a:schemeClr val="tx1">
+            <a:lumMod val="15000"/>
+            <a:lumOff val="85000"/>
+          </a:schemeClr>
+        </a:solidFill>
+      </a:ln>
+    </cs:spPr>
+  </cs:upBar>
+  <cs:valueAxis>
+    <cs:lnRef idx="0"/>
+    <cs:fillRef idx="0"/>
+    <cs:effectRef idx="0"/>
+    <cs:fontRef idx="minor">
+      <a:schemeClr val="tx1">
+        <a:lumMod val="65000"/>
+        <a:lumOff val="35000"/>
+      </a:schemeClr>
+    </cs:fontRef>
+    <cs:defRPr sz="900" kern="1200"/>
+  </cs:valueAxis>
+  <cs:wall>
+    <cs:lnRef idx="0"/>
+    <cs:fillRef idx="0"/>
+    <cs:effectRef idx="0"/>
+    <cs:fontRef idx="minor">
+      <a:schemeClr val="tx1"/>
+    </cs:fontRef>
+    <cs:spPr>
+      <a:noFill/>
+      <a:ln>
+        <a:noFill/>
+      </a:ln>
+    </cs:spPr>
+  </cs:wall>
+</cs:chartStyle>
+</file>
+
+<file path=ppt/charts/style2.xml><?xml version="1.0" encoding="utf-8"?>
+<cs:chartStyle xmlns:cs="http://schemas.microsoft.com/office/drawing/2012/chartStyle" xmlns:a="http://schemas.openxmlformats.org/drawingml/2006/main" id="201">
+  <cs:axisTitle>
+    <cs:lnRef idx="0"/>
+    <cs:fillRef idx="0"/>
+    <cs:effectRef idx="0"/>
+    <cs:fontRef idx="minor">
+      <a:schemeClr val="tx1">
+        <a:lumMod val="65000"/>
+        <a:lumOff val="35000"/>
+      </a:schemeClr>
+    </cs:fontRef>
+    <cs:defRPr sz="1000" kern="1200"/>
+  </cs:axisTitle>
+  <cs:categoryAxis>
+    <cs:lnRef idx="0"/>
+    <cs:fillRef idx="0"/>
+    <cs:effectRef idx="0"/>
+    <cs:fontRef idx="minor">
+      <a:schemeClr val="tx1">
+        <a:lumMod val="65000"/>
+        <a:lumOff val="35000"/>
+      </a:schemeClr>
+    </cs:fontRef>
+    <cs:spPr>
+      <a:ln w="9525" cap="flat" cmpd="sng" algn="ctr">
+        <a:solidFill>
+          <a:schemeClr val="tx1">
+            <a:lumMod val="15000"/>
+            <a:lumOff val="85000"/>
+          </a:schemeClr>
+        </a:solidFill>
+        <a:round/>
+      </a:ln>
+    </cs:spPr>
+    <cs:defRPr sz="900" kern="1200"/>
+  </cs:categoryAxis>
+  <cs:chartArea mods="allowNoFillOverride allowNoLineOverride">
+    <cs:lnRef idx="0"/>
+    <cs:fillRef idx="0"/>
+    <cs:effectRef idx="0"/>
+    <cs:fontRef idx="minor">
+      <a:schemeClr val="tx1"/>
+    </cs:fontRef>
+    <cs:spPr>
+      <a:solidFill>
+        <a:schemeClr val="bg1"/>
+      </a:solidFill>
+      <a:ln w="9525" cap="flat" cmpd="sng" algn="ctr">
+        <a:solidFill>
+          <a:schemeClr val="tx1">
+            <a:lumMod val="15000"/>
+            <a:lumOff val="85000"/>
+          </a:schemeClr>
+        </a:solidFill>
+        <a:round/>
+      </a:ln>
+    </cs:spPr>
+    <cs:defRPr sz="1000" kern="1200"/>
+  </cs:chartArea>
+  <cs:dataLabel>
+    <cs:lnRef idx="0"/>
+    <cs:fillRef idx="0"/>
+    <cs:effectRef idx="0"/>
+    <cs:fontRef idx="minor">
+      <a:schemeClr val="tx1">
+        <a:lumMod val="75000"/>
+        <a:lumOff val="25000"/>
+      </a:schemeClr>
+    </cs:fontRef>
+    <cs:defRPr sz="900" kern="1200"/>
+  </cs:dataLabel>
+  <cs:dataLabelCallout>
+    <cs:lnRef idx="0"/>
+    <cs:fillRef idx="0"/>
+    <cs:effectRef idx="0"/>
+    <cs:fontRef idx="minor">
+      <a:schemeClr val="dk1">
+        <a:lumMod val="65000"/>
+        <a:lumOff val="35000"/>
+      </a:schemeClr>
+    </cs:fontRef>
+    <cs:spPr>
+      <a:solidFill>
+        <a:schemeClr val="lt1"/>
+      </a:solidFill>
+      <a:ln>
+        <a:solidFill>
+          <a:schemeClr val="dk1">
+            <a:lumMod val="25000"/>
+            <a:lumOff val="75000"/>
+          </a:schemeClr>
+        </a:solidFill>
+      </a:ln>
+    </cs:spPr>
+    <cs:defRPr sz="900" kern="1200"/>
+    <cs:bodyPr rot="0" spcFirstLastPara="1" vertOverflow="clip" horzOverflow="clip" vert="horz" wrap="square" lIns="36576" tIns="18288" rIns="36576" bIns="18288" anchor="ctr" anchorCtr="1">
+      <a:spAutoFit/>
+    </cs:bodyPr>
+  </cs:dataLabelCallout>
+  <cs:dataPoint>
+    <cs:lnRef idx="0"/>
+    <cs:fillRef idx="1">
+      <cs:styleClr val="auto"/>
+    </cs:fillRef>
+    <cs:effectRef idx="0"/>
+    <cs:fontRef idx="minor">
+      <a:schemeClr val="tx1"/>
+    </cs:fontRef>
+  </cs:dataPoint>
+  <cs:dataPoint3D>
+    <cs:lnRef idx="0"/>
+    <cs:fillRef idx="1">
+      <cs:styleClr val="auto"/>
+    </cs:fillRef>
+    <cs:effectRef idx="0"/>
+    <cs:fontRef idx="minor">
+      <a:schemeClr val="tx1"/>
+    </cs:fontRef>
+  </cs:dataPoint3D>
+  <cs:dataPointLine>
+    <cs:lnRef idx="0">
+      <cs:styleClr val="auto"/>
+    </cs:lnRef>
+    <cs:fillRef idx="1"/>
+    <cs:effectRef idx="0"/>
+    <cs:fontRef idx="minor">
+      <a:schemeClr val="tx1"/>
+    </cs:fontRef>
+    <cs:spPr>
+      <a:ln w="28575" cap="rnd">
+        <a:solidFill>
+          <a:schemeClr val="phClr"/>
+        </a:solidFill>
+        <a:round/>
+      </a:ln>
+    </cs:spPr>
+  </cs:dataPointLine>
+  <cs:dataPointMarker>
+    <cs:lnRef idx="0">
+      <cs:styleClr val="auto"/>
+    </cs:lnRef>
+    <cs:fillRef idx="1">
+      <cs:styleClr val="auto"/>
+    </cs:fillRef>
+    <cs:effectRef idx="0"/>
+    <cs:fontRef idx="minor">
+      <a:schemeClr val="tx1"/>
+    </cs:fontRef>
+    <cs:spPr>
+      <a:ln w="9525">
+        <a:solidFill>
+          <a:schemeClr val="phClr"/>
+        </a:solidFill>
+      </a:ln>
+    </cs:spPr>
+  </cs:dataPointMarker>
+  <cs:dataPointMarkerLayout symbol="circle" size="5"/>
+  <cs:dataPointWireframe>
+    <cs:lnRef idx="0">
+      <cs:styleClr val="auto"/>
+    </cs:lnRef>
+    <cs:fillRef idx="1"/>
+    <cs:effectRef idx="0"/>
+    <cs:fontRef idx="minor">
+      <a:schemeClr val="tx1"/>
+    </cs:fontRef>
+    <cs:spPr>
+      <a:ln w="9525" cap="rnd">
+        <a:solidFill>
+          <a:schemeClr val="phClr"/>
+        </a:solidFill>
+        <a:round/>
+      </a:ln>
+    </cs:spPr>
+  </cs:dataPointWireframe>
+  <cs:dataTable>
+    <cs:lnRef idx="0"/>
+    <cs:fillRef idx="0"/>
+    <cs:effectRef idx="0"/>
+    <cs:fontRef idx="minor">
+      <a:schemeClr val="tx1">
+        <a:lumMod val="65000"/>
+        <a:lumOff val="35000"/>
+      </a:schemeClr>
+    </cs:fontRef>
+    <cs:spPr>
+      <a:noFill/>
+      <a:ln w="9525" cap="flat" cmpd="sng" algn="ctr">
+        <a:solidFill>
+          <a:schemeClr val="tx1">
+            <a:lumMod val="15000"/>
+            <a:lumOff val="85000"/>
+          </a:schemeClr>
+        </a:solidFill>
+        <a:round/>
+      </a:ln>
+    </cs:spPr>
+    <cs:defRPr sz="900" kern="1200"/>
+  </cs:dataTable>
+  <cs:downBar>
+    <cs:lnRef idx="0"/>
+    <cs:fillRef idx="0"/>
+    <cs:effectRef idx="0"/>
+    <cs:fontRef idx="minor">
+      <a:schemeClr val="dk1"/>
+    </cs:fontRef>
+    <cs:spPr>
+      <a:solidFill>
+        <a:schemeClr val="dk1">
+          <a:lumMod val="65000"/>
+          <a:lumOff val="35000"/>
+        </a:schemeClr>
+      </a:solidFill>
+      <a:ln w="9525">
+        <a:solidFill>
+          <a:schemeClr val="tx1">
+            <a:lumMod val="65000"/>
+            <a:lumOff val="35000"/>
+          </a:schemeClr>
+        </a:solidFill>
+      </a:ln>
+    </cs:spPr>
+  </cs:downBar>
+  <cs:dropLine>
+    <cs:lnRef idx="0"/>
+    <cs:fillRef idx="0"/>
+    <cs:effectRef idx="0"/>
+    <cs:fontRef idx="minor">
+      <a:schemeClr val="tx1"/>
+    </cs:fontRef>
+    <cs:spPr>
+      <a:ln w="9525" cap="flat" cmpd="sng" algn="ctr">
+        <a:solidFill>
+          <a:schemeClr val="tx1">
+            <a:lumMod val="35000"/>
+            <a:lumOff val="65000"/>
+          </a:schemeClr>
+        </a:solidFill>
+        <a:round/>
+      </a:ln>
+    </cs:spPr>
+  </cs:dropLine>
+  <cs:errorBar>
+    <cs:lnRef idx="0"/>
+    <cs:fillRef idx="0"/>
+    <cs:effectRef idx="0"/>
+    <cs:fontRef idx="minor">
+      <a:schemeClr val="tx1"/>
+    </cs:fontRef>
+    <cs:spPr>
+      <a:ln w="9525" cap="flat" cmpd="sng" algn="ctr">
+        <a:solidFill>
+          <a:schemeClr val="tx1">
+            <a:lumMod val="65000"/>
+            <a:lumOff val="35000"/>
+          </a:schemeClr>
+        </a:solidFill>
+        <a:round/>
+      </a:ln>
+    </cs:spPr>
+  </cs:errorBar>
+  <cs:floor>
+    <cs:lnRef idx="0"/>
+    <cs:fillRef idx="0"/>
+    <cs:effectRef idx="0"/>
+    <cs:fontRef idx="minor">
+      <a:schemeClr val="tx1"/>
+    </cs:fontRef>
+    <cs:spPr>
+      <a:noFill/>
+      <a:ln>
+        <a:noFill/>
+      </a:ln>
+    </cs:spPr>
+  </cs:floor>
+  <cs:gridlineMajor>
+    <cs:lnRef idx="0"/>
+    <cs:fillRef idx="0"/>
+    <cs:effectRef idx="0"/>
+    <cs:fontRef idx="minor">
+      <a:schemeClr val="tx1"/>
+    </cs:fontRef>
+    <cs:spPr>
+      <a:ln w="9525" cap="flat" cmpd="sng" algn="ctr">
+        <a:solidFill>
+          <a:schemeClr val="tx1">
+            <a:lumMod val="15000"/>
+            <a:lumOff val="85000"/>
+          </a:schemeClr>
+        </a:solidFill>
+        <a:round/>
+      </a:ln>
+    </cs:spPr>
+  </cs:gridlineMajor>
+  <cs:gridlineMinor>
+    <cs:lnRef idx="0"/>
+    <cs:fillRef idx="0"/>
+    <cs:effectRef idx="0"/>
+    <cs:fontRef idx="minor">
+      <a:schemeClr val="tx1"/>
+    </cs:fontRef>
+    <cs:spPr>
+      <a:ln w="9525" cap="flat" cmpd="sng" algn="ctr">
+        <a:solidFill>
+          <a:schemeClr val="tx1">
+            <a:lumMod val="5000"/>
+            <a:lumOff val="95000"/>
+          </a:schemeClr>
+        </a:solidFill>
+        <a:round/>
+      </a:ln>
+    </cs:spPr>
+  </cs:gridlineMinor>
+  <cs:hiLoLine>
+    <cs:lnRef idx="0"/>
+    <cs:fillRef idx="0"/>
+    <cs:effectRef idx="0"/>
+    <cs:fontRef idx="minor">
+      <a:schemeClr val="tx1"/>
+    </cs:fontRef>
+    <cs:spPr>
+      <a:ln w="9525" cap="flat" cmpd="sng" algn="ctr">
+        <a:solidFill>
+          <a:schemeClr val="tx1">
+            <a:lumMod val="75000"/>
+            <a:lumOff val="25000"/>
+          </a:schemeClr>
+        </a:solidFill>
+        <a:round/>
+      </a:ln>
+    </cs:spPr>
+  </cs:hiLoLine>
+  <cs:leaderLine>
+    <cs:lnRef idx="0"/>
+    <cs:fillRef idx="0"/>
+    <cs:effectRef idx="0"/>
+    <cs:fontRef idx="minor">
+      <a:schemeClr val="tx1"/>
+    </cs:fontRef>
+    <cs:spPr>
+      <a:ln w="9525" cap="flat" cmpd="sng" algn="ctr">
+        <a:solidFill>
+          <a:schemeClr val="tx1">
+            <a:lumMod val="35000"/>
+            <a:lumOff val="65000"/>
+          </a:schemeClr>
+        </a:solidFill>
+        <a:round/>
+      </a:ln>
+    </cs:spPr>
+  </cs:leaderLine>
+  <cs:legend>
+    <cs:lnRef idx="0"/>
+    <cs:fillRef idx="0"/>
+    <cs:effectRef idx="0"/>
+    <cs:fontRef idx="minor">
+      <a:schemeClr val="tx1">
+        <a:lumMod val="65000"/>
+        <a:lumOff val="35000"/>
+      </a:schemeClr>
+    </cs:fontRef>
+    <cs:defRPr sz="900" kern="1200"/>
+  </cs:legend>
+  <cs:plotArea mods="allowNoFillOverride allowNoLineOverride">
+    <cs:lnRef idx="0"/>
+    <cs:fillRef idx="0"/>
+    <cs:effectRef idx="0"/>
+    <cs:fontRef idx="minor">
+      <a:schemeClr val="tx1"/>
+    </cs:fontRef>
+  </cs:plotArea>
+  <cs:plotArea3D mods="allowNoFillOverride allowNoLineOverride">
+    <cs:lnRef idx="0"/>
+    <cs:fillRef idx="0"/>
+    <cs:effectRef idx="0"/>
+    <cs:fontRef idx="minor">
+      <a:schemeClr val="tx1"/>
+    </cs:fontRef>
+  </cs:plotArea3D>
+  <cs:seriesAxis>
+    <cs:lnRef idx="0"/>
+    <cs:fillRef idx="0"/>
+    <cs:effectRef idx="0"/>
+    <cs:fontRef idx="minor">
+      <a:schemeClr val="tx1">
+        <a:lumMod val="65000"/>
+        <a:lumOff val="35000"/>
+      </a:schemeClr>
+    </cs:fontRef>
+    <cs:defRPr sz="900" kern="1200"/>
+  </cs:seriesAxis>
+  <cs:seriesLine>
+    <cs:lnRef idx="0"/>
+    <cs:fillRef idx="0"/>
+    <cs:effectRef idx="0"/>
+    <cs:fontRef idx="minor">
+      <a:schemeClr val="tx1"/>
+    </cs:fontRef>
+    <cs:spPr>
+      <a:ln w="9525" cap="flat" cmpd="sng" algn="ctr">
+        <a:solidFill>
+          <a:schemeClr val="tx1">
+            <a:lumMod val="35000"/>
+            <a:lumOff val="65000"/>
+          </a:schemeClr>
+        </a:solidFill>
+        <a:round/>
+      </a:ln>
+    </cs:spPr>
+  </cs:seriesLine>
+  <cs:title>
+    <cs:lnRef idx="0"/>
+    <cs:fillRef idx="0"/>
+    <cs:effectRef idx="0"/>
+    <cs:fontRef idx="minor">
+      <a:schemeClr val="tx1">
+        <a:lumMod val="65000"/>
+        <a:lumOff val="35000"/>
+      </a:schemeClr>
+    </cs:fontRef>
+    <cs:defRPr sz="1400" b="0" kern="1200" spc="0" baseline="0"/>
+  </cs:title>
+  <cs:trendline>
+    <cs:lnRef idx="0">
+      <cs:styleClr val="auto"/>
+    </cs:lnRef>
+    <cs:fillRef idx="0"/>
+    <cs:effectRef idx="0"/>
+    <cs:fontRef idx="minor">
+      <a:schemeClr val="tx1"/>
+    </cs:fontRef>
+    <cs:spPr>
+      <a:ln w="19050" cap="rnd">
+        <a:solidFill>
+          <a:schemeClr val="phClr"/>
+        </a:solidFill>
+        <a:prstDash val="sysDot"/>
+      </a:ln>
+    </cs:spPr>
+  </cs:trendline>
+  <cs:trendlineLabel>
+    <cs:lnRef idx="0"/>
+    <cs:fillRef idx="0"/>
+    <cs:effectRef idx="0"/>
+    <cs:fontRef idx="minor">
+      <a:schemeClr val="tx1">
+        <a:lumMod val="65000"/>
+        <a:lumOff val="35000"/>
+      </a:schemeClr>
+    </cs:fontRef>
+    <cs:defRPr sz="900" kern="1200"/>
+  </cs:trendlineLabel>
+  <cs:upBar>
+    <cs:lnRef idx="0"/>
+    <cs:fillRef idx="0"/>
+    <cs:effectRef idx="0"/>
+    <cs:fontRef idx="minor">
+      <a:schemeClr val="dk1"/>
+    </cs:fontRef>
+    <cs:spPr>
+      <a:solidFill>
+        <a:schemeClr val="lt1"/>
+      </a:solidFill>
+      <a:ln w="9525">
+        <a:solidFill>
+          <a:schemeClr val="tx1">
+            <a:lumMod val="15000"/>
+            <a:lumOff val="85000"/>
+          </a:schemeClr>
+        </a:solidFill>
+      </a:ln>
+    </cs:spPr>
+  </cs:upBar>
+  <cs:valueAxis>
+    <cs:lnRef idx="0"/>
+    <cs:fillRef idx="0"/>
+    <cs:effectRef idx="0"/>
+    <cs:fontRef idx="minor">
+      <a:schemeClr val="tx1">
+        <a:lumMod val="65000"/>
+        <a:lumOff val="35000"/>
+      </a:schemeClr>
+    </cs:fontRef>
+    <cs:defRPr sz="900" kern="1200"/>
+  </cs:valueAxis>
+  <cs:wall>
+    <cs:lnRef idx="0"/>
+    <cs:fillRef idx="0"/>
+    <cs:effectRef idx="0"/>
+    <cs:fontRef idx="minor">
+      <a:schemeClr val="tx1"/>
+    </cs:fontRef>
+    <cs:spPr>
+      <a:noFill/>
+      <a:ln>
+        <a:noFill/>
+      </a:ln>
+    </cs:spPr>
+  </cs:wall>
+</cs:chartStyle>
+</file>
+
+<file path=ppt/charts/style3.xml><?xml version="1.0" encoding="utf-8"?>
+<cs:chartStyle xmlns:cs="http://schemas.microsoft.com/office/drawing/2012/chartStyle" xmlns:a="http://schemas.openxmlformats.org/drawingml/2006/main" id="201">
+  <cs:axisTitle>
+    <cs:lnRef idx="0"/>
+    <cs:fillRef idx="0"/>
+    <cs:effectRef idx="0"/>
+    <cs:fontRef idx="minor">
+      <a:schemeClr val="tx1">
+        <a:lumMod val="65000"/>
+        <a:lumOff val="35000"/>
+      </a:schemeClr>
+    </cs:fontRef>
+    <cs:defRPr sz="1000" kern="1200"/>
+  </cs:axisTitle>
+  <cs:categoryAxis>
+    <cs:lnRef idx="0"/>
+    <cs:fillRef idx="0"/>
+    <cs:effectRef idx="0"/>
+    <cs:fontRef idx="minor">
+      <a:schemeClr val="tx1">
+        <a:lumMod val="65000"/>
+        <a:lumOff val="35000"/>
+      </a:schemeClr>
+    </cs:fontRef>
+    <cs:spPr>
+      <a:ln w="9525" cap="flat" cmpd="sng" algn="ctr">
+        <a:solidFill>
+          <a:schemeClr val="tx1">
+            <a:lumMod val="15000"/>
+            <a:lumOff val="85000"/>
+          </a:schemeClr>
+        </a:solidFill>
+        <a:round/>
+      </a:ln>
+    </cs:spPr>
+    <cs:defRPr sz="900" kern="1200"/>
+  </cs:categoryAxis>
+  <cs:chartArea mods="allowNoFillOverride allowNoLineOverride">
+    <cs:lnRef idx="0"/>
+    <cs:fillRef idx="0"/>
+    <cs:effectRef idx="0"/>
+    <cs:fontRef idx="minor">
+      <a:schemeClr val="tx1"/>
+    </cs:fontRef>
+    <cs:spPr>
+      <a:solidFill>
+        <a:schemeClr val="bg1"/>
+      </a:solidFill>
+      <a:ln w="9525" cap="flat" cmpd="sng" algn="ctr">
+        <a:solidFill>
+          <a:schemeClr val="tx1">
+            <a:lumMod val="15000"/>
+            <a:lumOff val="85000"/>
+          </a:schemeClr>
+        </a:solidFill>
+        <a:round/>
+      </a:ln>
+    </cs:spPr>
+    <cs:defRPr sz="1000" kern="1200"/>
+  </cs:chartArea>
+  <cs:dataLabel>
+    <cs:lnRef idx="0"/>
+    <cs:fillRef idx="0"/>
+    <cs:effectRef idx="0"/>
+    <cs:fontRef idx="minor">
+      <a:schemeClr val="tx1">
+        <a:lumMod val="75000"/>
+        <a:lumOff val="25000"/>
+      </a:schemeClr>
+    </cs:fontRef>
+    <cs:defRPr sz="900" kern="1200"/>
+  </cs:dataLabel>
+  <cs:dataLabelCallout>
+    <cs:lnRef idx="0"/>
+    <cs:fillRef idx="0"/>
+    <cs:effectRef idx="0"/>
+    <cs:fontRef idx="minor">
+      <a:schemeClr val="dk1">
+        <a:lumMod val="65000"/>
+        <a:lumOff val="35000"/>
+      </a:schemeClr>
+    </cs:fontRef>
+    <cs:spPr>
+      <a:solidFill>
+        <a:schemeClr val="lt1"/>
+      </a:solidFill>
+      <a:ln>
+        <a:solidFill>
+          <a:schemeClr val="dk1">
+            <a:lumMod val="25000"/>
+            <a:lumOff val="75000"/>
+          </a:schemeClr>
+        </a:solidFill>
+      </a:ln>
+    </cs:spPr>
+    <cs:defRPr sz="900" kern="1200"/>
+    <cs:bodyPr rot="0" spcFirstLastPara="1" vertOverflow="clip" horzOverflow="clip" vert="horz" wrap="square" lIns="36576" tIns="18288" rIns="36576" bIns="18288" anchor="ctr" anchorCtr="1">
+      <a:spAutoFit/>
+    </cs:bodyPr>
+  </cs:dataLabelCallout>
+  <cs:dataPoint>
+    <cs:lnRef idx="0"/>
+    <cs:fillRef idx="1">
+      <cs:styleClr val="auto"/>
+    </cs:fillRef>
+    <cs:effectRef idx="0"/>
+    <cs:fontRef idx="minor">
+      <a:schemeClr val="tx1"/>
+    </cs:fontRef>
+  </cs:dataPoint>
+  <cs:dataPoint3D>
+    <cs:lnRef idx="0"/>
+    <cs:fillRef idx="1">
+      <cs:styleClr val="auto"/>
+    </cs:fillRef>
+    <cs:effectRef idx="0"/>
+    <cs:fontRef idx="minor">
+      <a:schemeClr val="tx1"/>
+    </cs:fontRef>
+  </cs:dataPoint3D>
+  <cs:dataPointLine>
+    <cs:lnRef idx="0">
+      <cs:styleClr val="auto"/>
+    </cs:lnRef>
+    <cs:fillRef idx="1"/>
+    <cs:effectRef idx="0"/>
+    <cs:fontRef idx="minor">
+      <a:schemeClr val="tx1"/>
+    </cs:fontRef>
+    <cs:spPr>
+      <a:ln w="28575" cap="rnd">
+        <a:solidFill>
+          <a:schemeClr val="phClr"/>
+        </a:solidFill>
+        <a:round/>
+      </a:ln>
+    </cs:spPr>
+  </cs:dataPointLine>
+  <cs:dataPointMarker>
+    <cs:lnRef idx="0">
+      <cs:styleClr val="auto"/>
+    </cs:lnRef>
+    <cs:fillRef idx="1">
+      <cs:styleClr val="auto"/>
+    </cs:fillRef>
+    <cs:effectRef idx="0"/>
+    <cs:fontRef idx="minor">
+      <a:schemeClr val="tx1"/>
+    </cs:fontRef>
+    <cs:spPr>
+      <a:ln w="9525">
+        <a:solidFill>
+          <a:schemeClr val="phClr"/>
+        </a:solidFill>
+      </a:ln>
+    </cs:spPr>
+  </cs:dataPointMarker>
+  <cs:dataPointMarkerLayout symbol="circle" size="5"/>
+  <cs:dataPointWireframe>
+    <cs:lnRef idx="0">
+      <cs:styleClr val="auto"/>
+    </cs:lnRef>
+    <cs:fillRef idx="1"/>
+    <cs:effectRef idx="0"/>
+    <cs:fontRef idx="minor">
+      <a:schemeClr val="tx1"/>
+    </cs:fontRef>
+    <cs:spPr>
+      <a:ln w="9525" cap="rnd">
+        <a:solidFill>
+          <a:schemeClr val="phClr"/>
+        </a:solidFill>
+        <a:round/>
+      </a:ln>
+    </cs:spPr>
+  </cs:dataPointWireframe>
+  <cs:dataTable>
+    <cs:lnRef idx="0"/>
+    <cs:fillRef idx="0"/>
+    <cs:effectRef idx="0"/>
+    <cs:fontRef idx="minor">
+      <a:schemeClr val="tx1">
+        <a:lumMod val="65000"/>
+        <a:lumOff val="35000"/>
+      </a:schemeClr>
+    </cs:fontRef>
+    <cs:spPr>
+      <a:noFill/>
+      <a:ln w="9525" cap="flat" cmpd="sng" algn="ctr">
+        <a:solidFill>
+          <a:schemeClr val="tx1">
+            <a:lumMod val="15000"/>
+            <a:lumOff val="85000"/>
+          </a:schemeClr>
+        </a:solidFill>
+        <a:round/>
+      </a:ln>
+    </cs:spPr>
+    <cs:defRPr sz="900" kern="1200"/>
+  </cs:dataTable>
+  <cs:downBar>
+    <cs:lnRef idx="0"/>
+    <cs:fillRef idx="0"/>
+    <cs:effectRef idx="0"/>
+    <cs:fontRef idx="minor">
+      <a:schemeClr val="dk1"/>
+    </cs:fontRef>
+    <cs:spPr>
+      <a:solidFill>
+        <a:schemeClr val="dk1">
+          <a:lumMod val="65000"/>
+          <a:lumOff val="35000"/>
+        </a:schemeClr>
+      </a:solidFill>
+      <a:ln w="9525">
+        <a:solidFill>
+          <a:schemeClr val="tx1">
+            <a:lumMod val="65000"/>
+            <a:lumOff val="35000"/>
+          </a:schemeClr>
+        </a:solidFill>
+      </a:ln>
+    </cs:spPr>
+  </cs:downBar>
+  <cs:dropLine>
+    <cs:lnRef idx="0"/>
+    <cs:fillRef idx="0"/>
+    <cs:effectRef idx="0"/>
+    <cs:fontRef idx="minor">
+      <a:schemeClr val="tx1"/>
+    </cs:fontRef>
+    <cs:spPr>
+      <a:ln w="9525" cap="flat" cmpd="sng" algn="ctr">
+        <a:solidFill>
+          <a:schemeClr val="tx1">
+            <a:lumMod val="35000"/>
+            <a:lumOff val="65000"/>
+          </a:schemeClr>
+        </a:solidFill>
+        <a:round/>
+      </a:ln>
+    </cs:spPr>
+  </cs:dropLine>
+  <cs:errorBar>
+    <cs:lnRef idx="0"/>
+    <cs:fillRef idx="0"/>
+    <cs:effectRef idx="0"/>
+    <cs:fontRef idx="minor">
+      <a:schemeClr val="tx1"/>
+    </cs:fontRef>
+    <cs:spPr>
+      <a:ln w="9525" cap="flat" cmpd="sng" algn="ctr">
+        <a:solidFill>
+          <a:schemeClr val="tx1">
+            <a:lumMod val="65000"/>
+            <a:lumOff val="35000"/>
+          </a:schemeClr>
+        </a:solidFill>
+        <a:round/>
+      </a:ln>
+    </cs:spPr>
+  </cs:errorBar>
+  <cs:floor>
+    <cs:lnRef idx="0"/>
+    <cs:fillRef idx="0"/>
+    <cs:effectRef idx="0"/>
+    <cs:fontRef idx="minor">
+      <a:schemeClr val="tx1"/>
+    </cs:fontRef>
+    <cs:spPr>
+      <a:noFill/>
+      <a:ln>
+        <a:noFill/>
+      </a:ln>
+    </cs:spPr>
+  </cs:floor>
+  <cs:gridlineMajor>
+    <cs:lnRef idx="0"/>
+    <cs:fillRef idx="0"/>
+    <cs:effectRef idx="0"/>
+    <cs:fontRef idx="minor">
+      <a:schemeClr val="tx1"/>
+    </cs:fontRef>
+    <cs:spPr>
+      <a:ln w="9525" cap="flat" cmpd="sng" algn="ctr">
+        <a:solidFill>
+          <a:schemeClr val="tx1">
+            <a:lumMod val="15000"/>
+            <a:lumOff val="85000"/>
+          </a:schemeClr>
+        </a:solidFill>
+        <a:round/>
+      </a:ln>
+    </cs:spPr>
+  </cs:gridlineMajor>
+  <cs:gridlineMinor>
+    <cs:lnRef idx="0"/>
+    <cs:fillRef idx="0"/>
+    <cs:effectRef idx="0"/>
+    <cs:fontRef idx="minor">
+      <a:schemeClr val="tx1"/>
+    </cs:fontRef>
+    <cs:spPr>
+      <a:ln w="9525" cap="flat" cmpd="sng" algn="ctr">
+        <a:solidFill>
+          <a:schemeClr val="tx1">
+            <a:lumMod val="5000"/>
+            <a:lumOff val="95000"/>
+          </a:schemeClr>
+        </a:solidFill>
+        <a:round/>
+      </a:ln>
+    </cs:spPr>
+  </cs:gridlineMinor>
+  <cs:hiLoLine>
+    <cs:lnRef idx="0"/>
+    <cs:fillRef idx="0"/>
+    <cs:effectRef idx="0"/>
+    <cs:fontRef idx="minor">
+      <a:schemeClr val="tx1"/>
+    </cs:fontRef>
+    <cs:spPr>
+      <a:ln w="9525" cap="flat" cmpd="sng" algn="ctr">
+        <a:solidFill>
+          <a:schemeClr val="tx1">
+            <a:lumMod val="75000"/>
+            <a:lumOff val="25000"/>
+          </a:schemeClr>
+        </a:solidFill>
+        <a:round/>
+      </a:ln>
+    </cs:spPr>
+  </cs:hiLoLine>
+  <cs:leaderLine>
+    <cs:lnRef idx="0"/>
+    <cs:fillRef idx="0"/>
+    <cs:effectRef idx="0"/>
+    <cs:fontRef idx="minor">
+      <a:schemeClr val="tx1"/>
+    </cs:fontRef>
+    <cs:spPr>
+      <a:ln w="9525" cap="flat" cmpd="sng" algn="ctr">
+        <a:solidFill>
+          <a:schemeClr val="tx1">
+            <a:lumMod val="35000"/>
+            <a:lumOff val="65000"/>
+          </a:schemeClr>
+        </a:solidFill>
+        <a:round/>
+      </a:ln>
+    </cs:spPr>
+  </cs:leaderLine>
+  <cs:legend>
+    <cs:lnRef idx="0"/>
+    <cs:fillRef idx="0"/>
+    <cs:effectRef idx="0"/>
+    <cs:fontRef idx="minor">
+      <a:schemeClr val="tx1">
+        <a:lumMod val="65000"/>
+        <a:lumOff val="35000"/>
+      </a:schemeClr>
+    </cs:fontRef>
+    <cs:defRPr sz="900" kern="1200"/>
+  </cs:legend>
+  <cs:plotArea mods="allowNoFillOverride allowNoLineOverride">
+    <cs:lnRef idx="0"/>
+    <cs:fillRef idx="0"/>
+    <cs:effectRef idx="0"/>
+    <cs:fontRef idx="minor">
+      <a:schemeClr val="tx1"/>
+    </cs:fontRef>
+  </cs:plotArea>
+  <cs:plotArea3D mods="allowNoFillOverride allowNoLineOverride">
+    <cs:lnRef idx="0"/>
+    <cs:fillRef idx="0"/>
+    <cs:effectRef idx="0"/>
+    <cs:fontRef idx="minor">
+      <a:schemeClr val="tx1"/>
+    </cs:fontRef>
+  </cs:plotArea3D>
+  <cs:seriesAxis>
+    <cs:lnRef idx="0"/>
+    <cs:fillRef idx="0"/>
+    <cs:effectRef idx="0"/>
+    <cs:fontRef idx="minor">
+      <a:schemeClr val="tx1">
+        <a:lumMod val="65000"/>
+        <a:lumOff val="35000"/>
+      </a:schemeClr>
+    </cs:fontRef>
+    <cs:defRPr sz="900" kern="1200"/>
+  </cs:seriesAxis>
+  <cs:seriesLine>
+    <cs:lnRef idx="0"/>
+    <cs:fillRef idx="0"/>
+    <cs:effectRef idx="0"/>
+    <cs:fontRef idx="minor">
+      <a:schemeClr val="tx1"/>
+    </cs:fontRef>
+    <cs:spPr>
+      <a:ln w="9525" cap="flat" cmpd="sng" algn="ctr">
+        <a:solidFill>
+          <a:schemeClr val="tx1">
+            <a:lumMod val="35000"/>
+            <a:lumOff val="65000"/>
+          </a:schemeClr>
+        </a:solidFill>
+        <a:round/>
+      </a:ln>
+    </cs:spPr>
+  </cs:seriesLine>
+  <cs:title>
+    <cs:lnRef idx="0"/>
+    <cs:fillRef idx="0"/>
+    <cs:effectRef idx="0"/>
+    <cs:fontRef idx="minor">
+      <a:schemeClr val="tx1">
+        <a:lumMod val="65000"/>
+        <a:lumOff val="35000"/>
+      </a:schemeClr>
+    </cs:fontRef>
+    <cs:defRPr sz="1400" b="0" kern="1200" spc="0" baseline="0"/>
+  </cs:title>
+  <cs:trendline>
+    <cs:lnRef idx="0">
+      <cs:styleClr val="auto"/>
+    </cs:lnRef>
+    <cs:fillRef idx="0"/>
+    <cs:effectRef idx="0"/>
+    <cs:fontRef idx="minor">
+      <a:schemeClr val="tx1"/>
+    </cs:fontRef>
+    <cs:spPr>
+      <a:ln w="19050" cap="rnd">
+        <a:solidFill>
+          <a:schemeClr val="phClr"/>
+        </a:solidFill>
+        <a:prstDash val="sysDot"/>
+      </a:ln>
+    </cs:spPr>
+  </cs:trendline>
+  <cs:trendlineLabel>
+    <cs:lnRef idx="0"/>
+    <cs:fillRef idx="0"/>
+    <cs:effectRef idx="0"/>
+    <cs:fontRef idx="minor">
+      <a:schemeClr val="tx1">
+        <a:lumMod val="65000"/>
+        <a:lumOff val="35000"/>
+      </a:schemeClr>
+    </cs:fontRef>
+    <cs:defRPr sz="900" kern="1200"/>
+  </cs:trendlineLabel>
+  <cs:upBar>
+    <cs:lnRef idx="0"/>
+    <cs:fillRef idx="0"/>
+    <cs:effectRef idx="0"/>
+    <cs:fontRef idx="minor">
+      <a:schemeClr val="dk1"/>
+    </cs:fontRef>
+    <cs:spPr>
+      <a:solidFill>
+        <a:schemeClr val="lt1"/>
+      </a:solidFill>
+      <a:ln w="9525">
+        <a:solidFill>
+          <a:schemeClr val="tx1">
+            <a:lumMod val="15000"/>
+            <a:lumOff val="85000"/>
+          </a:schemeClr>
+        </a:solidFill>
+      </a:ln>
+    </cs:spPr>
+  </cs:upBar>
+  <cs:valueAxis>
+    <cs:lnRef idx="0"/>
+    <cs:fillRef idx="0"/>
+    <cs:effectRef idx="0"/>
+    <cs:fontRef idx="minor">
+      <a:schemeClr val="tx1">
+        <a:lumMod val="65000"/>
+        <a:lumOff val="35000"/>
+      </a:schemeClr>
+    </cs:fontRef>
+    <cs:defRPr sz="900" kern="1200"/>
+  </cs:valueAxis>
+  <cs:wall>
+    <cs:lnRef idx="0"/>
+    <cs:fillRef idx="0"/>
+    <cs:effectRef idx="0"/>
+    <cs:fontRef idx="minor">
+      <a:schemeClr val="tx1"/>
+    </cs:fontRef>
+    <cs:spPr>
+      <a:noFill/>
+      <a:ln>
+        <a:noFill/>
+      </a:ln>
+    </cs:spPr>
+  </cs:wall>
+</cs:chartStyle>
+</file>
+
+<file path=ppt/charts/style4.xml><?xml version="1.0" encoding="utf-8"?>
+<cs:chartStyle xmlns:cs="http://schemas.microsoft.com/office/drawing/2012/chartStyle" xmlns:a="http://schemas.openxmlformats.org/drawingml/2006/main" id="201">
+  <cs:axisTitle>
+    <cs:lnRef idx="0"/>
+    <cs:fillRef idx="0"/>
+    <cs:effectRef idx="0"/>
+    <cs:fontRef idx="minor">
+      <a:schemeClr val="tx1">
+        <a:lumMod val="65000"/>
+        <a:lumOff val="35000"/>
+      </a:schemeClr>
+    </cs:fontRef>
+    <cs:defRPr sz="1000" kern="1200"/>
+  </cs:axisTitle>
+  <cs:categoryAxis>
+    <cs:lnRef idx="0"/>
+    <cs:fillRef idx="0"/>
+    <cs:effectRef idx="0"/>
+    <cs:fontRef idx="minor">
+      <a:schemeClr val="tx1">
+        <a:lumMod val="65000"/>
+        <a:lumOff val="35000"/>
+      </a:schemeClr>
+    </cs:fontRef>
+    <cs:spPr>
+      <a:ln w="9525" cap="flat" cmpd="sng" algn="ctr">
+        <a:solidFill>
+          <a:schemeClr val="tx1">
+            <a:lumMod val="15000"/>
+            <a:lumOff val="85000"/>
+          </a:schemeClr>
+        </a:solidFill>
+        <a:round/>
+      </a:ln>
+    </cs:spPr>
+    <cs:defRPr sz="900" kern="1200"/>
+  </cs:categoryAxis>
+  <cs:chartArea mods="allowNoFillOverride allowNoLineOverride">
+    <cs:lnRef idx="0"/>
+    <cs:fillRef idx="0"/>
+    <cs:effectRef idx="0"/>
+    <cs:fontRef idx="minor">
+      <a:schemeClr val="tx1"/>
+    </cs:fontRef>
+    <cs:spPr>
+      <a:solidFill>
+        <a:schemeClr val="bg1"/>
+      </a:solidFill>
+      <a:ln w="9525" cap="flat" cmpd="sng" algn="ctr">
+        <a:solidFill>
+          <a:schemeClr val="tx1">
+            <a:lumMod val="15000"/>
+            <a:lumOff val="85000"/>
+          </a:schemeClr>
+        </a:solidFill>
+        <a:round/>
+      </a:ln>
+    </cs:spPr>
+    <cs:defRPr sz="1000" kern="1200"/>
+  </cs:chartArea>
+  <cs:dataLabel>
+    <cs:lnRef idx="0"/>
+    <cs:fillRef idx="0"/>
+    <cs:effectRef idx="0"/>
+    <cs:fontRef idx="minor">
+      <a:schemeClr val="tx1">
+        <a:lumMod val="75000"/>
+        <a:lumOff val="25000"/>
+      </a:schemeClr>
+    </cs:fontRef>
+    <cs:defRPr sz="900" kern="1200"/>
+  </cs:dataLabel>
+  <cs:dataLabelCallout>
+    <cs:lnRef idx="0"/>
+    <cs:fillRef idx="0"/>
+    <cs:effectRef idx="0"/>
+    <cs:fontRef idx="minor">
+      <a:schemeClr val="dk1">
+        <a:lumMod val="65000"/>
+        <a:lumOff val="35000"/>
+      </a:schemeClr>
+    </cs:fontRef>
+    <cs:spPr>
+      <a:solidFill>
+        <a:schemeClr val="lt1"/>
+      </a:solidFill>
+      <a:ln>
+        <a:solidFill>
+          <a:schemeClr val="dk1">
+            <a:lumMod val="25000"/>
+            <a:lumOff val="75000"/>
+          </a:schemeClr>
+        </a:solidFill>
+      </a:ln>
+    </cs:spPr>
+    <cs:defRPr sz="900" kern="1200"/>
+    <cs:bodyPr rot="0" spcFirstLastPara="1" vertOverflow="clip" horzOverflow="clip" vert="horz" wrap="square" lIns="36576" tIns="18288" rIns="36576" bIns="18288" anchor="ctr" anchorCtr="1">
+      <a:spAutoFit/>
+    </cs:bodyPr>
+  </cs:dataLabelCallout>
+  <cs:dataPoint>
+    <cs:lnRef idx="0"/>
+    <cs:fillRef idx="1">
+      <cs:styleClr val="auto"/>
+    </cs:fillRef>
+    <cs:effectRef idx="0"/>
+    <cs:fontRef idx="minor">
+      <a:schemeClr val="tx1"/>
+    </cs:fontRef>
+  </cs:dataPoint>
+  <cs:dataPoint3D>
+    <cs:lnRef idx="0"/>
+    <cs:fillRef idx="1">
+      <cs:styleClr val="auto"/>
+    </cs:fillRef>
+    <cs:effectRef idx="0"/>
+    <cs:fontRef idx="minor">
+      <a:schemeClr val="tx1"/>
+    </cs:fontRef>
+  </cs:dataPoint3D>
+  <cs:dataPointLine>
+    <cs:lnRef idx="0">
+      <cs:styleClr val="auto"/>
+    </cs:lnRef>
+    <cs:fillRef idx="1"/>
+    <cs:effectRef idx="0"/>
+    <cs:fontRef idx="minor">
+      <a:schemeClr val="tx1"/>
+    </cs:fontRef>
+    <cs:spPr>
+      <a:ln w="28575" cap="rnd">
+        <a:solidFill>
+          <a:schemeClr val="phClr"/>
+        </a:solidFill>
+        <a:round/>
+      </a:ln>
+    </cs:spPr>
+  </cs:dataPointLine>
+  <cs:dataPointMarker>
+    <cs:lnRef idx="0">
+      <cs:styleClr val="auto"/>
+    </cs:lnRef>
+    <cs:fillRef idx="1">
+      <cs:styleClr val="auto"/>
+    </cs:fillRef>
+    <cs:effectRef idx="0"/>
+    <cs:fontRef idx="minor">
+      <a:schemeClr val="tx1"/>
+    </cs:fontRef>
+    <cs:spPr>
+      <a:ln w="9525">
+        <a:solidFill>
+          <a:schemeClr val="phClr"/>
+        </a:solidFill>
+      </a:ln>
+    </cs:spPr>
+  </cs:dataPointMarker>
+  <cs:dataPointMarkerLayout symbol="circle" size="5"/>
+  <cs:dataPointWireframe>
+    <cs:lnRef idx="0">
+      <cs:styleClr val="auto"/>
+    </cs:lnRef>
+    <cs:fillRef idx="1"/>
+    <cs:effectRef idx="0"/>
+    <cs:fontRef idx="minor">
+      <a:schemeClr val="tx1"/>
+    </cs:fontRef>
+    <cs:spPr>
+      <a:ln w="9525" cap="rnd">
+        <a:solidFill>
+          <a:schemeClr val="phClr"/>
+        </a:solidFill>
+        <a:round/>
+      </a:ln>
+    </cs:spPr>
+  </cs:dataPointWireframe>
+  <cs:dataTable>
+    <cs:lnRef idx="0"/>
+    <cs:fillRef idx="0"/>
+    <cs:effectRef idx="0"/>
+    <cs:fontRef idx="minor">
+      <a:schemeClr val="tx1">
+        <a:lumMod val="65000"/>
+        <a:lumOff val="35000"/>
+      </a:schemeClr>
+    </cs:fontRef>
+    <cs:spPr>
+      <a:noFill/>
+      <a:ln w="9525" cap="flat" cmpd="sng" algn="ctr">
+        <a:solidFill>
+          <a:schemeClr val="tx1">
+            <a:lumMod val="15000"/>
+            <a:lumOff val="85000"/>
+          </a:schemeClr>
+        </a:solidFill>
+        <a:round/>
+      </a:ln>
+    </cs:spPr>
+    <cs:defRPr sz="900" kern="1200"/>
+  </cs:dataTable>
+  <cs:downBar>
+    <cs:lnRef idx="0"/>
+    <cs:fillRef idx="0"/>
+    <cs:effectRef idx="0"/>
+    <cs:fontRef idx="minor">
+      <a:schemeClr val="dk1"/>
+    </cs:fontRef>
+    <cs:spPr>
+      <a:solidFill>
+        <a:schemeClr val="dk1">
+          <a:lumMod val="65000"/>
+          <a:lumOff val="35000"/>
+        </a:schemeClr>
+      </a:solidFill>
+      <a:ln w="9525">
+        <a:solidFill>
+          <a:schemeClr val="tx1">
+            <a:lumMod val="65000"/>
+            <a:lumOff val="35000"/>
+          </a:schemeClr>
+        </a:solidFill>
+      </a:ln>
+    </cs:spPr>
+  </cs:downBar>
+  <cs:dropLine>
+    <cs:lnRef idx="0"/>
+    <cs:fillRef idx="0"/>
+    <cs:effectRef idx="0"/>
+    <cs:fontRef idx="minor">
+      <a:schemeClr val="tx1"/>
+    </cs:fontRef>
+    <cs:spPr>
+      <a:ln w="9525" cap="flat" cmpd="sng" algn="ctr">
+        <a:solidFill>
+          <a:schemeClr val="tx1">
+            <a:lumMod val="35000"/>
+            <a:lumOff val="65000"/>
+          </a:schemeClr>
+        </a:solidFill>
+        <a:round/>
+      </a:ln>
+    </cs:spPr>
+  </cs:dropLine>
+  <cs:errorBar>
+    <cs:lnRef idx="0"/>
+    <cs:fillRef idx="0"/>
+    <cs:effectRef idx="0"/>
+    <cs:fontRef idx="minor">
+      <a:schemeClr val="tx1"/>
+    </cs:fontRef>
+    <cs:spPr>
+      <a:ln w="9525" cap="flat" cmpd="sng" algn="ctr">
+        <a:solidFill>
+          <a:schemeClr val="tx1">
+            <a:lumMod val="65000"/>
+            <a:lumOff val="35000"/>
+          </a:schemeClr>
+        </a:solidFill>
+        <a:round/>
+      </a:ln>
+    </cs:spPr>
+  </cs:errorBar>
+  <cs:floor>
+    <cs:lnRef idx="0"/>
+    <cs:fillRef idx="0"/>
+    <cs:effectRef idx="0"/>
+    <cs:fontRef idx="minor">
+      <a:schemeClr val="tx1"/>
+    </cs:fontRef>
+    <cs:spPr>
+      <a:noFill/>
+      <a:ln>
+        <a:noFill/>
+      </a:ln>
+    </cs:spPr>
+  </cs:floor>
+  <cs:gridlineMajor>
+    <cs:lnRef idx="0"/>
+    <cs:fillRef idx="0"/>
+    <cs:effectRef idx="0"/>
+    <cs:fontRef idx="minor">
+      <a:schemeClr val="tx1"/>
+    </cs:fontRef>
+    <cs:spPr>
+      <a:ln w="9525" cap="flat" cmpd="sng" algn="ctr">
+        <a:solidFill>
+          <a:schemeClr val="tx1">
+            <a:lumMod val="15000"/>
+            <a:lumOff val="85000"/>
+          </a:schemeClr>
+        </a:solidFill>
+        <a:round/>
+      </a:ln>
+    </cs:spPr>
+  </cs:gridlineMajor>
+  <cs:gridlineMinor>
+    <cs:lnRef idx="0"/>
+    <cs:fillRef idx="0"/>
+    <cs:effectRef idx="0"/>
+    <cs:fontRef idx="minor">
+      <a:schemeClr val="tx1"/>
+    </cs:fontRef>
+    <cs:spPr>
+      <a:ln w="9525" cap="flat" cmpd="sng" algn="ctr">
+        <a:solidFill>
+          <a:schemeClr val="tx1">
+            <a:lumMod val="5000"/>
+            <a:lumOff val="95000"/>
+          </a:schemeClr>
+        </a:solidFill>
+        <a:round/>
+      </a:ln>
+    </cs:spPr>
+  </cs:gridlineMinor>
+  <cs:hiLoLine>
+    <cs:lnRef idx="0"/>
+    <cs:fillRef idx="0"/>
+    <cs:effectRef idx="0"/>
+    <cs:fontRef idx="minor">
+      <a:schemeClr val="tx1"/>
+    </cs:fontRef>
+    <cs:spPr>
+      <a:ln w="9525" cap="flat" cmpd="sng" algn="ctr">
+        <a:solidFill>
+          <a:schemeClr val="tx1">
+            <a:lumMod val="75000"/>
+            <a:lumOff val="25000"/>
+          </a:schemeClr>
+        </a:solidFill>
+        <a:round/>
+      </a:ln>
+    </cs:spPr>
+  </cs:hiLoLine>
+  <cs:leaderLine>
+    <cs:lnRef idx="0"/>
+    <cs:fillRef idx="0"/>
+    <cs:effectRef idx="0"/>
+    <cs:fontRef idx="minor">
+      <a:schemeClr val="tx1"/>
+    </cs:fontRef>
+    <cs:spPr>
+      <a:ln w="9525" cap="flat" cmpd="sng" algn="ctr">
+        <a:solidFill>
+          <a:schemeClr val="tx1">
+            <a:lumMod val="35000"/>
+            <a:lumOff val="65000"/>
+          </a:schemeClr>
+        </a:solidFill>
+        <a:round/>
+      </a:ln>
+    </cs:spPr>
+  </cs:leaderLine>
+  <cs:legend>
+    <cs:lnRef idx="0"/>
+    <cs:fillRef idx="0"/>
+    <cs:effectRef idx="0"/>
+    <cs:fontRef idx="minor">
+      <a:schemeClr val="tx1">
+        <a:lumMod val="65000"/>
+        <a:lumOff val="35000"/>
+      </a:schemeClr>
+    </cs:fontRef>
+    <cs:defRPr sz="900" kern="1200"/>
+  </cs:legend>
+  <cs:plotArea mods="allowNoFillOverride allowNoLineOverride">
+    <cs:lnRef idx="0"/>
+    <cs:fillRef idx="0"/>
+    <cs:effectRef idx="0"/>
+    <cs:fontRef idx="minor">
+      <a:schemeClr val="tx1"/>
+    </cs:fontRef>
+  </cs:plotArea>
+  <cs:plotArea3D mods="allowNoFillOverride allowNoLineOverride">
+    <cs:lnRef idx="0"/>
+    <cs:fillRef idx="0"/>
+    <cs:effectRef idx="0"/>
+    <cs:fontRef idx="minor">
+      <a:schemeClr val="tx1"/>
+    </cs:fontRef>
+  </cs:plotArea3D>
+  <cs:seriesAxis>
+    <cs:lnRef idx="0"/>
+    <cs:fillRef idx="0"/>
+    <cs:effectRef idx="0"/>
+    <cs:fontRef idx="minor">
+      <a:schemeClr val="tx1">
+        <a:lumMod val="65000"/>
+        <a:lumOff val="35000"/>
+      </a:schemeClr>
+    </cs:fontRef>
+    <cs:defRPr sz="900" kern="1200"/>
+  </cs:seriesAxis>
+  <cs:seriesLine>
+    <cs:lnRef idx="0"/>
+    <cs:fillRef idx="0"/>
+    <cs:effectRef idx="0"/>
+    <cs:fontRef idx="minor">
+      <a:schemeClr val="tx1"/>
+    </cs:fontRef>
+    <cs:spPr>
+      <a:ln w="9525" cap="flat" cmpd="sng" algn="ctr">
+        <a:solidFill>
+          <a:schemeClr val="tx1">
+            <a:lumMod val="35000"/>
+            <a:lumOff val="65000"/>
+          </a:schemeClr>
+        </a:solidFill>
+        <a:round/>
+      </a:ln>
+    </cs:spPr>
+  </cs:seriesLine>
+  <cs:title>
+    <cs:lnRef idx="0"/>
+    <cs:fillRef idx="0"/>
+    <cs:effectRef idx="0"/>
+    <cs:fontRef idx="minor">
+      <a:schemeClr val="tx1">
+        <a:lumMod val="65000"/>
+        <a:lumOff val="35000"/>
+      </a:schemeClr>
+    </cs:fontRef>
+    <cs:defRPr sz="1400" b="0" kern="1200" spc="0" baseline="0"/>
+  </cs:title>
+  <cs:trendline>
+    <cs:lnRef idx="0">
+      <cs:styleClr val="auto"/>
+    </cs:lnRef>
+    <cs:fillRef idx="0"/>
+    <cs:effectRef idx="0"/>
+    <cs:fontRef idx="minor">
+      <a:schemeClr val="tx1"/>
+    </cs:fontRef>
+    <cs:spPr>
+      <a:ln w="19050" cap="rnd">
+        <a:solidFill>
+          <a:schemeClr val="phClr"/>
+        </a:solidFill>
+        <a:prstDash val="sysDot"/>
+      </a:ln>
+    </cs:spPr>
+  </cs:trendline>
+  <cs:trendlineLabel>
+    <cs:lnRef idx="0"/>
+    <cs:fillRef idx="0"/>
+    <cs:effectRef idx="0"/>
+    <cs:fontRef idx="minor">
+      <a:schemeClr val="tx1">
+        <a:lumMod val="65000"/>
+        <a:lumOff val="35000"/>
+      </a:schemeClr>
+    </cs:fontRef>
+    <cs:defRPr sz="900" kern="1200"/>
+  </cs:trendlineLabel>
+  <cs:upBar>
+    <cs:lnRef idx="0"/>
+    <cs:fillRef idx="0"/>
+    <cs:effectRef idx="0"/>
+    <cs:fontRef idx="minor">
+      <a:schemeClr val="dk1"/>
+    </cs:fontRef>
+    <cs:spPr>
+      <a:solidFill>
+        <a:schemeClr val="lt1"/>
+      </a:solidFill>
+      <a:ln w="9525">
+        <a:solidFill>
+          <a:schemeClr val="tx1">
+            <a:lumMod val="15000"/>
+            <a:lumOff val="85000"/>
+          </a:schemeClr>
+        </a:solidFill>
+      </a:ln>
+    </cs:spPr>
+  </cs:upBar>
+  <cs:valueAxis>
+    <cs:lnRef idx="0"/>
+    <cs:fillRef idx="0"/>
+    <cs:effectRef idx="0"/>
+    <cs:fontRef idx="minor">
+      <a:schemeClr val="tx1">
+        <a:lumMod val="65000"/>
+        <a:lumOff val="35000"/>
+      </a:schemeClr>
+    </cs:fontRef>
+    <cs:defRPr sz="900" kern="1200"/>
+  </cs:valueAxis>
+  <cs:wall>
+    <cs:lnRef idx="0"/>
+    <cs:fillRef idx="0"/>
+    <cs:effectRef idx="0"/>
+    <cs:fontRef idx="minor">
+      <a:schemeClr val="tx1"/>
+    </cs:fontRef>
+    <cs:spPr>
+      <a:noFill/>
+      <a:ln>
+        <a:noFill/>
+      </a:ln>
+    </cs:spPr>
+  </cs:wall>
+</cs:chartStyle>
 </file>
 
 <file path=ppt/notesMasters/notesMaster1.xml><?xml version="1.0" encoding="utf-8"?>
@@ -546,6 +6203,108 @@
     <p:extLst>
       <p:ext uri="{BB962C8B-B14F-4D97-AF65-F5344CB8AC3E}">
         <p14:creationId xmlns:p14="http://schemas.microsoft.com/office/powerpoint/2010/main" val="1918075971"/>
+      </p:ext>
+    </p:extLst>
+  </p:cSld>
+  <p:clrMapOvr>
+    <a:masterClrMapping/>
+  </p:clrMapOvr>
+</p:notes>
+</file>
+
+<file path=ppt/notesSlides/notesSlide2.xml><?xml version="1.0" encoding="utf-8"?>
+<p:notes xmlns:a="http://schemas.openxmlformats.org/drawingml/2006/main" xmlns:r="http://schemas.openxmlformats.org/officeDocument/2006/relationships" xmlns:p="http://schemas.openxmlformats.org/presentationml/2006/main">
+  <p:cSld>
+    <p:spTree>
+      <p:nvGrpSpPr>
+        <p:cNvPr id="1" name=""/>
+        <p:cNvGrpSpPr/>
+        <p:nvPr/>
+      </p:nvGrpSpPr>
+      <p:grpSpPr>
+        <a:xfrm>
+          <a:off x="0" y="0"/>
+          <a:ext cx="0" cy="0"/>
+          <a:chOff x="0" y="0"/>
+          <a:chExt cx="0" cy="0"/>
+        </a:xfrm>
+      </p:grpSpPr>
+      <p:sp>
+        <p:nvSpPr>
+          <p:cNvPr id="2" name="Slide Image Placeholder 1"/>
+          <p:cNvSpPr>
+            <a:spLocks noGrp="1" noRot="1" noChangeAspect="1"/>
+          </p:cNvSpPr>
+          <p:nvPr>
+            <p:ph type="sldImg"/>
+          </p:nvPr>
+        </p:nvSpPr>
+        <p:spPr/>
+      </p:sp>
+      <p:sp>
+        <p:nvSpPr>
+          <p:cNvPr id="3" name="Notes Placeholder 2"/>
+          <p:cNvSpPr>
+            <a:spLocks noGrp="1"/>
+          </p:cNvSpPr>
+          <p:nvPr>
+            <p:ph type="body" idx="1"/>
+          </p:nvPr>
+        </p:nvSpPr>
+        <p:spPr/>
+        <p:txBody>
+          <a:bodyPr/>
+          <a:lstStyle/>
+          <a:p>
+            <a:r>
+              <a:rPr lang="en-US" dirty="0" err="1" smtClean="0"/>
+              <a:t>Uniprot_trembl</a:t>
+            </a:r>
+            <a:r>
+              <a:rPr lang="en-US" dirty="0" smtClean="0"/>
+              <a:t>: 63M sequences, average length 334</a:t>
+            </a:r>
+          </a:p>
+          <a:p>
+            <a:r>
+              <a:rPr lang="en-US" dirty="0" smtClean="0"/>
+              <a:t>Tara</a:t>
+            </a:r>
+            <a:r>
+              <a:rPr lang="en-US" baseline="0" dirty="0" smtClean="0"/>
+              <a:t> oceans: 127M sequences, average length 326</a:t>
+            </a:r>
+            <a:endParaRPr lang="en-US" dirty="0"/>
+          </a:p>
+        </p:txBody>
+      </p:sp>
+      <p:sp>
+        <p:nvSpPr>
+          <p:cNvPr id="4" name="Slide Number Placeholder 3"/>
+          <p:cNvSpPr>
+            <a:spLocks noGrp="1"/>
+          </p:cNvSpPr>
+          <p:nvPr>
+            <p:ph type="sldNum" sz="quarter" idx="10"/>
+          </p:nvPr>
+        </p:nvSpPr>
+        <p:spPr/>
+        <p:txBody>
+          <a:bodyPr/>
+          <a:lstStyle/>
+          <a:p>
+            <a:fld id="{6092F379-BBDA-4C4C-8388-62C243978CCA}" type="slidenum">
+              <a:rPr lang="en-US" smtClean="0"/>
+              <a:t>9</a:t>
+            </a:fld>
+            <a:endParaRPr lang="en-US"/>
+          </a:p>
+        </p:txBody>
+      </p:sp>
+    </p:spTree>
+    <p:extLst>
+      <p:ext uri="{BB962C8B-B14F-4D97-AF65-F5344CB8AC3E}">
+        <p14:creationId xmlns:p14="http://schemas.microsoft.com/office/powerpoint/2010/main" val="1219093884"/>
       </p:ext>
     </p:extLst>
   </p:cSld>
@@ -3458,6 +9217,805 @@
   <p:clrMapOvr>
     <a:masterClrMapping/>
   </p:clrMapOvr>
+</p:sld>
+</file>
+
+<file path=ppt/slides/slide10.xml><?xml version="1.0" encoding="utf-8"?>
+<p:sld xmlns:a="http://schemas.openxmlformats.org/drawingml/2006/main" xmlns:r="http://schemas.openxmlformats.org/officeDocument/2006/relationships" xmlns:p="http://schemas.openxmlformats.org/presentationml/2006/main">
+  <p:cSld>
+    <p:spTree>
+      <p:nvGrpSpPr>
+        <p:cNvPr id="1" name=""/>
+        <p:cNvGrpSpPr/>
+        <p:nvPr/>
+      </p:nvGrpSpPr>
+      <p:grpSpPr>
+        <a:xfrm>
+          <a:off x="0" y="0"/>
+          <a:ext cx="0" cy="0"/>
+          <a:chOff x="0" y="0"/>
+          <a:chExt cx="0" cy="0"/>
+        </a:xfrm>
+      </p:grpSpPr>
+      <p:graphicFrame>
+        <p:nvGraphicFramePr>
+          <p:cNvPr id="5" name="Chart 4"/>
+          <p:cNvGraphicFramePr/>
+          <p:nvPr>
+            <p:extLst>
+              <p:ext uri="{D42A27DB-BD31-4B8C-83A1-F6EECF244321}">
+                <p14:modId xmlns:p14="http://schemas.microsoft.com/office/powerpoint/2010/main" val="522668648"/>
+              </p:ext>
+            </p:extLst>
+          </p:nvPr>
+        </p:nvGraphicFramePr>
+        <p:xfrm>
+          <a:off x="1" y="1504543"/>
+          <a:ext cx="12192000" cy="5461879"/>
+        </p:xfrm>
+        <a:graphic>
+          <a:graphicData uri="http://schemas.openxmlformats.org/drawingml/2006/chart">
+            <c:chart xmlns:c="http://schemas.openxmlformats.org/drawingml/2006/chart" xmlns:r="http://schemas.openxmlformats.org/officeDocument/2006/relationships" r:id="rId2"/>
+          </a:graphicData>
+        </a:graphic>
+      </p:graphicFrame>
+      <p:sp>
+        <p:nvSpPr>
+          <p:cNvPr id="2" name="Title 1"/>
+          <p:cNvSpPr>
+            <a:spLocks noGrp="1"/>
+          </p:cNvSpPr>
+          <p:nvPr>
+            <p:ph type="title"/>
+          </p:nvPr>
+        </p:nvSpPr>
+        <p:spPr>
+          <a:xfrm>
+            <a:off x="838201" y="365123"/>
+            <a:ext cx="10515600" cy="1325563"/>
+          </a:xfrm>
+        </p:spPr>
+        <p:txBody>
+          <a:bodyPr/>
+          <a:lstStyle/>
+          <a:p>
+            <a:r>
+              <a:rPr lang="en-US" dirty="0" smtClean="0"/>
+              <a:t>GCUPS: 540 Cores</a:t>
+            </a:r>
+            <a:endParaRPr lang="en-US" dirty="0"/>
+          </a:p>
+        </p:txBody>
+      </p:sp>
+      <p:sp>
+        <p:nvSpPr>
+          <p:cNvPr id="6" name="TextBox 5"/>
+          <p:cNvSpPr txBox="1"/>
+          <p:nvPr/>
+        </p:nvSpPr>
+        <p:spPr>
+          <a:xfrm rot="16200000">
+            <a:off x="11272556" y="2289244"/>
+            <a:ext cx="865943" cy="369332"/>
+          </a:xfrm>
+          <a:prstGeom prst="rect">
+            <a:avLst/>
+          </a:prstGeom>
+          <a:noFill/>
+        </p:spPr>
+        <p:txBody>
+          <a:bodyPr wrap="none" rtlCol="0">
+            <a:spAutoFit/>
+          </a:bodyPr>
+          <a:lstStyle/>
+          <a:p>
+            <a:r>
+              <a:rPr lang="en-US" dirty="0" smtClean="0"/>
+              <a:t>L=1050</a:t>
+            </a:r>
+            <a:endParaRPr lang="en-US" dirty="0"/>
+          </a:p>
+        </p:txBody>
+      </p:sp>
+      <p:sp>
+        <p:nvSpPr>
+          <p:cNvPr id="7" name="TextBox 6"/>
+          <p:cNvSpPr txBox="1"/>
+          <p:nvPr/>
+        </p:nvSpPr>
+        <p:spPr>
+          <a:xfrm rot="16200000">
+            <a:off x="10614318" y="1276211"/>
+            <a:ext cx="865943" cy="369332"/>
+          </a:xfrm>
+          <a:prstGeom prst="rect">
+            <a:avLst/>
+          </a:prstGeom>
+          <a:noFill/>
+        </p:spPr>
+        <p:txBody>
+          <a:bodyPr wrap="none" rtlCol="0">
+            <a:spAutoFit/>
+          </a:bodyPr>
+          <a:lstStyle/>
+          <a:p>
+            <a:r>
+              <a:rPr lang="en-US" dirty="0" smtClean="0"/>
+              <a:t>L=1059</a:t>
+            </a:r>
+            <a:endParaRPr lang="en-US" dirty="0"/>
+          </a:p>
+        </p:txBody>
+      </p:sp>
+      <p:sp>
+        <p:nvSpPr>
+          <p:cNvPr id="8" name="TextBox 7"/>
+          <p:cNvSpPr txBox="1"/>
+          <p:nvPr/>
+        </p:nvSpPr>
+        <p:spPr>
+          <a:xfrm rot="16200000">
+            <a:off x="11554643" y="4218563"/>
+            <a:ext cx="748923" cy="369332"/>
+          </a:xfrm>
+          <a:prstGeom prst="rect">
+            <a:avLst/>
+          </a:prstGeom>
+          <a:noFill/>
+        </p:spPr>
+        <p:txBody>
+          <a:bodyPr wrap="none" rtlCol="0">
+            <a:spAutoFit/>
+          </a:bodyPr>
+          <a:lstStyle/>
+          <a:p>
+            <a:r>
+              <a:rPr lang="en-US" dirty="0" smtClean="0"/>
+              <a:t>L=510</a:t>
+            </a:r>
+            <a:endParaRPr lang="en-US" dirty="0"/>
+          </a:p>
+        </p:txBody>
+      </p:sp>
+      <p:sp>
+        <p:nvSpPr>
+          <p:cNvPr id="9" name="TextBox 8"/>
+          <p:cNvSpPr txBox="1"/>
+          <p:nvPr/>
+        </p:nvSpPr>
+        <p:spPr>
+          <a:xfrm rot="16200000">
+            <a:off x="10868910" y="2433330"/>
+            <a:ext cx="829990" cy="369332"/>
+          </a:xfrm>
+          <a:prstGeom prst="rect">
+            <a:avLst/>
+          </a:prstGeom>
+          <a:noFill/>
+        </p:spPr>
+        <p:txBody>
+          <a:bodyPr wrap="square" rtlCol="0">
+            <a:spAutoFit/>
+          </a:bodyPr>
+          <a:lstStyle/>
+          <a:p>
+            <a:r>
+              <a:rPr lang="en-US" dirty="0" smtClean="0"/>
+              <a:t>L=857</a:t>
+            </a:r>
+            <a:endParaRPr lang="en-US" dirty="0"/>
+          </a:p>
+        </p:txBody>
+      </p:sp>
+      <p:cxnSp>
+        <p:nvCxnSpPr>
+          <p:cNvPr id="11" name="Straight Connector 10"/>
+          <p:cNvCxnSpPr/>
+          <p:nvPr/>
+        </p:nvCxnSpPr>
+        <p:spPr>
+          <a:xfrm flipV="1">
+            <a:off x="888460" y="2993905"/>
+            <a:ext cx="11128035" cy="78728"/>
+          </a:xfrm>
+          <a:prstGeom prst="line">
+            <a:avLst/>
+          </a:prstGeom>
+          <a:ln w="31750">
+            <a:solidFill>
+              <a:srgbClr val="FFFF00"/>
+            </a:solidFill>
+            <a:prstDash val="dash"/>
+          </a:ln>
+        </p:spPr>
+        <p:style>
+          <a:lnRef idx="1">
+            <a:schemeClr val="accent1"/>
+          </a:lnRef>
+          <a:fillRef idx="0">
+            <a:schemeClr val="accent1"/>
+          </a:fillRef>
+          <a:effectRef idx="0">
+            <a:schemeClr val="accent1"/>
+          </a:effectRef>
+          <a:fontRef idx="minor">
+            <a:schemeClr val="tx1"/>
+          </a:fontRef>
+        </p:style>
+      </p:cxnSp>
+      <p:sp>
+        <p:nvSpPr>
+          <p:cNvPr id="15" name="TextBox 14"/>
+          <p:cNvSpPr txBox="1"/>
+          <p:nvPr/>
+        </p:nvSpPr>
+        <p:spPr>
+          <a:xfrm>
+            <a:off x="888460" y="2722216"/>
+            <a:ext cx="729687" cy="369332"/>
+          </a:xfrm>
+          <a:prstGeom prst="rect">
+            <a:avLst/>
+          </a:prstGeom>
+          <a:noFill/>
+        </p:spPr>
+        <p:txBody>
+          <a:bodyPr wrap="none" rtlCol="0">
+            <a:spAutoFit/>
+          </a:bodyPr>
+          <a:lstStyle/>
+          <a:p>
+            <a:r>
+              <a:rPr lang="en-US" dirty="0" smtClean="0"/>
+              <a:t>Mean</a:t>
+            </a:r>
+            <a:endParaRPr lang="en-US" dirty="0"/>
+          </a:p>
+        </p:txBody>
+      </p:sp>
+      <p:sp>
+        <p:nvSpPr>
+          <p:cNvPr id="16" name="TextBox 15"/>
+          <p:cNvSpPr txBox="1"/>
+          <p:nvPr/>
+        </p:nvSpPr>
+        <p:spPr>
+          <a:xfrm rot="16200000">
+            <a:off x="11082988" y="3098767"/>
+            <a:ext cx="829990" cy="369332"/>
+          </a:xfrm>
+          <a:prstGeom prst="rect">
+            <a:avLst/>
+          </a:prstGeom>
+          <a:noFill/>
+        </p:spPr>
+        <p:txBody>
+          <a:bodyPr wrap="square" rtlCol="0">
+            <a:spAutoFit/>
+          </a:bodyPr>
+          <a:lstStyle/>
+          <a:p>
+            <a:r>
+              <a:rPr lang="en-US" dirty="0" smtClean="0"/>
+              <a:t>L=802</a:t>
+            </a:r>
+            <a:endParaRPr lang="en-US" dirty="0"/>
+          </a:p>
+        </p:txBody>
+      </p:sp>
+    </p:spTree>
+    <p:extLst>
+      <p:ext uri="{BB962C8B-B14F-4D97-AF65-F5344CB8AC3E}">
+        <p14:creationId xmlns:p14="http://schemas.microsoft.com/office/powerpoint/2010/main" val="565079113"/>
+      </p:ext>
+    </p:extLst>
+  </p:cSld>
+  <p:clrMapOvr>
+    <a:masterClrMapping/>
+  </p:clrMapOvr>
+  <p:timing>
+    <p:tnLst>
+      <p:par>
+        <p:cTn id="1" dur="indefinite" restart="never" nodeType="tmRoot">
+          <p:childTnLst>
+            <p:seq concurrent="1" nextAc="seek">
+              <p:cTn id="2" dur="indefinite" nodeType="mainSeq">
+                <p:childTnLst>
+                  <p:par>
+                    <p:cTn id="3" fill="hold">
+                      <p:stCondLst>
+                        <p:cond delay="indefinite"/>
+                      </p:stCondLst>
+                      <p:childTnLst>
+                        <p:par>
+                          <p:cTn id="4" fill="hold">
+                            <p:stCondLst>
+                              <p:cond delay="0"/>
+                            </p:stCondLst>
+                            <p:childTnLst>
+                              <p:par>
+                                <p:cTn id="5" presetID="1" presetClass="entr" presetSubtype="0" fill="hold" grpId="0" nodeType="clickEffect">
+                                  <p:stCondLst>
+                                    <p:cond delay="0"/>
+                                  </p:stCondLst>
+                                  <p:childTnLst>
+                                    <p:set>
+                                      <p:cBhvr>
+                                        <p:cTn id="6" dur="1" fill="hold">
+                                          <p:stCondLst>
+                                            <p:cond delay="0"/>
+                                          </p:stCondLst>
+                                        </p:cTn>
+                                        <p:tgtEl>
+                                          <p:spTgt spid="15"/>
+                                        </p:tgtEl>
+                                        <p:attrNameLst>
+                                          <p:attrName>style.visibility</p:attrName>
+                                        </p:attrNameLst>
+                                      </p:cBhvr>
+                                      <p:to>
+                                        <p:strVal val="visible"/>
+                                      </p:to>
+                                    </p:set>
+                                  </p:childTnLst>
+                                </p:cTn>
+                              </p:par>
+                              <p:par>
+                                <p:cTn id="7" presetID="1" presetClass="entr" presetSubtype="0" fill="hold" nodeType="withEffect">
+                                  <p:stCondLst>
+                                    <p:cond delay="0"/>
+                                  </p:stCondLst>
+                                  <p:childTnLst>
+                                    <p:set>
+                                      <p:cBhvr>
+                                        <p:cTn id="8" dur="1" fill="hold">
+                                          <p:stCondLst>
+                                            <p:cond delay="0"/>
+                                          </p:stCondLst>
+                                        </p:cTn>
+                                        <p:tgtEl>
+                                          <p:spTgt spid="11"/>
+                                        </p:tgtEl>
+                                        <p:attrNameLst>
+                                          <p:attrName>style.visibility</p:attrName>
+                                        </p:attrNameLst>
+                                      </p:cBhvr>
+                                      <p:to>
+                                        <p:strVal val="visible"/>
+                                      </p:to>
+                                    </p:set>
+                                  </p:childTnLst>
+                                </p:cTn>
+                              </p:par>
+                            </p:childTnLst>
+                          </p:cTn>
+                        </p:par>
+                      </p:childTnLst>
+                    </p:cTn>
+                  </p:par>
+                  <p:par>
+                    <p:cTn id="9" fill="hold">
+                      <p:stCondLst>
+                        <p:cond delay="indefinite"/>
+                      </p:stCondLst>
+                      <p:childTnLst>
+                        <p:par>
+                          <p:cTn id="10" fill="hold">
+                            <p:stCondLst>
+                              <p:cond delay="0"/>
+                            </p:stCondLst>
+                            <p:childTnLst>
+                              <p:par>
+                                <p:cTn id="11" presetID="1" presetClass="entr" presetSubtype="0" fill="hold" grpId="0" nodeType="clickEffect">
+                                  <p:stCondLst>
+                                    <p:cond delay="0"/>
+                                  </p:stCondLst>
+                                  <p:childTnLst>
+                                    <p:set>
+                                      <p:cBhvr>
+                                        <p:cTn id="12" dur="1" fill="hold">
+                                          <p:stCondLst>
+                                            <p:cond delay="0"/>
+                                          </p:stCondLst>
+                                        </p:cTn>
+                                        <p:tgtEl>
+                                          <p:spTgt spid="16"/>
+                                        </p:tgtEl>
+                                        <p:attrNameLst>
+                                          <p:attrName>style.visibility</p:attrName>
+                                        </p:attrNameLst>
+                                      </p:cBhvr>
+                                      <p:to>
+                                        <p:strVal val="visible"/>
+                                      </p:to>
+                                    </p:set>
+                                  </p:childTnLst>
+                                </p:cTn>
+                              </p:par>
+                              <p:par>
+                                <p:cTn id="13" presetID="1" presetClass="entr" presetSubtype="0" fill="hold" grpId="0" nodeType="withEffect">
+                                  <p:stCondLst>
+                                    <p:cond delay="0"/>
+                                  </p:stCondLst>
+                                  <p:childTnLst>
+                                    <p:set>
+                                      <p:cBhvr>
+                                        <p:cTn id="14" dur="1" fill="hold">
+                                          <p:stCondLst>
+                                            <p:cond delay="0"/>
+                                          </p:stCondLst>
+                                        </p:cTn>
+                                        <p:tgtEl>
+                                          <p:spTgt spid="7"/>
+                                        </p:tgtEl>
+                                        <p:attrNameLst>
+                                          <p:attrName>style.visibility</p:attrName>
+                                        </p:attrNameLst>
+                                      </p:cBhvr>
+                                      <p:to>
+                                        <p:strVal val="visible"/>
+                                      </p:to>
+                                    </p:set>
+                                  </p:childTnLst>
+                                </p:cTn>
+                              </p:par>
+                              <p:par>
+                                <p:cTn id="15" presetID="1" presetClass="entr" presetSubtype="0" fill="hold" grpId="0" nodeType="withEffect">
+                                  <p:stCondLst>
+                                    <p:cond delay="0"/>
+                                  </p:stCondLst>
+                                  <p:childTnLst>
+                                    <p:set>
+                                      <p:cBhvr>
+                                        <p:cTn id="16" dur="1" fill="hold">
+                                          <p:stCondLst>
+                                            <p:cond delay="0"/>
+                                          </p:stCondLst>
+                                        </p:cTn>
+                                        <p:tgtEl>
+                                          <p:spTgt spid="9"/>
+                                        </p:tgtEl>
+                                        <p:attrNameLst>
+                                          <p:attrName>style.visibility</p:attrName>
+                                        </p:attrNameLst>
+                                      </p:cBhvr>
+                                      <p:to>
+                                        <p:strVal val="visible"/>
+                                      </p:to>
+                                    </p:set>
+                                  </p:childTnLst>
+                                </p:cTn>
+                              </p:par>
+                              <p:par>
+                                <p:cTn id="17" presetID="1" presetClass="entr" presetSubtype="0" fill="hold" grpId="0" nodeType="withEffect">
+                                  <p:stCondLst>
+                                    <p:cond delay="0"/>
+                                  </p:stCondLst>
+                                  <p:childTnLst>
+                                    <p:set>
+                                      <p:cBhvr>
+                                        <p:cTn id="18" dur="1" fill="hold">
+                                          <p:stCondLst>
+                                            <p:cond delay="0"/>
+                                          </p:stCondLst>
+                                        </p:cTn>
+                                        <p:tgtEl>
+                                          <p:spTgt spid="6"/>
+                                        </p:tgtEl>
+                                        <p:attrNameLst>
+                                          <p:attrName>style.visibility</p:attrName>
+                                        </p:attrNameLst>
+                                      </p:cBhvr>
+                                      <p:to>
+                                        <p:strVal val="visible"/>
+                                      </p:to>
+                                    </p:set>
+                                  </p:childTnLst>
+                                </p:cTn>
+                              </p:par>
+                              <p:par>
+                                <p:cTn id="19" presetID="1" presetClass="entr" presetSubtype="0" fill="hold" grpId="0" nodeType="withEffect">
+                                  <p:stCondLst>
+                                    <p:cond delay="0"/>
+                                  </p:stCondLst>
+                                  <p:childTnLst>
+                                    <p:set>
+                                      <p:cBhvr>
+                                        <p:cTn id="20" dur="1" fill="hold">
+                                          <p:stCondLst>
+                                            <p:cond delay="0"/>
+                                          </p:stCondLst>
+                                        </p:cTn>
+                                        <p:tgtEl>
+                                          <p:spTgt spid="8"/>
+                                        </p:tgtEl>
+                                        <p:attrNameLst>
+                                          <p:attrName>style.visibility</p:attrName>
+                                        </p:attrNameLst>
+                                      </p:cBhvr>
+                                      <p:to>
+                                        <p:strVal val="visible"/>
+                                      </p:to>
+                                    </p:set>
+                                  </p:childTnLst>
+                                </p:cTn>
+                              </p:par>
+                            </p:childTnLst>
+                          </p:cTn>
+                        </p:par>
+                      </p:childTnLst>
+                    </p:cTn>
+                  </p:par>
+                </p:childTnLst>
+              </p:cTn>
+              <p:prevCondLst>
+                <p:cond evt="onPrev" delay="0">
+                  <p:tgtEl>
+                    <p:sldTgt/>
+                  </p:tgtEl>
+                </p:cond>
+              </p:prevCondLst>
+              <p:nextCondLst>
+                <p:cond evt="onNext" delay="0">
+                  <p:tgtEl>
+                    <p:sldTgt/>
+                  </p:tgtEl>
+                </p:cond>
+              </p:nextCondLst>
+            </p:seq>
+          </p:childTnLst>
+        </p:cTn>
+      </p:par>
+    </p:tnLst>
+    <p:bldLst>
+      <p:bldP spid="6" grpId="0"/>
+      <p:bldP spid="7" grpId="0"/>
+      <p:bldP spid="8" grpId="0"/>
+      <p:bldP spid="9" grpId="0"/>
+      <p:bldP spid="15" grpId="0"/>
+      <p:bldP spid="16" grpId="0"/>
+    </p:bldLst>
+  </p:timing>
+</p:sld>
+</file>
+
+<file path=ppt/slides/slide11.xml><?xml version="1.0" encoding="utf-8"?>
+<p:sld xmlns:a="http://schemas.openxmlformats.org/drawingml/2006/main" xmlns:r="http://schemas.openxmlformats.org/officeDocument/2006/relationships" xmlns:p="http://schemas.openxmlformats.org/presentationml/2006/main">
+  <p:cSld>
+    <p:spTree>
+      <p:nvGrpSpPr>
+        <p:cNvPr id="1" name=""/>
+        <p:cNvGrpSpPr/>
+        <p:nvPr/>
+      </p:nvGrpSpPr>
+      <p:grpSpPr>
+        <a:xfrm>
+          <a:off x="0" y="0"/>
+          <a:ext cx="0" cy="0"/>
+          <a:chOff x="0" y="0"/>
+          <a:chExt cx="0" cy="0"/>
+        </a:xfrm>
+      </p:grpSpPr>
+      <p:sp>
+        <p:nvSpPr>
+          <p:cNvPr id="2" name="Title 1"/>
+          <p:cNvSpPr>
+            <a:spLocks noGrp="1"/>
+          </p:cNvSpPr>
+          <p:nvPr>
+            <p:ph type="title"/>
+          </p:nvPr>
+        </p:nvSpPr>
+        <p:spPr/>
+        <p:txBody>
+          <a:bodyPr/>
+          <a:lstStyle/>
+          <a:p>
+            <a:r>
+              <a:rPr lang="en-US" dirty="0" smtClean="0"/>
+              <a:t>GCUPS: 1 Core</a:t>
+            </a:r>
+            <a:endParaRPr lang="en-US" dirty="0"/>
+          </a:p>
+        </p:txBody>
+      </p:sp>
+      <p:graphicFrame>
+        <p:nvGraphicFramePr>
+          <p:cNvPr id="6" name="Chart 5"/>
+          <p:cNvGraphicFramePr/>
+          <p:nvPr>
+            <p:extLst>
+              <p:ext uri="{D42A27DB-BD31-4B8C-83A1-F6EECF244321}">
+                <p14:modId xmlns:p14="http://schemas.microsoft.com/office/powerpoint/2010/main" val="1114764453"/>
+              </p:ext>
+            </p:extLst>
+          </p:nvPr>
+        </p:nvGraphicFramePr>
+        <p:xfrm>
+          <a:off x="-55124" y="1271081"/>
+          <a:ext cx="12247123" cy="5586919"/>
+        </p:xfrm>
+        <a:graphic>
+          <a:graphicData uri="http://schemas.openxmlformats.org/drawingml/2006/chart">
+            <c:chart xmlns:c="http://schemas.openxmlformats.org/drawingml/2006/chart" xmlns:r="http://schemas.openxmlformats.org/officeDocument/2006/relationships" r:id="rId2"/>
+          </a:graphicData>
+        </a:graphic>
+      </p:graphicFrame>
+    </p:spTree>
+    <p:extLst>
+      <p:ext uri="{BB962C8B-B14F-4D97-AF65-F5344CB8AC3E}">
+        <p14:creationId xmlns:p14="http://schemas.microsoft.com/office/powerpoint/2010/main" val="153569394"/>
+      </p:ext>
+    </p:extLst>
+  </p:cSld>
+  <p:clrMapOvr>
+    <a:masterClrMapping/>
+  </p:clrMapOvr>
+  <p:timing>
+    <p:tnLst>
+      <p:par>
+        <p:cTn id="1" dur="indefinite" restart="never" nodeType="tmRoot"/>
+      </p:par>
+    </p:tnLst>
+  </p:timing>
+</p:sld>
+</file>
+
+<file path=ppt/slides/slide12.xml><?xml version="1.0" encoding="utf-8"?>
+<p:sld xmlns:a="http://schemas.openxmlformats.org/drawingml/2006/main" xmlns:r="http://schemas.openxmlformats.org/officeDocument/2006/relationships" xmlns:p="http://schemas.openxmlformats.org/presentationml/2006/main">
+  <p:cSld>
+    <p:spTree>
+      <p:nvGrpSpPr>
+        <p:cNvPr id="1" name=""/>
+        <p:cNvGrpSpPr/>
+        <p:nvPr/>
+      </p:nvGrpSpPr>
+      <p:grpSpPr>
+        <a:xfrm>
+          <a:off x="0" y="0"/>
+          <a:ext cx="0" cy="0"/>
+          <a:chOff x="0" y="0"/>
+          <a:chExt cx="0" cy="0"/>
+        </a:xfrm>
+      </p:grpSpPr>
+      <p:sp>
+        <p:nvSpPr>
+          <p:cNvPr id="2" name="Title 1"/>
+          <p:cNvSpPr>
+            <a:spLocks noGrp="1"/>
+          </p:cNvSpPr>
+          <p:nvPr>
+            <p:ph type="title"/>
+          </p:nvPr>
+        </p:nvSpPr>
+        <p:spPr/>
+        <p:txBody>
+          <a:bodyPr/>
+          <a:lstStyle/>
+          <a:p>
+            <a:r>
+              <a:rPr lang="en-US" dirty="0" smtClean="0"/>
+              <a:t>H4 Vs. H3: Parallel Scaling</a:t>
+            </a:r>
+            <a:endParaRPr lang="en-US" dirty="0"/>
+          </a:p>
+        </p:txBody>
+      </p:sp>
+      <p:sp>
+        <p:nvSpPr>
+          <p:cNvPr id="3" name="Content Placeholder 2"/>
+          <p:cNvSpPr>
+            <a:spLocks noGrp="1"/>
+          </p:cNvSpPr>
+          <p:nvPr>
+            <p:ph idx="1"/>
+          </p:nvPr>
+        </p:nvSpPr>
+        <p:spPr/>
+        <p:txBody>
+          <a:bodyPr/>
+          <a:lstStyle/>
+          <a:p>
+            <a:endParaRPr lang="en-US"/>
+          </a:p>
+        </p:txBody>
+      </p:sp>
+    </p:spTree>
+    <p:extLst>
+      <p:ext uri="{BB962C8B-B14F-4D97-AF65-F5344CB8AC3E}">
+        <p14:creationId xmlns:p14="http://schemas.microsoft.com/office/powerpoint/2010/main" val="52993700"/>
+      </p:ext>
+    </p:extLst>
+  </p:cSld>
+  <p:clrMapOvr>
+    <a:masterClrMapping/>
+  </p:clrMapOvr>
+  <p:timing>
+    <p:tnLst>
+      <p:par>
+        <p:cTn id="1" dur="indefinite" restart="never" nodeType="tmRoot"/>
+      </p:par>
+    </p:tnLst>
+  </p:timing>
+</p:sld>
+</file>
+
+<file path=ppt/slides/slide13.xml><?xml version="1.0" encoding="utf-8"?>
+<p:sld xmlns:a="http://schemas.openxmlformats.org/drawingml/2006/main" xmlns:r="http://schemas.openxmlformats.org/officeDocument/2006/relationships" xmlns:p="http://schemas.openxmlformats.org/presentationml/2006/main">
+  <p:cSld>
+    <p:spTree>
+      <p:nvGrpSpPr>
+        <p:cNvPr id="1" name=""/>
+        <p:cNvGrpSpPr/>
+        <p:nvPr/>
+      </p:nvGrpSpPr>
+      <p:grpSpPr>
+        <a:xfrm>
+          <a:off x="0" y="0"/>
+          <a:ext cx="0" cy="0"/>
+          <a:chOff x="0" y="0"/>
+          <a:chExt cx="0" cy="0"/>
+        </a:xfrm>
+      </p:grpSpPr>
+      <p:sp>
+        <p:nvSpPr>
+          <p:cNvPr id="2" name="Title 1"/>
+          <p:cNvSpPr>
+            <a:spLocks noGrp="1"/>
+          </p:cNvSpPr>
+          <p:nvPr>
+            <p:ph type="title"/>
+          </p:nvPr>
+        </p:nvSpPr>
+        <p:spPr/>
+        <p:txBody>
+          <a:bodyPr/>
+          <a:lstStyle/>
+          <a:p>
+            <a:r>
+              <a:rPr lang="en-US" dirty="0" smtClean="0"/>
+              <a:t>H4 Vs. H3: Performance</a:t>
+            </a:r>
+            <a:endParaRPr lang="en-US" dirty="0"/>
+          </a:p>
+        </p:txBody>
+      </p:sp>
+      <p:sp>
+        <p:nvSpPr>
+          <p:cNvPr id="3" name="Content Placeholder 2"/>
+          <p:cNvSpPr>
+            <a:spLocks noGrp="1"/>
+          </p:cNvSpPr>
+          <p:nvPr>
+            <p:ph idx="1"/>
+          </p:nvPr>
+        </p:nvSpPr>
+        <p:spPr/>
+        <p:txBody>
+          <a:bodyPr/>
+          <a:lstStyle/>
+          <a:p>
+            <a:endParaRPr lang="en-US"/>
+          </a:p>
+        </p:txBody>
+      </p:sp>
+    </p:spTree>
+    <p:extLst>
+      <p:ext uri="{BB962C8B-B14F-4D97-AF65-F5344CB8AC3E}">
+        <p14:creationId xmlns:p14="http://schemas.microsoft.com/office/powerpoint/2010/main" val="251572705"/>
+      </p:ext>
+    </p:extLst>
+  </p:cSld>
+  <p:clrMapOvr>
+    <a:masterClrMapping/>
+  </p:clrMapOvr>
+  <p:timing>
+    <p:tnLst>
+      <p:par>
+        <p:cTn id="1" dur="indefinite" restart="never" nodeType="tmRoot"/>
+      </p:par>
+    </p:tnLst>
+  </p:timing>
 </p:sld>
 </file>
 
@@ -10279,6 +16837,235 @@
 </p:sld>
 </file>
 
+<file path=ppt/slides/slide8.xml><?xml version="1.0" encoding="utf-8"?>
+<p:sld xmlns:a="http://schemas.openxmlformats.org/drawingml/2006/main" xmlns:r="http://schemas.openxmlformats.org/officeDocument/2006/relationships" xmlns:p="http://schemas.openxmlformats.org/presentationml/2006/main">
+  <p:cSld>
+    <p:spTree>
+      <p:nvGrpSpPr>
+        <p:cNvPr id="1" name=""/>
+        <p:cNvGrpSpPr/>
+        <p:nvPr/>
+      </p:nvGrpSpPr>
+      <p:grpSpPr>
+        <a:xfrm>
+          <a:off x="0" y="0"/>
+          <a:ext cx="0" cy="0"/>
+          <a:chOff x="0" y="0"/>
+          <a:chExt cx="0" cy="0"/>
+        </a:xfrm>
+      </p:grpSpPr>
+      <p:sp>
+        <p:nvSpPr>
+          <p:cNvPr id="5" name="Title 4"/>
+          <p:cNvSpPr>
+            <a:spLocks noGrp="1"/>
+          </p:cNvSpPr>
+          <p:nvPr>
+            <p:ph type="title"/>
+          </p:nvPr>
+        </p:nvSpPr>
+        <p:spPr>
+          <a:xfrm>
+            <a:off x="838200" y="365125"/>
+            <a:ext cx="10515600" cy="432543"/>
+          </a:xfrm>
+        </p:spPr>
+        <p:txBody>
+          <a:bodyPr>
+            <a:normAutofit fontScale="90000"/>
+          </a:bodyPr>
+          <a:lstStyle/>
+          <a:p>
+            <a:r>
+              <a:rPr lang="en-US" smtClean="0"/>
+              <a:t>H4 Performance</a:t>
+            </a:r>
+            <a:endParaRPr lang="en-US" dirty="0"/>
+          </a:p>
+        </p:txBody>
+      </p:sp>
+      <p:graphicFrame>
+        <p:nvGraphicFramePr>
+          <p:cNvPr id="6" name="Chart 5"/>
+          <p:cNvGraphicFramePr/>
+          <p:nvPr>
+            <p:extLst>
+              <p:ext uri="{D42A27DB-BD31-4B8C-83A1-F6EECF244321}">
+                <p14:modId xmlns:p14="http://schemas.microsoft.com/office/powerpoint/2010/main" val="373366309"/>
+              </p:ext>
+            </p:extLst>
+          </p:nvPr>
+        </p:nvGraphicFramePr>
+        <p:xfrm>
+          <a:off x="0" y="797669"/>
+          <a:ext cx="12081753" cy="6060332"/>
+        </p:xfrm>
+        <a:graphic>
+          <a:graphicData uri="http://schemas.openxmlformats.org/drawingml/2006/chart">
+            <c:chart xmlns:c="http://schemas.openxmlformats.org/drawingml/2006/chart" xmlns:r="http://schemas.openxmlformats.org/officeDocument/2006/relationships" r:id="rId2"/>
+          </a:graphicData>
+        </a:graphic>
+      </p:graphicFrame>
+      <p:sp>
+        <p:nvSpPr>
+          <p:cNvPr id="7" name="TextBox 6"/>
+          <p:cNvSpPr txBox="1"/>
+          <p:nvPr/>
+        </p:nvSpPr>
+        <p:spPr>
+          <a:xfrm>
+            <a:off x="1309991" y="1387813"/>
+            <a:ext cx="1571264" cy="646331"/>
+          </a:xfrm>
+          <a:prstGeom prst="rect">
+            <a:avLst/>
+          </a:prstGeom>
+          <a:noFill/>
+        </p:spPr>
+        <p:txBody>
+          <a:bodyPr wrap="none" rtlCol="0">
+            <a:spAutoFit/>
+          </a:bodyPr>
+          <a:lstStyle/>
+          <a:p>
+            <a:r>
+              <a:rPr lang="en-US" dirty="0" smtClean="0"/>
+              <a:t>Mean: 0.79 s</a:t>
+            </a:r>
+          </a:p>
+          <a:p>
+            <a:r>
+              <a:rPr lang="en-US" dirty="0" smtClean="0"/>
+              <a:t>Median: 0.59 s</a:t>
+            </a:r>
+            <a:endParaRPr lang="en-US" dirty="0"/>
+          </a:p>
+        </p:txBody>
+      </p:sp>
+    </p:spTree>
+    <p:extLst>
+      <p:ext uri="{BB962C8B-B14F-4D97-AF65-F5344CB8AC3E}">
+        <p14:creationId xmlns:p14="http://schemas.microsoft.com/office/powerpoint/2010/main" val="1878760457"/>
+      </p:ext>
+    </p:extLst>
+  </p:cSld>
+  <p:clrMapOvr>
+    <a:masterClrMapping/>
+  </p:clrMapOvr>
+</p:sld>
+</file>
+
+<file path=ppt/slides/slide9.xml><?xml version="1.0" encoding="utf-8"?>
+<p:sld xmlns:a="http://schemas.openxmlformats.org/drawingml/2006/main" xmlns:r="http://schemas.openxmlformats.org/officeDocument/2006/relationships" xmlns:p="http://schemas.openxmlformats.org/presentationml/2006/main">
+  <p:cSld>
+    <p:spTree>
+      <p:nvGrpSpPr>
+        <p:cNvPr id="1" name=""/>
+        <p:cNvGrpSpPr/>
+        <p:nvPr/>
+      </p:nvGrpSpPr>
+      <p:grpSpPr>
+        <a:xfrm>
+          <a:off x="0" y="0"/>
+          <a:ext cx="0" cy="0"/>
+          <a:chOff x="0" y="0"/>
+          <a:chExt cx="0" cy="0"/>
+        </a:xfrm>
+      </p:grpSpPr>
+      <p:sp>
+        <p:nvSpPr>
+          <p:cNvPr id="2" name="Title 1"/>
+          <p:cNvSpPr>
+            <a:spLocks noGrp="1"/>
+          </p:cNvSpPr>
+          <p:nvPr>
+            <p:ph type="title"/>
+          </p:nvPr>
+        </p:nvSpPr>
+        <p:spPr/>
+        <p:txBody>
+          <a:bodyPr/>
+          <a:lstStyle/>
+          <a:p>
+            <a:r>
+              <a:rPr lang="en-US" dirty="0" smtClean="0"/>
+              <a:t>H4 Performance (Tara Oceans)</a:t>
+            </a:r>
+            <a:endParaRPr lang="en-US" dirty="0"/>
+          </a:p>
+        </p:txBody>
+      </p:sp>
+      <p:graphicFrame>
+        <p:nvGraphicFramePr>
+          <p:cNvPr id="4" name="Chart 3"/>
+          <p:cNvGraphicFramePr/>
+          <p:nvPr>
+            <p:extLst>
+              <p:ext uri="{D42A27DB-BD31-4B8C-83A1-F6EECF244321}">
+                <p14:modId xmlns:p14="http://schemas.microsoft.com/office/powerpoint/2010/main" val="1328936636"/>
+              </p:ext>
+            </p:extLst>
+          </p:nvPr>
+        </p:nvGraphicFramePr>
+        <p:xfrm>
+          <a:off x="0" y="1238655"/>
+          <a:ext cx="12192000" cy="5619345"/>
+        </p:xfrm>
+        <a:graphic>
+          <a:graphicData uri="http://schemas.openxmlformats.org/drawingml/2006/chart">
+            <c:chart xmlns:c="http://schemas.openxmlformats.org/drawingml/2006/chart" xmlns:r="http://schemas.openxmlformats.org/officeDocument/2006/relationships" r:id="rId3"/>
+          </a:graphicData>
+        </a:graphic>
+      </p:graphicFrame>
+      <p:sp>
+        <p:nvSpPr>
+          <p:cNvPr id="5" name="TextBox 4"/>
+          <p:cNvSpPr txBox="1"/>
+          <p:nvPr/>
+        </p:nvSpPr>
+        <p:spPr>
+          <a:xfrm>
+            <a:off x="1394298" y="1517515"/>
+            <a:ext cx="1571264" cy="646331"/>
+          </a:xfrm>
+          <a:prstGeom prst="rect">
+            <a:avLst/>
+          </a:prstGeom>
+          <a:noFill/>
+        </p:spPr>
+        <p:txBody>
+          <a:bodyPr wrap="none" rtlCol="0">
+            <a:spAutoFit/>
+          </a:bodyPr>
+          <a:lstStyle/>
+          <a:p>
+            <a:r>
+              <a:rPr lang="en-US" dirty="0" smtClean="0"/>
+              <a:t>Mean: 1.49 s</a:t>
+            </a:r>
+          </a:p>
+          <a:p>
+            <a:r>
+              <a:rPr lang="en-US" dirty="0" smtClean="0"/>
+              <a:t>Median: 1.10 s</a:t>
+            </a:r>
+            <a:endParaRPr lang="en-US" dirty="0"/>
+          </a:p>
+        </p:txBody>
+      </p:sp>
+    </p:spTree>
+    <p:extLst>
+      <p:ext uri="{BB962C8B-B14F-4D97-AF65-F5344CB8AC3E}">
+        <p14:creationId xmlns:p14="http://schemas.microsoft.com/office/powerpoint/2010/main" val="1513931920"/>
+      </p:ext>
+    </p:extLst>
+  </p:cSld>
+  <p:clrMapOvr>
+    <a:masterClrMapping/>
+  </p:clrMapOvr>
+</p:sld>
+</file>
+
 <file path=ppt/theme/theme1.xml><?xml version="1.0" encoding="utf-8"?>
 <a:theme xmlns:a="http://schemas.openxmlformats.org/drawingml/2006/main" name="Office Theme">
   <a:themeElements>

--- a/Lab Meeting 5_25_17.pptx
+++ b/Lab Meeting 5_25_17.pptx
@@ -13,10 +13,10 @@
     <p:sldId id="259" r:id="rId4"/>
     <p:sldId id="261" r:id="rId5"/>
     <p:sldId id="260" r:id="rId6"/>
-    <p:sldId id="262" r:id="rId7"/>
-    <p:sldId id="263" r:id="rId8"/>
-    <p:sldId id="264" r:id="rId9"/>
-    <p:sldId id="265" r:id="rId10"/>
+    <p:sldId id="270" r:id="rId7"/>
+    <p:sldId id="262" r:id="rId8"/>
+    <p:sldId id="263" r:id="rId9"/>
+    <p:sldId id="264" r:id="rId10"/>
     <p:sldId id="266" r:id="rId11"/>
     <p:sldId id="267" r:id="rId12"/>
     <p:sldId id="268" r:id="rId13"/>
@@ -143,15 +143,631 @@
   <c:chart>
     <c:autoTitleDeleted val="1"/>
     <c:plotArea>
+      <c:layout/>
+      <c:barChart>
+        <c:barDir val="col"/>
+        <c:grouping val="clustered"/>
+        <c:varyColors val="0"/>
+        <c:ser>
+          <c:idx val="0"/>
+          <c:order val="0"/>
+          <c:spPr>
+            <a:solidFill>
+              <a:schemeClr val="accent1"/>
+            </a:solidFill>
+            <a:ln>
+              <a:noFill/>
+            </a:ln>
+            <a:effectLst/>
+          </c:spPr>
+          <c:invertIfNegative val="0"/>
+          <c:cat>
+            <c:numRef>
+              <c:f>Histogram!$A$2:$A$51</c:f>
+              <c:numCache>
+                <c:formatCode>General</c:formatCode>
+                <c:ptCount val="50"/>
+                <c:pt idx="0">
+                  <c:v>0.02</c:v>
+                </c:pt>
+                <c:pt idx="1">
+                  <c:v>0.04</c:v>
+                </c:pt>
+                <c:pt idx="2">
+                  <c:v>0.06</c:v>
+                </c:pt>
+                <c:pt idx="3">
+                  <c:v>0.08</c:v>
+                </c:pt>
+                <c:pt idx="4">
+                  <c:v>0.1</c:v>
+                </c:pt>
+                <c:pt idx="5">
+                  <c:v>0.12</c:v>
+                </c:pt>
+                <c:pt idx="6">
+                  <c:v>0.14</c:v>
+                </c:pt>
+                <c:pt idx="7">
+                  <c:v>0.16</c:v>
+                </c:pt>
+                <c:pt idx="8">
+                  <c:v>0.18</c:v>
+                </c:pt>
+                <c:pt idx="9">
+                  <c:v>0.2</c:v>
+                </c:pt>
+                <c:pt idx="10">
+                  <c:v>0.22</c:v>
+                </c:pt>
+                <c:pt idx="11">
+                  <c:v>0.24</c:v>
+                </c:pt>
+                <c:pt idx="12">
+                  <c:v>0.26</c:v>
+                </c:pt>
+                <c:pt idx="13">
+                  <c:v>0.28</c:v>
+                </c:pt>
+                <c:pt idx="14">
+                  <c:v>0.3</c:v>
+                </c:pt>
+                <c:pt idx="15">
+                  <c:v>0.32</c:v>
+                </c:pt>
+                <c:pt idx="16">
+                  <c:v>0.34</c:v>
+                </c:pt>
+                <c:pt idx="17">
+                  <c:v>0.36</c:v>
+                </c:pt>
+                <c:pt idx="18">
+                  <c:v>0.38</c:v>
+                </c:pt>
+                <c:pt idx="19">
+                  <c:v>0.4</c:v>
+                </c:pt>
+                <c:pt idx="20">
+                  <c:v>0.42</c:v>
+                </c:pt>
+                <c:pt idx="21">
+                  <c:v>0.44</c:v>
+                </c:pt>
+                <c:pt idx="22">
+                  <c:v>0.46</c:v>
+                </c:pt>
+                <c:pt idx="23">
+                  <c:v>0.48</c:v>
+                </c:pt>
+                <c:pt idx="24">
+                  <c:v>0.5</c:v>
+                </c:pt>
+                <c:pt idx="25">
+                  <c:v>0.52</c:v>
+                </c:pt>
+                <c:pt idx="26">
+                  <c:v>0.54</c:v>
+                </c:pt>
+                <c:pt idx="27">
+                  <c:v>0.56</c:v>
+                </c:pt>
+                <c:pt idx="28">
+                  <c:v>0.58</c:v>
+                </c:pt>
+                <c:pt idx="29">
+                  <c:v>0.6</c:v>
+                </c:pt>
+                <c:pt idx="30">
+                  <c:v>0.62</c:v>
+                </c:pt>
+                <c:pt idx="31">
+                  <c:v>0.64</c:v>
+                </c:pt>
+                <c:pt idx="32">
+                  <c:v>0.66</c:v>
+                </c:pt>
+                <c:pt idx="33">
+                  <c:v>0.68</c:v>
+                </c:pt>
+                <c:pt idx="34">
+                  <c:v>0.7</c:v>
+                </c:pt>
+                <c:pt idx="35">
+                  <c:v>0.72</c:v>
+                </c:pt>
+                <c:pt idx="36">
+                  <c:v>0.74</c:v>
+                </c:pt>
+                <c:pt idx="37">
+                  <c:v>0.76</c:v>
+                </c:pt>
+                <c:pt idx="38">
+                  <c:v>0.78</c:v>
+                </c:pt>
+                <c:pt idx="39">
+                  <c:v>0.8</c:v>
+                </c:pt>
+                <c:pt idx="40">
+                  <c:v>0.82</c:v>
+                </c:pt>
+                <c:pt idx="41">
+                  <c:v>0.84</c:v>
+                </c:pt>
+                <c:pt idx="42">
+                  <c:v>0.86</c:v>
+                </c:pt>
+                <c:pt idx="43">
+                  <c:v>0.88</c:v>
+                </c:pt>
+                <c:pt idx="44">
+                  <c:v>0.9</c:v>
+                </c:pt>
+                <c:pt idx="45">
+                  <c:v>0.92</c:v>
+                </c:pt>
+                <c:pt idx="46">
+                  <c:v>0.94</c:v>
+                </c:pt>
+                <c:pt idx="47">
+                  <c:v>0.96</c:v>
+                </c:pt>
+                <c:pt idx="48">
+                  <c:v>0.98</c:v>
+                </c:pt>
+                <c:pt idx="49">
+                  <c:v>1.0</c:v>
+                </c:pt>
+              </c:numCache>
+            </c:numRef>
+          </c:cat>
+          <c:val>
+            <c:numRef>
+              <c:f>Histogram!$B$2:$B$51</c:f>
+              <c:numCache>
+                <c:formatCode>General</c:formatCode>
+                <c:ptCount val="50"/>
+                <c:pt idx="0">
+                  <c:v>17948.0</c:v>
+                </c:pt>
+                <c:pt idx="1">
+                  <c:v>524.0</c:v>
+                </c:pt>
+                <c:pt idx="2">
+                  <c:v>233.0</c:v>
+                </c:pt>
+                <c:pt idx="3">
+                  <c:v>113.0</c:v>
+                </c:pt>
+                <c:pt idx="4">
+                  <c:v>64.0</c:v>
+                </c:pt>
+                <c:pt idx="5">
+                  <c:v>61.0</c:v>
+                </c:pt>
+                <c:pt idx="6">
+                  <c:v>41.0</c:v>
+                </c:pt>
+                <c:pt idx="7">
+                  <c:v>45.0</c:v>
+                </c:pt>
+                <c:pt idx="8">
+                  <c:v>41.0</c:v>
+                </c:pt>
+                <c:pt idx="9">
+                  <c:v>35.0</c:v>
+                </c:pt>
+                <c:pt idx="10">
+                  <c:v>25.0</c:v>
+                </c:pt>
+                <c:pt idx="11">
+                  <c:v>46.0</c:v>
+                </c:pt>
+                <c:pt idx="12">
+                  <c:v>32.0</c:v>
+                </c:pt>
+                <c:pt idx="13">
+                  <c:v>22.0</c:v>
+                </c:pt>
+                <c:pt idx="14">
+                  <c:v>32.0</c:v>
+                </c:pt>
+                <c:pt idx="15">
+                  <c:v>43.0</c:v>
+                </c:pt>
+                <c:pt idx="16">
+                  <c:v>61.0</c:v>
+                </c:pt>
+                <c:pt idx="17">
+                  <c:v>107.0</c:v>
+                </c:pt>
+                <c:pt idx="18">
+                  <c:v>131.0</c:v>
+                </c:pt>
+                <c:pt idx="19">
+                  <c:v>76.0</c:v>
+                </c:pt>
+                <c:pt idx="20">
+                  <c:v>45.0</c:v>
+                </c:pt>
+                <c:pt idx="21">
+                  <c:v>10.0</c:v>
+                </c:pt>
+                <c:pt idx="22">
+                  <c:v>5.0</c:v>
+                </c:pt>
+                <c:pt idx="23">
+                  <c:v>7.0</c:v>
+                </c:pt>
+                <c:pt idx="24">
+                  <c:v>5.0</c:v>
+                </c:pt>
+                <c:pt idx="25">
+                  <c:v>0.0</c:v>
+                </c:pt>
+                <c:pt idx="26">
+                  <c:v>4.0</c:v>
+                </c:pt>
+                <c:pt idx="27">
+                  <c:v>1.0</c:v>
+                </c:pt>
+                <c:pt idx="28">
+                  <c:v>1.0</c:v>
+                </c:pt>
+                <c:pt idx="29">
+                  <c:v>1.0</c:v>
+                </c:pt>
+                <c:pt idx="30">
+                  <c:v>1.0</c:v>
+                </c:pt>
+                <c:pt idx="31">
+                  <c:v>0.0</c:v>
+                </c:pt>
+                <c:pt idx="32">
+                  <c:v>0.0</c:v>
+                </c:pt>
+                <c:pt idx="33">
+                  <c:v>0.0</c:v>
+                </c:pt>
+                <c:pt idx="34">
+                  <c:v>0.0</c:v>
+                </c:pt>
+                <c:pt idx="35">
+                  <c:v>0.0</c:v>
+                </c:pt>
+                <c:pt idx="36">
+                  <c:v>0.0</c:v>
+                </c:pt>
+                <c:pt idx="37">
+                  <c:v>0.0</c:v>
+                </c:pt>
+                <c:pt idx="38">
+                  <c:v>0.0</c:v>
+                </c:pt>
+                <c:pt idx="39">
+                  <c:v>0.0</c:v>
+                </c:pt>
+                <c:pt idx="40">
+                  <c:v>0.0</c:v>
+                </c:pt>
+                <c:pt idx="41">
+                  <c:v>0.0</c:v>
+                </c:pt>
+                <c:pt idx="42">
+                  <c:v>0.0</c:v>
+                </c:pt>
+                <c:pt idx="43">
+                  <c:v>0.0</c:v>
+                </c:pt>
+                <c:pt idx="44">
+                  <c:v>0.0</c:v>
+                </c:pt>
+                <c:pt idx="45">
+                  <c:v>1.0</c:v>
+                </c:pt>
+                <c:pt idx="46">
+                  <c:v>0.0</c:v>
+                </c:pt>
+                <c:pt idx="47">
+                  <c:v>0.0</c:v>
+                </c:pt>
+                <c:pt idx="48">
+                  <c:v>0.0</c:v>
+                </c:pt>
+                <c:pt idx="49">
+                  <c:v>0.0</c:v>
+                </c:pt>
+              </c:numCache>
+            </c:numRef>
+          </c:val>
+        </c:ser>
+        <c:dLbls>
+          <c:showLegendKey val="0"/>
+          <c:showVal val="0"/>
+          <c:showCatName val="0"/>
+          <c:showSerName val="0"/>
+          <c:showPercent val="0"/>
+          <c:showBubbleSize val="0"/>
+        </c:dLbls>
+        <c:gapWidth val="219"/>
+        <c:overlap val="-27"/>
+        <c:axId val="1183697344"/>
+        <c:axId val="1256177264"/>
+      </c:barChart>
+      <c:catAx>
+        <c:axId val="1183697344"/>
+        <c:scaling>
+          <c:orientation val="minMax"/>
+        </c:scaling>
+        <c:delete val="0"/>
+        <c:axPos val="b"/>
+        <c:title>
+          <c:tx>
+            <c:rich>
+              <a:bodyPr rot="0" spcFirstLastPara="1" vertOverflow="ellipsis" vert="horz" wrap="square" anchor="ctr" anchorCtr="1"/>
+              <a:lstStyle/>
+              <a:p>
+                <a:pPr>
+                  <a:defRPr sz="1400" b="0" i="0" u="none" strike="noStrike" kern="1200" baseline="0">
+                    <a:solidFill>
+                      <a:schemeClr val="tx1">
+                        <a:lumMod val="65000"/>
+                        <a:lumOff val="35000"/>
+                      </a:schemeClr>
+                    </a:solidFill>
+                    <a:latin typeface="+mn-lt"/>
+                    <a:ea typeface="+mn-ea"/>
+                    <a:cs typeface="+mn-cs"/>
+                  </a:defRPr>
+                </a:pPr>
+                <a:r>
+                  <a:rPr lang="en-US"/>
+                  <a:t>Runtime (s)</a:t>
+                </a:r>
+              </a:p>
+            </c:rich>
+          </c:tx>
+          <c:layout/>
+          <c:overlay val="0"/>
+          <c:spPr>
+            <a:noFill/>
+            <a:ln>
+              <a:noFill/>
+            </a:ln>
+            <a:effectLst/>
+          </c:spPr>
+          <c:txPr>
+            <a:bodyPr rot="0" spcFirstLastPara="1" vertOverflow="ellipsis" vert="horz" wrap="square" anchor="ctr" anchorCtr="1"/>
+            <a:lstStyle/>
+            <a:p>
+              <a:pPr>
+                <a:defRPr sz="1400" b="0" i="0" u="none" strike="noStrike" kern="1200" baseline="0">
+                  <a:solidFill>
+                    <a:schemeClr val="tx1">
+                      <a:lumMod val="65000"/>
+                      <a:lumOff val="35000"/>
+                    </a:schemeClr>
+                  </a:solidFill>
+                  <a:latin typeface="+mn-lt"/>
+                  <a:ea typeface="+mn-ea"/>
+                  <a:cs typeface="+mn-cs"/>
+                </a:defRPr>
+              </a:pPr>
+              <a:endParaRPr lang="en-US"/>
+            </a:p>
+          </c:txPr>
+        </c:title>
+        <c:numFmt formatCode="General" sourceLinked="1"/>
+        <c:majorTickMark val="none"/>
+        <c:minorTickMark val="none"/>
+        <c:tickLblPos val="nextTo"/>
+        <c:spPr>
+          <a:noFill/>
+          <a:ln w="9525" cap="flat" cmpd="sng" algn="ctr">
+            <a:solidFill>
+              <a:schemeClr val="tx1">
+                <a:lumMod val="15000"/>
+                <a:lumOff val="85000"/>
+              </a:schemeClr>
+            </a:solidFill>
+            <a:round/>
+          </a:ln>
+          <a:effectLst/>
+        </c:spPr>
+        <c:txPr>
+          <a:bodyPr rot="-60000000" spcFirstLastPara="1" vertOverflow="ellipsis" vert="horz" wrap="square" anchor="ctr" anchorCtr="1"/>
+          <a:lstStyle/>
+          <a:p>
+            <a:pPr>
+              <a:defRPr sz="1400" b="0" i="0" u="none" strike="noStrike" kern="1200" baseline="0">
+                <a:solidFill>
+                  <a:schemeClr val="tx1">
+                    <a:lumMod val="65000"/>
+                    <a:lumOff val="35000"/>
+                  </a:schemeClr>
+                </a:solidFill>
+                <a:latin typeface="+mn-lt"/>
+                <a:ea typeface="+mn-ea"/>
+                <a:cs typeface="+mn-cs"/>
+              </a:defRPr>
+            </a:pPr>
+            <a:endParaRPr lang="en-US"/>
+          </a:p>
+        </c:txPr>
+        <c:crossAx val="1256177264"/>
+        <c:crosses val="autoZero"/>
+        <c:auto val="1"/>
+        <c:lblAlgn val="ctr"/>
+        <c:lblOffset val="100"/>
+        <c:noMultiLvlLbl val="0"/>
+      </c:catAx>
+      <c:valAx>
+        <c:axId val="1256177264"/>
+        <c:scaling>
+          <c:orientation val="minMax"/>
+          <c:max val="150.0"/>
+          <c:min val="0.0"/>
+        </c:scaling>
+        <c:delete val="0"/>
+        <c:axPos val="l"/>
+        <c:majorGridlines>
+          <c:spPr>
+            <a:ln w="9525" cap="flat" cmpd="sng" algn="ctr">
+              <a:noFill/>
+              <a:round/>
+            </a:ln>
+            <a:effectLst/>
+          </c:spPr>
+        </c:majorGridlines>
+        <c:title>
+          <c:tx>
+            <c:rich>
+              <a:bodyPr rot="-5400000" spcFirstLastPara="1" vertOverflow="ellipsis" vert="horz" wrap="square" anchor="ctr" anchorCtr="1"/>
+              <a:lstStyle/>
+              <a:p>
+                <a:pPr>
+                  <a:defRPr sz="1400" b="0" i="0" u="none" strike="noStrike" kern="1200" baseline="0">
+                    <a:solidFill>
+                      <a:schemeClr val="tx1">
+                        <a:lumMod val="65000"/>
+                        <a:lumOff val="35000"/>
+                      </a:schemeClr>
+                    </a:solidFill>
+                    <a:latin typeface="+mn-lt"/>
+                    <a:ea typeface="+mn-ea"/>
+                    <a:cs typeface="+mn-cs"/>
+                  </a:defRPr>
+                </a:pPr>
+                <a:r>
+                  <a:rPr lang="en-US"/>
+                  <a:t>Number of Calls to Main Stage</a:t>
+                </a:r>
+              </a:p>
+            </c:rich>
+          </c:tx>
+          <c:layout/>
+          <c:overlay val="0"/>
+          <c:spPr>
+            <a:noFill/>
+            <a:ln>
+              <a:noFill/>
+            </a:ln>
+            <a:effectLst/>
+          </c:spPr>
+          <c:txPr>
+            <a:bodyPr rot="-5400000" spcFirstLastPara="1" vertOverflow="ellipsis" vert="horz" wrap="square" anchor="ctr" anchorCtr="1"/>
+            <a:lstStyle/>
+            <a:p>
+              <a:pPr>
+                <a:defRPr sz="1400" b="0" i="0" u="none" strike="noStrike" kern="1200" baseline="0">
+                  <a:solidFill>
+                    <a:schemeClr val="tx1">
+                      <a:lumMod val="65000"/>
+                      <a:lumOff val="35000"/>
+                    </a:schemeClr>
+                  </a:solidFill>
+                  <a:latin typeface="+mn-lt"/>
+                  <a:ea typeface="+mn-ea"/>
+                  <a:cs typeface="+mn-cs"/>
+                </a:defRPr>
+              </a:pPr>
+              <a:endParaRPr lang="en-US"/>
+            </a:p>
+          </c:txPr>
+        </c:title>
+        <c:majorTickMark val="none"/>
+        <c:minorTickMark val="none"/>
+        <c:tickLblPos val="nextTo"/>
+        <c:spPr>
+          <a:noFill/>
+          <a:ln>
+            <a:noFill/>
+          </a:ln>
+          <a:effectLst/>
+        </c:spPr>
+        <c:txPr>
+          <a:bodyPr rot="-60000000" spcFirstLastPara="1" vertOverflow="ellipsis" vert="horz" wrap="square" anchor="ctr" anchorCtr="1"/>
+          <a:lstStyle/>
+          <a:p>
+            <a:pPr>
+              <a:defRPr sz="1400" b="0" i="0" u="none" strike="noStrike" kern="1200" baseline="0">
+                <a:solidFill>
+                  <a:schemeClr val="tx1">
+                    <a:lumMod val="65000"/>
+                    <a:lumOff val="35000"/>
+                  </a:schemeClr>
+                </a:solidFill>
+                <a:latin typeface="+mn-lt"/>
+                <a:ea typeface="+mn-ea"/>
+                <a:cs typeface="+mn-cs"/>
+              </a:defRPr>
+            </a:pPr>
+            <a:endParaRPr lang="en-US"/>
+          </a:p>
+        </c:txPr>
+        <c:crossAx val="1183697344"/>
+        <c:crosses val="autoZero"/>
+        <c:crossBetween val="between"/>
+      </c:valAx>
+      <c:spPr>
+        <a:noFill/>
+        <a:ln>
+          <a:noFill/>
+        </a:ln>
+        <a:effectLst/>
+      </c:spPr>
+    </c:plotArea>
+    <c:plotVisOnly val="1"/>
+    <c:dispBlanksAs val="gap"/>
+    <c:showDLblsOverMax val="0"/>
+  </c:chart>
+  <c:spPr>
+    <a:noFill/>
+    <a:ln>
+      <a:noFill/>
+    </a:ln>
+    <a:effectLst/>
+  </c:spPr>
+  <c:txPr>
+    <a:bodyPr/>
+    <a:lstStyle/>
+    <a:p>
+      <a:pPr>
+        <a:defRPr sz="1400" baseline="0"/>
+      </a:pPr>
+      <a:endParaRPr lang="en-US"/>
+    </a:p>
+  </c:txPr>
+  <c:externalData r:id="rId3">
+    <c:autoUpdate val="0"/>
+  </c:externalData>
+</c:chartSpace>
+</file>
+
+<file path=ppt/charts/chart2.xml><?xml version="1.0" encoding="utf-8"?>
+<c:chartSpace xmlns:c="http://schemas.openxmlformats.org/drawingml/2006/chart" xmlns:a="http://schemas.openxmlformats.org/drawingml/2006/main" xmlns:r="http://schemas.openxmlformats.org/officeDocument/2006/relationships">
+  <c:date1904 val="0"/>
+  <c:lang val="en-US"/>
+  <c:roundedCorners val="0"/>
+  <mc:AlternateContent xmlns:mc="http://schemas.openxmlformats.org/markup-compatibility/2006">
+    <mc:Choice xmlns:c14="http://schemas.microsoft.com/office/drawing/2007/8/2/chart" Requires="c14">
+      <c14:style val="102"/>
+    </mc:Choice>
+    <mc:Fallback>
+      <c:style val="2"/>
+    </mc:Fallback>
+  </mc:AlternateContent>
+  <c:chart>
+    <c:autoTitleDeleted val="1"/>
+    <c:plotArea>
       <c:layout>
         <c:manualLayout>
           <c:layoutTarget val="inner"/>
           <c:xMode val="edge"/>
           <c:yMode val="edge"/>
-          <c:x val="0.050220361234003"/>
-          <c:y val="0.0320655700050756"/>
-          <c:w val="0.936707719227404"/>
-          <c:h val="0.703214609364635"/>
+          <c:x val="0.068545029527559"/>
+          <c:y val="0.0279277538761263"/>
+          <c:w val="0.917913303805774"/>
+          <c:h val="0.694182319993506"/>
         </c:manualLayout>
       </c:layout>
       <c:barChart>
@@ -161,9 +777,6 @@
         <c:ser>
           <c:idx val="0"/>
           <c:order val="0"/>
-          <c:tx>
-            <c:v>Uniprot_trembl</c:v>
-          </c:tx>
           <c:spPr>
             <a:solidFill>
               <a:srgbClr val="00B050"/>
@@ -175,68 +788,12 @@
           </c:spPr>
           <c:invertIfNegative val="0"/>
           <c:dPt>
-            <c:idx val="41"/>
-            <c:invertIfNegative val="0"/>
-            <c:bubble3D val="0"/>
-            <c:spPr>
-              <a:solidFill>
-                <a:srgbClr val="FFFF00"/>
-              </a:solidFill>
-              <a:ln>
-                <a:noFill/>
-              </a:ln>
-              <a:effectLst/>
-            </c:spPr>
-          </c:dPt>
-          <c:dPt>
-            <c:idx val="42"/>
-            <c:invertIfNegative val="0"/>
-            <c:bubble3D val="0"/>
-            <c:spPr>
-              <a:solidFill>
-                <a:srgbClr val="FFFF00"/>
-              </a:solidFill>
-              <a:ln>
-                <a:noFill/>
-              </a:ln>
-              <a:effectLst/>
-            </c:spPr>
-          </c:dPt>
-          <c:dPt>
-            <c:idx val="43"/>
-            <c:invertIfNegative val="0"/>
-            <c:bubble3D val="0"/>
-            <c:spPr>
-              <a:solidFill>
-                <a:srgbClr val="FFFF00"/>
-              </a:solidFill>
-              <a:ln>
-                <a:noFill/>
-              </a:ln>
-              <a:effectLst/>
-            </c:spPr>
-          </c:dPt>
-          <c:dPt>
-            <c:idx val="44"/>
-            <c:invertIfNegative val="0"/>
-            <c:bubble3D val="0"/>
-            <c:spPr>
-              <a:solidFill>
-                <a:srgbClr val="FFFF00"/>
-              </a:solidFill>
-              <a:ln>
-                <a:noFill/>
-              </a:ln>
-              <a:effectLst/>
-            </c:spPr>
-          </c:dPt>
-          <c:dPt>
             <c:idx val="45"/>
             <c:invertIfNegative val="0"/>
             <c:bubble3D val="0"/>
             <c:spPr>
               <a:solidFill>
-                <a:srgbClr val="C00000"/>
+                <a:srgbClr val="0070C0"/>
               </a:solidFill>
               <a:ln>
                 <a:noFill/>
@@ -250,7 +807,7 @@
             <c:bubble3D val="0"/>
             <c:spPr>
               <a:solidFill>
-                <a:srgbClr val="C00000"/>
+                <a:srgbClr val="0070C0"/>
               </a:solidFill>
               <a:ln>
                 <a:noFill/>
@@ -264,7 +821,7 @@
             <c:bubble3D val="0"/>
             <c:spPr>
               <a:solidFill>
-                <a:srgbClr val="C00000"/>
+                <a:srgbClr val="0070C0"/>
               </a:solidFill>
               <a:ln>
                 <a:noFill/>
@@ -278,7 +835,7 @@
             <c:bubble3D val="0"/>
             <c:spPr>
               <a:solidFill>
-                <a:srgbClr val="C00000"/>
+                <a:srgbClr val="0070C0"/>
               </a:solidFill>
               <a:ln>
                 <a:noFill/>
@@ -292,7 +849,7 @@
             <c:bubble3D val="0"/>
             <c:spPr>
               <a:solidFill>
-                <a:srgbClr val="C00000"/>
+                <a:srgbClr val="0070C0"/>
               </a:solidFill>
               <a:ln>
                 <a:noFill/>
@@ -315,37 +872,37 @@
                   <c:v>H6_ONCMY</c:v>
                 </c:pt>
                 <c:pt idx="3">
+                  <c:v>RS18_METPP</c:v>
+                </c:pt>
+                <c:pt idx="4">
+                  <c:v>RS14_ACICJ</c:v>
+                </c:pt>
+                <c:pt idx="5">
                   <c:v>MT2H_BOVIN</c:v>
                 </c:pt>
-                <c:pt idx="4">
-                  <c:v>RS18_METPP</c:v>
-                </c:pt>
-                <c:pt idx="5">
+                <c:pt idx="6">
                   <c:v>YAEH_SALTY</c:v>
                 </c:pt>
-                <c:pt idx="6">
+                <c:pt idx="7">
                   <c:v>PROF1_STRPU</c:v>
                 </c:pt>
-                <c:pt idx="7">
-                  <c:v>RS14_ACICJ</c:v>
-                </c:pt>
                 <c:pt idx="8">
-                  <c:v>YO13_BPHC1</c:v>
+                  <c:v>GCSH_BORA1</c:v>
                 </c:pt>
                 <c:pt idx="9">
-                  <c:v>BP40_BPPHE</c:v>
+                  <c:v>RM11_RECAM</c:v>
                 </c:pt>
                 <c:pt idx="10">
                   <c:v>SPEH_BACCN</c:v>
                 </c:pt>
                 <c:pt idx="11">
-                  <c:v>GCSH_BORA1</c:v>
+                  <c:v>YO13_BPHC1</c:v>
                 </c:pt>
                 <c:pt idx="12">
                   <c:v>EMC4_HUMAN</c:v>
                 </c:pt>
                 <c:pt idx="13">
-                  <c:v>RM11_RECAM</c:v>
+                  <c:v>BP40_BPPHE</c:v>
                 </c:pt>
                 <c:pt idx="14">
                   <c:v>MSCL_HAEDU</c:v>
@@ -354,19 +911,19 @@
                   <c:v>RS5_ANAMM</c:v>
                 </c:pt>
                 <c:pt idx="16">
+                  <c:v>RBL_PINPS</c:v>
+                </c:pt>
+                <c:pt idx="17">
                   <c:v>NTPA_BRASB</c:v>
-                </c:pt>
-                <c:pt idx="17">
-                  <c:v>KDUI_YERE8</c:v>
                 </c:pt>
                 <c:pt idx="18">
                   <c:v>PIMT_SHIB3</c:v>
                 </c:pt>
                 <c:pt idx="19">
-                  <c:v>RBL_PINPS</c:v>
+                  <c:v>RS3_AGRRK</c:v>
                 </c:pt>
                 <c:pt idx="20">
-                  <c:v>RS3_AGRRK</c:v>
+                  <c:v>KDUI_YERE8</c:v>
                 </c:pt>
                 <c:pt idx="21">
                   <c:v>LEXA_RHORT</c:v>
@@ -378,25 +935,25 @@
                   <c:v>META_SYNP6</c:v>
                 </c:pt>
                 <c:pt idx="24">
+                  <c:v>Y5318_PSEAB</c:v>
+                </c:pt>
+                <c:pt idx="25">
+                  <c:v>TRG_CUPNH</c:v>
+                </c:pt>
+                <c:pt idx="26">
+                  <c:v>HTPX_SERP5</c:v>
+                </c:pt>
+                <c:pt idx="27">
                   <c:v>KCD15_HUMAN</c:v>
                 </c:pt>
-                <c:pt idx="25">
-                  <c:v>Y5318_PSEAB</c:v>
-                </c:pt>
-                <c:pt idx="26">
+                <c:pt idx="28">
                   <c:v>HTPX_BURP0</c:v>
-                </c:pt>
-                <c:pt idx="27">
-                  <c:v>HTPX_SERP5</c:v>
-                </c:pt>
-                <c:pt idx="28">
-                  <c:v>QUEA_BACMF</c:v>
                 </c:pt>
                 <c:pt idx="29">
                   <c:v>PYRK_METAC</c:v>
                 </c:pt>
                 <c:pt idx="30">
-                  <c:v>TRG_CUPNH</c:v>
+                  <c:v>QUEA_BACMF</c:v>
                 </c:pt>
                 <c:pt idx="31">
                   <c:v>TLX3_HUMAN</c:v>
@@ -405,40 +962,40 @@
                   <c:v>PUR9_CLOBL</c:v>
                 </c:pt>
                 <c:pt idx="33">
+                  <c:v>RIMO_BDEBA</c:v>
+                </c:pt>
+                <c:pt idx="34">
                   <c:v>SYE1_BRUSU</c:v>
                 </c:pt>
-                <c:pt idx="34">
-                  <c:v>FDFT_USTMA</c:v>
-                </c:pt>
                 <c:pt idx="35">
-                  <c:v>RIMO_BDEBA</c:v>
+                  <c:v>CYSK_YEAST</c:v>
                 </c:pt>
                 <c:pt idx="36">
                   <c:v>OPSV_ORYLA</c:v>
                 </c:pt>
                 <c:pt idx="37">
-                  <c:v>CYSK_YEAST</c:v>
+                  <c:v>GLGC_BURP8</c:v>
                 </c:pt>
                 <c:pt idx="38">
-                  <c:v>GLGC_BURP8</c:v>
+                  <c:v>FDFT_USTMA</c:v>
                 </c:pt>
                 <c:pt idx="39">
+                  <c:v>RMLB_MYCTO</c:v>
+                </c:pt>
+                <c:pt idx="40">
                   <c:v>ECM14_LEPMJ</c:v>
-                </c:pt>
-                <c:pt idx="40">
-                  <c:v>SMAG1_RAT</c:v>
                 </c:pt>
                 <c:pt idx="41">
                   <c:v>MURD_CUPMC</c:v>
                 </c:pt>
                 <c:pt idx="42">
+                  <c:v>SMAG1_RAT</c:v>
+                </c:pt>
+                <c:pt idx="43">
+                  <c:v>MNME_PSYIN</c:v>
+                </c:pt>
+                <c:pt idx="44">
                   <c:v>SYC_BURCC</c:v>
-                </c:pt>
-                <c:pt idx="43">
-                  <c:v>RMLB_MYCTO</c:v>
-                </c:pt>
-                <c:pt idx="44">
-                  <c:v>MNME_PSYIN</c:v>
                 </c:pt>
                 <c:pt idx="45">
                   <c:v>XYNA_THEMA</c:v>
@@ -460,159 +1017,159 @@
           </c:cat>
           <c:val>
             <c:numRef>
-              <c:f>GCUPS!$C$4:$C$54</c:f>
+              <c:f>GCUPS!$C$4:$C$53</c:f>
               <c:numCache>
                 <c:formatCode>General</c:formatCode>
-                <c:ptCount val="51"/>
+                <c:ptCount val="50"/>
                 <c:pt idx="0">
-                  <c:v>0.255665</c:v>
+                  <c:v>0.229397</c:v>
                 </c:pt>
                 <c:pt idx="1">
-                  <c:v>0.261958</c:v>
+                  <c:v>0.229443</c:v>
                 </c:pt>
                 <c:pt idx="2">
-                  <c:v>0.285097</c:v>
+                  <c:v>0.251474</c:v>
                 </c:pt>
                 <c:pt idx="3">
-                  <c:v>0.289209</c:v>
+                  <c:v>0.251982</c:v>
                 </c:pt>
                 <c:pt idx="4">
-                  <c:v>0.291694</c:v>
+                  <c:v>0.262948</c:v>
                 </c:pt>
                 <c:pt idx="5">
-                  <c:v>0.299318</c:v>
+                  <c:v>0.267931</c:v>
                 </c:pt>
                 <c:pt idx="6">
-                  <c:v>0.303405</c:v>
+                  <c:v>0.272303</c:v>
                 </c:pt>
                 <c:pt idx="7">
-                  <c:v>0.309366</c:v>
+                  <c:v>0.273226</c:v>
                 </c:pt>
                 <c:pt idx="8">
-                  <c:v>0.327612</c:v>
+                  <c:v>0.283445</c:v>
                 </c:pt>
                 <c:pt idx="9">
-                  <c:v>0.332559</c:v>
+                  <c:v>0.298546</c:v>
                 </c:pt>
                 <c:pt idx="10">
-                  <c:v>0.333858</c:v>
+                  <c:v>0.30087</c:v>
                 </c:pt>
                 <c:pt idx="11">
-                  <c:v>0.334379</c:v>
+                  <c:v>0.306108</c:v>
                 </c:pt>
                 <c:pt idx="12">
-                  <c:v>0.336414</c:v>
+                  <c:v>0.309461</c:v>
                 </c:pt>
                 <c:pt idx="13">
-                  <c:v>0.345907</c:v>
+                  <c:v>0.310122</c:v>
                 </c:pt>
                 <c:pt idx="14">
-                  <c:v>0.372798</c:v>
+                  <c:v>0.33138</c:v>
                 </c:pt>
                 <c:pt idx="15">
-                  <c:v>0.376258</c:v>
+                  <c:v>0.343495</c:v>
                 </c:pt>
                 <c:pt idx="16">
-                  <c:v>0.440356</c:v>
+                  <c:v>0.388016</c:v>
                 </c:pt>
                 <c:pt idx="17">
-                  <c:v>0.480937</c:v>
+                  <c:v>0.398353</c:v>
                 </c:pt>
                 <c:pt idx="18">
-                  <c:v>0.482063</c:v>
+                  <c:v>0.415482</c:v>
                 </c:pt>
                 <c:pt idx="19">
-                  <c:v>0.500074</c:v>
+                  <c:v>0.450429</c:v>
                 </c:pt>
                 <c:pt idx="20">
-                  <c:v>0.513828</c:v>
+                  <c:v>0.453041</c:v>
                 </c:pt>
                 <c:pt idx="21">
-                  <c:v>0.518774</c:v>
+                  <c:v>0.465753</c:v>
                 </c:pt>
                 <c:pt idx="22">
-                  <c:v>0.529769</c:v>
+                  <c:v>0.492562</c:v>
                 </c:pt>
                 <c:pt idx="23">
-                  <c:v>0.552216</c:v>
+                  <c:v>0.526691</c:v>
                 </c:pt>
                 <c:pt idx="24">
-                  <c:v>0.590595</c:v>
+                  <c:v>0.548921</c:v>
                 </c:pt>
                 <c:pt idx="25">
-                  <c:v>0.594815</c:v>
+                  <c:v>0.557504</c:v>
                 </c:pt>
                 <c:pt idx="26">
-                  <c:v>0.606703</c:v>
+                  <c:v>0.566219</c:v>
                 </c:pt>
                 <c:pt idx="27">
-                  <c:v>0.619698</c:v>
+                  <c:v>0.569083</c:v>
                 </c:pt>
                 <c:pt idx="28">
-                  <c:v>0.64514</c:v>
+                  <c:v>0.575645</c:v>
                 </c:pt>
                 <c:pt idx="29">
-                  <c:v>0.650044</c:v>
+                  <c:v>0.599217</c:v>
                 </c:pt>
                 <c:pt idx="30">
-                  <c:v>0.652589</c:v>
+                  <c:v>0.604388</c:v>
                 </c:pt>
                 <c:pt idx="31">
-                  <c:v>0.742017</c:v>
+                  <c:v>0.660412</c:v>
                 </c:pt>
                 <c:pt idx="32">
-                  <c:v>0.807419</c:v>
+                  <c:v>0.75866</c:v>
                 </c:pt>
                 <c:pt idx="33">
-                  <c:v>0.832311</c:v>
+                  <c:v>0.76333</c:v>
                 </c:pt>
                 <c:pt idx="34">
-                  <c:v>0.844624</c:v>
+                  <c:v>0.767382</c:v>
                 </c:pt>
                 <c:pt idx="35">
-                  <c:v>0.846456</c:v>
+                  <c:v>0.769848</c:v>
                 </c:pt>
                 <c:pt idx="36">
-                  <c:v>0.852353</c:v>
+                  <c:v>0.778401</c:v>
                 </c:pt>
                 <c:pt idx="37">
-                  <c:v>0.872308</c:v>
+                  <c:v>0.801283</c:v>
                 </c:pt>
                 <c:pt idx="38">
-                  <c:v>0.878529</c:v>
+                  <c:v>0.825437</c:v>
                 </c:pt>
                 <c:pt idx="39">
-                  <c:v>0.913751</c:v>
+                  <c:v>0.859314</c:v>
                 </c:pt>
                 <c:pt idx="40">
-                  <c:v>0.940381</c:v>
+                  <c:v>0.885211</c:v>
                 </c:pt>
                 <c:pt idx="41">
-                  <c:v>1.027096</c:v>
+                  <c:v>0.931763</c:v>
                 </c:pt>
                 <c:pt idx="42">
-                  <c:v>1.047097</c:v>
+                  <c:v>0.959095</c:v>
                 </c:pt>
                 <c:pt idx="43">
-                  <c:v>1.060083</c:v>
+                  <c:v>0.980165</c:v>
                 </c:pt>
                 <c:pt idx="44">
-                  <c:v>1.086736</c:v>
+                  <c:v>0.981798</c:v>
                 </c:pt>
                 <c:pt idx="45">
-                  <c:v>1.558419</c:v>
+                  <c:v>1.56006</c:v>
                 </c:pt>
                 <c:pt idx="46">
-                  <c:v>2.03558</c:v>
+                  <c:v>1.987462</c:v>
                 </c:pt>
                 <c:pt idx="47">
-                  <c:v>2.421471</c:v>
+                  <c:v>2.312299</c:v>
                 </c:pt>
                 <c:pt idx="48">
-                  <c:v>2.506042</c:v>
+                  <c:v>2.554004</c:v>
                 </c:pt>
                 <c:pt idx="49">
-                  <c:v>5.021453</c:v>
+                  <c:v>3.949281</c:v>
                 </c:pt>
               </c:numCache>
             </c:numRef>
@@ -628,11 +1185,695 @@
         </c:dLbls>
         <c:gapWidth val="219"/>
         <c:overlap val="-27"/>
-        <c:axId val="1260969424"/>
-        <c:axId val="1260971616"/>
+        <c:axId val="1318641680"/>
+        <c:axId val="1256303584"/>
       </c:barChart>
       <c:catAx>
-        <c:axId val="1260969424"/>
+        <c:axId val="1318641680"/>
+        <c:scaling>
+          <c:orientation val="minMax"/>
+        </c:scaling>
+        <c:delete val="0"/>
+        <c:axPos val="b"/>
+        <c:title>
+          <c:tx>
+            <c:rich>
+              <a:bodyPr rot="0" spcFirstLastPara="1" vertOverflow="ellipsis" vert="horz" wrap="square" anchor="ctr" anchorCtr="1"/>
+              <a:lstStyle/>
+              <a:p>
+                <a:pPr>
+                  <a:defRPr sz="1400" b="0" i="0" u="none" strike="noStrike" kern="1200" baseline="0">
+                    <a:solidFill>
+                      <a:schemeClr val="tx1">
+                        <a:lumMod val="65000"/>
+                        <a:lumOff val="35000"/>
+                      </a:schemeClr>
+                    </a:solidFill>
+                    <a:latin typeface="+mn-lt"/>
+                    <a:ea typeface="+mn-ea"/>
+                    <a:cs typeface="+mn-cs"/>
+                  </a:defRPr>
+                </a:pPr>
+                <a:r>
+                  <a:rPr lang="en-US" sz="1400" baseline="0"/>
+                  <a:t>HMM</a:t>
+                </a:r>
+              </a:p>
+            </c:rich>
+          </c:tx>
+          <c:layout/>
+          <c:overlay val="0"/>
+          <c:spPr>
+            <a:noFill/>
+            <a:ln>
+              <a:noFill/>
+            </a:ln>
+            <a:effectLst/>
+          </c:spPr>
+          <c:txPr>
+            <a:bodyPr rot="0" spcFirstLastPara="1" vertOverflow="ellipsis" vert="horz" wrap="square" anchor="ctr" anchorCtr="1"/>
+            <a:lstStyle/>
+            <a:p>
+              <a:pPr>
+                <a:defRPr sz="1400" b="0" i="0" u="none" strike="noStrike" kern="1200" baseline="0">
+                  <a:solidFill>
+                    <a:schemeClr val="tx1">
+                      <a:lumMod val="65000"/>
+                      <a:lumOff val="35000"/>
+                    </a:schemeClr>
+                  </a:solidFill>
+                  <a:latin typeface="+mn-lt"/>
+                  <a:ea typeface="+mn-ea"/>
+                  <a:cs typeface="+mn-cs"/>
+                </a:defRPr>
+              </a:pPr>
+              <a:endParaRPr lang="en-US"/>
+            </a:p>
+          </c:txPr>
+        </c:title>
+        <c:numFmt formatCode="General" sourceLinked="1"/>
+        <c:majorTickMark val="none"/>
+        <c:minorTickMark val="none"/>
+        <c:tickLblPos val="nextTo"/>
+        <c:spPr>
+          <a:noFill/>
+          <a:ln w="9525" cap="flat" cmpd="sng" algn="ctr">
+            <a:solidFill>
+              <a:schemeClr val="tx1">
+                <a:lumMod val="15000"/>
+                <a:lumOff val="85000"/>
+              </a:schemeClr>
+            </a:solidFill>
+            <a:round/>
+          </a:ln>
+          <a:effectLst/>
+        </c:spPr>
+        <c:txPr>
+          <a:bodyPr rot="-60000000" spcFirstLastPara="1" vertOverflow="ellipsis" vert="horz" wrap="square" anchor="ctr" anchorCtr="1"/>
+          <a:lstStyle/>
+          <a:p>
+            <a:pPr>
+              <a:defRPr sz="1400" b="0" i="0" u="none" strike="noStrike" kern="1200" baseline="0">
+                <a:solidFill>
+                  <a:schemeClr val="tx1">
+                    <a:lumMod val="65000"/>
+                    <a:lumOff val="35000"/>
+                  </a:schemeClr>
+                </a:solidFill>
+                <a:latin typeface="+mn-lt"/>
+                <a:ea typeface="+mn-ea"/>
+                <a:cs typeface="+mn-cs"/>
+              </a:defRPr>
+            </a:pPr>
+            <a:endParaRPr lang="en-US"/>
+          </a:p>
+        </c:txPr>
+        <c:crossAx val="1256303584"/>
+        <c:crosses val="autoZero"/>
+        <c:auto val="1"/>
+        <c:lblAlgn val="ctr"/>
+        <c:lblOffset val="100"/>
+        <c:noMultiLvlLbl val="0"/>
+      </c:catAx>
+      <c:valAx>
+        <c:axId val="1256303584"/>
+        <c:scaling>
+          <c:orientation val="minMax"/>
+        </c:scaling>
+        <c:delete val="0"/>
+        <c:axPos val="l"/>
+        <c:majorGridlines>
+          <c:spPr>
+            <a:ln w="9525" cap="flat" cmpd="sng" algn="ctr">
+              <a:noFill/>
+              <a:round/>
+            </a:ln>
+            <a:effectLst/>
+          </c:spPr>
+        </c:majorGridlines>
+        <c:title>
+          <c:tx>
+            <c:rich>
+              <a:bodyPr rot="-5400000" spcFirstLastPara="1" vertOverflow="ellipsis" vert="horz" wrap="square" anchor="ctr" anchorCtr="1"/>
+              <a:lstStyle/>
+              <a:p>
+                <a:pPr>
+                  <a:defRPr sz="1400" b="0" i="0" u="none" strike="noStrike" kern="1200" baseline="0">
+                    <a:solidFill>
+                      <a:schemeClr val="tx1">
+                        <a:lumMod val="65000"/>
+                        <a:lumOff val="35000"/>
+                      </a:schemeClr>
+                    </a:solidFill>
+                    <a:latin typeface="+mn-lt"/>
+                    <a:ea typeface="+mn-ea"/>
+                    <a:cs typeface="+mn-cs"/>
+                  </a:defRPr>
+                </a:pPr>
+                <a:r>
+                  <a:rPr lang="en-US" sz="1400" baseline="0"/>
+                  <a:t>Time to Search Uniprot_trembl (s)</a:t>
+                </a:r>
+              </a:p>
+            </c:rich>
+          </c:tx>
+          <c:layout/>
+          <c:overlay val="0"/>
+          <c:spPr>
+            <a:noFill/>
+            <a:ln>
+              <a:noFill/>
+            </a:ln>
+            <a:effectLst/>
+          </c:spPr>
+          <c:txPr>
+            <a:bodyPr rot="-5400000" spcFirstLastPara="1" vertOverflow="ellipsis" vert="horz" wrap="square" anchor="ctr" anchorCtr="1"/>
+            <a:lstStyle/>
+            <a:p>
+              <a:pPr>
+                <a:defRPr sz="1400" b="0" i="0" u="none" strike="noStrike" kern="1200" baseline="0">
+                  <a:solidFill>
+                    <a:schemeClr val="tx1">
+                      <a:lumMod val="65000"/>
+                      <a:lumOff val="35000"/>
+                    </a:schemeClr>
+                  </a:solidFill>
+                  <a:latin typeface="+mn-lt"/>
+                  <a:ea typeface="+mn-ea"/>
+                  <a:cs typeface="+mn-cs"/>
+                </a:defRPr>
+              </a:pPr>
+              <a:endParaRPr lang="en-US"/>
+            </a:p>
+          </c:txPr>
+        </c:title>
+        <c:majorTickMark val="none"/>
+        <c:minorTickMark val="none"/>
+        <c:tickLblPos val="nextTo"/>
+        <c:spPr>
+          <a:noFill/>
+          <a:ln>
+            <a:noFill/>
+          </a:ln>
+          <a:effectLst/>
+        </c:spPr>
+        <c:txPr>
+          <a:bodyPr rot="-60000000" spcFirstLastPara="1" vertOverflow="ellipsis" vert="horz" wrap="square" anchor="ctr" anchorCtr="1"/>
+          <a:lstStyle/>
+          <a:p>
+            <a:pPr>
+              <a:defRPr sz="1400" b="0" i="0" u="none" strike="noStrike" kern="1200" baseline="0">
+                <a:solidFill>
+                  <a:schemeClr val="tx1">
+                    <a:lumMod val="65000"/>
+                    <a:lumOff val="35000"/>
+                  </a:schemeClr>
+                </a:solidFill>
+                <a:latin typeface="+mn-lt"/>
+                <a:ea typeface="+mn-ea"/>
+                <a:cs typeface="+mn-cs"/>
+              </a:defRPr>
+            </a:pPr>
+            <a:endParaRPr lang="en-US"/>
+          </a:p>
+        </c:txPr>
+        <c:crossAx val="1318641680"/>
+        <c:crosses val="autoZero"/>
+        <c:crossBetween val="between"/>
+      </c:valAx>
+      <c:spPr>
+        <a:noFill/>
+        <a:ln>
+          <a:noFill/>
+        </a:ln>
+        <a:effectLst/>
+      </c:spPr>
+    </c:plotArea>
+    <c:plotVisOnly val="1"/>
+    <c:dispBlanksAs val="gap"/>
+    <c:showDLblsOverMax val="0"/>
+  </c:chart>
+  <c:spPr>
+    <a:noFill/>
+    <a:ln>
+      <a:noFill/>
+    </a:ln>
+    <a:effectLst/>
+  </c:spPr>
+  <c:txPr>
+    <a:bodyPr/>
+    <a:lstStyle/>
+    <a:p>
+      <a:pPr>
+        <a:defRPr/>
+      </a:pPr>
+      <a:endParaRPr lang="en-US"/>
+    </a:p>
+  </c:txPr>
+  <c:externalData r:id="rId3">
+    <c:autoUpdate val="0"/>
+  </c:externalData>
+  <c:userShapes r:id="rId4"/>
+</c:chartSpace>
+</file>
+
+<file path=ppt/charts/chart3.xml><?xml version="1.0" encoding="utf-8"?>
+<c:chartSpace xmlns:c="http://schemas.openxmlformats.org/drawingml/2006/chart" xmlns:a="http://schemas.openxmlformats.org/drawingml/2006/main" xmlns:r="http://schemas.openxmlformats.org/officeDocument/2006/relationships">
+  <c:date1904 val="0"/>
+  <c:lang val="en-US"/>
+  <c:roundedCorners val="0"/>
+  <mc:AlternateContent xmlns:mc="http://schemas.openxmlformats.org/markup-compatibility/2006">
+    <mc:Choice xmlns:c14="http://schemas.microsoft.com/office/drawing/2007/8/2/chart" Requires="c14">
+      <c14:style val="102"/>
+    </mc:Choice>
+    <mc:Fallback>
+      <c:style val="2"/>
+    </mc:Fallback>
+  </mc:AlternateContent>
+  <c:chart>
+    <c:autoTitleDeleted val="1"/>
+    <c:plotArea>
+      <c:layout/>
+      <c:barChart>
+        <c:barDir val="col"/>
+        <c:grouping val="clustered"/>
+        <c:varyColors val="0"/>
+        <c:ser>
+          <c:idx val="0"/>
+          <c:order val="0"/>
+          <c:spPr>
+            <a:solidFill>
+              <a:srgbClr val="00B050"/>
+            </a:solidFill>
+            <a:ln>
+              <a:noFill/>
+            </a:ln>
+            <a:effectLst/>
+          </c:spPr>
+          <c:invertIfNegative val="0"/>
+          <c:dPt>
+            <c:idx val="45"/>
+            <c:invertIfNegative val="0"/>
+            <c:bubble3D val="0"/>
+            <c:spPr>
+              <a:solidFill>
+                <a:srgbClr val="0070C0"/>
+              </a:solidFill>
+              <a:ln>
+                <a:noFill/>
+              </a:ln>
+              <a:effectLst/>
+            </c:spPr>
+          </c:dPt>
+          <c:dPt>
+            <c:idx val="46"/>
+            <c:invertIfNegative val="0"/>
+            <c:bubble3D val="0"/>
+            <c:spPr>
+              <a:solidFill>
+                <a:srgbClr val="0070C0"/>
+              </a:solidFill>
+              <a:ln>
+                <a:noFill/>
+              </a:ln>
+              <a:effectLst/>
+            </c:spPr>
+          </c:dPt>
+          <c:dPt>
+            <c:idx val="47"/>
+            <c:invertIfNegative val="0"/>
+            <c:bubble3D val="0"/>
+            <c:spPr>
+              <a:solidFill>
+                <a:srgbClr val="0070C0"/>
+              </a:solidFill>
+              <a:ln>
+                <a:noFill/>
+              </a:ln>
+              <a:effectLst/>
+            </c:spPr>
+          </c:dPt>
+          <c:dPt>
+            <c:idx val="48"/>
+            <c:invertIfNegative val="0"/>
+            <c:bubble3D val="0"/>
+            <c:spPr>
+              <a:solidFill>
+                <a:srgbClr val="0070C0"/>
+              </a:solidFill>
+              <a:ln>
+                <a:noFill/>
+              </a:ln>
+              <a:effectLst/>
+            </c:spPr>
+          </c:dPt>
+          <c:dPt>
+            <c:idx val="49"/>
+            <c:invertIfNegative val="0"/>
+            <c:bubble3D val="0"/>
+            <c:spPr>
+              <a:solidFill>
+                <a:srgbClr val="0070C0"/>
+              </a:solidFill>
+              <a:ln>
+                <a:noFill/>
+              </a:ln>
+              <a:effectLst/>
+            </c:spPr>
+          </c:dPt>
+          <c:cat>
+            <c:strRef>
+              <c:f>GCUPS!$A$4:$A$53</c:f>
+              <c:strCache>
+                <c:ptCount val="50"/>
+                <c:pt idx="0">
+                  <c:v>P10_ASFWA</c:v>
+                </c:pt>
+                <c:pt idx="1">
+                  <c:v>PRGJ_SALTY</c:v>
+                </c:pt>
+                <c:pt idx="2">
+                  <c:v>H6_ONCMY</c:v>
+                </c:pt>
+                <c:pt idx="3">
+                  <c:v>RS18_METPP</c:v>
+                </c:pt>
+                <c:pt idx="4">
+                  <c:v>RS14_ACICJ</c:v>
+                </c:pt>
+                <c:pt idx="5">
+                  <c:v>MT2H_BOVIN</c:v>
+                </c:pt>
+                <c:pt idx="6">
+                  <c:v>YAEH_SALTY</c:v>
+                </c:pt>
+                <c:pt idx="7">
+                  <c:v>PROF1_STRPU</c:v>
+                </c:pt>
+                <c:pt idx="8">
+                  <c:v>GCSH_BORA1</c:v>
+                </c:pt>
+                <c:pt idx="9">
+                  <c:v>RM11_RECAM</c:v>
+                </c:pt>
+                <c:pt idx="10">
+                  <c:v>SPEH_BACCN</c:v>
+                </c:pt>
+                <c:pt idx="11">
+                  <c:v>YO13_BPHC1</c:v>
+                </c:pt>
+                <c:pt idx="12">
+                  <c:v>EMC4_HUMAN</c:v>
+                </c:pt>
+                <c:pt idx="13">
+                  <c:v>BP40_BPPHE</c:v>
+                </c:pt>
+                <c:pt idx="14">
+                  <c:v>MSCL_HAEDU</c:v>
+                </c:pt>
+                <c:pt idx="15">
+                  <c:v>RS5_ANAMM</c:v>
+                </c:pt>
+                <c:pt idx="16">
+                  <c:v>RBL_PINPS</c:v>
+                </c:pt>
+                <c:pt idx="17">
+                  <c:v>NTPA_BRASB</c:v>
+                </c:pt>
+                <c:pt idx="18">
+                  <c:v>PIMT_SHIB3</c:v>
+                </c:pt>
+                <c:pt idx="19">
+                  <c:v>RS3_AGRRK</c:v>
+                </c:pt>
+                <c:pt idx="20">
+                  <c:v>KDUI_YERE8</c:v>
+                </c:pt>
+                <c:pt idx="21">
+                  <c:v>LEXA_RHORT</c:v>
+                </c:pt>
+                <c:pt idx="22">
+                  <c:v>EFTS_HAHCH</c:v>
+                </c:pt>
+                <c:pt idx="23">
+                  <c:v>META_SYNP6</c:v>
+                </c:pt>
+                <c:pt idx="24">
+                  <c:v>Y5318_PSEAB</c:v>
+                </c:pt>
+                <c:pt idx="25">
+                  <c:v>TRG_CUPNH</c:v>
+                </c:pt>
+                <c:pt idx="26">
+                  <c:v>HTPX_SERP5</c:v>
+                </c:pt>
+                <c:pt idx="27">
+                  <c:v>KCD15_HUMAN</c:v>
+                </c:pt>
+                <c:pt idx="28">
+                  <c:v>HTPX_BURP0</c:v>
+                </c:pt>
+                <c:pt idx="29">
+                  <c:v>PYRK_METAC</c:v>
+                </c:pt>
+                <c:pt idx="30">
+                  <c:v>QUEA_BACMF</c:v>
+                </c:pt>
+                <c:pt idx="31">
+                  <c:v>TLX3_HUMAN</c:v>
+                </c:pt>
+                <c:pt idx="32">
+                  <c:v>PUR9_CLOBL</c:v>
+                </c:pt>
+                <c:pt idx="33">
+                  <c:v>RIMO_BDEBA</c:v>
+                </c:pt>
+                <c:pt idx="34">
+                  <c:v>SYE1_BRUSU</c:v>
+                </c:pt>
+                <c:pt idx="35">
+                  <c:v>CYSK_YEAST</c:v>
+                </c:pt>
+                <c:pt idx="36">
+                  <c:v>OPSV_ORYLA</c:v>
+                </c:pt>
+                <c:pt idx="37">
+                  <c:v>GLGC_BURP8</c:v>
+                </c:pt>
+                <c:pt idx="38">
+                  <c:v>FDFT_USTMA</c:v>
+                </c:pt>
+                <c:pt idx="39">
+                  <c:v>RMLB_MYCTO</c:v>
+                </c:pt>
+                <c:pt idx="40">
+                  <c:v>ECM14_LEPMJ</c:v>
+                </c:pt>
+                <c:pt idx="41">
+                  <c:v>MURD_CUPMC</c:v>
+                </c:pt>
+                <c:pt idx="42">
+                  <c:v>SMAG1_RAT</c:v>
+                </c:pt>
+                <c:pt idx="43">
+                  <c:v>MNME_PSYIN</c:v>
+                </c:pt>
+                <c:pt idx="44">
+                  <c:v>SYC_BURCC</c:v>
+                </c:pt>
+                <c:pt idx="45">
+                  <c:v>XYNA_THEMA</c:v>
+                </c:pt>
+                <c:pt idx="46">
+                  <c:v>CLPB_ECOL6</c:v>
+                </c:pt>
+                <c:pt idx="47">
+                  <c:v>FTSH3_ORYSJ</c:v>
+                </c:pt>
+                <c:pt idx="48">
+                  <c:v>EVI1B_XENLA</c:v>
+                </c:pt>
+                <c:pt idx="49">
+                  <c:v>XYLG_YERPA</c:v>
+                </c:pt>
+              </c:strCache>
+            </c:strRef>
+          </c:cat>
+          <c:val>
+            <c:numRef>
+              <c:f>GCUPS!$F$4:$F$53</c:f>
+              <c:numCache>
+                <c:formatCode>General</c:formatCode>
+                <c:ptCount val="50"/>
+                <c:pt idx="0">
+                  <c:v>7167.06616948783</c:v>
+                </c:pt>
+                <c:pt idx="1">
+                  <c:v>9278.571242613632</c:v>
+                </c:pt>
+                <c:pt idx="2">
+                  <c:v>5867.316224858236</c:v>
+                </c:pt>
+                <c:pt idx="3">
+                  <c:v>8030.38301554873</c:v>
+                </c:pt>
+                <c:pt idx="4">
+                  <c:v>8096.289842930921</c:v>
+                </c:pt>
+                <c:pt idx="5">
+                  <c:v>4798.896853514524</c:v>
+                </c:pt>
+                <c:pt idx="6">
+                  <c:v>9908.138962964051</c:v>
+                </c:pt>
+                <c:pt idx="7">
+                  <c:v>10954.7095082386</c:v>
+                </c:pt>
+                <c:pt idx="8">
+                  <c:v>9295.5642712872</c:v>
+                </c:pt>
+                <c:pt idx="9">
+                  <c:v>10237.43814773938</c:v>
+                </c:pt>
+                <c:pt idx="10">
+                  <c:v>9107.496471798451</c:v>
+                </c:pt>
+                <c:pt idx="11">
+                  <c:v>11912.58379848616</c:v>
+                </c:pt>
+                <c:pt idx="12">
+                  <c:v>12464.63915833336</c:v>
+                </c:pt>
+                <c:pt idx="13">
+                  <c:v>12302.13657573149</c:v>
+                </c:pt>
+                <c:pt idx="14">
+                  <c:v>8459.79604269117</c:v>
+                </c:pt>
+                <c:pt idx="15">
+                  <c:v>10677.34741730156</c:v>
+                </c:pt>
+                <c:pt idx="16">
+                  <c:v>2607.510995711517</c:v>
+                </c:pt>
+                <c:pt idx="17">
+                  <c:v>11323.48806175929</c:v>
+                </c:pt>
+                <c:pt idx="18">
+                  <c:v>10552.26445803188</c:v>
+                </c:pt>
+                <c:pt idx="19">
+                  <c:v>11277.82221455324</c:v>
+                </c:pt>
+                <c:pt idx="20">
+                  <c:v>12934.26736626928</c:v>
+                </c:pt>
+                <c:pt idx="21">
+                  <c:v>11359.3271100111</c:v>
+                </c:pt>
+                <c:pt idx="22">
+                  <c:v>12238.82357882662</c:v>
+                </c:pt>
+                <c:pt idx="23">
+                  <c:v>11966.02308750482</c:v>
+                </c:pt>
+                <c:pt idx="24">
+                  <c:v>11980.62000238286</c:v>
+                </c:pt>
+                <c:pt idx="25">
+                  <c:v>8733.705381645692</c:v>
+                </c:pt>
+                <c:pt idx="26">
+                  <c:v>10870.0854580083</c:v>
+                </c:pt>
+                <c:pt idx="27">
+                  <c:v>10482.02928303429</c:v>
+                </c:pt>
+                <c:pt idx="28">
+                  <c:v>10435.77407936315</c:v>
+                </c:pt>
+                <c:pt idx="29">
+                  <c:v>9110.667216085325</c:v>
+                </c:pt>
+                <c:pt idx="30">
+                  <c:v>11927.37348176668</c:v>
+                </c:pt>
+                <c:pt idx="31">
+                  <c:v>9287.794086462692</c:v>
+                </c:pt>
+                <c:pt idx="32">
+                  <c:v>13863.97939759708</c:v>
+                </c:pt>
+                <c:pt idx="33">
+                  <c:v>12619.39151033367</c:v>
+                </c:pt>
+                <c:pt idx="34">
+                  <c:v>12552.75745532603</c:v>
+                </c:pt>
+                <c:pt idx="35">
+                  <c:v>10760.2437618426</c:v>
+                </c:pt>
+                <c:pt idx="36">
+                  <c:v>9044.355552146002</c:v>
+                </c:pt>
+                <c:pt idx="37">
+                  <c:v>11100.97354045699</c:v>
+                </c:pt>
+                <c:pt idx="38">
+                  <c:v>14606.51611118474</c:v>
+                </c:pt>
+                <c:pt idx="39">
+                  <c:v>8119.151622095066</c:v>
+                </c:pt>
+                <c:pt idx="40">
+                  <c:v>13644.02056570355</c:v>
+                </c:pt>
+                <c:pt idx="41">
+                  <c:v>11401.43776730349</c:v>
+                </c:pt>
+                <c:pt idx="42">
+                  <c:v>13406.10922649998</c:v>
+                </c:pt>
+                <c:pt idx="43">
+                  <c:v>9784.682805593957</c:v>
+                </c:pt>
+                <c:pt idx="44">
+                  <c:v>9983.098477828432</c:v>
+                </c:pt>
+                <c:pt idx="45">
+                  <c:v>14308.33843084304</c:v>
+                </c:pt>
+                <c:pt idx="46">
+                  <c:v>9089.009002025195</c:v>
+                </c:pt>
+                <c:pt idx="47">
+                  <c:v>7310.800322379588</c:v>
+                </c:pt>
+                <c:pt idx="48">
+                  <c:v>8665.672491096334</c:v>
+                </c:pt>
+                <c:pt idx="49">
+                  <c:v>2721.991004613244</c:v>
+                </c:pt>
+              </c:numCache>
+            </c:numRef>
+          </c:val>
+        </c:ser>
+        <c:dLbls>
+          <c:showLegendKey val="0"/>
+          <c:showVal val="0"/>
+          <c:showCatName val="0"/>
+          <c:showSerName val="0"/>
+          <c:showPercent val="0"/>
+          <c:showBubbleSize val="0"/>
+        </c:dLbls>
+        <c:gapWidth val="219"/>
+        <c:overlap val="-27"/>
+        <c:axId val="1362930208"/>
+        <c:axId val="1362932400"/>
+      </c:barChart>
+      <c:catAx>
+        <c:axId val="1362930208"/>
         <c:scaling>
           <c:orientation val="minMax"/>
         </c:scaling>
@@ -731,7 +1972,7 @@
             <a:endParaRPr lang="en-US"/>
           </a:p>
         </c:txPr>
-        <c:crossAx val="1260971616"/>
+        <c:crossAx val="1362932400"/>
         <c:crosses val="autoZero"/>
         <c:auto val="1"/>
         <c:lblAlgn val="ctr"/>
@@ -739,11 +1980,9 @@
         <c:noMultiLvlLbl val="0"/>
       </c:catAx>
       <c:valAx>
-        <c:axId val="1260971616"/>
+        <c:axId val="1362932400"/>
         <c:scaling>
           <c:orientation val="minMax"/>
-          <c:max val="5.1"/>
-          <c:min val="0.0"/>
         </c:scaling>
         <c:delete val="0"/>
         <c:axPos val="l"/>
@@ -763,7 +2002,7 @@
               <a:lstStyle/>
               <a:p>
                 <a:pPr>
-                  <a:defRPr sz="1400" b="0" i="0" u="none" strike="noStrike" kern="1200" baseline="0">
+                  <a:defRPr sz="1000" b="0" i="0" u="none" strike="noStrike" kern="1200" baseline="0">
                     <a:solidFill>
                       <a:schemeClr val="tx1">
                         <a:lumMod val="65000"/>
@@ -776,33 +2015,13 @@
                   </a:defRPr>
                 </a:pPr>
                 <a:r>
-                  <a:rPr lang="en-US" sz="1400" baseline="0" dirty="0" smtClean="0"/>
-                  <a:t>Time </a:t>
+                  <a:rPr lang="en-US" sz="1400" baseline="0" dirty="0"/>
+                  <a:t>Billions of Cell Updates Per Second</a:t>
                 </a:r>
-                <a:r>
-                  <a:rPr lang="en-US" sz="1400" baseline="0" dirty="0"/>
-                  <a:t>to Search </a:t>
-                </a:r>
-                <a:r>
-                  <a:rPr lang="en-US" sz="1400" baseline="0" dirty="0" err="1" smtClean="0"/>
-                  <a:t>Uniprot_trmebl</a:t>
-                </a:r>
-                <a:r>
-                  <a:rPr lang="en-US" sz="1400" baseline="0" dirty="0" smtClean="0"/>
-                  <a:t> (s)</a:t>
-                </a:r>
-                <a:endParaRPr lang="en-US" sz="1400" baseline="0" dirty="0"/>
               </a:p>
             </c:rich>
           </c:tx>
-          <c:layout>
-            <c:manualLayout>
-              <c:xMode val="edge"/>
-              <c:yMode val="edge"/>
-              <c:x val="0.00402747846276943"/>
-              <c:y val="0.215228967653917"/>
-            </c:manualLayout>
-          </c:layout>
+          <c:layout/>
           <c:overlay val="0"/>
           <c:spPr>
             <a:noFill/>
@@ -816,7 +2035,7 @@
             <a:lstStyle/>
             <a:p>
               <a:pPr>
-                <a:defRPr sz="1400" b="0" i="0" u="none" strike="noStrike" kern="1200" baseline="0">
+                <a:defRPr sz="1000" b="0" i="0" u="none" strike="noStrike" kern="1200" baseline="0">
                   <a:solidFill>
                     <a:schemeClr val="tx1">
                       <a:lumMod val="65000"/>
@@ -862,7 +2081,7 @@
             <a:endParaRPr lang="en-US"/>
           </a:p>
         </c:txPr>
-        <c:crossAx val="1260969424"/>
+        <c:crossAx val="1362930208"/>
         <c:crosses val="autoZero"/>
         <c:crossBetween val="between"/>
       </c:valAx>
@@ -901,7 +2120,7 @@
 </c:chartSpace>
 </file>
 
-<file path=ppt/charts/chart2.xml><?xml version="1.0" encoding="utf-8"?>
+<file path=ppt/charts/chart4.xml><?xml version="1.0" encoding="utf-8"?>
 <c:chartSpace xmlns:c="http://schemas.openxmlformats.org/drawingml/2006/chart" xmlns:a="http://schemas.openxmlformats.org/drawingml/2006/main" xmlns:r="http://schemas.openxmlformats.org/officeDocument/2006/relationships">
   <c:date1904 val="0"/>
   <c:lang val="en-US"/>
@@ -917,17 +2136,7 @@
   <c:chart>
     <c:autoTitleDeleted val="1"/>
     <c:plotArea>
-      <c:layout>
-        <c:manualLayout>
-          <c:layoutTarget val="inner"/>
-          <c:xMode val="edge"/>
-          <c:yMode val="edge"/>
-          <c:x val="0.0759356955380577"/>
-          <c:y val="0.0328723365445617"/>
-          <c:w val="0.910522637795276"/>
-          <c:h val="0.664785842478082"/>
-        </c:manualLayout>
-      </c:layout>
+      <c:layout/>
       <c:barChart>
         <c:barDir val="col"/>
         <c:grouping val="clustered"/>
@@ -946,348 +2155,12 @@
           </c:spPr>
           <c:invertIfNegative val="0"/>
           <c:dPt>
-            <c:idx val="21"/>
-            <c:invertIfNegative val="0"/>
-            <c:bubble3D val="0"/>
-            <c:spPr>
-              <a:solidFill>
-                <a:srgbClr val="FFFF00"/>
-              </a:solidFill>
-              <a:ln>
-                <a:noFill/>
-              </a:ln>
-              <a:effectLst/>
-            </c:spPr>
-          </c:dPt>
-          <c:dPt>
-            <c:idx val="22"/>
-            <c:invertIfNegative val="0"/>
-            <c:bubble3D val="0"/>
-            <c:spPr>
-              <a:solidFill>
-                <a:srgbClr val="FFFF00"/>
-              </a:solidFill>
-              <a:ln>
-                <a:noFill/>
-              </a:ln>
-              <a:effectLst/>
-            </c:spPr>
-          </c:dPt>
-          <c:dPt>
-            <c:idx val="23"/>
-            <c:invertIfNegative val="0"/>
-            <c:bubble3D val="0"/>
-            <c:spPr>
-              <a:solidFill>
-                <a:srgbClr val="FFFF00"/>
-              </a:solidFill>
-              <a:ln>
-                <a:noFill/>
-              </a:ln>
-              <a:effectLst/>
-            </c:spPr>
-          </c:dPt>
-          <c:dPt>
-            <c:idx val="24"/>
-            <c:invertIfNegative val="0"/>
-            <c:bubble3D val="0"/>
-            <c:spPr>
-              <a:solidFill>
-                <a:srgbClr val="FFFF00"/>
-              </a:solidFill>
-              <a:ln>
-                <a:noFill/>
-              </a:ln>
-              <a:effectLst/>
-            </c:spPr>
-          </c:dPt>
-          <c:dPt>
-            <c:idx val="25"/>
-            <c:invertIfNegative val="0"/>
-            <c:bubble3D val="0"/>
-            <c:spPr>
-              <a:solidFill>
-                <a:srgbClr val="FFFF00"/>
-              </a:solidFill>
-              <a:ln>
-                <a:noFill/>
-              </a:ln>
-              <a:effectLst/>
-            </c:spPr>
-          </c:dPt>
-          <c:dPt>
-            <c:idx val="26"/>
-            <c:invertIfNegative val="0"/>
-            <c:bubble3D val="0"/>
-            <c:spPr>
-              <a:solidFill>
-                <a:srgbClr val="FFFF00"/>
-              </a:solidFill>
-              <a:ln>
-                <a:noFill/>
-              </a:ln>
-              <a:effectLst/>
-            </c:spPr>
-          </c:dPt>
-          <c:dPt>
-            <c:idx val="27"/>
-            <c:invertIfNegative val="0"/>
-            <c:bubble3D val="0"/>
-            <c:spPr>
-              <a:solidFill>
-                <a:srgbClr val="FFFF00"/>
-              </a:solidFill>
-              <a:ln>
-                <a:noFill/>
-              </a:ln>
-              <a:effectLst/>
-            </c:spPr>
-          </c:dPt>
-          <c:dPt>
-            <c:idx val="28"/>
-            <c:invertIfNegative val="0"/>
-            <c:bubble3D val="0"/>
-            <c:spPr>
-              <a:solidFill>
-                <a:srgbClr val="FFFF00"/>
-              </a:solidFill>
-              <a:ln>
-                <a:noFill/>
-              </a:ln>
-              <a:effectLst/>
-            </c:spPr>
-          </c:dPt>
-          <c:dPt>
-            <c:idx val="29"/>
-            <c:invertIfNegative val="0"/>
-            <c:bubble3D val="0"/>
-            <c:spPr>
-              <a:solidFill>
-                <a:srgbClr val="FFFF00"/>
-              </a:solidFill>
-              <a:ln>
-                <a:noFill/>
-              </a:ln>
-              <a:effectLst/>
-            </c:spPr>
-          </c:dPt>
-          <c:dPt>
-            <c:idx val="30"/>
-            <c:invertIfNegative val="0"/>
-            <c:bubble3D val="0"/>
-            <c:spPr>
-              <a:solidFill>
-                <a:srgbClr val="FFFF00"/>
-              </a:solidFill>
-              <a:ln>
-                <a:noFill/>
-              </a:ln>
-              <a:effectLst/>
-            </c:spPr>
-          </c:dPt>
-          <c:dPt>
-            <c:idx val="31"/>
-            <c:invertIfNegative val="0"/>
-            <c:bubble3D val="0"/>
-            <c:spPr>
-              <a:solidFill>
-                <a:srgbClr val="FFFF00"/>
-              </a:solidFill>
-              <a:ln>
-                <a:noFill/>
-              </a:ln>
-              <a:effectLst/>
-            </c:spPr>
-          </c:dPt>
-          <c:dPt>
-            <c:idx val="32"/>
-            <c:invertIfNegative val="0"/>
-            <c:bubble3D val="0"/>
-            <c:spPr>
-              <a:solidFill>
-                <a:srgbClr val="C00000"/>
-              </a:solidFill>
-              <a:ln>
-                <a:noFill/>
-              </a:ln>
-              <a:effectLst/>
-            </c:spPr>
-          </c:dPt>
-          <c:dPt>
-            <c:idx val="33"/>
-            <c:invertIfNegative val="0"/>
-            <c:bubble3D val="0"/>
-            <c:spPr>
-              <a:solidFill>
-                <a:srgbClr val="C00000"/>
-              </a:solidFill>
-              <a:ln>
-                <a:noFill/>
-              </a:ln>
-              <a:effectLst/>
-            </c:spPr>
-          </c:dPt>
-          <c:dPt>
-            <c:idx val="34"/>
-            <c:invertIfNegative val="0"/>
-            <c:bubble3D val="0"/>
-            <c:spPr>
-              <a:solidFill>
-                <a:srgbClr val="C00000"/>
-              </a:solidFill>
-              <a:ln>
-                <a:noFill/>
-              </a:ln>
-              <a:effectLst/>
-            </c:spPr>
-          </c:dPt>
-          <c:dPt>
-            <c:idx val="35"/>
-            <c:invertIfNegative val="0"/>
-            <c:bubble3D val="0"/>
-            <c:spPr>
-              <a:solidFill>
-                <a:srgbClr val="C00000"/>
-              </a:solidFill>
-              <a:ln>
-                <a:noFill/>
-              </a:ln>
-              <a:effectLst/>
-            </c:spPr>
-          </c:dPt>
-          <c:dPt>
-            <c:idx val="36"/>
-            <c:invertIfNegative val="0"/>
-            <c:bubble3D val="0"/>
-            <c:spPr>
-              <a:solidFill>
-                <a:srgbClr val="FFFF00"/>
-              </a:solidFill>
-              <a:ln>
-                <a:noFill/>
-              </a:ln>
-              <a:effectLst/>
-            </c:spPr>
-          </c:dPt>
-          <c:dPt>
-            <c:idx val="37"/>
-            <c:invertIfNegative val="0"/>
-            <c:bubble3D val="0"/>
-            <c:spPr>
-              <a:solidFill>
-                <a:srgbClr val="C00000"/>
-              </a:solidFill>
-              <a:ln>
-                <a:noFill/>
-              </a:ln>
-              <a:effectLst/>
-            </c:spPr>
-          </c:dPt>
-          <c:dPt>
-            <c:idx val="38"/>
-            <c:invertIfNegative val="0"/>
-            <c:bubble3D val="0"/>
-            <c:spPr>
-              <a:solidFill>
-                <a:srgbClr val="C00000"/>
-              </a:solidFill>
-              <a:ln>
-                <a:noFill/>
-              </a:ln>
-              <a:effectLst/>
-            </c:spPr>
-          </c:dPt>
-          <c:dPt>
-            <c:idx val="39"/>
-            <c:invertIfNegative val="0"/>
-            <c:bubble3D val="0"/>
-            <c:spPr>
-              <a:solidFill>
-                <a:srgbClr val="C00000"/>
-              </a:solidFill>
-              <a:ln>
-                <a:noFill/>
-              </a:ln>
-              <a:effectLst/>
-            </c:spPr>
-          </c:dPt>
-          <c:dPt>
-            <c:idx val="40"/>
-            <c:invertIfNegative val="0"/>
-            <c:bubble3D val="0"/>
-            <c:spPr>
-              <a:solidFill>
-                <a:srgbClr val="C00000"/>
-              </a:solidFill>
-              <a:ln>
-                <a:noFill/>
-              </a:ln>
-              <a:effectLst/>
-            </c:spPr>
-          </c:dPt>
-          <c:dPt>
-            <c:idx val="41"/>
-            <c:invertIfNegative val="0"/>
-            <c:bubble3D val="0"/>
-            <c:spPr>
-              <a:solidFill>
-                <a:srgbClr val="C00000"/>
-              </a:solidFill>
-              <a:ln>
-                <a:noFill/>
-              </a:ln>
-              <a:effectLst/>
-            </c:spPr>
-          </c:dPt>
-          <c:dPt>
-            <c:idx val="42"/>
-            <c:invertIfNegative val="0"/>
-            <c:bubble3D val="0"/>
-            <c:spPr>
-              <a:solidFill>
-                <a:srgbClr val="C00000"/>
-              </a:solidFill>
-              <a:ln>
-                <a:noFill/>
-              </a:ln>
-              <a:effectLst/>
-            </c:spPr>
-          </c:dPt>
-          <c:dPt>
-            <c:idx val="43"/>
-            <c:invertIfNegative val="0"/>
-            <c:bubble3D val="0"/>
-            <c:spPr>
-              <a:solidFill>
-                <a:srgbClr val="C00000"/>
-              </a:solidFill>
-              <a:ln>
-                <a:noFill/>
-              </a:ln>
-              <a:effectLst/>
-            </c:spPr>
-          </c:dPt>
-          <c:dPt>
-            <c:idx val="44"/>
-            <c:invertIfNegative val="0"/>
-            <c:bubble3D val="0"/>
-            <c:spPr>
-              <a:solidFill>
-                <a:srgbClr val="C00000"/>
-              </a:solidFill>
-              <a:ln>
-                <a:noFill/>
-              </a:ln>
-              <a:effectLst/>
-            </c:spPr>
-          </c:dPt>
-          <c:dPt>
             <c:idx val="45"/>
             <c:invertIfNegative val="0"/>
             <c:bubble3D val="0"/>
             <c:spPr>
               <a:solidFill>
-                <a:srgbClr val="C00000"/>
+                <a:srgbClr val="0070C0"/>
               </a:solidFill>
               <a:ln>
                 <a:noFill/>
@@ -1301,7 +2174,7 @@
             <c:bubble3D val="0"/>
             <c:spPr>
               <a:solidFill>
-                <a:srgbClr val="C00000"/>
+                <a:srgbClr val="0070C0"/>
               </a:solidFill>
               <a:ln>
                 <a:noFill/>
@@ -1315,7 +2188,7 @@
             <c:bubble3D val="0"/>
             <c:spPr>
               <a:solidFill>
-                <a:srgbClr val="C00000"/>
+                <a:srgbClr val="0070C0"/>
               </a:solidFill>
               <a:ln>
                 <a:noFill/>
@@ -1329,7 +2202,7 @@
             <c:bubble3D val="0"/>
             <c:spPr>
               <a:solidFill>
-                <a:srgbClr val="C00000"/>
+                <a:srgbClr val="0070C0"/>
               </a:solidFill>
               <a:ln>
                 <a:noFill/>
@@ -1343,7 +2216,7 @@
             <c:bubble3D val="0"/>
             <c:spPr>
               <a:solidFill>
-                <a:srgbClr val="C00000"/>
+                <a:srgbClr val="0070C0"/>
               </a:solidFill>
               <a:ln>
                 <a:noFill/>
@@ -1353,7 +2226,7 @@
           </c:dPt>
           <c:cat>
             <c:strRef>
-              <c:f>GCUPS!$L$4:$L$53</c:f>
+              <c:f>GCUPS!$A$4:$A$53</c:f>
               <c:strCache>
                 <c:ptCount val="50"/>
                 <c:pt idx="0">
@@ -1366,37 +2239,37 @@
                   <c:v>H6_ONCMY</c:v>
                 </c:pt>
                 <c:pt idx="3">
+                  <c:v>RS18_METPP</c:v>
+                </c:pt>
+                <c:pt idx="4">
+                  <c:v>RS14_ACICJ</c:v>
+                </c:pt>
+                <c:pt idx="5">
                   <c:v>MT2H_BOVIN</c:v>
                 </c:pt>
-                <c:pt idx="4">
-                  <c:v>RS18_METPP</c:v>
-                </c:pt>
-                <c:pt idx="5">
+                <c:pt idx="6">
                   <c:v>YAEH_SALTY</c:v>
                 </c:pt>
-                <c:pt idx="6">
+                <c:pt idx="7">
                   <c:v>PROF1_STRPU</c:v>
                 </c:pt>
-                <c:pt idx="7">
-                  <c:v>RS14_ACICJ</c:v>
-                </c:pt>
                 <c:pt idx="8">
-                  <c:v>YO13_BPHC1</c:v>
+                  <c:v>GCSH_BORA1</c:v>
                 </c:pt>
                 <c:pt idx="9">
-                  <c:v>BP40_BPPHE</c:v>
+                  <c:v>RM11_RECAM</c:v>
                 </c:pt>
                 <c:pt idx="10">
                   <c:v>SPEH_BACCN</c:v>
                 </c:pt>
                 <c:pt idx="11">
-                  <c:v>GCSH_BORA1</c:v>
+                  <c:v>YO13_BPHC1</c:v>
                 </c:pt>
                 <c:pt idx="12">
                   <c:v>EMC4_HUMAN</c:v>
                 </c:pt>
                 <c:pt idx="13">
-                  <c:v>RM11_RECAM</c:v>
+                  <c:v>BP40_BPPHE</c:v>
                 </c:pt>
                 <c:pt idx="14">
                   <c:v>MSCL_HAEDU</c:v>
@@ -1405,19 +2278,19 @@
                   <c:v>RS5_ANAMM</c:v>
                 </c:pt>
                 <c:pt idx="16">
+                  <c:v>RBL_PINPS</c:v>
+                </c:pt>
+                <c:pt idx="17">
                   <c:v>NTPA_BRASB</c:v>
-                </c:pt>
-                <c:pt idx="17">
-                  <c:v>KDUI_YERE8</c:v>
                 </c:pt>
                 <c:pt idx="18">
                   <c:v>PIMT_SHIB3</c:v>
                 </c:pt>
                 <c:pt idx="19">
-                  <c:v>RBL_PINPS</c:v>
+                  <c:v>RS3_AGRRK</c:v>
                 </c:pt>
                 <c:pt idx="20">
-                  <c:v>RS3_AGRRK</c:v>
+                  <c:v>KDUI_YERE8</c:v>
                 </c:pt>
                 <c:pt idx="21">
                   <c:v>LEXA_RHORT</c:v>
@@ -1429,25 +2302,25 @@
                   <c:v>META_SYNP6</c:v>
                 </c:pt>
                 <c:pt idx="24">
+                  <c:v>Y5318_PSEAB</c:v>
+                </c:pt>
+                <c:pt idx="25">
+                  <c:v>TRG_CUPNH</c:v>
+                </c:pt>
+                <c:pt idx="26">
+                  <c:v>HTPX_SERP5</c:v>
+                </c:pt>
+                <c:pt idx="27">
                   <c:v>KCD15_HUMAN</c:v>
                 </c:pt>
-                <c:pt idx="25">
-                  <c:v>Y5318_PSEAB</c:v>
-                </c:pt>
-                <c:pt idx="26">
+                <c:pt idx="28">
                   <c:v>HTPX_BURP0</c:v>
-                </c:pt>
-                <c:pt idx="27">
-                  <c:v>HTPX_SERP5</c:v>
-                </c:pt>
-                <c:pt idx="28">
-                  <c:v>QUEA_BACMF</c:v>
                 </c:pt>
                 <c:pt idx="29">
                   <c:v>PYRK_METAC</c:v>
                 </c:pt>
                 <c:pt idx="30">
-                  <c:v>TRG_CUPNH</c:v>
+                  <c:v>QUEA_BACMF</c:v>
                 </c:pt>
                 <c:pt idx="31">
                   <c:v>TLX3_HUMAN</c:v>
@@ -1456,40 +2329,40 @@
                   <c:v>PUR9_CLOBL</c:v>
                 </c:pt>
                 <c:pt idx="33">
+                  <c:v>RIMO_BDEBA</c:v>
+                </c:pt>
+                <c:pt idx="34">
                   <c:v>SYE1_BRUSU</c:v>
                 </c:pt>
-                <c:pt idx="34">
-                  <c:v>FDFT_USTMA</c:v>
-                </c:pt>
                 <c:pt idx="35">
-                  <c:v>RIMO_BDEBA</c:v>
+                  <c:v>CYSK_YEAST</c:v>
                 </c:pt>
                 <c:pt idx="36">
                   <c:v>OPSV_ORYLA</c:v>
                 </c:pt>
                 <c:pt idx="37">
-                  <c:v>CYSK_YEAST</c:v>
+                  <c:v>GLGC_BURP8</c:v>
                 </c:pt>
                 <c:pt idx="38">
-                  <c:v>GLGC_BURP8</c:v>
+                  <c:v>FDFT_USTMA</c:v>
                 </c:pt>
                 <c:pt idx="39">
+                  <c:v>RMLB_MYCTO</c:v>
+                </c:pt>
+                <c:pt idx="40">
                   <c:v>ECM14_LEPMJ</c:v>
-                </c:pt>
-                <c:pt idx="40">
-                  <c:v>SMAG1_RAT</c:v>
                 </c:pt>
                 <c:pt idx="41">
                   <c:v>MURD_CUPMC</c:v>
                 </c:pt>
                 <c:pt idx="42">
+                  <c:v>SMAG1_RAT</c:v>
+                </c:pt>
+                <c:pt idx="43">
+                  <c:v>MNME_PSYIN</c:v>
+                </c:pt>
+                <c:pt idx="44">
                   <c:v>SYC_BURCC</c:v>
-                </c:pt>
-                <c:pt idx="43">
-                  <c:v>RMLB_MYCTO</c:v>
-                </c:pt>
-                <c:pt idx="44">
-                  <c:v>MNME_PSYIN</c:v>
                 </c:pt>
                 <c:pt idx="45">
                   <c:v>XYNA_THEMA</c:v>
@@ -1511,159 +2384,159 @@
           </c:cat>
           <c:val>
             <c:numRef>
-              <c:f>GCUPS!$N$4:$N$53</c:f>
+              <c:f>GCUPS!$E$4:$E$53</c:f>
               <c:numCache>
                 <c:formatCode>General</c:formatCode>
                 <c:ptCount val="50"/>
                 <c:pt idx="0">
-                  <c:v>0.464268</c:v>
+                  <c:v>19.52550542796264</c:v>
                 </c:pt>
                 <c:pt idx="1">
-                  <c:v>0.500252</c:v>
+                  <c:v>25.75061211127509</c:v>
                 </c:pt>
                 <c:pt idx="2">
-                  <c:v>0.491999</c:v>
+                  <c:v>16.09413376537752</c:v>
                 </c:pt>
                 <c:pt idx="3">
-                  <c:v>0.490646</c:v>
+                  <c:v>24.19788084768496</c:v>
                 </c:pt>
                 <c:pt idx="4">
-                  <c:v>0.51535</c:v>
+                  <c:v>23.41869663912456</c:v>
                 </c:pt>
                 <c:pt idx="5">
-                  <c:v>0.552952</c:v>
+                  <c:v>13.44579323903876</c:v>
                 </c:pt>
                 <c:pt idx="6">
-                  <c:v>0.553338</c:v>
+                  <c:v>27.49106682184932</c:v>
                 </c:pt>
                 <c:pt idx="7">
-                  <c:v>0.574846</c:v>
+                  <c:v>30.43528854729287</c:v>
                 </c:pt>
                 <c:pt idx="8">
-                  <c:v>0.614428</c:v>
+                  <c:v>25.24757726625357</c:v>
                 </c:pt>
                 <c:pt idx="9">
-                  <c:v>0.599425</c:v>
+                  <c:v>30.19073930143026</c:v>
                 </c:pt>
                 <c:pt idx="10">
-                  <c:v>0.622276</c:v>
+                  <c:v>26.03657889588365</c:v>
                 </c:pt>
                 <c:pt idx="11">
-                  <c:v>0.660475</c:v>
+                  <c:v>34.10807304071346</c:v>
                 </c:pt>
                 <c:pt idx="12">
-                  <c:v>0.614578</c:v>
+                  <c:v>34.23854512975448</c:v>
                 </c:pt>
                 <c:pt idx="13">
-                  <c:v>0.608222</c:v>
+                  <c:v>36.35738625398323</c:v>
                 </c:pt>
                 <c:pt idx="14">
-                  <c:v>0.681143</c:v>
+                  <c:v>24.24218180516434</c:v>
                 </c:pt>
                 <c:pt idx="15">
-                  <c:v>0.694641</c:v>
+                  <c:v>30.88702634398927</c:v>
                 </c:pt>
                 <c:pt idx="16">
-                  <c:v>0.797164</c:v>
+                  <c:v>9.506065115639293</c:v>
                 </c:pt>
                 <c:pt idx="17">
-                  <c:v>0.920379</c:v>
+                  <c:v>31.59203717418093</c:v>
                 </c:pt>
                 <c:pt idx="18">
-                  <c:v>0.917958</c:v>
+                  <c:v>28.37478099951642</c:v>
                 </c:pt>
                 <c:pt idx="19">
-                  <c:v>0.616689</c:v>
+                  <c:v>30.16720283999957</c:v>
                 </c:pt>
                 <c:pt idx="20">
-                  <c:v>0.970972</c:v>
+                  <c:v>34.90791632076192</c:v>
                 </c:pt>
                 <c:pt idx="21">
-                  <c:v>1.004113</c:v>
+                  <c:v>30.40648978831761</c:v>
                 </c:pt>
                 <c:pt idx="22">
-                  <c:v>1.013967</c:v>
+                  <c:v>34.06891150707354</c:v>
                 </c:pt>
                 <c:pt idx="23">
-                  <c:v>1.053844</c:v>
+                  <c:v>31.95660970159151</c:v>
                 </c:pt>
                 <c:pt idx="24">
-                  <c:v>1.063328</c:v>
+                  <c:v>32.25177189345533</c:v>
                 </c:pt>
                 <c:pt idx="25">
-                  <c:v>1.154562</c:v>
+                  <c:v>22.88058703901762</c:v>
                 </c:pt>
                 <c:pt idx="26">
-                  <c:v>1.164104</c:v>
+                  <c:v>28.41911396542984</c:v>
                 </c:pt>
                 <c:pt idx="27">
-                  <c:v>1.184835</c:v>
+                  <c:v>27.97650333911285</c:v>
                 </c:pt>
                 <c:pt idx="28">
-                  <c:v>1.222619</c:v>
+                  <c:v>28.87759927625222</c:v>
                 </c:pt>
                 <c:pt idx="29">
-                  <c:v>1.176832</c:v>
+                  <c:v>24.61565507152503</c:v>
                 </c:pt>
                 <c:pt idx="30">
-                  <c:v>1.234729</c:v>
+                  <c:v>32.46564609277586</c:v>
                 </c:pt>
                 <c:pt idx="31">
-                  <c:v>1.240837</c:v>
+                  <c:v>24.09513102486041</c:v>
                 </c:pt>
                 <c:pt idx="32">
-                  <c:v>1.533684</c:v>
+                  <c:v>37.88933918814449</c:v>
                 </c:pt>
                 <c:pt idx="33">
-                  <c:v>1.587737</c:v>
+                  <c:v>32.6503180442624</c:v>
                 </c:pt>
                 <c:pt idx="34">
-                  <c:v>1.639639</c:v>
+                  <c:v>34.18784703173174</c:v>
                 </c:pt>
                 <c:pt idx="35">
-                  <c:v>1.618014</c:v>
+                  <c:v>27.83816702555475</c:v>
                 </c:pt>
                 <c:pt idx="36">
-                  <c:v>1.364681</c:v>
+                  <c:v>25.03822312179239</c:v>
                 </c:pt>
                 <c:pt idx="37">
-                  <c:v>1.707625</c:v>
+                  <c:v>29.58295346656839</c:v>
                 </c:pt>
                 <c:pt idx="38">
-                  <c:v>1.630603</c:v>
+                  <c:v>40.14866631990117</c:v>
                 </c:pt>
                 <c:pt idx="39">
-                  <c:v>1.713314</c:v>
+                  <c:v>20.25024638776262</c:v>
                 </c:pt>
                 <c:pt idx="40">
-                  <c:v>1.721819</c:v>
+                  <c:v>36.86480062835158</c:v>
                 </c:pt>
                 <c:pt idx="41">
-                  <c:v>2.045005</c:v>
+                  <c:v>29.59737092561047</c:v>
                 </c:pt>
                 <c:pt idx="42">
-                  <c:v>2.107503</c:v>
+                  <c:v>39.7814178403306</c:v>
                 </c:pt>
                 <c:pt idx="43">
-                  <c:v>1.88189</c:v>
+                  <c:v>24.87203978114325</c:v>
                 </c:pt>
                 <c:pt idx="44">
-                  <c:v>2.152599</c:v>
+                  <c:v>26.22405042158617</c:v>
                 </c:pt>
                 <c:pt idx="45">
-                  <c:v>2.986497</c:v>
+                  <c:v>40.03174763698472</c:v>
                 </c:pt>
                 <c:pt idx="46">
-                  <c:v>4.2197</c:v>
+                  <c:v>23.8801565859167</c:v>
                 </c:pt>
                 <c:pt idx="47">
-                  <c:v>4.55598</c:v>
+                  <c:v>18.44405650616584</c:v>
                 </c:pt>
                 <c:pt idx="48">
-                  <c:v>4.164071</c:v>
+                  <c:v>23.56433058216928</c:v>
                 </c:pt>
                 <c:pt idx="49">
-                  <c:v>10.060313</c:v>
+                  <c:v>6.28555829834931</c:v>
                 </c:pt>
               </c:numCache>
             </c:numRef>
@@ -1679,818 +2552,11 @@
         </c:dLbls>
         <c:gapWidth val="219"/>
         <c:overlap val="-27"/>
-        <c:axId val="1262122944"/>
-        <c:axId val="1262063408"/>
+        <c:axId val="1252693568"/>
+        <c:axId val="1139119264"/>
       </c:barChart>
       <c:catAx>
-        <c:axId val="1262122944"/>
-        <c:scaling>
-          <c:orientation val="minMax"/>
-        </c:scaling>
-        <c:delete val="0"/>
-        <c:axPos val="b"/>
-        <c:title>
-          <c:tx>
-            <c:rich>
-              <a:bodyPr rot="0" spcFirstLastPara="1" vertOverflow="ellipsis" vert="horz" wrap="square" anchor="ctr" anchorCtr="1"/>
-              <a:lstStyle/>
-              <a:p>
-                <a:pPr>
-                  <a:defRPr sz="1000" b="0" i="0" u="none" strike="noStrike" kern="1200" baseline="0">
-                    <a:solidFill>
-                      <a:schemeClr val="tx1">
-                        <a:lumMod val="65000"/>
-                        <a:lumOff val="35000"/>
-                      </a:schemeClr>
-                    </a:solidFill>
-                    <a:latin typeface="+mn-lt"/>
-                    <a:ea typeface="+mn-ea"/>
-                    <a:cs typeface="+mn-cs"/>
-                  </a:defRPr>
-                </a:pPr>
-                <a:r>
-                  <a:rPr lang="en-US" sz="1400" baseline="0" dirty="0"/>
-                  <a:t>HMM</a:t>
-                </a:r>
-              </a:p>
-            </c:rich>
-          </c:tx>
-          <c:layout/>
-          <c:overlay val="0"/>
-          <c:spPr>
-            <a:noFill/>
-            <a:ln>
-              <a:noFill/>
-            </a:ln>
-            <a:effectLst/>
-          </c:spPr>
-          <c:txPr>
-            <a:bodyPr rot="0" spcFirstLastPara="1" vertOverflow="ellipsis" vert="horz" wrap="square" anchor="ctr" anchorCtr="1"/>
-            <a:lstStyle/>
-            <a:p>
-              <a:pPr>
-                <a:defRPr sz="1000" b="0" i="0" u="none" strike="noStrike" kern="1200" baseline="0">
-                  <a:solidFill>
-                    <a:schemeClr val="tx1">
-                      <a:lumMod val="65000"/>
-                      <a:lumOff val="35000"/>
-                    </a:schemeClr>
-                  </a:solidFill>
-                  <a:latin typeface="+mn-lt"/>
-                  <a:ea typeface="+mn-ea"/>
-                  <a:cs typeface="+mn-cs"/>
-                </a:defRPr>
-              </a:pPr>
-              <a:endParaRPr lang="en-US"/>
-            </a:p>
-          </c:txPr>
-        </c:title>
-        <c:numFmt formatCode="General" sourceLinked="1"/>
-        <c:majorTickMark val="none"/>
-        <c:minorTickMark val="none"/>
-        <c:tickLblPos val="nextTo"/>
-        <c:spPr>
-          <a:noFill/>
-          <a:ln w="9525" cap="flat" cmpd="sng" algn="ctr">
-            <a:solidFill>
-              <a:schemeClr val="tx1">
-                <a:lumMod val="15000"/>
-                <a:lumOff val="85000"/>
-              </a:schemeClr>
-            </a:solidFill>
-            <a:round/>
-          </a:ln>
-          <a:effectLst/>
-        </c:spPr>
-        <c:txPr>
-          <a:bodyPr rot="-60000000" spcFirstLastPara="1" vertOverflow="ellipsis" vert="horz" wrap="square" anchor="ctr" anchorCtr="1"/>
-          <a:lstStyle/>
-          <a:p>
-            <a:pPr>
-              <a:defRPr sz="1400" b="0" i="0" u="none" strike="noStrike" kern="1200" baseline="0">
-                <a:solidFill>
-                  <a:schemeClr val="tx1">
-                    <a:lumMod val="65000"/>
-                    <a:lumOff val="35000"/>
-                  </a:schemeClr>
-                </a:solidFill>
-                <a:latin typeface="+mn-lt"/>
-                <a:ea typeface="+mn-ea"/>
-                <a:cs typeface="+mn-cs"/>
-              </a:defRPr>
-            </a:pPr>
-            <a:endParaRPr lang="en-US"/>
-          </a:p>
-        </c:txPr>
-        <c:crossAx val="1262063408"/>
-        <c:crosses val="autoZero"/>
-        <c:auto val="1"/>
-        <c:lblAlgn val="ctr"/>
-        <c:lblOffset val="100"/>
-        <c:noMultiLvlLbl val="0"/>
-      </c:catAx>
-      <c:valAx>
-        <c:axId val="1262063408"/>
-        <c:scaling>
-          <c:orientation val="minMax"/>
-          <c:max val="10.6"/>
-          <c:min val="0.0"/>
-        </c:scaling>
-        <c:delete val="0"/>
-        <c:axPos val="l"/>
-        <c:majorGridlines>
-          <c:spPr>
-            <a:ln w="9525" cap="flat" cmpd="sng" algn="ctr">
-              <a:noFill/>
-              <a:round/>
-            </a:ln>
-            <a:effectLst/>
-          </c:spPr>
-        </c:majorGridlines>
-        <c:title>
-          <c:tx>
-            <c:rich>
-              <a:bodyPr rot="-5400000" spcFirstLastPara="1" vertOverflow="ellipsis" vert="horz" wrap="square" anchor="ctr" anchorCtr="1"/>
-              <a:lstStyle/>
-              <a:p>
-                <a:pPr>
-                  <a:defRPr sz="1400" b="0" i="0" u="none" strike="noStrike" kern="1200" baseline="0">
-                    <a:solidFill>
-                      <a:schemeClr val="tx1">
-                        <a:lumMod val="65000"/>
-                        <a:lumOff val="35000"/>
-                      </a:schemeClr>
-                    </a:solidFill>
-                    <a:latin typeface="+mn-lt"/>
-                    <a:ea typeface="+mn-ea"/>
-                    <a:cs typeface="+mn-cs"/>
-                  </a:defRPr>
-                </a:pPr>
-                <a:r>
-                  <a:rPr lang="en-US" sz="1400" baseline="0"/>
-                  <a:t>Time to Search Tara Oceans (s)</a:t>
-                </a:r>
-              </a:p>
-            </c:rich>
-          </c:tx>
-          <c:layout/>
-          <c:overlay val="0"/>
-          <c:spPr>
-            <a:noFill/>
-            <a:ln>
-              <a:noFill/>
-            </a:ln>
-            <a:effectLst/>
-          </c:spPr>
-          <c:txPr>
-            <a:bodyPr rot="-5400000" spcFirstLastPara="1" vertOverflow="ellipsis" vert="horz" wrap="square" anchor="ctr" anchorCtr="1"/>
-            <a:lstStyle/>
-            <a:p>
-              <a:pPr>
-                <a:defRPr sz="1400" b="0" i="0" u="none" strike="noStrike" kern="1200" baseline="0">
-                  <a:solidFill>
-                    <a:schemeClr val="tx1">
-                      <a:lumMod val="65000"/>
-                      <a:lumOff val="35000"/>
-                    </a:schemeClr>
-                  </a:solidFill>
-                  <a:latin typeface="+mn-lt"/>
-                  <a:ea typeface="+mn-ea"/>
-                  <a:cs typeface="+mn-cs"/>
-                </a:defRPr>
-              </a:pPr>
-              <a:endParaRPr lang="en-US"/>
-            </a:p>
-          </c:txPr>
-        </c:title>
-        <c:majorTickMark val="none"/>
-        <c:minorTickMark val="none"/>
-        <c:tickLblPos val="nextTo"/>
-        <c:spPr>
-          <a:noFill/>
-          <a:ln>
-            <a:noFill/>
-          </a:ln>
-          <a:effectLst/>
-        </c:spPr>
-        <c:txPr>
-          <a:bodyPr rot="-60000000" spcFirstLastPara="1" vertOverflow="ellipsis" vert="horz" wrap="square" anchor="ctr" anchorCtr="1"/>
-          <a:lstStyle/>
-          <a:p>
-            <a:pPr>
-              <a:defRPr sz="1400" b="0" i="0" u="none" strike="noStrike" kern="1200" baseline="0">
-                <a:solidFill>
-                  <a:schemeClr val="tx1">
-                    <a:lumMod val="65000"/>
-                    <a:lumOff val="35000"/>
-                  </a:schemeClr>
-                </a:solidFill>
-                <a:latin typeface="+mn-lt"/>
-                <a:ea typeface="+mn-ea"/>
-                <a:cs typeface="+mn-cs"/>
-              </a:defRPr>
-            </a:pPr>
-            <a:endParaRPr lang="en-US"/>
-          </a:p>
-        </c:txPr>
-        <c:crossAx val="1262122944"/>
-        <c:crosses val="autoZero"/>
-        <c:crossBetween val="between"/>
-      </c:valAx>
-      <c:spPr>
-        <a:noFill/>
-        <a:ln>
-          <a:noFill/>
-        </a:ln>
-        <a:effectLst/>
-      </c:spPr>
-    </c:plotArea>
-    <c:plotVisOnly val="1"/>
-    <c:dispBlanksAs val="gap"/>
-    <c:showDLblsOverMax val="0"/>
-  </c:chart>
-  <c:spPr>
-    <a:noFill/>
-    <a:ln>
-      <a:noFill/>
-    </a:ln>
-    <a:effectLst/>
-  </c:spPr>
-  <c:txPr>
-    <a:bodyPr/>
-    <a:lstStyle/>
-    <a:p>
-      <a:pPr>
-        <a:defRPr/>
-      </a:pPr>
-      <a:endParaRPr lang="en-US"/>
-    </a:p>
-  </c:txPr>
-  <c:externalData r:id="rId3">
-    <c:autoUpdate val="0"/>
-  </c:externalData>
-</c:chartSpace>
-</file>
-
-<file path=ppt/charts/chart3.xml><?xml version="1.0" encoding="utf-8"?>
-<c:chartSpace xmlns:c="http://schemas.openxmlformats.org/drawingml/2006/chart" xmlns:a="http://schemas.openxmlformats.org/drawingml/2006/main" xmlns:r="http://schemas.openxmlformats.org/officeDocument/2006/relationships">
-  <c:date1904 val="0"/>
-  <c:lang val="en-US"/>
-  <c:roundedCorners val="0"/>
-  <mc:AlternateContent xmlns:mc="http://schemas.openxmlformats.org/markup-compatibility/2006">
-    <mc:Choice xmlns:c14="http://schemas.microsoft.com/office/drawing/2007/8/2/chart" Requires="c14">
-      <c14:style val="102"/>
-    </mc:Choice>
-    <mc:Fallback>
-      <c:style val="2"/>
-    </mc:Fallback>
-  </mc:AlternateContent>
-  <c:chart>
-    <c:autoTitleDeleted val="0"/>
-    <c:plotArea>
-      <c:layout>
-        <c:manualLayout>
-          <c:layoutTarget val="inner"/>
-          <c:xMode val="edge"/>
-          <c:yMode val="edge"/>
-          <c:x val="0.0819970472440945"/>
-          <c:y val="0.0245192176538514"/>
-          <c:w val="0.907982611548556"/>
-          <c:h val="0.678582956524668"/>
-        </c:manualLayout>
-      </c:layout>
-      <c:barChart>
-        <c:barDir val="col"/>
-        <c:grouping val="clustered"/>
-        <c:varyColors val="0"/>
-        <c:ser>
-          <c:idx val="0"/>
-          <c:order val="0"/>
-          <c:tx>
-            <c:v>Uniprot_trembl</c:v>
-          </c:tx>
-          <c:spPr>
-            <a:solidFill>
-              <a:schemeClr val="accent6">
-                <a:lumMod val="60000"/>
-                <a:lumOff val="40000"/>
-              </a:schemeClr>
-            </a:solidFill>
-            <a:ln>
-              <a:noFill/>
-            </a:ln>
-            <a:effectLst/>
-          </c:spPr>
-          <c:invertIfNegative val="0"/>
-          <c:cat>
-            <c:strRef>
-              <c:f>GCUPS!$A$4:$A$53</c:f>
-              <c:strCache>
-                <c:ptCount val="50"/>
-                <c:pt idx="0">
-                  <c:v>P10_ASFWA</c:v>
-                </c:pt>
-                <c:pt idx="1">
-                  <c:v>PRGJ_SALTY</c:v>
-                </c:pt>
-                <c:pt idx="2">
-                  <c:v>H6_ONCMY</c:v>
-                </c:pt>
-                <c:pt idx="3">
-                  <c:v>MT2H_BOVIN</c:v>
-                </c:pt>
-                <c:pt idx="4">
-                  <c:v>RS18_METPP</c:v>
-                </c:pt>
-                <c:pt idx="5">
-                  <c:v>YAEH_SALTY</c:v>
-                </c:pt>
-                <c:pt idx="6">
-                  <c:v>PROF1_STRPU</c:v>
-                </c:pt>
-                <c:pt idx="7">
-                  <c:v>RS14_ACICJ</c:v>
-                </c:pt>
-                <c:pt idx="8">
-                  <c:v>YO13_BPHC1</c:v>
-                </c:pt>
-                <c:pt idx="9">
-                  <c:v>BP40_BPPHE</c:v>
-                </c:pt>
-                <c:pt idx="10">
-                  <c:v>SPEH_BACCN</c:v>
-                </c:pt>
-                <c:pt idx="11">
-                  <c:v>GCSH_BORA1</c:v>
-                </c:pt>
-                <c:pt idx="12">
-                  <c:v>EMC4_HUMAN</c:v>
-                </c:pt>
-                <c:pt idx="13">
-                  <c:v>RM11_RECAM</c:v>
-                </c:pt>
-                <c:pt idx="14">
-                  <c:v>MSCL_HAEDU</c:v>
-                </c:pt>
-                <c:pt idx="15">
-                  <c:v>RS5_ANAMM</c:v>
-                </c:pt>
-                <c:pt idx="16">
-                  <c:v>NTPA_BRASB</c:v>
-                </c:pt>
-                <c:pt idx="17">
-                  <c:v>KDUI_YERE8</c:v>
-                </c:pt>
-                <c:pt idx="18">
-                  <c:v>PIMT_SHIB3</c:v>
-                </c:pt>
-                <c:pt idx="19">
-                  <c:v>RBL_PINPS</c:v>
-                </c:pt>
-                <c:pt idx="20">
-                  <c:v>RS3_AGRRK</c:v>
-                </c:pt>
-                <c:pt idx="21">
-                  <c:v>LEXA_RHORT</c:v>
-                </c:pt>
-                <c:pt idx="22">
-                  <c:v>EFTS_HAHCH</c:v>
-                </c:pt>
-                <c:pt idx="23">
-                  <c:v>META_SYNP6</c:v>
-                </c:pt>
-                <c:pt idx="24">
-                  <c:v>KCD15_HUMAN</c:v>
-                </c:pt>
-                <c:pt idx="25">
-                  <c:v>Y5318_PSEAB</c:v>
-                </c:pt>
-                <c:pt idx="26">
-                  <c:v>HTPX_BURP0</c:v>
-                </c:pt>
-                <c:pt idx="27">
-                  <c:v>HTPX_SERP5</c:v>
-                </c:pt>
-                <c:pt idx="28">
-                  <c:v>QUEA_BACMF</c:v>
-                </c:pt>
-                <c:pt idx="29">
-                  <c:v>PYRK_METAC</c:v>
-                </c:pt>
-                <c:pt idx="30">
-                  <c:v>TRG_CUPNH</c:v>
-                </c:pt>
-                <c:pt idx="31">
-                  <c:v>TLX3_HUMAN</c:v>
-                </c:pt>
-                <c:pt idx="32">
-                  <c:v>PUR9_CLOBL</c:v>
-                </c:pt>
-                <c:pt idx="33">
-                  <c:v>SYE1_BRUSU</c:v>
-                </c:pt>
-                <c:pt idx="34">
-                  <c:v>FDFT_USTMA</c:v>
-                </c:pt>
-                <c:pt idx="35">
-                  <c:v>RIMO_BDEBA</c:v>
-                </c:pt>
-                <c:pt idx="36">
-                  <c:v>OPSV_ORYLA</c:v>
-                </c:pt>
-                <c:pt idx="37">
-                  <c:v>CYSK_YEAST</c:v>
-                </c:pt>
-                <c:pt idx="38">
-                  <c:v>GLGC_BURP8</c:v>
-                </c:pt>
-                <c:pt idx="39">
-                  <c:v>ECM14_LEPMJ</c:v>
-                </c:pt>
-                <c:pt idx="40">
-                  <c:v>SMAG1_RAT</c:v>
-                </c:pt>
-                <c:pt idx="41">
-                  <c:v>MURD_CUPMC</c:v>
-                </c:pt>
-                <c:pt idx="42">
-                  <c:v>SYC_BURCC</c:v>
-                </c:pt>
-                <c:pt idx="43">
-                  <c:v>RMLB_MYCTO</c:v>
-                </c:pt>
-                <c:pt idx="44">
-                  <c:v>MNME_PSYIN</c:v>
-                </c:pt>
-                <c:pt idx="45">
-                  <c:v>XYNA_THEMA</c:v>
-                </c:pt>
-                <c:pt idx="46">
-                  <c:v>CLPB_ECOL6</c:v>
-                </c:pt>
-                <c:pt idx="47">
-                  <c:v>FTSH3_ORYSJ</c:v>
-                </c:pt>
-                <c:pt idx="48">
-                  <c:v>EVI1B_XENLA</c:v>
-                </c:pt>
-                <c:pt idx="49">
-                  <c:v>XYLG_YERPA</c:v>
-                </c:pt>
-              </c:strCache>
-            </c:strRef>
-          </c:cat>
-          <c:val>
-            <c:numRef>
-              <c:f>GCUPS!$F$4:$F$53</c:f>
-              <c:numCache>
-                <c:formatCode>General</c:formatCode>
-                <c:ptCount val="50"/>
-                <c:pt idx="0">
-                  <c:v>6430.694377728669</c:v>
-                </c:pt>
-                <c:pt idx="1">
-                  <c:v>8126.887598847907</c:v>
-                </c:pt>
-                <c:pt idx="2">
-                  <c:v>5175.352530296706</c:v>
-                </c:pt>
-                <c:pt idx="3">
-                  <c:v>4445.82717985609</c:v>
-                </c:pt>
-                <c:pt idx="4">
-                  <c:v>6937.10523022071</c:v>
-                </c:pt>
-                <c:pt idx="5">
-                  <c:v>9013.878096312282</c:v>
-                </c:pt>
-                <c:pt idx="6">
-                  <c:v>9865.069659689196</c:v>
-                </c:pt>
-                <c:pt idx="7">
-                  <c:v>6881.503531800521</c:v>
-                </c:pt>
-                <c:pt idx="8">
-                  <c:v>11130.65822188137</c:v>
-                </c:pt>
-                <c:pt idx="9">
-                  <c:v>11472.13937719021</c:v>
-                </c:pt>
-                <c:pt idx="10">
-                  <c:v>8207.59863016612</c:v>
-                </c:pt>
-                <c:pt idx="11">
-                  <c:v>7879.625260183804</c:v>
-                </c:pt>
-                <c:pt idx="12">
-                  <c:v>11465.99041234015</c:v>
-                </c:pt>
-                <c:pt idx="13">
-                  <c:v>8835.745472786036</c:v>
-                </c:pt>
-                <c:pt idx="14">
-                  <c:v>7519.909475445146</c:v>
-                </c:pt>
-                <c:pt idx="15">
-                  <c:v>9747.607894333145</c:v>
-                </c:pt>
-                <c:pt idx="16">
-                  <c:v>10243.40633457021</c:v>
-                </c:pt>
-                <c:pt idx="17">
-                  <c:v>12184.03537652957</c:v>
-                </c:pt>
-                <c:pt idx="18">
-                  <c:v>9094.819435534358</c:v>
-                </c:pt>
-                <c:pt idx="19">
-                  <c:v>2023.21253756844</c:v>
-                </c:pt>
-                <c:pt idx="20">
-                  <c:v>9886.30082883572</c:v>
-                </c:pt>
-                <c:pt idx="21">
-                  <c:v>10198.35357876262</c:v>
-                </c:pt>
-                <c:pt idx="22">
-                  <c:v>11379.26043168626</c:v>
-                </c:pt>
-                <c:pt idx="23">
-                  <c:v>11412.9193394994</c:v>
-                </c:pt>
-                <c:pt idx="24">
-                  <c:v>10100.22887169211</c:v>
-                </c:pt>
-                <c:pt idx="25">
-                  <c:v>11056.23414394055</c:v>
-                </c:pt>
-                <c:pt idx="26">
-                  <c:v>9901.551780549957</c:v>
-                </c:pt>
-                <c:pt idx="27">
-                  <c:v>9932.01352585937</c:v>
-                </c:pt>
-                <c:pt idx="28">
-                  <c:v>11173.94891635614</c:v>
-                </c:pt>
-                <c:pt idx="29">
-                  <c:v>8398.303310577439</c:v>
-                </c:pt>
-                <c:pt idx="30">
-                  <c:v>7461.167266210432</c:v>
-                </c:pt>
-                <c:pt idx="31">
-                  <c:v>8266.347897998294</c:v>
-                </c:pt>
-                <c:pt idx="32">
-                  <c:v>13026.75142618764</c:v>
-                </c:pt>
-                <c:pt idx="33">
-                  <c:v>11573.51052861611</c:v>
-                </c:pt>
-                <c:pt idx="34">
-                  <c:v>14274.7054775474</c:v>
-                </c:pt>
-                <c:pt idx="35">
-                  <c:v>11380.10731991149</c:v>
-                </c:pt>
-                <c:pt idx="36">
-                  <c:v>8259.647594536536</c:v>
-                </c:pt>
-                <c:pt idx="37">
-                  <c:v>9496.361536942226</c:v>
-                </c:pt>
-                <c:pt idx="38">
-                  <c:v>10124.90353923206</c:v>
-                </c:pt>
-                <c:pt idx="39">
-                  <c:v>13217.86470163863</c:v>
-                </c:pt>
-                <c:pt idx="40">
-                  <c:v>13672.89676055769</c:v>
-                </c:pt>
-                <c:pt idx="41">
-                  <c:v>10343.17907807644</c:v>
-                </c:pt>
-                <c:pt idx="42">
-                  <c:v>9360.533092287535</c:v>
-                </c:pt>
-                <c:pt idx="43">
-                  <c:v>6581.466410638601</c:v>
-                </c:pt>
-                <c:pt idx="44">
-                  <c:v>8825.14577794883</c:v>
-                </c:pt>
-                <c:pt idx="45">
-                  <c:v>14323.40497159044</c:v>
-                </c:pt>
-                <c:pt idx="46">
-                  <c:v>8874.158720945874</c:v>
-                </c:pt>
-                <c:pt idx="47">
-                  <c:v>6981.192950333908</c:v>
-                </c:pt>
-                <c:pt idx="48">
-                  <c:v>8831.52086235985</c:v>
-                </c:pt>
-                <c:pt idx="49">
-                  <c:v>2140.796171285483</c:v>
-                </c:pt>
-              </c:numCache>
-            </c:numRef>
-          </c:val>
-        </c:ser>
-        <c:ser>
-          <c:idx val="1"/>
-          <c:order val="1"/>
-          <c:tx>
-            <c:v>Tara_oceans</c:v>
-          </c:tx>
-          <c:spPr>
-            <a:solidFill>
-              <a:srgbClr val="0070C0"/>
-            </a:solidFill>
-            <a:ln>
-              <a:noFill/>
-            </a:ln>
-            <a:effectLst/>
-          </c:spPr>
-          <c:invertIfNegative val="0"/>
-          <c:val>
-            <c:numRef>
-              <c:f>GCUPS!$Q$4:$Q$53</c:f>
-              <c:numCache>
-                <c:formatCode>General</c:formatCode>
-                <c:ptCount val="50"/>
-                <c:pt idx="0">
-                  <c:v>6997.501459898162</c:v>
-                </c:pt>
-                <c:pt idx="1">
-                  <c:v>8409.10326800892</c:v>
-                </c:pt>
-                <c:pt idx="2">
-                  <c:v>5925.854251654982</c:v>
-                </c:pt>
-                <c:pt idx="3">
-                  <c:v>5178.19878060353</c:v>
-                </c:pt>
-                <c:pt idx="4">
-                  <c:v>7758.648883065878</c:v>
-                </c:pt>
-                <c:pt idx="5">
-                  <c:v>9641.390697897828</c:v>
-                </c:pt>
-                <c:pt idx="6">
-                  <c:v>10688.45649923916</c:v>
-                </c:pt>
-                <c:pt idx="7">
-                  <c:v>7317.909019159914</c:v>
-                </c:pt>
-                <c:pt idx="8">
-                  <c:v>11727.14378974266</c:v>
-                </c:pt>
-                <c:pt idx="9">
-                  <c:v>12576.53108607082</c:v>
-                </c:pt>
-                <c:pt idx="10">
-                  <c:v>8701.165848658793</c:v>
-                </c:pt>
-                <c:pt idx="11">
-                  <c:v>7882.623344562624</c:v>
-                </c:pt>
-                <c:pt idx="12">
-                  <c:v>12401.98568240972</c:v>
-                </c:pt>
-                <c:pt idx="13">
-                  <c:v>9929.400380223009</c:v>
-                </c:pt>
-                <c:pt idx="14">
-                  <c:v>8132.620162468086</c:v>
-                </c:pt>
-                <c:pt idx="15">
-                  <c:v>10432.9224875468</c:v>
-                </c:pt>
-                <c:pt idx="16">
-                  <c:v>11181.0667802259</c:v>
-                </c:pt>
-                <c:pt idx="17">
-                  <c:v>12580.42290554652</c:v>
-                </c:pt>
-                <c:pt idx="18">
-                  <c:v>9437.515319245544</c:v>
-                </c:pt>
-                <c:pt idx="19">
-                  <c:v>3241.844513107903</c:v>
-                </c:pt>
-                <c:pt idx="20">
-                  <c:v>10337.78467344888</c:v>
-                </c:pt>
-                <c:pt idx="21">
-                  <c:v>10411.37950831032</c:v>
-                </c:pt>
-                <c:pt idx="22">
-                  <c:v>11747.87610958542</c:v>
-                </c:pt>
-                <c:pt idx="23">
-                  <c:v>11817.1298248811</c:v>
-                </c:pt>
-                <c:pt idx="24">
-                  <c:v>11085.01617518207</c:v>
-                </c:pt>
-                <c:pt idx="25">
-                  <c:v>11255.2327472548</c:v>
-                </c:pt>
-                <c:pt idx="26">
-                  <c:v>10196.94845991423</c:v>
-                </c:pt>
-                <c:pt idx="27">
-                  <c:v>10264.60218222453</c:v>
-                </c:pt>
-                <c:pt idx="28">
-                  <c:v>11650.70245757346</c:v>
-                </c:pt>
-                <c:pt idx="29">
-                  <c:v>9166.476739289888</c:v>
-                </c:pt>
-                <c:pt idx="30">
-                  <c:v>7792.15310215278</c:v>
-                </c:pt>
-                <c:pt idx="31">
-                  <c:v>9767.769434138408</c:v>
-                </c:pt>
-                <c:pt idx="32">
-                  <c:v>13551.32635456326</c:v>
-                </c:pt>
-                <c:pt idx="33">
-                  <c:v>11988.22209798978</c:v>
-                </c:pt>
-                <c:pt idx="34">
-                  <c:v>14529.97726354155</c:v>
-                </c:pt>
-                <c:pt idx="35">
-                  <c:v>11763.89313639808</c:v>
-                </c:pt>
-                <c:pt idx="36">
-                  <c:v>10193.71453559623</c:v>
-                </c:pt>
-                <c:pt idx="37">
-                  <c:v>9585.55341752668</c:v>
-                </c:pt>
-                <c:pt idx="38">
-                  <c:v>10779.07167239113</c:v>
-                </c:pt>
-                <c:pt idx="39">
-                  <c:v>13929.47678921902</c:v>
-                </c:pt>
-                <c:pt idx="40">
-                  <c:v>14755.68871587548</c:v>
-                </c:pt>
-                <c:pt idx="41">
-                  <c:v>10264.86655774044</c:v>
-                </c:pt>
-                <c:pt idx="42">
-                  <c:v>9189.711915484819</c:v>
-                </c:pt>
-                <c:pt idx="43">
-                  <c:v>7325.729947270032</c:v>
-                </c:pt>
-                <c:pt idx="44">
-                  <c:v>8803.703513167107</c:v>
-                </c:pt>
-                <c:pt idx="45">
-                  <c:v>14768.99770415038</c:v>
-                </c:pt>
-                <c:pt idx="46">
-                  <c:v>8458.94871208759</c:v>
-                </c:pt>
-                <c:pt idx="47">
-                  <c:v>7331.784729708208</c:v>
-                </c:pt>
-                <c:pt idx="48">
-                  <c:v>10502.39428900228</c:v>
-                </c:pt>
-                <c:pt idx="49">
-                  <c:v>2111.425824055375</c:v>
-                </c:pt>
-              </c:numCache>
-            </c:numRef>
-          </c:val>
-        </c:ser>
-        <c:dLbls>
-          <c:showLegendKey val="0"/>
-          <c:showVal val="0"/>
-          <c:showCatName val="0"/>
-          <c:showSerName val="0"/>
-          <c:showPercent val="0"/>
-          <c:showBubbleSize val="0"/>
-        </c:dLbls>
-        <c:gapWidth val="219"/>
-        <c:overlap val="-27"/>
-        <c:axId val="1300509216"/>
-        <c:axId val="1300511760"/>
-      </c:barChart>
-      <c:catAx>
-        <c:axId val="1300509216"/>
+        <c:axId val="1252693568"/>
         <c:scaling>
           <c:orientation val="minMax"/>
         </c:scaling>
@@ -2589,7 +2655,7 @@
             <a:endParaRPr lang="en-US"/>
           </a:p>
         </c:txPr>
-        <c:crossAx val="1300511760"/>
+        <c:crossAx val="1139119264"/>
         <c:crosses val="autoZero"/>
         <c:auto val="1"/>
         <c:lblAlgn val="ctr"/>
@@ -2597,7 +2663,7 @@
         <c:noMultiLvlLbl val="0"/>
       </c:catAx>
       <c:valAx>
-        <c:axId val="1300511760"/>
+        <c:axId val="1139119264"/>
         <c:scaling>
           <c:orientation val="minMax"/>
         </c:scaling>
@@ -2698,7 +2764,7 @@
             <a:endParaRPr lang="en-US"/>
           </a:p>
         </c:txPr>
-        <c:crossAx val="1300509216"/>
+        <c:crossAx val="1252693568"/>
         <c:crosses val="autoZero"/>
         <c:crossBetween val="between"/>
       </c:valAx>
@@ -2710,9 +2776,1583 @@
         <a:effectLst/>
       </c:spPr>
     </c:plotArea>
+    <c:plotVisOnly val="1"/>
+    <c:dispBlanksAs val="gap"/>
+    <c:showDLblsOverMax val="0"/>
+  </c:chart>
+  <c:spPr>
+    <a:noFill/>
+    <a:ln>
+      <a:noFill/>
+    </a:ln>
+    <a:effectLst/>
+  </c:spPr>
+  <c:txPr>
+    <a:bodyPr/>
+    <a:lstStyle/>
+    <a:p>
+      <a:pPr>
+        <a:defRPr/>
+      </a:pPr>
+      <a:endParaRPr lang="en-US"/>
+    </a:p>
+  </c:txPr>
+  <c:externalData r:id="rId3">
+    <c:autoUpdate val="0"/>
+  </c:externalData>
+</c:chartSpace>
+</file>
+
+<file path=ppt/charts/chart5.xml><?xml version="1.0" encoding="utf-8"?>
+<c:chartSpace xmlns:c="http://schemas.openxmlformats.org/drawingml/2006/chart" xmlns:a="http://schemas.openxmlformats.org/drawingml/2006/main" xmlns:r="http://schemas.openxmlformats.org/officeDocument/2006/relationships">
+  <c:date1904 val="0"/>
+  <c:lang val="en-US"/>
+  <c:roundedCorners val="0"/>
+  <mc:AlternateContent xmlns:mc="http://schemas.openxmlformats.org/markup-compatibility/2006">
+    <mc:Choice xmlns:c14="http://schemas.microsoft.com/office/drawing/2007/8/2/chart" Requires="c14">
+      <c14:style val="102"/>
+    </mc:Choice>
+    <mc:Fallback>
+      <c:style val="2"/>
+    </mc:Fallback>
+  </mc:AlternateContent>
+  <c:chart>
+    <c:autoTitleDeleted val="0"/>
+    <c:plotArea>
+      <c:layout>
+        <c:manualLayout>
+          <c:layoutTarget val="inner"/>
+          <c:xMode val="edge"/>
+          <c:yMode val="edge"/>
+          <c:x val="0.0544105971128609"/>
+          <c:y val="0.0114344286211674"/>
+          <c:w val="0.924922736220472"/>
+          <c:h val="0.900533994619401"/>
+        </c:manualLayout>
+      </c:layout>
+      <c:scatterChart>
+        <c:scatterStyle val="lineMarker"/>
+        <c:varyColors val="0"/>
+        <c:ser>
+          <c:idx val="1"/>
+          <c:order val="0"/>
+          <c:tx>
+            <c:v>H3</c:v>
+          </c:tx>
+          <c:spPr>
+            <a:ln w="38100" cap="rnd">
+              <a:solidFill>
+                <a:srgbClr val="C00000"/>
+              </a:solidFill>
+              <a:round/>
+            </a:ln>
+            <a:effectLst/>
+          </c:spPr>
+          <c:marker>
+            <c:symbol val="none"/>
+          </c:marker>
+          <c:dLbls>
+            <c:dLbl>
+              <c:idx val="49"/>
+              <c:layout>
+                <c:manualLayout>
+                  <c:x val="0.0"/>
+                  <c:y val="0.0275743844490493"/>
+                </c:manualLayout>
+              </c:layout>
+              <c:dLblPos val="r"/>
+              <c:showLegendKey val="0"/>
+              <c:showVal val="1"/>
+              <c:showCatName val="0"/>
+              <c:showSerName val="0"/>
+              <c:showPercent val="0"/>
+              <c:showBubbleSize val="0"/>
+              <c:extLst>
+                <c:ext xmlns:c15="http://schemas.microsoft.com/office/drawing/2012/chart" uri="{CE6537A1-D6FC-4f65-9D91-7224C49458BB}">
+                  <c15:layout/>
+                </c:ext>
+              </c:extLst>
+            </c:dLbl>
+            <c:numFmt formatCode="#,##0" sourceLinked="0"/>
+            <c:spPr>
+              <a:noFill/>
+              <a:ln>
+                <a:noFill/>
+              </a:ln>
+              <a:effectLst/>
+            </c:spPr>
+            <c:txPr>
+              <a:bodyPr rot="0" spcFirstLastPara="1" vertOverflow="ellipsis" vert="horz" wrap="square" lIns="38100" tIns="19050" rIns="38100" bIns="19050" anchor="ctr" anchorCtr="1">
+                <a:spAutoFit/>
+              </a:bodyPr>
+              <a:lstStyle/>
+              <a:p>
+                <a:pPr>
+                  <a:defRPr sz="1400" b="0" i="0" u="none" strike="noStrike" kern="1200" baseline="0">
+                    <a:solidFill>
+                      <a:schemeClr val="tx1">
+                        <a:lumMod val="75000"/>
+                        <a:lumOff val="25000"/>
+                      </a:schemeClr>
+                    </a:solidFill>
+                    <a:latin typeface="+mn-lt"/>
+                    <a:ea typeface="+mn-ea"/>
+                    <a:cs typeface="+mn-cs"/>
+                  </a:defRPr>
+                </a:pPr>
+                <a:endParaRPr lang="en-US"/>
+              </a:p>
+            </c:txPr>
+            <c:showLegendKey val="0"/>
+            <c:showVal val="0"/>
+            <c:showCatName val="0"/>
+            <c:showSerName val="0"/>
+            <c:showPercent val="0"/>
+            <c:showBubbleSize val="0"/>
+            <c:extLst>
+              <c:ext xmlns:c15="http://schemas.microsoft.com/office/drawing/2012/chart" uri="{CE6537A1-D6FC-4f65-9D91-7224C49458BB}">
+                <c15:showLeaderLines val="1"/>
+                <c15:leaderLines>
+                  <c:spPr>
+                    <a:ln w="9525" cap="flat" cmpd="sng" algn="ctr">
+                      <a:solidFill>
+                        <a:schemeClr val="tx1">
+                          <a:lumMod val="35000"/>
+                          <a:lumOff val="65000"/>
+                        </a:schemeClr>
+                      </a:solidFill>
+                      <a:round/>
+                    </a:ln>
+                    <a:effectLst/>
+                  </c:spPr>
+                </c15:leaderLines>
+              </c:ext>
+            </c:extLst>
+          </c:dLbls>
+          <c:xVal>
+            <c:numRef>
+              <c:f>'H3 uniprot_trembl'!$B$3:$AY$3</c:f>
+              <c:numCache>
+                <c:formatCode>General</c:formatCode>
+                <c:ptCount val="50"/>
+                <c:pt idx="0">
+                  <c:v>1.0</c:v>
+                </c:pt>
+                <c:pt idx="1">
+                  <c:v>2.0</c:v>
+                </c:pt>
+                <c:pt idx="2">
+                  <c:v>3.0</c:v>
+                </c:pt>
+                <c:pt idx="3">
+                  <c:v>4.0</c:v>
+                </c:pt>
+                <c:pt idx="4">
+                  <c:v>5.0</c:v>
+                </c:pt>
+                <c:pt idx="5">
+                  <c:v>6.0</c:v>
+                </c:pt>
+                <c:pt idx="6">
+                  <c:v>7.0</c:v>
+                </c:pt>
+                <c:pt idx="7">
+                  <c:v>8.0</c:v>
+                </c:pt>
+                <c:pt idx="8">
+                  <c:v>9.0</c:v>
+                </c:pt>
+                <c:pt idx="9">
+                  <c:v>10.0</c:v>
+                </c:pt>
+                <c:pt idx="10">
+                  <c:v>11.0</c:v>
+                </c:pt>
+                <c:pt idx="11">
+                  <c:v>12.0</c:v>
+                </c:pt>
+                <c:pt idx="12">
+                  <c:v>13.0</c:v>
+                </c:pt>
+                <c:pt idx="13">
+                  <c:v>14.0</c:v>
+                </c:pt>
+                <c:pt idx="14">
+                  <c:v>15.0</c:v>
+                </c:pt>
+                <c:pt idx="15">
+                  <c:v>16.0</c:v>
+                </c:pt>
+                <c:pt idx="16">
+                  <c:v>17.0</c:v>
+                </c:pt>
+                <c:pt idx="17">
+                  <c:v>18.0</c:v>
+                </c:pt>
+                <c:pt idx="18">
+                  <c:v>19.0</c:v>
+                </c:pt>
+                <c:pt idx="19">
+                  <c:v>20.0</c:v>
+                </c:pt>
+                <c:pt idx="20">
+                  <c:v>21.0</c:v>
+                </c:pt>
+                <c:pt idx="21">
+                  <c:v>22.0</c:v>
+                </c:pt>
+                <c:pt idx="22">
+                  <c:v>23.0</c:v>
+                </c:pt>
+                <c:pt idx="23">
+                  <c:v>24.0</c:v>
+                </c:pt>
+                <c:pt idx="24">
+                  <c:v>25.0</c:v>
+                </c:pt>
+                <c:pt idx="25">
+                  <c:v>26.0</c:v>
+                </c:pt>
+                <c:pt idx="26">
+                  <c:v>27.0</c:v>
+                </c:pt>
+                <c:pt idx="27">
+                  <c:v>28.0</c:v>
+                </c:pt>
+                <c:pt idx="28">
+                  <c:v>29.0</c:v>
+                </c:pt>
+                <c:pt idx="29">
+                  <c:v>30.0</c:v>
+                </c:pt>
+                <c:pt idx="30">
+                  <c:v>31.0</c:v>
+                </c:pt>
+                <c:pt idx="31">
+                  <c:v>32.0</c:v>
+                </c:pt>
+                <c:pt idx="32">
+                  <c:v>33.0</c:v>
+                </c:pt>
+                <c:pt idx="33">
+                  <c:v>34.0</c:v>
+                </c:pt>
+                <c:pt idx="34">
+                  <c:v>35.0</c:v>
+                </c:pt>
+                <c:pt idx="35">
+                  <c:v>36.0</c:v>
+                </c:pt>
+                <c:pt idx="36">
+                  <c:v>72.0</c:v>
+                </c:pt>
+                <c:pt idx="37">
+                  <c:v>108.0</c:v>
+                </c:pt>
+                <c:pt idx="38">
+                  <c:v>144.0</c:v>
+                </c:pt>
+                <c:pt idx="39">
+                  <c:v>180.0</c:v>
+                </c:pt>
+                <c:pt idx="40">
+                  <c:v>216.0</c:v>
+                </c:pt>
+                <c:pt idx="41">
+                  <c:v>252.0</c:v>
+                </c:pt>
+                <c:pt idx="42">
+                  <c:v>288.0</c:v>
+                </c:pt>
+                <c:pt idx="43">
+                  <c:v>324.0</c:v>
+                </c:pt>
+                <c:pt idx="44">
+                  <c:v>360.0</c:v>
+                </c:pt>
+                <c:pt idx="45">
+                  <c:v>396.0</c:v>
+                </c:pt>
+                <c:pt idx="46">
+                  <c:v>432.0</c:v>
+                </c:pt>
+                <c:pt idx="47">
+                  <c:v>468.0</c:v>
+                </c:pt>
+                <c:pt idx="48">
+                  <c:v>504.0</c:v>
+                </c:pt>
+                <c:pt idx="49">
+                  <c:v>540.0</c:v>
+                </c:pt>
+              </c:numCache>
+            </c:numRef>
+          </c:xVal>
+          <c:yVal>
+            <c:numRef>
+              <c:f>'H3 uniprot_trembl'!$B$121:$AY$121</c:f>
+              <c:numCache>
+                <c:formatCode>General</c:formatCode>
+                <c:ptCount val="50"/>
+                <c:pt idx="0">
+                  <c:v>1.0</c:v>
+                </c:pt>
+                <c:pt idx="1">
+                  <c:v>2.010809645847818</c:v>
+                </c:pt>
+                <c:pt idx="2">
+                  <c:v>3.001540717008472</c:v>
+                </c:pt>
+                <c:pt idx="3">
+                  <c:v>3.975694036851656</c:v>
+                </c:pt>
+                <c:pt idx="4">
+                  <c:v>4.812777714368903</c:v>
+                </c:pt>
+                <c:pt idx="5">
+                  <c:v>5.630809378819538</c:v>
+                </c:pt>
+                <c:pt idx="6">
+                  <c:v>6.477851181393652</c:v>
+                </c:pt>
+                <c:pt idx="7">
+                  <c:v>7.310571812069242</c:v>
+                </c:pt>
+                <c:pt idx="8">
+                  <c:v>8.094331798825486</c:v>
+                </c:pt>
+                <c:pt idx="9">
+                  <c:v>8.877655981063893</c:v>
+                </c:pt>
+                <c:pt idx="10">
+                  <c:v>9.600123890458976</c:v>
+                </c:pt>
+                <c:pt idx="11">
+                  <c:v>10.33181333310083</c:v>
+                </c:pt>
+                <c:pt idx="12">
+                  <c:v>10.9965296877366</c:v>
+                </c:pt>
+                <c:pt idx="13">
+                  <c:v>11.66356535510961</c:v>
+                </c:pt>
+                <c:pt idx="14">
+                  <c:v>12.276304153656</c:v>
+                </c:pt>
+                <c:pt idx="15">
+                  <c:v>12.91088999104198</c:v>
+                </c:pt>
+                <c:pt idx="16">
+                  <c:v>13.53474675439361</c:v>
+                </c:pt>
+                <c:pt idx="17">
+                  <c:v>14.17230795875868</c:v>
+                </c:pt>
+                <c:pt idx="18">
+                  <c:v>14.91312532885723</c:v>
+                </c:pt>
+                <c:pt idx="19">
+                  <c:v>15.69106163423626</c:v>
+                </c:pt>
+                <c:pt idx="20">
+                  <c:v>16.3804588426376</c:v>
+                </c:pt>
+                <c:pt idx="21">
+                  <c:v>17.18907220346325</c:v>
+                </c:pt>
+                <c:pt idx="22">
+                  <c:v>17.91908058899874</c:v>
+                </c:pt>
+                <c:pt idx="23">
+                  <c:v>18.7121798113447</c:v>
+                </c:pt>
+                <c:pt idx="24">
+                  <c:v>19.42773036933755</c:v>
+                </c:pt>
+                <c:pt idx="25">
+                  <c:v>20.14353201566894</c:v>
+                </c:pt>
+                <c:pt idx="26">
+                  <c:v>20.929745276689</c:v>
+                </c:pt>
+                <c:pt idx="27">
+                  <c:v>21.44294291997555</c:v>
+                </c:pt>
+                <c:pt idx="28">
+                  <c:v>21.96996504073389</c:v>
+                </c:pt>
+                <c:pt idx="29">
+                  <c:v>22.84668345092342</c:v>
+                </c:pt>
+                <c:pt idx="30">
+                  <c:v>23.13668329722713</c:v>
+                </c:pt>
+                <c:pt idx="31">
+                  <c:v>24.23452348027917</c:v>
+                </c:pt>
+                <c:pt idx="32">
+                  <c:v>24.34872598212489</c:v>
+                </c:pt>
+                <c:pt idx="33">
+                  <c:v>24.67063064542011</c:v>
+                </c:pt>
+                <c:pt idx="34">
+                  <c:v>25.78200185895865</c:v>
+                </c:pt>
+                <c:pt idx="35">
+                  <c:v>25.16454010464465</c:v>
+                </c:pt>
+                <c:pt idx="36">
+                  <c:v>50.17635289040876</c:v>
+                </c:pt>
+                <c:pt idx="37">
+                  <c:v>73.80895931035485</c:v>
+                </c:pt>
+                <c:pt idx="38">
+                  <c:v>97.7774047008045</c:v>
+                </c:pt>
+                <c:pt idx="39">
+                  <c:v>121.257027959932</c:v>
+                </c:pt>
+                <c:pt idx="40">
+                  <c:v>140.3581548820031</c:v>
+                </c:pt>
+                <c:pt idx="41">
+                  <c:v>163.5996796216631</c:v>
+                </c:pt>
+                <c:pt idx="42">
+                  <c:v>187.5512559718863</c:v>
+                </c:pt>
+                <c:pt idx="43">
+                  <c:v>206.1738757472876</c:v>
+                </c:pt>
+                <c:pt idx="44">
+                  <c:v>225.9715558599071</c:v>
+                </c:pt>
+                <c:pt idx="45">
+                  <c:v>247.8038646005559</c:v>
+                </c:pt>
+                <c:pt idx="46">
+                  <c:v>266.5461697426301</c:v>
+                </c:pt>
+                <c:pt idx="47">
+                  <c:v>288.9039213736116</c:v>
+                </c:pt>
+                <c:pt idx="48">
+                  <c:v>308.2188370263024</c:v>
+                </c:pt>
+                <c:pt idx="49">
+                  <c:v>331.3947752326026</c:v>
+                </c:pt>
+              </c:numCache>
+            </c:numRef>
+          </c:yVal>
+          <c:smooth val="0"/>
+        </c:ser>
+        <c:ser>
+          <c:idx val="2"/>
+          <c:order val="1"/>
+          <c:tx>
+            <c:v>H4 (old instructions)</c:v>
+          </c:tx>
+          <c:spPr>
+            <a:ln w="38100" cap="rnd">
+              <a:solidFill>
+                <a:srgbClr val="0070C0"/>
+              </a:solidFill>
+              <a:round/>
+            </a:ln>
+            <a:effectLst/>
+          </c:spPr>
+          <c:marker>
+            <c:symbol val="none"/>
+          </c:marker>
+          <c:dLbls>
+            <c:dLbl>
+              <c:idx val="49"/>
+              <c:layout>
+                <c:manualLayout>
+                  <c:x val="0.0"/>
+                  <c:y val="0.0357444858329293"/>
+                </c:manualLayout>
+              </c:layout>
+              <c:tx>
+                <c:rich>
+                  <a:bodyPr/>
+                  <a:lstStyle/>
+                  <a:p>
+                    <a:fld id="{513A1243-376C-9544-B9DB-C77C7B87DCFD}" type="YVALUE">
+                      <a:rPr lang="is-IS" sz="1400" baseline="0"/>
+                      <a:pPr/>
+                      <a:t>[Y VALUE]</a:t>
+                    </a:fld>
+                    <a:endParaRPr lang="en-US"/>
+                  </a:p>
+                </c:rich>
+              </c:tx>
+              <c:dLblPos val="r"/>
+              <c:showLegendKey val="0"/>
+              <c:showVal val="1"/>
+              <c:showCatName val="0"/>
+              <c:showSerName val="0"/>
+              <c:showPercent val="0"/>
+              <c:showBubbleSize val="0"/>
+              <c:extLst>
+                <c:ext xmlns:c15="http://schemas.microsoft.com/office/drawing/2012/chart" uri="{CE6537A1-D6FC-4f65-9D91-7224C49458BB}">
+                  <c15:layout/>
+                  <c15:dlblFieldTable/>
+                  <c15:showDataLabelsRange val="0"/>
+                </c:ext>
+              </c:extLst>
+            </c:dLbl>
+            <c:numFmt formatCode="#,##0" sourceLinked="0"/>
+            <c:spPr>
+              <a:noFill/>
+              <a:ln>
+                <a:noFill/>
+              </a:ln>
+              <a:effectLst/>
+            </c:spPr>
+            <c:txPr>
+              <a:bodyPr rot="0" spcFirstLastPara="1" vertOverflow="ellipsis" vert="horz" wrap="square" lIns="38100" tIns="19050" rIns="38100" bIns="19050" anchor="ctr" anchorCtr="1">
+                <a:spAutoFit/>
+              </a:bodyPr>
+              <a:lstStyle/>
+              <a:p>
+                <a:pPr>
+                  <a:defRPr sz="900" b="0" i="0" u="none" strike="noStrike" kern="1200" baseline="0">
+                    <a:solidFill>
+                      <a:schemeClr val="tx1">
+                        <a:lumMod val="75000"/>
+                        <a:lumOff val="25000"/>
+                      </a:schemeClr>
+                    </a:solidFill>
+                    <a:latin typeface="+mn-lt"/>
+                    <a:ea typeface="+mn-ea"/>
+                    <a:cs typeface="+mn-cs"/>
+                  </a:defRPr>
+                </a:pPr>
+                <a:endParaRPr lang="en-US"/>
+              </a:p>
+            </c:txPr>
+            <c:showLegendKey val="0"/>
+            <c:showVal val="0"/>
+            <c:showCatName val="0"/>
+            <c:showSerName val="0"/>
+            <c:showPercent val="0"/>
+            <c:showBubbleSize val="0"/>
+            <c:extLst>
+              <c:ext xmlns:c15="http://schemas.microsoft.com/office/drawing/2012/chart" uri="{CE6537A1-D6FC-4f65-9D91-7224C49458BB}">
+                <c15:showLeaderLines val="1"/>
+                <c15:leaderLines>
+                  <c:spPr>
+                    <a:ln w="9525" cap="flat" cmpd="sng" algn="ctr">
+                      <a:solidFill>
+                        <a:schemeClr val="tx1">
+                          <a:lumMod val="35000"/>
+                          <a:lumOff val="65000"/>
+                        </a:schemeClr>
+                      </a:solidFill>
+                      <a:round/>
+                    </a:ln>
+                    <a:effectLst/>
+                  </c:spPr>
+                </c15:leaderLines>
+              </c:ext>
+            </c:extLst>
+          </c:dLbls>
+          <c:xVal>
+            <c:numRef>
+              <c:f>'H4 No AVX Uniprot Trembl'!$B$3:$AY$3</c:f>
+              <c:numCache>
+                <c:formatCode>General</c:formatCode>
+                <c:ptCount val="50"/>
+                <c:pt idx="0">
+                  <c:v>1.0</c:v>
+                </c:pt>
+                <c:pt idx="1">
+                  <c:v>2.0</c:v>
+                </c:pt>
+                <c:pt idx="2">
+                  <c:v>3.0</c:v>
+                </c:pt>
+                <c:pt idx="3">
+                  <c:v>4.0</c:v>
+                </c:pt>
+                <c:pt idx="4">
+                  <c:v>5.0</c:v>
+                </c:pt>
+                <c:pt idx="5">
+                  <c:v>6.0</c:v>
+                </c:pt>
+                <c:pt idx="6">
+                  <c:v>7.0</c:v>
+                </c:pt>
+                <c:pt idx="7">
+                  <c:v>8.0</c:v>
+                </c:pt>
+                <c:pt idx="8">
+                  <c:v>9.0</c:v>
+                </c:pt>
+                <c:pt idx="9">
+                  <c:v>10.0</c:v>
+                </c:pt>
+                <c:pt idx="10">
+                  <c:v>11.0</c:v>
+                </c:pt>
+                <c:pt idx="11">
+                  <c:v>12.0</c:v>
+                </c:pt>
+                <c:pt idx="12">
+                  <c:v>13.0</c:v>
+                </c:pt>
+                <c:pt idx="13">
+                  <c:v>14.0</c:v>
+                </c:pt>
+                <c:pt idx="14">
+                  <c:v>15.0</c:v>
+                </c:pt>
+                <c:pt idx="15">
+                  <c:v>16.0</c:v>
+                </c:pt>
+                <c:pt idx="16">
+                  <c:v>17.0</c:v>
+                </c:pt>
+                <c:pt idx="17">
+                  <c:v>18.0</c:v>
+                </c:pt>
+                <c:pt idx="18">
+                  <c:v>19.0</c:v>
+                </c:pt>
+                <c:pt idx="19">
+                  <c:v>20.0</c:v>
+                </c:pt>
+                <c:pt idx="20">
+                  <c:v>21.0</c:v>
+                </c:pt>
+                <c:pt idx="21">
+                  <c:v>22.0</c:v>
+                </c:pt>
+                <c:pt idx="22">
+                  <c:v>23.0</c:v>
+                </c:pt>
+                <c:pt idx="23">
+                  <c:v>24.0</c:v>
+                </c:pt>
+                <c:pt idx="24">
+                  <c:v>25.0</c:v>
+                </c:pt>
+                <c:pt idx="25">
+                  <c:v>26.0</c:v>
+                </c:pt>
+                <c:pt idx="26">
+                  <c:v>27.0</c:v>
+                </c:pt>
+                <c:pt idx="27">
+                  <c:v>28.0</c:v>
+                </c:pt>
+                <c:pt idx="28">
+                  <c:v>29.0</c:v>
+                </c:pt>
+                <c:pt idx="29">
+                  <c:v>30.0</c:v>
+                </c:pt>
+                <c:pt idx="30">
+                  <c:v>31.0</c:v>
+                </c:pt>
+                <c:pt idx="31">
+                  <c:v>32.0</c:v>
+                </c:pt>
+                <c:pt idx="32">
+                  <c:v>33.0</c:v>
+                </c:pt>
+                <c:pt idx="33">
+                  <c:v>34.0</c:v>
+                </c:pt>
+                <c:pt idx="34">
+                  <c:v>35.0</c:v>
+                </c:pt>
+                <c:pt idx="35">
+                  <c:v>36.0</c:v>
+                </c:pt>
+                <c:pt idx="36">
+                  <c:v>72.0</c:v>
+                </c:pt>
+                <c:pt idx="37">
+                  <c:v>108.0</c:v>
+                </c:pt>
+                <c:pt idx="38">
+                  <c:v>144.0</c:v>
+                </c:pt>
+                <c:pt idx="39">
+                  <c:v>180.0</c:v>
+                </c:pt>
+                <c:pt idx="40">
+                  <c:v>216.0</c:v>
+                </c:pt>
+                <c:pt idx="41">
+                  <c:v>252.0</c:v>
+                </c:pt>
+                <c:pt idx="42">
+                  <c:v>288.0</c:v>
+                </c:pt>
+                <c:pt idx="43">
+                  <c:v>324.0</c:v>
+                </c:pt>
+                <c:pt idx="44">
+                  <c:v>360.0</c:v>
+                </c:pt>
+                <c:pt idx="45">
+                  <c:v>396.0</c:v>
+                </c:pt>
+                <c:pt idx="46">
+                  <c:v>432.0</c:v>
+                </c:pt>
+                <c:pt idx="47">
+                  <c:v>468.0</c:v>
+                </c:pt>
+                <c:pt idx="48">
+                  <c:v>504.0</c:v>
+                </c:pt>
+                <c:pt idx="49">
+                  <c:v>540.0</c:v>
+                </c:pt>
+              </c:numCache>
+            </c:numRef>
+          </c:xVal>
+          <c:yVal>
+            <c:numRef>
+              <c:f>'H4 No AVX Uniprot Trembl'!$B$59:$AY$59</c:f>
+              <c:numCache>
+                <c:formatCode>General</c:formatCode>
+                <c:ptCount val="50"/>
+                <c:pt idx="0">
+                  <c:v>1.0</c:v>
+                </c:pt>
+                <c:pt idx="1">
+                  <c:v>1.987046229251988</c:v>
+                </c:pt>
+                <c:pt idx="2">
+                  <c:v>2.973684827580476</c:v>
+                </c:pt>
+                <c:pt idx="3">
+                  <c:v>3.845068527262633</c:v>
+                </c:pt>
+                <c:pt idx="4">
+                  <c:v>4.70976065177354</c:v>
+                </c:pt>
+                <c:pt idx="5">
+                  <c:v>5.53831227561173</c:v>
+                </c:pt>
+                <c:pt idx="6">
+                  <c:v>6.378894674632424</c:v>
+                </c:pt>
+                <c:pt idx="7">
+                  <c:v>7.162525811725475</c:v>
+                </c:pt>
+                <c:pt idx="8">
+                  <c:v>7.958394950412978</c:v>
+                </c:pt>
+                <c:pt idx="9">
+                  <c:v>8.674278286253649</c:v>
+                </c:pt>
+                <c:pt idx="10">
+                  <c:v>9.42695221375411</c:v>
+                </c:pt>
+                <c:pt idx="11">
+                  <c:v>10.08059547569281</c:v>
+                </c:pt>
+                <c:pt idx="12">
+                  <c:v>10.74949745626132</c:v>
+                </c:pt>
+                <c:pt idx="13">
+                  <c:v>11.38477993128238</c:v>
+                </c:pt>
+                <c:pt idx="14">
+                  <c:v>12.0113278392768</c:v>
+                </c:pt>
+                <c:pt idx="15">
+                  <c:v>12.59928276999426</c:v>
+                </c:pt>
+                <c:pt idx="16">
+                  <c:v>13.17324675628111</c:v>
+                </c:pt>
+                <c:pt idx="17">
+                  <c:v>13.94961244808647</c:v>
+                </c:pt>
+                <c:pt idx="18">
+                  <c:v>14.73053450539748</c:v>
+                </c:pt>
+                <c:pt idx="19">
+                  <c:v>15.49459796180133</c:v>
+                </c:pt>
+                <c:pt idx="20">
+                  <c:v>16.26541428942823</c:v>
+                </c:pt>
+                <c:pt idx="21">
+                  <c:v>17.03827563188969</c:v>
+                </c:pt>
+                <c:pt idx="22">
+                  <c:v>17.8138350164465</c:v>
+                </c:pt>
+                <c:pt idx="23">
+                  <c:v>18.58591774518815</c:v>
+                </c:pt>
+                <c:pt idx="24">
+                  <c:v>19.34887200908179</c:v>
+                </c:pt>
+                <c:pt idx="25">
+                  <c:v>20.0697612166973</c:v>
+                </c:pt>
+                <c:pt idx="26">
+                  <c:v>20.71090075361035</c:v>
+                </c:pt>
+                <c:pt idx="27">
+                  <c:v>21.48771250524942</c:v>
+                </c:pt>
+                <c:pt idx="28">
+                  <c:v>21.94715851605864</c:v>
+                </c:pt>
+                <c:pt idx="29">
+                  <c:v>22.53355823697095</c:v>
+                </c:pt>
+                <c:pt idx="30">
+                  <c:v>23.34446787261166</c:v>
+                </c:pt>
+                <c:pt idx="31">
+                  <c:v>23.99256346213334</c:v>
+                </c:pt>
+                <c:pt idx="32">
+                  <c:v>24.00221474812025</c:v>
+                </c:pt>
+                <c:pt idx="33">
+                  <c:v>24.2985309998436</c:v>
+                </c:pt>
+                <c:pt idx="34">
+                  <c:v>25.59123164603319</c:v>
+                </c:pt>
+                <c:pt idx="35">
+                  <c:v>24.99991652434979</c:v>
+                </c:pt>
+                <c:pt idx="36">
+                  <c:v>50.01509085973601</c:v>
+                </c:pt>
+                <c:pt idx="37">
+                  <c:v>74.6232093273776</c:v>
+                </c:pt>
+                <c:pt idx="38">
+                  <c:v>100.4712474701359</c:v>
+                </c:pt>
+                <c:pt idx="39">
+                  <c:v>126.433828874359</c:v>
+                </c:pt>
+                <c:pt idx="40">
+                  <c:v>150.0533787909779</c:v>
+                </c:pt>
+                <c:pt idx="41">
+                  <c:v>176.0919402993738</c:v>
+                </c:pt>
+                <c:pt idx="42">
+                  <c:v>201.3822385245561</c:v>
+                </c:pt>
+                <c:pt idx="43">
+                  <c:v>226.8991484156685</c:v>
+                </c:pt>
+                <c:pt idx="44">
+                  <c:v>250.3354896353111</c:v>
+                </c:pt>
+                <c:pt idx="45">
+                  <c:v>274.4960031777379</c:v>
+                </c:pt>
+                <c:pt idx="46">
+                  <c:v>298.5766378621992</c:v>
+                </c:pt>
+                <c:pt idx="47">
+                  <c:v>322.7684256878879</c:v>
+                </c:pt>
+                <c:pt idx="48">
+                  <c:v>347.0716107647161</c:v>
+                </c:pt>
+                <c:pt idx="49">
+                  <c:v>373.7847024351071</c:v>
+                </c:pt>
+              </c:numCache>
+            </c:numRef>
+          </c:yVal>
+          <c:smooth val="0"/>
+        </c:ser>
+        <c:ser>
+          <c:idx val="0"/>
+          <c:order val="2"/>
+          <c:tx>
+            <c:v>H4 (new instructions)</c:v>
+          </c:tx>
+          <c:spPr>
+            <a:ln w="38100" cap="rnd">
+              <a:solidFill>
+                <a:srgbClr val="7030A0"/>
+              </a:solidFill>
+              <a:round/>
+            </a:ln>
+            <a:effectLst/>
+          </c:spPr>
+          <c:marker>
+            <c:symbol val="none"/>
+          </c:marker>
+          <c:dLbls>
+            <c:dLbl>
+              <c:idx val="49"/>
+              <c:layout>
+                <c:manualLayout>
+                  <c:x val="0.0"/>
+                  <c:y val="-0.0315415216617583"/>
+                </c:manualLayout>
+              </c:layout>
+              <c:showLegendKey val="0"/>
+              <c:showVal val="1"/>
+              <c:showCatName val="0"/>
+              <c:showSerName val="0"/>
+              <c:showPercent val="0"/>
+              <c:showBubbleSize val="0"/>
+              <c:extLst>
+                <c:ext xmlns:c15="http://schemas.microsoft.com/office/drawing/2012/chart" uri="{CE6537A1-D6FC-4f65-9D91-7224C49458BB}">
+                  <c15:layout/>
+                </c:ext>
+              </c:extLst>
+            </c:dLbl>
+            <c:numFmt formatCode="#,##0" sourceLinked="0"/>
+            <c:spPr>
+              <a:noFill/>
+              <a:ln>
+                <a:noFill/>
+              </a:ln>
+              <a:effectLst/>
+            </c:spPr>
+            <c:txPr>
+              <a:bodyPr rot="0" spcFirstLastPara="1" vertOverflow="ellipsis" vert="horz" wrap="square" lIns="38100" tIns="19050" rIns="38100" bIns="19050" anchor="ctr" anchorCtr="1">
+                <a:spAutoFit/>
+              </a:bodyPr>
+              <a:lstStyle/>
+              <a:p>
+                <a:pPr>
+                  <a:defRPr sz="1400" b="0" i="0" u="none" strike="noStrike" kern="1200" baseline="0">
+                    <a:solidFill>
+                      <a:schemeClr val="tx1">
+                        <a:lumMod val="75000"/>
+                        <a:lumOff val="25000"/>
+                      </a:schemeClr>
+                    </a:solidFill>
+                    <a:latin typeface="+mn-lt"/>
+                    <a:ea typeface="+mn-ea"/>
+                    <a:cs typeface="+mn-cs"/>
+                  </a:defRPr>
+                </a:pPr>
+                <a:endParaRPr lang="en-US"/>
+              </a:p>
+            </c:txPr>
+            <c:showLegendKey val="0"/>
+            <c:showVal val="0"/>
+            <c:showCatName val="0"/>
+            <c:showSerName val="0"/>
+            <c:showPercent val="0"/>
+            <c:showBubbleSize val="0"/>
+            <c:extLst>
+              <c:ext xmlns:c15="http://schemas.microsoft.com/office/drawing/2012/chart" uri="{CE6537A1-D6FC-4f65-9D91-7224C49458BB}">
+                <c15:showLeaderLines val="1"/>
+                <c15:leaderLines>
+                  <c:spPr>
+                    <a:ln w="9525" cap="flat" cmpd="sng" algn="ctr">
+                      <a:solidFill>
+                        <a:schemeClr val="tx1">
+                          <a:lumMod val="35000"/>
+                          <a:lumOff val="65000"/>
+                        </a:schemeClr>
+                      </a:solidFill>
+                      <a:round/>
+                    </a:ln>
+                    <a:effectLst/>
+                  </c:spPr>
+                </c15:leaderLines>
+              </c:ext>
+            </c:extLst>
+          </c:dLbls>
+          <c:xVal>
+            <c:numRef>
+              <c:f>'H4 uniprot_trembl'!$B$3:$AY$3</c:f>
+              <c:numCache>
+                <c:formatCode>General</c:formatCode>
+                <c:ptCount val="50"/>
+                <c:pt idx="0">
+                  <c:v>1.0</c:v>
+                </c:pt>
+                <c:pt idx="1">
+                  <c:v>2.0</c:v>
+                </c:pt>
+                <c:pt idx="2">
+                  <c:v>3.0</c:v>
+                </c:pt>
+                <c:pt idx="3">
+                  <c:v>4.0</c:v>
+                </c:pt>
+                <c:pt idx="4">
+                  <c:v>5.0</c:v>
+                </c:pt>
+                <c:pt idx="5">
+                  <c:v>6.0</c:v>
+                </c:pt>
+                <c:pt idx="6">
+                  <c:v>7.0</c:v>
+                </c:pt>
+                <c:pt idx="7">
+                  <c:v>8.0</c:v>
+                </c:pt>
+                <c:pt idx="8">
+                  <c:v>9.0</c:v>
+                </c:pt>
+                <c:pt idx="9">
+                  <c:v>10.0</c:v>
+                </c:pt>
+                <c:pt idx="10">
+                  <c:v>11.0</c:v>
+                </c:pt>
+                <c:pt idx="11">
+                  <c:v>12.0</c:v>
+                </c:pt>
+                <c:pt idx="12">
+                  <c:v>13.0</c:v>
+                </c:pt>
+                <c:pt idx="13">
+                  <c:v>14.0</c:v>
+                </c:pt>
+                <c:pt idx="14">
+                  <c:v>15.0</c:v>
+                </c:pt>
+                <c:pt idx="15">
+                  <c:v>16.0</c:v>
+                </c:pt>
+                <c:pt idx="16">
+                  <c:v>17.0</c:v>
+                </c:pt>
+                <c:pt idx="17">
+                  <c:v>18.0</c:v>
+                </c:pt>
+                <c:pt idx="18">
+                  <c:v>19.0</c:v>
+                </c:pt>
+                <c:pt idx="19">
+                  <c:v>20.0</c:v>
+                </c:pt>
+                <c:pt idx="20">
+                  <c:v>21.0</c:v>
+                </c:pt>
+                <c:pt idx="21">
+                  <c:v>22.0</c:v>
+                </c:pt>
+                <c:pt idx="22">
+                  <c:v>23.0</c:v>
+                </c:pt>
+                <c:pt idx="23">
+                  <c:v>24.0</c:v>
+                </c:pt>
+                <c:pt idx="24">
+                  <c:v>25.0</c:v>
+                </c:pt>
+                <c:pt idx="25">
+                  <c:v>26.0</c:v>
+                </c:pt>
+                <c:pt idx="26">
+                  <c:v>27.0</c:v>
+                </c:pt>
+                <c:pt idx="27">
+                  <c:v>28.0</c:v>
+                </c:pt>
+                <c:pt idx="28">
+                  <c:v>29.0</c:v>
+                </c:pt>
+                <c:pt idx="29">
+                  <c:v>30.0</c:v>
+                </c:pt>
+                <c:pt idx="30">
+                  <c:v>31.0</c:v>
+                </c:pt>
+                <c:pt idx="31">
+                  <c:v>32.0</c:v>
+                </c:pt>
+                <c:pt idx="32">
+                  <c:v>33.0</c:v>
+                </c:pt>
+                <c:pt idx="33">
+                  <c:v>34.0</c:v>
+                </c:pt>
+                <c:pt idx="34">
+                  <c:v>35.0</c:v>
+                </c:pt>
+                <c:pt idx="35">
+                  <c:v>36.0</c:v>
+                </c:pt>
+                <c:pt idx="36">
+                  <c:v>72.0</c:v>
+                </c:pt>
+                <c:pt idx="37">
+                  <c:v>108.0</c:v>
+                </c:pt>
+                <c:pt idx="38">
+                  <c:v>144.0</c:v>
+                </c:pt>
+                <c:pt idx="39">
+                  <c:v>180.0</c:v>
+                </c:pt>
+                <c:pt idx="40">
+                  <c:v>216.0</c:v>
+                </c:pt>
+                <c:pt idx="41">
+                  <c:v>252.0</c:v>
+                </c:pt>
+                <c:pt idx="42">
+                  <c:v>288.0</c:v>
+                </c:pt>
+                <c:pt idx="43">
+                  <c:v>324.0</c:v>
+                </c:pt>
+                <c:pt idx="44">
+                  <c:v>360.0</c:v>
+                </c:pt>
+                <c:pt idx="45">
+                  <c:v>396.0</c:v>
+                </c:pt>
+                <c:pt idx="46">
+                  <c:v>432.0</c:v>
+                </c:pt>
+                <c:pt idx="47">
+                  <c:v>468.0</c:v>
+                </c:pt>
+                <c:pt idx="48">
+                  <c:v>504.0</c:v>
+                </c:pt>
+                <c:pt idx="49">
+                  <c:v>540.0</c:v>
+                </c:pt>
+              </c:numCache>
+            </c:numRef>
+          </c:xVal>
+          <c:yVal>
+            <c:numRef>
+              <c:f>'H4 uniprot_trembl'!$B$180:$AY$180</c:f>
+              <c:numCache>
+                <c:formatCode>General</c:formatCode>
+                <c:ptCount val="50"/>
+                <c:pt idx="0">
+                  <c:v>1.0</c:v>
+                </c:pt>
+                <c:pt idx="1">
+                  <c:v>1.997580726492793</c:v>
+                </c:pt>
+                <c:pt idx="2">
+                  <c:v>2.978516994503194</c:v>
+                </c:pt>
+                <c:pt idx="3">
+                  <c:v>3.819081983984733</c:v>
+                </c:pt>
+                <c:pt idx="4">
+                  <c:v>3.819081983984733</c:v>
+                </c:pt>
+                <c:pt idx="5">
+                  <c:v>5.471130189920875</c:v>
+                </c:pt>
+                <c:pt idx="6">
+                  <c:v>6.28873279135187</c:v>
+                </c:pt>
+                <c:pt idx="7">
+                  <c:v>7.056550229258811</c:v>
+                </c:pt>
+                <c:pt idx="8">
+                  <c:v>7.799613921190096</c:v>
+                </c:pt>
+                <c:pt idx="9">
+                  <c:v>8.494148821143677</c:v>
+                </c:pt>
+                <c:pt idx="10">
+                  <c:v>9.191736090920537</c:v>
+                </c:pt>
+                <c:pt idx="11">
+                  <c:v>9.829157103307332</c:v>
+                </c:pt>
+                <c:pt idx="12">
+                  <c:v>10.47716170161725</c:v>
+                </c:pt>
+                <c:pt idx="13">
+                  <c:v>11.07451889811772</c:v>
+                </c:pt>
+                <c:pt idx="14">
+                  <c:v>11.70351397100787</c:v>
+                </c:pt>
+                <c:pt idx="15">
+                  <c:v>12.4790925390349</c:v>
+                </c:pt>
+                <c:pt idx="16">
+                  <c:v>13.25662969807168</c:v>
+                </c:pt>
+                <c:pt idx="17">
+                  <c:v>14.02733805283196</c:v>
+                </c:pt>
+                <c:pt idx="18">
+                  <c:v>14.81633714119935</c:v>
+                </c:pt>
+                <c:pt idx="19">
+                  <c:v>15.5808232202154</c:v>
+                </c:pt>
+                <c:pt idx="20">
+                  <c:v>16.34899705387713</c:v>
+                </c:pt>
+                <c:pt idx="21">
+                  <c:v>17.134383323898</c:v>
+                </c:pt>
+                <c:pt idx="22">
+                  <c:v>17.91016413270958</c:v>
+                </c:pt>
+                <c:pt idx="23">
+                  <c:v>18.67978293138572</c:v>
+                </c:pt>
+                <c:pt idx="24">
+                  <c:v>19.43168005167528</c:v>
+                </c:pt>
+                <c:pt idx="25">
+                  <c:v>20.21099797765816</c:v>
+                </c:pt>
+                <c:pt idx="26">
+                  <c:v>20.21099797765816</c:v>
+                </c:pt>
+                <c:pt idx="27">
+                  <c:v>21.73850663161427</c:v>
+                </c:pt>
+                <c:pt idx="28">
+                  <c:v>22.44483748386855</c:v>
+                </c:pt>
+                <c:pt idx="29">
+                  <c:v>23.04834316617779</c:v>
+                </c:pt>
+                <c:pt idx="30">
+                  <c:v>23.8489553492572</c:v>
+                </c:pt>
+                <c:pt idx="31">
+                  <c:v>24.52740162420352</c:v>
+                </c:pt>
+                <c:pt idx="32">
+                  <c:v>24.75140426638798</c:v>
+                </c:pt>
+                <c:pt idx="33">
+                  <c:v>25.71767665300205</c:v>
+                </c:pt>
+                <c:pt idx="34">
+                  <c:v>26.35563723894298</c:v>
+                </c:pt>
+                <c:pt idx="35">
+                  <c:v>26.43756719208052</c:v>
+                </c:pt>
+                <c:pt idx="36">
+                  <c:v>49.78475059936311</c:v>
+                </c:pt>
+                <c:pt idx="37">
+                  <c:v>77.9294277614337</c:v>
+                </c:pt>
+                <c:pt idx="38">
+                  <c:v>102.6219795633613</c:v>
+                </c:pt>
+                <c:pt idx="39">
+                  <c:v>127.7309822800507</c:v>
+                </c:pt>
+                <c:pt idx="40">
+                  <c:v>153.6994957772361</c:v>
+                </c:pt>
+                <c:pt idx="41">
+                  <c:v>179.3352610461038</c:v>
+                </c:pt>
+                <c:pt idx="42">
+                  <c:v>207.5343016995462</c:v>
+                </c:pt>
+                <c:pt idx="43">
+                  <c:v>228.6852370052584</c:v>
+                </c:pt>
+                <c:pt idx="44">
+                  <c:v>255.4745695088387</c:v>
+                </c:pt>
+                <c:pt idx="45">
+                  <c:v>278.922790481465</c:v>
+                </c:pt>
+                <c:pt idx="46">
+                  <c:v>303.7782662066714</c:v>
+                </c:pt>
+                <c:pt idx="47">
+                  <c:v>328.6797765025556</c:v>
+                </c:pt>
+                <c:pt idx="48">
+                  <c:v>353.2466585520224</c:v>
+                </c:pt>
+                <c:pt idx="49">
+                  <c:v>377.2594189069493</c:v>
+                </c:pt>
+              </c:numCache>
+            </c:numRef>
+          </c:yVal>
+          <c:smooth val="0"/>
+        </c:ser>
+        <c:dLbls>
+          <c:showLegendKey val="0"/>
+          <c:showVal val="0"/>
+          <c:showCatName val="0"/>
+          <c:showSerName val="0"/>
+          <c:showPercent val="0"/>
+          <c:showBubbleSize val="0"/>
+        </c:dLbls>
+        <c:axId val="1139507648"/>
+        <c:axId val="1252781376"/>
+      </c:scatterChart>
+      <c:valAx>
+        <c:axId val="1139507648"/>
+        <c:scaling>
+          <c:orientation val="minMax"/>
+          <c:max val="540.0"/>
+          <c:min val="0.0"/>
+        </c:scaling>
+        <c:delete val="0"/>
+        <c:axPos val="b"/>
+        <c:majorGridlines>
+          <c:spPr>
+            <a:ln w="9525" cap="flat" cmpd="sng" algn="ctr">
+              <a:noFill/>
+              <a:round/>
+            </a:ln>
+            <a:effectLst/>
+          </c:spPr>
+        </c:majorGridlines>
+        <c:title>
+          <c:tx>
+            <c:rich>
+              <a:bodyPr rot="0" spcFirstLastPara="1" vertOverflow="ellipsis" vert="horz" wrap="square" anchor="ctr" anchorCtr="1"/>
+              <a:lstStyle/>
+              <a:p>
+                <a:pPr>
+                  <a:defRPr sz="1600" b="0" i="0" u="none" strike="noStrike" kern="1200" baseline="0">
+                    <a:solidFill>
+                      <a:schemeClr val="tx1">
+                        <a:lumMod val="65000"/>
+                        <a:lumOff val="35000"/>
+                      </a:schemeClr>
+                    </a:solidFill>
+                    <a:latin typeface="+mn-lt"/>
+                    <a:ea typeface="+mn-ea"/>
+                    <a:cs typeface="+mn-cs"/>
+                  </a:defRPr>
+                </a:pPr>
+                <a:r>
+                  <a:rPr lang="en-US" sz="1400" baseline="0" dirty="0"/>
+                  <a:t>Number of Cores</a:t>
+                </a:r>
+              </a:p>
+            </c:rich>
+          </c:tx>
+          <c:layout/>
+          <c:overlay val="0"/>
+          <c:spPr>
+            <a:noFill/>
+            <a:ln>
+              <a:noFill/>
+            </a:ln>
+            <a:effectLst/>
+          </c:spPr>
+          <c:txPr>
+            <a:bodyPr rot="0" spcFirstLastPara="1" vertOverflow="ellipsis" vert="horz" wrap="square" anchor="ctr" anchorCtr="1"/>
+            <a:lstStyle/>
+            <a:p>
+              <a:pPr>
+                <a:defRPr sz="1600" b="0" i="0" u="none" strike="noStrike" kern="1200" baseline="0">
+                  <a:solidFill>
+                    <a:schemeClr val="tx1">
+                      <a:lumMod val="65000"/>
+                      <a:lumOff val="35000"/>
+                    </a:schemeClr>
+                  </a:solidFill>
+                  <a:latin typeface="+mn-lt"/>
+                  <a:ea typeface="+mn-ea"/>
+                  <a:cs typeface="+mn-cs"/>
+                </a:defRPr>
+              </a:pPr>
+              <a:endParaRPr lang="en-US"/>
+            </a:p>
+          </c:txPr>
+        </c:title>
+        <c:majorTickMark val="none"/>
+        <c:minorTickMark val="none"/>
+        <c:tickLblPos val="nextTo"/>
+        <c:spPr>
+          <a:noFill/>
+          <a:ln w="9525" cap="flat" cmpd="sng" algn="ctr">
+            <a:solidFill>
+              <a:schemeClr val="tx1">
+                <a:lumMod val="25000"/>
+                <a:lumOff val="75000"/>
+              </a:schemeClr>
+            </a:solidFill>
+            <a:round/>
+          </a:ln>
+          <a:effectLst/>
+        </c:spPr>
+        <c:txPr>
+          <a:bodyPr rot="-60000000" spcFirstLastPara="1" vertOverflow="ellipsis" vert="horz" wrap="square" anchor="ctr" anchorCtr="1"/>
+          <a:lstStyle/>
+          <a:p>
+            <a:pPr>
+              <a:defRPr sz="1400" b="0" i="0" u="none" strike="noStrike" kern="1200" baseline="0">
+                <a:solidFill>
+                  <a:schemeClr val="tx1">
+                    <a:lumMod val="65000"/>
+                    <a:lumOff val="35000"/>
+                  </a:schemeClr>
+                </a:solidFill>
+                <a:latin typeface="+mn-lt"/>
+                <a:ea typeface="+mn-ea"/>
+                <a:cs typeface="+mn-cs"/>
+              </a:defRPr>
+            </a:pPr>
+            <a:endParaRPr lang="en-US"/>
+          </a:p>
+        </c:txPr>
+        <c:crossAx val="1252781376"/>
+        <c:crosses val="autoZero"/>
+        <c:crossBetween val="midCat"/>
+      </c:valAx>
+      <c:valAx>
+        <c:axId val="1252781376"/>
+        <c:scaling>
+          <c:orientation val="minMax"/>
+        </c:scaling>
+        <c:delete val="0"/>
+        <c:axPos val="l"/>
+        <c:majorGridlines>
+          <c:spPr>
+            <a:ln w="9525" cap="flat" cmpd="sng" algn="ctr">
+              <a:noFill/>
+              <a:round/>
+            </a:ln>
+            <a:effectLst/>
+          </c:spPr>
+        </c:majorGridlines>
+        <c:title>
+          <c:tx>
+            <c:rich>
+              <a:bodyPr rot="-5400000" spcFirstLastPara="1" vertOverflow="ellipsis" vert="horz" wrap="square" anchor="ctr" anchorCtr="1"/>
+              <a:lstStyle/>
+              <a:p>
+                <a:pPr>
+                  <a:defRPr sz="1000" b="0" i="0" u="none" strike="noStrike" kern="1200" baseline="0">
+                    <a:solidFill>
+                      <a:schemeClr val="tx1">
+                        <a:lumMod val="65000"/>
+                        <a:lumOff val="35000"/>
+                      </a:schemeClr>
+                    </a:solidFill>
+                    <a:latin typeface="+mn-lt"/>
+                    <a:ea typeface="+mn-ea"/>
+                    <a:cs typeface="+mn-cs"/>
+                  </a:defRPr>
+                </a:pPr>
+                <a:r>
+                  <a:rPr lang="en-US" sz="1400" baseline="0" dirty="0"/>
+                  <a:t>Speedup</a:t>
+                </a:r>
+              </a:p>
+            </c:rich>
+          </c:tx>
+          <c:layout/>
+          <c:overlay val="0"/>
+          <c:spPr>
+            <a:noFill/>
+            <a:ln>
+              <a:noFill/>
+            </a:ln>
+            <a:effectLst/>
+          </c:spPr>
+          <c:txPr>
+            <a:bodyPr rot="-5400000" spcFirstLastPara="1" vertOverflow="ellipsis" vert="horz" wrap="square" anchor="ctr" anchorCtr="1"/>
+            <a:lstStyle/>
+            <a:p>
+              <a:pPr>
+                <a:defRPr sz="1000" b="0" i="0" u="none" strike="noStrike" kern="1200" baseline="0">
+                  <a:solidFill>
+                    <a:schemeClr val="tx1">
+                      <a:lumMod val="65000"/>
+                      <a:lumOff val="35000"/>
+                    </a:schemeClr>
+                  </a:solidFill>
+                  <a:latin typeface="+mn-lt"/>
+                  <a:ea typeface="+mn-ea"/>
+                  <a:cs typeface="+mn-cs"/>
+                </a:defRPr>
+              </a:pPr>
+              <a:endParaRPr lang="en-US"/>
+            </a:p>
+          </c:txPr>
+        </c:title>
+        <c:majorTickMark val="none"/>
+        <c:minorTickMark val="none"/>
+        <c:tickLblPos val="nextTo"/>
+        <c:spPr>
+          <a:noFill/>
+          <a:ln w="9525" cap="flat" cmpd="sng" algn="ctr">
+            <a:solidFill>
+              <a:schemeClr val="tx1">
+                <a:lumMod val="25000"/>
+                <a:lumOff val="75000"/>
+              </a:schemeClr>
+            </a:solidFill>
+            <a:round/>
+          </a:ln>
+          <a:effectLst/>
+        </c:spPr>
+        <c:txPr>
+          <a:bodyPr rot="-60000000" spcFirstLastPara="1" vertOverflow="ellipsis" vert="horz" wrap="square" anchor="ctr" anchorCtr="1"/>
+          <a:lstStyle/>
+          <a:p>
+            <a:pPr>
+              <a:defRPr sz="1400" b="0" i="0" u="none" strike="noStrike" kern="1200" baseline="0">
+                <a:solidFill>
+                  <a:schemeClr val="tx1">
+                    <a:lumMod val="65000"/>
+                    <a:lumOff val="35000"/>
+                  </a:schemeClr>
+                </a:solidFill>
+                <a:latin typeface="+mn-lt"/>
+                <a:ea typeface="+mn-ea"/>
+                <a:cs typeface="+mn-cs"/>
+              </a:defRPr>
+            </a:pPr>
+            <a:endParaRPr lang="en-US"/>
+          </a:p>
+        </c:txPr>
+        <c:crossAx val="1139507648"/>
+        <c:crosses val="autoZero"/>
+        <c:crossBetween val="midCat"/>
+      </c:valAx>
+      <c:spPr>
+        <a:noFill/>
+        <a:ln>
+          <a:noFill/>
+        </a:ln>
+        <a:effectLst/>
+      </c:spPr>
+    </c:plotArea>
     <c:legend>
       <c:legendPos val="t"/>
-      <c:layout/>
+      <c:layout>
+        <c:manualLayout>
+          <c:xMode val="edge"/>
+          <c:yMode val="edge"/>
+          <c:x val="0.0635166502624672"/>
+          <c:y val="0.0339377039372914"/>
+          <c:w val="0.189633284120735"/>
+          <c:h val="0.224665428853495"/>
+        </c:manualLayout>
+      </c:layout>
       <c:overlay val="0"/>
       <c:spPr>
         <a:noFill/>
@@ -2769,7 +4409,7 @@
 </c:chartSpace>
 </file>
 
-<file path=ppt/charts/chart4.xml><?xml version="1.0" encoding="utf-8"?>
+<file path=ppt/charts/chart6.xml><?xml version="1.0" encoding="utf-8"?>
 <c:chartSpace xmlns:c="http://schemas.openxmlformats.org/drawingml/2006/chart" xmlns:a="http://schemas.openxmlformats.org/drawingml/2006/main" xmlns:r="http://schemas.openxmlformats.org/officeDocument/2006/relationships">
   <c:date1904 val="0"/>
   <c:lang val="en-US"/>
@@ -2783,535 +4423,359 @@
     </mc:Fallback>
   </mc:AlternateContent>
   <c:chart>
-    <c:autoTitleDeleted val="0"/>
+    <c:autoTitleDeleted val="1"/>
     <c:plotArea>
       <c:layout>
         <c:manualLayout>
           <c:layoutTarget val="inner"/>
           <c:xMode val="edge"/>
           <c:yMode val="edge"/>
-          <c:x val="0.0525480147459938"/>
-          <c:y val="0.012485414590761"/>
-          <c:w val="0.933971268190905"/>
-          <c:h val="0.706235046543542"/>
+          <c:x val="0.0578621155767851"/>
+          <c:y val="0.0348498845265589"/>
+          <c:w val="0.919948833410042"/>
+          <c:h val="0.866539797421396"/>
         </c:manualLayout>
       </c:layout>
-      <c:barChart>
-        <c:barDir val="col"/>
-        <c:grouping val="clustered"/>
+      <c:scatterChart>
+        <c:scatterStyle val="lineMarker"/>
         <c:varyColors val="0"/>
         <c:ser>
           <c:idx val="0"/>
           <c:order val="0"/>
           <c:tx>
-            <c:v>Uniprot_trembl</c:v>
+            <c:v>H4 vs. H3</c:v>
           </c:tx>
           <c:spPr>
-            <a:solidFill>
-              <a:schemeClr val="accent6">
-                <a:lumMod val="60000"/>
-                <a:lumOff val="40000"/>
-              </a:schemeClr>
-            </a:solidFill>
-            <a:ln>
-              <a:noFill/>
+            <a:ln w="38100" cap="rnd">
+              <a:solidFill>
+                <a:srgbClr val="7030A0"/>
+              </a:solidFill>
+              <a:round/>
             </a:ln>
             <a:effectLst/>
           </c:spPr>
-          <c:invertIfNegative val="0"/>
-          <c:cat>
-            <c:strRef>
-              <c:f>GCUPS!$A$4:$A$53</c:f>
-              <c:strCache>
-                <c:ptCount val="50"/>
-                <c:pt idx="0">
-                  <c:v>P10_ASFWA</c:v>
-                </c:pt>
-                <c:pt idx="1">
-                  <c:v>PRGJ_SALTY</c:v>
-                </c:pt>
-                <c:pt idx="2">
-                  <c:v>H6_ONCMY</c:v>
-                </c:pt>
-                <c:pt idx="3">
-                  <c:v>MT2H_BOVIN</c:v>
-                </c:pt>
-                <c:pt idx="4">
-                  <c:v>RS18_METPP</c:v>
-                </c:pt>
-                <c:pt idx="5">
-                  <c:v>YAEH_SALTY</c:v>
-                </c:pt>
-                <c:pt idx="6">
-                  <c:v>PROF1_STRPU</c:v>
-                </c:pt>
-                <c:pt idx="7">
-                  <c:v>RS14_ACICJ</c:v>
-                </c:pt>
-                <c:pt idx="8">
-                  <c:v>YO13_BPHC1</c:v>
-                </c:pt>
-                <c:pt idx="9">
-                  <c:v>BP40_BPPHE</c:v>
-                </c:pt>
-                <c:pt idx="10">
-                  <c:v>SPEH_BACCN</c:v>
-                </c:pt>
-                <c:pt idx="11">
-                  <c:v>GCSH_BORA1</c:v>
-                </c:pt>
-                <c:pt idx="12">
-                  <c:v>EMC4_HUMAN</c:v>
-                </c:pt>
-                <c:pt idx="13">
-                  <c:v>RM11_RECAM</c:v>
-                </c:pt>
-                <c:pt idx="14">
-                  <c:v>MSCL_HAEDU</c:v>
-                </c:pt>
-                <c:pt idx="15">
-                  <c:v>RS5_ANAMM</c:v>
-                </c:pt>
-                <c:pt idx="16">
-                  <c:v>NTPA_BRASB</c:v>
-                </c:pt>
-                <c:pt idx="17">
-                  <c:v>KDUI_YERE8</c:v>
-                </c:pt>
-                <c:pt idx="18">
-                  <c:v>PIMT_SHIB3</c:v>
-                </c:pt>
-                <c:pt idx="19">
-                  <c:v>RBL_PINPS</c:v>
-                </c:pt>
-                <c:pt idx="20">
-                  <c:v>RS3_AGRRK</c:v>
-                </c:pt>
-                <c:pt idx="21">
-                  <c:v>LEXA_RHORT</c:v>
-                </c:pt>
-                <c:pt idx="22">
-                  <c:v>EFTS_HAHCH</c:v>
-                </c:pt>
-                <c:pt idx="23">
-                  <c:v>META_SYNP6</c:v>
-                </c:pt>
-                <c:pt idx="24">
-                  <c:v>KCD15_HUMAN</c:v>
-                </c:pt>
-                <c:pt idx="25">
-                  <c:v>Y5318_PSEAB</c:v>
-                </c:pt>
-                <c:pt idx="26">
-                  <c:v>HTPX_BURP0</c:v>
-                </c:pt>
-                <c:pt idx="27">
-                  <c:v>HTPX_SERP5</c:v>
-                </c:pt>
-                <c:pt idx="28">
-                  <c:v>QUEA_BACMF</c:v>
-                </c:pt>
-                <c:pt idx="29">
-                  <c:v>PYRK_METAC</c:v>
-                </c:pt>
-                <c:pt idx="30">
-                  <c:v>TRG_CUPNH</c:v>
-                </c:pt>
-                <c:pt idx="31">
-                  <c:v>TLX3_HUMAN</c:v>
-                </c:pt>
-                <c:pt idx="32">
-                  <c:v>PUR9_CLOBL</c:v>
-                </c:pt>
-                <c:pt idx="33">
-                  <c:v>SYE1_BRUSU</c:v>
-                </c:pt>
-                <c:pt idx="34">
-                  <c:v>FDFT_USTMA</c:v>
-                </c:pt>
-                <c:pt idx="35">
-                  <c:v>RIMO_BDEBA</c:v>
-                </c:pt>
-                <c:pt idx="36">
-                  <c:v>OPSV_ORYLA</c:v>
-                </c:pt>
-                <c:pt idx="37">
-                  <c:v>CYSK_YEAST</c:v>
-                </c:pt>
-                <c:pt idx="38">
-                  <c:v>GLGC_BURP8</c:v>
-                </c:pt>
-                <c:pt idx="39">
-                  <c:v>ECM14_LEPMJ</c:v>
-                </c:pt>
-                <c:pt idx="40">
-                  <c:v>SMAG1_RAT</c:v>
-                </c:pt>
-                <c:pt idx="41">
-                  <c:v>MURD_CUPMC</c:v>
-                </c:pt>
-                <c:pt idx="42">
-                  <c:v>SYC_BURCC</c:v>
-                </c:pt>
-                <c:pt idx="43">
-                  <c:v>RMLB_MYCTO</c:v>
-                </c:pt>
-                <c:pt idx="44">
-                  <c:v>MNME_PSYIN</c:v>
-                </c:pt>
-                <c:pt idx="45">
-                  <c:v>XYNA_THEMA</c:v>
-                </c:pt>
-                <c:pt idx="46">
-                  <c:v>CLPB_ECOL6</c:v>
-                </c:pt>
-                <c:pt idx="47">
-                  <c:v>FTSH3_ORYSJ</c:v>
-                </c:pt>
-                <c:pt idx="48">
-                  <c:v>EVI1B_XENLA</c:v>
-                </c:pt>
-                <c:pt idx="49">
-                  <c:v>XYLG_YERPA</c:v>
-                </c:pt>
-              </c:strCache>
-            </c:strRef>
-          </c:cat>
-          <c:val>
+          <c:marker>
+            <c:symbol val="none"/>
+          </c:marker>
+          <c:xVal>
             <c:numRef>
-              <c:f>GCUPS!$E$4:$E$53</c:f>
+              <c:f>Comparison!$B$54:$AY$54</c:f>
               <c:numCache>
                 <c:formatCode>General</c:formatCode>
                 <c:ptCount val="50"/>
                 <c:pt idx="0">
-                  <c:v>19.5146295207708</c:v>
+                  <c:v>1.0</c:v>
                 </c:pt>
                 <c:pt idx="1">
-                  <c:v>25.69192031685117</c:v>
+                  <c:v>2.0</c:v>
                 </c:pt>
                 <c:pt idx="2">
-                  <c:v>16.11713705827119</c:v>
+                  <c:v>3.0</c:v>
                 </c:pt>
                 <c:pt idx="3">
-                  <c:v>13.44713083059986</c:v>
+                  <c:v>4.0</c:v>
                 </c:pt>
                 <c:pt idx="4">
-                  <c:v>24.15827934642302</c:v>
+                  <c:v>5.0</c:v>
                 </c:pt>
                 <c:pt idx="5">
-                  <c:v>27.48223142697006</c:v>
+                  <c:v>6.0</c:v>
                 </c:pt>
                 <c:pt idx="6">
-                  <c:v>30.42901854563858</c:v>
+                  <c:v>7.0</c:v>
                 </c:pt>
                 <c:pt idx="7">
-                  <c:v>23.38255258511636</c:v>
+                  <c:v>8.0</c:v>
                 </c:pt>
                 <c:pt idx="8">
-                  <c:v>34.0730742147902</c:v>
+                  <c:v>9.0</c:v>
                 </c:pt>
                 <c:pt idx="9">
-                  <c:v>36.42207581656805</c:v>
+                  <c:v>10.0</c:v>
                 </c:pt>
                 <c:pt idx="10">
-                  <c:v>26.01056318807848</c:v>
+                  <c:v>11.0</c:v>
                 </c:pt>
                 <c:pt idx="11">
-                  <c:v>25.27018046493129</c:v>
+                  <c:v>12.0</c:v>
                 </c:pt>
                 <c:pt idx="12">
-                  <c:v>34.25410996227121</c:v>
+                  <c:v>13.0</c:v>
                 </c:pt>
                 <c:pt idx="13">
-                  <c:v>30.17896279204318</c:v>
+                  <c:v>14.0</c:v>
                 </c:pt>
                 <c:pt idx="14">
-                  <c:v>24.24966713345036</c:v>
+                  <c:v>15.0</c:v>
                 </c:pt>
                 <c:pt idx="15">
-                  <c:v>30.86494054346505</c:v>
+                  <c:v>16.0</c:v>
                 </c:pt>
                 <c:pt idx="16">
-                  <c:v>31.53800021116481</c:v>
+                  <c:v>17.0</c:v>
                 </c:pt>
                 <c:pt idx="17">
-                  <c:v>34.91020896272853</c:v>
+                  <c:v>18.0</c:v>
                 </c:pt>
                 <c:pt idx="18">
-                  <c:v>28.36337346674045</c:v>
+                  <c:v>19.0</c:v>
                 </c:pt>
                 <c:pt idx="19">
-                  <c:v>9.506300199282067</c:v>
+                  <c:v>20.0</c:v>
                 </c:pt>
                 <c:pt idx="20">
-                  <c:v>30.15780107610194</c:v>
+                  <c:v>21.0</c:v>
                 </c:pt>
                 <c:pt idx="21">
-                  <c:v>30.41259478192844</c:v>
+                  <c:v>22.0</c:v>
                 </c:pt>
                 <c:pt idx="22">
-                  <c:v>34.12717587039654</c:v>
+                  <c:v>23.0</c:v>
                 </c:pt>
                 <c:pt idx="23">
-                  <c:v>32.05682627842533</c:v>
+                  <c:v>24.0</c:v>
                 </c:pt>
                 <c:pt idx="24">
-                  <c:v>27.99952069398844</c:v>
+                  <c:v>25.0</c:v>
                 </c:pt>
                 <c:pt idx="25">
-                  <c:v>32.25172381052183</c:v>
+                  <c:v>26.0</c:v>
                 </c:pt>
                 <c:pt idx="26">
-                  <c:v>28.91237868823466</c:v>
+                  <c:v>27.0</c:v>
                 </c:pt>
                 <c:pt idx="27">
-                  <c:v>28.6175163750519</c:v>
+                  <c:v>28.0</c:v>
                 </c:pt>
                 <c:pt idx="28">
-                  <c:v>32.44429659579158</c:v>
+                  <c:v>29.0</c:v>
                 </c:pt>
                 <c:pt idx="29">
-                  <c:v>24.62095182241615</c:v>
+                  <c:v>30.0</c:v>
                 </c:pt>
                 <c:pt idx="30">
-                  <c:v>22.88448593534025</c:v>
+                  <c:v>31.0</c:v>
                 </c:pt>
                 <c:pt idx="31">
-                  <c:v>24.06279733702279</c:v>
+                  <c:v>32.0</c:v>
                 </c:pt>
                 <c:pt idx="32">
-                  <c:v>37.92988822777533</c:v>
+                  <c:v>33.0</c:v>
                 </c:pt>
                 <c:pt idx="33">
-                  <c:v>34.17898494375205</c:v>
+                  <c:v>34.0</c:v>
                 </c:pt>
                 <c:pt idx="34">
-                  <c:v>40.19950435579695</c:v>
+                  <c:v>35.0</c:v>
                 </c:pt>
                 <c:pt idx="35">
-                  <c:v>32.69244051851427</c:v>
+                  <c:v>36.0</c:v>
                 </c:pt>
                 <c:pt idx="36">
-                  <c:v>25.0439719797565</c:v>
+                  <c:v>72.0</c:v>
                 </c:pt>
                 <c:pt idx="37">
-                  <c:v>27.91107675788911</c:v>
+                  <c:v>108.0</c:v>
                 </c:pt>
                 <c:pt idx="38">
-                  <c:v>29.47804838614983</c:v>
+                  <c:v>144.0</c:v>
                 </c:pt>
                 <c:pt idx="39">
-                  <c:v>36.96033597829141</c:v>
+                  <c:v>180.0</c:v>
                 </c:pt>
                 <c:pt idx="40">
-                  <c:v>39.74348556953792</c:v>
+                  <c:v>216.0</c:v>
                 </c:pt>
                 <c:pt idx="41">
-                  <c:v>29.55500915134265</c:v>
+                  <c:v>252.0</c:v>
                 </c:pt>
                 <c:pt idx="42">
-                  <c:v>26.24067120605791</c:v>
+                  <c:v>288.0</c:v>
                 </c:pt>
                 <c:pt idx="43">
-                  <c:v>20.25869292649462</c:v>
+                  <c:v>324.0</c:v>
                 </c:pt>
                 <c:pt idx="44">
-                  <c:v>24.90496619511644</c:v>
+                  <c:v>360.0</c:v>
                 </c:pt>
                 <c:pt idx="45">
-                  <c:v>40.05102255279181</c:v>
+                  <c:v>396.0</c:v>
                 </c:pt>
                 <c:pt idx="46">
-                  <c:v>23.95342854900451</c:v>
+                  <c:v>432.0</c:v>
                 </c:pt>
                 <c:pt idx="47">
-                  <c:v>18.4644214322702</c:v>
+                  <c:v>468.0</c:v>
                 </c:pt>
                 <c:pt idx="48">
-                  <c:v>23.62759301746458</c:v>
+                  <c:v>504.0</c:v>
                 </c:pt>
                 <c:pt idx="49">
-                  <c:v>6.301175692455118</c:v>
+                  <c:v>540.0</c:v>
                 </c:pt>
               </c:numCache>
             </c:numRef>
-          </c:val>
-        </c:ser>
-        <c:ser>
-          <c:idx val="1"/>
-          <c:order val="1"/>
-          <c:tx>
-            <c:v>Tara_oceans</c:v>
-          </c:tx>
-          <c:spPr>
-            <a:solidFill>
-              <a:srgbClr val="0070C0"/>
-            </a:solidFill>
-            <a:ln>
-              <a:noFill/>
-            </a:ln>
-            <a:effectLst/>
-          </c:spPr>
-          <c:invertIfNegative val="0"/>
-          <c:val>
+          </c:xVal>
+          <c:yVal>
             <c:numRef>
-              <c:f>GCUPS!$P$4:$P$53</c:f>
+              <c:f>Comparison!$B$55:$AY$55</c:f>
               <c:numCache>
                 <c:formatCode>General</c:formatCode>
                 <c:ptCount val="50"/>
                 <c:pt idx="0">
-                  <c:v>19.40160209362124</c:v>
+                  <c:v>1.736216369686777</c:v>
                 </c:pt>
                 <c:pt idx="1">
-                  <c:v>25.08608491257838</c:v>
+                  <c:v>1.724793972551927</c:v>
                 </c:pt>
                 <c:pt idx="2">
-                  <c:v>16.45068498813864</c:v>
+                  <c:v>1.72289848808075</c:v>
                 </c:pt>
                 <c:pt idx="3">
-                  <c:v>14.50848366736478</c:v>
+                  <c:v>1.667822673552874</c:v>
                 </c:pt>
                 <c:pt idx="4">
-                  <c:v>23.46711885656816</c:v>
+                  <c:v>1.377739229047198</c:v>
                 </c:pt>
                 <c:pt idx="5">
-                  <c:v>27.71596547565961</c:v>
+                  <c:v>1.686980531104316</c:v>
                 </c:pt>
                 <c:pt idx="6">
-                  <c:v>29.72577982543082</c:v>
+                  <c:v>1.685528196185282</c:v>
                 </c:pt>
                 <c:pt idx="7">
-                  <c:v>22.7988866553541</c:v>
+                  <c:v>1.675887787782815</c:v>
                 </c:pt>
                 <c:pt idx="8">
-                  <c:v>33.41807969678222</c:v>
+                  <c:v>1.673000033081431</c:v>
                 </c:pt>
                 <c:pt idx="9">
-                  <c:v>36.24800729269587</c:v>
+                  <c:v>1.66121330464733</c:v>
                 </c:pt>
                 <c:pt idx="10">
-                  <c:v>25.1237536769728</c:v>
+                  <c:v>1.662357991312756</c:v>
                 </c:pt>
                 <c:pt idx="11">
-                  <c:v>23.49526547856176</c:v>
+                  <c:v>1.651747172813417</c:v>
                 </c:pt>
                 <c:pt idx="12">
-                  <c:v>34.63024882535022</c:v>
+                  <c:v>1.6542145723018</c:v>
                 </c:pt>
                 <c:pt idx="13">
-                  <c:v>29.80675299248109</c:v>
+                  <c:v>1.648532023605817</c:v>
                 </c:pt>
                 <c:pt idx="14">
-                  <c:v>23.1428093842369</c:v>
+                  <c:v>1.655207649223184</c:v>
                 </c:pt>
                 <c:pt idx="15">
-                  <c:v>30.41719722495596</c:v>
+                  <c:v>1.678149590008235</c:v>
                 </c:pt>
                 <c:pt idx="16">
-                  <c:v>30.77375821031855</c:v>
+                  <c:v>1.700539944066291</c:v>
                 </c:pt>
                 <c:pt idx="17">
-                  <c:v>34.29810166164712</c:v>
+                  <c:v>1.718456444873235</c:v>
                 </c:pt>
                 <c:pt idx="18">
-                  <c:v>26.74836563642617</c:v>
+                  <c:v>1.724948092105903</c:v>
                 </c:pt>
                 <c:pt idx="19">
-                  <c:v>11.03731970889886</c:v>
+                  <c:v>1.724018486366141</c:v>
                 </c:pt>
                 <c:pt idx="20">
-                  <c:v>29.16519139478246</c:v>
+                  <c:v>1.732881635709523</c:v>
                 </c:pt>
                 <c:pt idx="21">
-                  <c:v>29.17734466628326</c:v>
+                  <c:v>1.730692410812376</c:v>
                 </c:pt>
                 <c:pt idx="22">
-                  <c:v>32.34700977689045</c:v>
+                  <c:v>1.735352435999335</c:v>
                 </c:pt>
                 <c:pt idx="23">
-                  <c:v>32.1721536253939</c:v>
+                  <c:v>1.733210413465821</c:v>
                 </c:pt>
                 <c:pt idx="24">
-                  <c:v>29.84793813999182</c:v>
+                  <c:v>1.736569344686917</c:v>
                 </c:pt>
                 <c:pt idx="25">
-                  <c:v>31.35507626970109</c:v>
+                  <c:v>1.742031412823762</c:v>
                 </c:pt>
                 <c:pt idx="26">
-                  <c:v>27.5208674857882</c:v>
+                  <c:v>1.676593053217877</c:v>
                 </c:pt>
                 <c:pt idx="27">
-                  <c:v>28.20112658926147</c:v>
+                  <c:v>1.760147905406833</c:v>
                 </c:pt>
                 <c:pt idx="28">
-                  <c:v>31.97981222863666</c:v>
+                  <c:v>1.773744026547173</c:v>
                 </c:pt>
                 <c:pt idx="29">
-                  <c:v>25.04814477541094</c:v>
+                  <c:v>1.751541346700754</c:v>
                 </c:pt>
                 <c:pt idx="30">
-                  <c:v>21.34870824097283</c:v>
+                  <c:v>1.789666485268089</c:v>
                 </c:pt>
                 <c:pt idx="31">
-                  <c:v>25.86744798271716</c:v>
+                  <c:v>1.757198825901306</c:v>
                 </c:pt>
                 <c:pt idx="32">
-                  <c:v>36.79178967877429</c:v>
+                  <c:v>1.764929848550854</c:v>
                 </c:pt>
                 <c:pt idx="33">
-                  <c:v>32.81836203381381</c:v>
+                  <c:v>1.809903112612273</c:v>
                 </c:pt>
                 <c:pt idx="34">
-                  <c:v>39.49020689601124</c:v>
+                  <c:v>1.774846230254187</c:v>
                 </c:pt>
                 <c:pt idx="35">
-                  <c:v>31.5588643235945</c:v>
+                  <c:v>1.824048313329287</c:v>
                 </c:pt>
                 <c:pt idx="36">
-                  <c:v>27.71447678298092</c:v>
+                  <c:v>1.722666036333428</c:v>
                 </c:pt>
                 <c:pt idx="37">
-                  <c:v>25.94929924737677</c:v>
+                  <c:v>1.833142607942752</c:v>
                 </c:pt>
                 <c:pt idx="38">
-                  <c:v>29.04916218316748</c:v>
+                  <c:v>1.822240642945841</c:v>
                 </c:pt>
                 <c:pt idx="39">
-                  <c:v>37.85402352900654</c:v>
+                  <c:v>1.828913557275019</c:v>
                 </c:pt>
                 <c:pt idx="40">
-                  <c:v>39.73076879988822</c:v>
+                  <c:v>1.901247425241393</c:v>
                 </c:pt>
                 <c:pt idx="41">
-                  <c:v>27.34670257226885</c:v>
+                  <c:v>1.903211648154519</c:v>
                 </c:pt>
                 <c:pt idx="42">
-                  <c:v>24.05229922394884</c:v>
+                  <c:v>1.92120521942161</c:v>
                 </c:pt>
                 <c:pt idx="43">
-                  <c:v>19.51299373642519</c:v>
+                  <c:v>1.925787399374014</c:v>
                 </c:pt>
                 <c:pt idx="44">
-                  <c:v>23.21310161901618</c:v>
+                  <c:v>1.962898064457795</c:v>
                 </c:pt>
                 <c:pt idx="45">
-                  <c:v>40.35741906460357</c:v>
+                  <c:v>1.954248435524796</c:v>
                 </c:pt>
                 <c:pt idx="46">
-                  <c:v>22.25591497571251</c:v>
+                  <c:v>1.978737113545311</c:v>
                 </c:pt>
                 <c:pt idx="47">
-                  <c:v>19.03347904783562</c:v>
+                  <c:v>1.975256014648378</c:v>
                 </c:pt>
                 <c:pt idx="48">
-                  <c:v>28.02815300346856</c:v>
+                  <c:v>1.989860960583791</c:v>
                 </c:pt>
                 <c:pt idx="49">
-                  <c:v>5.511615888359779</c:v>
+                  <c:v>1.97650665513669</c:v>
                 </c:pt>
               </c:numCache>
             </c:numRef>
-          </c:val>
+          </c:yVal>
+          <c:smooth val="0"/>
         </c:ser>
         <c:dLbls>
           <c:showLegendKey val="0"/>
@@ -3321,18 +4785,27 @@
           <c:showPercent val="0"/>
           <c:showBubbleSize val="0"/>
         </c:dLbls>
-        <c:gapWidth val="219"/>
-        <c:overlap val="-27"/>
-        <c:axId val="1301968160"/>
-        <c:axId val="1301970352"/>
-      </c:barChart>
-      <c:catAx>
-        <c:axId val="1301968160"/>
+        <c:axId val="1245514320"/>
+        <c:axId val="1254752144"/>
+      </c:scatterChart>
+      <c:valAx>
+        <c:axId val="1245514320"/>
         <c:scaling>
           <c:orientation val="minMax"/>
+          <c:max val="540.0"/>
+          <c:min val="0.0"/>
         </c:scaling>
         <c:delete val="0"/>
         <c:axPos val="b"/>
+        <c:majorGridlines>
+          <c:spPr>
+            <a:ln w="9525" cap="flat" cmpd="sng" algn="ctr">
+              <a:noFill/>
+              <a:round/>
+            </a:ln>
+            <a:effectLst/>
+          </c:spPr>
+        </c:majorGridlines>
         <c:title>
           <c:tx>
             <c:rich>
@@ -3353,9 +4826,14 @@
                   </a:defRPr>
                 </a:pPr>
                 <a:r>
-                  <a:rPr lang="en-US" sz="1400" baseline="0"/>
-                  <a:t>HMM</a:t>
+                  <a:rPr lang="en-US" sz="1400" baseline="0" dirty="0"/>
+                  <a:t>Number of </a:t>
                 </a:r>
+                <a:r>
+                  <a:rPr lang="en-US" sz="1400" baseline="0" dirty="0" smtClean="0"/>
+                  <a:t>Cores</a:t>
+                </a:r>
+                <a:endParaRPr lang="en-US" sz="1400" baseline="0" dirty="0"/>
               </a:p>
             </c:rich>
           </c:tx>
@@ -3389,7 +4867,7 @@
             </a:p>
           </c:txPr>
         </c:title>
-        <c:numFmt formatCode="General" sourceLinked="1"/>
+        <c:numFmt formatCode="General" sourceLinked="0"/>
         <c:majorTickMark val="none"/>
         <c:minorTickMark val="none"/>
         <c:tickLblPos val="nextTo"/>
@@ -3398,8 +4876,8 @@
           <a:ln w="9525" cap="flat" cmpd="sng" algn="ctr">
             <a:solidFill>
               <a:schemeClr val="tx1">
-                <a:lumMod val="15000"/>
-                <a:lumOff val="85000"/>
+                <a:lumMod val="25000"/>
+                <a:lumOff val="75000"/>
               </a:schemeClr>
             </a:solidFill>
             <a:round/>
@@ -3426,17 +4904,15 @@
             <a:endParaRPr lang="en-US"/>
           </a:p>
         </c:txPr>
-        <c:crossAx val="1301970352"/>
+        <c:crossAx val="1254752144"/>
         <c:crosses val="autoZero"/>
-        <c:auto val="1"/>
-        <c:lblAlgn val="ctr"/>
-        <c:lblOffset val="100"/>
-        <c:noMultiLvlLbl val="0"/>
-      </c:catAx>
+        <c:crossBetween val="midCat"/>
+      </c:valAx>
       <c:valAx>
-        <c:axId val="1301970352"/>
+        <c:axId val="1254752144"/>
         <c:scaling>
           <c:orientation val="minMax"/>
+          <c:max val="2.0"/>
         </c:scaling>
         <c:delete val="0"/>
         <c:axPos val="l"/>
@@ -3456,7 +4932,7 @@
               <a:lstStyle/>
               <a:p>
                 <a:pPr>
-                  <a:defRPr sz="1400" b="0" i="0" u="none" strike="noStrike" kern="1200" baseline="0">
+                  <a:defRPr sz="1000" b="0" i="0" u="none" strike="noStrike" kern="1200" baseline="0">
                     <a:solidFill>
                       <a:schemeClr val="tx1">
                         <a:lumMod val="65000"/>
@@ -3469,8 +4945,8 @@
                   </a:defRPr>
                 </a:pPr>
                 <a:r>
-                  <a:rPr lang="en-US" sz="1400" baseline="0"/>
-                  <a:t>Billions of Cell Updates perSecond</a:t>
+                  <a:rPr lang="en-US" sz="1400" baseline="0" dirty="0"/>
+                  <a:t>Speedup</a:t>
                 </a:r>
               </a:p>
             </c:rich>
@@ -3489,7 +4965,7 @@
             <a:lstStyle/>
             <a:p>
               <a:pPr>
-                <a:defRPr sz="1400" b="0" i="0" u="none" strike="noStrike" kern="1200" baseline="0">
+                <a:defRPr sz="1000" b="0" i="0" u="none" strike="noStrike" kern="1200" baseline="0">
                   <a:solidFill>
                     <a:schemeClr val="tx1">
                       <a:lumMod val="65000"/>
@@ -3510,8 +4986,14 @@
         <c:tickLblPos val="nextTo"/>
         <c:spPr>
           <a:noFill/>
-          <a:ln>
-            <a:noFill/>
+          <a:ln w="9525" cap="flat" cmpd="sng" algn="ctr">
+            <a:solidFill>
+              <a:schemeClr val="tx1">
+                <a:lumMod val="25000"/>
+                <a:lumOff val="75000"/>
+              </a:schemeClr>
+            </a:solidFill>
+            <a:round/>
           </a:ln>
           <a:effectLst/>
         </c:spPr>
@@ -3535,9 +5017,9 @@
             <a:endParaRPr lang="en-US"/>
           </a:p>
         </c:txPr>
-        <c:crossAx val="1301968160"/>
+        <c:crossAx val="1245514320"/>
         <c:crosses val="autoZero"/>
-        <c:crossBetween val="between"/>
+        <c:crossBetween val="midCat"/>
       </c:valAx>
       <c:spPr>
         <a:noFill/>
@@ -3547,38 +5029,6 @@
         <a:effectLst/>
       </c:spPr>
     </c:plotArea>
-    <c:legend>
-      <c:legendPos val="t"/>
-      <c:layout/>
-      <c:overlay val="0"/>
-      <c:spPr>
-        <a:noFill/>
-        <a:ln>
-          <a:noFill/>
-        </a:ln>
-        <a:effectLst/>
-      </c:spPr>
-      <c:txPr>
-        <a:bodyPr rot="0" spcFirstLastPara="1" vertOverflow="ellipsis" vert="horz" wrap="square" anchor="ctr" anchorCtr="1"/>
-        <a:lstStyle/>
-        <a:p>
-          <a:pPr>
-            <a:defRPr sz="1400" b="0" i="0" u="none" strike="noStrike" kern="1200" baseline="0">
-              <a:solidFill>
-                <a:schemeClr val="tx1">
-                  <a:lumMod val="65000"/>
-                  <a:lumOff val="35000"/>
-                </a:schemeClr>
-              </a:solidFill>
-              <a:latin typeface="+mn-lt"/>
-              <a:ea typeface="+mn-ea"/>
-              <a:cs typeface="+mn-cs"/>
-            </a:defRPr>
-          </a:pPr>
-          <a:endParaRPr lang="en-US"/>
-        </a:p>
-      </c:txPr>
-    </c:legend>
     <c:plotVisOnly val="1"/>
     <c:dispBlanksAs val="gap"/>
     <c:showDLblsOverMax val="0"/>
@@ -3727,6 +5177,86 @@
 </file>
 
 <file path=ppt/charts/colors4.xml><?xml version="1.0" encoding="utf-8"?>
+<cs:colorStyle xmlns:cs="http://schemas.microsoft.com/office/drawing/2012/chartStyle" xmlns:a="http://schemas.openxmlformats.org/drawingml/2006/main" meth="cycle" id="10">
+  <a:schemeClr val="accent1"/>
+  <a:schemeClr val="accent2"/>
+  <a:schemeClr val="accent3"/>
+  <a:schemeClr val="accent4"/>
+  <a:schemeClr val="accent5"/>
+  <a:schemeClr val="accent6"/>
+  <cs:variation/>
+  <cs:variation>
+    <a:lumMod val="60000"/>
+  </cs:variation>
+  <cs:variation>
+    <a:lumMod val="80000"/>
+    <a:lumOff val="20000"/>
+  </cs:variation>
+  <cs:variation>
+    <a:lumMod val="80000"/>
+  </cs:variation>
+  <cs:variation>
+    <a:lumMod val="60000"/>
+    <a:lumOff val="40000"/>
+  </cs:variation>
+  <cs:variation>
+    <a:lumMod val="50000"/>
+  </cs:variation>
+  <cs:variation>
+    <a:lumMod val="70000"/>
+    <a:lumOff val="30000"/>
+  </cs:variation>
+  <cs:variation>
+    <a:lumMod val="70000"/>
+  </cs:variation>
+  <cs:variation>
+    <a:lumMod val="50000"/>
+    <a:lumOff val="50000"/>
+  </cs:variation>
+</cs:colorStyle>
+</file>
+
+<file path=ppt/charts/colors5.xml><?xml version="1.0" encoding="utf-8"?>
+<cs:colorStyle xmlns:cs="http://schemas.microsoft.com/office/drawing/2012/chartStyle" xmlns:a="http://schemas.openxmlformats.org/drawingml/2006/main" meth="cycle" id="10">
+  <a:schemeClr val="accent1"/>
+  <a:schemeClr val="accent2"/>
+  <a:schemeClr val="accent3"/>
+  <a:schemeClr val="accent4"/>
+  <a:schemeClr val="accent5"/>
+  <a:schemeClr val="accent6"/>
+  <cs:variation/>
+  <cs:variation>
+    <a:lumMod val="60000"/>
+  </cs:variation>
+  <cs:variation>
+    <a:lumMod val="80000"/>
+    <a:lumOff val="20000"/>
+  </cs:variation>
+  <cs:variation>
+    <a:lumMod val="80000"/>
+  </cs:variation>
+  <cs:variation>
+    <a:lumMod val="60000"/>
+    <a:lumOff val="40000"/>
+  </cs:variation>
+  <cs:variation>
+    <a:lumMod val="50000"/>
+  </cs:variation>
+  <cs:variation>
+    <a:lumMod val="70000"/>
+    <a:lumOff val="30000"/>
+  </cs:variation>
+  <cs:variation>
+    <a:lumMod val="70000"/>
+  </cs:variation>
+  <cs:variation>
+    <a:lumMod val="50000"/>
+    <a:lumOff val="50000"/>
+  </cs:variation>
+</cs:colorStyle>
+</file>
+
+<file path=ppt/charts/colors6.xml><?xml version="1.0" encoding="utf-8"?>
 <cs:colorStyle xmlns:cs="http://schemas.microsoft.com/office/drawing/2012/chartStyle" xmlns:a="http://schemas.openxmlformats.org/drawingml/2006/main" meth="cycle" id="10">
   <a:schemeClr val="accent1"/>
   <a:schemeClr val="accent2"/>
@@ -5778,6 +7308,1107 @@
 </cs:chartStyle>
 </file>
 
+<file path=ppt/charts/style5.xml><?xml version="1.0" encoding="utf-8"?>
+<cs:chartStyle xmlns:cs="http://schemas.microsoft.com/office/drawing/2012/chartStyle" xmlns:a="http://schemas.openxmlformats.org/drawingml/2006/main" id="240">
+  <cs:axisTitle>
+    <cs:lnRef idx="0"/>
+    <cs:fillRef idx="0"/>
+    <cs:effectRef idx="0"/>
+    <cs:fontRef idx="minor">
+      <a:schemeClr val="tx1">
+        <a:lumMod val="65000"/>
+        <a:lumOff val="35000"/>
+      </a:schemeClr>
+    </cs:fontRef>
+    <cs:defRPr sz="1000" kern="1200"/>
+  </cs:axisTitle>
+  <cs:categoryAxis>
+    <cs:lnRef idx="0"/>
+    <cs:fillRef idx="0"/>
+    <cs:effectRef idx="0"/>
+    <cs:fontRef idx="minor">
+      <a:schemeClr val="tx1">
+        <a:lumMod val="65000"/>
+        <a:lumOff val="35000"/>
+      </a:schemeClr>
+    </cs:fontRef>
+    <cs:spPr>
+      <a:ln w="9525" cap="flat" cmpd="sng" algn="ctr">
+        <a:solidFill>
+          <a:schemeClr val="tx1">
+            <a:lumMod val="25000"/>
+            <a:lumOff val="75000"/>
+          </a:schemeClr>
+        </a:solidFill>
+        <a:round/>
+      </a:ln>
+    </cs:spPr>
+    <cs:defRPr sz="900" kern="1200"/>
+  </cs:categoryAxis>
+  <cs:chartArea mods="allowNoFillOverride allowNoLineOverride">
+    <cs:lnRef idx="0"/>
+    <cs:fillRef idx="0"/>
+    <cs:effectRef idx="0"/>
+    <cs:fontRef idx="minor">
+      <a:schemeClr val="tx1"/>
+    </cs:fontRef>
+    <cs:spPr>
+      <a:solidFill>
+        <a:schemeClr val="bg1"/>
+      </a:solidFill>
+      <a:ln w="9525" cap="flat" cmpd="sng" algn="ctr">
+        <a:solidFill>
+          <a:schemeClr val="tx1">
+            <a:lumMod val="15000"/>
+            <a:lumOff val="85000"/>
+          </a:schemeClr>
+        </a:solidFill>
+        <a:round/>
+      </a:ln>
+    </cs:spPr>
+    <cs:defRPr sz="1000" kern="1200"/>
+  </cs:chartArea>
+  <cs:dataLabel>
+    <cs:lnRef idx="0"/>
+    <cs:fillRef idx="0"/>
+    <cs:effectRef idx="0"/>
+    <cs:fontRef idx="minor">
+      <a:schemeClr val="tx1">
+        <a:lumMod val="75000"/>
+        <a:lumOff val="25000"/>
+      </a:schemeClr>
+    </cs:fontRef>
+    <cs:defRPr sz="900" kern="1200"/>
+  </cs:dataLabel>
+  <cs:dataLabelCallout>
+    <cs:lnRef idx="0"/>
+    <cs:fillRef idx="0"/>
+    <cs:effectRef idx="0"/>
+    <cs:fontRef idx="minor">
+      <a:schemeClr val="dk1">
+        <a:lumMod val="65000"/>
+        <a:lumOff val="35000"/>
+      </a:schemeClr>
+    </cs:fontRef>
+    <cs:spPr>
+      <a:solidFill>
+        <a:schemeClr val="lt1"/>
+      </a:solidFill>
+      <a:ln>
+        <a:solidFill>
+          <a:schemeClr val="dk1">
+            <a:lumMod val="25000"/>
+            <a:lumOff val="75000"/>
+          </a:schemeClr>
+        </a:solidFill>
+      </a:ln>
+    </cs:spPr>
+    <cs:defRPr sz="900" kern="1200"/>
+    <cs:bodyPr rot="0" spcFirstLastPara="1" vertOverflow="clip" horzOverflow="clip" vert="horz" wrap="square" lIns="36576" tIns="18288" rIns="36576" bIns="18288" anchor="ctr" anchorCtr="1">
+      <a:spAutoFit/>
+    </cs:bodyPr>
+  </cs:dataLabelCallout>
+  <cs:dataPoint>
+    <cs:lnRef idx="0"/>
+    <cs:fillRef idx="1">
+      <cs:styleClr val="auto"/>
+    </cs:fillRef>
+    <cs:effectRef idx="0"/>
+    <cs:fontRef idx="minor">
+      <a:schemeClr val="tx1"/>
+    </cs:fontRef>
+  </cs:dataPoint>
+  <cs:dataPoint3D>
+    <cs:lnRef idx="0"/>
+    <cs:fillRef idx="1">
+      <cs:styleClr val="auto"/>
+    </cs:fillRef>
+    <cs:effectRef idx="0"/>
+    <cs:fontRef idx="minor">
+      <a:schemeClr val="tx1"/>
+    </cs:fontRef>
+  </cs:dataPoint3D>
+  <cs:dataPointLine>
+    <cs:lnRef idx="0">
+      <cs:styleClr val="auto"/>
+    </cs:lnRef>
+    <cs:fillRef idx="1"/>
+    <cs:effectRef idx="0"/>
+    <cs:fontRef idx="minor">
+      <a:schemeClr val="tx1"/>
+    </cs:fontRef>
+    <cs:spPr>
+      <a:ln w="19050" cap="rnd">
+        <a:solidFill>
+          <a:schemeClr val="phClr"/>
+        </a:solidFill>
+        <a:round/>
+      </a:ln>
+    </cs:spPr>
+  </cs:dataPointLine>
+  <cs:dataPointMarker>
+    <cs:lnRef idx="0">
+      <cs:styleClr val="auto"/>
+    </cs:lnRef>
+    <cs:fillRef idx="1">
+      <cs:styleClr val="auto"/>
+    </cs:fillRef>
+    <cs:effectRef idx="0"/>
+    <cs:fontRef idx="minor">
+      <a:schemeClr val="tx1"/>
+    </cs:fontRef>
+    <cs:spPr>
+      <a:ln w="9525">
+        <a:solidFill>
+          <a:schemeClr val="phClr"/>
+        </a:solidFill>
+      </a:ln>
+    </cs:spPr>
+  </cs:dataPointMarker>
+  <cs:dataPointMarkerLayout symbol="circle" size="5"/>
+  <cs:dataPointWireframe>
+    <cs:lnRef idx="0">
+      <cs:styleClr val="auto"/>
+    </cs:lnRef>
+    <cs:fillRef idx="0"/>
+    <cs:effectRef idx="0"/>
+    <cs:fontRef idx="minor">
+      <a:schemeClr val="dk1"/>
+    </cs:fontRef>
+    <cs:spPr>
+      <a:ln w="9525" cap="rnd">
+        <a:solidFill>
+          <a:schemeClr val="phClr"/>
+        </a:solidFill>
+        <a:round/>
+      </a:ln>
+    </cs:spPr>
+  </cs:dataPointWireframe>
+  <cs:dataTable>
+    <cs:lnRef idx="0"/>
+    <cs:fillRef idx="0"/>
+    <cs:effectRef idx="0"/>
+    <cs:fontRef idx="minor">
+      <a:schemeClr val="tx1">
+        <a:lumMod val="65000"/>
+        <a:lumOff val="35000"/>
+      </a:schemeClr>
+    </cs:fontRef>
+    <cs:spPr>
+      <a:noFill/>
+      <a:ln w="9525" cap="flat" cmpd="sng" algn="ctr">
+        <a:solidFill>
+          <a:schemeClr val="tx1">
+            <a:lumMod val="15000"/>
+            <a:lumOff val="85000"/>
+          </a:schemeClr>
+        </a:solidFill>
+        <a:round/>
+      </a:ln>
+    </cs:spPr>
+    <cs:defRPr sz="900" kern="1200"/>
+  </cs:dataTable>
+  <cs:downBar>
+    <cs:lnRef idx="0"/>
+    <cs:fillRef idx="0"/>
+    <cs:effectRef idx="0"/>
+    <cs:fontRef idx="minor">
+      <a:schemeClr val="tx1"/>
+    </cs:fontRef>
+    <cs:spPr>
+      <a:solidFill>
+        <a:schemeClr val="dk1">
+          <a:lumMod val="75000"/>
+          <a:lumOff val="25000"/>
+        </a:schemeClr>
+      </a:solidFill>
+      <a:ln w="9525" cap="flat" cmpd="sng" algn="ctr">
+        <a:solidFill>
+          <a:schemeClr val="tx1">
+            <a:lumMod val="65000"/>
+            <a:lumOff val="35000"/>
+          </a:schemeClr>
+        </a:solidFill>
+        <a:round/>
+      </a:ln>
+    </cs:spPr>
+  </cs:downBar>
+  <cs:dropLine>
+    <cs:lnRef idx="0"/>
+    <cs:fillRef idx="0"/>
+    <cs:effectRef idx="0"/>
+    <cs:fontRef idx="minor">
+      <a:schemeClr val="tx1"/>
+    </cs:fontRef>
+    <cs:spPr>
+      <a:ln w="9525" cap="flat" cmpd="sng" algn="ctr">
+        <a:solidFill>
+          <a:schemeClr val="tx1">
+            <a:lumMod val="35000"/>
+            <a:lumOff val="65000"/>
+          </a:schemeClr>
+        </a:solidFill>
+        <a:round/>
+      </a:ln>
+    </cs:spPr>
+  </cs:dropLine>
+  <cs:errorBar>
+    <cs:lnRef idx="0"/>
+    <cs:fillRef idx="0"/>
+    <cs:effectRef idx="0"/>
+    <cs:fontRef idx="minor">
+      <a:schemeClr val="tx1"/>
+    </cs:fontRef>
+    <cs:spPr>
+      <a:ln w="9525" cap="flat" cmpd="sng" algn="ctr">
+        <a:solidFill>
+          <a:schemeClr val="tx1">
+            <a:lumMod val="65000"/>
+            <a:lumOff val="35000"/>
+          </a:schemeClr>
+        </a:solidFill>
+        <a:round/>
+      </a:ln>
+    </cs:spPr>
+  </cs:errorBar>
+  <cs:floor>
+    <cs:lnRef idx="0"/>
+    <cs:fillRef idx="0"/>
+    <cs:effectRef idx="0"/>
+    <cs:fontRef idx="minor">
+      <a:schemeClr val="tx1"/>
+    </cs:fontRef>
+    <cs:spPr>
+      <a:noFill/>
+      <a:ln>
+        <a:noFill/>
+      </a:ln>
+    </cs:spPr>
+  </cs:floor>
+  <cs:gridlineMajor>
+    <cs:lnRef idx="0"/>
+    <cs:fillRef idx="0"/>
+    <cs:effectRef idx="0"/>
+    <cs:fontRef idx="minor">
+      <a:schemeClr val="tx1"/>
+    </cs:fontRef>
+    <cs:spPr>
+      <a:ln w="9525" cap="flat" cmpd="sng" algn="ctr">
+        <a:solidFill>
+          <a:schemeClr val="tx1">
+            <a:lumMod val="15000"/>
+            <a:lumOff val="85000"/>
+          </a:schemeClr>
+        </a:solidFill>
+        <a:round/>
+      </a:ln>
+    </cs:spPr>
+  </cs:gridlineMajor>
+  <cs:gridlineMinor>
+    <cs:lnRef idx="0"/>
+    <cs:fillRef idx="0"/>
+    <cs:effectRef idx="0"/>
+    <cs:fontRef idx="minor">
+      <a:schemeClr val="tx1"/>
+    </cs:fontRef>
+    <cs:spPr>
+      <a:ln w="9525" cap="flat" cmpd="sng" algn="ctr">
+        <a:solidFill>
+          <a:schemeClr val="tx1">
+            <a:lumMod val="5000"/>
+            <a:lumOff val="95000"/>
+          </a:schemeClr>
+        </a:solidFill>
+        <a:round/>
+      </a:ln>
+    </cs:spPr>
+  </cs:gridlineMinor>
+  <cs:hiLoLine>
+    <cs:lnRef idx="0"/>
+    <cs:fillRef idx="0"/>
+    <cs:effectRef idx="0"/>
+    <cs:fontRef idx="minor">
+      <a:schemeClr val="tx1"/>
+    </cs:fontRef>
+    <cs:spPr>
+      <a:ln w="9525" cap="flat" cmpd="sng" algn="ctr">
+        <a:solidFill>
+          <a:schemeClr val="tx1">
+            <a:lumMod val="50000"/>
+            <a:lumOff val="50000"/>
+          </a:schemeClr>
+        </a:solidFill>
+        <a:round/>
+      </a:ln>
+    </cs:spPr>
+  </cs:hiLoLine>
+  <cs:leaderLine>
+    <cs:lnRef idx="0"/>
+    <cs:fillRef idx="0"/>
+    <cs:effectRef idx="0"/>
+    <cs:fontRef idx="minor">
+      <a:schemeClr val="tx1"/>
+    </cs:fontRef>
+    <cs:spPr>
+      <a:ln w="9525" cap="flat" cmpd="sng" algn="ctr">
+        <a:solidFill>
+          <a:schemeClr val="tx1">
+            <a:lumMod val="35000"/>
+            <a:lumOff val="65000"/>
+          </a:schemeClr>
+        </a:solidFill>
+        <a:round/>
+      </a:ln>
+    </cs:spPr>
+  </cs:leaderLine>
+  <cs:legend>
+    <cs:lnRef idx="0"/>
+    <cs:fillRef idx="0"/>
+    <cs:effectRef idx="0"/>
+    <cs:fontRef idx="minor">
+      <a:schemeClr val="tx1">
+        <a:lumMod val="65000"/>
+        <a:lumOff val="35000"/>
+      </a:schemeClr>
+    </cs:fontRef>
+    <cs:defRPr sz="900" kern="1200"/>
+  </cs:legend>
+  <cs:plotArea mods="allowNoFillOverride allowNoLineOverride">
+    <cs:lnRef idx="0"/>
+    <cs:fillRef idx="0"/>
+    <cs:effectRef idx="0"/>
+    <cs:fontRef idx="minor">
+      <a:schemeClr val="tx1"/>
+    </cs:fontRef>
+  </cs:plotArea>
+  <cs:plotArea3D mods="allowNoFillOverride allowNoLineOverride">
+    <cs:lnRef idx="0"/>
+    <cs:fillRef idx="0"/>
+    <cs:effectRef idx="0"/>
+    <cs:fontRef idx="minor">
+      <a:schemeClr val="tx1"/>
+    </cs:fontRef>
+  </cs:plotArea3D>
+  <cs:seriesAxis>
+    <cs:lnRef idx="0"/>
+    <cs:fillRef idx="0"/>
+    <cs:effectRef idx="0"/>
+    <cs:fontRef idx="minor">
+      <a:schemeClr val="tx1">
+        <a:lumMod val="65000"/>
+        <a:lumOff val="35000"/>
+      </a:schemeClr>
+    </cs:fontRef>
+    <cs:defRPr sz="900" kern="1200"/>
+  </cs:seriesAxis>
+  <cs:seriesLine>
+    <cs:lnRef idx="0"/>
+    <cs:fillRef idx="0"/>
+    <cs:effectRef idx="0"/>
+    <cs:fontRef idx="minor">
+      <a:schemeClr val="tx1"/>
+    </cs:fontRef>
+    <cs:spPr>
+      <a:ln w="9525" cap="flat" cmpd="sng" algn="ctr">
+        <a:solidFill>
+          <a:schemeClr val="tx1">
+            <a:lumMod val="35000"/>
+            <a:lumOff val="65000"/>
+          </a:schemeClr>
+        </a:solidFill>
+        <a:round/>
+      </a:ln>
+    </cs:spPr>
+  </cs:seriesLine>
+  <cs:title>
+    <cs:lnRef idx="0"/>
+    <cs:fillRef idx="0"/>
+    <cs:effectRef idx="0"/>
+    <cs:fontRef idx="minor">
+      <a:schemeClr val="tx1">
+        <a:lumMod val="65000"/>
+        <a:lumOff val="35000"/>
+      </a:schemeClr>
+    </cs:fontRef>
+    <cs:defRPr sz="1400" b="0" kern="1200" spc="0" baseline="0"/>
+  </cs:title>
+  <cs:trendline>
+    <cs:lnRef idx="0">
+      <cs:styleClr val="auto"/>
+    </cs:lnRef>
+    <cs:fillRef idx="0"/>
+    <cs:effectRef idx="0"/>
+    <cs:fontRef idx="minor">
+      <a:schemeClr val="tx1"/>
+    </cs:fontRef>
+    <cs:spPr>
+      <a:ln w="19050" cap="rnd">
+        <a:solidFill>
+          <a:schemeClr val="phClr"/>
+        </a:solidFill>
+        <a:prstDash val="sysDot"/>
+      </a:ln>
+    </cs:spPr>
+  </cs:trendline>
+  <cs:trendlineLabel>
+    <cs:lnRef idx="0"/>
+    <cs:fillRef idx="0"/>
+    <cs:effectRef idx="0"/>
+    <cs:fontRef idx="minor">
+      <a:schemeClr val="tx1">
+        <a:lumMod val="65000"/>
+        <a:lumOff val="35000"/>
+      </a:schemeClr>
+    </cs:fontRef>
+    <cs:defRPr sz="900" kern="1200"/>
+  </cs:trendlineLabel>
+  <cs:upBar>
+    <cs:lnRef idx="0"/>
+    <cs:fillRef idx="0"/>
+    <cs:effectRef idx="0"/>
+    <cs:fontRef idx="minor">
+      <a:schemeClr val="tx1"/>
+    </cs:fontRef>
+    <cs:spPr>
+      <a:solidFill>
+        <a:schemeClr val="lt1"/>
+      </a:solidFill>
+      <a:ln w="9525" cap="flat" cmpd="sng" algn="ctr">
+        <a:solidFill>
+          <a:schemeClr val="tx1">
+            <a:lumMod val="65000"/>
+            <a:lumOff val="35000"/>
+          </a:schemeClr>
+        </a:solidFill>
+        <a:round/>
+      </a:ln>
+    </cs:spPr>
+  </cs:upBar>
+  <cs:valueAxis>
+    <cs:lnRef idx="0"/>
+    <cs:fillRef idx="0"/>
+    <cs:effectRef idx="0"/>
+    <cs:fontRef idx="minor">
+      <a:schemeClr val="tx1">
+        <a:lumMod val="65000"/>
+        <a:lumOff val="35000"/>
+      </a:schemeClr>
+    </cs:fontRef>
+    <cs:spPr>
+      <a:ln w="9525" cap="flat" cmpd="sng" algn="ctr">
+        <a:solidFill>
+          <a:schemeClr val="tx1">
+            <a:lumMod val="25000"/>
+            <a:lumOff val="75000"/>
+          </a:schemeClr>
+        </a:solidFill>
+        <a:round/>
+      </a:ln>
+    </cs:spPr>
+    <cs:defRPr sz="900" kern="1200"/>
+  </cs:valueAxis>
+  <cs:wall>
+    <cs:lnRef idx="0"/>
+    <cs:fillRef idx="0"/>
+    <cs:effectRef idx="0"/>
+    <cs:fontRef idx="minor">
+      <a:schemeClr val="tx1"/>
+    </cs:fontRef>
+    <cs:spPr>
+      <a:noFill/>
+      <a:ln>
+        <a:noFill/>
+      </a:ln>
+    </cs:spPr>
+  </cs:wall>
+</cs:chartStyle>
+</file>
+
+<file path=ppt/charts/style6.xml><?xml version="1.0" encoding="utf-8"?>
+<cs:chartStyle xmlns:cs="http://schemas.microsoft.com/office/drawing/2012/chartStyle" xmlns:a="http://schemas.openxmlformats.org/drawingml/2006/main" id="240">
+  <cs:axisTitle>
+    <cs:lnRef idx="0"/>
+    <cs:fillRef idx="0"/>
+    <cs:effectRef idx="0"/>
+    <cs:fontRef idx="minor">
+      <a:schemeClr val="tx1">
+        <a:lumMod val="65000"/>
+        <a:lumOff val="35000"/>
+      </a:schemeClr>
+    </cs:fontRef>
+    <cs:defRPr sz="1000" kern="1200"/>
+  </cs:axisTitle>
+  <cs:categoryAxis>
+    <cs:lnRef idx="0"/>
+    <cs:fillRef idx="0"/>
+    <cs:effectRef idx="0"/>
+    <cs:fontRef idx="minor">
+      <a:schemeClr val="tx1">
+        <a:lumMod val="65000"/>
+        <a:lumOff val="35000"/>
+      </a:schemeClr>
+    </cs:fontRef>
+    <cs:spPr>
+      <a:ln w="9525" cap="flat" cmpd="sng" algn="ctr">
+        <a:solidFill>
+          <a:schemeClr val="tx1">
+            <a:lumMod val="25000"/>
+            <a:lumOff val="75000"/>
+          </a:schemeClr>
+        </a:solidFill>
+        <a:round/>
+      </a:ln>
+    </cs:spPr>
+    <cs:defRPr sz="900" kern="1200"/>
+  </cs:categoryAxis>
+  <cs:chartArea mods="allowNoFillOverride allowNoLineOverride">
+    <cs:lnRef idx="0"/>
+    <cs:fillRef idx="0"/>
+    <cs:effectRef idx="0"/>
+    <cs:fontRef idx="minor">
+      <a:schemeClr val="tx1"/>
+    </cs:fontRef>
+    <cs:spPr>
+      <a:solidFill>
+        <a:schemeClr val="bg1"/>
+      </a:solidFill>
+      <a:ln w="9525" cap="flat" cmpd="sng" algn="ctr">
+        <a:solidFill>
+          <a:schemeClr val="tx1">
+            <a:lumMod val="15000"/>
+            <a:lumOff val="85000"/>
+          </a:schemeClr>
+        </a:solidFill>
+        <a:round/>
+      </a:ln>
+    </cs:spPr>
+    <cs:defRPr sz="1000" kern="1200"/>
+  </cs:chartArea>
+  <cs:dataLabel>
+    <cs:lnRef idx="0"/>
+    <cs:fillRef idx="0"/>
+    <cs:effectRef idx="0"/>
+    <cs:fontRef idx="minor">
+      <a:schemeClr val="tx1">
+        <a:lumMod val="75000"/>
+        <a:lumOff val="25000"/>
+      </a:schemeClr>
+    </cs:fontRef>
+    <cs:defRPr sz="900" kern="1200"/>
+  </cs:dataLabel>
+  <cs:dataLabelCallout>
+    <cs:lnRef idx="0"/>
+    <cs:fillRef idx="0"/>
+    <cs:effectRef idx="0"/>
+    <cs:fontRef idx="minor">
+      <a:schemeClr val="dk1">
+        <a:lumMod val="65000"/>
+        <a:lumOff val="35000"/>
+      </a:schemeClr>
+    </cs:fontRef>
+    <cs:spPr>
+      <a:solidFill>
+        <a:schemeClr val="lt1"/>
+      </a:solidFill>
+      <a:ln>
+        <a:solidFill>
+          <a:schemeClr val="dk1">
+            <a:lumMod val="25000"/>
+            <a:lumOff val="75000"/>
+          </a:schemeClr>
+        </a:solidFill>
+      </a:ln>
+    </cs:spPr>
+    <cs:defRPr sz="900" kern="1200"/>
+    <cs:bodyPr rot="0" spcFirstLastPara="1" vertOverflow="clip" horzOverflow="clip" vert="horz" wrap="square" lIns="36576" tIns="18288" rIns="36576" bIns="18288" anchor="ctr" anchorCtr="1">
+      <a:spAutoFit/>
+    </cs:bodyPr>
+  </cs:dataLabelCallout>
+  <cs:dataPoint>
+    <cs:lnRef idx="0"/>
+    <cs:fillRef idx="1">
+      <cs:styleClr val="auto"/>
+    </cs:fillRef>
+    <cs:effectRef idx="0"/>
+    <cs:fontRef idx="minor">
+      <a:schemeClr val="tx1"/>
+    </cs:fontRef>
+  </cs:dataPoint>
+  <cs:dataPoint3D>
+    <cs:lnRef idx="0"/>
+    <cs:fillRef idx="1">
+      <cs:styleClr val="auto"/>
+    </cs:fillRef>
+    <cs:effectRef idx="0"/>
+    <cs:fontRef idx="minor">
+      <a:schemeClr val="tx1"/>
+    </cs:fontRef>
+  </cs:dataPoint3D>
+  <cs:dataPointLine>
+    <cs:lnRef idx="0">
+      <cs:styleClr val="auto"/>
+    </cs:lnRef>
+    <cs:fillRef idx="1"/>
+    <cs:effectRef idx="0"/>
+    <cs:fontRef idx="minor">
+      <a:schemeClr val="tx1"/>
+    </cs:fontRef>
+    <cs:spPr>
+      <a:ln w="19050" cap="rnd">
+        <a:solidFill>
+          <a:schemeClr val="phClr"/>
+        </a:solidFill>
+        <a:round/>
+      </a:ln>
+    </cs:spPr>
+  </cs:dataPointLine>
+  <cs:dataPointMarker>
+    <cs:lnRef idx="0">
+      <cs:styleClr val="auto"/>
+    </cs:lnRef>
+    <cs:fillRef idx="1">
+      <cs:styleClr val="auto"/>
+    </cs:fillRef>
+    <cs:effectRef idx="0"/>
+    <cs:fontRef idx="minor">
+      <a:schemeClr val="tx1"/>
+    </cs:fontRef>
+    <cs:spPr>
+      <a:ln w="9525">
+        <a:solidFill>
+          <a:schemeClr val="phClr"/>
+        </a:solidFill>
+      </a:ln>
+    </cs:spPr>
+  </cs:dataPointMarker>
+  <cs:dataPointMarkerLayout symbol="circle" size="5"/>
+  <cs:dataPointWireframe>
+    <cs:lnRef idx="0">
+      <cs:styleClr val="auto"/>
+    </cs:lnRef>
+    <cs:fillRef idx="0"/>
+    <cs:effectRef idx="0"/>
+    <cs:fontRef idx="minor">
+      <a:schemeClr val="dk1"/>
+    </cs:fontRef>
+    <cs:spPr>
+      <a:ln w="9525" cap="rnd">
+        <a:solidFill>
+          <a:schemeClr val="phClr"/>
+        </a:solidFill>
+        <a:round/>
+      </a:ln>
+    </cs:spPr>
+  </cs:dataPointWireframe>
+  <cs:dataTable>
+    <cs:lnRef idx="0"/>
+    <cs:fillRef idx="0"/>
+    <cs:effectRef idx="0"/>
+    <cs:fontRef idx="minor">
+      <a:schemeClr val="tx1">
+        <a:lumMod val="65000"/>
+        <a:lumOff val="35000"/>
+      </a:schemeClr>
+    </cs:fontRef>
+    <cs:spPr>
+      <a:noFill/>
+      <a:ln w="9525" cap="flat" cmpd="sng" algn="ctr">
+        <a:solidFill>
+          <a:schemeClr val="tx1">
+            <a:lumMod val="15000"/>
+            <a:lumOff val="85000"/>
+          </a:schemeClr>
+        </a:solidFill>
+        <a:round/>
+      </a:ln>
+    </cs:spPr>
+    <cs:defRPr sz="900" kern="1200"/>
+  </cs:dataTable>
+  <cs:downBar>
+    <cs:lnRef idx="0"/>
+    <cs:fillRef idx="0"/>
+    <cs:effectRef idx="0"/>
+    <cs:fontRef idx="minor">
+      <a:schemeClr val="tx1"/>
+    </cs:fontRef>
+    <cs:spPr>
+      <a:solidFill>
+        <a:schemeClr val="dk1">
+          <a:lumMod val="75000"/>
+          <a:lumOff val="25000"/>
+        </a:schemeClr>
+      </a:solidFill>
+      <a:ln w="9525" cap="flat" cmpd="sng" algn="ctr">
+        <a:solidFill>
+          <a:schemeClr val="tx1">
+            <a:lumMod val="65000"/>
+            <a:lumOff val="35000"/>
+          </a:schemeClr>
+        </a:solidFill>
+        <a:round/>
+      </a:ln>
+    </cs:spPr>
+  </cs:downBar>
+  <cs:dropLine>
+    <cs:lnRef idx="0"/>
+    <cs:fillRef idx="0"/>
+    <cs:effectRef idx="0"/>
+    <cs:fontRef idx="minor">
+      <a:schemeClr val="tx1"/>
+    </cs:fontRef>
+    <cs:spPr>
+      <a:ln w="9525" cap="flat" cmpd="sng" algn="ctr">
+        <a:solidFill>
+          <a:schemeClr val="tx1">
+            <a:lumMod val="35000"/>
+            <a:lumOff val="65000"/>
+          </a:schemeClr>
+        </a:solidFill>
+        <a:round/>
+      </a:ln>
+    </cs:spPr>
+  </cs:dropLine>
+  <cs:errorBar>
+    <cs:lnRef idx="0"/>
+    <cs:fillRef idx="0"/>
+    <cs:effectRef idx="0"/>
+    <cs:fontRef idx="minor">
+      <a:schemeClr val="tx1"/>
+    </cs:fontRef>
+    <cs:spPr>
+      <a:ln w="9525" cap="flat" cmpd="sng" algn="ctr">
+        <a:solidFill>
+          <a:schemeClr val="tx1">
+            <a:lumMod val="65000"/>
+            <a:lumOff val="35000"/>
+          </a:schemeClr>
+        </a:solidFill>
+        <a:round/>
+      </a:ln>
+    </cs:spPr>
+  </cs:errorBar>
+  <cs:floor>
+    <cs:lnRef idx="0"/>
+    <cs:fillRef idx="0"/>
+    <cs:effectRef idx="0"/>
+    <cs:fontRef idx="minor">
+      <a:schemeClr val="tx1"/>
+    </cs:fontRef>
+    <cs:spPr>
+      <a:noFill/>
+      <a:ln>
+        <a:noFill/>
+      </a:ln>
+    </cs:spPr>
+  </cs:floor>
+  <cs:gridlineMajor>
+    <cs:lnRef idx="0"/>
+    <cs:fillRef idx="0"/>
+    <cs:effectRef idx="0"/>
+    <cs:fontRef idx="minor">
+      <a:schemeClr val="tx1"/>
+    </cs:fontRef>
+    <cs:spPr>
+      <a:ln w="9525" cap="flat" cmpd="sng" algn="ctr">
+        <a:solidFill>
+          <a:schemeClr val="tx1">
+            <a:lumMod val="15000"/>
+            <a:lumOff val="85000"/>
+          </a:schemeClr>
+        </a:solidFill>
+        <a:round/>
+      </a:ln>
+    </cs:spPr>
+  </cs:gridlineMajor>
+  <cs:gridlineMinor>
+    <cs:lnRef idx="0"/>
+    <cs:fillRef idx="0"/>
+    <cs:effectRef idx="0"/>
+    <cs:fontRef idx="minor">
+      <a:schemeClr val="tx1"/>
+    </cs:fontRef>
+    <cs:spPr>
+      <a:ln w="9525" cap="flat" cmpd="sng" algn="ctr">
+        <a:solidFill>
+          <a:schemeClr val="tx1">
+            <a:lumMod val="5000"/>
+            <a:lumOff val="95000"/>
+          </a:schemeClr>
+        </a:solidFill>
+        <a:round/>
+      </a:ln>
+    </cs:spPr>
+  </cs:gridlineMinor>
+  <cs:hiLoLine>
+    <cs:lnRef idx="0"/>
+    <cs:fillRef idx="0"/>
+    <cs:effectRef idx="0"/>
+    <cs:fontRef idx="minor">
+      <a:schemeClr val="tx1"/>
+    </cs:fontRef>
+    <cs:spPr>
+      <a:ln w="9525" cap="flat" cmpd="sng" algn="ctr">
+        <a:solidFill>
+          <a:schemeClr val="tx1">
+            <a:lumMod val="50000"/>
+            <a:lumOff val="50000"/>
+          </a:schemeClr>
+        </a:solidFill>
+        <a:round/>
+      </a:ln>
+    </cs:spPr>
+  </cs:hiLoLine>
+  <cs:leaderLine>
+    <cs:lnRef idx="0"/>
+    <cs:fillRef idx="0"/>
+    <cs:effectRef idx="0"/>
+    <cs:fontRef idx="minor">
+      <a:schemeClr val="tx1"/>
+    </cs:fontRef>
+    <cs:spPr>
+      <a:ln w="9525" cap="flat" cmpd="sng" algn="ctr">
+        <a:solidFill>
+          <a:schemeClr val="tx1">
+            <a:lumMod val="35000"/>
+            <a:lumOff val="65000"/>
+          </a:schemeClr>
+        </a:solidFill>
+        <a:round/>
+      </a:ln>
+    </cs:spPr>
+  </cs:leaderLine>
+  <cs:legend>
+    <cs:lnRef idx="0"/>
+    <cs:fillRef idx="0"/>
+    <cs:effectRef idx="0"/>
+    <cs:fontRef idx="minor">
+      <a:schemeClr val="tx1">
+        <a:lumMod val="65000"/>
+        <a:lumOff val="35000"/>
+      </a:schemeClr>
+    </cs:fontRef>
+    <cs:defRPr sz="900" kern="1200"/>
+  </cs:legend>
+  <cs:plotArea mods="allowNoFillOverride allowNoLineOverride">
+    <cs:lnRef idx="0"/>
+    <cs:fillRef idx="0"/>
+    <cs:effectRef idx="0"/>
+    <cs:fontRef idx="minor">
+      <a:schemeClr val="tx1"/>
+    </cs:fontRef>
+  </cs:plotArea>
+  <cs:plotArea3D mods="allowNoFillOverride allowNoLineOverride">
+    <cs:lnRef idx="0"/>
+    <cs:fillRef idx="0"/>
+    <cs:effectRef idx="0"/>
+    <cs:fontRef idx="minor">
+      <a:schemeClr val="tx1"/>
+    </cs:fontRef>
+  </cs:plotArea3D>
+  <cs:seriesAxis>
+    <cs:lnRef idx="0"/>
+    <cs:fillRef idx="0"/>
+    <cs:effectRef idx="0"/>
+    <cs:fontRef idx="minor">
+      <a:schemeClr val="tx1">
+        <a:lumMod val="65000"/>
+        <a:lumOff val="35000"/>
+      </a:schemeClr>
+    </cs:fontRef>
+    <cs:defRPr sz="900" kern="1200"/>
+  </cs:seriesAxis>
+  <cs:seriesLine>
+    <cs:lnRef idx="0"/>
+    <cs:fillRef idx="0"/>
+    <cs:effectRef idx="0"/>
+    <cs:fontRef idx="minor">
+      <a:schemeClr val="tx1"/>
+    </cs:fontRef>
+    <cs:spPr>
+      <a:ln w="9525" cap="flat" cmpd="sng" algn="ctr">
+        <a:solidFill>
+          <a:schemeClr val="tx1">
+            <a:lumMod val="35000"/>
+            <a:lumOff val="65000"/>
+          </a:schemeClr>
+        </a:solidFill>
+        <a:round/>
+      </a:ln>
+    </cs:spPr>
+  </cs:seriesLine>
+  <cs:title>
+    <cs:lnRef idx="0"/>
+    <cs:fillRef idx="0"/>
+    <cs:effectRef idx="0"/>
+    <cs:fontRef idx="minor">
+      <a:schemeClr val="tx1">
+        <a:lumMod val="65000"/>
+        <a:lumOff val="35000"/>
+      </a:schemeClr>
+    </cs:fontRef>
+    <cs:defRPr sz="1400" b="0" kern="1200" spc="0" baseline="0"/>
+  </cs:title>
+  <cs:trendline>
+    <cs:lnRef idx="0">
+      <cs:styleClr val="auto"/>
+    </cs:lnRef>
+    <cs:fillRef idx="0"/>
+    <cs:effectRef idx="0"/>
+    <cs:fontRef idx="minor">
+      <a:schemeClr val="tx1"/>
+    </cs:fontRef>
+    <cs:spPr>
+      <a:ln w="19050" cap="rnd">
+        <a:solidFill>
+          <a:schemeClr val="phClr"/>
+        </a:solidFill>
+        <a:prstDash val="sysDot"/>
+      </a:ln>
+    </cs:spPr>
+  </cs:trendline>
+  <cs:trendlineLabel>
+    <cs:lnRef idx="0"/>
+    <cs:fillRef idx="0"/>
+    <cs:effectRef idx="0"/>
+    <cs:fontRef idx="minor">
+      <a:schemeClr val="tx1">
+        <a:lumMod val="65000"/>
+        <a:lumOff val="35000"/>
+      </a:schemeClr>
+    </cs:fontRef>
+    <cs:defRPr sz="900" kern="1200"/>
+  </cs:trendlineLabel>
+  <cs:upBar>
+    <cs:lnRef idx="0"/>
+    <cs:fillRef idx="0"/>
+    <cs:effectRef idx="0"/>
+    <cs:fontRef idx="minor">
+      <a:schemeClr val="tx1"/>
+    </cs:fontRef>
+    <cs:spPr>
+      <a:solidFill>
+        <a:schemeClr val="lt1"/>
+      </a:solidFill>
+      <a:ln w="9525" cap="flat" cmpd="sng" algn="ctr">
+        <a:solidFill>
+          <a:schemeClr val="tx1">
+            <a:lumMod val="65000"/>
+            <a:lumOff val="35000"/>
+          </a:schemeClr>
+        </a:solidFill>
+        <a:round/>
+      </a:ln>
+    </cs:spPr>
+  </cs:upBar>
+  <cs:valueAxis>
+    <cs:lnRef idx="0"/>
+    <cs:fillRef idx="0"/>
+    <cs:effectRef idx="0"/>
+    <cs:fontRef idx="minor">
+      <a:schemeClr val="tx1">
+        <a:lumMod val="65000"/>
+        <a:lumOff val="35000"/>
+      </a:schemeClr>
+    </cs:fontRef>
+    <cs:spPr>
+      <a:ln w="9525" cap="flat" cmpd="sng" algn="ctr">
+        <a:solidFill>
+          <a:schemeClr val="tx1">
+            <a:lumMod val="25000"/>
+            <a:lumOff val="75000"/>
+          </a:schemeClr>
+        </a:solidFill>
+        <a:round/>
+      </a:ln>
+    </cs:spPr>
+    <cs:defRPr sz="900" kern="1200"/>
+  </cs:valueAxis>
+  <cs:wall>
+    <cs:lnRef idx="0"/>
+    <cs:fillRef idx="0"/>
+    <cs:effectRef idx="0"/>
+    <cs:fontRef idx="minor">
+      <a:schemeClr val="tx1"/>
+    </cs:fontRef>
+    <cs:spPr>
+      <a:noFill/>
+      <a:ln>
+        <a:noFill/>
+      </a:ln>
+    </cs:spPr>
+  </cs:wall>
+</cs:chartStyle>
+</file>
+
+<file path=ppt/drawings/drawing1.xml><?xml version="1.0" encoding="utf-8"?>
+<c:userShapes xmlns:c="http://schemas.openxmlformats.org/drawingml/2006/chart">
+  <cdr:relSizeAnchor xmlns:cdr="http://schemas.openxmlformats.org/drawingml/2006/chartDrawing">
+    <cdr:from>
+      <cdr:x>0.10198</cdr:x>
+      <cdr:y>0.05876</cdr:y>
+    </cdr:from>
+    <cdr:to>
+      <cdr:x>0.25156</cdr:x>
+      <cdr:y>0.26289</cdr:y>
+    </cdr:to>
+    <cdr:sp macro="" textlink="">
+      <cdr:nvSpPr>
+        <cdr:cNvPr id="3" name="TextBox 2"/>
+        <cdr:cNvSpPr txBox="1"/>
+      </cdr:nvSpPr>
+      <cdr:spPr>
+        <a:xfrm xmlns:a="http://schemas.openxmlformats.org/drawingml/2006/main">
+          <a:off x="1243331" y="361950"/>
+          <a:ext cx="1823719" cy="1257300"/>
+        </a:xfrm>
+        <a:prstGeom xmlns:a="http://schemas.openxmlformats.org/drawingml/2006/main" prst="rect">
+          <a:avLst/>
+        </a:prstGeom>
+      </cdr:spPr>
+      <cdr:txBody>
+        <a:bodyPr xmlns:a="http://schemas.openxmlformats.org/drawingml/2006/main" vertOverflow="clip" wrap="square" rtlCol="0"/>
+        <a:lstStyle xmlns:a="http://schemas.openxmlformats.org/drawingml/2006/main"/>
+        <a:p xmlns:a="http://schemas.openxmlformats.org/drawingml/2006/main">
+          <a:r>
+            <a:rPr lang="en-US" sz="1400" dirty="0" smtClean="0">
+              <a:solidFill>
+                <a:schemeClr val="tx1"/>
+              </a:solidFill>
+            </a:rPr>
+            <a:t>Mean: 0.72 s</a:t>
+          </a:r>
+        </a:p>
+        <a:p xmlns:a="http://schemas.openxmlformats.org/drawingml/2006/main">
+          <a:r>
+            <a:rPr lang="en-US" sz="1400" dirty="0" smtClean="0">
+              <a:solidFill>
+                <a:schemeClr val="tx1"/>
+              </a:solidFill>
+            </a:rPr>
+            <a:t>Median: 0.55 s</a:t>
+          </a:r>
+        </a:p>
+        <a:p xmlns:a="http://schemas.openxmlformats.org/drawingml/2006/main">
+          <a:r>
+            <a:rPr lang="en-US" sz="1400" dirty="0" smtClean="0">
+              <a:solidFill>
+                <a:schemeClr val="tx1"/>
+              </a:solidFill>
+            </a:rPr>
+            <a:t>Std. Dev.: 0.67 s </a:t>
+          </a:r>
+          <a:endParaRPr lang="en-US" sz="1400" dirty="0">
+            <a:solidFill>
+              <a:schemeClr val="tx1"/>
+            </a:solidFill>
+          </a:endParaRPr>
+        </a:p>
+      </cdr:txBody>
+    </cdr:sp>
+  </cdr:relSizeAnchor>
+</c:userShapes>
+</file>
+
 <file path=ppt/notesMasters/notesMaster1.xml><?xml version="1.0" encoding="utf-8"?>
 <p:notesMaster xmlns:a="http://schemas.openxmlformats.org/drawingml/2006/main" xmlns:r="http://schemas.openxmlformats.org/officeDocument/2006/relationships" xmlns:p="http://schemas.openxmlformats.org/presentationml/2006/main">
   <p:cSld>
@@ -5860,7 +8491,7 @@
           <a:p>
             <a:fld id="{E5E12688-8E35-CA4B-B576-BA5244C40734}" type="datetimeFigureOut">
               <a:rPr lang="en-US" smtClean="0"/>
-              <a:t>5/18/17</a:t>
+              <a:t>5/22/17</a:t>
             </a:fld>
             <a:endParaRPr lang="en-US"/>
           </a:p>
@@ -6212,108 +8843,6 @@
 </p:notes>
 </file>
 
-<file path=ppt/notesSlides/notesSlide2.xml><?xml version="1.0" encoding="utf-8"?>
-<p:notes xmlns:a="http://schemas.openxmlformats.org/drawingml/2006/main" xmlns:r="http://schemas.openxmlformats.org/officeDocument/2006/relationships" xmlns:p="http://schemas.openxmlformats.org/presentationml/2006/main">
-  <p:cSld>
-    <p:spTree>
-      <p:nvGrpSpPr>
-        <p:cNvPr id="1" name=""/>
-        <p:cNvGrpSpPr/>
-        <p:nvPr/>
-      </p:nvGrpSpPr>
-      <p:grpSpPr>
-        <a:xfrm>
-          <a:off x="0" y="0"/>
-          <a:ext cx="0" cy="0"/>
-          <a:chOff x="0" y="0"/>
-          <a:chExt cx="0" cy="0"/>
-        </a:xfrm>
-      </p:grpSpPr>
-      <p:sp>
-        <p:nvSpPr>
-          <p:cNvPr id="2" name="Slide Image Placeholder 1"/>
-          <p:cNvSpPr>
-            <a:spLocks noGrp="1" noRot="1" noChangeAspect="1"/>
-          </p:cNvSpPr>
-          <p:nvPr>
-            <p:ph type="sldImg"/>
-          </p:nvPr>
-        </p:nvSpPr>
-        <p:spPr/>
-      </p:sp>
-      <p:sp>
-        <p:nvSpPr>
-          <p:cNvPr id="3" name="Notes Placeholder 2"/>
-          <p:cNvSpPr>
-            <a:spLocks noGrp="1"/>
-          </p:cNvSpPr>
-          <p:nvPr>
-            <p:ph type="body" idx="1"/>
-          </p:nvPr>
-        </p:nvSpPr>
-        <p:spPr/>
-        <p:txBody>
-          <a:bodyPr/>
-          <a:lstStyle/>
-          <a:p>
-            <a:r>
-              <a:rPr lang="en-US" dirty="0" err="1" smtClean="0"/>
-              <a:t>Uniprot_trembl</a:t>
-            </a:r>
-            <a:r>
-              <a:rPr lang="en-US" dirty="0" smtClean="0"/>
-              <a:t>: 63M sequences, average length 334</a:t>
-            </a:r>
-          </a:p>
-          <a:p>
-            <a:r>
-              <a:rPr lang="en-US" dirty="0" smtClean="0"/>
-              <a:t>Tara</a:t>
-            </a:r>
-            <a:r>
-              <a:rPr lang="en-US" baseline="0" dirty="0" smtClean="0"/>
-              <a:t> oceans: 127M sequences, average length 326</a:t>
-            </a:r>
-            <a:endParaRPr lang="en-US" dirty="0"/>
-          </a:p>
-        </p:txBody>
-      </p:sp>
-      <p:sp>
-        <p:nvSpPr>
-          <p:cNvPr id="4" name="Slide Number Placeholder 3"/>
-          <p:cNvSpPr>
-            <a:spLocks noGrp="1"/>
-          </p:cNvSpPr>
-          <p:nvPr>
-            <p:ph type="sldNum" sz="quarter" idx="10"/>
-          </p:nvPr>
-        </p:nvSpPr>
-        <p:spPr/>
-        <p:txBody>
-          <a:bodyPr/>
-          <a:lstStyle/>
-          <a:p>
-            <a:fld id="{6092F379-BBDA-4C4C-8388-62C243978CCA}" type="slidenum">
-              <a:rPr lang="en-US" smtClean="0"/>
-              <a:t>9</a:t>
-            </a:fld>
-            <a:endParaRPr lang="en-US"/>
-          </a:p>
-        </p:txBody>
-      </p:sp>
-    </p:spTree>
-    <p:extLst>
-      <p:ext uri="{BB962C8B-B14F-4D97-AF65-F5344CB8AC3E}">
-        <p14:creationId xmlns:p14="http://schemas.microsoft.com/office/powerpoint/2010/main" val="1219093884"/>
-      </p:ext>
-    </p:extLst>
-  </p:cSld>
-  <p:clrMapOvr>
-    <a:masterClrMapping/>
-  </p:clrMapOvr>
-</p:notes>
-</file>
-
 <file path=ppt/slideLayouts/slideLayout1.xml><?xml version="1.0" encoding="utf-8"?>
 <p:sldLayout xmlns:a="http://schemas.openxmlformats.org/drawingml/2006/main" xmlns:r="http://schemas.openxmlformats.org/officeDocument/2006/relationships" xmlns:p="http://schemas.openxmlformats.org/presentationml/2006/main" type="title" preserve="1">
   <p:cSld name="Title Slide">
@@ -6445,7 +8974,7 @@
           <a:p>
             <a:fld id="{3E16F4F7-D7BF-9146-8E12-4D8712091BAE}" type="datetimeFigureOut">
               <a:rPr lang="en-US" smtClean="0"/>
-              <a:t>5/17/17</a:t>
+              <a:t>5/22/17</a:t>
             </a:fld>
             <a:endParaRPr lang="en-US"/>
           </a:p>
@@ -6615,7 +9144,7 @@
           <a:p>
             <a:fld id="{3E16F4F7-D7BF-9146-8E12-4D8712091BAE}" type="datetimeFigureOut">
               <a:rPr lang="en-US" smtClean="0"/>
-              <a:t>5/17/17</a:t>
+              <a:t>5/22/17</a:t>
             </a:fld>
             <a:endParaRPr lang="en-US"/>
           </a:p>
@@ -6795,7 +9324,7 @@
           <a:p>
             <a:fld id="{3E16F4F7-D7BF-9146-8E12-4D8712091BAE}" type="datetimeFigureOut">
               <a:rPr lang="en-US" smtClean="0"/>
-              <a:t>5/17/17</a:t>
+              <a:t>5/22/17</a:t>
             </a:fld>
             <a:endParaRPr lang="en-US"/>
           </a:p>
@@ -6965,7 +9494,7 @@
           <a:p>
             <a:fld id="{3E16F4F7-D7BF-9146-8E12-4D8712091BAE}" type="datetimeFigureOut">
               <a:rPr lang="en-US" smtClean="0"/>
-              <a:t>5/17/17</a:t>
+              <a:t>5/22/17</a:t>
             </a:fld>
             <a:endParaRPr lang="en-US"/>
           </a:p>
@@ -7211,7 +9740,7 @@
           <a:p>
             <a:fld id="{3E16F4F7-D7BF-9146-8E12-4D8712091BAE}" type="datetimeFigureOut">
               <a:rPr lang="en-US" smtClean="0"/>
-              <a:t>5/17/17</a:t>
+              <a:t>5/22/17</a:t>
             </a:fld>
             <a:endParaRPr lang="en-US"/>
           </a:p>
@@ -7443,7 +9972,7 @@
           <a:p>
             <a:fld id="{3E16F4F7-D7BF-9146-8E12-4D8712091BAE}" type="datetimeFigureOut">
               <a:rPr lang="en-US" smtClean="0"/>
-              <a:t>5/17/17</a:t>
+              <a:t>5/22/17</a:t>
             </a:fld>
             <a:endParaRPr lang="en-US"/>
           </a:p>
@@ -7810,7 +10339,7 @@
           <a:p>
             <a:fld id="{3E16F4F7-D7BF-9146-8E12-4D8712091BAE}" type="datetimeFigureOut">
               <a:rPr lang="en-US" smtClean="0"/>
-              <a:t>5/17/17</a:t>
+              <a:t>5/22/17</a:t>
             </a:fld>
             <a:endParaRPr lang="en-US"/>
           </a:p>
@@ -7928,7 +10457,7 @@
           <a:p>
             <a:fld id="{3E16F4F7-D7BF-9146-8E12-4D8712091BAE}" type="datetimeFigureOut">
               <a:rPr lang="en-US" smtClean="0"/>
-              <a:t>5/17/17</a:t>
+              <a:t>5/22/17</a:t>
             </a:fld>
             <a:endParaRPr lang="en-US"/>
           </a:p>
@@ -8023,7 +10552,7 @@
           <a:p>
             <a:fld id="{3E16F4F7-D7BF-9146-8E12-4D8712091BAE}" type="datetimeFigureOut">
               <a:rPr lang="en-US" smtClean="0"/>
-              <a:t>5/17/17</a:t>
+              <a:t>5/22/17</a:t>
             </a:fld>
             <a:endParaRPr lang="en-US"/>
           </a:p>
@@ -8300,7 +10829,7 @@
           <a:p>
             <a:fld id="{3E16F4F7-D7BF-9146-8E12-4D8712091BAE}" type="datetimeFigureOut">
               <a:rPr lang="en-US" smtClean="0"/>
-              <a:t>5/17/17</a:t>
+              <a:t>5/22/17</a:t>
             </a:fld>
             <a:endParaRPr lang="en-US"/>
           </a:p>
@@ -8557,7 +11086,7 @@
           <a:p>
             <a:fld id="{3E16F4F7-D7BF-9146-8E12-4D8712091BAE}" type="datetimeFigureOut">
               <a:rPr lang="en-US" smtClean="0"/>
-              <a:t>5/17/17</a:t>
+              <a:t>5/22/17</a:t>
             </a:fld>
             <a:endParaRPr lang="en-US"/>
           </a:p>
@@ -8770,7 +11299,7 @@
           <a:p>
             <a:fld id="{3E16F4F7-D7BF-9146-8E12-4D8712091BAE}" type="datetimeFigureOut">
               <a:rPr lang="en-US" smtClean="0"/>
-              <a:t>5/17/17</a:t>
+              <a:t>5/22/17</a:t>
             </a:fld>
             <a:endParaRPr lang="en-US"/>
           </a:p>
@@ -9237,28 +11766,6 @@
           <a:chExt cx="0" cy="0"/>
         </a:xfrm>
       </p:grpSpPr>
-      <p:graphicFrame>
-        <p:nvGraphicFramePr>
-          <p:cNvPr id="5" name="Chart 4"/>
-          <p:cNvGraphicFramePr/>
-          <p:nvPr>
-            <p:extLst>
-              <p:ext uri="{D42A27DB-BD31-4B8C-83A1-F6EECF244321}">
-                <p14:modId xmlns:p14="http://schemas.microsoft.com/office/powerpoint/2010/main" val="522668648"/>
-              </p:ext>
-            </p:extLst>
-          </p:nvPr>
-        </p:nvGraphicFramePr>
-        <p:xfrm>
-          <a:off x="1" y="1504543"/>
-          <a:ext cx="12192000" cy="5461879"/>
-        </p:xfrm>
-        <a:graphic>
-          <a:graphicData uri="http://schemas.openxmlformats.org/drawingml/2006/chart">
-            <c:chart xmlns:c="http://schemas.openxmlformats.org/drawingml/2006/chart" xmlns:r="http://schemas.openxmlformats.org/officeDocument/2006/relationships" r:id="rId2"/>
-          </a:graphicData>
-        </a:graphic>
-      </p:graphicFrame>
       <p:sp>
         <p:nvSpPr>
           <p:cNvPr id="2" name="Title 1"/>
@@ -9287,16 +11794,74 @@
           </a:p>
         </p:txBody>
       </p:sp>
+      <p:graphicFrame>
+        <p:nvGraphicFramePr>
+          <p:cNvPr id="12" name="Chart 11"/>
+          <p:cNvGraphicFramePr/>
+          <p:nvPr>
+            <p:extLst>
+              <p:ext uri="{D42A27DB-BD31-4B8C-83A1-F6EECF244321}">
+                <p14:modId xmlns:p14="http://schemas.microsoft.com/office/powerpoint/2010/main" val="1170827638"/>
+              </p:ext>
+            </p:extLst>
+          </p:nvPr>
+        </p:nvGraphicFramePr>
+        <p:xfrm>
+          <a:off x="44450" y="1193800"/>
+          <a:ext cx="12147550" cy="5664200"/>
+        </p:xfrm>
+        <a:graphic>
+          <a:graphicData uri="http://schemas.openxmlformats.org/drawingml/2006/chart">
+            <c:chart xmlns:c="http://schemas.openxmlformats.org/drawingml/2006/chart" xmlns:r="http://schemas.openxmlformats.org/officeDocument/2006/relationships" r:id="rId2"/>
+          </a:graphicData>
+        </a:graphic>
+      </p:graphicFrame>
+      <p:cxnSp>
+        <p:nvCxnSpPr>
+          <p:cNvPr id="4" name="Straight Connector 3"/>
+          <p:cNvCxnSpPr/>
+          <p:nvPr/>
+        </p:nvCxnSpPr>
+        <p:spPr>
+          <a:xfrm flipV="1">
+            <a:off x="971550" y="2698750"/>
+            <a:ext cx="11163300" cy="69850"/>
+          </a:xfrm>
+          <a:prstGeom prst="line">
+            <a:avLst/>
+          </a:prstGeom>
+          <a:ln w="38100">
+            <a:solidFill>
+              <a:srgbClr val="FFFF00"/>
+            </a:solidFill>
+            <a:prstDash val="dash"/>
+          </a:ln>
+        </p:spPr>
+        <p:style>
+          <a:lnRef idx="1">
+            <a:schemeClr val="accent1"/>
+          </a:lnRef>
+          <a:fillRef idx="0">
+            <a:schemeClr val="accent1"/>
+          </a:fillRef>
+          <a:effectRef idx="0">
+            <a:schemeClr val="accent1"/>
+          </a:effectRef>
+          <a:fontRef idx="minor">
+            <a:schemeClr val="tx1"/>
+          </a:fontRef>
+        </p:style>
+      </p:cxnSp>
       <p:sp>
         <p:nvSpPr>
-          <p:cNvPr id="6" name="TextBox 5"/>
+          <p:cNvPr id="13" name="TextBox 12"/>
           <p:cNvSpPr txBox="1"/>
           <p:nvPr/>
         </p:nvSpPr>
         <p:spPr>
           <a:xfrm rot="16200000">
-            <a:off x="11272556" y="2289244"/>
-            <a:ext cx="865943" cy="369332"/>
+            <a:off x="10770096" y="1376977"/>
+            <a:ext cx="550151" cy="307777"/>
           </a:xfrm>
           <a:prstGeom prst="rect">
             <a:avLst/>
@@ -9310,23 +11875,23 @@
           <a:lstStyle/>
           <a:p>
             <a:r>
-              <a:rPr lang="en-US" dirty="0" smtClean="0"/>
-              <a:t>L=1050</a:t>
+              <a:rPr lang="en-US" sz="1400" dirty="0" smtClean="0"/>
+              <a:t>1059</a:t>
             </a:r>
-            <a:endParaRPr lang="en-US" dirty="0"/>
+            <a:endParaRPr lang="en-US" sz="1400" dirty="0"/>
           </a:p>
         </p:txBody>
       </p:sp>
       <p:sp>
         <p:nvSpPr>
-          <p:cNvPr id="7" name="TextBox 6"/>
+          <p:cNvPr id="17" name="TextBox 16"/>
           <p:cNvSpPr txBox="1"/>
           <p:nvPr/>
         </p:nvSpPr>
         <p:spPr>
           <a:xfrm rot="16200000">
-            <a:off x="10614318" y="1276211"/>
-            <a:ext cx="865943" cy="369332"/>
+            <a:off x="11031681" y="2269786"/>
+            <a:ext cx="458780" cy="307777"/>
           </a:xfrm>
           <a:prstGeom prst="rect">
             <a:avLst/>
@@ -9340,23 +11905,23 @@
           <a:lstStyle/>
           <a:p>
             <a:r>
-              <a:rPr lang="en-US" dirty="0" smtClean="0"/>
-              <a:t>L=1059</a:t>
+              <a:rPr lang="en-US" sz="1400" dirty="0" smtClean="0"/>
+              <a:t>857</a:t>
             </a:r>
-            <a:endParaRPr lang="en-US" dirty="0"/>
+            <a:endParaRPr lang="en-US" sz="1400" dirty="0"/>
           </a:p>
         </p:txBody>
       </p:sp>
       <p:sp>
         <p:nvSpPr>
-          <p:cNvPr id="8" name="TextBox 7"/>
+          <p:cNvPr id="18" name="TextBox 17"/>
           <p:cNvSpPr txBox="1"/>
           <p:nvPr/>
         </p:nvSpPr>
         <p:spPr>
           <a:xfrm rot="16200000">
-            <a:off x="11554643" y="4218563"/>
-            <a:ext cx="748923" cy="369332"/>
+            <a:off x="11271632" y="2944242"/>
+            <a:ext cx="458780" cy="307777"/>
           </a:xfrm>
           <a:prstGeom prst="rect">
             <a:avLst/>
@@ -9370,89 +11935,23 @@
           <a:lstStyle/>
           <a:p>
             <a:r>
-              <a:rPr lang="en-US" dirty="0" smtClean="0"/>
-              <a:t>L=510</a:t>
+              <a:rPr lang="en-US" sz="1400" dirty="0" smtClean="0"/>
+              <a:t>802</a:t>
             </a:r>
-            <a:endParaRPr lang="en-US" dirty="0"/>
+            <a:endParaRPr lang="en-US" sz="1400" dirty="0"/>
           </a:p>
         </p:txBody>
       </p:sp>
       <p:sp>
         <p:nvSpPr>
-          <p:cNvPr id="9" name="TextBox 8"/>
+          <p:cNvPr id="19" name="TextBox 18"/>
           <p:cNvSpPr txBox="1"/>
           <p:nvPr/>
         </p:nvSpPr>
         <p:spPr>
           <a:xfrm rot="16200000">
-            <a:off x="10868910" y="2433330"/>
-            <a:ext cx="829990" cy="369332"/>
-          </a:xfrm>
-          <a:prstGeom prst="rect">
-            <a:avLst/>
-          </a:prstGeom>
-          <a:noFill/>
-        </p:spPr>
-        <p:txBody>
-          <a:bodyPr wrap="square" rtlCol="0">
-            <a:spAutoFit/>
-          </a:bodyPr>
-          <a:lstStyle/>
-          <a:p>
-            <a:r>
-              <a:rPr lang="en-US" dirty="0" smtClean="0"/>
-              <a:t>L=857</a:t>
-            </a:r>
-            <a:endParaRPr lang="en-US" dirty="0"/>
-          </a:p>
-        </p:txBody>
-      </p:sp>
-      <p:cxnSp>
-        <p:nvCxnSpPr>
-          <p:cNvPr id="11" name="Straight Connector 10"/>
-          <p:cNvCxnSpPr/>
-          <p:nvPr/>
-        </p:nvCxnSpPr>
-        <p:spPr>
-          <a:xfrm flipV="1">
-            <a:off x="888460" y="2993905"/>
-            <a:ext cx="11128035" cy="78728"/>
-          </a:xfrm>
-          <a:prstGeom prst="line">
-            <a:avLst/>
-          </a:prstGeom>
-          <a:ln w="31750">
-            <a:solidFill>
-              <a:srgbClr val="FFFF00"/>
-            </a:solidFill>
-            <a:prstDash val="dash"/>
-          </a:ln>
-        </p:spPr>
-        <p:style>
-          <a:lnRef idx="1">
-            <a:schemeClr val="accent1"/>
-          </a:lnRef>
-          <a:fillRef idx="0">
-            <a:schemeClr val="accent1"/>
-          </a:fillRef>
-          <a:effectRef idx="0">
-            <a:schemeClr val="accent1"/>
-          </a:effectRef>
-          <a:fontRef idx="minor">
-            <a:schemeClr val="tx1"/>
-          </a:fontRef>
-        </p:style>
-      </p:cxnSp>
-      <p:sp>
-        <p:nvSpPr>
-          <p:cNvPr id="15" name="TextBox 14"/>
-          <p:cNvSpPr txBox="1"/>
-          <p:nvPr/>
-        </p:nvSpPr>
-        <p:spPr>
-          <a:xfrm>
-            <a:off x="888460" y="2722216"/>
-            <a:ext cx="729687" cy="369332"/>
+            <a:off x="11430496" y="2246943"/>
+            <a:ext cx="550151" cy="307777"/>
           </a:xfrm>
           <a:prstGeom prst="rect">
             <a:avLst/>
@@ -9466,23 +11965,23 @@
           <a:lstStyle/>
           <a:p>
             <a:r>
-              <a:rPr lang="en-US" dirty="0" smtClean="0"/>
-              <a:t>Mean</a:t>
+              <a:rPr lang="en-US" sz="1400" dirty="0" smtClean="0"/>
+              <a:t>1050</a:t>
             </a:r>
-            <a:endParaRPr lang="en-US" dirty="0"/>
+            <a:endParaRPr lang="en-US" sz="1400" dirty="0"/>
           </a:p>
         </p:txBody>
       </p:sp>
       <p:sp>
         <p:nvSpPr>
-          <p:cNvPr id="16" name="TextBox 15"/>
+          <p:cNvPr id="20" name="TextBox 19"/>
           <p:cNvSpPr txBox="1"/>
           <p:nvPr/>
         </p:nvSpPr>
         <p:spPr>
           <a:xfrm rot="16200000">
-            <a:off x="11082988" y="3098767"/>
-            <a:ext cx="829990" cy="369332"/>
+            <a:off x="11679381" y="4119661"/>
+            <a:ext cx="458780" cy="307777"/>
           </a:xfrm>
           <a:prstGeom prst="rect">
             <a:avLst/>
@@ -9490,16 +11989,80 @@
           <a:noFill/>
         </p:spPr>
         <p:txBody>
-          <a:bodyPr wrap="square" rtlCol="0">
+          <a:bodyPr wrap="none" rtlCol="0">
             <a:spAutoFit/>
           </a:bodyPr>
           <a:lstStyle/>
           <a:p>
             <a:r>
+              <a:rPr lang="en-US" sz="1400" dirty="0" smtClean="0"/>
+              <a:t>510</a:t>
+            </a:r>
+            <a:endParaRPr lang="en-US" sz="1400" dirty="0"/>
+          </a:p>
+        </p:txBody>
+      </p:sp>
+      <p:sp>
+        <p:nvSpPr>
+          <p:cNvPr id="21" name="TextBox 20"/>
+          <p:cNvSpPr txBox="1"/>
+          <p:nvPr/>
+        </p:nvSpPr>
+        <p:spPr>
+          <a:xfrm rot="16200000">
+            <a:off x="4524167" y="4165347"/>
+            <a:ext cx="367408" cy="307777"/>
+          </a:xfrm>
+          <a:prstGeom prst="rect">
+            <a:avLst/>
+          </a:prstGeom>
+          <a:noFill/>
+        </p:spPr>
+        <p:txBody>
+          <a:bodyPr wrap="none" rtlCol="0">
+            <a:spAutoFit/>
+          </a:bodyPr>
+          <a:lstStyle/>
+          <a:p>
+            <a:r>
+              <a:rPr lang="en-US" sz="1400" smtClean="0"/>
+              <a:t>48</a:t>
+            </a:r>
+            <a:endParaRPr lang="en-US" sz="1400" dirty="0"/>
+          </a:p>
+        </p:txBody>
+      </p:sp>
+      <p:sp>
+        <p:nvSpPr>
+          <p:cNvPr id="22" name="TextBox 21"/>
+          <p:cNvSpPr txBox="1"/>
+          <p:nvPr/>
+        </p:nvSpPr>
+        <p:spPr>
+          <a:xfrm>
+            <a:off x="9347200" y="235814"/>
+            <a:ext cx="2656240" cy="369332"/>
+          </a:xfrm>
+          <a:prstGeom prst="rect">
+            <a:avLst/>
+          </a:prstGeom>
+          <a:noFill/>
+        </p:spPr>
+        <p:txBody>
+          <a:bodyPr wrap="none" rtlCol="0">
+            <a:spAutoFit/>
+          </a:bodyPr>
+          <a:lstStyle/>
+          <a:p>
+            <a:r>
               <a:rPr lang="en-US" dirty="0" smtClean="0"/>
-              <a:t>L=802</a:t>
+              <a:t>Mean </a:t>
             </a:r>
-            <a:endParaRPr lang="en-US" dirty="0"/>
+            <a:r>
+              <a:rPr lang="en-US" smtClean="0"/>
+              <a:t>Model Length = 330</a:t>
+            </a:r>
+            <a:endParaRPr lang="en-US"/>
           </a:p>
         </p:txBody>
       </p:sp>
@@ -9516,265 +12079,9 @@
   <p:timing>
     <p:tnLst>
       <p:par>
-        <p:cTn id="1" dur="indefinite" restart="never" nodeType="tmRoot">
-          <p:childTnLst>
-            <p:seq concurrent="1" nextAc="seek">
-              <p:cTn id="2" dur="indefinite" nodeType="mainSeq">
-                <p:childTnLst>
-                  <p:par>
-                    <p:cTn id="3" fill="hold">
-                      <p:stCondLst>
-                        <p:cond delay="indefinite"/>
-                      </p:stCondLst>
-                      <p:childTnLst>
-                        <p:par>
-                          <p:cTn id="4" fill="hold">
-                            <p:stCondLst>
-                              <p:cond delay="0"/>
-                            </p:stCondLst>
-                            <p:childTnLst>
-                              <p:par>
-                                <p:cTn id="5" presetID="1" presetClass="entr" presetSubtype="0" fill="hold" grpId="0" nodeType="clickEffect">
-                                  <p:stCondLst>
-                                    <p:cond delay="0"/>
-                                  </p:stCondLst>
-                                  <p:childTnLst>
-                                    <p:set>
-                                      <p:cBhvr>
-                                        <p:cTn id="6" dur="1" fill="hold">
-                                          <p:stCondLst>
-                                            <p:cond delay="0"/>
-                                          </p:stCondLst>
-                                        </p:cTn>
-                                        <p:tgtEl>
-                                          <p:spTgt spid="15"/>
-                                        </p:tgtEl>
-                                        <p:attrNameLst>
-                                          <p:attrName>style.visibility</p:attrName>
-                                        </p:attrNameLst>
-                                      </p:cBhvr>
-                                      <p:to>
-                                        <p:strVal val="visible"/>
-                                      </p:to>
-                                    </p:set>
-                                  </p:childTnLst>
-                                </p:cTn>
-                              </p:par>
-                              <p:par>
-                                <p:cTn id="7" presetID="1" presetClass="entr" presetSubtype="0" fill="hold" nodeType="withEffect">
-                                  <p:stCondLst>
-                                    <p:cond delay="0"/>
-                                  </p:stCondLst>
-                                  <p:childTnLst>
-                                    <p:set>
-                                      <p:cBhvr>
-                                        <p:cTn id="8" dur="1" fill="hold">
-                                          <p:stCondLst>
-                                            <p:cond delay="0"/>
-                                          </p:stCondLst>
-                                        </p:cTn>
-                                        <p:tgtEl>
-                                          <p:spTgt spid="11"/>
-                                        </p:tgtEl>
-                                        <p:attrNameLst>
-                                          <p:attrName>style.visibility</p:attrName>
-                                        </p:attrNameLst>
-                                      </p:cBhvr>
-                                      <p:to>
-                                        <p:strVal val="visible"/>
-                                      </p:to>
-                                    </p:set>
-                                  </p:childTnLst>
-                                </p:cTn>
-                              </p:par>
-                            </p:childTnLst>
-                          </p:cTn>
-                        </p:par>
-                      </p:childTnLst>
-                    </p:cTn>
-                  </p:par>
-                  <p:par>
-                    <p:cTn id="9" fill="hold">
-                      <p:stCondLst>
-                        <p:cond delay="indefinite"/>
-                      </p:stCondLst>
-                      <p:childTnLst>
-                        <p:par>
-                          <p:cTn id="10" fill="hold">
-                            <p:stCondLst>
-                              <p:cond delay="0"/>
-                            </p:stCondLst>
-                            <p:childTnLst>
-                              <p:par>
-                                <p:cTn id="11" presetID="1" presetClass="entr" presetSubtype="0" fill="hold" grpId="0" nodeType="clickEffect">
-                                  <p:stCondLst>
-                                    <p:cond delay="0"/>
-                                  </p:stCondLst>
-                                  <p:childTnLst>
-                                    <p:set>
-                                      <p:cBhvr>
-                                        <p:cTn id="12" dur="1" fill="hold">
-                                          <p:stCondLst>
-                                            <p:cond delay="0"/>
-                                          </p:stCondLst>
-                                        </p:cTn>
-                                        <p:tgtEl>
-                                          <p:spTgt spid="16"/>
-                                        </p:tgtEl>
-                                        <p:attrNameLst>
-                                          <p:attrName>style.visibility</p:attrName>
-                                        </p:attrNameLst>
-                                      </p:cBhvr>
-                                      <p:to>
-                                        <p:strVal val="visible"/>
-                                      </p:to>
-                                    </p:set>
-                                  </p:childTnLst>
-                                </p:cTn>
-                              </p:par>
-                              <p:par>
-                                <p:cTn id="13" presetID="1" presetClass="entr" presetSubtype="0" fill="hold" grpId="0" nodeType="withEffect">
-                                  <p:stCondLst>
-                                    <p:cond delay="0"/>
-                                  </p:stCondLst>
-                                  <p:childTnLst>
-                                    <p:set>
-                                      <p:cBhvr>
-                                        <p:cTn id="14" dur="1" fill="hold">
-                                          <p:stCondLst>
-                                            <p:cond delay="0"/>
-                                          </p:stCondLst>
-                                        </p:cTn>
-                                        <p:tgtEl>
-                                          <p:spTgt spid="7"/>
-                                        </p:tgtEl>
-                                        <p:attrNameLst>
-                                          <p:attrName>style.visibility</p:attrName>
-                                        </p:attrNameLst>
-                                      </p:cBhvr>
-                                      <p:to>
-                                        <p:strVal val="visible"/>
-                                      </p:to>
-                                    </p:set>
-                                  </p:childTnLst>
-                                </p:cTn>
-                              </p:par>
-                              <p:par>
-                                <p:cTn id="15" presetID="1" presetClass="entr" presetSubtype="0" fill="hold" grpId="0" nodeType="withEffect">
-                                  <p:stCondLst>
-                                    <p:cond delay="0"/>
-                                  </p:stCondLst>
-                                  <p:childTnLst>
-                                    <p:set>
-                                      <p:cBhvr>
-                                        <p:cTn id="16" dur="1" fill="hold">
-                                          <p:stCondLst>
-                                            <p:cond delay="0"/>
-                                          </p:stCondLst>
-                                        </p:cTn>
-                                        <p:tgtEl>
-                                          <p:spTgt spid="9"/>
-                                        </p:tgtEl>
-                                        <p:attrNameLst>
-                                          <p:attrName>style.visibility</p:attrName>
-                                        </p:attrNameLst>
-                                      </p:cBhvr>
-                                      <p:to>
-                                        <p:strVal val="visible"/>
-                                      </p:to>
-                                    </p:set>
-                                  </p:childTnLst>
-                                </p:cTn>
-                              </p:par>
-                              <p:par>
-                                <p:cTn id="17" presetID="1" presetClass="entr" presetSubtype="0" fill="hold" grpId="0" nodeType="withEffect">
-                                  <p:stCondLst>
-                                    <p:cond delay="0"/>
-                                  </p:stCondLst>
-                                  <p:childTnLst>
-                                    <p:set>
-                                      <p:cBhvr>
-                                        <p:cTn id="18" dur="1" fill="hold">
-                                          <p:stCondLst>
-                                            <p:cond delay="0"/>
-                                          </p:stCondLst>
-                                        </p:cTn>
-                                        <p:tgtEl>
-                                          <p:spTgt spid="6"/>
-                                        </p:tgtEl>
-                                        <p:attrNameLst>
-                                          <p:attrName>style.visibility</p:attrName>
-                                        </p:attrNameLst>
-                                      </p:cBhvr>
-                                      <p:to>
-                                        <p:strVal val="visible"/>
-                                      </p:to>
-                                    </p:set>
-                                  </p:childTnLst>
-                                </p:cTn>
-                              </p:par>
-                              <p:par>
-                                <p:cTn id="19" presetID="1" presetClass="entr" presetSubtype="0" fill="hold" grpId="0" nodeType="withEffect">
-                                  <p:stCondLst>
-                                    <p:cond delay="0"/>
-                                  </p:stCondLst>
-                                  <p:childTnLst>
-                                    <p:set>
-                                      <p:cBhvr>
-                                        <p:cTn id="20" dur="1" fill="hold">
-                                          <p:stCondLst>
-                                            <p:cond delay="0"/>
-                                          </p:stCondLst>
-                                        </p:cTn>
-                                        <p:tgtEl>
-                                          <p:spTgt spid="8"/>
-                                        </p:tgtEl>
-                                        <p:attrNameLst>
-                                          <p:attrName>style.visibility</p:attrName>
-                                        </p:attrNameLst>
-                                      </p:cBhvr>
-                                      <p:to>
-                                        <p:strVal val="visible"/>
-                                      </p:to>
-                                    </p:set>
-                                  </p:childTnLst>
-                                </p:cTn>
-                              </p:par>
-                            </p:childTnLst>
-                          </p:cTn>
-                        </p:par>
-                      </p:childTnLst>
-                    </p:cTn>
-                  </p:par>
-                </p:childTnLst>
-              </p:cTn>
-              <p:prevCondLst>
-                <p:cond evt="onPrev" delay="0">
-                  <p:tgtEl>
-                    <p:sldTgt/>
-                  </p:tgtEl>
-                </p:cond>
-              </p:prevCondLst>
-              <p:nextCondLst>
-                <p:cond evt="onNext" delay="0">
-                  <p:tgtEl>
-                    <p:sldTgt/>
-                  </p:tgtEl>
-                </p:cond>
-              </p:nextCondLst>
-            </p:seq>
-          </p:childTnLst>
-        </p:cTn>
+        <p:cTn id="1" dur="indefinite" restart="never" nodeType="tmRoot"/>
       </p:par>
     </p:tnLst>
-    <p:bldLst>
-      <p:bldP spid="6" grpId="0"/>
-      <p:bldP spid="7" grpId="0"/>
-      <p:bldP spid="8" grpId="0"/>
-      <p:bldP spid="9" grpId="0"/>
-      <p:bldP spid="15" grpId="0"/>
-      <p:bldP spid="16" grpId="0"/>
-    </p:bldLst>
   </p:timing>
 </p:sld>
 </file>
@@ -9821,19 +12128,19 @@
       </p:sp>
       <p:graphicFrame>
         <p:nvGraphicFramePr>
-          <p:cNvPr id="6" name="Chart 5"/>
+          <p:cNvPr id="4" name="Chart 3"/>
           <p:cNvGraphicFramePr/>
           <p:nvPr>
             <p:extLst>
               <p:ext uri="{D42A27DB-BD31-4B8C-83A1-F6EECF244321}">
-                <p14:modId xmlns:p14="http://schemas.microsoft.com/office/powerpoint/2010/main" val="1114764453"/>
+                <p14:modId xmlns:p14="http://schemas.microsoft.com/office/powerpoint/2010/main" val="266910607"/>
               </p:ext>
             </p:extLst>
           </p:nvPr>
         </p:nvGraphicFramePr>
         <p:xfrm>
-          <a:off x="-55124" y="1271081"/>
-          <a:ext cx="12247123" cy="5586919"/>
+          <a:off x="57150" y="1295400"/>
+          <a:ext cx="12134850" cy="5562600"/>
         </p:xfrm>
         <a:graphic>
           <a:graphicData uri="http://schemas.openxmlformats.org/drawingml/2006/chart">
@@ -9841,6 +12148,36 @@
           </a:graphicData>
         </a:graphic>
       </p:graphicFrame>
+      <p:sp>
+        <p:nvSpPr>
+          <p:cNvPr id="3" name="TextBox 2"/>
+          <p:cNvSpPr txBox="1"/>
+          <p:nvPr/>
+        </p:nvSpPr>
+        <p:spPr>
+          <a:xfrm>
+            <a:off x="919290" y="1506022"/>
+            <a:ext cx="1947969" cy="369332"/>
+          </a:xfrm>
+          <a:prstGeom prst="rect">
+            <a:avLst/>
+          </a:prstGeom>
+          <a:noFill/>
+        </p:spPr>
+        <p:txBody>
+          <a:bodyPr wrap="none" rtlCol="0">
+            <a:spAutoFit/>
+          </a:bodyPr>
+          <a:lstStyle/>
+          <a:p>
+            <a:r>
+              <a:rPr lang="en-US" dirty="0" smtClean="0"/>
+              <a:t>Mean GCUPS: 27.8</a:t>
+            </a:r>
+            <a:endParaRPr lang="en-US" dirty="0"/>
+          </a:p>
+        </p:txBody>
+      </p:sp>
     </p:spTree>
     <p:extLst>
       <p:ext uri="{BB962C8B-B14F-4D97-AF65-F5344CB8AC3E}">
@@ -9888,9 +12225,16 @@
             <p:ph type="title"/>
           </p:nvPr>
         </p:nvSpPr>
-        <p:spPr/>
+        <p:spPr>
+          <a:xfrm>
+            <a:off x="838200" y="371476"/>
+            <a:ext cx="10515600" cy="593116"/>
+          </a:xfrm>
+        </p:spPr>
         <p:txBody>
-          <a:bodyPr/>
+          <a:bodyPr>
+            <a:normAutofit fontScale="90000"/>
+          </a:bodyPr>
           <a:lstStyle/>
           <a:p>
             <a:r>
@@ -9901,25 +12245,28 @@
           </a:p>
         </p:txBody>
       </p:sp>
-      <p:sp>
-        <p:nvSpPr>
-          <p:cNvPr id="3" name="Content Placeholder 2"/>
-          <p:cNvSpPr>
-            <a:spLocks noGrp="1"/>
-          </p:cNvSpPr>
+      <p:graphicFrame>
+        <p:nvGraphicFramePr>
+          <p:cNvPr id="5" name="Chart 4"/>
+          <p:cNvGraphicFramePr/>
           <p:nvPr>
-            <p:ph idx="1"/>
+            <p:extLst>
+              <p:ext uri="{D42A27DB-BD31-4B8C-83A1-F6EECF244321}">
+                <p14:modId xmlns:p14="http://schemas.microsoft.com/office/powerpoint/2010/main" val="990496991"/>
+              </p:ext>
+            </p:extLst>
           </p:nvPr>
-        </p:nvSpPr>
-        <p:spPr/>
-        <p:txBody>
-          <a:bodyPr/>
-          <a:lstStyle/>
-          <a:p>
-            <a:endParaRPr lang="en-US"/>
-          </a:p>
-        </p:txBody>
-      </p:sp>
+        </p:nvGraphicFramePr>
+        <p:xfrm>
+          <a:off x="0" y="870559"/>
+          <a:ext cx="12192000" cy="5987441"/>
+        </p:xfrm>
+        <a:graphic>
+          <a:graphicData uri="http://schemas.openxmlformats.org/drawingml/2006/chart">
+            <c:chart xmlns:c="http://schemas.openxmlformats.org/drawingml/2006/chart" xmlns:r="http://schemas.openxmlformats.org/officeDocument/2006/relationships" r:id="rId2"/>
+          </a:graphicData>
+        </a:graphic>
+      </p:graphicFrame>
     </p:spTree>
     <p:extLst>
       <p:ext uri="{BB962C8B-B14F-4D97-AF65-F5344CB8AC3E}">
@@ -9967,7 +12314,12 @@
             <p:ph type="title"/>
           </p:nvPr>
         </p:nvSpPr>
-        <p:spPr/>
+        <p:spPr>
+          <a:xfrm>
+            <a:off x="838200" y="377825"/>
+            <a:ext cx="10515600" cy="1325563"/>
+          </a:xfrm>
+        </p:spPr>
         <p:txBody>
           <a:bodyPr/>
           <a:lstStyle/>
@@ -9980,25 +12332,28 @@
           </a:p>
         </p:txBody>
       </p:sp>
-      <p:sp>
-        <p:nvSpPr>
-          <p:cNvPr id="3" name="Content Placeholder 2"/>
-          <p:cNvSpPr>
-            <a:spLocks noGrp="1"/>
-          </p:cNvSpPr>
+      <p:graphicFrame>
+        <p:nvGraphicFramePr>
+          <p:cNvPr id="5" name="Chart 4"/>
+          <p:cNvGraphicFramePr/>
           <p:nvPr>
-            <p:ph idx="1"/>
+            <p:extLst>
+              <p:ext uri="{D42A27DB-BD31-4B8C-83A1-F6EECF244321}">
+                <p14:modId xmlns:p14="http://schemas.microsoft.com/office/powerpoint/2010/main" val="2137179840"/>
+              </p:ext>
+            </p:extLst>
           </p:nvPr>
-        </p:nvSpPr>
-        <p:spPr/>
-        <p:txBody>
-          <a:bodyPr/>
-          <a:lstStyle/>
-          <a:p>
-            <a:endParaRPr lang="en-US"/>
-          </a:p>
-        </p:txBody>
-      </p:sp>
+        </p:nvGraphicFramePr>
+        <p:xfrm>
+          <a:off x="44450" y="1257300"/>
+          <a:ext cx="12058650" cy="5499100"/>
+        </p:xfrm>
+        <a:graphic>
+          <a:graphicData uri="http://schemas.openxmlformats.org/drawingml/2006/chart">
+            <c:chart xmlns:c="http://schemas.openxmlformats.org/drawingml/2006/chart" xmlns:r="http://schemas.openxmlformats.org/officeDocument/2006/relationships" r:id="rId2"/>
+          </a:graphicData>
+        </a:graphic>
+      </p:graphicFrame>
     </p:spTree>
     <p:extLst>
       <p:ext uri="{BB962C8B-B14F-4D97-AF65-F5344CB8AC3E}">
@@ -15213,6 +17568,290 @@
 </file>
 
 <file path=ppt/slides/slide6.xml><?xml version="1.0" encoding="utf-8"?>
+<p:sld xmlns:a="http://schemas.openxmlformats.org/drawingml/2006/main" xmlns:r="http://schemas.openxmlformats.org/officeDocument/2006/relationships" xmlns:p="http://schemas.openxmlformats.org/presentationml/2006/main">
+  <p:cSld>
+    <p:spTree>
+      <p:nvGrpSpPr>
+        <p:cNvPr id="1" name=""/>
+        <p:cNvGrpSpPr/>
+        <p:nvPr/>
+      </p:nvGrpSpPr>
+      <p:grpSpPr>
+        <a:xfrm>
+          <a:off x="0" y="0"/>
+          <a:ext cx="0" cy="0"/>
+          <a:chOff x="0" y="0"/>
+          <a:chExt cx="0" cy="0"/>
+        </a:xfrm>
+      </p:grpSpPr>
+      <p:sp>
+        <p:nvSpPr>
+          <p:cNvPr id="2" name="Title 1"/>
+          <p:cNvSpPr>
+            <a:spLocks noGrp="1"/>
+          </p:cNvSpPr>
+          <p:nvPr>
+            <p:ph type="title"/>
+          </p:nvPr>
+        </p:nvSpPr>
+        <p:spPr>
+          <a:xfrm>
+            <a:off x="838200" y="365125"/>
+            <a:ext cx="10515600" cy="409575"/>
+          </a:xfrm>
+        </p:spPr>
+        <p:txBody>
+          <a:bodyPr>
+            <a:normAutofit fontScale="90000"/>
+          </a:bodyPr>
+          <a:lstStyle/>
+          <a:p>
+            <a:r>
+              <a:rPr lang="en-US" dirty="0" smtClean="0"/>
+              <a:t>Main Stage Time Variance</a:t>
+            </a:r>
+            <a:endParaRPr lang="en-US" dirty="0"/>
+          </a:p>
+        </p:txBody>
+      </p:sp>
+      <p:graphicFrame>
+        <p:nvGraphicFramePr>
+          <p:cNvPr id="11" name="Chart 10"/>
+          <p:cNvGraphicFramePr/>
+          <p:nvPr>
+            <p:extLst>
+              <p:ext uri="{D42A27DB-BD31-4B8C-83A1-F6EECF244321}">
+                <p14:modId xmlns:p14="http://schemas.microsoft.com/office/powerpoint/2010/main" val="1016482719"/>
+              </p:ext>
+            </p:extLst>
+          </p:nvPr>
+        </p:nvGraphicFramePr>
+        <p:xfrm>
+          <a:off x="0" y="1111250"/>
+          <a:ext cx="12134850" cy="5746750"/>
+        </p:xfrm>
+        <a:graphic>
+          <a:graphicData uri="http://schemas.openxmlformats.org/drawingml/2006/chart">
+            <c:chart xmlns:c="http://schemas.openxmlformats.org/drawingml/2006/chart" xmlns:r="http://schemas.openxmlformats.org/officeDocument/2006/relationships" r:id="rId2"/>
+          </a:graphicData>
+        </a:graphic>
+      </p:graphicFrame>
+      <p:sp>
+        <p:nvSpPr>
+          <p:cNvPr id="12" name="TextBox 11"/>
+          <p:cNvSpPr txBox="1"/>
+          <p:nvPr/>
+        </p:nvSpPr>
+        <p:spPr>
+          <a:xfrm>
+            <a:off x="165100" y="666750"/>
+            <a:ext cx="769763" cy="369332"/>
+          </a:xfrm>
+          <a:prstGeom prst="rect">
+            <a:avLst/>
+          </a:prstGeom>
+          <a:noFill/>
+        </p:spPr>
+        <p:txBody>
+          <a:bodyPr wrap="none" rtlCol="0">
+            <a:spAutoFit/>
+          </a:bodyPr>
+          <a:lstStyle/>
+          <a:p>
+            <a:r>
+              <a:rPr lang="en-US" smtClean="0"/>
+              <a:t>17948</a:t>
+            </a:r>
+            <a:endParaRPr lang="en-US"/>
+          </a:p>
+        </p:txBody>
+      </p:sp>
+      <p:cxnSp>
+        <p:nvCxnSpPr>
+          <p:cNvPr id="14" name="Straight Arrow Connector 13"/>
+          <p:cNvCxnSpPr>
+            <a:stCxn id="12" idx="2"/>
+          </p:cNvCxnSpPr>
+          <p:nvPr/>
+        </p:nvCxnSpPr>
+        <p:spPr>
+          <a:xfrm>
+            <a:off x="549982" y="1036082"/>
+            <a:ext cx="466018" cy="240268"/>
+          </a:xfrm>
+          <a:prstGeom prst="straightConnector1">
+            <a:avLst/>
+          </a:prstGeom>
+          <a:ln w="25400">
+            <a:solidFill>
+              <a:schemeClr val="tx1"/>
+            </a:solidFill>
+            <a:tailEnd type="triangle"/>
+          </a:ln>
+        </p:spPr>
+        <p:style>
+          <a:lnRef idx="1">
+            <a:schemeClr val="accent1"/>
+          </a:lnRef>
+          <a:fillRef idx="0">
+            <a:schemeClr val="accent1"/>
+          </a:fillRef>
+          <a:effectRef idx="0">
+            <a:schemeClr val="accent1"/>
+          </a:effectRef>
+          <a:fontRef idx="minor">
+            <a:schemeClr val="tx1"/>
+          </a:fontRef>
+        </p:style>
+      </p:cxnSp>
+      <p:sp>
+        <p:nvSpPr>
+          <p:cNvPr id="15" name="TextBox 14"/>
+          <p:cNvSpPr txBox="1"/>
+          <p:nvPr/>
+        </p:nvSpPr>
+        <p:spPr>
+          <a:xfrm>
+            <a:off x="1340101" y="704334"/>
+            <a:ext cx="535724" cy="369332"/>
+          </a:xfrm>
+          <a:prstGeom prst="rect">
+            <a:avLst/>
+          </a:prstGeom>
+          <a:noFill/>
+        </p:spPr>
+        <p:txBody>
+          <a:bodyPr wrap="none" rtlCol="0">
+            <a:spAutoFit/>
+          </a:bodyPr>
+          <a:lstStyle/>
+          <a:p>
+            <a:r>
+              <a:rPr lang="en-US" dirty="0" smtClean="0"/>
+              <a:t>524</a:t>
+            </a:r>
+            <a:endParaRPr lang="en-US" dirty="0"/>
+          </a:p>
+        </p:txBody>
+      </p:sp>
+      <p:cxnSp>
+        <p:nvCxnSpPr>
+          <p:cNvPr id="17" name="Straight Arrow Connector 16"/>
+          <p:cNvCxnSpPr/>
+          <p:nvPr/>
+        </p:nvCxnSpPr>
+        <p:spPr>
+          <a:xfrm flipH="1">
+            <a:off x="1212850" y="1036082"/>
+            <a:ext cx="271995" cy="240268"/>
+          </a:xfrm>
+          <a:prstGeom prst="straightConnector1">
+            <a:avLst/>
+          </a:prstGeom>
+          <a:ln w="25400">
+            <a:solidFill>
+              <a:schemeClr val="tx1"/>
+            </a:solidFill>
+            <a:tailEnd type="triangle"/>
+          </a:ln>
+        </p:spPr>
+        <p:style>
+          <a:lnRef idx="1">
+            <a:schemeClr val="accent1"/>
+          </a:lnRef>
+          <a:fillRef idx="0">
+            <a:schemeClr val="accent1"/>
+          </a:fillRef>
+          <a:effectRef idx="0">
+            <a:schemeClr val="accent1"/>
+          </a:effectRef>
+          <a:fontRef idx="minor">
+            <a:schemeClr val="tx1"/>
+          </a:fontRef>
+        </p:style>
+      </p:cxnSp>
+      <p:sp>
+        <p:nvSpPr>
+          <p:cNvPr id="20" name="TextBox 19"/>
+          <p:cNvSpPr txBox="1"/>
+          <p:nvPr/>
+        </p:nvSpPr>
+        <p:spPr>
+          <a:xfrm>
+            <a:off x="1681695" y="1091684"/>
+            <a:ext cx="535724" cy="369332"/>
+          </a:xfrm>
+          <a:prstGeom prst="rect">
+            <a:avLst/>
+          </a:prstGeom>
+          <a:noFill/>
+        </p:spPr>
+        <p:txBody>
+          <a:bodyPr wrap="none" rtlCol="0">
+            <a:spAutoFit/>
+          </a:bodyPr>
+          <a:lstStyle/>
+          <a:p>
+            <a:r>
+              <a:rPr lang="en-US" smtClean="0"/>
+              <a:t>233</a:t>
+            </a:r>
+            <a:endParaRPr lang="en-US"/>
+          </a:p>
+        </p:txBody>
+      </p:sp>
+      <p:cxnSp>
+        <p:nvCxnSpPr>
+          <p:cNvPr id="22" name="Straight Arrow Connector 21"/>
+          <p:cNvCxnSpPr>
+            <a:stCxn id="20" idx="1"/>
+          </p:cNvCxnSpPr>
+          <p:nvPr/>
+        </p:nvCxnSpPr>
+        <p:spPr>
+          <a:xfrm flipH="1">
+            <a:off x="1484845" y="1276350"/>
+            <a:ext cx="196850" cy="0"/>
+          </a:xfrm>
+          <a:prstGeom prst="straightConnector1">
+            <a:avLst/>
+          </a:prstGeom>
+          <a:ln w="25400">
+            <a:solidFill>
+              <a:schemeClr val="tx1"/>
+            </a:solidFill>
+            <a:tailEnd type="triangle"/>
+          </a:ln>
+        </p:spPr>
+        <p:style>
+          <a:lnRef idx="1">
+            <a:schemeClr val="accent1"/>
+          </a:lnRef>
+          <a:fillRef idx="0">
+            <a:schemeClr val="accent1"/>
+          </a:fillRef>
+          <a:effectRef idx="0">
+            <a:schemeClr val="accent1"/>
+          </a:effectRef>
+          <a:fontRef idx="minor">
+            <a:schemeClr val="tx1"/>
+          </a:fontRef>
+        </p:style>
+      </p:cxnSp>
+    </p:spTree>
+    <p:extLst>
+      <p:ext uri="{BB962C8B-B14F-4D97-AF65-F5344CB8AC3E}">
+        <p14:creationId xmlns:p14="http://schemas.microsoft.com/office/powerpoint/2010/main" val="817291146"/>
+      </p:ext>
+    </p:extLst>
+  </p:cSld>
+  <p:clrMapOvr>
+    <a:masterClrMapping/>
+  </p:clrMapOvr>
+</p:sld>
+</file>
+
+<file path=ppt/slides/slide7.xml><?xml version="1.0" encoding="utf-8"?>
 <p:sld xmlns:a="http://schemas.openxmlformats.org/drawingml/2006/main" xmlns:r="http://schemas.openxmlformats.org/officeDocument/2006/relationships" xmlns:p="http://schemas.openxmlformats.org/presentationml/2006/main">
   <p:cSld>
     <p:spTree>
@@ -16784,7 +19423,7 @@
 </p:sld>
 </file>
 
-<file path=ppt/slides/slide7.xml><?xml version="1.0" encoding="utf-8"?>
+<file path=ppt/slides/slide8.xml><?xml version="1.0" encoding="utf-8"?>
 <p:sld xmlns:a="http://schemas.openxmlformats.org/drawingml/2006/main" xmlns:r="http://schemas.openxmlformats.org/officeDocument/2006/relationships" xmlns:p="http://schemas.openxmlformats.org/presentationml/2006/main">
   <p:cSld>
     <p:spTree>
@@ -16837,7 +19476,7 @@
 </p:sld>
 </file>
 
-<file path=ppt/slides/slide8.xml><?xml version="1.0" encoding="utf-8"?>
+<file path=ppt/slides/slide9.xml><?xml version="1.0" encoding="utf-8"?>
 <p:sld xmlns:a="http://schemas.openxmlformats.org/drawingml/2006/main" xmlns:r="http://schemas.openxmlformats.org/officeDocument/2006/relationships" xmlns:p="http://schemas.openxmlformats.org/presentationml/2006/main">
   <p:cSld>
     <p:spTree>
@@ -16866,7 +19505,7 @@
         </p:nvSpPr>
         <p:spPr>
           <a:xfrm>
-            <a:off x="838200" y="365125"/>
+            <a:off x="838200" y="384175"/>
             <a:ext cx="10515600" cy="432543"/>
           </a:xfrm>
         </p:spPr>
@@ -16886,19 +19525,19 @@
       </p:sp>
       <p:graphicFrame>
         <p:nvGraphicFramePr>
-          <p:cNvPr id="6" name="Chart 5"/>
+          <p:cNvPr id="8" name="Chart 7"/>
           <p:cNvGraphicFramePr/>
           <p:nvPr>
             <p:extLst>
               <p:ext uri="{D42A27DB-BD31-4B8C-83A1-F6EECF244321}">
-                <p14:modId xmlns:p14="http://schemas.microsoft.com/office/powerpoint/2010/main" val="373366309"/>
+                <p14:modId xmlns:p14="http://schemas.microsoft.com/office/powerpoint/2010/main" val="770091158"/>
               </p:ext>
             </p:extLst>
           </p:nvPr>
         </p:nvGraphicFramePr>
         <p:xfrm>
-          <a:off x="0" y="797669"/>
-          <a:ext cx="12081753" cy="6060332"/>
+          <a:off x="0" y="698500"/>
+          <a:ext cx="12192000" cy="6159500"/>
         </p:xfrm>
         <a:graphic>
           <a:graphicData uri="http://schemas.openxmlformats.org/drawingml/2006/chart">
@@ -16906,157 +19545,10 @@
           </a:graphicData>
         </a:graphic>
       </p:graphicFrame>
-      <p:sp>
-        <p:nvSpPr>
-          <p:cNvPr id="7" name="TextBox 6"/>
-          <p:cNvSpPr txBox="1"/>
-          <p:nvPr/>
-        </p:nvSpPr>
-        <p:spPr>
-          <a:xfrm>
-            <a:off x="1309991" y="1387813"/>
-            <a:ext cx="1571264" cy="646331"/>
-          </a:xfrm>
-          <a:prstGeom prst="rect">
-            <a:avLst/>
-          </a:prstGeom>
-          <a:noFill/>
-        </p:spPr>
-        <p:txBody>
-          <a:bodyPr wrap="none" rtlCol="0">
-            <a:spAutoFit/>
-          </a:bodyPr>
-          <a:lstStyle/>
-          <a:p>
-            <a:r>
-              <a:rPr lang="en-US" dirty="0" smtClean="0"/>
-              <a:t>Mean: 0.79 s</a:t>
-            </a:r>
-          </a:p>
-          <a:p>
-            <a:r>
-              <a:rPr lang="en-US" dirty="0" smtClean="0"/>
-              <a:t>Median: 0.59 s</a:t>
-            </a:r>
-            <a:endParaRPr lang="en-US" dirty="0"/>
-          </a:p>
-        </p:txBody>
-      </p:sp>
     </p:spTree>
     <p:extLst>
       <p:ext uri="{BB962C8B-B14F-4D97-AF65-F5344CB8AC3E}">
         <p14:creationId xmlns:p14="http://schemas.microsoft.com/office/powerpoint/2010/main" val="1878760457"/>
-      </p:ext>
-    </p:extLst>
-  </p:cSld>
-  <p:clrMapOvr>
-    <a:masterClrMapping/>
-  </p:clrMapOvr>
-</p:sld>
-</file>
-
-<file path=ppt/slides/slide9.xml><?xml version="1.0" encoding="utf-8"?>
-<p:sld xmlns:a="http://schemas.openxmlformats.org/drawingml/2006/main" xmlns:r="http://schemas.openxmlformats.org/officeDocument/2006/relationships" xmlns:p="http://schemas.openxmlformats.org/presentationml/2006/main">
-  <p:cSld>
-    <p:spTree>
-      <p:nvGrpSpPr>
-        <p:cNvPr id="1" name=""/>
-        <p:cNvGrpSpPr/>
-        <p:nvPr/>
-      </p:nvGrpSpPr>
-      <p:grpSpPr>
-        <a:xfrm>
-          <a:off x="0" y="0"/>
-          <a:ext cx="0" cy="0"/>
-          <a:chOff x="0" y="0"/>
-          <a:chExt cx="0" cy="0"/>
-        </a:xfrm>
-      </p:grpSpPr>
-      <p:sp>
-        <p:nvSpPr>
-          <p:cNvPr id="2" name="Title 1"/>
-          <p:cNvSpPr>
-            <a:spLocks noGrp="1"/>
-          </p:cNvSpPr>
-          <p:nvPr>
-            <p:ph type="title"/>
-          </p:nvPr>
-        </p:nvSpPr>
-        <p:spPr/>
-        <p:txBody>
-          <a:bodyPr/>
-          <a:lstStyle/>
-          <a:p>
-            <a:r>
-              <a:rPr lang="en-US" dirty="0" smtClean="0"/>
-              <a:t>H4 Performance (Tara Oceans)</a:t>
-            </a:r>
-            <a:endParaRPr lang="en-US" dirty="0"/>
-          </a:p>
-        </p:txBody>
-      </p:sp>
-      <p:graphicFrame>
-        <p:nvGraphicFramePr>
-          <p:cNvPr id="4" name="Chart 3"/>
-          <p:cNvGraphicFramePr/>
-          <p:nvPr>
-            <p:extLst>
-              <p:ext uri="{D42A27DB-BD31-4B8C-83A1-F6EECF244321}">
-                <p14:modId xmlns:p14="http://schemas.microsoft.com/office/powerpoint/2010/main" val="1328936636"/>
-              </p:ext>
-            </p:extLst>
-          </p:nvPr>
-        </p:nvGraphicFramePr>
-        <p:xfrm>
-          <a:off x="0" y="1238655"/>
-          <a:ext cx="12192000" cy="5619345"/>
-        </p:xfrm>
-        <a:graphic>
-          <a:graphicData uri="http://schemas.openxmlformats.org/drawingml/2006/chart">
-            <c:chart xmlns:c="http://schemas.openxmlformats.org/drawingml/2006/chart" xmlns:r="http://schemas.openxmlformats.org/officeDocument/2006/relationships" r:id="rId3"/>
-          </a:graphicData>
-        </a:graphic>
-      </p:graphicFrame>
-      <p:sp>
-        <p:nvSpPr>
-          <p:cNvPr id="5" name="TextBox 4"/>
-          <p:cNvSpPr txBox="1"/>
-          <p:nvPr/>
-        </p:nvSpPr>
-        <p:spPr>
-          <a:xfrm>
-            <a:off x="1394298" y="1517515"/>
-            <a:ext cx="1571264" cy="646331"/>
-          </a:xfrm>
-          <a:prstGeom prst="rect">
-            <a:avLst/>
-          </a:prstGeom>
-          <a:noFill/>
-        </p:spPr>
-        <p:txBody>
-          <a:bodyPr wrap="none" rtlCol="0">
-            <a:spAutoFit/>
-          </a:bodyPr>
-          <a:lstStyle/>
-          <a:p>
-            <a:r>
-              <a:rPr lang="en-US" dirty="0" smtClean="0"/>
-              <a:t>Mean: 1.49 s</a:t>
-            </a:r>
-          </a:p>
-          <a:p>
-            <a:r>
-              <a:rPr lang="en-US" dirty="0" smtClean="0"/>
-              <a:t>Median: 1.10 s</a:t>
-            </a:r>
-            <a:endParaRPr lang="en-US" dirty="0"/>
-          </a:p>
-        </p:txBody>
-      </p:sp>
-    </p:spTree>
-    <p:extLst>
-      <p:ext uri="{BB962C8B-B14F-4D97-AF65-F5344CB8AC3E}">
-        <p14:creationId xmlns:p14="http://schemas.microsoft.com/office/powerpoint/2010/main" val="1513931920"/>
       </p:ext>
     </p:extLst>
   </p:cSld>

--- a/Lab Meeting 5_25_17.pptx
+++ b/Lab Meeting 5_25_17.pptx
@@ -13,9 +13,9 @@
     <p:sldId id="259" r:id="rId4"/>
     <p:sldId id="261" r:id="rId5"/>
     <p:sldId id="260" r:id="rId6"/>
-    <p:sldId id="270" r:id="rId7"/>
-    <p:sldId id="262" r:id="rId8"/>
-    <p:sldId id="263" r:id="rId9"/>
+    <p:sldId id="262" r:id="rId7"/>
+    <p:sldId id="271" r:id="rId8"/>
+    <p:sldId id="270" r:id="rId9"/>
     <p:sldId id="264" r:id="rId10"/>
     <p:sldId id="266" r:id="rId11"/>
     <p:sldId id="267" r:id="rId12"/>
@@ -143,6 +143,432 @@
   <c:chart>
     <c:autoTitleDeleted val="1"/>
     <c:plotArea>
+      <c:layout>
+        <c:manualLayout>
+          <c:layoutTarget val="inner"/>
+          <c:xMode val="edge"/>
+          <c:yMode val="edge"/>
+          <c:x val="0.0565751578350003"/>
+          <c:y val="0.031362101242721"/>
+          <c:w val="0.904866283606441"/>
+          <c:h val="0.858969831858904"/>
+        </c:manualLayout>
+      </c:layout>
+      <c:scatterChart>
+        <c:scatterStyle val="lineMarker"/>
+        <c:varyColors val="0"/>
+        <c:ser>
+          <c:idx val="0"/>
+          <c:order val="0"/>
+          <c:spPr>
+            <a:ln w="19050" cap="rnd">
+              <a:solidFill>
+                <a:schemeClr val="accent1"/>
+              </a:solidFill>
+              <a:round/>
+            </a:ln>
+            <a:effectLst/>
+          </c:spPr>
+          <c:marker>
+            <c:symbol val="none"/>
+          </c:marker>
+          <c:xVal>
+            <c:numRef>
+              <c:f>'chunk_size sweep'!$B$57:$P$57</c:f>
+              <c:numCache>
+                <c:formatCode>General</c:formatCode>
+                <c:ptCount val="15"/>
+                <c:pt idx="0">
+                  <c:v>4.20264393333333E6</c:v>
+                </c:pt>
+                <c:pt idx="1">
+                  <c:v>2.10132196666667E6</c:v>
+                </c:pt>
+                <c:pt idx="2">
+                  <c:v>1.05066098333333E6</c:v>
+                </c:pt>
+                <c:pt idx="3">
+                  <c:v>525330.4916666666</c:v>
+                </c:pt>
+                <c:pt idx="4">
+                  <c:v>262665.2458333333</c:v>
+                </c:pt>
+                <c:pt idx="5">
+                  <c:v>131332.6229166667</c:v>
+                </c:pt>
+                <c:pt idx="6">
+                  <c:v>65666.31145833333</c:v>
+                </c:pt>
+                <c:pt idx="7">
+                  <c:v>32833.15572916667</c:v>
+                </c:pt>
+                <c:pt idx="8">
+                  <c:v>16416.57786458333</c:v>
+                </c:pt>
+                <c:pt idx="9">
+                  <c:v>8208.288932291667</c:v>
+                </c:pt>
+                <c:pt idx="10">
+                  <c:v>4104.144466145833</c:v>
+                </c:pt>
+                <c:pt idx="11">
+                  <c:v>2052.072233072917</c:v>
+                </c:pt>
+                <c:pt idx="12">
+                  <c:v>1026.036116536458</c:v>
+                </c:pt>
+                <c:pt idx="13">
+                  <c:v>513.0180582682291</c:v>
+                </c:pt>
+                <c:pt idx="14">
+                  <c:v>256.5090291341146</c:v>
+                </c:pt>
+              </c:numCache>
+            </c:numRef>
+          </c:xVal>
+          <c:yVal>
+            <c:numRef>
+              <c:f>'chunk_size sweep'!$B$56:$P$56</c:f>
+              <c:numCache>
+                <c:formatCode>General</c:formatCode>
+                <c:ptCount val="15"/>
+                <c:pt idx="0">
+                  <c:v>1.316016279514195</c:v>
+                </c:pt>
+                <c:pt idx="1">
+                  <c:v>3.54093087604206</c:v>
+                </c:pt>
+                <c:pt idx="2">
+                  <c:v>2.254096650797255</c:v>
+                </c:pt>
+                <c:pt idx="3">
+                  <c:v>1.358339229668023</c:v>
+                </c:pt>
+                <c:pt idx="4">
+                  <c:v>1.136624744821833</c:v>
+                </c:pt>
+                <c:pt idx="5">
+                  <c:v>1.029047282219352</c:v>
+                </c:pt>
+                <c:pt idx="6">
+                  <c:v>1.011604279232011</c:v>
+                </c:pt>
+                <c:pt idx="7">
+                  <c:v>0.999643735895579</c:v>
+                </c:pt>
+                <c:pt idx="8">
+                  <c:v>1.000539723006039</c:v>
+                </c:pt>
+                <c:pt idx="9">
+                  <c:v>1.0</c:v>
+                </c:pt>
+                <c:pt idx="10">
+                  <c:v>1.011434675658903</c:v>
+                </c:pt>
+                <c:pt idx="11">
+                  <c:v>1.029788266292128</c:v>
+                </c:pt>
+                <c:pt idx="12">
+                  <c:v>1.178831111494326</c:v>
+                </c:pt>
+                <c:pt idx="13">
+                  <c:v>1.851195262206295</c:v>
+                </c:pt>
+                <c:pt idx="14">
+                  <c:v>3.575790275369962</c:v>
+                </c:pt>
+              </c:numCache>
+            </c:numRef>
+          </c:yVal>
+          <c:smooth val="0"/>
+        </c:ser>
+        <c:dLbls>
+          <c:showLegendKey val="0"/>
+          <c:showVal val="0"/>
+          <c:showCatName val="0"/>
+          <c:showSerName val="0"/>
+          <c:showPercent val="0"/>
+          <c:showBubbleSize val="0"/>
+        </c:dLbls>
+        <c:axId val="1359386736"/>
+        <c:axId val="1359009280"/>
+      </c:scatterChart>
+      <c:valAx>
+        <c:axId val="1359386736"/>
+        <c:scaling>
+          <c:logBase val="10.0"/>
+          <c:orientation val="minMax"/>
+        </c:scaling>
+        <c:delete val="0"/>
+        <c:axPos val="b"/>
+        <c:majorGridlines>
+          <c:spPr>
+            <a:ln w="9525" cap="flat" cmpd="sng" algn="ctr">
+              <a:noFill/>
+              <a:round/>
+            </a:ln>
+            <a:effectLst/>
+          </c:spPr>
+        </c:majorGridlines>
+        <c:title>
+          <c:tx>
+            <c:rich>
+              <a:bodyPr rot="0" spcFirstLastPara="1" vertOverflow="ellipsis" vert="horz" wrap="square" anchor="ctr" anchorCtr="1"/>
+              <a:lstStyle/>
+              <a:p>
+                <a:pPr>
+                  <a:defRPr sz="1400" b="0" i="0" u="none" strike="noStrike" kern="1200" baseline="0">
+                    <a:solidFill>
+                      <a:schemeClr val="tx1">
+                        <a:lumMod val="65000"/>
+                        <a:lumOff val="35000"/>
+                      </a:schemeClr>
+                    </a:solidFill>
+                    <a:latin typeface="+mn-lt"/>
+                    <a:ea typeface="+mn-ea"/>
+                    <a:cs typeface="+mn-cs"/>
+                  </a:defRPr>
+                </a:pPr>
+                <a:r>
+                  <a:rPr lang="en-US" sz="1400" baseline="0"/>
+                  <a:t>Number of Sequences Per Chunk</a:t>
+                </a:r>
+              </a:p>
+            </c:rich>
+          </c:tx>
+          <c:layout/>
+          <c:overlay val="0"/>
+          <c:spPr>
+            <a:noFill/>
+            <a:ln>
+              <a:noFill/>
+            </a:ln>
+            <a:effectLst/>
+          </c:spPr>
+          <c:txPr>
+            <a:bodyPr rot="0" spcFirstLastPara="1" vertOverflow="ellipsis" vert="horz" wrap="square" anchor="ctr" anchorCtr="1"/>
+            <a:lstStyle/>
+            <a:p>
+              <a:pPr>
+                <a:defRPr sz="1400" b="0" i="0" u="none" strike="noStrike" kern="1200" baseline="0">
+                  <a:solidFill>
+                    <a:schemeClr val="tx1">
+                      <a:lumMod val="65000"/>
+                      <a:lumOff val="35000"/>
+                    </a:schemeClr>
+                  </a:solidFill>
+                  <a:latin typeface="+mn-lt"/>
+                  <a:ea typeface="+mn-ea"/>
+                  <a:cs typeface="+mn-cs"/>
+                </a:defRPr>
+              </a:pPr>
+              <a:endParaRPr lang="en-US"/>
+            </a:p>
+          </c:txPr>
+        </c:title>
+        <c:majorTickMark val="none"/>
+        <c:minorTickMark val="none"/>
+        <c:tickLblPos val="nextTo"/>
+        <c:spPr>
+          <a:noFill/>
+          <a:ln w="9525" cap="flat" cmpd="sng" algn="ctr">
+            <a:solidFill>
+              <a:schemeClr val="tx1">
+                <a:lumMod val="25000"/>
+                <a:lumOff val="75000"/>
+              </a:schemeClr>
+            </a:solidFill>
+            <a:round/>
+          </a:ln>
+          <a:effectLst/>
+        </c:spPr>
+        <c:txPr>
+          <a:bodyPr rot="-60000000" spcFirstLastPara="1" vertOverflow="ellipsis" vert="horz" wrap="square" anchor="ctr" anchorCtr="1"/>
+          <a:lstStyle/>
+          <a:p>
+            <a:pPr>
+              <a:defRPr sz="1400" b="0" i="0" u="none" strike="noStrike" kern="1200" baseline="0">
+                <a:solidFill>
+                  <a:schemeClr val="tx1">
+                    <a:lumMod val="65000"/>
+                    <a:lumOff val="35000"/>
+                  </a:schemeClr>
+                </a:solidFill>
+                <a:latin typeface="+mn-lt"/>
+                <a:ea typeface="+mn-ea"/>
+                <a:cs typeface="+mn-cs"/>
+              </a:defRPr>
+            </a:pPr>
+            <a:endParaRPr lang="en-US"/>
+          </a:p>
+        </c:txPr>
+        <c:crossAx val="1359009280"/>
+        <c:crosses val="autoZero"/>
+        <c:crossBetween val="midCat"/>
+      </c:valAx>
+      <c:valAx>
+        <c:axId val="1359009280"/>
+        <c:scaling>
+          <c:orientation val="minMax"/>
+        </c:scaling>
+        <c:delete val="0"/>
+        <c:axPos val="l"/>
+        <c:majorGridlines>
+          <c:spPr>
+            <a:ln w="9525" cap="flat" cmpd="sng" algn="ctr">
+              <a:noFill/>
+              <a:round/>
+            </a:ln>
+            <a:effectLst/>
+          </c:spPr>
+        </c:majorGridlines>
+        <c:title>
+          <c:tx>
+            <c:rich>
+              <a:bodyPr rot="-5400000" spcFirstLastPara="1" vertOverflow="ellipsis" vert="horz" wrap="square" anchor="ctr" anchorCtr="1"/>
+              <a:lstStyle/>
+              <a:p>
+                <a:pPr>
+                  <a:defRPr sz="1400" b="0" i="0" u="none" strike="noStrike" kern="1200" baseline="0">
+                    <a:solidFill>
+                      <a:schemeClr val="tx1">
+                        <a:lumMod val="65000"/>
+                        <a:lumOff val="35000"/>
+                      </a:schemeClr>
+                    </a:solidFill>
+                    <a:latin typeface="+mn-lt"/>
+                    <a:ea typeface="+mn-ea"/>
+                    <a:cs typeface="+mn-cs"/>
+                  </a:defRPr>
+                </a:pPr>
+                <a:r>
+                  <a:rPr lang="en-US" sz="1400" baseline="0"/>
+                  <a:t>Relative Executon Time</a:t>
+                </a:r>
+              </a:p>
+            </c:rich>
+          </c:tx>
+          <c:layout/>
+          <c:overlay val="0"/>
+          <c:spPr>
+            <a:noFill/>
+            <a:ln>
+              <a:noFill/>
+            </a:ln>
+            <a:effectLst/>
+          </c:spPr>
+          <c:txPr>
+            <a:bodyPr rot="-5400000" spcFirstLastPara="1" vertOverflow="ellipsis" vert="horz" wrap="square" anchor="ctr" anchorCtr="1"/>
+            <a:lstStyle/>
+            <a:p>
+              <a:pPr>
+                <a:defRPr sz="1400" b="0" i="0" u="none" strike="noStrike" kern="1200" baseline="0">
+                  <a:solidFill>
+                    <a:schemeClr val="tx1">
+                      <a:lumMod val="65000"/>
+                      <a:lumOff val="35000"/>
+                    </a:schemeClr>
+                  </a:solidFill>
+                  <a:latin typeface="+mn-lt"/>
+                  <a:ea typeface="+mn-ea"/>
+                  <a:cs typeface="+mn-cs"/>
+                </a:defRPr>
+              </a:pPr>
+              <a:endParaRPr lang="en-US"/>
+            </a:p>
+          </c:txPr>
+        </c:title>
+        <c:majorTickMark val="none"/>
+        <c:minorTickMark val="none"/>
+        <c:tickLblPos val="nextTo"/>
+        <c:spPr>
+          <a:noFill/>
+          <a:ln w="9525" cap="flat" cmpd="sng" algn="ctr">
+            <a:solidFill>
+              <a:schemeClr val="tx1">
+                <a:lumMod val="25000"/>
+                <a:lumOff val="75000"/>
+              </a:schemeClr>
+            </a:solidFill>
+            <a:round/>
+          </a:ln>
+          <a:effectLst/>
+        </c:spPr>
+        <c:txPr>
+          <a:bodyPr rot="-60000000" spcFirstLastPara="1" vertOverflow="ellipsis" vert="horz" wrap="square" anchor="ctr" anchorCtr="1"/>
+          <a:lstStyle/>
+          <a:p>
+            <a:pPr>
+              <a:defRPr sz="1400" b="0" i="0" u="none" strike="noStrike" kern="1200" baseline="0">
+                <a:solidFill>
+                  <a:schemeClr val="tx1">
+                    <a:lumMod val="65000"/>
+                    <a:lumOff val="35000"/>
+                  </a:schemeClr>
+                </a:solidFill>
+                <a:latin typeface="+mn-lt"/>
+                <a:ea typeface="+mn-ea"/>
+                <a:cs typeface="+mn-cs"/>
+              </a:defRPr>
+            </a:pPr>
+            <a:endParaRPr lang="en-US"/>
+          </a:p>
+        </c:txPr>
+        <c:crossAx val="1359386736"/>
+        <c:crosses val="autoZero"/>
+        <c:crossBetween val="midCat"/>
+      </c:valAx>
+      <c:spPr>
+        <a:noFill/>
+        <a:ln>
+          <a:noFill/>
+        </a:ln>
+        <a:effectLst/>
+      </c:spPr>
+    </c:plotArea>
+    <c:plotVisOnly val="1"/>
+    <c:dispBlanksAs val="gap"/>
+    <c:showDLblsOverMax val="0"/>
+  </c:chart>
+  <c:spPr>
+    <a:noFill/>
+    <a:ln>
+      <a:noFill/>
+    </a:ln>
+    <a:effectLst/>
+  </c:spPr>
+  <c:txPr>
+    <a:bodyPr/>
+    <a:lstStyle/>
+    <a:p>
+      <a:pPr>
+        <a:defRPr/>
+      </a:pPr>
+      <a:endParaRPr lang="en-US"/>
+    </a:p>
+  </c:txPr>
+  <c:externalData r:id="rId3">
+    <c:autoUpdate val="0"/>
+  </c:externalData>
+</c:chartSpace>
+</file>
+
+<file path=ppt/charts/chart2.xml><?xml version="1.0" encoding="utf-8"?>
+<c:chartSpace xmlns:c="http://schemas.openxmlformats.org/drawingml/2006/chart" xmlns:a="http://schemas.openxmlformats.org/drawingml/2006/main" xmlns:r="http://schemas.openxmlformats.org/officeDocument/2006/relationships">
+  <c:date1904 val="0"/>
+  <c:lang val="en-US"/>
+  <c:roundedCorners val="0"/>
+  <mc:AlternateContent xmlns:mc="http://schemas.openxmlformats.org/markup-compatibility/2006">
+    <mc:Choice xmlns:c14="http://schemas.microsoft.com/office/drawing/2007/8/2/chart" Requires="c14">
+      <c14:style val="102"/>
+    </mc:Choice>
+    <mc:Fallback>
+      <c:style val="2"/>
+    </mc:Fallback>
+  </mc:AlternateContent>
+  <c:chart>
+    <c:autoTitleDeleted val="1"/>
+    <c:plotArea>
       <c:layout/>
       <c:barChart>
         <c:barDir val="col"/>
@@ -743,7 +1169,7 @@
 </c:chartSpace>
 </file>
 
-<file path=ppt/charts/chart2.xml><?xml version="1.0" encoding="utf-8"?>
+<file path=ppt/charts/chart3.xml><?xml version="1.0" encoding="utf-8"?>
 <c:chartSpace xmlns:c="http://schemas.openxmlformats.org/drawingml/2006/chart" xmlns:a="http://schemas.openxmlformats.org/drawingml/2006/main" xmlns:r="http://schemas.openxmlformats.org/officeDocument/2006/relationships">
   <c:date1904 val="0"/>
   <c:lang val="en-US"/>
@@ -1437,689 +1863,6 @@
 </c:chartSpace>
 </file>
 
-<file path=ppt/charts/chart3.xml><?xml version="1.0" encoding="utf-8"?>
-<c:chartSpace xmlns:c="http://schemas.openxmlformats.org/drawingml/2006/chart" xmlns:a="http://schemas.openxmlformats.org/drawingml/2006/main" xmlns:r="http://schemas.openxmlformats.org/officeDocument/2006/relationships">
-  <c:date1904 val="0"/>
-  <c:lang val="en-US"/>
-  <c:roundedCorners val="0"/>
-  <mc:AlternateContent xmlns:mc="http://schemas.openxmlformats.org/markup-compatibility/2006">
-    <mc:Choice xmlns:c14="http://schemas.microsoft.com/office/drawing/2007/8/2/chart" Requires="c14">
-      <c14:style val="102"/>
-    </mc:Choice>
-    <mc:Fallback>
-      <c:style val="2"/>
-    </mc:Fallback>
-  </mc:AlternateContent>
-  <c:chart>
-    <c:autoTitleDeleted val="1"/>
-    <c:plotArea>
-      <c:layout/>
-      <c:barChart>
-        <c:barDir val="col"/>
-        <c:grouping val="clustered"/>
-        <c:varyColors val="0"/>
-        <c:ser>
-          <c:idx val="0"/>
-          <c:order val="0"/>
-          <c:spPr>
-            <a:solidFill>
-              <a:srgbClr val="00B050"/>
-            </a:solidFill>
-            <a:ln>
-              <a:noFill/>
-            </a:ln>
-            <a:effectLst/>
-          </c:spPr>
-          <c:invertIfNegative val="0"/>
-          <c:dPt>
-            <c:idx val="45"/>
-            <c:invertIfNegative val="0"/>
-            <c:bubble3D val="0"/>
-            <c:spPr>
-              <a:solidFill>
-                <a:srgbClr val="0070C0"/>
-              </a:solidFill>
-              <a:ln>
-                <a:noFill/>
-              </a:ln>
-              <a:effectLst/>
-            </c:spPr>
-          </c:dPt>
-          <c:dPt>
-            <c:idx val="46"/>
-            <c:invertIfNegative val="0"/>
-            <c:bubble3D val="0"/>
-            <c:spPr>
-              <a:solidFill>
-                <a:srgbClr val="0070C0"/>
-              </a:solidFill>
-              <a:ln>
-                <a:noFill/>
-              </a:ln>
-              <a:effectLst/>
-            </c:spPr>
-          </c:dPt>
-          <c:dPt>
-            <c:idx val="47"/>
-            <c:invertIfNegative val="0"/>
-            <c:bubble3D val="0"/>
-            <c:spPr>
-              <a:solidFill>
-                <a:srgbClr val="0070C0"/>
-              </a:solidFill>
-              <a:ln>
-                <a:noFill/>
-              </a:ln>
-              <a:effectLst/>
-            </c:spPr>
-          </c:dPt>
-          <c:dPt>
-            <c:idx val="48"/>
-            <c:invertIfNegative val="0"/>
-            <c:bubble3D val="0"/>
-            <c:spPr>
-              <a:solidFill>
-                <a:srgbClr val="0070C0"/>
-              </a:solidFill>
-              <a:ln>
-                <a:noFill/>
-              </a:ln>
-              <a:effectLst/>
-            </c:spPr>
-          </c:dPt>
-          <c:dPt>
-            <c:idx val="49"/>
-            <c:invertIfNegative val="0"/>
-            <c:bubble3D val="0"/>
-            <c:spPr>
-              <a:solidFill>
-                <a:srgbClr val="0070C0"/>
-              </a:solidFill>
-              <a:ln>
-                <a:noFill/>
-              </a:ln>
-              <a:effectLst/>
-            </c:spPr>
-          </c:dPt>
-          <c:cat>
-            <c:strRef>
-              <c:f>GCUPS!$A$4:$A$53</c:f>
-              <c:strCache>
-                <c:ptCount val="50"/>
-                <c:pt idx="0">
-                  <c:v>P10_ASFWA</c:v>
-                </c:pt>
-                <c:pt idx="1">
-                  <c:v>PRGJ_SALTY</c:v>
-                </c:pt>
-                <c:pt idx="2">
-                  <c:v>H6_ONCMY</c:v>
-                </c:pt>
-                <c:pt idx="3">
-                  <c:v>RS18_METPP</c:v>
-                </c:pt>
-                <c:pt idx="4">
-                  <c:v>RS14_ACICJ</c:v>
-                </c:pt>
-                <c:pt idx="5">
-                  <c:v>MT2H_BOVIN</c:v>
-                </c:pt>
-                <c:pt idx="6">
-                  <c:v>YAEH_SALTY</c:v>
-                </c:pt>
-                <c:pt idx="7">
-                  <c:v>PROF1_STRPU</c:v>
-                </c:pt>
-                <c:pt idx="8">
-                  <c:v>GCSH_BORA1</c:v>
-                </c:pt>
-                <c:pt idx="9">
-                  <c:v>RM11_RECAM</c:v>
-                </c:pt>
-                <c:pt idx="10">
-                  <c:v>SPEH_BACCN</c:v>
-                </c:pt>
-                <c:pt idx="11">
-                  <c:v>YO13_BPHC1</c:v>
-                </c:pt>
-                <c:pt idx="12">
-                  <c:v>EMC4_HUMAN</c:v>
-                </c:pt>
-                <c:pt idx="13">
-                  <c:v>BP40_BPPHE</c:v>
-                </c:pt>
-                <c:pt idx="14">
-                  <c:v>MSCL_HAEDU</c:v>
-                </c:pt>
-                <c:pt idx="15">
-                  <c:v>RS5_ANAMM</c:v>
-                </c:pt>
-                <c:pt idx="16">
-                  <c:v>RBL_PINPS</c:v>
-                </c:pt>
-                <c:pt idx="17">
-                  <c:v>NTPA_BRASB</c:v>
-                </c:pt>
-                <c:pt idx="18">
-                  <c:v>PIMT_SHIB3</c:v>
-                </c:pt>
-                <c:pt idx="19">
-                  <c:v>RS3_AGRRK</c:v>
-                </c:pt>
-                <c:pt idx="20">
-                  <c:v>KDUI_YERE8</c:v>
-                </c:pt>
-                <c:pt idx="21">
-                  <c:v>LEXA_RHORT</c:v>
-                </c:pt>
-                <c:pt idx="22">
-                  <c:v>EFTS_HAHCH</c:v>
-                </c:pt>
-                <c:pt idx="23">
-                  <c:v>META_SYNP6</c:v>
-                </c:pt>
-                <c:pt idx="24">
-                  <c:v>Y5318_PSEAB</c:v>
-                </c:pt>
-                <c:pt idx="25">
-                  <c:v>TRG_CUPNH</c:v>
-                </c:pt>
-                <c:pt idx="26">
-                  <c:v>HTPX_SERP5</c:v>
-                </c:pt>
-                <c:pt idx="27">
-                  <c:v>KCD15_HUMAN</c:v>
-                </c:pt>
-                <c:pt idx="28">
-                  <c:v>HTPX_BURP0</c:v>
-                </c:pt>
-                <c:pt idx="29">
-                  <c:v>PYRK_METAC</c:v>
-                </c:pt>
-                <c:pt idx="30">
-                  <c:v>QUEA_BACMF</c:v>
-                </c:pt>
-                <c:pt idx="31">
-                  <c:v>TLX3_HUMAN</c:v>
-                </c:pt>
-                <c:pt idx="32">
-                  <c:v>PUR9_CLOBL</c:v>
-                </c:pt>
-                <c:pt idx="33">
-                  <c:v>RIMO_BDEBA</c:v>
-                </c:pt>
-                <c:pt idx="34">
-                  <c:v>SYE1_BRUSU</c:v>
-                </c:pt>
-                <c:pt idx="35">
-                  <c:v>CYSK_YEAST</c:v>
-                </c:pt>
-                <c:pt idx="36">
-                  <c:v>OPSV_ORYLA</c:v>
-                </c:pt>
-                <c:pt idx="37">
-                  <c:v>GLGC_BURP8</c:v>
-                </c:pt>
-                <c:pt idx="38">
-                  <c:v>FDFT_USTMA</c:v>
-                </c:pt>
-                <c:pt idx="39">
-                  <c:v>RMLB_MYCTO</c:v>
-                </c:pt>
-                <c:pt idx="40">
-                  <c:v>ECM14_LEPMJ</c:v>
-                </c:pt>
-                <c:pt idx="41">
-                  <c:v>MURD_CUPMC</c:v>
-                </c:pt>
-                <c:pt idx="42">
-                  <c:v>SMAG1_RAT</c:v>
-                </c:pt>
-                <c:pt idx="43">
-                  <c:v>MNME_PSYIN</c:v>
-                </c:pt>
-                <c:pt idx="44">
-                  <c:v>SYC_BURCC</c:v>
-                </c:pt>
-                <c:pt idx="45">
-                  <c:v>XYNA_THEMA</c:v>
-                </c:pt>
-                <c:pt idx="46">
-                  <c:v>CLPB_ECOL6</c:v>
-                </c:pt>
-                <c:pt idx="47">
-                  <c:v>FTSH3_ORYSJ</c:v>
-                </c:pt>
-                <c:pt idx="48">
-                  <c:v>EVI1B_XENLA</c:v>
-                </c:pt>
-                <c:pt idx="49">
-                  <c:v>XYLG_YERPA</c:v>
-                </c:pt>
-              </c:strCache>
-            </c:strRef>
-          </c:cat>
-          <c:val>
-            <c:numRef>
-              <c:f>GCUPS!$F$4:$F$53</c:f>
-              <c:numCache>
-                <c:formatCode>General</c:formatCode>
-                <c:ptCount val="50"/>
-                <c:pt idx="0">
-                  <c:v>7167.06616948783</c:v>
-                </c:pt>
-                <c:pt idx="1">
-                  <c:v>9278.571242613632</c:v>
-                </c:pt>
-                <c:pt idx="2">
-                  <c:v>5867.316224858236</c:v>
-                </c:pt>
-                <c:pt idx="3">
-                  <c:v>8030.38301554873</c:v>
-                </c:pt>
-                <c:pt idx="4">
-                  <c:v>8096.289842930921</c:v>
-                </c:pt>
-                <c:pt idx="5">
-                  <c:v>4798.896853514524</c:v>
-                </c:pt>
-                <c:pt idx="6">
-                  <c:v>9908.138962964051</c:v>
-                </c:pt>
-                <c:pt idx="7">
-                  <c:v>10954.7095082386</c:v>
-                </c:pt>
-                <c:pt idx="8">
-                  <c:v>9295.5642712872</c:v>
-                </c:pt>
-                <c:pt idx="9">
-                  <c:v>10237.43814773938</c:v>
-                </c:pt>
-                <c:pt idx="10">
-                  <c:v>9107.496471798451</c:v>
-                </c:pt>
-                <c:pt idx="11">
-                  <c:v>11912.58379848616</c:v>
-                </c:pt>
-                <c:pt idx="12">
-                  <c:v>12464.63915833336</c:v>
-                </c:pt>
-                <c:pt idx="13">
-                  <c:v>12302.13657573149</c:v>
-                </c:pt>
-                <c:pt idx="14">
-                  <c:v>8459.79604269117</c:v>
-                </c:pt>
-                <c:pt idx="15">
-                  <c:v>10677.34741730156</c:v>
-                </c:pt>
-                <c:pt idx="16">
-                  <c:v>2607.510995711517</c:v>
-                </c:pt>
-                <c:pt idx="17">
-                  <c:v>11323.48806175929</c:v>
-                </c:pt>
-                <c:pt idx="18">
-                  <c:v>10552.26445803188</c:v>
-                </c:pt>
-                <c:pt idx="19">
-                  <c:v>11277.82221455324</c:v>
-                </c:pt>
-                <c:pt idx="20">
-                  <c:v>12934.26736626928</c:v>
-                </c:pt>
-                <c:pt idx="21">
-                  <c:v>11359.3271100111</c:v>
-                </c:pt>
-                <c:pt idx="22">
-                  <c:v>12238.82357882662</c:v>
-                </c:pt>
-                <c:pt idx="23">
-                  <c:v>11966.02308750482</c:v>
-                </c:pt>
-                <c:pt idx="24">
-                  <c:v>11980.62000238286</c:v>
-                </c:pt>
-                <c:pt idx="25">
-                  <c:v>8733.705381645692</c:v>
-                </c:pt>
-                <c:pt idx="26">
-                  <c:v>10870.0854580083</c:v>
-                </c:pt>
-                <c:pt idx="27">
-                  <c:v>10482.02928303429</c:v>
-                </c:pt>
-                <c:pt idx="28">
-                  <c:v>10435.77407936315</c:v>
-                </c:pt>
-                <c:pt idx="29">
-                  <c:v>9110.667216085325</c:v>
-                </c:pt>
-                <c:pt idx="30">
-                  <c:v>11927.37348176668</c:v>
-                </c:pt>
-                <c:pt idx="31">
-                  <c:v>9287.794086462692</c:v>
-                </c:pt>
-                <c:pt idx="32">
-                  <c:v>13863.97939759708</c:v>
-                </c:pt>
-                <c:pt idx="33">
-                  <c:v>12619.39151033367</c:v>
-                </c:pt>
-                <c:pt idx="34">
-                  <c:v>12552.75745532603</c:v>
-                </c:pt>
-                <c:pt idx="35">
-                  <c:v>10760.2437618426</c:v>
-                </c:pt>
-                <c:pt idx="36">
-                  <c:v>9044.355552146002</c:v>
-                </c:pt>
-                <c:pt idx="37">
-                  <c:v>11100.97354045699</c:v>
-                </c:pt>
-                <c:pt idx="38">
-                  <c:v>14606.51611118474</c:v>
-                </c:pt>
-                <c:pt idx="39">
-                  <c:v>8119.151622095066</c:v>
-                </c:pt>
-                <c:pt idx="40">
-                  <c:v>13644.02056570355</c:v>
-                </c:pt>
-                <c:pt idx="41">
-                  <c:v>11401.43776730349</c:v>
-                </c:pt>
-                <c:pt idx="42">
-                  <c:v>13406.10922649998</c:v>
-                </c:pt>
-                <c:pt idx="43">
-                  <c:v>9784.682805593957</c:v>
-                </c:pt>
-                <c:pt idx="44">
-                  <c:v>9983.098477828432</c:v>
-                </c:pt>
-                <c:pt idx="45">
-                  <c:v>14308.33843084304</c:v>
-                </c:pt>
-                <c:pt idx="46">
-                  <c:v>9089.009002025195</c:v>
-                </c:pt>
-                <c:pt idx="47">
-                  <c:v>7310.800322379588</c:v>
-                </c:pt>
-                <c:pt idx="48">
-                  <c:v>8665.672491096334</c:v>
-                </c:pt>
-                <c:pt idx="49">
-                  <c:v>2721.991004613244</c:v>
-                </c:pt>
-              </c:numCache>
-            </c:numRef>
-          </c:val>
-        </c:ser>
-        <c:dLbls>
-          <c:showLegendKey val="0"/>
-          <c:showVal val="0"/>
-          <c:showCatName val="0"/>
-          <c:showSerName val="0"/>
-          <c:showPercent val="0"/>
-          <c:showBubbleSize val="0"/>
-        </c:dLbls>
-        <c:gapWidth val="219"/>
-        <c:overlap val="-27"/>
-        <c:axId val="1362930208"/>
-        <c:axId val="1362932400"/>
-      </c:barChart>
-      <c:catAx>
-        <c:axId val="1362930208"/>
-        <c:scaling>
-          <c:orientation val="minMax"/>
-        </c:scaling>
-        <c:delete val="0"/>
-        <c:axPos val="b"/>
-        <c:title>
-          <c:tx>
-            <c:rich>
-              <a:bodyPr rot="0" spcFirstLastPara="1" vertOverflow="ellipsis" vert="horz" wrap="square" anchor="ctr" anchorCtr="1"/>
-              <a:lstStyle/>
-              <a:p>
-                <a:pPr>
-                  <a:defRPr sz="1000" b="0" i="0" u="none" strike="noStrike" kern="1200" baseline="0">
-                    <a:solidFill>
-                      <a:schemeClr val="tx1">
-                        <a:lumMod val="65000"/>
-                        <a:lumOff val="35000"/>
-                      </a:schemeClr>
-                    </a:solidFill>
-                    <a:latin typeface="+mn-lt"/>
-                    <a:ea typeface="+mn-ea"/>
-                    <a:cs typeface="+mn-cs"/>
-                  </a:defRPr>
-                </a:pPr>
-                <a:r>
-                  <a:rPr lang="en-US" sz="1400" baseline="0" dirty="0"/>
-                  <a:t>HMM</a:t>
-                </a:r>
-              </a:p>
-            </c:rich>
-          </c:tx>
-          <c:layout/>
-          <c:overlay val="0"/>
-          <c:spPr>
-            <a:noFill/>
-            <a:ln>
-              <a:noFill/>
-            </a:ln>
-            <a:effectLst/>
-          </c:spPr>
-          <c:txPr>
-            <a:bodyPr rot="0" spcFirstLastPara="1" vertOverflow="ellipsis" vert="horz" wrap="square" anchor="ctr" anchorCtr="1"/>
-            <a:lstStyle/>
-            <a:p>
-              <a:pPr>
-                <a:defRPr sz="1000" b="0" i="0" u="none" strike="noStrike" kern="1200" baseline="0">
-                  <a:solidFill>
-                    <a:schemeClr val="tx1">
-                      <a:lumMod val="65000"/>
-                      <a:lumOff val="35000"/>
-                    </a:schemeClr>
-                  </a:solidFill>
-                  <a:latin typeface="+mn-lt"/>
-                  <a:ea typeface="+mn-ea"/>
-                  <a:cs typeface="+mn-cs"/>
-                </a:defRPr>
-              </a:pPr>
-              <a:endParaRPr lang="en-US"/>
-            </a:p>
-          </c:txPr>
-        </c:title>
-        <c:numFmt formatCode="General" sourceLinked="1"/>
-        <c:majorTickMark val="none"/>
-        <c:minorTickMark val="none"/>
-        <c:tickLblPos val="nextTo"/>
-        <c:spPr>
-          <a:noFill/>
-          <a:ln w="9525" cap="flat" cmpd="sng" algn="ctr">
-            <a:solidFill>
-              <a:schemeClr val="tx1">
-                <a:lumMod val="15000"/>
-                <a:lumOff val="85000"/>
-              </a:schemeClr>
-            </a:solidFill>
-            <a:round/>
-          </a:ln>
-          <a:effectLst/>
-        </c:spPr>
-        <c:txPr>
-          <a:bodyPr rot="-60000000" spcFirstLastPara="1" vertOverflow="ellipsis" vert="horz" wrap="square" anchor="ctr" anchorCtr="1"/>
-          <a:lstStyle/>
-          <a:p>
-            <a:pPr>
-              <a:defRPr sz="1400" b="0" i="0" u="none" strike="noStrike" kern="1200" baseline="0">
-                <a:solidFill>
-                  <a:schemeClr val="tx1">
-                    <a:lumMod val="65000"/>
-                    <a:lumOff val="35000"/>
-                  </a:schemeClr>
-                </a:solidFill>
-                <a:latin typeface="+mn-lt"/>
-                <a:ea typeface="+mn-ea"/>
-                <a:cs typeface="+mn-cs"/>
-              </a:defRPr>
-            </a:pPr>
-            <a:endParaRPr lang="en-US"/>
-          </a:p>
-        </c:txPr>
-        <c:crossAx val="1362932400"/>
-        <c:crosses val="autoZero"/>
-        <c:auto val="1"/>
-        <c:lblAlgn val="ctr"/>
-        <c:lblOffset val="100"/>
-        <c:noMultiLvlLbl val="0"/>
-      </c:catAx>
-      <c:valAx>
-        <c:axId val="1362932400"/>
-        <c:scaling>
-          <c:orientation val="minMax"/>
-        </c:scaling>
-        <c:delete val="0"/>
-        <c:axPos val="l"/>
-        <c:majorGridlines>
-          <c:spPr>
-            <a:ln w="9525" cap="flat" cmpd="sng" algn="ctr">
-              <a:noFill/>
-              <a:round/>
-            </a:ln>
-            <a:effectLst/>
-          </c:spPr>
-        </c:majorGridlines>
-        <c:title>
-          <c:tx>
-            <c:rich>
-              <a:bodyPr rot="-5400000" spcFirstLastPara="1" vertOverflow="ellipsis" vert="horz" wrap="square" anchor="ctr" anchorCtr="1"/>
-              <a:lstStyle/>
-              <a:p>
-                <a:pPr>
-                  <a:defRPr sz="1000" b="0" i="0" u="none" strike="noStrike" kern="1200" baseline="0">
-                    <a:solidFill>
-                      <a:schemeClr val="tx1">
-                        <a:lumMod val="65000"/>
-                        <a:lumOff val="35000"/>
-                      </a:schemeClr>
-                    </a:solidFill>
-                    <a:latin typeface="+mn-lt"/>
-                    <a:ea typeface="+mn-ea"/>
-                    <a:cs typeface="+mn-cs"/>
-                  </a:defRPr>
-                </a:pPr>
-                <a:r>
-                  <a:rPr lang="en-US" sz="1400" baseline="0" dirty="0"/>
-                  <a:t>Billions of Cell Updates Per Second</a:t>
-                </a:r>
-              </a:p>
-            </c:rich>
-          </c:tx>
-          <c:layout/>
-          <c:overlay val="0"/>
-          <c:spPr>
-            <a:noFill/>
-            <a:ln>
-              <a:noFill/>
-            </a:ln>
-            <a:effectLst/>
-          </c:spPr>
-          <c:txPr>
-            <a:bodyPr rot="-5400000" spcFirstLastPara="1" vertOverflow="ellipsis" vert="horz" wrap="square" anchor="ctr" anchorCtr="1"/>
-            <a:lstStyle/>
-            <a:p>
-              <a:pPr>
-                <a:defRPr sz="1000" b="0" i="0" u="none" strike="noStrike" kern="1200" baseline="0">
-                  <a:solidFill>
-                    <a:schemeClr val="tx1">
-                      <a:lumMod val="65000"/>
-                      <a:lumOff val="35000"/>
-                    </a:schemeClr>
-                  </a:solidFill>
-                  <a:latin typeface="+mn-lt"/>
-                  <a:ea typeface="+mn-ea"/>
-                  <a:cs typeface="+mn-cs"/>
-                </a:defRPr>
-              </a:pPr>
-              <a:endParaRPr lang="en-US"/>
-            </a:p>
-          </c:txPr>
-        </c:title>
-        <c:majorTickMark val="none"/>
-        <c:minorTickMark val="none"/>
-        <c:tickLblPos val="nextTo"/>
-        <c:spPr>
-          <a:noFill/>
-          <a:ln>
-            <a:noFill/>
-          </a:ln>
-          <a:effectLst/>
-        </c:spPr>
-        <c:txPr>
-          <a:bodyPr rot="-60000000" spcFirstLastPara="1" vertOverflow="ellipsis" vert="horz" wrap="square" anchor="ctr" anchorCtr="1"/>
-          <a:lstStyle/>
-          <a:p>
-            <a:pPr>
-              <a:defRPr sz="1400" b="0" i="0" u="none" strike="noStrike" kern="1200" baseline="0">
-                <a:solidFill>
-                  <a:schemeClr val="tx1">
-                    <a:lumMod val="65000"/>
-                    <a:lumOff val="35000"/>
-                  </a:schemeClr>
-                </a:solidFill>
-                <a:latin typeface="+mn-lt"/>
-                <a:ea typeface="+mn-ea"/>
-                <a:cs typeface="+mn-cs"/>
-              </a:defRPr>
-            </a:pPr>
-            <a:endParaRPr lang="en-US"/>
-          </a:p>
-        </c:txPr>
-        <c:crossAx val="1362930208"/>
-        <c:crosses val="autoZero"/>
-        <c:crossBetween val="between"/>
-      </c:valAx>
-      <c:spPr>
-        <a:noFill/>
-        <a:ln>
-          <a:noFill/>
-        </a:ln>
-        <a:effectLst/>
-      </c:spPr>
-    </c:plotArea>
-    <c:plotVisOnly val="1"/>
-    <c:dispBlanksAs val="gap"/>
-    <c:showDLblsOverMax val="0"/>
-  </c:chart>
-  <c:spPr>
-    <a:noFill/>
-    <a:ln>
-      <a:noFill/>
-    </a:ln>
-    <a:effectLst/>
-  </c:spPr>
-  <c:txPr>
-    <a:bodyPr/>
-    <a:lstStyle/>
-    <a:p>
-      <a:pPr>
-        <a:defRPr/>
-      </a:pPr>
-      <a:endParaRPr lang="en-US"/>
-    </a:p>
-  </c:txPr>
-  <c:externalData r:id="rId3">
-    <c:autoUpdate val="0"/>
-  </c:externalData>
-</c:chartSpace>
-</file>
-
 <file path=ppt/charts/chart4.xml><?xml version="1.0" encoding="utf-8"?>
 <c:chartSpace xmlns:c="http://schemas.openxmlformats.org/drawingml/2006/chart" xmlns:a="http://schemas.openxmlformats.org/drawingml/2006/main" xmlns:r="http://schemas.openxmlformats.org/officeDocument/2006/relationships">
   <c:date1904 val="0"/>
@@ -2384,6 +2127,689 @@
           </c:cat>
           <c:val>
             <c:numRef>
+              <c:f>GCUPS!$F$4:$F$53</c:f>
+              <c:numCache>
+                <c:formatCode>General</c:formatCode>
+                <c:ptCount val="50"/>
+                <c:pt idx="0">
+                  <c:v>7167.06616948783</c:v>
+                </c:pt>
+                <c:pt idx="1">
+                  <c:v>9278.571242613632</c:v>
+                </c:pt>
+                <c:pt idx="2">
+                  <c:v>5867.316224858236</c:v>
+                </c:pt>
+                <c:pt idx="3">
+                  <c:v>8030.38301554873</c:v>
+                </c:pt>
+                <c:pt idx="4">
+                  <c:v>8096.289842930921</c:v>
+                </c:pt>
+                <c:pt idx="5">
+                  <c:v>4798.896853514524</c:v>
+                </c:pt>
+                <c:pt idx="6">
+                  <c:v>9908.138962964051</c:v>
+                </c:pt>
+                <c:pt idx="7">
+                  <c:v>10954.7095082386</c:v>
+                </c:pt>
+                <c:pt idx="8">
+                  <c:v>9295.5642712872</c:v>
+                </c:pt>
+                <c:pt idx="9">
+                  <c:v>10237.43814773938</c:v>
+                </c:pt>
+                <c:pt idx="10">
+                  <c:v>9107.496471798451</c:v>
+                </c:pt>
+                <c:pt idx="11">
+                  <c:v>11912.58379848616</c:v>
+                </c:pt>
+                <c:pt idx="12">
+                  <c:v>12464.63915833336</c:v>
+                </c:pt>
+                <c:pt idx="13">
+                  <c:v>12302.13657573149</c:v>
+                </c:pt>
+                <c:pt idx="14">
+                  <c:v>8459.79604269117</c:v>
+                </c:pt>
+                <c:pt idx="15">
+                  <c:v>10677.34741730156</c:v>
+                </c:pt>
+                <c:pt idx="16">
+                  <c:v>2607.510995711517</c:v>
+                </c:pt>
+                <c:pt idx="17">
+                  <c:v>11323.48806175929</c:v>
+                </c:pt>
+                <c:pt idx="18">
+                  <c:v>10552.26445803188</c:v>
+                </c:pt>
+                <c:pt idx="19">
+                  <c:v>11277.82221455324</c:v>
+                </c:pt>
+                <c:pt idx="20">
+                  <c:v>12934.26736626928</c:v>
+                </c:pt>
+                <c:pt idx="21">
+                  <c:v>11359.3271100111</c:v>
+                </c:pt>
+                <c:pt idx="22">
+                  <c:v>12238.82357882662</c:v>
+                </c:pt>
+                <c:pt idx="23">
+                  <c:v>11966.02308750482</c:v>
+                </c:pt>
+                <c:pt idx="24">
+                  <c:v>11980.62000238286</c:v>
+                </c:pt>
+                <c:pt idx="25">
+                  <c:v>8733.705381645692</c:v>
+                </c:pt>
+                <c:pt idx="26">
+                  <c:v>10870.0854580083</c:v>
+                </c:pt>
+                <c:pt idx="27">
+                  <c:v>10482.02928303429</c:v>
+                </c:pt>
+                <c:pt idx="28">
+                  <c:v>10435.77407936315</c:v>
+                </c:pt>
+                <c:pt idx="29">
+                  <c:v>9110.667216085325</c:v>
+                </c:pt>
+                <c:pt idx="30">
+                  <c:v>11927.37348176668</c:v>
+                </c:pt>
+                <c:pt idx="31">
+                  <c:v>9287.794086462692</c:v>
+                </c:pt>
+                <c:pt idx="32">
+                  <c:v>13863.97939759708</c:v>
+                </c:pt>
+                <c:pt idx="33">
+                  <c:v>12619.39151033367</c:v>
+                </c:pt>
+                <c:pt idx="34">
+                  <c:v>12552.75745532603</c:v>
+                </c:pt>
+                <c:pt idx="35">
+                  <c:v>10760.2437618426</c:v>
+                </c:pt>
+                <c:pt idx="36">
+                  <c:v>9044.355552146002</c:v>
+                </c:pt>
+                <c:pt idx="37">
+                  <c:v>11100.97354045699</c:v>
+                </c:pt>
+                <c:pt idx="38">
+                  <c:v>14606.51611118474</c:v>
+                </c:pt>
+                <c:pt idx="39">
+                  <c:v>8119.151622095066</c:v>
+                </c:pt>
+                <c:pt idx="40">
+                  <c:v>13644.02056570355</c:v>
+                </c:pt>
+                <c:pt idx="41">
+                  <c:v>11401.43776730349</c:v>
+                </c:pt>
+                <c:pt idx="42">
+                  <c:v>13406.10922649998</c:v>
+                </c:pt>
+                <c:pt idx="43">
+                  <c:v>9784.682805593957</c:v>
+                </c:pt>
+                <c:pt idx="44">
+                  <c:v>9983.098477828432</c:v>
+                </c:pt>
+                <c:pt idx="45">
+                  <c:v>14308.33843084304</c:v>
+                </c:pt>
+                <c:pt idx="46">
+                  <c:v>9089.009002025195</c:v>
+                </c:pt>
+                <c:pt idx="47">
+                  <c:v>7310.800322379588</c:v>
+                </c:pt>
+                <c:pt idx="48">
+                  <c:v>8665.672491096334</c:v>
+                </c:pt>
+                <c:pt idx="49">
+                  <c:v>2721.991004613244</c:v>
+                </c:pt>
+              </c:numCache>
+            </c:numRef>
+          </c:val>
+        </c:ser>
+        <c:dLbls>
+          <c:showLegendKey val="0"/>
+          <c:showVal val="0"/>
+          <c:showCatName val="0"/>
+          <c:showSerName val="0"/>
+          <c:showPercent val="0"/>
+          <c:showBubbleSize val="0"/>
+        </c:dLbls>
+        <c:gapWidth val="219"/>
+        <c:overlap val="-27"/>
+        <c:axId val="1362930208"/>
+        <c:axId val="1362932400"/>
+      </c:barChart>
+      <c:catAx>
+        <c:axId val="1362930208"/>
+        <c:scaling>
+          <c:orientation val="minMax"/>
+        </c:scaling>
+        <c:delete val="0"/>
+        <c:axPos val="b"/>
+        <c:title>
+          <c:tx>
+            <c:rich>
+              <a:bodyPr rot="0" spcFirstLastPara="1" vertOverflow="ellipsis" vert="horz" wrap="square" anchor="ctr" anchorCtr="1"/>
+              <a:lstStyle/>
+              <a:p>
+                <a:pPr>
+                  <a:defRPr sz="1000" b="0" i="0" u="none" strike="noStrike" kern="1200" baseline="0">
+                    <a:solidFill>
+                      <a:schemeClr val="tx1">
+                        <a:lumMod val="65000"/>
+                        <a:lumOff val="35000"/>
+                      </a:schemeClr>
+                    </a:solidFill>
+                    <a:latin typeface="+mn-lt"/>
+                    <a:ea typeface="+mn-ea"/>
+                    <a:cs typeface="+mn-cs"/>
+                  </a:defRPr>
+                </a:pPr>
+                <a:r>
+                  <a:rPr lang="en-US" sz="1400" baseline="0" dirty="0"/>
+                  <a:t>HMM</a:t>
+                </a:r>
+              </a:p>
+            </c:rich>
+          </c:tx>
+          <c:layout/>
+          <c:overlay val="0"/>
+          <c:spPr>
+            <a:noFill/>
+            <a:ln>
+              <a:noFill/>
+            </a:ln>
+            <a:effectLst/>
+          </c:spPr>
+          <c:txPr>
+            <a:bodyPr rot="0" spcFirstLastPara="1" vertOverflow="ellipsis" vert="horz" wrap="square" anchor="ctr" anchorCtr="1"/>
+            <a:lstStyle/>
+            <a:p>
+              <a:pPr>
+                <a:defRPr sz="1000" b="0" i="0" u="none" strike="noStrike" kern="1200" baseline="0">
+                  <a:solidFill>
+                    <a:schemeClr val="tx1">
+                      <a:lumMod val="65000"/>
+                      <a:lumOff val="35000"/>
+                    </a:schemeClr>
+                  </a:solidFill>
+                  <a:latin typeface="+mn-lt"/>
+                  <a:ea typeface="+mn-ea"/>
+                  <a:cs typeface="+mn-cs"/>
+                </a:defRPr>
+              </a:pPr>
+              <a:endParaRPr lang="en-US"/>
+            </a:p>
+          </c:txPr>
+        </c:title>
+        <c:numFmt formatCode="General" sourceLinked="1"/>
+        <c:majorTickMark val="none"/>
+        <c:minorTickMark val="none"/>
+        <c:tickLblPos val="nextTo"/>
+        <c:spPr>
+          <a:noFill/>
+          <a:ln w="9525" cap="flat" cmpd="sng" algn="ctr">
+            <a:solidFill>
+              <a:schemeClr val="tx1">
+                <a:lumMod val="15000"/>
+                <a:lumOff val="85000"/>
+              </a:schemeClr>
+            </a:solidFill>
+            <a:round/>
+          </a:ln>
+          <a:effectLst/>
+        </c:spPr>
+        <c:txPr>
+          <a:bodyPr rot="-60000000" spcFirstLastPara="1" vertOverflow="ellipsis" vert="horz" wrap="square" anchor="ctr" anchorCtr="1"/>
+          <a:lstStyle/>
+          <a:p>
+            <a:pPr>
+              <a:defRPr sz="1400" b="0" i="0" u="none" strike="noStrike" kern="1200" baseline="0">
+                <a:solidFill>
+                  <a:schemeClr val="tx1">
+                    <a:lumMod val="65000"/>
+                    <a:lumOff val="35000"/>
+                  </a:schemeClr>
+                </a:solidFill>
+                <a:latin typeface="+mn-lt"/>
+                <a:ea typeface="+mn-ea"/>
+                <a:cs typeface="+mn-cs"/>
+              </a:defRPr>
+            </a:pPr>
+            <a:endParaRPr lang="en-US"/>
+          </a:p>
+        </c:txPr>
+        <c:crossAx val="1362932400"/>
+        <c:crosses val="autoZero"/>
+        <c:auto val="1"/>
+        <c:lblAlgn val="ctr"/>
+        <c:lblOffset val="100"/>
+        <c:noMultiLvlLbl val="0"/>
+      </c:catAx>
+      <c:valAx>
+        <c:axId val="1362932400"/>
+        <c:scaling>
+          <c:orientation val="minMax"/>
+        </c:scaling>
+        <c:delete val="0"/>
+        <c:axPos val="l"/>
+        <c:majorGridlines>
+          <c:spPr>
+            <a:ln w="9525" cap="flat" cmpd="sng" algn="ctr">
+              <a:noFill/>
+              <a:round/>
+            </a:ln>
+            <a:effectLst/>
+          </c:spPr>
+        </c:majorGridlines>
+        <c:title>
+          <c:tx>
+            <c:rich>
+              <a:bodyPr rot="-5400000" spcFirstLastPara="1" vertOverflow="ellipsis" vert="horz" wrap="square" anchor="ctr" anchorCtr="1"/>
+              <a:lstStyle/>
+              <a:p>
+                <a:pPr>
+                  <a:defRPr sz="1000" b="0" i="0" u="none" strike="noStrike" kern="1200" baseline="0">
+                    <a:solidFill>
+                      <a:schemeClr val="tx1">
+                        <a:lumMod val="65000"/>
+                        <a:lumOff val="35000"/>
+                      </a:schemeClr>
+                    </a:solidFill>
+                    <a:latin typeface="+mn-lt"/>
+                    <a:ea typeface="+mn-ea"/>
+                    <a:cs typeface="+mn-cs"/>
+                  </a:defRPr>
+                </a:pPr>
+                <a:r>
+                  <a:rPr lang="en-US" sz="1400" baseline="0" dirty="0"/>
+                  <a:t>Billions of Cell Updates Per Second</a:t>
+                </a:r>
+              </a:p>
+            </c:rich>
+          </c:tx>
+          <c:layout/>
+          <c:overlay val="0"/>
+          <c:spPr>
+            <a:noFill/>
+            <a:ln>
+              <a:noFill/>
+            </a:ln>
+            <a:effectLst/>
+          </c:spPr>
+          <c:txPr>
+            <a:bodyPr rot="-5400000" spcFirstLastPara="1" vertOverflow="ellipsis" vert="horz" wrap="square" anchor="ctr" anchorCtr="1"/>
+            <a:lstStyle/>
+            <a:p>
+              <a:pPr>
+                <a:defRPr sz="1000" b="0" i="0" u="none" strike="noStrike" kern="1200" baseline="0">
+                  <a:solidFill>
+                    <a:schemeClr val="tx1">
+                      <a:lumMod val="65000"/>
+                      <a:lumOff val="35000"/>
+                    </a:schemeClr>
+                  </a:solidFill>
+                  <a:latin typeface="+mn-lt"/>
+                  <a:ea typeface="+mn-ea"/>
+                  <a:cs typeface="+mn-cs"/>
+                </a:defRPr>
+              </a:pPr>
+              <a:endParaRPr lang="en-US"/>
+            </a:p>
+          </c:txPr>
+        </c:title>
+        <c:majorTickMark val="none"/>
+        <c:minorTickMark val="none"/>
+        <c:tickLblPos val="nextTo"/>
+        <c:spPr>
+          <a:noFill/>
+          <a:ln>
+            <a:noFill/>
+          </a:ln>
+          <a:effectLst/>
+        </c:spPr>
+        <c:txPr>
+          <a:bodyPr rot="-60000000" spcFirstLastPara="1" vertOverflow="ellipsis" vert="horz" wrap="square" anchor="ctr" anchorCtr="1"/>
+          <a:lstStyle/>
+          <a:p>
+            <a:pPr>
+              <a:defRPr sz="1400" b="0" i="0" u="none" strike="noStrike" kern="1200" baseline="0">
+                <a:solidFill>
+                  <a:schemeClr val="tx1">
+                    <a:lumMod val="65000"/>
+                    <a:lumOff val="35000"/>
+                  </a:schemeClr>
+                </a:solidFill>
+                <a:latin typeface="+mn-lt"/>
+                <a:ea typeface="+mn-ea"/>
+                <a:cs typeface="+mn-cs"/>
+              </a:defRPr>
+            </a:pPr>
+            <a:endParaRPr lang="en-US"/>
+          </a:p>
+        </c:txPr>
+        <c:crossAx val="1362930208"/>
+        <c:crosses val="autoZero"/>
+        <c:crossBetween val="between"/>
+      </c:valAx>
+      <c:spPr>
+        <a:noFill/>
+        <a:ln>
+          <a:noFill/>
+        </a:ln>
+        <a:effectLst/>
+      </c:spPr>
+    </c:plotArea>
+    <c:plotVisOnly val="1"/>
+    <c:dispBlanksAs val="gap"/>
+    <c:showDLblsOverMax val="0"/>
+  </c:chart>
+  <c:spPr>
+    <a:noFill/>
+    <a:ln>
+      <a:noFill/>
+    </a:ln>
+    <a:effectLst/>
+  </c:spPr>
+  <c:txPr>
+    <a:bodyPr/>
+    <a:lstStyle/>
+    <a:p>
+      <a:pPr>
+        <a:defRPr/>
+      </a:pPr>
+      <a:endParaRPr lang="en-US"/>
+    </a:p>
+  </c:txPr>
+  <c:externalData r:id="rId3">
+    <c:autoUpdate val="0"/>
+  </c:externalData>
+</c:chartSpace>
+</file>
+
+<file path=ppt/charts/chart5.xml><?xml version="1.0" encoding="utf-8"?>
+<c:chartSpace xmlns:c="http://schemas.openxmlformats.org/drawingml/2006/chart" xmlns:a="http://schemas.openxmlformats.org/drawingml/2006/main" xmlns:r="http://schemas.openxmlformats.org/officeDocument/2006/relationships">
+  <c:date1904 val="0"/>
+  <c:lang val="en-US"/>
+  <c:roundedCorners val="0"/>
+  <mc:AlternateContent xmlns:mc="http://schemas.openxmlformats.org/markup-compatibility/2006">
+    <mc:Choice xmlns:c14="http://schemas.microsoft.com/office/drawing/2007/8/2/chart" Requires="c14">
+      <c14:style val="102"/>
+    </mc:Choice>
+    <mc:Fallback>
+      <c:style val="2"/>
+    </mc:Fallback>
+  </mc:AlternateContent>
+  <c:chart>
+    <c:autoTitleDeleted val="1"/>
+    <c:plotArea>
+      <c:layout/>
+      <c:barChart>
+        <c:barDir val="col"/>
+        <c:grouping val="clustered"/>
+        <c:varyColors val="0"/>
+        <c:ser>
+          <c:idx val="0"/>
+          <c:order val="0"/>
+          <c:spPr>
+            <a:solidFill>
+              <a:srgbClr val="00B050"/>
+            </a:solidFill>
+            <a:ln>
+              <a:noFill/>
+            </a:ln>
+            <a:effectLst/>
+          </c:spPr>
+          <c:invertIfNegative val="0"/>
+          <c:dPt>
+            <c:idx val="45"/>
+            <c:invertIfNegative val="0"/>
+            <c:bubble3D val="0"/>
+            <c:spPr>
+              <a:solidFill>
+                <a:srgbClr val="0070C0"/>
+              </a:solidFill>
+              <a:ln>
+                <a:noFill/>
+              </a:ln>
+              <a:effectLst/>
+            </c:spPr>
+          </c:dPt>
+          <c:dPt>
+            <c:idx val="46"/>
+            <c:invertIfNegative val="0"/>
+            <c:bubble3D val="0"/>
+            <c:spPr>
+              <a:solidFill>
+                <a:srgbClr val="0070C0"/>
+              </a:solidFill>
+              <a:ln>
+                <a:noFill/>
+              </a:ln>
+              <a:effectLst/>
+            </c:spPr>
+          </c:dPt>
+          <c:dPt>
+            <c:idx val="47"/>
+            <c:invertIfNegative val="0"/>
+            <c:bubble3D val="0"/>
+            <c:spPr>
+              <a:solidFill>
+                <a:srgbClr val="0070C0"/>
+              </a:solidFill>
+              <a:ln>
+                <a:noFill/>
+              </a:ln>
+              <a:effectLst/>
+            </c:spPr>
+          </c:dPt>
+          <c:dPt>
+            <c:idx val="48"/>
+            <c:invertIfNegative val="0"/>
+            <c:bubble3D val="0"/>
+            <c:spPr>
+              <a:solidFill>
+                <a:srgbClr val="0070C0"/>
+              </a:solidFill>
+              <a:ln>
+                <a:noFill/>
+              </a:ln>
+              <a:effectLst/>
+            </c:spPr>
+          </c:dPt>
+          <c:dPt>
+            <c:idx val="49"/>
+            <c:invertIfNegative val="0"/>
+            <c:bubble3D val="0"/>
+            <c:spPr>
+              <a:solidFill>
+                <a:srgbClr val="0070C0"/>
+              </a:solidFill>
+              <a:ln>
+                <a:noFill/>
+              </a:ln>
+              <a:effectLst/>
+            </c:spPr>
+          </c:dPt>
+          <c:cat>
+            <c:strRef>
+              <c:f>GCUPS!$A$4:$A$53</c:f>
+              <c:strCache>
+                <c:ptCount val="50"/>
+                <c:pt idx="0">
+                  <c:v>P10_ASFWA</c:v>
+                </c:pt>
+                <c:pt idx="1">
+                  <c:v>PRGJ_SALTY</c:v>
+                </c:pt>
+                <c:pt idx="2">
+                  <c:v>H6_ONCMY</c:v>
+                </c:pt>
+                <c:pt idx="3">
+                  <c:v>RS18_METPP</c:v>
+                </c:pt>
+                <c:pt idx="4">
+                  <c:v>RS14_ACICJ</c:v>
+                </c:pt>
+                <c:pt idx="5">
+                  <c:v>MT2H_BOVIN</c:v>
+                </c:pt>
+                <c:pt idx="6">
+                  <c:v>YAEH_SALTY</c:v>
+                </c:pt>
+                <c:pt idx="7">
+                  <c:v>PROF1_STRPU</c:v>
+                </c:pt>
+                <c:pt idx="8">
+                  <c:v>GCSH_BORA1</c:v>
+                </c:pt>
+                <c:pt idx="9">
+                  <c:v>RM11_RECAM</c:v>
+                </c:pt>
+                <c:pt idx="10">
+                  <c:v>SPEH_BACCN</c:v>
+                </c:pt>
+                <c:pt idx="11">
+                  <c:v>YO13_BPHC1</c:v>
+                </c:pt>
+                <c:pt idx="12">
+                  <c:v>EMC4_HUMAN</c:v>
+                </c:pt>
+                <c:pt idx="13">
+                  <c:v>BP40_BPPHE</c:v>
+                </c:pt>
+                <c:pt idx="14">
+                  <c:v>MSCL_HAEDU</c:v>
+                </c:pt>
+                <c:pt idx="15">
+                  <c:v>RS5_ANAMM</c:v>
+                </c:pt>
+                <c:pt idx="16">
+                  <c:v>RBL_PINPS</c:v>
+                </c:pt>
+                <c:pt idx="17">
+                  <c:v>NTPA_BRASB</c:v>
+                </c:pt>
+                <c:pt idx="18">
+                  <c:v>PIMT_SHIB3</c:v>
+                </c:pt>
+                <c:pt idx="19">
+                  <c:v>RS3_AGRRK</c:v>
+                </c:pt>
+                <c:pt idx="20">
+                  <c:v>KDUI_YERE8</c:v>
+                </c:pt>
+                <c:pt idx="21">
+                  <c:v>LEXA_RHORT</c:v>
+                </c:pt>
+                <c:pt idx="22">
+                  <c:v>EFTS_HAHCH</c:v>
+                </c:pt>
+                <c:pt idx="23">
+                  <c:v>META_SYNP6</c:v>
+                </c:pt>
+                <c:pt idx="24">
+                  <c:v>Y5318_PSEAB</c:v>
+                </c:pt>
+                <c:pt idx="25">
+                  <c:v>TRG_CUPNH</c:v>
+                </c:pt>
+                <c:pt idx="26">
+                  <c:v>HTPX_SERP5</c:v>
+                </c:pt>
+                <c:pt idx="27">
+                  <c:v>KCD15_HUMAN</c:v>
+                </c:pt>
+                <c:pt idx="28">
+                  <c:v>HTPX_BURP0</c:v>
+                </c:pt>
+                <c:pt idx="29">
+                  <c:v>PYRK_METAC</c:v>
+                </c:pt>
+                <c:pt idx="30">
+                  <c:v>QUEA_BACMF</c:v>
+                </c:pt>
+                <c:pt idx="31">
+                  <c:v>TLX3_HUMAN</c:v>
+                </c:pt>
+                <c:pt idx="32">
+                  <c:v>PUR9_CLOBL</c:v>
+                </c:pt>
+                <c:pt idx="33">
+                  <c:v>RIMO_BDEBA</c:v>
+                </c:pt>
+                <c:pt idx="34">
+                  <c:v>SYE1_BRUSU</c:v>
+                </c:pt>
+                <c:pt idx="35">
+                  <c:v>CYSK_YEAST</c:v>
+                </c:pt>
+                <c:pt idx="36">
+                  <c:v>OPSV_ORYLA</c:v>
+                </c:pt>
+                <c:pt idx="37">
+                  <c:v>GLGC_BURP8</c:v>
+                </c:pt>
+                <c:pt idx="38">
+                  <c:v>FDFT_USTMA</c:v>
+                </c:pt>
+                <c:pt idx="39">
+                  <c:v>RMLB_MYCTO</c:v>
+                </c:pt>
+                <c:pt idx="40">
+                  <c:v>ECM14_LEPMJ</c:v>
+                </c:pt>
+                <c:pt idx="41">
+                  <c:v>MURD_CUPMC</c:v>
+                </c:pt>
+                <c:pt idx="42">
+                  <c:v>SMAG1_RAT</c:v>
+                </c:pt>
+                <c:pt idx="43">
+                  <c:v>MNME_PSYIN</c:v>
+                </c:pt>
+                <c:pt idx="44">
+                  <c:v>SYC_BURCC</c:v>
+                </c:pt>
+                <c:pt idx="45">
+                  <c:v>XYNA_THEMA</c:v>
+                </c:pt>
+                <c:pt idx="46">
+                  <c:v>CLPB_ECOL6</c:v>
+                </c:pt>
+                <c:pt idx="47">
+                  <c:v>FTSH3_ORYSJ</c:v>
+                </c:pt>
+                <c:pt idx="48">
+                  <c:v>EVI1B_XENLA</c:v>
+                </c:pt>
+                <c:pt idx="49">
+                  <c:v>XYLG_YERPA</c:v>
+                </c:pt>
+              </c:strCache>
+            </c:strRef>
+          </c:cat>
+          <c:val>
+            <c:numRef>
               <c:f>GCUPS!$E$4:$E$53</c:f>
               <c:numCache>
                 <c:formatCode>General</c:formatCode>
@@ -2803,7 +3229,7 @@
 </c:chartSpace>
 </file>
 
-<file path=ppt/charts/chart5.xml><?xml version="1.0" encoding="utf-8"?>
+<file path=ppt/charts/chart6.xml><?xml version="1.0" encoding="utf-8"?>
 <c:chartSpace xmlns:c="http://schemas.openxmlformats.org/drawingml/2006/chart" xmlns:a="http://schemas.openxmlformats.org/drawingml/2006/main" xmlns:r="http://schemas.openxmlformats.org/officeDocument/2006/relationships">
   <c:date1904 val="0"/>
   <c:lang val="en-US"/>
@@ -4409,7 +4835,7 @@
 </c:chartSpace>
 </file>
 
-<file path=ppt/charts/chart6.xml><?xml version="1.0" encoding="utf-8"?>
+<file path=ppt/charts/chart7.xml><?xml version="1.0" encoding="utf-8"?>
 <c:chartSpace xmlns:c="http://schemas.openxmlformats.org/drawingml/2006/chart" xmlns:a="http://schemas.openxmlformats.org/drawingml/2006/main" xmlns:r="http://schemas.openxmlformats.org/officeDocument/2006/relationships">
   <c:date1904 val="0"/>
   <c:lang val="en-US"/>
@@ -5296,8 +5722,48 @@
 </cs:colorStyle>
 </file>
 
+<file path=ppt/charts/colors7.xml><?xml version="1.0" encoding="utf-8"?>
+<cs:colorStyle xmlns:cs="http://schemas.microsoft.com/office/drawing/2012/chartStyle" xmlns:a="http://schemas.openxmlformats.org/drawingml/2006/main" meth="cycle" id="10">
+  <a:schemeClr val="accent1"/>
+  <a:schemeClr val="accent2"/>
+  <a:schemeClr val="accent3"/>
+  <a:schemeClr val="accent4"/>
+  <a:schemeClr val="accent5"/>
+  <a:schemeClr val="accent6"/>
+  <cs:variation/>
+  <cs:variation>
+    <a:lumMod val="60000"/>
+  </cs:variation>
+  <cs:variation>
+    <a:lumMod val="80000"/>
+    <a:lumOff val="20000"/>
+  </cs:variation>
+  <cs:variation>
+    <a:lumMod val="80000"/>
+  </cs:variation>
+  <cs:variation>
+    <a:lumMod val="60000"/>
+    <a:lumOff val="40000"/>
+  </cs:variation>
+  <cs:variation>
+    <a:lumMod val="50000"/>
+  </cs:variation>
+  <cs:variation>
+    <a:lumMod val="70000"/>
+    <a:lumOff val="30000"/>
+  </cs:variation>
+  <cs:variation>
+    <a:lumMod val="70000"/>
+  </cs:variation>
+  <cs:variation>
+    <a:lumMod val="50000"/>
+    <a:lumOff val="50000"/>
+  </cs:variation>
+</cs:colorStyle>
+</file>
+
 <file path=ppt/charts/style1.xml><?xml version="1.0" encoding="utf-8"?>
-<cs:chartStyle xmlns:cs="http://schemas.microsoft.com/office/drawing/2012/chartStyle" xmlns:a="http://schemas.openxmlformats.org/drawingml/2006/main" id="201">
+<cs:chartStyle xmlns:cs="http://schemas.microsoft.com/office/drawing/2012/chartStyle" xmlns:a="http://schemas.openxmlformats.org/drawingml/2006/main" id="240">
   <cs:axisTitle>
     <cs:lnRef idx="0"/>
     <cs:fillRef idx="0"/>
@@ -5324,8 +5790,8 @@
       <a:ln w="9525" cap="flat" cmpd="sng" algn="ctr">
         <a:solidFill>
           <a:schemeClr val="tx1">
-            <a:lumMod val="15000"/>
-            <a:lumOff val="85000"/>
+            <a:lumMod val="25000"/>
+            <a:lumOff val="75000"/>
           </a:schemeClr>
         </a:solidFill>
         <a:round/>
@@ -5426,7 +5892,7 @@
       <a:schemeClr val="tx1"/>
     </cs:fontRef>
     <cs:spPr>
-      <a:ln w="28575" cap="rnd">
+      <a:ln w="19050" cap="rnd">
         <a:solidFill>
           <a:schemeClr val="phClr"/>
         </a:solidFill>
@@ -5458,10 +5924,10 @@
     <cs:lnRef idx="0">
       <cs:styleClr val="auto"/>
     </cs:lnRef>
-    <cs:fillRef idx="1"/>
+    <cs:fillRef idx="0"/>
     <cs:effectRef idx="0"/>
     <cs:fontRef idx="minor">
-      <a:schemeClr val="tx1"/>
+      <a:schemeClr val="dk1"/>
     </cs:fontRef>
     <cs:spPr>
       <a:ln w="9525" cap="rnd">
@@ -5501,22 +5967,23 @@
     <cs:fillRef idx="0"/>
     <cs:effectRef idx="0"/>
     <cs:fontRef idx="minor">
-      <a:schemeClr val="dk1"/>
+      <a:schemeClr val="tx1"/>
     </cs:fontRef>
     <cs:spPr>
       <a:solidFill>
         <a:schemeClr val="dk1">
-          <a:lumMod val="65000"/>
-          <a:lumOff val="35000"/>
+          <a:lumMod val="75000"/>
+          <a:lumOff val="25000"/>
         </a:schemeClr>
       </a:solidFill>
-      <a:ln w="9525">
+      <a:ln w="9525" cap="flat" cmpd="sng" algn="ctr">
         <a:solidFill>
           <a:schemeClr val="tx1">
             <a:lumMod val="65000"/>
             <a:lumOff val="35000"/>
           </a:schemeClr>
         </a:solidFill>
+        <a:round/>
       </a:ln>
     </cs:spPr>
   </cs:downBar>
@@ -5621,8 +6088,8 @@
       <a:ln w="9525" cap="flat" cmpd="sng" algn="ctr">
         <a:solidFill>
           <a:schemeClr val="tx1">
-            <a:lumMod val="75000"/>
-            <a:lumOff val="25000"/>
+            <a:lumMod val="50000"/>
+            <a:lumOff val="50000"/>
           </a:schemeClr>
         </a:solidFill>
         <a:round/>
@@ -5754,19 +6221,20 @@
     <cs:fillRef idx="0"/>
     <cs:effectRef idx="0"/>
     <cs:fontRef idx="minor">
-      <a:schemeClr val="dk1"/>
+      <a:schemeClr val="tx1"/>
     </cs:fontRef>
     <cs:spPr>
       <a:solidFill>
         <a:schemeClr val="lt1"/>
       </a:solidFill>
-      <a:ln w="9525">
+      <a:ln w="9525" cap="flat" cmpd="sng" algn="ctr">
         <a:solidFill>
           <a:schemeClr val="tx1">
-            <a:lumMod val="15000"/>
-            <a:lumOff val="85000"/>
+            <a:lumMod val="65000"/>
+            <a:lumOff val="35000"/>
           </a:schemeClr>
         </a:solidFill>
+        <a:round/>
       </a:ln>
     </cs:spPr>
   </cs:upBar>
@@ -5780,6 +6248,17 @@
         <a:lumOff val="35000"/>
       </a:schemeClr>
     </cs:fontRef>
+    <cs:spPr>
+      <a:ln w="9525" cap="flat" cmpd="sng" algn="ctr">
+        <a:solidFill>
+          <a:schemeClr val="tx1">
+            <a:lumMod val="25000"/>
+            <a:lumOff val="75000"/>
+          </a:schemeClr>
+        </a:solidFill>
+        <a:round/>
+      </a:ln>
+    </cs:spPr>
     <cs:defRPr sz="900" kern="1200"/>
   </cs:valueAxis>
   <cs:wall>
@@ -7309,6 +7788,509 @@
 </file>
 
 <file path=ppt/charts/style5.xml><?xml version="1.0" encoding="utf-8"?>
+<cs:chartStyle xmlns:cs="http://schemas.microsoft.com/office/drawing/2012/chartStyle" xmlns:a="http://schemas.openxmlformats.org/drawingml/2006/main" id="201">
+  <cs:axisTitle>
+    <cs:lnRef idx="0"/>
+    <cs:fillRef idx="0"/>
+    <cs:effectRef idx="0"/>
+    <cs:fontRef idx="minor">
+      <a:schemeClr val="tx1">
+        <a:lumMod val="65000"/>
+        <a:lumOff val="35000"/>
+      </a:schemeClr>
+    </cs:fontRef>
+    <cs:defRPr sz="1000" kern="1200"/>
+  </cs:axisTitle>
+  <cs:categoryAxis>
+    <cs:lnRef idx="0"/>
+    <cs:fillRef idx="0"/>
+    <cs:effectRef idx="0"/>
+    <cs:fontRef idx="minor">
+      <a:schemeClr val="tx1">
+        <a:lumMod val="65000"/>
+        <a:lumOff val="35000"/>
+      </a:schemeClr>
+    </cs:fontRef>
+    <cs:spPr>
+      <a:ln w="9525" cap="flat" cmpd="sng" algn="ctr">
+        <a:solidFill>
+          <a:schemeClr val="tx1">
+            <a:lumMod val="15000"/>
+            <a:lumOff val="85000"/>
+          </a:schemeClr>
+        </a:solidFill>
+        <a:round/>
+      </a:ln>
+    </cs:spPr>
+    <cs:defRPr sz="900" kern="1200"/>
+  </cs:categoryAxis>
+  <cs:chartArea mods="allowNoFillOverride allowNoLineOverride">
+    <cs:lnRef idx="0"/>
+    <cs:fillRef idx="0"/>
+    <cs:effectRef idx="0"/>
+    <cs:fontRef idx="minor">
+      <a:schemeClr val="tx1"/>
+    </cs:fontRef>
+    <cs:spPr>
+      <a:solidFill>
+        <a:schemeClr val="bg1"/>
+      </a:solidFill>
+      <a:ln w="9525" cap="flat" cmpd="sng" algn="ctr">
+        <a:solidFill>
+          <a:schemeClr val="tx1">
+            <a:lumMod val="15000"/>
+            <a:lumOff val="85000"/>
+          </a:schemeClr>
+        </a:solidFill>
+        <a:round/>
+      </a:ln>
+    </cs:spPr>
+    <cs:defRPr sz="1000" kern="1200"/>
+  </cs:chartArea>
+  <cs:dataLabel>
+    <cs:lnRef idx="0"/>
+    <cs:fillRef idx="0"/>
+    <cs:effectRef idx="0"/>
+    <cs:fontRef idx="minor">
+      <a:schemeClr val="tx1">
+        <a:lumMod val="75000"/>
+        <a:lumOff val="25000"/>
+      </a:schemeClr>
+    </cs:fontRef>
+    <cs:defRPr sz="900" kern="1200"/>
+  </cs:dataLabel>
+  <cs:dataLabelCallout>
+    <cs:lnRef idx="0"/>
+    <cs:fillRef idx="0"/>
+    <cs:effectRef idx="0"/>
+    <cs:fontRef idx="minor">
+      <a:schemeClr val="dk1">
+        <a:lumMod val="65000"/>
+        <a:lumOff val="35000"/>
+      </a:schemeClr>
+    </cs:fontRef>
+    <cs:spPr>
+      <a:solidFill>
+        <a:schemeClr val="lt1"/>
+      </a:solidFill>
+      <a:ln>
+        <a:solidFill>
+          <a:schemeClr val="dk1">
+            <a:lumMod val="25000"/>
+            <a:lumOff val="75000"/>
+          </a:schemeClr>
+        </a:solidFill>
+      </a:ln>
+    </cs:spPr>
+    <cs:defRPr sz="900" kern="1200"/>
+    <cs:bodyPr rot="0" spcFirstLastPara="1" vertOverflow="clip" horzOverflow="clip" vert="horz" wrap="square" lIns="36576" tIns="18288" rIns="36576" bIns="18288" anchor="ctr" anchorCtr="1">
+      <a:spAutoFit/>
+    </cs:bodyPr>
+  </cs:dataLabelCallout>
+  <cs:dataPoint>
+    <cs:lnRef idx="0"/>
+    <cs:fillRef idx="1">
+      <cs:styleClr val="auto"/>
+    </cs:fillRef>
+    <cs:effectRef idx="0"/>
+    <cs:fontRef idx="minor">
+      <a:schemeClr val="tx1"/>
+    </cs:fontRef>
+  </cs:dataPoint>
+  <cs:dataPoint3D>
+    <cs:lnRef idx="0"/>
+    <cs:fillRef idx="1">
+      <cs:styleClr val="auto"/>
+    </cs:fillRef>
+    <cs:effectRef idx="0"/>
+    <cs:fontRef idx="minor">
+      <a:schemeClr val="tx1"/>
+    </cs:fontRef>
+  </cs:dataPoint3D>
+  <cs:dataPointLine>
+    <cs:lnRef idx="0">
+      <cs:styleClr val="auto"/>
+    </cs:lnRef>
+    <cs:fillRef idx="1"/>
+    <cs:effectRef idx="0"/>
+    <cs:fontRef idx="minor">
+      <a:schemeClr val="tx1"/>
+    </cs:fontRef>
+    <cs:spPr>
+      <a:ln w="28575" cap="rnd">
+        <a:solidFill>
+          <a:schemeClr val="phClr"/>
+        </a:solidFill>
+        <a:round/>
+      </a:ln>
+    </cs:spPr>
+  </cs:dataPointLine>
+  <cs:dataPointMarker>
+    <cs:lnRef idx="0">
+      <cs:styleClr val="auto"/>
+    </cs:lnRef>
+    <cs:fillRef idx="1">
+      <cs:styleClr val="auto"/>
+    </cs:fillRef>
+    <cs:effectRef idx="0"/>
+    <cs:fontRef idx="minor">
+      <a:schemeClr val="tx1"/>
+    </cs:fontRef>
+    <cs:spPr>
+      <a:ln w="9525">
+        <a:solidFill>
+          <a:schemeClr val="phClr"/>
+        </a:solidFill>
+      </a:ln>
+    </cs:spPr>
+  </cs:dataPointMarker>
+  <cs:dataPointMarkerLayout symbol="circle" size="5"/>
+  <cs:dataPointWireframe>
+    <cs:lnRef idx="0">
+      <cs:styleClr val="auto"/>
+    </cs:lnRef>
+    <cs:fillRef idx="1"/>
+    <cs:effectRef idx="0"/>
+    <cs:fontRef idx="minor">
+      <a:schemeClr val="tx1"/>
+    </cs:fontRef>
+    <cs:spPr>
+      <a:ln w="9525" cap="rnd">
+        <a:solidFill>
+          <a:schemeClr val="phClr"/>
+        </a:solidFill>
+        <a:round/>
+      </a:ln>
+    </cs:spPr>
+  </cs:dataPointWireframe>
+  <cs:dataTable>
+    <cs:lnRef idx="0"/>
+    <cs:fillRef idx="0"/>
+    <cs:effectRef idx="0"/>
+    <cs:fontRef idx="minor">
+      <a:schemeClr val="tx1">
+        <a:lumMod val="65000"/>
+        <a:lumOff val="35000"/>
+      </a:schemeClr>
+    </cs:fontRef>
+    <cs:spPr>
+      <a:noFill/>
+      <a:ln w="9525" cap="flat" cmpd="sng" algn="ctr">
+        <a:solidFill>
+          <a:schemeClr val="tx1">
+            <a:lumMod val="15000"/>
+            <a:lumOff val="85000"/>
+          </a:schemeClr>
+        </a:solidFill>
+        <a:round/>
+      </a:ln>
+    </cs:spPr>
+    <cs:defRPr sz="900" kern="1200"/>
+  </cs:dataTable>
+  <cs:downBar>
+    <cs:lnRef idx="0"/>
+    <cs:fillRef idx="0"/>
+    <cs:effectRef idx="0"/>
+    <cs:fontRef idx="minor">
+      <a:schemeClr val="dk1"/>
+    </cs:fontRef>
+    <cs:spPr>
+      <a:solidFill>
+        <a:schemeClr val="dk1">
+          <a:lumMod val="65000"/>
+          <a:lumOff val="35000"/>
+        </a:schemeClr>
+      </a:solidFill>
+      <a:ln w="9525">
+        <a:solidFill>
+          <a:schemeClr val="tx1">
+            <a:lumMod val="65000"/>
+            <a:lumOff val="35000"/>
+          </a:schemeClr>
+        </a:solidFill>
+      </a:ln>
+    </cs:spPr>
+  </cs:downBar>
+  <cs:dropLine>
+    <cs:lnRef idx="0"/>
+    <cs:fillRef idx="0"/>
+    <cs:effectRef idx="0"/>
+    <cs:fontRef idx="minor">
+      <a:schemeClr val="tx1"/>
+    </cs:fontRef>
+    <cs:spPr>
+      <a:ln w="9525" cap="flat" cmpd="sng" algn="ctr">
+        <a:solidFill>
+          <a:schemeClr val="tx1">
+            <a:lumMod val="35000"/>
+            <a:lumOff val="65000"/>
+          </a:schemeClr>
+        </a:solidFill>
+        <a:round/>
+      </a:ln>
+    </cs:spPr>
+  </cs:dropLine>
+  <cs:errorBar>
+    <cs:lnRef idx="0"/>
+    <cs:fillRef idx="0"/>
+    <cs:effectRef idx="0"/>
+    <cs:fontRef idx="minor">
+      <a:schemeClr val="tx1"/>
+    </cs:fontRef>
+    <cs:spPr>
+      <a:ln w="9525" cap="flat" cmpd="sng" algn="ctr">
+        <a:solidFill>
+          <a:schemeClr val="tx1">
+            <a:lumMod val="65000"/>
+            <a:lumOff val="35000"/>
+          </a:schemeClr>
+        </a:solidFill>
+        <a:round/>
+      </a:ln>
+    </cs:spPr>
+  </cs:errorBar>
+  <cs:floor>
+    <cs:lnRef idx="0"/>
+    <cs:fillRef idx="0"/>
+    <cs:effectRef idx="0"/>
+    <cs:fontRef idx="minor">
+      <a:schemeClr val="tx1"/>
+    </cs:fontRef>
+    <cs:spPr>
+      <a:noFill/>
+      <a:ln>
+        <a:noFill/>
+      </a:ln>
+    </cs:spPr>
+  </cs:floor>
+  <cs:gridlineMajor>
+    <cs:lnRef idx="0"/>
+    <cs:fillRef idx="0"/>
+    <cs:effectRef idx="0"/>
+    <cs:fontRef idx="minor">
+      <a:schemeClr val="tx1"/>
+    </cs:fontRef>
+    <cs:spPr>
+      <a:ln w="9525" cap="flat" cmpd="sng" algn="ctr">
+        <a:solidFill>
+          <a:schemeClr val="tx1">
+            <a:lumMod val="15000"/>
+            <a:lumOff val="85000"/>
+          </a:schemeClr>
+        </a:solidFill>
+        <a:round/>
+      </a:ln>
+    </cs:spPr>
+  </cs:gridlineMajor>
+  <cs:gridlineMinor>
+    <cs:lnRef idx="0"/>
+    <cs:fillRef idx="0"/>
+    <cs:effectRef idx="0"/>
+    <cs:fontRef idx="minor">
+      <a:schemeClr val="tx1"/>
+    </cs:fontRef>
+    <cs:spPr>
+      <a:ln w="9525" cap="flat" cmpd="sng" algn="ctr">
+        <a:solidFill>
+          <a:schemeClr val="tx1">
+            <a:lumMod val="5000"/>
+            <a:lumOff val="95000"/>
+          </a:schemeClr>
+        </a:solidFill>
+        <a:round/>
+      </a:ln>
+    </cs:spPr>
+  </cs:gridlineMinor>
+  <cs:hiLoLine>
+    <cs:lnRef idx="0"/>
+    <cs:fillRef idx="0"/>
+    <cs:effectRef idx="0"/>
+    <cs:fontRef idx="minor">
+      <a:schemeClr val="tx1"/>
+    </cs:fontRef>
+    <cs:spPr>
+      <a:ln w="9525" cap="flat" cmpd="sng" algn="ctr">
+        <a:solidFill>
+          <a:schemeClr val="tx1">
+            <a:lumMod val="75000"/>
+            <a:lumOff val="25000"/>
+          </a:schemeClr>
+        </a:solidFill>
+        <a:round/>
+      </a:ln>
+    </cs:spPr>
+  </cs:hiLoLine>
+  <cs:leaderLine>
+    <cs:lnRef idx="0"/>
+    <cs:fillRef idx="0"/>
+    <cs:effectRef idx="0"/>
+    <cs:fontRef idx="minor">
+      <a:schemeClr val="tx1"/>
+    </cs:fontRef>
+    <cs:spPr>
+      <a:ln w="9525" cap="flat" cmpd="sng" algn="ctr">
+        <a:solidFill>
+          <a:schemeClr val="tx1">
+            <a:lumMod val="35000"/>
+            <a:lumOff val="65000"/>
+          </a:schemeClr>
+        </a:solidFill>
+        <a:round/>
+      </a:ln>
+    </cs:spPr>
+  </cs:leaderLine>
+  <cs:legend>
+    <cs:lnRef idx="0"/>
+    <cs:fillRef idx="0"/>
+    <cs:effectRef idx="0"/>
+    <cs:fontRef idx="minor">
+      <a:schemeClr val="tx1">
+        <a:lumMod val="65000"/>
+        <a:lumOff val="35000"/>
+      </a:schemeClr>
+    </cs:fontRef>
+    <cs:defRPr sz="900" kern="1200"/>
+  </cs:legend>
+  <cs:plotArea mods="allowNoFillOverride allowNoLineOverride">
+    <cs:lnRef idx="0"/>
+    <cs:fillRef idx="0"/>
+    <cs:effectRef idx="0"/>
+    <cs:fontRef idx="minor">
+      <a:schemeClr val="tx1"/>
+    </cs:fontRef>
+  </cs:plotArea>
+  <cs:plotArea3D mods="allowNoFillOverride allowNoLineOverride">
+    <cs:lnRef idx="0"/>
+    <cs:fillRef idx="0"/>
+    <cs:effectRef idx="0"/>
+    <cs:fontRef idx="minor">
+      <a:schemeClr val="tx1"/>
+    </cs:fontRef>
+  </cs:plotArea3D>
+  <cs:seriesAxis>
+    <cs:lnRef idx="0"/>
+    <cs:fillRef idx="0"/>
+    <cs:effectRef idx="0"/>
+    <cs:fontRef idx="minor">
+      <a:schemeClr val="tx1">
+        <a:lumMod val="65000"/>
+        <a:lumOff val="35000"/>
+      </a:schemeClr>
+    </cs:fontRef>
+    <cs:defRPr sz="900" kern="1200"/>
+  </cs:seriesAxis>
+  <cs:seriesLine>
+    <cs:lnRef idx="0"/>
+    <cs:fillRef idx="0"/>
+    <cs:effectRef idx="0"/>
+    <cs:fontRef idx="minor">
+      <a:schemeClr val="tx1"/>
+    </cs:fontRef>
+    <cs:spPr>
+      <a:ln w="9525" cap="flat" cmpd="sng" algn="ctr">
+        <a:solidFill>
+          <a:schemeClr val="tx1">
+            <a:lumMod val="35000"/>
+            <a:lumOff val="65000"/>
+          </a:schemeClr>
+        </a:solidFill>
+        <a:round/>
+      </a:ln>
+    </cs:spPr>
+  </cs:seriesLine>
+  <cs:title>
+    <cs:lnRef idx="0"/>
+    <cs:fillRef idx="0"/>
+    <cs:effectRef idx="0"/>
+    <cs:fontRef idx="minor">
+      <a:schemeClr val="tx1">
+        <a:lumMod val="65000"/>
+        <a:lumOff val="35000"/>
+      </a:schemeClr>
+    </cs:fontRef>
+    <cs:defRPr sz="1400" b="0" kern="1200" spc="0" baseline="0"/>
+  </cs:title>
+  <cs:trendline>
+    <cs:lnRef idx="0">
+      <cs:styleClr val="auto"/>
+    </cs:lnRef>
+    <cs:fillRef idx="0"/>
+    <cs:effectRef idx="0"/>
+    <cs:fontRef idx="minor">
+      <a:schemeClr val="tx1"/>
+    </cs:fontRef>
+    <cs:spPr>
+      <a:ln w="19050" cap="rnd">
+        <a:solidFill>
+          <a:schemeClr val="phClr"/>
+        </a:solidFill>
+        <a:prstDash val="sysDot"/>
+      </a:ln>
+    </cs:spPr>
+  </cs:trendline>
+  <cs:trendlineLabel>
+    <cs:lnRef idx="0"/>
+    <cs:fillRef idx="0"/>
+    <cs:effectRef idx="0"/>
+    <cs:fontRef idx="minor">
+      <a:schemeClr val="tx1">
+        <a:lumMod val="65000"/>
+        <a:lumOff val="35000"/>
+      </a:schemeClr>
+    </cs:fontRef>
+    <cs:defRPr sz="900" kern="1200"/>
+  </cs:trendlineLabel>
+  <cs:upBar>
+    <cs:lnRef idx="0"/>
+    <cs:fillRef idx="0"/>
+    <cs:effectRef idx="0"/>
+    <cs:fontRef idx="minor">
+      <a:schemeClr val="dk1"/>
+    </cs:fontRef>
+    <cs:spPr>
+      <a:solidFill>
+        <a:schemeClr val="lt1"/>
+      </a:solidFill>
+      <a:ln w="9525">
+        <a:solidFill>
+          <a:schemeClr val="tx1">
+            <a:lumMod val="15000"/>
+            <a:lumOff val="85000"/>
+          </a:schemeClr>
+        </a:solidFill>
+      </a:ln>
+    </cs:spPr>
+  </cs:upBar>
+  <cs:valueAxis>
+    <cs:lnRef idx="0"/>
+    <cs:fillRef idx="0"/>
+    <cs:effectRef idx="0"/>
+    <cs:fontRef idx="minor">
+      <a:schemeClr val="tx1">
+        <a:lumMod val="65000"/>
+        <a:lumOff val="35000"/>
+      </a:schemeClr>
+    </cs:fontRef>
+    <cs:defRPr sz="900" kern="1200"/>
+  </cs:valueAxis>
+  <cs:wall>
+    <cs:lnRef idx="0"/>
+    <cs:fillRef idx="0"/>
+    <cs:effectRef idx="0"/>
+    <cs:fontRef idx="minor">
+      <a:schemeClr val="tx1"/>
+    </cs:fontRef>
+    <cs:spPr>
+      <a:noFill/>
+      <a:ln>
+        <a:noFill/>
+      </a:ln>
+    </cs:spPr>
+  </cs:wall>
+</cs:chartStyle>
+</file>
+
+<file path=ppt/charts/style6.xml><?xml version="1.0" encoding="utf-8"?>
 <cs:chartStyle xmlns:cs="http://schemas.microsoft.com/office/drawing/2012/chartStyle" xmlns:a="http://schemas.openxmlformats.org/drawingml/2006/main" id="240">
   <cs:axisTitle>
     <cs:lnRef idx="0"/>
@@ -7824,7 +8806,7 @@
 </cs:chartStyle>
 </file>
 
-<file path=ppt/charts/style6.xml><?xml version="1.0" encoding="utf-8"?>
+<file path=ppt/charts/style7.xml><?xml version="1.0" encoding="utf-8"?>
 <cs:chartStyle xmlns:cs="http://schemas.microsoft.com/office/drawing/2012/chartStyle" xmlns:a="http://schemas.openxmlformats.org/drawingml/2006/main" id="240">
   <cs:axisTitle>
     <cs:lnRef idx="0"/>
@@ -17568,290 +18550,6 @@
 </file>
 
 <file path=ppt/slides/slide6.xml><?xml version="1.0" encoding="utf-8"?>
-<p:sld xmlns:a="http://schemas.openxmlformats.org/drawingml/2006/main" xmlns:r="http://schemas.openxmlformats.org/officeDocument/2006/relationships" xmlns:p="http://schemas.openxmlformats.org/presentationml/2006/main">
-  <p:cSld>
-    <p:spTree>
-      <p:nvGrpSpPr>
-        <p:cNvPr id="1" name=""/>
-        <p:cNvGrpSpPr/>
-        <p:nvPr/>
-      </p:nvGrpSpPr>
-      <p:grpSpPr>
-        <a:xfrm>
-          <a:off x="0" y="0"/>
-          <a:ext cx="0" cy="0"/>
-          <a:chOff x="0" y="0"/>
-          <a:chExt cx="0" cy="0"/>
-        </a:xfrm>
-      </p:grpSpPr>
-      <p:sp>
-        <p:nvSpPr>
-          <p:cNvPr id="2" name="Title 1"/>
-          <p:cNvSpPr>
-            <a:spLocks noGrp="1"/>
-          </p:cNvSpPr>
-          <p:nvPr>
-            <p:ph type="title"/>
-          </p:nvPr>
-        </p:nvSpPr>
-        <p:spPr>
-          <a:xfrm>
-            <a:off x="838200" y="365125"/>
-            <a:ext cx="10515600" cy="409575"/>
-          </a:xfrm>
-        </p:spPr>
-        <p:txBody>
-          <a:bodyPr>
-            <a:normAutofit fontScale="90000"/>
-          </a:bodyPr>
-          <a:lstStyle/>
-          <a:p>
-            <a:r>
-              <a:rPr lang="en-US" dirty="0" smtClean="0"/>
-              <a:t>Main Stage Time Variance</a:t>
-            </a:r>
-            <a:endParaRPr lang="en-US" dirty="0"/>
-          </a:p>
-        </p:txBody>
-      </p:sp>
-      <p:graphicFrame>
-        <p:nvGraphicFramePr>
-          <p:cNvPr id="11" name="Chart 10"/>
-          <p:cNvGraphicFramePr/>
-          <p:nvPr>
-            <p:extLst>
-              <p:ext uri="{D42A27DB-BD31-4B8C-83A1-F6EECF244321}">
-                <p14:modId xmlns:p14="http://schemas.microsoft.com/office/powerpoint/2010/main" val="1016482719"/>
-              </p:ext>
-            </p:extLst>
-          </p:nvPr>
-        </p:nvGraphicFramePr>
-        <p:xfrm>
-          <a:off x="0" y="1111250"/>
-          <a:ext cx="12134850" cy="5746750"/>
-        </p:xfrm>
-        <a:graphic>
-          <a:graphicData uri="http://schemas.openxmlformats.org/drawingml/2006/chart">
-            <c:chart xmlns:c="http://schemas.openxmlformats.org/drawingml/2006/chart" xmlns:r="http://schemas.openxmlformats.org/officeDocument/2006/relationships" r:id="rId2"/>
-          </a:graphicData>
-        </a:graphic>
-      </p:graphicFrame>
-      <p:sp>
-        <p:nvSpPr>
-          <p:cNvPr id="12" name="TextBox 11"/>
-          <p:cNvSpPr txBox="1"/>
-          <p:nvPr/>
-        </p:nvSpPr>
-        <p:spPr>
-          <a:xfrm>
-            <a:off x="165100" y="666750"/>
-            <a:ext cx="769763" cy="369332"/>
-          </a:xfrm>
-          <a:prstGeom prst="rect">
-            <a:avLst/>
-          </a:prstGeom>
-          <a:noFill/>
-        </p:spPr>
-        <p:txBody>
-          <a:bodyPr wrap="none" rtlCol="0">
-            <a:spAutoFit/>
-          </a:bodyPr>
-          <a:lstStyle/>
-          <a:p>
-            <a:r>
-              <a:rPr lang="en-US" smtClean="0"/>
-              <a:t>17948</a:t>
-            </a:r>
-            <a:endParaRPr lang="en-US"/>
-          </a:p>
-        </p:txBody>
-      </p:sp>
-      <p:cxnSp>
-        <p:nvCxnSpPr>
-          <p:cNvPr id="14" name="Straight Arrow Connector 13"/>
-          <p:cNvCxnSpPr>
-            <a:stCxn id="12" idx="2"/>
-          </p:cNvCxnSpPr>
-          <p:nvPr/>
-        </p:nvCxnSpPr>
-        <p:spPr>
-          <a:xfrm>
-            <a:off x="549982" y="1036082"/>
-            <a:ext cx="466018" cy="240268"/>
-          </a:xfrm>
-          <a:prstGeom prst="straightConnector1">
-            <a:avLst/>
-          </a:prstGeom>
-          <a:ln w="25400">
-            <a:solidFill>
-              <a:schemeClr val="tx1"/>
-            </a:solidFill>
-            <a:tailEnd type="triangle"/>
-          </a:ln>
-        </p:spPr>
-        <p:style>
-          <a:lnRef idx="1">
-            <a:schemeClr val="accent1"/>
-          </a:lnRef>
-          <a:fillRef idx="0">
-            <a:schemeClr val="accent1"/>
-          </a:fillRef>
-          <a:effectRef idx="0">
-            <a:schemeClr val="accent1"/>
-          </a:effectRef>
-          <a:fontRef idx="minor">
-            <a:schemeClr val="tx1"/>
-          </a:fontRef>
-        </p:style>
-      </p:cxnSp>
-      <p:sp>
-        <p:nvSpPr>
-          <p:cNvPr id="15" name="TextBox 14"/>
-          <p:cNvSpPr txBox="1"/>
-          <p:nvPr/>
-        </p:nvSpPr>
-        <p:spPr>
-          <a:xfrm>
-            <a:off x="1340101" y="704334"/>
-            <a:ext cx="535724" cy="369332"/>
-          </a:xfrm>
-          <a:prstGeom prst="rect">
-            <a:avLst/>
-          </a:prstGeom>
-          <a:noFill/>
-        </p:spPr>
-        <p:txBody>
-          <a:bodyPr wrap="none" rtlCol="0">
-            <a:spAutoFit/>
-          </a:bodyPr>
-          <a:lstStyle/>
-          <a:p>
-            <a:r>
-              <a:rPr lang="en-US" dirty="0" smtClean="0"/>
-              <a:t>524</a:t>
-            </a:r>
-            <a:endParaRPr lang="en-US" dirty="0"/>
-          </a:p>
-        </p:txBody>
-      </p:sp>
-      <p:cxnSp>
-        <p:nvCxnSpPr>
-          <p:cNvPr id="17" name="Straight Arrow Connector 16"/>
-          <p:cNvCxnSpPr/>
-          <p:nvPr/>
-        </p:nvCxnSpPr>
-        <p:spPr>
-          <a:xfrm flipH="1">
-            <a:off x="1212850" y="1036082"/>
-            <a:ext cx="271995" cy="240268"/>
-          </a:xfrm>
-          <a:prstGeom prst="straightConnector1">
-            <a:avLst/>
-          </a:prstGeom>
-          <a:ln w="25400">
-            <a:solidFill>
-              <a:schemeClr val="tx1"/>
-            </a:solidFill>
-            <a:tailEnd type="triangle"/>
-          </a:ln>
-        </p:spPr>
-        <p:style>
-          <a:lnRef idx="1">
-            <a:schemeClr val="accent1"/>
-          </a:lnRef>
-          <a:fillRef idx="0">
-            <a:schemeClr val="accent1"/>
-          </a:fillRef>
-          <a:effectRef idx="0">
-            <a:schemeClr val="accent1"/>
-          </a:effectRef>
-          <a:fontRef idx="minor">
-            <a:schemeClr val="tx1"/>
-          </a:fontRef>
-        </p:style>
-      </p:cxnSp>
-      <p:sp>
-        <p:nvSpPr>
-          <p:cNvPr id="20" name="TextBox 19"/>
-          <p:cNvSpPr txBox="1"/>
-          <p:nvPr/>
-        </p:nvSpPr>
-        <p:spPr>
-          <a:xfrm>
-            <a:off x="1681695" y="1091684"/>
-            <a:ext cx="535724" cy="369332"/>
-          </a:xfrm>
-          <a:prstGeom prst="rect">
-            <a:avLst/>
-          </a:prstGeom>
-          <a:noFill/>
-        </p:spPr>
-        <p:txBody>
-          <a:bodyPr wrap="none" rtlCol="0">
-            <a:spAutoFit/>
-          </a:bodyPr>
-          <a:lstStyle/>
-          <a:p>
-            <a:r>
-              <a:rPr lang="en-US" smtClean="0"/>
-              <a:t>233</a:t>
-            </a:r>
-            <a:endParaRPr lang="en-US"/>
-          </a:p>
-        </p:txBody>
-      </p:sp>
-      <p:cxnSp>
-        <p:nvCxnSpPr>
-          <p:cNvPr id="22" name="Straight Arrow Connector 21"/>
-          <p:cNvCxnSpPr>
-            <a:stCxn id="20" idx="1"/>
-          </p:cNvCxnSpPr>
-          <p:nvPr/>
-        </p:nvCxnSpPr>
-        <p:spPr>
-          <a:xfrm flipH="1">
-            <a:off x="1484845" y="1276350"/>
-            <a:ext cx="196850" cy="0"/>
-          </a:xfrm>
-          <a:prstGeom prst="straightConnector1">
-            <a:avLst/>
-          </a:prstGeom>
-          <a:ln w="25400">
-            <a:solidFill>
-              <a:schemeClr val="tx1"/>
-            </a:solidFill>
-            <a:tailEnd type="triangle"/>
-          </a:ln>
-        </p:spPr>
-        <p:style>
-          <a:lnRef idx="1">
-            <a:schemeClr val="accent1"/>
-          </a:lnRef>
-          <a:fillRef idx="0">
-            <a:schemeClr val="accent1"/>
-          </a:fillRef>
-          <a:effectRef idx="0">
-            <a:schemeClr val="accent1"/>
-          </a:effectRef>
-          <a:fontRef idx="minor">
-            <a:schemeClr val="tx1"/>
-          </a:fontRef>
-        </p:style>
-      </p:cxnSp>
-    </p:spTree>
-    <p:extLst>
-      <p:ext uri="{BB962C8B-B14F-4D97-AF65-F5344CB8AC3E}">
-        <p14:creationId xmlns:p14="http://schemas.microsoft.com/office/powerpoint/2010/main" val="817291146"/>
-      </p:ext>
-    </p:extLst>
-  </p:cSld>
-  <p:clrMapOvr>
-    <a:masterClrMapping/>
-  </p:clrMapOvr>
-</p:sld>
-</file>
-
-<file path=ppt/slides/slide7.xml><?xml version="1.0" encoding="utf-8"?>
 <p:sld xmlns:a="http://schemas.openxmlformats.org/drawingml/2006/main" xmlns:r="http://schemas.openxmlformats.org/officeDocument/2006/relationships" xmlns:p="http://schemas.openxmlformats.org/presentationml/2006/main">
   <p:cSld>
     <p:spTree>
@@ -19423,7 +20121,7 @@
 </p:sld>
 </file>
 
-<file path=ppt/slides/slide8.xml><?xml version="1.0" encoding="utf-8"?>
+<file path=ppt/slides/slide7.xml><?xml version="1.0" encoding="utf-8"?>
 <p:sld xmlns:a="http://schemas.openxmlformats.org/drawingml/2006/main" xmlns:r="http://schemas.openxmlformats.org/officeDocument/2006/relationships" xmlns:p="http://schemas.openxmlformats.org/presentationml/2006/main">
   <p:cSld>
     <p:spTree>
@@ -19463,10 +20161,316 @@
           </a:p>
         </p:txBody>
       </p:sp>
+      <p:graphicFrame>
+        <p:nvGraphicFramePr>
+          <p:cNvPr id="4" name="Chart 3"/>
+          <p:cNvGraphicFramePr/>
+          <p:nvPr>
+            <p:extLst>
+              <p:ext uri="{D42A27DB-BD31-4B8C-83A1-F6EECF244321}">
+                <p14:modId xmlns:p14="http://schemas.microsoft.com/office/powerpoint/2010/main" val="362447087"/>
+              </p:ext>
+            </p:extLst>
+          </p:nvPr>
+        </p:nvGraphicFramePr>
+        <p:xfrm>
+          <a:off x="82550" y="1460500"/>
+          <a:ext cx="11982450" cy="5346700"/>
+        </p:xfrm>
+        <a:graphic>
+          <a:graphicData uri="http://schemas.openxmlformats.org/drawingml/2006/chart">
+            <c:chart xmlns:c="http://schemas.openxmlformats.org/drawingml/2006/chart" xmlns:r="http://schemas.openxmlformats.org/officeDocument/2006/relationships" r:id="rId2"/>
+          </a:graphicData>
+        </a:graphic>
+      </p:graphicFrame>
     </p:spTree>
     <p:extLst>
       <p:ext uri="{BB962C8B-B14F-4D97-AF65-F5344CB8AC3E}">
-        <p14:creationId xmlns:p14="http://schemas.microsoft.com/office/powerpoint/2010/main" val="261489723"/>
+        <p14:creationId xmlns:p14="http://schemas.microsoft.com/office/powerpoint/2010/main" val="423395989"/>
+      </p:ext>
+    </p:extLst>
+  </p:cSld>
+  <p:clrMapOvr>
+    <a:masterClrMapping/>
+  </p:clrMapOvr>
+</p:sld>
+</file>
+
+<file path=ppt/slides/slide8.xml><?xml version="1.0" encoding="utf-8"?>
+<p:sld xmlns:a="http://schemas.openxmlformats.org/drawingml/2006/main" xmlns:r="http://schemas.openxmlformats.org/officeDocument/2006/relationships" xmlns:p="http://schemas.openxmlformats.org/presentationml/2006/main">
+  <p:cSld>
+    <p:spTree>
+      <p:nvGrpSpPr>
+        <p:cNvPr id="1" name=""/>
+        <p:cNvGrpSpPr/>
+        <p:nvPr/>
+      </p:nvGrpSpPr>
+      <p:grpSpPr>
+        <a:xfrm>
+          <a:off x="0" y="0"/>
+          <a:ext cx="0" cy="0"/>
+          <a:chOff x="0" y="0"/>
+          <a:chExt cx="0" cy="0"/>
+        </a:xfrm>
+      </p:grpSpPr>
+      <p:sp>
+        <p:nvSpPr>
+          <p:cNvPr id="2" name="Title 1"/>
+          <p:cNvSpPr>
+            <a:spLocks noGrp="1"/>
+          </p:cNvSpPr>
+          <p:nvPr>
+            <p:ph type="title"/>
+          </p:nvPr>
+        </p:nvSpPr>
+        <p:spPr>
+          <a:xfrm>
+            <a:off x="838200" y="365125"/>
+            <a:ext cx="10515600" cy="409575"/>
+          </a:xfrm>
+        </p:spPr>
+        <p:txBody>
+          <a:bodyPr>
+            <a:normAutofit fontScale="90000"/>
+          </a:bodyPr>
+          <a:lstStyle/>
+          <a:p>
+            <a:r>
+              <a:rPr lang="en-US" dirty="0" smtClean="0"/>
+              <a:t>Main Stage Time Variance</a:t>
+            </a:r>
+            <a:endParaRPr lang="en-US" dirty="0"/>
+          </a:p>
+        </p:txBody>
+      </p:sp>
+      <p:graphicFrame>
+        <p:nvGraphicFramePr>
+          <p:cNvPr id="11" name="Chart 10"/>
+          <p:cNvGraphicFramePr/>
+          <p:nvPr>
+            <p:extLst>
+              <p:ext uri="{D42A27DB-BD31-4B8C-83A1-F6EECF244321}">
+                <p14:modId xmlns:p14="http://schemas.microsoft.com/office/powerpoint/2010/main" val="1016482719"/>
+              </p:ext>
+            </p:extLst>
+          </p:nvPr>
+        </p:nvGraphicFramePr>
+        <p:xfrm>
+          <a:off x="0" y="1111250"/>
+          <a:ext cx="12134850" cy="5746750"/>
+        </p:xfrm>
+        <a:graphic>
+          <a:graphicData uri="http://schemas.openxmlformats.org/drawingml/2006/chart">
+            <c:chart xmlns:c="http://schemas.openxmlformats.org/drawingml/2006/chart" xmlns:r="http://schemas.openxmlformats.org/officeDocument/2006/relationships" r:id="rId2"/>
+          </a:graphicData>
+        </a:graphic>
+      </p:graphicFrame>
+      <p:sp>
+        <p:nvSpPr>
+          <p:cNvPr id="12" name="TextBox 11"/>
+          <p:cNvSpPr txBox="1"/>
+          <p:nvPr/>
+        </p:nvSpPr>
+        <p:spPr>
+          <a:xfrm>
+            <a:off x="165100" y="666750"/>
+            <a:ext cx="769763" cy="369332"/>
+          </a:xfrm>
+          <a:prstGeom prst="rect">
+            <a:avLst/>
+          </a:prstGeom>
+          <a:noFill/>
+        </p:spPr>
+        <p:txBody>
+          <a:bodyPr wrap="none" rtlCol="0">
+            <a:spAutoFit/>
+          </a:bodyPr>
+          <a:lstStyle/>
+          <a:p>
+            <a:r>
+              <a:rPr lang="en-US" smtClean="0"/>
+              <a:t>17948</a:t>
+            </a:r>
+            <a:endParaRPr lang="en-US"/>
+          </a:p>
+        </p:txBody>
+      </p:sp>
+      <p:cxnSp>
+        <p:nvCxnSpPr>
+          <p:cNvPr id="14" name="Straight Arrow Connector 13"/>
+          <p:cNvCxnSpPr>
+            <a:stCxn id="12" idx="2"/>
+          </p:cNvCxnSpPr>
+          <p:nvPr/>
+        </p:nvCxnSpPr>
+        <p:spPr>
+          <a:xfrm>
+            <a:off x="549982" y="1036082"/>
+            <a:ext cx="466018" cy="240268"/>
+          </a:xfrm>
+          <a:prstGeom prst="straightConnector1">
+            <a:avLst/>
+          </a:prstGeom>
+          <a:ln w="25400">
+            <a:solidFill>
+              <a:schemeClr val="tx1"/>
+            </a:solidFill>
+            <a:tailEnd type="triangle"/>
+          </a:ln>
+        </p:spPr>
+        <p:style>
+          <a:lnRef idx="1">
+            <a:schemeClr val="accent1"/>
+          </a:lnRef>
+          <a:fillRef idx="0">
+            <a:schemeClr val="accent1"/>
+          </a:fillRef>
+          <a:effectRef idx="0">
+            <a:schemeClr val="accent1"/>
+          </a:effectRef>
+          <a:fontRef idx="minor">
+            <a:schemeClr val="tx1"/>
+          </a:fontRef>
+        </p:style>
+      </p:cxnSp>
+      <p:sp>
+        <p:nvSpPr>
+          <p:cNvPr id="15" name="TextBox 14"/>
+          <p:cNvSpPr txBox="1"/>
+          <p:nvPr/>
+        </p:nvSpPr>
+        <p:spPr>
+          <a:xfrm>
+            <a:off x="1340101" y="704334"/>
+            <a:ext cx="535724" cy="369332"/>
+          </a:xfrm>
+          <a:prstGeom prst="rect">
+            <a:avLst/>
+          </a:prstGeom>
+          <a:noFill/>
+        </p:spPr>
+        <p:txBody>
+          <a:bodyPr wrap="none" rtlCol="0">
+            <a:spAutoFit/>
+          </a:bodyPr>
+          <a:lstStyle/>
+          <a:p>
+            <a:r>
+              <a:rPr lang="en-US" dirty="0" smtClean="0"/>
+              <a:t>524</a:t>
+            </a:r>
+            <a:endParaRPr lang="en-US" dirty="0"/>
+          </a:p>
+        </p:txBody>
+      </p:sp>
+      <p:cxnSp>
+        <p:nvCxnSpPr>
+          <p:cNvPr id="17" name="Straight Arrow Connector 16"/>
+          <p:cNvCxnSpPr/>
+          <p:nvPr/>
+        </p:nvCxnSpPr>
+        <p:spPr>
+          <a:xfrm flipH="1">
+            <a:off x="1212850" y="1036082"/>
+            <a:ext cx="271995" cy="240268"/>
+          </a:xfrm>
+          <a:prstGeom prst="straightConnector1">
+            <a:avLst/>
+          </a:prstGeom>
+          <a:ln w="25400">
+            <a:solidFill>
+              <a:schemeClr val="tx1"/>
+            </a:solidFill>
+            <a:tailEnd type="triangle"/>
+          </a:ln>
+        </p:spPr>
+        <p:style>
+          <a:lnRef idx="1">
+            <a:schemeClr val="accent1"/>
+          </a:lnRef>
+          <a:fillRef idx="0">
+            <a:schemeClr val="accent1"/>
+          </a:fillRef>
+          <a:effectRef idx="0">
+            <a:schemeClr val="accent1"/>
+          </a:effectRef>
+          <a:fontRef idx="minor">
+            <a:schemeClr val="tx1"/>
+          </a:fontRef>
+        </p:style>
+      </p:cxnSp>
+      <p:sp>
+        <p:nvSpPr>
+          <p:cNvPr id="20" name="TextBox 19"/>
+          <p:cNvSpPr txBox="1"/>
+          <p:nvPr/>
+        </p:nvSpPr>
+        <p:spPr>
+          <a:xfrm>
+            <a:off x="1681695" y="1091684"/>
+            <a:ext cx="535724" cy="369332"/>
+          </a:xfrm>
+          <a:prstGeom prst="rect">
+            <a:avLst/>
+          </a:prstGeom>
+          <a:noFill/>
+        </p:spPr>
+        <p:txBody>
+          <a:bodyPr wrap="none" rtlCol="0">
+            <a:spAutoFit/>
+          </a:bodyPr>
+          <a:lstStyle/>
+          <a:p>
+            <a:r>
+              <a:rPr lang="en-US" smtClean="0"/>
+              <a:t>233</a:t>
+            </a:r>
+            <a:endParaRPr lang="en-US"/>
+          </a:p>
+        </p:txBody>
+      </p:sp>
+      <p:cxnSp>
+        <p:nvCxnSpPr>
+          <p:cNvPr id="22" name="Straight Arrow Connector 21"/>
+          <p:cNvCxnSpPr>
+            <a:stCxn id="20" idx="1"/>
+          </p:cNvCxnSpPr>
+          <p:nvPr/>
+        </p:nvCxnSpPr>
+        <p:spPr>
+          <a:xfrm flipH="1">
+            <a:off x="1484845" y="1276350"/>
+            <a:ext cx="196850" cy="0"/>
+          </a:xfrm>
+          <a:prstGeom prst="straightConnector1">
+            <a:avLst/>
+          </a:prstGeom>
+          <a:ln w="25400">
+            <a:solidFill>
+              <a:schemeClr val="tx1"/>
+            </a:solidFill>
+            <a:tailEnd type="triangle"/>
+          </a:ln>
+        </p:spPr>
+        <p:style>
+          <a:lnRef idx="1">
+            <a:schemeClr val="accent1"/>
+          </a:lnRef>
+          <a:fillRef idx="0">
+            <a:schemeClr val="accent1"/>
+          </a:fillRef>
+          <a:effectRef idx="0">
+            <a:schemeClr val="accent1"/>
+          </a:effectRef>
+          <a:fontRef idx="minor">
+            <a:schemeClr val="tx1"/>
+          </a:fontRef>
+        </p:style>
+      </p:cxnSp>
+    </p:spTree>
+    <p:extLst>
+      <p:ext uri="{BB962C8B-B14F-4D97-AF65-F5344CB8AC3E}">
+        <p14:creationId xmlns:p14="http://schemas.microsoft.com/office/powerpoint/2010/main" val="817291146"/>
       </p:ext>
     </p:extLst>
   </p:cSld>

--- a/Lab Meeting 5_25_17.pptx
+++ b/Lab Meeting 5_25_17.pptx
@@ -5,7 +5,7 @@
     <p:sldMasterId id="2147483684" r:id="rId1"/>
   </p:sldMasterIdLst>
   <p:notesMasterIdLst>
-    <p:notesMasterId r:id="rId15"/>
+    <p:notesMasterId r:id="rId23"/>
   </p:notesMasterIdLst>
   <p:sldIdLst>
     <p:sldId id="256" r:id="rId2"/>
@@ -15,12 +15,20 @@
     <p:sldId id="260" r:id="rId6"/>
     <p:sldId id="262" r:id="rId7"/>
     <p:sldId id="271" r:id="rId8"/>
-    <p:sldId id="270" r:id="rId9"/>
-    <p:sldId id="264" r:id="rId10"/>
-    <p:sldId id="266" r:id="rId11"/>
-    <p:sldId id="267" r:id="rId12"/>
-    <p:sldId id="268" r:id="rId13"/>
-    <p:sldId id="269" r:id="rId14"/>
+    <p:sldId id="272" r:id="rId9"/>
+    <p:sldId id="270" r:id="rId10"/>
+    <p:sldId id="273" r:id="rId11"/>
+    <p:sldId id="276" r:id="rId12"/>
+    <p:sldId id="278" r:id="rId13"/>
+    <p:sldId id="264" r:id="rId14"/>
+    <p:sldId id="266" r:id="rId15"/>
+    <p:sldId id="267" r:id="rId16"/>
+    <p:sldId id="279" r:id="rId17"/>
+    <p:sldId id="268" r:id="rId18"/>
+    <p:sldId id="277" r:id="rId19"/>
+    <p:sldId id="269" r:id="rId20"/>
+    <p:sldId id="274" r:id="rId21"/>
+    <p:sldId id="275" r:id="rId22"/>
   </p:sldIdLst>
   <p:sldSz cx="12192000" cy="6858000"/>
   <p:notesSz cx="6858000" cy="9144000"/>
@@ -197,7 +205,7 @@
                   <c:v>131332.6229166667</c:v>
                 </c:pt>
                 <c:pt idx="6">
-                  <c:v>65666.31145833333</c:v>
+                  <c:v>65666.31145833335</c:v>
                 </c:pt>
                 <c:pt idx="7">
                   <c:v>32833.15572916667</c:v>
@@ -257,7 +265,7 @@
                   <c:v>0.999643735895579</c:v>
                 </c:pt>
                 <c:pt idx="8">
-                  <c:v>1.000539723006039</c:v>
+                  <c:v>1.00053972300604</c:v>
                 </c:pt>
                 <c:pt idx="9">
                   <c:v>1.0</c:v>
@@ -290,11 +298,11 @@
           <c:showPercent val="0"/>
           <c:showBubbleSize val="0"/>
         </c:dLbls>
-        <c:axId val="1359386736"/>
-        <c:axId val="1359009280"/>
+        <c:axId val="-987125424"/>
+        <c:axId val="-953065744"/>
       </c:scatterChart>
       <c:valAx>
-        <c:axId val="1359386736"/>
+        <c:axId val="-987125424"/>
         <c:scaling>
           <c:logBase val="10.0"/>
           <c:orientation val="minMax"/>
@@ -402,12 +410,12 @@
             <a:endParaRPr lang="en-US"/>
           </a:p>
         </c:txPr>
-        <c:crossAx val="1359009280"/>
+        <c:crossAx val="-953065744"/>
         <c:crosses val="autoZero"/>
         <c:crossBetween val="midCat"/>
       </c:valAx>
       <c:valAx>
-        <c:axId val="1359009280"/>
+        <c:axId val="-953065744"/>
         <c:scaling>
           <c:orientation val="minMax"/>
         </c:scaling>
@@ -514,7 +522,7 @@
             <a:endParaRPr lang="en-US"/>
           </a:p>
         </c:txPr>
-        <c:crossAx val="1359386736"/>
+        <c:crossAx val="-987125424"/>
         <c:crosses val="autoZero"/>
         <c:crossBetween val="midCat"/>
       </c:valAx>
@@ -916,11 +924,11 @@
         </c:dLbls>
         <c:gapWidth val="219"/>
         <c:overlap val="-27"/>
-        <c:axId val="1183697344"/>
-        <c:axId val="1256177264"/>
+        <c:axId val="-1082256976"/>
+        <c:axId val="-1082252944"/>
       </c:barChart>
       <c:catAx>
-        <c:axId val="1183697344"/>
+        <c:axId val="-1082256976"/>
         <c:scaling>
           <c:orientation val="minMax"/>
         </c:scaling>
@@ -1019,7 +1027,7 @@
             <a:endParaRPr lang="en-US"/>
           </a:p>
         </c:txPr>
-        <c:crossAx val="1256177264"/>
+        <c:crossAx val="-1082252944"/>
         <c:crosses val="autoZero"/>
         <c:auto val="1"/>
         <c:lblAlgn val="ctr"/>
@@ -1027,7 +1035,7 @@
         <c:noMultiLvlLbl val="0"/>
       </c:catAx>
       <c:valAx>
-        <c:axId val="1256177264"/>
+        <c:axId val="-1082252944"/>
         <c:scaling>
           <c:orientation val="minMax"/>
           <c:max val="150.0"/>
@@ -1130,7 +1138,7 @@
             <a:endParaRPr lang="en-US"/>
           </a:p>
         </c:txPr>
-        <c:crossAx val="1183697344"/>
+        <c:crossAx val="-1082256976"/>
         <c:crosses val="autoZero"/>
         <c:crossBetween val="between"/>
       </c:valAx>
@@ -1589,7 +1597,7 @@
                   <c:v>1.987462</c:v>
                 </c:pt>
                 <c:pt idx="47">
-                  <c:v>2.312299</c:v>
+                  <c:v>2.312298999999999</c:v>
                 </c:pt>
                 <c:pt idx="48">
                   <c:v>2.554004</c:v>
@@ -1611,11 +1619,11 @@
         </c:dLbls>
         <c:gapWidth val="219"/>
         <c:overlap val="-27"/>
-        <c:axId val="1318641680"/>
-        <c:axId val="1256303584"/>
+        <c:axId val="-1085387504"/>
+        <c:axId val="-1085383472"/>
       </c:barChart>
       <c:catAx>
-        <c:axId val="1318641680"/>
+        <c:axId val="-1085387504"/>
         <c:scaling>
           <c:orientation val="minMax"/>
         </c:scaling>
@@ -1714,7 +1722,7 @@
             <a:endParaRPr lang="en-US"/>
           </a:p>
         </c:txPr>
-        <c:crossAx val="1256303584"/>
+        <c:crossAx val="-1085383472"/>
         <c:crosses val="autoZero"/>
         <c:auto val="1"/>
         <c:lblAlgn val="ctr"/>
@@ -1722,7 +1730,7 @@
         <c:noMultiLvlLbl val="0"/>
       </c:catAx>
       <c:valAx>
-        <c:axId val="1256303584"/>
+        <c:axId val="-1085383472"/>
         <c:scaling>
           <c:orientation val="minMax"/>
         </c:scaling>
@@ -1823,7 +1831,7 @@
             <a:endParaRPr lang="en-US"/>
           </a:p>
         </c:txPr>
-        <c:crossAx val="1318641680"/>
+        <c:crossAx val="-1085387504"/>
         <c:crosses val="autoZero"/>
         <c:crossBetween val="between"/>
       </c:valAx>
@@ -2138,13 +2146,13 @@
                   <c:v>9278.571242613632</c:v>
                 </c:pt>
                 <c:pt idx="2">
-                  <c:v>5867.316224858236</c:v>
+                  <c:v>5867.316224858238</c:v>
                 </c:pt>
                 <c:pt idx="3">
-                  <c:v>8030.38301554873</c:v>
+                  <c:v>8030.383015548729</c:v>
                 </c:pt>
                 <c:pt idx="4">
-                  <c:v>8096.289842930921</c:v>
+                  <c:v>8096.28984293092</c:v>
                 </c:pt>
                 <c:pt idx="5">
                   <c:v>4798.896853514524</c:v>
@@ -2171,7 +2179,7 @@
                   <c:v>12464.63915833336</c:v>
                 </c:pt>
                 <c:pt idx="13">
-                  <c:v>12302.13657573149</c:v>
+                  <c:v>12302.1365757315</c:v>
                 </c:pt>
                 <c:pt idx="14">
                   <c:v>8459.79604269117</c:v>
@@ -2207,7 +2215,7 @@
                   <c:v>11980.62000238286</c:v>
                 </c:pt>
                 <c:pt idx="25">
-                  <c:v>8733.705381645692</c:v>
+                  <c:v>8733.70538164569</c:v>
                 </c:pt>
                 <c:pt idx="26">
                   <c:v>10870.0854580083</c:v>
@@ -2243,19 +2251,19 @@
                   <c:v>9044.355552146002</c:v>
                 </c:pt>
                 <c:pt idx="37">
-                  <c:v>11100.97354045699</c:v>
+                  <c:v>11100.973540457</c:v>
                 </c:pt>
                 <c:pt idx="38">
                   <c:v>14606.51611118474</c:v>
                 </c:pt>
                 <c:pt idx="39">
-                  <c:v>8119.151622095066</c:v>
+                  <c:v>8119.151622095067</c:v>
                 </c:pt>
                 <c:pt idx="40">
                   <c:v>13644.02056570355</c:v>
                 </c:pt>
                 <c:pt idx="41">
-                  <c:v>11401.43776730349</c:v>
+                  <c:v>11401.4377673035</c:v>
                 </c:pt>
                 <c:pt idx="42">
                   <c:v>13406.10922649998</c:v>
@@ -2295,11 +2303,11 @@
         </c:dLbls>
         <c:gapWidth val="219"/>
         <c:overlap val="-27"/>
-        <c:axId val="1362930208"/>
-        <c:axId val="1362932400"/>
+        <c:axId val="-950009024"/>
+        <c:axId val="-950005264"/>
       </c:barChart>
       <c:catAx>
-        <c:axId val="1362930208"/>
+        <c:axId val="-950009024"/>
         <c:scaling>
           <c:orientation val="minMax"/>
         </c:scaling>
@@ -2398,7 +2406,7 @@
             <a:endParaRPr lang="en-US"/>
           </a:p>
         </c:txPr>
-        <c:crossAx val="1362932400"/>
+        <c:crossAx val="-950005264"/>
         <c:crosses val="autoZero"/>
         <c:auto val="1"/>
         <c:lblAlgn val="ctr"/>
@@ -2406,7 +2414,7 @@
         <c:noMultiLvlLbl val="0"/>
       </c:catAx>
       <c:valAx>
-        <c:axId val="1362932400"/>
+        <c:axId val="-950005264"/>
         <c:scaling>
           <c:orientation val="minMax"/>
         </c:scaling>
@@ -2507,7 +2515,7 @@
             <a:endParaRPr lang="en-US"/>
           </a:p>
         </c:txPr>
-        <c:crossAx val="1362930208"/>
+        <c:crossAx val="-950009024"/>
         <c:crosses val="autoZero"/>
         <c:crossBetween val="between"/>
       </c:valAx>
@@ -2827,7 +2835,7 @@
                   <c:v>24.19788084768496</c:v>
                 </c:pt>
                 <c:pt idx="4">
-                  <c:v>23.41869663912456</c:v>
+                  <c:v>23.41869663912455</c:v>
                 </c:pt>
                 <c:pt idx="5">
                   <c:v>13.44579323903876</c:v>
@@ -2854,19 +2862,19 @@
                   <c:v>34.23854512975448</c:v>
                 </c:pt>
                 <c:pt idx="13">
-                  <c:v>36.35738625398323</c:v>
+                  <c:v>36.35738625398321</c:v>
                 </c:pt>
                 <c:pt idx="14">
-                  <c:v>24.24218180516434</c:v>
+                  <c:v>24.24218180516433</c:v>
                 </c:pt>
                 <c:pt idx="15">
                   <c:v>30.88702634398927</c:v>
                 </c:pt>
                 <c:pt idx="16">
-                  <c:v>9.506065115639293</c:v>
+                  <c:v>9.506065115639295</c:v>
                 </c:pt>
                 <c:pt idx="17">
-                  <c:v>31.59203717418093</c:v>
+                  <c:v>31.59203717418092</c:v>
                 </c:pt>
                 <c:pt idx="18">
                   <c:v>28.37478099951642</c:v>
@@ -2935,7 +2943,7 @@
                   <c:v>20.25024638776262</c:v>
                 </c:pt>
                 <c:pt idx="40">
-                  <c:v>36.86480062835158</c:v>
+                  <c:v>36.86480062835157</c:v>
                 </c:pt>
                 <c:pt idx="41">
                   <c:v>29.59737092561047</c:v>
@@ -2944,7 +2952,7 @@
                   <c:v>39.7814178403306</c:v>
                 </c:pt>
                 <c:pt idx="43">
-                  <c:v>24.87203978114325</c:v>
+                  <c:v>24.87203978114324</c:v>
                 </c:pt>
                 <c:pt idx="44">
                   <c:v>26.22405042158617</c:v>
@@ -2956,10 +2964,10 @@
                   <c:v>23.8801565859167</c:v>
                 </c:pt>
                 <c:pt idx="47">
-                  <c:v>18.44405650616584</c:v>
+                  <c:v>18.44405650616583</c:v>
                 </c:pt>
                 <c:pt idx="48">
-                  <c:v>23.56433058216928</c:v>
+                  <c:v>23.56433058216927</c:v>
                 </c:pt>
                 <c:pt idx="49">
                   <c:v>6.28555829834931</c:v>
@@ -2978,11 +2986,11 @@
         </c:dLbls>
         <c:gapWidth val="219"/>
         <c:overlap val="-27"/>
-        <c:axId val="1252693568"/>
-        <c:axId val="1139119264"/>
+        <c:axId val="-952934496"/>
+        <c:axId val="-952930464"/>
       </c:barChart>
       <c:catAx>
-        <c:axId val="1252693568"/>
+        <c:axId val="-952934496"/>
         <c:scaling>
           <c:orientation val="minMax"/>
         </c:scaling>
@@ -3081,7 +3089,7 @@
             <a:endParaRPr lang="en-US"/>
           </a:p>
         </c:txPr>
-        <c:crossAx val="1139119264"/>
+        <c:crossAx val="-952930464"/>
         <c:crosses val="autoZero"/>
         <c:auto val="1"/>
         <c:lblAlgn val="ctr"/>
@@ -3089,7 +3097,7 @@
         <c:noMultiLvlLbl val="0"/>
       </c:catAx>
       <c:valAx>
-        <c:axId val="1139119264"/>
+        <c:axId val="-952930464"/>
         <c:scaling>
           <c:orientation val="minMax"/>
         </c:scaling>
@@ -3190,7 +3198,7 @@
             <a:endParaRPr lang="en-US"/>
           </a:p>
         </c:txPr>
-        <c:crossAx val="1252693568"/>
+        <c:crossAx val="-952934496"/>
         <c:crosses val="autoZero"/>
         <c:crossBetween val="between"/>
       </c:valAx>
@@ -3230,6 +3238,932 @@
 </file>
 
 <file path=ppt/charts/chart6.xml><?xml version="1.0" encoding="utf-8"?>
+<c:chartSpace xmlns:c="http://schemas.openxmlformats.org/drawingml/2006/chart" xmlns:a="http://schemas.openxmlformats.org/drawingml/2006/main" xmlns:r="http://schemas.openxmlformats.org/officeDocument/2006/relationships">
+  <c:date1904 val="0"/>
+  <c:lang val="en-US"/>
+  <c:roundedCorners val="0"/>
+  <mc:AlternateContent xmlns:mc="http://schemas.openxmlformats.org/markup-compatibility/2006">
+    <mc:Choice xmlns:c14="http://schemas.microsoft.com/office/drawing/2007/8/2/chart" Requires="c14">
+      <c14:style val="102"/>
+    </mc:Choice>
+    <mc:Fallback>
+      <c:style val="2"/>
+    </mc:Fallback>
+  </mc:AlternateContent>
+  <c:chart>
+    <c:autoTitleDeleted val="1"/>
+    <c:plotArea>
+      <c:layout>
+        <c:manualLayout>
+          <c:layoutTarget val="inner"/>
+          <c:xMode val="edge"/>
+          <c:yMode val="edge"/>
+          <c:x val="0.0645584993188239"/>
+          <c:y val="0.0386406101882881"/>
+          <c:w val="0.921457147571432"/>
+          <c:h val="0.820547573868257"/>
+        </c:manualLayout>
+      </c:layout>
+      <c:barChart>
+        <c:barDir val="col"/>
+        <c:grouping val="percentStacked"/>
+        <c:varyColors val="0"/>
+        <c:ser>
+          <c:idx val="6"/>
+          <c:order val="0"/>
+          <c:tx>
+            <c:strRef>
+              <c:f>'Search Breakdowns'!$K$245</c:f>
+              <c:strCache>
+                <c:ptCount val="1"/>
+                <c:pt idx="0">
+                  <c:v>Other</c:v>
+                </c:pt>
+              </c:strCache>
+            </c:strRef>
+          </c:tx>
+          <c:spPr>
+            <a:solidFill>
+              <a:schemeClr val="accent1">
+                <a:lumMod val="60000"/>
+              </a:schemeClr>
+            </a:solidFill>
+            <a:ln>
+              <a:noFill/>
+            </a:ln>
+            <a:effectLst/>
+          </c:spPr>
+          <c:invertIfNegative val="0"/>
+          <c:cat>
+            <c:strRef>
+              <c:f>'Search Breakdowns'!$L$238:$S$238</c:f>
+              <c:strCache>
+                <c:ptCount val="8"/>
+                <c:pt idx="0">
+                  <c:v>META_SYNP6</c:v>
+                </c:pt>
+                <c:pt idx="3">
+                  <c:v>XYNA_THEMA</c:v>
+                </c:pt>
+                <c:pt idx="4">
+                  <c:v>CLPB_ECOL6</c:v>
+                </c:pt>
+                <c:pt idx="5">
+                  <c:v>FTSH3_ORYSJ</c:v>
+                </c:pt>
+                <c:pt idx="6">
+                  <c:v>EV1B_XENLA</c:v>
+                </c:pt>
+                <c:pt idx="7">
+                  <c:v>XLYG_YERPA</c:v>
+                </c:pt>
+              </c:strCache>
+            </c:strRef>
+          </c:cat>
+          <c:val>
+            <c:numRef>
+              <c:f>'Search Breakdowns'!$L$245:$S$245</c:f>
+              <c:numCache>
+                <c:formatCode>General</c:formatCode>
+                <c:ptCount val="8"/>
+                <c:pt idx="0">
+                  <c:v>2.35868E8</c:v>
+                </c:pt>
+                <c:pt idx="1">
+                  <c:v>0.0</c:v>
+                </c:pt>
+                <c:pt idx="2">
+                  <c:v>0.0</c:v>
+                </c:pt>
+                <c:pt idx="3">
+                  <c:v>1.9234E8</c:v>
+                </c:pt>
+                <c:pt idx="4">
+                  <c:v>4.63956E8</c:v>
+                </c:pt>
+                <c:pt idx="5">
+                  <c:v>8.57364E8</c:v>
+                </c:pt>
+                <c:pt idx="6">
+                  <c:v>8.9004E8</c:v>
+                </c:pt>
+                <c:pt idx="7">
+                  <c:v>2.507572E9</c:v>
+                </c:pt>
+              </c:numCache>
+            </c:numRef>
+          </c:val>
+        </c:ser>
+        <c:ser>
+          <c:idx val="5"/>
+          <c:order val="1"/>
+          <c:tx>
+            <c:strRef>
+              <c:f>'Search Breakdowns'!$K$244</c:f>
+              <c:strCache>
+                <c:ptCount val="1"/>
+                <c:pt idx="0">
+                  <c:v>Main Stage</c:v>
+                </c:pt>
+              </c:strCache>
+            </c:strRef>
+          </c:tx>
+          <c:spPr>
+            <a:solidFill>
+              <a:schemeClr val="accent6"/>
+            </a:solidFill>
+            <a:ln>
+              <a:noFill/>
+            </a:ln>
+            <a:effectLst/>
+          </c:spPr>
+          <c:invertIfNegative val="0"/>
+          <c:cat>
+            <c:strRef>
+              <c:f>'Search Breakdowns'!$L$238:$S$238</c:f>
+              <c:strCache>
+                <c:ptCount val="8"/>
+                <c:pt idx="0">
+                  <c:v>META_SYNP6</c:v>
+                </c:pt>
+                <c:pt idx="3">
+                  <c:v>XYNA_THEMA</c:v>
+                </c:pt>
+                <c:pt idx="4">
+                  <c:v>CLPB_ECOL6</c:v>
+                </c:pt>
+                <c:pt idx="5">
+                  <c:v>FTSH3_ORYSJ</c:v>
+                </c:pt>
+                <c:pt idx="6">
+                  <c:v>EV1B_XENLA</c:v>
+                </c:pt>
+                <c:pt idx="7">
+                  <c:v>XLYG_YERPA</c:v>
+                </c:pt>
+              </c:strCache>
+            </c:strRef>
+          </c:cat>
+          <c:val>
+            <c:numRef>
+              <c:f>'Search Breakdowns'!$L$244:$S$244</c:f>
+              <c:numCache>
+                <c:formatCode>General</c:formatCode>
+                <c:ptCount val="8"/>
+                <c:pt idx="0">
+                  <c:v>7.3428E7</c:v>
+                </c:pt>
+                <c:pt idx="1">
+                  <c:v>0.0</c:v>
+                </c:pt>
+                <c:pt idx="2">
+                  <c:v>0.0</c:v>
+                </c:pt>
+                <c:pt idx="3">
+                  <c:v>2.2048E8</c:v>
+                </c:pt>
+                <c:pt idx="4">
+                  <c:v>9.74536E8</c:v>
+                </c:pt>
+                <c:pt idx="5">
+                  <c:v>1.502176E9</c:v>
+                </c:pt>
+                <c:pt idx="6">
+                  <c:v>1.69304E9</c:v>
+                </c:pt>
+                <c:pt idx="7">
+                  <c:v>8.445632E9</c:v>
+                </c:pt>
+              </c:numCache>
+            </c:numRef>
+          </c:val>
+        </c:ser>
+        <c:ser>
+          <c:idx val="4"/>
+          <c:order val="2"/>
+          <c:tx>
+            <c:strRef>
+              <c:f>'Search Breakdowns'!$K$243</c:f>
+              <c:strCache>
+                <c:ptCount val="1"/>
+                <c:pt idx="0">
+                  <c:v>Backward Stage</c:v>
+                </c:pt>
+              </c:strCache>
+            </c:strRef>
+          </c:tx>
+          <c:spPr>
+            <a:solidFill>
+              <a:schemeClr val="accent5"/>
+            </a:solidFill>
+            <a:ln>
+              <a:noFill/>
+            </a:ln>
+            <a:effectLst/>
+          </c:spPr>
+          <c:invertIfNegative val="0"/>
+          <c:cat>
+            <c:strRef>
+              <c:f>'Search Breakdowns'!$L$238:$S$238</c:f>
+              <c:strCache>
+                <c:ptCount val="8"/>
+                <c:pt idx="0">
+                  <c:v>META_SYNP6</c:v>
+                </c:pt>
+                <c:pt idx="3">
+                  <c:v>XYNA_THEMA</c:v>
+                </c:pt>
+                <c:pt idx="4">
+                  <c:v>CLPB_ECOL6</c:v>
+                </c:pt>
+                <c:pt idx="5">
+                  <c:v>FTSH3_ORYSJ</c:v>
+                </c:pt>
+                <c:pt idx="6">
+                  <c:v>EV1B_XENLA</c:v>
+                </c:pt>
+                <c:pt idx="7">
+                  <c:v>XLYG_YERPA</c:v>
+                </c:pt>
+              </c:strCache>
+            </c:strRef>
+          </c:cat>
+          <c:val>
+            <c:numRef>
+              <c:f>'Search Breakdowns'!$L$243:$S$243</c:f>
+              <c:numCache>
+                <c:formatCode>General</c:formatCode>
+                <c:ptCount val="8"/>
+                <c:pt idx="0">
+                  <c:v>1.8164E7</c:v>
+                </c:pt>
+                <c:pt idx="1">
+                  <c:v>0.0</c:v>
+                </c:pt>
+                <c:pt idx="2">
+                  <c:v>0.0</c:v>
+                </c:pt>
+                <c:pt idx="3">
+                  <c:v>1.22704E8</c:v>
+                </c:pt>
+                <c:pt idx="4">
+                  <c:v>1.2401E9</c:v>
+                </c:pt>
+                <c:pt idx="5">
+                  <c:v>1.921708E9</c:v>
+                </c:pt>
+                <c:pt idx="6">
+                  <c:v>2.163036E9</c:v>
+                </c:pt>
+                <c:pt idx="7">
+                  <c:v>6.041348E9</c:v>
+                </c:pt>
+              </c:numCache>
+            </c:numRef>
+          </c:val>
+        </c:ser>
+        <c:ser>
+          <c:idx val="3"/>
+          <c:order val="3"/>
+          <c:tx>
+            <c:strRef>
+              <c:f>'Search Breakdowns'!$K$242</c:f>
+              <c:strCache>
+                <c:ptCount val="1"/>
+                <c:pt idx="0">
+                  <c:v>Forward Filter</c:v>
+                </c:pt>
+              </c:strCache>
+            </c:strRef>
+          </c:tx>
+          <c:spPr>
+            <a:solidFill>
+              <a:schemeClr val="accent4"/>
+            </a:solidFill>
+            <a:ln>
+              <a:noFill/>
+            </a:ln>
+            <a:effectLst/>
+          </c:spPr>
+          <c:invertIfNegative val="0"/>
+          <c:cat>
+            <c:strRef>
+              <c:f>'Search Breakdowns'!$L$238:$S$238</c:f>
+              <c:strCache>
+                <c:ptCount val="8"/>
+                <c:pt idx="0">
+                  <c:v>META_SYNP6</c:v>
+                </c:pt>
+                <c:pt idx="3">
+                  <c:v>XYNA_THEMA</c:v>
+                </c:pt>
+                <c:pt idx="4">
+                  <c:v>CLPB_ECOL6</c:v>
+                </c:pt>
+                <c:pt idx="5">
+                  <c:v>FTSH3_ORYSJ</c:v>
+                </c:pt>
+                <c:pt idx="6">
+                  <c:v>EV1B_XENLA</c:v>
+                </c:pt>
+                <c:pt idx="7">
+                  <c:v>XLYG_YERPA</c:v>
+                </c:pt>
+              </c:strCache>
+            </c:strRef>
+          </c:cat>
+          <c:val>
+            <c:numRef>
+              <c:f>'Search Breakdowns'!$L$242:$S$242</c:f>
+              <c:numCache>
+                <c:formatCode>General</c:formatCode>
+                <c:ptCount val="8"/>
+                <c:pt idx="0">
+                  <c:v>2.16256E8</c:v>
+                </c:pt>
+                <c:pt idx="1">
+                  <c:v>0.0</c:v>
+                </c:pt>
+                <c:pt idx="2">
+                  <c:v>0.0</c:v>
+                </c:pt>
+                <c:pt idx="3">
+                  <c:v>9.82896E8</c:v>
+                </c:pt>
+                <c:pt idx="4">
+                  <c:v>2.577312E9</c:v>
+                </c:pt>
+                <c:pt idx="5">
+                  <c:v>3.571672E9</c:v>
+                </c:pt>
+                <c:pt idx="6">
+                  <c:v>3.297984E9</c:v>
+                </c:pt>
+                <c:pt idx="7">
+                  <c:v>6.255796E9</c:v>
+                </c:pt>
+              </c:numCache>
+            </c:numRef>
+          </c:val>
+        </c:ser>
+        <c:ser>
+          <c:idx val="2"/>
+          <c:order val="4"/>
+          <c:tx>
+            <c:strRef>
+              <c:f>'Search Breakdowns'!$K$241</c:f>
+              <c:strCache>
+                <c:ptCount val="1"/>
+                <c:pt idx="0">
+                  <c:v>Viterbi Filter</c:v>
+                </c:pt>
+              </c:strCache>
+            </c:strRef>
+          </c:tx>
+          <c:spPr>
+            <a:solidFill>
+              <a:schemeClr val="accent3"/>
+            </a:solidFill>
+            <a:ln>
+              <a:noFill/>
+            </a:ln>
+            <a:effectLst/>
+          </c:spPr>
+          <c:invertIfNegative val="0"/>
+          <c:cat>
+            <c:strRef>
+              <c:f>'Search Breakdowns'!$L$238:$S$238</c:f>
+              <c:strCache>
+                <c:ptCount val="8"/>
+                <c:pt idx="0">
+                  <c:v>META_SYNP6</c:v>
+                </c:pt>
+                <c:pt idx="3">
+                  <c:v>XYNA_THEMA</c:v>
+                </c:pt>
+                <c:pt idx="4">
+                  <c:v>CLPB_ECOL6</c:v>
+                </c:pt>
+                <c:pt idx="5">
+                  <c:v>FTSH3_ORYSJ</c:v>
+                </c:pt>
+                <c:pt idx="6">
+                  <c:v>EV1B_XENLA</c:v>
+                </c:pt>
+                <c:pt idx="7">
+                  <c:v>XLYG_YERPA</c:v>
+                </c:pt>
+              </c:strCache>
+            </c:strRef>
+          </c:cat>
+          <c:val>
+            <c:numRef>
+              <c:f>'Search Breakdowns'!$L$241:$S$241</c:f>
+              <c:numCache>
+                <c:formatCode>General</c:formatCode>
+                <c:ptCount val="8"/>
+                <c:pt idx="0">
+                  <c:v>3.98372E8</c:v>
+                </c:pt>
+                <c:pt idx="1">
+                  <c:v>0.0</c:v>
+                </c:pt>
+                <c:pt idx="2">
+                  <c:v>0.0</c:v>
+                </c:pt>
+                <c:pt idx="3">
+                  <c:v>1.147512E9</c:v>
+                </c:pt>
+                <c:pt idx="4">
+                  <c:v>1.359008E9</c:v>
+                </c:pt>
+                <c:pt idx="5">
+                  <c:v>1.330492E9</c:v>
+                </c:pt>
+                <c:pt idx="6">
+                  <c:v>1.032708E9</c:v>
+                </c:pt>
+                <c:pt idx="7">
+                  <c:v>7.78376E8</c:v>
+                </c:pt>
+              </c:numCache>
+            </c:numRef>
+          </c:val>
+        </c:ser>
+        <c:ser>
+          <c:idx val="1"/>
+          <c:order val="5"/>
+          <c:tx>
+            <c:strRef>
+              <c:f>'Search Breakdowns'!$K$240</c:f>
+              <c:strCache>
+                <c:ptCount val="1"/>
+                <c:pt idx="0">
+                  <c:v>Bias Filter</c:v>
+                </c:pt>
+              </c:strCache>
+            </c:strRef>
+          </c:tx>
+          <c:spPr>
+            <a:solidFill>
+              <a:srgbClr val="C00000"/>
+            </a:solidFill>
+            <a:ln>
+              <a:noFill/>
+            </a:ln>
+            <a:effectLst/>
+          </c:spPr>
+          <c:invertIfNegative val="0"/>
+          <c:cat>
+            <c:strRef>
+              <c:f>'Search Breakdowns'!$L$238:$S$238</c:f>
+              <c:strCache>
+                <c:ptCount val="8"/>
+                <c:pt idx="0">
+                  <c:v>META_SYNP6</c:v>
+                </c:pt>
+                <c:pt idx="3">
+                  <c:v>XYNA_THEMA</c:v>
+                </c:pt>
+                <c:pt idx="4">
+                  <c:v>CLPB_ECOL6</c:v>
+                </c:pt>
+                <c:pt idx="5">
+                  <c:v>FTSH3_ORYSJ</c:v>
+                </c:pt>
+                <c:pt idx="6">
+                  <c:v>EV1B_XENLA</c:v>
+                </c:pt>
+                <c:pt idx="7">
+                  <c:v>XLYG_YERPA</c:v>
+                </c:pt>
+              </c:strCache>
+            </c:strRef>
+          </c:cat>
+          <c:val>
+            <c:numRef>
+              <c:f>'Search Breakdowns'!$L$240:$S$240</c:f>
+              <c:numCache>
+                <c:formatCode>General</c:formatCode>
+                <c:ptCount val="8"/>
+                <c:pt idx="0">
+                  <c:v>8.096E7</c:v>
+                </c:pt>
+                <c:pt idx="1">
+                  <c:v>0.0</c:v>
+                </c:pt>
+                <c:pt idx="2">
+                  <c:v>0.0</c:v>
+                </c:pt>
+                <c:pt idx="3">
+                  <c:v>9.364E7</c:v>
+                </c:pt>
+                <c:pt idx="4">
+                  <c:v>1.54736E8</c:v>
+                </c:pt>
+                <c:pt idx="5">
+                  <c:v>1.30788E8</c:v>
+                </c:pt>
+                <c:pt idx="6">
+                  <c:v>1.16392E8</c:v>
+                </c:pt>
+                <c:pt idx="7">
+                  <c:v>1.5938E8</c:v>
+                </c:pt>
+              </c:numCache>
+            </c:numRef>
+          </c:val>
+        </c:ser>
+        <c:ser>
+          <c:idx val="0"/>
+          <c:order val="6"/>
+          <c:tx>
+            <c:strRef>
+              <c:f>'Search Breakdowns'!$K$239</c:f>
+              <c:strCache>
+                <c:ptCount val="1"/>
+                <c:pt idx="0">
+                  <c:v>SSV Filter</c:v>
+                </c:pt>
+              </c:strCache>
+            </c:strRef>
+          </c:tx>
+          <c:spPr>
+            <a:solidFill>
+              <a:schemeClr val="accent1"/>
+            </a:solidFill>
+            <a:ln>
+              <a:noFill/>
+            </a:ln>
+            <a:effectLst/>
+          </c:spPr>
+          <c:invertIfNegative val="0"/>
+          <c:cat>
+            <c:strRef>
+              <c:f>'Search Breakdowns'!$L$238:$S$238</c:f>
+              <c:strCache>
+                <c:ptCount val="8"/>
+                <c:pt idx="0">
+                  <c:v>META_SYNP6</c:v>
+                </c:pt>
+                <c:pt idx="3">
+                  <c:v>XYNA_THEMA</c:v>
+                </c:pt>
+                <c:pt idx="4">
+                  <c:v>CLPB_ECOL6</c:v>
+                </c:pt>
+                <c:pt idx="5">
+                  <c:v>FTSH3_ORYSJ</c:v>
+                </c:pt>
+                <c:pt idx="6">
+                  <c:v>EV1B_XENLA</c:v>
+                </c:pt>
+                <c:pt idx="7">
+                  <c:v>XLYG_YERPA</c:v>
+                </c:pt>
+              </c:strCache>
+            </c:strRef>
+          </c:cat>
+          <c:val>
+            <c:numRef>
+              <c:f>'Search Breakdowns'!$L$239:$S$239</c:f>
+              <c:numCache>
+                <c:formatCode>General</c:formatCode>
+                <c:ptCount val="8"/>
+                <c:pt idx="0">
+                  <c:v>2.100036E9</c:v>
+                </c:pt>
+                <c:pt idx="1">
+                  <c:v>0.0</c:v>
+                </c:pt>
+                <c:pt idx="2">
+                  <c:v>0.0</c:v>
+                </c:pt>
+                <c:pt idx="3">
+                  <c:v>6.283924E9</c:v>
+                </c:pt>
+                <c:pt idx="4">
+                  <c:v>5.320328E9</c:v>
+                </c:pt>
+                <c:pt idx="5">
+                  <c:v>5.078364E9</c:v>
+                </c:pt>
+                <c:pt idx="6">
+                  <c:v>6.13428E9</c:v>
+                </c:pt>
+                <c:pt idx="7">
+                  <c:v>3.043544E9</c:v>
+                </c:pt>
+              </c:numCache>
+            </c:numRef>
+          </c:val>
+        </c:ser>
+        <c:dLbls>
+          <c:showLegendKey val="0"/>
+          <c:showVal val="0"/>
+          <c:showCatName val="0"/>
+          <c:showSerName val="0"/>
+          <c:showPercent val="0"/>
+          <c:showBubbleSize val="0"/>
+        </c:dLbls>
+        <c:gapWidth val="150"/>
+        <c:overlap val="100"/>
+        <c:axId val="-934050048"/>
+        <c:axId val="-932497424"/>
+      </c:barChart>
+      <c:catAx>
+        <c:axId val="-934050048"/>
+        <c:scaling>
+          <c:orientation val="minMax"/>
+        </c:scaling>
+        <c:delete val="0"/>
+        <c:axPos val="b"/>
+        <c:title>
+          <c:tx>
+            <c:rich>
+              <a:bodyPr rot="0" spcFirstLastPara="1" vertOverflow="ellipsis" vert="horz" wrap="square" anchor="ctr" anchorCtr="1"/>
+              <a:lstStyle/>
+              <a:p>
+                <a:pPr>
+                  <a:defRPr sz="1400" b="0" i="0" u="none" strike="noStrike" kern="1200" baseline="0">
+                    <a:solidFill>
+                      <a:schemeClr val="tx1">
+                        <a:lumMod val="65000"/>
+                        <a:lumOff val="35000"/>
+                      </a:schemeClr>
+                    </a:solidFill>
+                    <a:latin typeface="+mj-lt"/>
+                    <a:ea typeface="+mn-ea"/>
+                    <a:cs typeface="+mn-cs"/>
+                  </a:defRPr>
+                </a:pPr>
+                <a:r>
+                  <a:rPr lang="en-US" sz="1400" baseline="0">
+                    <a:latin typeface="+mj-lt"/>
+                  </a:rPr>
+                  <a:t>HMM</a:t>
+                </a:r>
+              </a:p>
+            </c:rich>
+          </c:tx>
+          <c:layout/>
+          <c:overlay val="0"/>
+          <c:spPr>
+            <a:noFill/>
+            <a:ln>
+              <a:noFill/>
+            </a:ln>
+            <a:effectLst/>
+          </c:spPr>
+          <c:txPr>
+            <a:bodyPr rot="0" spcFirstLastPara="1" vertOverflow="ellipsis" vert="horz" wrap="square" anchor="ctr" anchorCtr="1"/>
+            <a:lstStyle/>
+            <a:p>
+              <a:pPr>
+                <a:defRPr sz="1400" b="0" i="0" u="none" strike="noStrike" kern="1200" baseline="0">
+                  <a:solidFill>
+                    <a:schemeClr val="tx1">
+                      <a:lumMod val="65000"/>
+                      <a:lumOff val="35000"/>
+                    </a:schemeClr>
+                  </a:solidFill>
+                  <a:latin typeface="+mj-lt"/>
+                  <a:ea typeface="+mn-ea"/>
+                  <a:cs typeface="+mn-cs"/>
+                </a:defRPr>
+              </a:pPr>
+              <a:endParaRPr lang="en-US"/>
+            </a:p>
+          </c:txPr>
+        </c:title>
+        <c:numFmt formatCode="General" sourceLinked="1"/>
+        <c:majorTickMark val="none"/>
+        <c:minorTickMark val="none"/>
+        <c:tickLblPos val="nextTo"/>
+        <c:spPr>
+          <a:noFill/>
+          <a:ln w="9525" cap="flat" cmpd="sng" algn="ctr">
+            <a:solidFill>
+              <a:schemeClr val="tx1">
+                <a:lumMod val="15000"/>
+                <a:lumOff val="85000"/>
+              </a:schemeClr>
+            </a:solidFill>
+            <a:round/>
+          </a:ln>
+          <a:effectLst/>
+        </c:spPr>
+        <c:txPr>
+          <a:bodyPr rot="-60000000" spcFirstLastPara="1" vertOverflow="ellipsis" vert="horz" wrap="square" anchor="ctr" anchorCtr="1"/>
+          <a:lstStyle/>
+          <a:p>
+            <a:pPr>
+              <a:defRPr sz="1400" b="0" i="0" u="none" strike="noStrike" kern="1200" baseline="0">
+                <a:solidFill>
+                  <a:schemeClr val="tx1">
+                    <a:lumMod val="65000"/>
+                    <a:lumOff val="35000"/>
+                  </a:schemeClr>
+                </a:solidFill>
+                <a:latin typeface="+mn-lt"/>
+                <a:ea typeface="+mn-ea"/>
+                <a:cs typeface="+mn-cs"/>
+              </a:defRPr>
+            </a:pPr>
+            <a:endParaRPr lang="en-US"/>
+          </a:p>
+        </c:txPr>
+        <c:crossAx val="-932497424"/>
+        <c:crosses val="autoZero"/>
+        <c:auto val="1"/>
+        <c:lblAlgn val="ctr"/>
+        <c:lblOffset val="100"/>
+        <c:noMultiLvlLbl val="0"/>
+      </c:catAx>
+      <c:valAx>
+        <c:axId val="-932497424"/>
+        <c:scaling>
+          <c:orientation val="minMax"/>
+        </c:scaling>
+        <c:delete val="0"/>
+        <c:axPos val="l"/>
+        <c:majorGridlines>
+          <c:spPr>
+            <a:ln w="9525" cap="flat" cmpd="sng" algn="ctr">
+              <a:noFill/>
+              <a:round/>
+            </a:ln>
+            <a:effectLst/>
+          </c:spPr>
+        </c:majorGridlines>
+        <c:title>
+          <c:tx>
+            <c:rich>
+              <a:bodyPr rot="-5400000" spcFirstLastPara="1" vertOverflow="ellipsis" vert="horz" wrap="square" anchor="ctr" anchorCtr="1"/>
+              <a:lstStyle/>
+              <a:p>
+                <a:pPr>
+                  <a:defRPr sz="1400" b="0" i="0" u="none" strike="noStrike" kern="1200" baseline="0">
+                    <a:solidFill>
+                      <a:schemeClr val="tx1">
+                        <a:lumMod val="65000"/>
+                        <a:lumOff val="35000"/>
+                      </a:schemeClr>
+                    </a:solidFill>
+                    <a:latin typeface="+mn-lt"/>
+                    <a:ea typeface="+mn-ea"/>
+                    <a:cs typeface="+mn-cs"/>
+                  </a:defRPr>
+                </a:pPr>
+                <a:r>
+                  <a:rPr lang="en-US" sz="1400" baseline="0"/>
+                  <a:t>Percent Execution Time</a:t>
+                </a:r>
+              </a:p>
+            </c:rich>
+          </c:tx>
+          <c:layout/>
+          <c:overlay val="0"/>
+          <c:spPr>
+            <a:noFill/>
+            <a:ln>
+              <a:noFill/>
+            </a:ln>
+            <a:effectLst/>
+          </c:spPr>
+          <c:txPr>
+            <a:bodyPr rot="-5400000" spcFirstLastPara="1" vertOverflow="ellipsis" vert="horz" wrap="square" anchor="ctr" anchorCtr="1"/>
+            <a:lstStyle/>
+            <a:p>
+              <a:pPr>
+                <a:defRPr sz="1400" b="0" i="0" u="none" strike="noStrike" kern="1200" baseline="0">
+                  <a:solidFill>
+                    <a:schemeClr val="tx1">
+                      <a:lumMod val="65000"/>
+                      <a:lumOff val="35000"/>
+                    </a:schemeClr>
+                  </a:solidFill>
+                  <a:latin typeface="+mn-lt"/>
+                  <a:ea typeface="+mn-ea"/>
+                  <a:cs typeface="+mn-cs"/>
+                </a:defRPr>
+              </a:pPr>
+              <a:endParaRPr lang="en-US"/>
+            </a:p>
+          </c:txPr>
+        </c:title>
+        <c:numFmt formatCode="0%" sourceLinked="1"/>
+        <c:majorTickMark val="none"/>
+        <c:minorTickMark val="none"/>
+        <c:tickLblPos val="nextTo"/>
+        <c:spPr>
+          <a:noFill/>
+          <a:ln>
+            <a:noFill/>
+          </a:ln>
+          <a:effectLst/>
+        </c:spPr>
+        <c:txPr>
+          <a:bodyPr rot="-60000000" spcFirstLastPara="1" vertOverflow="ellipsis" vert="horz" wrap="square" anchor="ctr" anchorCtr="1"/>
+          <a:lstStyle/>
+          <a:p>
+            <a:pPr>
+              <a:defRPr sz="1400" b="0" i="0" u="none" strike="noStrike" kern="1200" baseline="0">
+                <a:solidFill>
+                  <a:schemeClr val="tx1">
+                    <a:lumMod val="65000"/>
+                    <a:lumOff val="35000"/>
+                  </a:schemeClr>
+                </a:solidFill>
+                <a:latin typeface="+mn-lt"/>
+                <a:ea typeface="+mn-ea"/>
+                <a:cs typeface="+mn-cs"/>
+              </a:defRPr>
+            </a:pPr>
+            <a:endParaRPr lang="en-US"/>
+          </a:p>
+        </c:txPr>
+        <c:crossAx val="-934050048"/>
+        <c:crosses val="autoZero"/>
+        <c:crossBetween val="between"/>
+      </c:valAx>
+      <c:spPr>
+        <a:noFill/>
+        <a:ln>
+          <a:noFill/>
+        </a:ln>
+        <a:effectLst/>
+      </c:spPr>
+    </c:plotArea>
+    <c:legend>
+      <c:legendPos val="l"/>
+      <c:layout>
+        <c:manualLayout>
+          <c:xMode val="edge"/>
+          <c:yMode val="edge"/>
+          <c:x val="0.223749649755905"/>
+          <c:y val="0.199737566309716"/>
+          <c:w val="0.121417473004523"/>
+          <c:h val="0.402219846951809"/>
+        </c:manualLayout>
+      </c:layout>
+      <c:overlay val="0"/>
+      <c:spPr>
+        <a:noFill/>
+        <a:ln>
+          <a:noFill/>
+        </a:ln>
+        <a:effectLst/>
+      </c:spPr>
+      <c:txPr>
+        <a:bodyPr rot="0" spcFirstLastPara="1" vertOverflow="ellipsis" vert="horz" wrap="square" anchor="ctr" anchorCtr="1"/>
+        <a:lstStyle/>
+        <a:p>
+          <a:pPr>
+            <a:defRPr sz="1400" b="0" i="0" u="none" strike="noStrike" kern="1200" baseline="0">
+              <a:solidFill>
+                <a:schemeClr val="tx1">
+                  <a:lumMod val="65000"/>
+                  <a:lumOff val="35000"/>
+                </a:schemeClr>
+              </a:solidFill>
+              <a:latin typeface="+mn-lt"/>
+              <a:ea typeface="+mn-ea"/>
+              <a:cs typeface="+mn-cs"/>
+            </a:defRPr>
+          </a:pPr>
+          <a:endParaRPr lang="en-US"/>
+        </a:p>
+      </c:txPr>
+    </c:legend>
+    <c:plotVisOnly val="1"/>
+    <c:dispBlanksAs val="gap"/>
+    <c:showDLblsOverMax val="0"/>
+  </c:chart>
+  <c:spPr>
+    <a:noFill/>
+    <a:ln>
+      <a:noFill/>
+    </a:ln>
+    <a:effectLst/>
+  </c:spPr>
+  <c:txPr>
+    <a:bodyPr/>
+    <a:lstStyle/>
+    <a:p>
+      <a:pPr>
+        <a:defRPr/>
+      </a:pPr>
+      <a:endParaRPr lang="en-US"/>
+    </a:p>
+  </c:txPr>
+  <c:externalData r:id="rId3">
+    <c:autoUpdate val="0"/>
+  </c:externalData>
+</c:chartSpace>
+</file>
+
+<file path=ppt/charts/chart7.xml><?xml version="1.0" encoding="utf-8"?>
 <c:chartSpace xmlns:c="http://schemas.openxmlformats.org/drawingml/2006/chart" xmlns:a="http://schemas.openxmlformats.org/drawingml/2006/main" xmlns:r="http://schemas.openxmlformats.org/officeDocument/2006/relationships">
   <c:date1904 val="0"/>
   <c:lang val="en-US"/>
@@ -3533,25 +4467,25 @@
                   <c:v>3.975694036851656</c:v>
                 </c:pt>
                 <c:pt idx="4">
-                  <c:v>4.812777714368903</c:v>
+                  <c:v>4.812777714368902</c:v>
                 </c:pt>
                 <c:pt idx="5">
                   <c:v>5.630809378819538</c:v>
                 </c:pt>
                 <c:pt idx="6">
-                  <c:v>6.477851181393652</c:v>
+                  <c:v>6.477851181393653</c:v>
                 </c:pt>
                 <c:pt idx="7">
-                  <c:v>7.310571812069242</c:v>
+                  <c:v>7.310571812069241</c:v>
                 </c:pt>
                 <c:pt idx="8">
-                  <c:v>8.094331798825486</c:v>
+                  <c:v>8.094331798825484</c:v>
                 </c:pt>
                 <c:pt idx="9">
                   <c:v>8.877655981063893</c:v>
                 </c:pt>
                 <c:pt idx="10">
-                  <c:v>9.600123890458976</c:v>
+                  <c:v>9.600123890458974</c:v>
                 </c:pt>
                 <c:pt idx="11">
                   <c:v>10.33181333310083</c:v>
@@ -3584,7 +4518,7 @@
                   <c:v>16.3804588426376</c:v>
                 </c:pt>
                 <c:pt idx="21">
-                  <c:v>17.18907220346325</c:v>
+                  <c:v>17.18907220346324</c:v>
                 </c:pt>
                 <c:pt idx="22">
                   <c:v>17.91908058899874</c:v>
@@ -3599,10 +4533,10 @@
                   <c:v>20.14353201566894</c:v>
                 </c:pt>
                 <c:pt idx="26">
-                  <c:v>20.929745276689</c:v>
+                  <c:v>20.92974527668899</c:v>
                 </c:pt>
                 <c:pt idx="27">
-                  <c:v>21.44294291997555</c:v>
+                  <c:v>21.44294291997554</c:v>
                 </c:pt>
                 <c:pt idx="28">
                   <c:v>21.96996504073389</c:v>
@@ -3617,7 +4551,7 @@
                   <c:v>24.23452348027917</c:v>
                 </c:pt>
                 <c:pt idx="32">
-                  <c:v>24.34872598212489</c:v>
+                  <c:v>24.34872598212488</c:v>
                 </c:pt>
                 <c:pt idx="33">
                   <c:v>24.67063064542011</c:v>
@@ -3629,10 +4563,10 @@
                   <c:v>25.16454010464465</c:v>
                 </c:pt>
                 <c:pt idx="36">
-                  <c:v>50.17635289040876</c:v>
+                  <c:v>50.17635289040877</c:v>
                 </c:pt>
                 <c:pt idx="37">
-                  <c:v>73.80895931035485</c:v>
+                  <c:v>73.80895931035484</c:v>
                 </c:pt>
                 <c:pt idx="38">
                   <c:v>97.7774047008045</c:v>
@@ -3659,7 +4593,7 @@
                   <c:v>247.8038646005559</c:v>
                 </c:pt>
                 <c:pt idx="46">
-                  <c:v>266.5461697426301</c:v>
+                  <c:v>266.54616974263</c:v>
                 </c:pt>
                 <c:pt idx="47">
                   <c:v>288.9039213736116</c:v>
@@ -3974,13 +4908,13 @@
                   <c:v>6.378894674632424</c:v>
                 </c:pt>
                 <c:pt idx="7">
-                  <c:v>7.162525811725475</c:v>
+                  <c:v>7.162525811725473</c:v>
                 </c:pt>
                 <c:pt idx="8">
                   <c:v>7.958394950412978</c:v>
                 </c:pt>
                 <c:pt idx="9">
-                  <c:v>8.674278286253649</c:v>
+                  <c:v>8.674278286253648</c:v>
                 </c:pt>
                 <c:pt idx="10">
                   <c:v>9.42695221375411</c:v>
@@ -4013,7 +4947,7 @@
                   <c:v>15.49459796180133</c:v>
                 </c:pt>
                 <c:pt idx="20">
-                  <c:v>16.26541428942823</c:v>
+                  <c:v>16.26541428942822</c:v>
                 </c:pt>
                 <c:pt idx="21">
                   <c:v>17.03827563188969</c:v>
@@ -4046,7 +4980,7 @@
                   <c:v>23.34446787261166</c:v>
                 </c:pt>
                 <c:pt idx="31">
-                  <c:v>23.99256346213334</c:v>
+                  <c:v>23.99256346213333</c:v>
                 </c:pt>
                 <c:pt idx="32">
                   <c:v>24.00221474812025</c:v>
@@ -4061,13 +4995,13 @@
                   <c:v>24.99991652434979</c:v>
                 </c:pt>
                 <c:pt idx="36">
-                  <c:v>50.01509085973601</c:v>
+                  <c:v>50.015090859736</c:v>
                 </c:pt>
                 <c:pt idx="37">
                   <c:v>74.6232093273776</c:v>
                 </c:pt>
                 <c:pt idx="38">
-                  <c:v>100.4712474701359</c:v>
+                  <c:v>100.471247470136</c:v>
                 </c:pt>
                 <c:pt idx="39">
                   <c:v>126.433828874359</c:v>
@@ -4091,7 +5025,7 @@
                   <c:v>274.4960031777379</c:v>
                 </c:pt>
                 <c:pt idx="46">
-                  <c:v>298.5766378621992</c:v>
+                  <c:v>298.5766378621991</c:v>
                 </c:pt>
                 <c:pt idx="47">
                   <c:v>322.7684256878879</c:v>
@@ -4374,22 +5308,22 @@
                   <c:v>1.997580726492793</c:v>
                 </c:pt>
                 <c:pt idx="2">
-                  <c:v>2.978516994503194</c:v>
+                  <c:v>2.978516994503193</c:v>
                 </c:pt>
                 <c:pt idx="3">
-                  <c:v>3.819081983984733</c:v>
+                  <c:v>3.819081983984732</c:v>
                 </c:pt>
                 <c:pt idx="4">
-                  <c:v>3.819081983984733</c:v>
+                  <c:v>3.819081983984732</c:v>
                 </c:pt>
                 <c:pt idx="5">
-                  <c:v>5.471130189920875</c:v>
+                  <c:v>5.471130189920876</c:v>
                 </c:pt>
                 <c:pt idx="6">
                   <c:v>6.28873279135187</c:v>
                 </c:pt>
                 <c:pt idx="7">
-                  <c:v>7.056550229258811</c:v>
+                  <c:v>7.05655022925881</c:v>
                 </c:pt>
                 <c:pt idx="8">
                   <c:v>7.799613921190096</c:v>
@@ -4455,7 +5389,7 @@
                   <c:v>22.44483748386855</c:v>
                 </c:pt>
                 <c:pt idx="29">
-                  <c:v>23.04834316617779</c:v>
+                  <c:v>23.04834316617778</c:v>
                 </c:pt>
                 <c:pt idx="30">
                   <c:v>23.8489553492572</c:v>
@@ -4476,7 +5410,7 @@
                   <c:v>26.43756719208052</c:v>
                 </c:pt>
                 <c:pt idx="36">
-                  <c:v>49.78475059936311</c:v>
+                  <c:v>49.7847505993631</c:v>
                 </c:pt>
                 <c:pt idx="37">
                   <c:v>77.9294277614337</c:v>
@@ -4494,7 +5428,7 @@
                   <c:v>179.3352610461038</c:v>
                 </c:pt>
                 <c:pt idx="42">
-                  <c:v>207.5343016995462</c:v>
+                  <c:v>207.5343016995461</c:v>
                 </c:pt>
                 <c:pt idx="43">
                   <c:v>228.6852370052584</c:v>
@@ -4506,16 +5440,16 @@
                   <c:v>278.922790481465</c:v>
                 </c:pt>
                 <c:pt idx="46">
-                  <c:v>303.7782662066714</c:v>
+                  <c:v>303.7782662066713</c:v>
                 </c:pt>
                 <c:pt idx="47">
                   <c:v>328.6797765025556</c:v>
                 </c:pt>
                 <c:pt idx="48">
-                  <c:v>353.2466585520224</c:v>
+                  <c:v>353.2466585520223</c:v>
                 </c:pt>
                 <c:pt idx="49">
-                  <c:v>377.2594189069493</c:v>
+                  <c:v>377.2594189069492</c:v>
                 </c:pt>
               </c:numCache>
             </c:numRef>
@@ -4530,11 +5464,11 @@
           <c:showPercent val="0"/>
           <c:showBubbleSize val="0"/>
         </c:dLbls>
-        <c:axId val="1139507648"/>
-        <c:axId val="1252781376"/>
+        <c:axId val="-951692768"/>
+        <c:axId val="-951688864"/>
       </c:scatterChart>
       <c:valAx>
-        <c:axId val="1139507648"/>
+        <c:axId val="-951692768"/>
         <c:scaling>
           <c:orientation val="minMax"/>
           <c:max val="540.0"/>
@@ -4643,12 +5577,12 @@
             <a:endParaRPr lang="en-US"/>
           </a:p>
         </c:txPr>
-        <c:crossAx val="1252781376"/>
+        <c:crossAx val="-951688864"/>
         <c:crosses val="autoZero"/>
         <c:crossBetween val="midCat"/>
       </c:valAx>
       <c:valAx>
-        <c:axId val="1252781376"/>
+        <c:axId val="-951688864"/>
         <c:scaling>
           <c:orientation val="minMax"/>
         </c:scaling>
@@ -4755,7 +5689,7 @@
             <a:endParaRPr lang="en-US"/>
           </a:p>
         </c:txPr>
-        <c:crossAx val="1139507648"/>
+        <c:crossAx val="-951692768"/>
         <c:crosses val="autoZero"/>
         <c:crossBetween val="midCat"/>
       </c:valAx>
@@ -4835,7 +5769,766 @@
 </c:chartSpace>
 </file>
 
-<file path=ppt/charts/chart7.xml><?xml version="1.0" encoding="utf-8"?>
+<file path=ppt/charts/chart8.xml><?xml version="1.0" encoding="utf-8"?>
+<c:chartSpace xmlns:c="http://schemas.openxmlformats.org/drawingml/2006/chart" xmlns:a="http://schemas.openxmlformats.org/drawingml/2006/main" xmlns:r="http://schemas.openxmlformats.org/officeDocument/2006/relationships">
+  <c:date1904 val="0"/>
+  <c:lang val="en-US"/>
+  <c:roundedCorners val="0"/>
+  <mc:AlternateContent xmlns:mc="http://schemas.openxmlformats.org/markup-compatibility/2006">
+    <mc:Choice xmlns:c14="http://schemas.microsoft.com/office/drawing/2007/8/2/chart" Requires="c14">
+      <c14:style val="102"/>
+    </mc:Choice>
+    <mc:Fallback>
+      <c:style val="2"/>
+    </mc:Fallback>
+  </mc:AlternateContent>
+  <c:chart>
+    <c:autoTitleDeleted val="1"/>
+    <c:plotArea>
+      <c:layout>
+        <c:manualLayout>
+          <c:layoutTarget val="inner"/>
+          <c:xMode val="edge"/>
+          <c:yMode val="edge"/>
+          <c:x val="0.0544105971128609"/>
+          <c:y val="0.0181247715008799"/>
+          <c:w val="0.924922736220472"/>
+          <c:h val="0.900533994619401"/>
+        </c:manualLayout>
+      </c:layout>
+      <c:scatterChart>
+        <c:scatterStyle val="lineMarker"/>
+        <c:varyColors val="0"/>
+        <c:ser>
+          <c:idx val="0"/>
+          <c:order val="0"/>
+          <c:tx>
+            <c:v>H4 (new instructions)</c:v>
+          </c:tx>
+          <c:spPr>
+            <a:ln w="38100" cap="rnd">
+              <a:solidFill>
+                <a:srgbClr val="7030A0"/>
+              </a:solidFill>
+              <a:round/>
+            </a:ln>
+            <a:effectLst/>
+          </c:spPr>
+          <c:marker>
+            <c:symbol val="none"/>
+          </c:marker>
+          <c:dLbls>
+            <c:dLbl>
+              <c:idx val="49"/>
+              <c:layout>
+                <c:manualLayout>
+                  <c:x val="0.0"/>
+                  <c:y val="-0.0315415216617583"/>
+                </c:manualLayout>
+              </c:layout>
+              <c:showLegendKey val="0"/>
+              <c:showVal val="1"/>
+              <c:showCatName val="0"/>
+              <c:showSerName val="0"/>
+              <c:showPercent val="0"/>
+              <c:showBubbleSize val="0"/>
+              <c:extLst>
+                <c:ext xmlns:c15="http://schemas.microsoft.com/office/drawing/2012/chart" uri="{CE6537A1-D6FC-4f65-9D91-7224C49458BB}">
+                  <c15:layout/>
+                </c:ext>
+              </c:extLst>
+            </c:dLbl>
+            <c:numFmt formatCode="#,##0" sourceLinked="0"/>
+            <c:spPr>
+              <a:noFill/>
+              <a:ln>
+                <a:noFill/>
+              </a:ln>
+              <a:effectLst/>
+            </c:spPr>
+            <c:txPr>
+              <a:bodyPr rot="0" spcFirstLastPara="1" vertOverflow="ellipsis" vert="horz" wrap="square" lIns="38100" tIns="19050" rIns="38100" bIns="19050" anchor="ctr" anchorCtr="1">
+                <a:spAutoFit/>
+              </a:bodyPr>
+              <a:lstStyle/>
+              <a:p>
+                <a:pPr>
+                  <a:defRPr sz="1400" b="0" i="0" u="none" strike="noStrike" kern="1200" baseline="0">
+                    <a:solidFill>
+                      <a:schemeClr val="tx1">
+                        <a:lumMod val="75000"/>
+                        <a:lumOff val="25000"/>
+                      </a:schemeClr>
+                    </a:solidFill>
+                    <a:latin typeface="+mn-lt"/>
+                    <a:ea typeface="+mn-ea"/>
+                    <a:cs typeface="+mn-cs"/>
+                  </a:defRPr>
+                </a:pPr>
+                <a:endParaRPr lang="en-US"/>
+              </a:p>
+            </c:txPr>
+            <c:showLegendKey val="0"/>
+            <c:showVal val="0"/>
+            <c:showCatName val="0"/>
+            <c:showSerName val="0"/>
+            <c:showPercent val="0"/>
+            <c:showBubbleSize val="0"/>
+            <c:extLst>
+              <c:ext xmlns:c15="http://schemas.microsoft.com/office/drawing/2012/chart" uri="{CE6537A1-D6FC-4f65-9D91-7224C49458BB}">
+                <c15:showLeaderLines val="1"/>
+                <c15:leaderLines>
+                  <c:spPr>
+                    <a:ln w="9525" cap="flat" cmpd="sng" algn="ctr">
+                      <a:solidFill>
+                        <a:schemeClr val="tx1">
+                          <a:lumMod val="35000"/>
+                          <a:lumOff val="65000"/>
+                        </a:schemeClr>
+                      </a:solidFill>
+                      <a:round/>
+                    </a:ln>
+                    <a:effectLst/>
+                  </c:spPr>
+                </c15:leaderLines>
+              </c:ext>
+            </c:extLst>
+          </c:dLbls>
+          <c:xVal>
+            <c:numRef>
+              <c:f>'H4 uniprot_trembl'!$B$3:$AY$3</c:f>
+              <c:numCache>
+                <c:formatCode>General</c:formatCode>
+                <c:ptCount val="50"/>
+                <c:pt idx="0">
+                  <c:v>1.0</c:v>
+                </c:pt>
+                <c:pt idx="1">
+                  <c:v>2.0</c:v>
+                </c:pt>
+                <c:pt idx="2">
+                  <c:v>3.0</c:v>
+                </c:pt>
+                <c:pt idx="3">
+                  <c:v>4.0</c:v>
+                </c:pt>
+                <c:pt idx="4">
+                  <c:v>5.0</c:v>
+                </c:pt>
+                <c:pt idx="5">
+                  <c:v>6.0</c:v>
+                </c:pt>
+                <c:pt idx="6">
+                  <c:v>7.0</c:v>
+                </c:pt>
+                <c:pt idx="7">
+                  <c:v>8.0</c:v>
+                </c:pt>
+                <c:pt idx="8">
+                  <c:v>9.0</c:v>
+                </c:pt>
+                <c:pt idx="9">
+                  <c:v>10.0</c:v>
+                </c:pt>
+                <c:pt idx="10">
+                  <c:v>11.0</c:v>
+                </c:pt>
+                <c:pt idx="11">
+                  <c:v>12.0</c:v>
+                </c:pt>
+                <c:pt idx="12">
+                  <c:v>13.0</c:v>
+                </c:pt>
+                <c:pt idx="13">
+                  <c:v>14.0</c:v>
+                </c:pt>
+                <c:pt idx="14">
+                  <c:v>15.0</c:v>
+                </c:pt>
+                <c:pt idx="15">
+                  <c:v>16.0</c:v>
+                </c:pt>
+                <c:pt idx="16">
+                  <c:v>17.0</c:v>
+                </c:pt>
+                <c:pt idx="17">
+                  <c:v>18.0</c:v>
+                </c:pt>
+                <c:pt idx="18">
+                  <c:v>19.0</c:v>
+                </c:pt>
+                <c:pt idx="19">
+                  <c:v>20.0</c:v>
+                </c:pt>
+                <c:pt idx="20">
+                  <c:v>21.0</c:v>
+                </c:pt>
+                <c:pt idx="21">
+                  <c:v>22.0</c:v>
+                </c:pt>
+                <c:pt idx="22">
+                  <c:v>23.0</c:v>
+                </c:pt>
+                <c:pt idx="23">
+                  <c:v>24.0</c:v>
+                </c:pt>
+                <c:pt idx="24">
+                  <c:v>25.0</c:v>
+                </c:pt>
+                <c:pt idx="25">
+                  <c:v>26.0</c:v>
+                </c:pt>
+                <c:pt idx="26">
+                  <c:v>27.0</c:v>
+                </c:pt>
+                <c:pt idx="27">
+                  <c:v>28.0</c:v>
+                </c:pt>
+                <c:pt idx="28">
+                  <c:v>29.0</c:v>
+                </c:pt>
+                <c:pt idx="29">
+                  <c:v>30.0</c:v>
+                </c:pt>
+                <c:pt idx="30">
+                  <c:v>31.0</c:v>
+                </c:pt>
+                <c:pt idx="31">
+                  <c:v>32.0</c:v>
+                </c:pt>
+                <c:pt idx="32">
+                  <c:v>33.0</c:v>
+                </c:pt>
+                <c:pt idx="33">
+                  <c:v>34.0</c:v>
+                </c:pt>
+                <c:pt idx="34">
+                  <c:v>35.0</c:v>
+                </c:pt>
+                <c:pt idx="35">
+                  <c:v>36.0</c:v>
+                </c:pt>
+                <c:pt idx="36">
+                  <c:v>72.0</c:v>
+                </c:pt>
+                <c:pt idx="37">
+                  <c:v>108.0</c:v>
+                </c:pt>
+                <c:pt idx="38">
+                  <c:v>144.0</c:v>
+                </c:pt>
+                <c:pt idx="39">
+                  <c:v>180.0</c:v>
+                </c:pt>
+                <c:pt idx="40">
+                  <c:v>216.0</c:v>
+                </c:pt>
+                <c:pt idx="41">
+                  <c:v>252.0</c:v>
+                </c:pt>
+                <c:pt idx="42">
+                  <c:v>288.0</c:v>
+                </c:pt>
+                <c:pt idx="43">
+                  <c:v>324.0</c:v>
+                </c:pt>
+                <c:pt idx="44">
+                  <c:v>360.0</c:v>
+                </c:pt>
+                <c:pt idx="45">
+                  <c:v>396.0</c:v>
+                </c:pt>
+                <c:pt idx="46">
+                  <c:v>432.0</c:v>
+                </c:pt>
+                <c:pt idx="47">
+                  <c:v>468.0</c:v>
+                </c:pt>
+                <c:pt idx="48">
+                  <c:v>504.0</c:v>
+                </c:pt>
+                <c:pt idx="49">
+                  <c:v>540.0</c:v>
+                </c:pt>
+              </c:numCache>
+            </c:numRef>
+          </c:xVal>
+          <c:yVal>
+            <c:numRef>
+              <c:f>'H4 uniprot_trembl'!$B$180:$AY$180</c:f>
+              <c:numCache>
+                <c:formatCode>General</c:formatCode>
+                <c:ptCount val="50"/>
+                <c:pt idx="0">
+                  <c:v>1.0</c:v>
+                </c:pt>
+                <c:pt idx="1">
+                  <c:v>1.997580726492793</c:v>
+                </c:pt>
+                <c:pt idx="2">
+                  <c:v>2.978516994503193</c:v>
+                </c:pt>
+                <c:pt idx="3">
+                  <c:v>3.819081983984732</c:v>
+                </c:pt>
+                <c:pt idx="4">
+                  <c:v>3.819081983984732</c:v>
+                </c:pt>
+                <c:pt idx="5">
+                  <c:v>5.471130189920878</c:v>
+                </c:pt>
+                <c:pt idx="6">
+                  <c:v>6.28873279135187</c:v>
+                </c:pt>
+                <c:pt idx="7">
+                  <c:v>7.056550229258808</c:v>
+                </c:pt>
+                <c:pt idx="8">
+                  <c:v>7.799613921190096</c:v>
+                </c:pt>
+                <c:pt idx="9">
+                  <c:v>8.494148821143677</c:v>
+                </c:pt>
+                <c:pt idx="10">
+                  <c:v>9.191736090920537</c:v>
+                </c:pt>
+                <c:pt idx="11">
+                  <c:v>9.829157103307332</c:v>
+                </c:pt>
+                <c:pt idx="12">
+                  <c:v>10.47716170161725</c:v>
+                </c:pt>
+                <c:pt idx="13">
+                  <c:v>11.07451889811772</c:v>
+                </c:pt>
+                <c:pt idx="14">
+                  <c:v>11.70351397100787</c:v>
+                </c:pt>
+                <c:pt idx="15">
+                  <c:v>12.4790925390349</c:v>
+                </c:pt>
+                <c:pt idx="16">
+                  <c:v>13.25662969807168</c:v>
+                </c:pt>
+                <c:pt idx="17">
+                  <c:v>14.02733805283196</c:v>
+                </c:pt>
+                <c:pt idx="18">
+                  <c:v>14.81633714119935</c:v>
+                </c:pt>
+                <c:pt idx="19">
+                  <c:v>15.5808232202154</c:v>
+                </c:pt>
+                <c:pt idx="20">
+                  <c:v>16.34899705387713</c:v>
+                </c:pt>
+                <c:pt idx="21">
+                  <c:v>17.134383323898</c:v>
+                </c:pt>
+                <c:pt idx="22">
+                  <c:v>17.91016413270958</c:v>
+                </c:pt>
+                <c:pt idx="23">
+                  <c:v>18.67978293138572</c:v>
+                </c:pt>
+                <c:pt idx="24">
+                  <c:v>19.43168005167528</c:v>
+                </c:pt>
+                <c:pt idx="25">
+                  <c:v>20.21099797765816</c:v>
+                </c:pt>
+                <c:pt idx="26">
+                  <c:v>20.21099797765816</c:v>
+                </c:pt>
+                <c:pt idx="27">
+                  <c:v>21.73850663161427</c:v>
+                </c:pt>
+                <c:pt idx="28">
+                  <c:v>22.44483748386855</c:v>
+                </c:pt>
+                <c:pt idx="29">
+                  <c:v>23.04834316617778</c:v>
+                </c:pt>
+                <c:pt idx="30">
+                  <c:v>23.8489553492572</c:v>
+                </c:pt>
+                <c:pt idx="31">
+                  <c:v>24.52740162420352</c:v>
+                </c:pt>
+                <c:pt idx="32">
+                  <c:v>24.75140426638798</c:v>
+                </c:pt>
+                <c:pt idx="33">
+                  <c:v>25.71767665300205</c:v>
+                </c:pt>
+                <c:pt idx="34">
+                  <c:v>26.35563723894298</c:v>
+                </c:pt>
+                <c:pt idx="35">
+                  <c:v>26.43756719208052</c:v>
+                </c:pt>
+                <c:pt idx="36">
+                  <c:v>49.78475059936309</c:v>
+                </c:pt>
+                <c:pt idx="37">
+                  <c:v>77.9294277614337</c:v>
+                </c:pt>
+                <c:pt idx="38">
+                  <c:v>102.6219795633613</c:v>
+                </c:pt>
+                <c:pt idx="39">
+                  <c:v>127.7309822800507</c:v>
+                </c:pt>
+                <c:pt idx="40">
+                  <c:v>153.6994957772361</c:v>
+                </c:pt>
+                <c:pt idx="41">
+                  <c:v>179.3352610461038</c:v>
+                </c:pt>
+                <c:pt idx="42">
+                  <c:v>207.5343016995461</c:v>
+                </c:pt>
+                <c:pt idx="43">
+                  <c:v>228.6852370052584</c:v>
+                </c:pt>
+                <c:pt idx="44">
+                  <c:v>255.4745695088387</c:v>
+                </c:pt>
+                <c:pt idx="45">
+                  <c:v>278.922790481465</c:v>
+                </c:pt>
+                <c:pt idx="46">
+                  <c:v>303.7782662066712</c:v>
+                </c:pt>
+                <c:pt idx="47">
+                  <c:v>328.6797765025556</c:v>
+                </c:pt>
+                <c:pt idx="48">
+                  <c:v>353.2466585520222</c:v>
+                </c:pt>
+                <c:pt idx="49">
+                  <c:v>377.2594189069492</c:v>
+                </c:pt>
+              </c:numCache>
+            </c:numRef>
+          </c:yVal>
+          <c:smooth val="0"/>
+        </c:ser>
+        <c:dLbls>
+          <c:showLegendKey val="0"/>
+          <c:showVal val="0"/>
+          <c:showCatName val="0"/>
+          <c:showSerName val="0"/>
+          <c:showPercent val="0"/>
+          <c:showBubbleSize val="0"/>
+        </c:dLbls>
+        <c:axId val="-948336336"/>
+        <c:axId val="-950964032"/>
+      </c:scatterChart>
+      <c:valAx>
+        <c:axId val="-948336336"/>
+        <c:scaling>
+          <c:orientation val="minMax"/>
+          <c:max val="540.0"/>
+          <c:min val="0.0"/>
+        </c:scaling>
+        <c:delete val="0"/>
+        <c:axPos val="b"/>
+        <c:majorGridlines>
+          <c:spPr>
+            <a:ln w="9525" cap="flat" cmpd="sng" algn="ctr">
+              <a:noFill/>
+              <a:round/>
+            </a:ln>
+            <a:effectLst/>
+          </c:spPr>
+        </c:majorGridlines>
+        <c:title>
+          <c:tx>
+            <c:rich>
+              <a:bodyPr rot="0" spcFirstLastPara="1" vertOverflow="ellipsis" vert="horz" wrap="square" anchor="ctr" anchorCtr="1"/>
+              <a:lstStyle/>
+              <a:p>
+                <a:pPr>
+                  <a:defRPr sz="1600" b="0" i="0" u="none" strike="noStrike" kern="1200" baseline="0">
+                    <a:solidFill>
+                      <a:schemeClr val="tx1">
+                        <a:lumMod val="65000"/>
+                        <a:lumOff val="35000"/>
+                      </a:schemeClr>
+                    </a:solidFill>
+                    <a:latin typeface="+mn-lt"/>
+                    <a:ea typeface="+mn-ea"/>
+                    <a:cs typeface="+mn-cs"/>
+                  </a:defRPr>
+                </a:pPr>
+                <a:r>
+                  <a:rPr lang="en-US" sz="1400" baseline="0" dirty="0"/>
+                  <a:t>Number of Cores</a:t>
+                </a:r>
+              </a:p>
+            </c:rich>
+          </c:tx>
+          <c:layout/>
+          <c:overlay val="0"/>
+          <c:spPr>
+            <a:noFill/>
+            <a:ln>
+              <a:noFill/>
+            </a:ln>
+            <a:effectLst/>
+          </c:spPr>
+          <c:txPr>
+            <a:bodyPr rot="0" spcFirstLastPara="1" vertOverflow="ellipsis" vert="horz" wrap="square" anchor="ctr" anchorCtr="1"/>
+            <a:lstStyle/>
+            <a:p>
+              <a:pPr>
+                <a:defRPr sz="1600" b="0" i="0" u="none" strike="noStrike" kern="1200" baseline="0">
+                  <a:solidFill>
+                    <a:schemeClr val="tx1">
+                      <a:lumMod val="65000"/>
+                      <a:lumOff val="35000"/>
+                    </a:schemeClr>
+                  </a:solidFill>
+                  <a:latin typeface="+mn-lt"/>
+                  <a:ea typeface="+mn-ea"/>
+                  <a:cs typeface="+mn-cs"/>
+                </a:defRPr>
+              </a:pPr>
+              <a:endParaRPr lang="en-US"/>
+            </a:p>
+          </c:txPr>
+        </c:title>
+        <c:majorTickMark val="none"/>
+        <c:minorTickMark val="none"/>
+        <c:tickLblPos val="nextTo"/>
+        <c:spPr>
+          <a:noFill/>
+          <a:ln w="9525" cap="flat" cmpd="sng" algn="ctr">
+            <a:solidFill>
+              <a:schemeClr val="tx1">
+                <a:lumMod val="25000"/>
+                <a:lumOff val="75000"/>
+              </a:schemeClr>
+            </a:solidFill>
+            <a:round/>
+          </a:ln>
+          <a:effectLst/>
+        </c:spPr>
+        <c:txPr>
+          <a:bodyPr rot="-60000000" spcFirstLastPara="1" vertOverflow="ellipsis" vert="horz" wrap="square" anchor="ctr" anchorCtr="1"/>
+          <a:lstStyle/>
+          <a:p>
+            <a:pPr>
+              <a:defRPr sz="1400" b="0" i="0" u="none" strike="noStrike" kern="1200" baseline="0">
+                <a:solidFill>
+                  <a:schemeClr val="tx1">
+                    <a:lumMod val="65000"/>
+                    <a:lumOff val="35000"/>
+                  </a:schemeClr>
+                </a:solidFill>
+                <a:latin typeface="+mn-lt"/>
+                <a:ea typeface="+mn-ea"/>
+                <a:cs typeface="+mn-cs"/>
+              </a:defRPr>
+            </a:pPr>
+            <a:endParaRPr lang="en-US"/>
+          </a:p>
+        </c:txPr>
+        <c:crossAx val="-950964032"/>
+        <c:crosses val="autoZero"/>
+        <c:crossBetween val="midCat"/>
+      </c:valAx>
+      <c:valAx>
+        <c:axId val="-950964032"/>
+        <c:scaling>
+          <c:orientation val="minMax"/>
+        </c:scaling>
+        <c:delete val="0"/>
+        <c:axPos val="l"/>
+        <c:majorGridlines>
+          <c:spPr>
+            <a:ln w="9525" cap="flat" cmpd="sng" algn="ctr">
+              <a:noFill/>
+              <a:round/>
+            </a:ln>
+            <a:effectLst/>
+          </c:spPr>
+        </c:majorGridlines>
+        <c:title>
+          <c:tx>
+            <c:rich>
+              <a:bodyPr rot="-5400000" spcFirstLastPara="1" vertOverflow="ellipsis" vert="horz" wrap="square" anchor="ctr" anchorCtr="1"/>
+              <a:lstStyle/>
+              <a:p>
+                <a:pPr>
+                  <a:defRPr sz="1000" b="0" i="0" u="none" strike="noStrike" kern="1200" baseline="0">
+                    <a:solidFill>
+                      <a:schemeClr val="tx1">
+                        <a:lumMod val="65000"/>
+                        <a:lumOff val="35000"/>
+                      </a:schemeClr>
+                    </a:solidFill>
+                    <a:latin typeface="+mn-lt"/>
+                    <a:ea typeface="+mn-ea"/>
+                    <a:cs typeface="+mn-cs"/>
+                  </a:defRPr>
+                </a:pPr>
+                <a:r>
+                  <a:rPr lang="en-US" sz="1400" baseline="0" dirty="0"/>
+                  <a:t>Speedup</a:t>
+                </a:r>
+              </a:p>
+            </c:rich>
+          </c:tx>
+          <c:layout/>
+          <c:overlay val="0"/>
+          <c:spPr>
+            <a:noFill/>
+            <a:ln>
+              <a:noFill/>
+            </a:ln>
+            <a:effectLst/>
+          </c:spPr>
+          <c:txPr>
+            <a:bodyPr rot="-5400000" spcFirstLastPara="1" vertOverflow="ellipsis" vert="horz" wrap="square" anchor="ctr" anchorCtr="1"/>
+            <a:lstStyle/>
+            <a:p>
+              <a:pPr>
+                <a:defRPr sz="1000" b="0" i="0" u="none" strike="noStrike" kern="1200" baseline="0">
+                  <a:solidFill>
+                    <a:schemeClr val="tx1">
+                      <a:lumMod val="65000"/>
+                      <a:lumOff val="35000"/>
+                    </a:schemeClr>
+                  </a:solidFill>
+                  <a:latin typeface="+mn-lt"/>
+                  <a:ea typeface="+mn-ea"/>
+                  <a:cs typeface="+mn-cs"/>
+                </a:defRPr>
+              </a:pPr>
+              <a:endParaRPr lang="en-US"/>
+            </a:p>
+          </c:txPr>
+        </c:title>
+        <c:majorTickMark val="none"/>
+        <c:minorTickMark val="none"/>
+        <c:tickLblPos val="nextTo"/>
+        <c:spPr>
+          <a:noFill/>
+          <a:ln w="9525" cap="flat" cmpd="sng" algn="ctr">
+            <a:solidFill>
+              <a:schemeClr val="tx1">
+                <a:lumMod val="25000"/>
+                <a:lumOff val="75000"/>
+              </a:schemeClr>
+            </a:solidFill>
+            <a:round/>
+          </a:ln>
+          <a:effectLst/>
+        </c:spPr>
+        <c:txPr>
+          <a:bodyPr rot="-60000000" spcFirstLastPara="1" vertOverflow="ellipsis" vert="horz" wrap="square" anchor="ctr" anchorCtr="1"/>
+          <a:lstStyle/>
+          <a:p>
+            <a:pPr>
+              <a:defRPr sz="1400" b="0" i="0" u="none" strike="noStrike" kern="1200" baseline="0">
+                <a:solidFill>
+                  <a:schemeClr val="tx1">
+                    <a:lumMod val="65000"/>
+                    <a:lumOff val="35000"/>
+                  </a:schemeClr>
+                </a:solidFill>
+                <a:latin typeface="+mn-lt"/>
+                <a:ea typeface="+mn-ea"/>
+                <a:cs typeface="+mn-cs"/>
+              </a:defRPr>
+            </a:pPr>
+            <a:endParaRPr lang="en-US"/>
+          </a:p>
+        </c:txPr>
+        <c:crossAx val="-948336336"/>
+        <c:crosses val="autoZero"/>
+        <c:crossBetween val="midCat"/>
+      </c:valAx>
+      <c:spPr>
+        <a:noFill/>
+        <a:ln>
+          <a:noFill/>
+        </a:ln>
+        <a:effectLst/>
+      </c:spPr>
+    </c:plotArea>
+    <c:legend>
+      <c:legendPos val="t"/>
+      <c:layout>
+        <c:manualLayout>
+          <c:xMode val="edge"/>
+          <c:yMode val="edge"/>
+          <c:x val="0.0635166502624672"/>
+          <c:y val="0.0339377039372914"/>
+          <c:w val="0.189633284120735"/>
+          <c:h val="0.224665428853495"/>
+        </c:manualLayout>
+      </c:layout>
+      <c:overlay val="0"/>
+      <c:spPr>
+        <a:noFill/>
+        <a:ln>
+          <a:noFill/>
+        </a:ln>
+        <a:effectLst/>
+      </c:spPr>
+      <c:txPr>
+        <a:bodyPr rot="0" spcFirstLastPara="1" vertOverflow="ellipsis" vert="horz" wrap="square" anchor="ctr" anchorCtr="1"/>
+        <a:lstStyle/>
+        <a:p>
+          <a:pPr>
+            <a:defRPr sz="1400" b="0" i="0" u="none" strike="noStrike" kern="1200" baseline="0">
+              <a:solidFill>
+                <a:schemeClr val="tx1">
+                  <a:lumMod val="65000"/>
+                  <a:lumOff val="35000"/>
+                </a:schemeClr>
+              </a:solidFill>
+              <a:latin typeface="+mn-lt"/>
+              <a:ea typeface="+mn-ea"/>
+              <a:cs typeface="+mn-cs"/>
+            </a:defRPr>
+          </a:pPr>
+          <a:endParaRPr lang="en-US"/>
+        </a:p>
+      </c:txPr>
+    </c:legend>
+    <c:plotVisOnly val="1"/>
+    <c:dispBlanksAs val="gap"/>
+    <c:showDLblsOverMax val="0"/>
+  </c:chart>
+  <c:spPr>
+    <a:noFill/>
+    <a:ln>
+      <a:noFill/>
+    </a:ln>
+    <a:effectLst/>
+  </c:spPr>
+  <c:txPr>
+    <a:bodyPr/>
+    <a:lstStyle/>
+    <a:p>
+      <a:pPr>
+        <a:defRPr/>
+      </a:pPr>
+      <a:endParaRPr lang="en-US"/>
+    </a:p>
+  </c:txPr>
+  <c:externalData r:id="rId3">
+    <c:autoUpdate val="0"/>
+  </c:externalData>
+  <c:userShapes r:id="rId4"/>
+</c:chartSpace>
+</file>
+
+<file path=ppt/charts/chart9.xml><?xml version="1.0" encoding="utf-8"?>
 <c:chartSpace xmlns:c="http://schemas.openxmlformats.org/drawingml/2006/chart" xmlns:a="http://schemas.openxmlformats.org/drawingml/2006/main" xmlns:r="http://schemas.openxmlformats.org/officeDocument/2006/relationships">
   <c:date1904 val="0"/>
   <c:lang val="en-US"/>
@@ -5211,11 +6904,11 @@
           <c:showPercent val="0"/>
           <c:showBubbleSize val="0"/>
         </c:dLbls>
-        <c:axId val="1245514320"/>
-        <c:axId val="1254752144"/>
+        <c:axId val="-949974448"/>
+        <c:axId val="-949970416"/>
       </c:scatterChart>
       <c:valAx>
-        <c:axId val="1245514320"/>
+        <c:axId val="-949974448"/>
         <c:scaling>
           <c:orientation val="minMax"/>
           <c:max val="540.0"/>
@@ -5330,12 +7023,12 @@
             <a:endParaRPr lang="en-US"/>
           </a:p>
         </c:txPr>
-        <c:crossAx val="1254752144"/>
+        <c:crossAx val="-949970416"/>
         <c:crosses val="autoZero"/>
         <c:crossBetween val="midCat"/>
       </c:valAx>
       <c:valAx>
-        <c:axId val="1254752144"/>
+        <c:axId val="-949970416"/>
         <c:scaling>
           <c:orientation val="minMax"/>
           <c:max val="2.0"/>
@@ -5443,7 +7136,7 @@
             <a:endParaRPr lang="en-US"/>
           </a:p>
         </c:txPr>
-        <c:crossAx val="1245514320"/>
+        <c:crossAx val="-949974448"/>
         <c:crosses val="autoZero"/>
         <c:crossBetween val="midCat"/>
       </c:valAx>
@@ -5723,6 +7416,86 @@
 </file>
 
 <file path=ppt/charts/colors7.xml><?xml version="1.0" encoding="utf-8"?>
+<cs:colorStyle xmlns:cs="http://schemas.microsoft.com/office/drawing/2012/chartStyle" xmlns:a="http://schemas.openxmlformats.org/drawingml/2006/main" meth="cycle" id="10">
+  <a:schemeClr val="accent1"/>
+  <a:schemeClr val="accent2"/>
+  <a:schemeClr val="accent3"/>
+  <a:schemeClr val="accent4"/>
+  <a:schemeClr val="accent5"/>
+  <a:schemeClr val="accent6"/>
+  <cs:variation/>
+  <cs:variation>
+    <a:lumMod val="60000"/>
+  </cs:variation>
+  <cs:variation>
+    <a:lumMod val="80000"/>
+    <a:lumOff val="20000"/>
+  </cs:variation>
+  <cs:variation>
+    <a:lumMod val="80000"/>
+  </cs:variation>
+  <cs:variation>
+    <a:lumMod val="60000"/>
+    <a:lumOff val="40000"/>
+  </cs:variation>
+  <cs:variation>
+    <a:lumMod val="50000"/>
+  </cs:variation>
+  <cs:variation>
+    <a:lumMod val="70000"/>
+    <a:lumOff val="30000"/>
+  </cs:variation>
+  <cs:variation>
+    <a:lumMod val="70000"/>
+  </cs:variation>
+  <cs:variation>
+    <a:lumMod val="50000"/>
+    <a:lumOff val="50000"/>
+  </cs:variation>
+</cs:colorStyle>
+</file>
+
+<file path=ppt/charts/colors8.xml><?xml version="1.0" encoding="utf-8"?>
+<cs:colorStyle xmlns:cs="http://schemas.microsoft.com/office/drawing/2012/chartStyle" xmlns:a="http://schemas.openxmlformats.org/drawingml/2006/main" meth="cycle" id="10">
+  <a:schemeClr val="accent1"/>
+  <a:schemeClr val="accent2"/>
+  <a:schemeClr val="accent3"/>
+  <a:schemeClr val="accent4"/>
+  <a:schemeClr val="accent5"/>
+  <a:schemeClr val="accent6"/>
+  <cs:variation/>
+  <cs:variation>
+    <a:lumMod val="60000"/>
+  </cs:variation>
+  <cs:variation>
+    <a:lumMod val="80000"/>
+    <a:lumOff val="20000"/>
+  </cs:variation>
+  <cs:variation>
+    <a:lumMod val="80000"/>
+  </cs:variation>
+  <cs:variation>
+    <a:lumMod val="60000"/>
+    <a:lumOff val="40000"/>
+  </cs:variation>
+  <cs:variation>
+    <a:lumMod val="50000"/>
+  </cs:variation>
+  <cs:variation>
+    <a:lumMod val="70000"/>
+    <a:lumOff val="30000"/>
+  </cs:variation>
+  <cs:variation>
+    <a:lumMod val="70000"/>
+  </cs:variation>
+  <cs:variation>
+    <a:lumMod val="50000"/>
+    <a:lumOff val="50000"/>
+  </cs:variation>
+</cs:colorStyle>
+</file>
+
+<file path=ppt/charts/colors9.xml><?xml version="1.0" encoding="utf-8"?>
 <cs:colorStyle xmlns:cs="http://schemas.microsoft.com/office/drawing/2012/chartStyle" xmlns:a="http://schemas.openxmlformats.org/drawingml/2006/main" meth="cycle" id="10">
   <a:schemeClr val="accent1"/>
   <a:schemeClr val="accent2"/>
@@ -8291,6 +10064,511 @@
 </file>
 
 <file path=ppt/charts/style6.xml><?xml version="1.0" encoding="utf-8"?>
+<cs:chartStyle xmlns:cs="http://schemas.microsoft.com/office/drawing/2012/chartStyle" xmlns:a="http://schemas.openxmlformats.org/drawingml/2006/main" id="297">
+  <cs:axisTitle>
+    <cs:lnRef idx="0"/>
+    <cs:fillRef idx="0"/>
+    <cs:effectRef idx="0"/>
+    <cs:fontRef idx="minor">
+      <a:schemeClr val="tx1">
+        <a:lumMod val="65000"/>
+        <a:lumOff val="35000"/>
+      </a:schemeClr>
+    </cs:fontRef>
+    <cs:defRPr sz="1000" kern="1200"/>
+  </cs:axisTitle>
+  <cs:categoryAxis>
+    <cs:lnRef idx="0"/>
+    <cs:fillRef idx="0"/>
+    <cs:effectRef idx="0"/>
+    <cs:fontRef idx="minor">
+      <a:schemeClr val="tx1">
+        <a:lumMod val="65000"/>
+        <a:lumOff val="35000"/>
+      </a:schemeClr>
+    </cs:fontRef>
+    <cs:spPr>
+      <a:ln w="9525" cap="flat" cmpd="sng" algn="ctr">
+        <a:solidFill>
+          <a:schemeClr val="tx1">
+            <a:lumMod val="15000"/>
+            <a:lumOff val="85000"/>
+          </a:schemeClr>
+        </a:solidFill>
+        <a:round/>
+      </a:ln>
+    </cs:spPr>
+    <cs:defRPr sz="900" kern="1200"/>
+  </cs:categoryAxis>
+  <cs:chartArea mods="allowNoFillOverride allowNoLineOverride">
+    <cs:lnRef idx="0"/>
+    <cs:fillRef idx="0"/>
+    <cs:effectRef idx="0"/>
+    <cs:fontRef idx="minor">
+      <a:schemeClr val="tx1"/>
+    </cs:fontRef>
+    <cs:spPr>
+      <a:solidFill>
+        <a:schemeClr val="bg1"/>
+      </a:solidFill>
+      <a:ln w="9525" cap="flat" cmpd="sng" algn="ctr">
+        <a:solidFill>
+          <a:schemeClr val="tx1">
+            <a:lumMod val="15000"/>
+            <a:lumOff val="85000"/>
+          </a:schemeClr>
+        </a:solidFill>
+        <a:round/>
+      </a:ln>
+    </cs:spPr>
+    <cs:defRPr sz="1000" kern="1200"/>
+  </cs:chartArea>
+  <cs:dataLabel>
+    <cs:lnRef idx="0"/>
+    <cs:fillRef idx="0"/>
+    <cs:effectRef idx="0"/>
+    <cs:fontRef idx="minor">
+      <a:schemeClr val="tx1">
+        <a:lumMod val="75000"/>
+        <a:lumOff val="25000"/>
+      </a:schemeClr>
+    </cs:fontRef>
+    <cs:defRPr sz="900" kern="1200"/>
+  </cs:dataLabel>
+  <cs:dataLabelCallout>
+    <cs:lnRef idx="0"/>
+    <cs:fillRef idx="0"/>
+    <cs:effectRef idx="0"/>
+    <cs:fontRef idx="minor">
+      <a:schemeClr val="dk1">
+        <a:lumMod val="65000"/>
+        <a:lumOff val="35000"/>
+      </a:schemeClr>
+    </cs:fontRef>
+    <cs:spPr>
+      <a:solidFill>
+        <a:schemeClr val="lt1"/>
+      </a:solidFill>
+      <a:ln>
+        <a:solidFill>
+          <a:schemeClr val="dk1">
+            <a:lumMod val="25000"/>
+            <a:lumOff val="75000"/>
+          </a:schemeClr>
+        </a:solidFill>
+      </a:ln>
+    </cs:spPr>
+    <cs:defRPr sz="900" kern="1200"/>
+    <cs:bodyPr rot="0" spcFirstLastPara="1" vertOverflow="clip" horzOverflow="clip" vert="horz" wrap="square" lIns="36576" tIns="18288" rIns="36576" bIns="18288" anchor="ctr" anchorCtr="1">
+      <a:spAutoFit/>
+    </cs:bodyPr>
+  </cs:dataLabelCallout>
+  <cs:dataPoint>
+    <cs:lnRef idx="0"/>
+    <cs:fillRef idx="1">
+      <cs:styleClr val="auto"/>
+    </cs:fillRef>
+    <cs:effectRef idx="0"/>
+    <cs:fontRef idx="minor">
+      <a:schemeClr val="tx1"/>
+    </cs:fontRef>
+  </cs:dataPoint>
+  <cs:dataPoint3D>
+    <cs:lnRef idx="0"/>
+    <cs:fillRef idx="1">
+      <cs:styleClr val="auto"/>
+    </cs:fillRef>
+    <cs:effectRef idx="0"/>
+    <cs:fontRef idx="minor">
+      <a:schemeClr val="tx1"/>
+    </cs:fontRef>
+  </cs:dataPoint3D>
+  <cs:dataPointLine>
+    <cs:lnRef idx="0">
+      <cs:styleClr val="auto"/>
+    </cs:lnRef>
+    <cs:fillRef idx="1"/>
+    <cs:effectRef idx="0"/>
+    <cs:fontRef idx="minor">
+      <a:schemeClr val="tx1"/>
+    </cs:fontRef>
+    <cs:spPr>
+      <a:ln w="28575" cap="rnd">
+        <a:solidFill>
+          <a:schemeClr val="phClr"/>
+        </a:solidFill>
+        <a:round/>
+      </a:ln>
+    </cs:spPr>
+  </cs:dataPointLine>
+  <cs:dataPointMarker>
+    <cs:lnRef idx="0">
+      <cs:styleClr val="auto"/>
+    </cs:lnRef>
+    <cs:fillRef idx="1">
+      <cs:styleClr val="auto"/>
+    </cs:fillRef>
+    <cs:effectRef idx="0"/>
+    <cs:fontRef idx="minor">
+      <a:schemeClr val="tx1"/>
+    </cs:fontRef>
+    <cs:spPr>
+      <a:ln w="9525">
+        <a:solidFill>
+          <a:schemeClr val="phClr"/>
+        </a:solidFill>
+      </a:ln>
+    </cs:spPr>
+  </cs:dataPointMarker>
+  <cs:dataPointMarkerLayout symbol="circle" size="5"/>
+  <cs:dataPointWireframe>
+    <cs:lnRef idx="0">
+      <cs:styleClr val="auto"/>
+    </cs:lnRef>
+    <cs:fillRef idx="1"/>
+    <cs:effectRef idx="0"/>
+    <cs:fontRef idx="minor">
+      <a:schemeClr val="tx1"/>
+    </cs:fontRef>
+    <cs:spPr>
+      <a:ln w="9525" cap="rnd">
+        <a:solidFill>
+          <a:schemeClr val="phClr"/>
+        </a:solidFill>
+        <a:round/>
+      </a:ln>
+    </cs:spPr>
+  </cs:dataPointWireframe>
+  <cs:dataTable>
+    <cs:lnRef idx="0"/>
+    <cs:fillRef idx="0"/>
+    <cs:effectRef idx="0"/>
+    <cs:fontRef idx="minor">
+      <a:schemeClr val="tx1">
+        <a:lumMod val="65000"/>
+        <a:lumOff val="35000"/>
+      </a:schemeClr>
+    </cs:fontRef>
+    <cs:spPr>
+      <a:noFill/>
+      <a:ln w="9525" cap="flat" cmpd="sng" algn="ctr">
+        <a:solidFill>
+          <a:schemeClr val="tx1">
+            <a:lumMod val="15000"/>
+            <a:lumOff val="85000"/>
+          </a:schemeClr>
+        </a:solidFill>
+        <a:round/>
+      </a:ln>
+    </cs:spPr>
+    <cs:defRPr sz="900" kern="1200"/>
+  </cs:dataTable>
+  <cs:downBar>
+    <cs:lnRef idx="0"/>
+    <cs:fillRef idx="0"/>
+    <cs:effectRef idx="0"/>
+    <cs:fontRef idx="minor">
+      <a:schemeClr val="tx1"/>
+    </cs:fontRef>
+    <cs:spPr>
+      <a:solidFill>
+        <a:schemeClr val="dk1">
+          <a:lumMod val="75000"/>
+          <a:lumOff val="25000"/>
+        </a:schemeClr>
+      </a:solidFill>
+      <a:ln w="9525" cap="flat" cmpd="sng" algn="ctr">
+        <a:solidFill>
+          <a:schemeClr val="tx1">
+            <a:lumMod val="65000"/>
+            <a:lumOff val="35000"/>
+          </a:schemeClr>
+        </a:solidFill>
+        <a:round/>
+      </a:ln>
+    </cs:spPr>
+  </cs:downBar>
+  <cs:dropLine>
+    <cs:lnRef idx="0"/>
+    <cs:fillRef idx="0"/>
+    <cs:effectRef idx="0"/>
+    <cs:fontRef idx="minor">
+      <a:schemeClr val="tx1"/>
+    </cs:fontRef>
+    <cs:spPr>
+      <a:ln w="9525" cap="flat" cmpd="sng" algn="ctr">
+        <a:solidFill>
+          <a:schemeClr val="tx1">
+            <a:lumMod val="35000"/>
+            <a:lumOff val="65000"/>
+          </a:schemeClr>
+        </a:solidFill>
+        <a:round/>
+      </a:ln>
+    </cs:spPr>
+  </cs:dropLine>
+  <cs:errorBar>
+    <cs:lnRef idx="0"/>
+    <cs:fillRef idx="0"/>
+    <cs:effectRef idx="0"/>
+    <cs:fontRef idx="minor">
+      <a:schemeClr val="tx1"/>
+    </cs:fontRef>
+    <cs:spPr>
+      <a:ln w="9525" cap="flat" cmpd="sng" algn="ctr">
+        <a:solidFill>
+          <a:schemeClr val="tx1">
+            <a:lumMod val="65000"/>
+            <a:lumOff val="35000"/>
+          </a:schemeClr>
+        </a:solidFill>
+        <a:round/>
+      </a:ln>
+    </cs:spPr>
+  </cs:errorBar>
+  <cs:floor>
+    <cs:lnRef idx="0"/>
+    <cs:fillRef idx="0"/>
+    <cs:effectRef idx="0"/>
+    <cs:fontRef idx="minor">
+      <a:schemeClr val="tx1"/>
+    </cs:fontRef>
+    <cs:spPr>
+      <a:noFill/>
+      <a:ln>
+        <a:noFill/>
+      </a:ln>
+    </cs:spPr>
+  </cs:floor>
+  <cs:gridlineMajor>
+    <cs:lnRef idx="0"/>
+    <cs:fillRef idx="0"/>
+    <cs:effectRef idx="0"/>
+    <cs:fontRef idx="minor">
+      <a:schemeClr val="tx1"/>
+    </cs:fontRef>
+    <cs:spPr>
+      <a:ln w="9525" cap="flat" cmpd="sng" algn="ctr">
+        <a:solidFill>
+          <a:schemeClr val="tx1">
+            <a:lumMod val="15000"/>
+            <a:lumOff val="85000"/>
+          </a:schemeClr>
+        </a:solidFill>
+        <a:round/>
+      </a:ln>
+    </cs:spPr>
+  </cs:gridlineMajor>
+  <cs:gridlineMinor>
+    <cs:lnRef idx="0"/>
+    <cs:fillRef idx="0"/>
+    <cs:effectRef idx="0"/>
+    <cs:fontRef idx="minor">
+      <a:schemeClr val="tx1"/>
+    </cs:fontRef>
+    <cs:spPr>
+      <a:ln w="9525" cap="flat" cmpd="sng" algn="ctr">
+        <a:solidFill>
+          <a:schemeClr val="tx1">
+            <a:lumMod val="5000"/>
+            <a:lumOff val="95000"/>
+          </a:schemeClr>
+        </a:solidFill>
+        <a:round/>
+      </a:ln>
+    </cs:spPr>
+  </cs:gridlineMinor>
+  <cs:hiLoLine>
+    <cs:lnRef idx="0"/>
+    <cs:fillRef idx="0"/>
+    <cs:effectRef idx="0"/>
+    <cs:fontRef idx="minor">
+      <a:schemeClr val="tx1"/>
+    </cs:fontRef>
+    <cs:spPr>
+      <a:ln w="9525" cap="flat" cmpd="sng" algn="ctr">
+        <a:solidFill>
+          <a:schemeClr val="tx1">
+            <a:lumMod val="50000"/>
+            <a:lumOff val="50000"/>
+          </a:schemeClr>
+        </a:solidFill>
+        <a:round/>
+      </a:ln>
+    </cs:spPr>
+  </cs:hiLoLine>
+  <cs:leaderLine>
+    <cs:lnRef idx="0"/>
+    <cs:fillRef idx="0"/>
+    <cs:effectRef idx="0"/>
+    <cs:fontRef idx="minor">
+      <a:schemeClr val="tx1"/>
+    </cs:fontRef>
+    <cs:spPr>
+      <a:ln w="9525" cap="flat" cmpd="sng" algn="ctr">
+        <a:solidFill>
+          <a:schemeClr val="tx1">
+            <a:lumMod val="35000"/>
+            <a:lumOff val="65000"/>
+          </a:schemeClr>
+        </a:solidFill>
+        <a:round/>
+      </a:ln>
+    </cs:spPr>
+  </cs:leaderLine>
+  <cs:legend>
+    <cs:lnRef idx="0"/>
+    <cs:fillRef idx="0"/>
+    <cs:effectRef idx="0"/>
+    <cs:fontRef idx="minor">
+      <a:schemeClr val="tx1">
+        <a:lumMod val="65000"/>
+        <a:lumOff val="35000"/>
+      </a:schemeClr>
+    </cs:fontRef>
+    <cs:defRPr sz="900" kern="1200"/>
+  </cs:legend>
+  <cs:plotArea mods="allowNoFillOverride allowNoLineOverride">
+    <cs:lnRef idx="0"/>
+    <cs:fillRef idx="0"/>
+    <cs:effectRef idx="0"/>
+    <cs:fontRef idx="minor">
+      <a:schemeClr val="tx1"/>
+    </cs:fontRef>
+  </cs:plotArea>
+  <cs:plotArea3D mods="allowNoFillOverride allowNoLineOverride">
+    <cs:lnRef idx="0"/>
+    <cs:fillRef idx="0"/>
+    <cs:effectRef idx="0"/>
+    <cs:fontRef idx="minor">
+      <a:schemeClr val="tx1"/>
+    </cs:fontRef>
+  </cs:plotArea3D>
+  <cs:seriesAxis>
+    <cs:lnRef idx="0"/>
+    <cs:fillRef idx="0"/>
+    <cs:effectRef idx="0"/>
+    <cs:fontRef idx="minor">
+      <a:schemeClr val="tx1">
+        <a:lumMod val="65000"/>
+        <a:lumOff val="35000"/>
+      </a:schemeClr>
+    </cs:fontRef>
+    <cs:defRPr sz="900" kern="1200"/>
+  </cs:seriesAxis>
+  <cs:seriesLine>
+    <cs:lnRef idx="0"/>
+    <cs:fillRef idx="0"/>
+    <cs:effectRef idx="0"/>
+    <cs:fontRef idx="minor">
+      <a:schemeClr val="tx1"/>
+    </cs:fontRef>
+    <cs:spPr>
+      <a:ln w="9525" cap="flat" cmpd="sng" algn="ctr">
+        <a:solidFill>
+          <a:schemeClr val="tx1">
+            <a:lumMod val="35000"/>
+            <a:lumOff val="65000"/>
+          </a:schemeClr>
+        </a:solidFill>
+        <a:round/>
+      </a:ln>
+    </cs:spPr>
+  </cs:seriesLine>
+  <cs:title>
+    <cs:lnRef idx="0"/>
+    <cs:fillRef idx="0"/>
+    <cs:effectRef idx="0"/>
+    <cs:fontRef idx="minor">
+      <a:schemeClr val="tx1">
+        <a:lumMod val="65000"/>
+        <a:lumOff val="35000"/>
+      </a:schemeClr>
+    </cs:fontRef>
+    <cs:defRPr sz="1400" b="0" kern="1200" spc="0" baseline="0"/>
+  </cs:title>
+  <cs:trendline>
+    <cs:lnRef idx="0">
+      <cs:styleClr val="auto"/>
+    </cs:lnRef>
+    <cs:fillRef idx="0"/>
+    <cs:effectRef idx="0"/>
+    <cs:fontRef idx="minor">
+      <a:schemeClr val="tx1"/>
+    </cs:fontRef>
+    <cs:spPr>
+      <a:ln w="19050" cap="rnd">
+        <a:solidFill>
+          <a:schemeClr val="phClr"/>
+        </a:solidFill>
+        <a:prstDash val="sysDot"/>
+      </a:ln>
+    </cs:spPr>
+  </cs:trendline>
+  <cs:trendlineLabel>
+    <cs:lnRef idx="0"/>
+    <cs:fillRef idx="0"/>
+    <cs:effectRef idx="0"/>
+    <cs:fontRef idx="minor">
+      <a:schemeClr val="tx1">
+        <a:lumMod val="65000"/>
+        <a:lumOff val="35000"/>
+      </a:schemeClr>
+    </cs:fontRef>
+    <cs:defRPr sz="900" kern="1200"/>
+  </cs:trendlineLabel>
+  <cs:upBar>
+    <cs:lnRef idx="0"/>
+    <cs:fillRef idx="0"/>
+    <cs:effectRef idx="0"/>
+    <cs:fontRef idx="minor">
+      <a:schemeClr val="tx1"/>
+    </cs:fontRef>
+    <cs:spPr>
+      <a:solidFill>
+        <a:schemeClr val="lt1"/>
+      </a:solidFill>
+      <a:ln w="9525" cap="flat" cmpd="sng" algn="ctr">
+        <a:solidFill>
+          <a:schemeClr val="tx1">
+            <a:lumMod val="65000"/>
+            <a:lumOff val="35000"/>
+          </a:schemeClr>
+        </a:solidFill>
+        <a:round/>
+      </a:ln>
+    </cs:spPr>
+  </cs:upBar>
+  <cs:valueAxis>
+    <cs:lnRef idx="0"/>
+    <cs:fillRef idx="0"/>
+    <cs:effectRef idx="0"/>
+    <cs:fontRef idx="minor">
+      <a:schemeClr val="tx1">
+        <a:lumMod val="65000"/>
+        <a:lumOff val="35000"/>
+      </a:schemeClr>
+    </cs:fontRef>
+    <cs:defRPr sz="900" kern="1200"/>
+  </cs:valueAxis>
+  <cs:wall>
+    <cs:lnRef idx="0"/>
+    <cs:fillRef idx="0"/>
+    <cs:effectRef idx="0"/>
+    <cs:fontRef idx="minor">
+      <a:schemeClr val="tx1"/>
+    </cs:fontRef>
+    <cs:spPr>
+      <a:noFill/>
+      <a:ln>
+        <a:noFill/>
+      </a:ln>
+    </cs:spPr>
+  </cs:wall>
+</cs:chartStyle>
+</file>
+
+<file path=ppt/charts/style7.xml><?xml version="1.0" encoding="utf-8"?>
 <cs:chartStyle xmlns:cs="http://schemas.microsoft.com/office/drawing/2012/chartStyle" xmlns:a="http://schemas.openxmlformats.org/drawingml/2006/main" id="240">
   <cs:axisTitle>
     <cs:lnRef idx="0"/>
@@ -8806,7 +11084,523 @@
 </cs:chartStyle>
 </file>
 
-<file path=ppt/charts/style7.xml><?xml version="1.0" encoding="utf-8"?>
+<file path=ppt/charts/style8.xml><?xml version="1.0" encoding="utf-8"?>
+<cs:chartStyle xmlns:cs="http://schemas.microsoft.com/office/drawing/2012/chartStyle" xmlns:a="http://schemas.openxmlformats.org/drawingml/2006/main" id="240">
+  <cs:axisTitle>
+    <cs:lnRef idx="0"/>
+    <cs:fillRef idx="0"/>
+    <cs:effectRef idx="0"/>
+    <cs:fontRef idx="minor">
+      <a:schemeClr val="tx1">
+        <a:lumMod val="65000"/>
+        <a:lumOff val="35000"/>
+      </a:schemeClr>
+    </cs:fontRef>
+    <cs:defRPr sz="1000" kern="1200"/>
+  </cs:axisTitle>
+  <cs:categoryAxis>
+    <cs:lnRef idx="0"/>
+    <cs:fillRef idx="0"/>
+    <cs:effectRef idx="0"/>
+    <cs:fontRef idx="minor">
+      <a:schemeClr val="tx1">
+        <a:lumMod val="65000"/>
+        <a:lumOff val="35000"/>
+      </a:schemeClr>
+    </cs:fontRef>
+    <cs:spPr>
+      <a:ln w="9525" cap="flat" cmpd="sng" algn="ctr">
+        <a:solidFill>
+          <a:schemeClr val="tx1">
+            <a:lumMod val="25000"/>
+            <a:lumOff val="75000"/>
+          </a:schemeClr>
+        </a:solidFill>
+        <a:round/>
+      </a:ln>
+    </cs:spPr>
+    <cs:defRPr sz="900" kern="1200"/>
+  </cs:categoryAxis>
+  <cs:chartArea mods="allowNoFillOverride allowNoLineOverride">
+    <cs:lnRef idx="0"/>
+    <cs:fillRef idx="0"/>
+    <cs:effectRef idx="0"/>
+    <cs:fontRef idx="minor">
+      <a:schemeClr val="tx1"/>
+    </cs:fontRef>
+    <cs:spPr>
+      <a:solidFill>
+        <a:schemeClr val="bg1"/>
+      </a:solidFill>
+      <a:ln w="9525" cap="flat" cmpd="sng" algn="ctr">
+        <a:solidFill>
+          <a:schemeClr val="tx1">
+            <a:lumMod val="15000"/>
+            <a:lumOff val="85000"/>
+          </a:schemeClr>
+        </a:solidFill>
+        <a:round/>
+      </a:ln>
+    </cs:spPr>
+    <cs:defRPr sz="1000" kern="1200"/>
+  </cs:chartArea>
+  <cs:dataLabel>
+    <cs:lnRef idx="0"/>
+    <cs:fillRef idx="0"/>
+    <cs:effectRef idx="0"/>
+    <cs:fontRef idx="minor">
+      <a:schemeClr val="tx1">
+        <a:lumMod val="75000"/>
+        <a:lumOff val="25000"/>
+      </a:schemeClr>
+    </cs:fontRef>
+    <cs:defRPr sz="900" kern="1200"/>
+  </cs:dataLabel>
+  <cs:dataLabelCallout>
+    <cs:lnRef idx="0"/>
+    <cs:fillRef idx="0"/>
+    <cs:effectRef idx="0"/>
+    <cs:fontRef idx="minor">
+      <a:schemeClr val="dk1">
+        <a:lumMod val="65000"/>
+        <a:lumOff val="35000"/>
+      </a:schemeClr>
+    </cs:fontRef>
+    <cs:spPr>
+      <a:solidFill>
+        <a:schemeClr val="lt1"/>
+      </a:solidFill>
+      <a:ln>
+        <a:solidFill>
+          <a:schemeClr val="dk1">
+            <a:lumMod val="25000"/>
+            <a:lumOff val="75000"/>
+          </a:schemeClr>
+        </a:solidFill>
+      </a:ln>
+    </cs:spPr>
+    <cs:defRPr sz="900" kern="1200"/>
+    <cs:bodyPr rot="0" spcFirstLastPara="1" vertOverflow="clip" horzOverflow="clip" vert="horz" wrap="square" lIns="36576" tIns="18288" rIns="36576" bIns="18288" anchor="ctr" anchorCtr="1">
+      <a:spAutoFit/>
+    </cs:bodyPr>
+  </cs:dataLabelCallout>
+  <cs:dataPoint>
+    <cs:lnRef idx="0"/>
+    <cs:fillRef idx="1">
+      <cs:styleClr val="auto"/>
+    </cs:fillRef>
+    <cs:effectRef idx="0"/>
+    <cs:fontRef idx="minor">
+      <a:schemeClr val="tx1"/>
+    </cs:fontRef>
+  </cs:dataPoint>
+  <cs:dataPoint3D>
+    <cs:lnRef idx="0"/>
+    <cs:fillRef idx="1">
+      <cs:styleClr val="auto"/>
+    </cs:fillRef>
+    <cs:effectRef idx="0"/>
+    <cs:fontRef idx="minor">
+      <a:schemeClr val="tx1"/>
+    </cs:fontRef>
+  </cs:dataPoint3D>
+  <cs:dataPointLine>
+    <cs:lnRef idx="0">
+      <cs:styleClr val="auto"/>
+    </cs:lnRef>
+    <cs:fillRef idx="1"/>
+    <cs:effectRef idx="0"/>
+    <cs:fontRef idx="minor">
+      <a:schemeClr val="tx1"/>
+    </cs:fontRef>
+    <cs:spPr>
+      <a:ln w="19050" cap="rnd">
+        <a:solidFill>
+          <a:schemeClr val="phClr"/>
+        </a:solidFill>
+        <a:round/>
+      </a:ln>
+    </cs:spPr>
+  </cs:dataPointLine>
+  <cs:dataPointMarker>
+    <cs:lnRef idx="0">
+      <cs:styleClr val="auto"/>
+    </cs:lnRef>
+    <cs:fillRef idx="1">
+      <cs:styleClr val="auto"/>
+    </cs:fillRef>
+    <cs:effectRef idx="0"/>
+    <cs:fontRef idx="minor">
+      <a:schemeClr val="tx1"/>
+    </cs:fontRef>
+    <cs:spPr>
+      <a:ln w="9525">
+        <a:solidFill>
+          <a:schemeClr val="phClr"/>
+        </a:solidFill>
+      </a:ln>
+    </cs:spPr>
+  </cs:dataPointMarker>
+  <cs:dataPointMarkerLayout symbol="circle" size="5"/>
+  <cs:dataPointWireframe>
+    <cs:lnRef idx="0">
+      <cs:styleClr val="auto"/>
+    </cs:lnRef>
+    <cs:fillRef idx="0"/>
+    <cs:effectRef idx="0"/>
+    <cs:fontRef idx="minor">
+      <a:schemeClr val="dk1"/>
+    </cs:fontRef>
+    <cs:spPr>
+      <a:ln w="9525" cap="rnd">
+        <a:solidFill>
+          <a:schemeClr val="phClr"/>
+        </a:solidFill>
+        <a:round/>
+      </a:ln>
+    </cs:spPr>
+  </cs:dataPointWireframe>
+  <cs:dataTable>
+    <cs:lnRef idx="0"/>
+    <cs:fillRef idx="0"/>
+    <cs:effectRef idx="0"/>
+    <cs:fontRef idx="minor">
+      <a:schemeClr val="tx1">
+        <a:lumMod val="65000"/>
+        <a:lumOff val="35000"/>
+      </a:schemeClr>
+    </cs:fontRef>
+    <cs:spPr>
+      <a:noFill/>
+      <a:ln w="9525" cap="flat" cmpd="sng" algn="ctr">
+        <a:solidFill>
+          <a:schemeClr val="tx1">
+            <a:lumMod val="15000"/>
+            <a:lumOff val="85000"/>
+          </a:schemeClr>
+        </a:solidFill>
+        <a:round/>
+      </a:ln>
+    </cs:spPr>
+    <cs:defRPr sz="900" kern="1200"/>
+  </cs:dataTable>
+  <cs:downBar>
+    <cs:lnRef idx="0"/>
+    <cs:fillRef idx="0"/>
+    <cs:effectRef idx="0"/>
+    <cs:fontRef idx="minor">
+      <a:schemeClr val="tx1"/>
+    </cs:fontRef>
+    <cs:spPr>
+      <a:solidFill>
+        <a:schemeClr val="dk1">
+          <a:lumMod val="75000"/>
+          <a:lumOff val="25000"/>
+        </a:schemeClr>
+      </a:solidFill>
+      <a:ln w="9525" cap="flat" cmpd="sng" algn="ctr">
+        <a:solidFill>
+          <a:schemeClr val="tx1">
+            <a:lumMod val="65000"/>
+            <a:lumOff val="35000"/>
+          </a:schemeClr>
+        </a:solidFill>
+        <a:round/>
+      </a:ln>
+    </cs:spPr>
+  </cs:downBar>
+  <cs:dropLine>
+    <cs:lnRef idx="0"/>
+    <cs:fillRef idx="0"/>
+    <cs:effectRef idx="0"/>
+    <cs:fontRef idx="minor">
+      <a:schemeClr val="tx1"/>
+    </cs:fontRef>
+    <cs:spPr>
+      <a:ln w="9525" cap="flat" cmpd="sng" algn="ctr">
+        <a:solidFill>
+          <a:schemeClr val="tx1">
+            <a:lumMod val="35000"/>
+            <a:lumOff val="65000"/>
+          </a:schemeClr>
+        </a:solidFill>
+        <a:round/>
+      </a:ln>
+    </cs:spPr>
+  </cs:dropLine>
+  <cs:errorBar>
+    <cs:lnRef idx="0"/>
+    <cs:fillRef idx="0"/>
+    <cs:effectRef idx="0"/>
+    <cs:fontRef idx="minor">
+      <a:schemeClr val="tx1"/>
+    </cs:fontRef>
+    <cs:spPr>
+      <a:ln w="9525" cap="flat" cmpd="sng" algn="ctr">
+        <a:solidFill>
+          <a:schemeClr val="tx1">
+            <a:lumMod val="65000"/>
+            <a:lumOff val="35000"/>
+          </a:schemeClr>
+        </a:solidFill>
+        <a:round/>
+      </a:ln>
+    </cs:spPr>
+  </cs:errorBar>
+  <cs:floor>
+    <cs:lnRef idx="0"/>
+    <cs:fillRef idx="0"/>
+    <cs:effectRef idx="0"/>
+    <cs:fontRef idx="minor">
+      <a:schemeClr val="tx1"/>
+    </cs:fontRef>
+    <cs:spPr>
+      <a:noFill/>
+      <a:ln>
+        <a:noFill/>
+      </a:ln>
+    </cs:spPr>
+  </cs:floor>
+  <cs:gridlineMajor>
+    <cs:lnRef idx="0"/>
+    <cs:fillRef idx="0"/>
+    <cs:effectRef idx="0"/>
+    <cs:fontRef idx="minor">
+      <a:schemeClr val="tx1"/>
+    </cs:fontRef>
+    <cs:spPr>
+      <a:ln w="9525" cap="flat" cmpd="sng" algn="ctr">
+        <a:solidFill>
+          <a:schemeClr val="tx1">
+            <a:lumMod val="15000"/>
+            <a:lumOff val="85000"/>
+          </a:schemeClr>
+        </a:solidFill>
+        <a:round/>
+      </a:ln>
+    </cs:spPr>
+  </cs:gridlineMajor>
+  <cs:gridlineMinor>
+    <cs:lnRef idx="0"/>
+    <cs:fillRef idx="0"/>
+    <cs:effectRef idx="0"/>
+    <cs:fontRef idx="minor">
+      <a:schemeClr val="tx1"/>
+    </cs:fontRef>
+    <cs:spPr>
+      <a:ln w="9525" cap="flat" cmpd="sng" algn="ctr">
+        <a:solidFill>
+          <a:schemeClr val="tx1">
+            <a:lumMod val="5000"/>
+            <a:lumOff val="95000"/>
+          </a:schemeClr>
+        </a:solidFill>
+        <a:round/>
+      </a:ln>
+    </cs:spPr>
+  </cs:gridlineMinor>
+  <cs:hiLoLine>
+    <cs:lnRef idx="0"/>
+    <cs:fillRef idx="0"/>
+    <cs:effectRef idx="0"/>
+    <cs:fontRef idx="minor">
+      <a:schemeClr val="tx1"/>
+    </cs:fontRef>
+    <cs:spPr>
+      <a:ln w="9525" cap="flat" cmpd="sng" algn="ctr">
+        <a:solidFill>
+          <a:schemeClr val="tx1">
+            <a:lumMod val="50000"/>
+            <a:lumOff val="50000"/>
+          </a:schemeClr>
+        </a:solidFill>
+        <a:round/>
+      </a:ln>
+    </cs:spPr>
+  </cs:hiLoLine>
+  <cs:leaderLine>
+    <cs:lnRef idx="0"/>
+    <cs:fillRef idx="0"/>
+    <cs:effectRef idx="0"/>
+    <cs:fontRef idx="minor">
+      <a:schemeClr val="tx1"/>
+    </cs:fontRef>
+    <cs:spPr>
+      <a:ln w="9525" cap="flat" cmpd="sng" algn="ctr">
+        <a:solidFill>
+          <a:schemeClr val="tx1">
+            <a:lumMod val="35000"/>
+            <a:lumOff val="65000"/>
+          </a:schemeClr>
+        </a:solidFill>
+        <a:round/>
+      </a:ln>
+    </cs:spPr>
+  </cs:leaderLine>
+  <cs:legend>
+    <cs:lnRef idx="0"/>
+    <cs:fillRef idx="0"/>
+    <cs:effectRef idx="0"/>
+    <cs:fontRef idx="minor">
+      <a:schemeClr val="tx1">
+        <a:lumMod val="65000"/>
+        <a:lumOff val="35000"/>
+      </a:schemeClr>
+    </cs:fontRef>
+    <cs:defRPr sz="900" kern="1200"/>
+  </cs:legend>
+  <cs:plotArea mods="allowNoFillOverride allowNoLineOverride">
+    <cs:lnRef idx="0"/>
+    <cs:fillRef idx="0"/>
+    <cs:effectRef idx="0"/>
+    <cs:fontRef idx="minor">
+      <a:schemeClr val="tx1"/>
+    </cs:fontRef>
+  </cs:plotArea>
+  <cs:plotArea3D mods="allowNoFillOverride allowNoLineOverride">
+    <cs:lnRef idx="0"/>
+    <cs:fillRef idx="0"/>
+    <cs:effectRef idx="0"/>
+    <cs:fontRef idx="minor">
+      <a:schemeClr val="tx1"/>
+    </cs:fontRef>
+  </cs:plotArea3D>
+  <cs:seriesAxis>
+    <cs:lnRef idx="0"/>
+    <cs:fillRef idx="0"/>
+    <cs:effectRef idx="0"/>
+    <cs:fontRef idx="minor">
+      <a:schemeClr val="tx1">
+        <a:lumMod val="65000"/>
+        <a:lumOff val="35000"/>
+      </a:schemeClr>
+    </cs:fontRef>
+    <cs:defRPr sz="900" kern="1200"/>
+  </cs:seriesAxis>
+  <cs:seriesLine>
+    <cs:lnRef idx="0"/>
+    <cs:fillRef idx="0"/>
+    <cs:effectRef idx="0"/>
+    <cs:fontRef idx="minor">
+      <a:schemeClr val="tx1"/>
+    </cs:fontRef>
+    <cs:spPr>
+      <a:ln w="9525" cap="flat" cmpd="sng" algn="ctr">
+        <a:solidFill>
+          <a:schemeClr val="tx1">
+            <a:lumMod val="35000"/>
+            <a:lumOff val="65000"/>
+          </a:schemeClr>
+        </a:solidFill>
+        <a:round/>
+      </a:ln>
+    </cs:spPr>
+  </cs:seriesLine>
+  <cs:title>
+    <cs:lnRef idx="0"/>
+    <cs:fillRef idx="0"/>
+    <cs:effectRef idx="0"/>
+    <cs:fontRef idx="minor">
+      <a:schemeClr val="tx1">
+        <a:lumMod val="65000"/>
+        <a:lumOff val="35000"/>
+      </a:schemeClr>
+    </cs:fontRef>
+    <cs:defRPr sz="1400" b="0" kern="1200" spc="0" baseline="0"/>
+  </cs:title>
+  <cs:trendline>
+    <cs:lnRef idx="0">
+      <cs:styleClr val="auto"/>
+    </cs:lnRef>
+    <cs:fillRef idx="0"/>
+    <cs:effectRef idx="0"/>
+    <cs:fontRef idx="minor">
+      <a:schemeClr val="tx1"/>
+    </cs:fontRef>
+    <cs:spPr>
+      <a:ln w="19050" cap="rnd">
+        <a:solidFill>
+          <a:schemeClr val="phClr"/>
+        </a:solidFill>
+        <a:prstDash val="sysDot"/>
+      </a:ln>
+    </cs:spPr>
+  </cs:trendline>
+  <cs:trendlineLabel>
+    <cs:lnRef idx="0"/>
+    <cs:fillRef idx="0"/>
+    <cs:effectRef idx="0"/>
+    <cs:fontRef idx="minor">
+      <a:schemeClr val="tx1">
+        <a:lumMod val="65000"/>
+        <a:lumOff val="35000"/>
+      </a:schemeClr>
+    </cs:fontRef>
+    <cs:defRPr sz="900" kern="1200"/>
+  </cs:trendlineLabel>
+  <cs:upBar>
+    <cs:lnRef idx="0"/>
+    <cs:fillRef idx="0"/>
+    <cs:effectRef idx="0"/>
+    <cs:fontRef idx="minor">
+      <a:schemeClr val="tx1"/>
+    </cs:fontRef>
+    <cs:spPr>
+      <a:solidFill>
+        <a:schemeClr val="lt1"/>
+      </a:solidFill>
+      <a:ln w="9525" cap="flat" cmpd="sng" algn="ctr">
+        <a:solidFill>
+          <a:schemeClr val="tx1">
+            <a:lumMod val="65000"/>
+            <a:lumOff val="35000"/>
+          </a:schemeClr>
+        </a:solidFill>
+        <a:round/>
+      </a:ln>
+    </cs:spPr>
+  </cs:upBar>
+  <cs:valueAxis>
+    <cs:lnRef idx="0"/>
+    <cs:fillRef idx="0"/>
+    <cs:effectRef idx="0"/>
+    <cs:fontRef idx="minor">
+      <a:schemeClr val="tx1">
+        <a:lumMod val="65000"/>
+        <a:lumOff val="35000"/>
+      </a:schemeClr>
+    </cs:fontRef>
+    <cs:spPr>
+      <a:ln w="9525" cap="flat" cmpd="sng" algn="ctr">
+        <a:solidFill>
+          <a:schemeClr val="tx1">
+            <a:lumMod val="25000"/>
+            <a:lumOff val="75000"/>
+          </a:schemeClr>
+        </a:solidFill>
+        <a:round/>
+      </a:ln>
+    </cs:spPr>
+    <cs:defRPr sz="900" kern="1200"/>
+  </cs:valueAxis>
+  <cs:wall>
+    <cs:lnRef idx="0"/>
+    <cs:fillRef idx="0"/>
+    <cs:effectRef idx="0"/>
+    <cs:fontRef idx="minor">
+      <a:schemeClr val="tx1"/>
+    </cs:fontRef>
+    <cs:spPr>
+      <a:noFill/>
+      <a:ln>
+        <a:noFill/>
+      </a:ln>
+    </cs:spPr>
+  </cs:wall>
+</cs:chartStyle>
+</file>
+
+<file path=ppt/charts/style9.xml><?xml version="1.0" encoding="utf-8"?>
 <cs:chartStyle xmlns:cs="http://schemas.microsoft.com/office/drawing/2012/chartStyle" xmlns:a="http://schemas.openxmlformats.org/drawingml/2006/main" id="240">
   <cs:axisTitle>
     <cs:lnRef idx="0"/>
@@ -9391,6 +12185,173 @@
 </c:userShapes>
 </file>
 
+<file path=ppt/drawings/drawing2.xml><?xml version="1.0" encoding="utf-8"?>
+<c:userShapes xmlns:c="http://schemas.openxmlformats.org/drawingml/2006/chart">
+  <cdr:relSizeAnchor xmlns:cdr="http://schemas.openxmlformats.org/drawingml/2006/chartDrawing">
+    <cdr:from>
+      <cdr:x>0.07354</cdr:x>
+      <cdr:y>0.92364</cdr:y>
+    </cdr:from>
+    <cdr:to>
+      <cdr:x>0.14854</cdr:x>
+      <cdr:y>0.97025</cdr:y>
+    </cdr:to>
+    <cdr:sp macro="" textlink="">
+      <cdr:nvSpPr>
+        <cdr:cNvPr id="3" name="TextBox 2"/>
+        <cdr:cNvSpPr txBox="1"/>
+      </cdr:nvSpPr>
+      <cdr:spPr>
+        <a:xfrm xmlns:a="http://schemas.openxmlformats.org/drawingml/2006/main">
+          <a:off x="896587" y="5530241"/>
+          <a:ext cx="914400" cy="279070"/>
+        </a:xfrm>
+        <a:prstGeom xmlns:a="http://schemas.openxmlformats.org/drawingml/2006/main" prst="rect">
+          <a:avLst/>
+        </a:prstGeom>
+      </cdr:spPr>
+      <cdr:txBody>
+        <a:bodyPr xmlns:a="http://schemas.openxmlformats.org/drawingml/2006/main" vertOverflow="clip" wrap="none" rtlCol="0"/>
+        <a:lstStyle xmlns:a="http://schemas.openxmlformats.org/drawingml/2006/main"/>
+        <a:p xmlns:a="http://schemas.openxmlformats.org/drawingml/2006/main">
+          <a:r>
+            <a:rPr lang="en-US" sz="1400" dirty="0" smtClean="0">
+              <a:solidFill>
+                <a:schemeClr val="tx1"/>
+              </a:solidFill>
+            </a:rPr>
+            <a:t>One Computer</a:t>
+          </a:r>
+          <a:endParaRPr lang="en-US" sz="1400" dirty="0">
+            <a:solidFill>
+              <a:schemeClr val="tx1"/>
+            </a:solidFill>
+          </a:endParaRPr>
+        </a:p>
+      </cdr:txBody>
+    </cdr:sp>
+  </cdr:relSizeAnchor>
+  <cdr:relSizeAnchor xmlns:cdr="http://schemas.openxmlformats.org/drawingml/2006/chartDrawing">
+    <cdr:from>
+      <cdr:x>0.9212</cdr:x>
+      <cdr:y>0.76937</cdr:y>
+    </cdr:from>
+    <cdr:to>
+      <cdr:x>0.9962</cdr:x>
+      <cdr:y>0.81598</cdr:y>
+    </cdr:to>
+    <cdr:sp macro="" textlink="">
+      <cdr:nvSpPr>
+        <cdr:cNvPr id="4" name="TextBox 3"/>
+        <cdr:cNvSpPr txBox="1"/>
+      </cdr:nvSpPr>
+      <cdr:spPr>
+        <a:xfrm xmlns:a="http://schemas.openxmlformats.org/drawingml/2006/main">
+          <a:off x="11231216" y="4606568"/>
+          <a:ext cx="914400" cy="279070"/>
+        </a:xfrm>
+        <a:prstGeom xmlns:a="http://schemas.openxmlformats.org/drawingml/2006/main" prst="rect">
+          <a:avLst/>
+        </a:prstGeom>
+      </cdr:spPr>
+      <cdr:txBody>
+        <a:bodyPr xmlns:a="http://schemas.openxmlformats.org/drawingml/2006/main" wrap="none" rtlCol="0"/>
+        <a:lstStyle xmlns:a="http://schemas.openxmlformats.org/drawingml/2006/main">
+          <a:lvl1pPr marL="0" indent="0">
+            <a:defRPr sz="1100">
+              <a:latin typeface="+mn-lt"/>
+              <a:ea typeface="+mn-ea"/>
+              <a:cs typeface="+mn-cs"/>
+            </a:defRPr>
+          </a:lvl1pPr>
+          <a:lvl2pPr marL="457200" indent="0">
+            <a:defRPr sz="1100">
+              <a:latin typeface="+mn-lt"/>
+              <a:ea typeface="+mn-ea"/>
+              <a:cs typeface="+mn-cs"/>
+            </a:defRPr>
+          </a:lvl2pPr>
+          <a:lvl3pPr marL="914400" indent="0">
+            <a:defRPr sz="1100">
+              <a:latin typeface="+mn-lt"/>
+              <a:ea typeface="+mn-ea"/>
+              <a:cs typeface="+mn-cs"/>
+            </a:defRPr>
+          </a:lvl3pPr>
+          <a:lvl4pPr marL="1371600" indent="0">
+            <a:defRPr sz="1100">
+              <a:latin typeface="+mn-lt"/>
+              <a:ea typeface="+mn-ea"/>
+              <a:cs typeface="+mn-cs"/>
+            </a:defRPr>
+          </a:lvl4pPr>
+          <a:lvl5pPr marL="1828800" indent="0">
+            <a:defRPr sz="1100">
+              <a:latin typeface="+mn-lt"/>
+              <a:ea typeface="+mn-ea"/>
+              <a:cs typeface="+mn-cs"/>
+            </a:defRPr>
+          </a:lvl5pPr>
+          <a:lvl6pPr marL="2286000" indent="0">
+            <a:defRPr sz="1100">
+              <a:latin typeface="+mn-lt"/>
+              <a:ea typeface="+mn-ea"/>
+              <a:cs typeface="+mn-cs"/>
+            </a:defRPr>
+          </a:lvl6pPr>
+          <a:lvl7pPr marL="2743200" indent="0">
+            <a:defRPr sz="1100">
+              <a:latin typeface="+mn-lt"/>
+              <a:ea typeface="+mn-ea"/>
+              <a:cs typeface="+mn-cs"/>
+            </a:defRPr>
+          </a:lvl7pPr>
+          <a:lvl8pPr marL="3200400" indent="0">
+            <a:defRPr sz="1100">
+              <a:latin typeface="+mn-lt"/>
+              <a:ea typeface="+mn-ea"/>
+              <a:cs typeface="+mn-cs"/>
+            </a:defRPr>
+          </a:lvl8pPr>
+          <a:lvl9pPr marL="3657600" indent="0">
+            <a:defRPr sz="1100">
+              <a:latin typeface="+mn-lt"/>
+              <a:ea typeface="+mn-ea"/>
+              <a:cs typeface="+mn-cs"/>
+            </a:defRPr>
+          </a:lvl9pPr>
+        </a:lstStyle>
+        <a:p xmlns:a="http://schemas.openxmlformats.org/drawingml/2006/main">
+          <a:r>
+            <a:rPr lang="en-US" sz="1400" dirty="0" smtClean="0">
+              <a:solidFill>
+                <a:schemeClr val="tx1"/>
+              </a:solidFill>
+            </a:rPr>
+            <a:t>   Fifteen</a:t>
+          </a:r>
+        </a:p>
+        <a:p xmlns:a="http://schemas.openxmlformats.org/drawingml/2006/main">
+          <a:r>
+            <a:rPr lang="en-US" sz="1400" dirty="0" smtClean="0">
+              <a:solidFill>
+                <a:schemeClr val="tx1"/>
+              </a:solidFill>
+            </a:rPr>
+            <a:t>Computers</a:t>
+          </a:r>
+          <a:endParaRPr lang="en-US" sz="1400" dirty="0">
+            <a:solidFill>
+              <a:schemeClr val="tx1"/>
+            </a:solidFill>
+          </a:endParaRPr>
+        </a:p>
+      </cdr:txBody>
+    </cdr:sp>
+  </cdr:relSizeAnchor>
+</c:userShapes>
+</file>
+
 <file path=ppt/notesMasters/notesMaster1.xml><?xml version="1.0" encoding="utf-8"?>
 <p:notesMaster xmlns:a="http://schemas.openxmlformats.org/drawingml/2006/main" xmlns:r="http://schemas.openxmlformats.org/officeDocument/2006/relationships" xmlns:p="http://schemas.openxmlformats.org/presentationml/2006/main">
   <p:cSld>
@@ -9473,7 +12434,7 @@
           <a:p>
             <a:fld id="{E5E12688-8E35-CA4B-B576-BA5244C40734}" type="datetimeFigureOut">
               <a:rPr lang="en-US" smtClean="0"/>
-              <a:t>5/22/17</a:t>
+              <a:t>5/23/17</a:t>
             </a:fld>
             <a:endParaRPr lang="en-US"/>
           </a:p>
@@ -9825,6 +12786,90 @@
 </p:notes>
 </file>
 
+<file path=ppt/notesSlides/notesSlide2.xml><?xml version="1.0" encoding="utf-8"?>
+<p:notes xmlns:a="http://schemas.openxmlformats.org/drawingml/2006/main" xmlns:r="http://schemas.openxmlformats.org/officeDocument/2006/relationships" xmlns:p="http://schemas.openxmlformats.org/presentationml/2006/main">
+  <p:cSld>
+    <p:spTree>
+      <p:nvGrpSpPr>
+        <p:cNvPr id="1" name=""/>
+        <p:cNvGrpSpPr/>
+        <p:nvPr/>
+      </p:nvGrpSpPr>
+      <p:grpSpPr>
+        <a:xfrm>
+          <a:off x="0" y="0"/>
+          <a:ext cx="0" cy="0"/>
+          <a:chOff x="0" y="0"/>
+          <a:chExt cx="0" cy="0"/>
+        </a:xfrm>
+      </p:grpSpPr>
+      <p:sp>
+        <p:nvSpPr>
+          <p:cNvPr id="2" name="Slide Image Placeholder 1"/>
+          <p:cNvSpPr>
+            <a:spLocks noGrp="1" noRot="1" noChangeAspect="1"/>
+          </p:cNvSpPr>
+          <p:nvPr>
+            <p:ph type="sldImg"/>
+          </p:nvPr>
+        </p:nvSpPr>
+        <p:spPr/>
+      </p:sp>
+      <p:sp>
+        <p:nvSpPr>
+          <p:cNvPr id="3" name="Notes Placeholder 2"/>
+          <p:cNvSpPr>
+            <a:spLocks noGrp="1"/>
+          </p:cNvSpPr>
+          <p:nvPr>
+            <p:ph type="body" idx="1"/>
+          </p:nvPr>
+        </p:nvSpPr>
+        <p:spPr/>
+        <p:txBody>
+          <a:bodyPr/>
+          <a:lstStyle/>
+          <a:p>
+            <a:endParaRPr lang="en-US" dirty="0"/>
+          </a:p>
+        </p:txBody>
+      </p:sp>
+      <p:sp>
+        <p:nvSpPr>
+          <p:cNvPr id="4" name="Slide Number Placeholder 3"/>
+          <p:cNvSpPr>
+            <a:spLocks noGrp="1"/>
+          </p:cNvSpPr>
+          <p:nvPr>
+            <p:ph type="sldNum" sz="quarter" idx="10"/>
+          </p:nvPr>
+        </p:nvSpPr>
+        <p:spPr/>
+        <p:txBody>
+          <a:bodyPr/>
+          <a:lstStyle/>
+          <a:p>
+            <a:fld id="{6092F379-BBDA-4C4C-8388-62C243978CCA}" type="slidenum">
+              <a:rPr lang="en-US" smtClean="0"/>
+              <a:t>18</a:t>
+            </a:fld>
+            <a:endParaRPr lang="en-US"/>
+          </a:p>
+        </p:txBody>
+      </p:sp>
+    </p:spTree>
+    <p:extLst>
+      <p:ext uri="{BB962C8B-B14F-4D97-AF65-F5344CB8AC3E}">
+        <p14:creationId xmlns:p14="http://schemas.microsoft.com/office/powerpoint/2010/main" val="718742718"/>
+      </p:ext>
+    </p:extLst>
+  </p:cSld>
+  <p:clrMapOvr>
+    <a:masterClrMapping/>
+  </p:clrMapOvr>
+</p:notes>
+</file>
+
 <file path=ppt/slideLayouts/slideLayout1.xml><?xml version="1.0" encoding="utf-8"?>
 <p:sldLayout xmlns:a="http://schemas.openxmlformats.org/drawingml/2006/main" xmlns:r="http://schemas.openxmlformats.org/officeDocument/2006/relationships" xmlns:p="http://schemas.openxmlformats.org/presentationml/2006/main" type="title" preserve="1">
   <p:cSld name="Title Slide">
@@ -9956,7 +13001,7 @@
           <a:p>
             <a:fld id="{3E16F4F7-D7BF-9146-8E12-4D8712091BAE}" type="datetimeFigureOut">
               <a:rPr lang="en-US" smtClean="0"/>
-              <a:t>5/22/17</a:t>
+              <a:t>5/23/17</a:t>
             </a:fld>
             <a:endParaRPr lang="en-US"/>
           </a:p>
@@ -10126,7 +13171,7 @@
           <a:p>
             <a:fld id="{3E16F4F7-D7BF-9146-8E12-4D8712091BAE}" type="datetimeFigureOut">
               <a:rPr lang="en-US" smtClean="0"/>
-              <a:t>5/22/17</a:t>
+              <a:t>5/23/17</a:t>
             </a:fld>
             <a:endParaRPr lang="en-US"/>
           </a:p>
@@ -10306,7 +13351,7 @@
           <a:p>
             <a:fld id="{3E16F4F7-D7BF-9146-8E12-4D8712091BAE}" type="datetimeFigureOut">
               <a:rPr lang="en-US" smtClean="0"/>
-              <a:t>5/22/17</a:t>
+              <a:t>5/23/17</a:t>
             </a:fld>
             <a:endParaRPr lang="en-US"/>
           </a:p>
@@ -10476,7 +13521,7 @@
           <a:p>
             <a:fld id="{3E16F4F7-D7BF-9146-8E12-4D8712091BAE}" type="datetimeFigureOut">
               <a:rPr lang="en-US" smtClean="0"/>
-              <a:t>5/22/17</a:t>
+              <a:t>5/23/17</a:t>
             </a:fld>
             <a:endParaRPr lang="en-US"/>
           </a:p>
@@ -10722,7 +13767,7 @@
           <a:p>
             <a:fld id="{3E16F4F7-D7BF-9146-8E12-4D8712091BAE}" type="datetimeFigureOut">
               <a:rPr lang="en-US" smtClean="0"/>
-              <a:t>5/22/17</a:t>
+              <a:t>5/23/17</a:t>
             </a:fld>
             <a:endParaRPr lang="en-US"/>
           </a:p>
@@ -10954,7 +13999,7 @@
           <a:p>
             <a:fld id="{3E16F4F7-D7BF-9146-8E12-4D8712091BAE}" type="datetimeFigureOut">
               <a:rPr lang="en-US" smtClean="0"/>
-              <a:t>5/22/17</a:t>
+              <a:t>5/23/17</a:t>
             </a:fld>
             <a:endParaRPr lang="en-US"/>
           </a:p>
@@ -11321,7 +14366,7 @@
           <a:p>
             <a:fld id="{3E16F4F7-D7BF-9146-8E12-4D8712091BAE}" type="datetimeFigureOut">
               <a:rPr lang="en-US" smtClean="0"/>
-              <a:t>5/22/17</a:t>
+              <a:t>5/23/17</a:t>
             </a:fld>
             <a:endParaRPr lang="en-US"/>
           </a:p>
@@ -11439,7 +14484,7 @@
           <a:p>
             <a:fld id="{3E16F4F7-D7BF-9146-8E12-4D8712091BAE}" type="datetimeFigureOut">
               <a:rPr lang="en-US" smtClean="0"/>
-              <a:t>5/22/17</a:t>
+              <a:t>5/23/17</a:t>
             </a:fld>
             <a:endParaRPr lang="en-US"/>
           </a:p>
@@ -11534,7 +14579,7 @@
           <a:p>
             <a:fld id="{3E16F4F7-D7BF-9146-8E12-4D8712091BAE}" type="datetimeFigureOut">
               <a:rPr lang="en-US" smtClean="0"/>
-              <a:t>5/22/17</a:t>
+              <a:t>5/23/17</a:t>
             </a:fld>
             <a:endParaRPr lang="en-US"/>
           </a:p>
@@ -11811,7 +14856,7 @@
           <a:p>
             <a:fld id="{3E16F4F7-D7BF-9146-8E12-4D8712091BAE}" type="datetimeFigureOut">
               <a:rPr lang="en-US" smtClean="0"/>
-              <a:t>5/22/17</a:t>
+              <a:t>5/23/17</a:t>
             </a:fld>
             <a:endParaRPr lang="en-US"/>
           </a:p>
@@ -12068,7 +15113,7 @@
           <a:p>
             <a:fld id="{3E16F4F7-D7BF-9146-8E12-4D8712091BAE}" type="datetimeFigureOut">
               <a:rPr lang="en-US" smtClean="0"/>
-              <a:t>5/22/17</a:t>
+              <a:t>5/23/17</a:t>
             </a:fld>
             <a:endParaRPr lang="en-US"/>
           </a:p>
@@ -12281,7 +15326,7 @@
           <a:p>
             <a:fld id="{3E16F4F7-D7BF-9146-8E12-4D8712091BAE}" type="datetimeFigureOut">
               <a:rPr lang="en-US" smtClean="0"/>
-              <a:t>5/22/17</a:t>
+              <a:t>5/23/17</a:t>
             </a:fld>
             <a:endParaRPr lang="en-US"/>
           </a:p>
@@ -12728,10 +15773,4657 @@
   <p:clrMapOvr>
     <a:masterClrMapping/>
   </p:clrMapOvr>
+  <p:timing>
+    <p:tnLst>
+      <p:par>
+        <p:cTn id="1" dur="indefinite" restart="never" nodeType="tmRoot"/>
+      </p:par>
+    </p:tnLst>
+  </p:timing>
 </p:sld>
 </file>
 
 <file path=ppt/slides/slide10.xml><?xml version="1.0" encoding="utf-8"?>
+<p:sld xmlns:a="http://schemas.openxmlformats.org/drawingml/2006/main" xmlns:r="http://schemas.openxmlformats.org/officeDocument/2006/relationships" xmlns:p="http://schemas.openxmlformats.org/presentationml/2006/main">
+  <p:cSld>
+    <p:spTree>
+      <p:nvGrpSpPr>
+        <p:cNvPr id="1" name=""/>
+        <p:cNvGrpSpPr/>
+        <p:nvPr/>
+      </p:nvGrpSpPr>
+      <p:grpSpPr>
+        <a:xfrm>
+          <a:off x="0" y="0"/>
+          <a:ext cx="0" cy="0"/>
+          <a:chOff x="0" y="0"/>
+          <a:chExt cx="0" cy="0"/>
+        </a:xfrm>
+      </p:grpSpPr>
+      <p:sp>
+        <p:nvSpPr>
+          <p:cNvPr id="2" name="Title 1"/>
+          <p:cNvSpPr>
+            <a:spLocks noGrp="1"/>
+          </p:cNvSpPr>
+          <p:nvPr>
+            <p:ph type="title"/>
+          </p:nvPr>
+        </p:nvSpPr>
+        <p:spPr/>
+        <p:txBody>
+          <a:bodyPr/>
+          <a:lstStyle/>
+          <a:p>
+            <a:r>
+              <a:rPr lang="en-US" dirty="0" smtClean="0"/>
+              <a:t>Work Queue + Work Stealing</a:t>
+            </a:r>
+            <a:endParaRPr lang="en-US" dirty="0"/>
+          </a:p>
+        </p:txBody>
+      </p:sp>
+      <p:sp>
+        <p:nvSpPr>
+          <p:cNvPr id="4" name="Rounded Rectangle 3"/>
+          <p:cNvSpPr/>
+          <p:nvPr/>
+        </p:nvSpPr>
+        <p:spPr>
+          <a:xfrm>
+            <a:off x="367860" y="2930259"/>
+            <a:ext cx="330741" cy="3035030"/>
+          </a:xfrm>
+          <a:prstGeom prst="roundRect">
+            <a:avLst/>
+          </a:prstGeom>
+          <a:solidFill>
+            <a:srgbClr val="FFC000"/>
+          </a:solidFill>
+          <a:ln>
+            <a:noFill/>
+          </a:ln>
+        </p:spPr>
+        <p:style>
+          <a:lnRef idx="2">
+            <a:schemeClr val="accent1">
+              <a:shade val="50000"/>
+            </a:schemeClr>
+          </a:lnRef>
+          <a:fillRef idx="1">
+            <a:schemeClr val="accent1"/>
+          </a:fillRef>
+          <a:effectRef idx="0">
+            <a:schemeClr val="accent1"/>
+          </a:effectRef>
+          <a:fontRef idx="minor">
+            <a:schemeClr val="lt1"/>
+          </a:fontRef>
+        </p:style>
+        <p:txBody>
+          <a:bodyPr rtlCol="0" anchor="ctr"/>
+          <a:lstStyle/>
+          <a:p>
+            <a:pPr algn="ctr"/>
+            <a:endParaRPr lang="en-US"/>
+          </a:p>
+        </p:txBody>
+      </p:sp>
+      <p:sp>
+        <p:nvSpPr>
+          <p:cNvPr id="5" name="TextBox 4"/>
+          <p:cNvSpPr txBox="1"/>
+          <p:nvPr/>
+        </p:nvSpPr>
+        <p:spPr>
+          <a:xfrm>
+            <a:off x="125906" y="1959428"/>
+            <a:ext cx="814647" cy="923330"/>
+          </a:xfrm>
+          <a:prstGeom prst="rect">
+            <a:avLst/>
+          </a:prstGeom>
+          <a:noFill/>
+        </p:spPr>
+        <p:txBody>
+          <a:bodyPr wrap="none" rtlCol="0">
+            <a:spAutoFit/>
+          </a:bodyPr>
+          <a:lstStyle/>
+          <a:p>
+            <a:r>
+              <a:rPr lang="en-US" dirty="0" smtClean="0"/>
+              <a:t>Node</a:t>
+            </a:r>
+          </a:p>
+          <a:p>
+            <a:r>
+              <a:rPr lang="en-US" dirty="0" smtClean="0"/>
+              <a:t>Work</a:t>
+            </a:r>
+          </a:p>
+          <a:p>
+            <a:r>
+              <a:rPr lang="en-US" dirty="0" smtClean="0"/>
+              <a:t>Queue</a:t>
+            </a:r>
+            <a:endParaRPr lang="en-US" dirty="0"/>
+          </a:p>
+        </p:txBody>
+      </p:sp>
+      <p:grpSp>
+        <p:nvGrpSpPr>
+          <p:cNvPr id="10" name="Group 9"/>
+          <p:cNvGrpSpPr/>
+          <p:nvPr/>
+        </p:nvGrpSpPr>
+        <p:grpSpPr>
+          <a:xfrm>
+            <a:off x="2594759" y="1676620"/>
+            <a:ext cx="3776354" cy="969385"/>
+            <a:chOff x="3194463" y="1536309"/>
+            <a:chExt cx="3776354" cy="969385"/>
+          </a:xfrm>
+        </p:grpSpPr>
+        <p:sp>
+          <p:nvSpPr>
+            <p:cNvPr id="6" name="Rectangle 5"/>
+            <p:cNvSpPr/>
+            <p:nvPr/>
+          </p:nvSpPr>
+          <p:spPr>
+            <a:xfrm>
+              <a:off x="3194463" y="1536309"/>
+              <a:ext cx="3776354" cy="969385"/>
+            </a:xfrm>
+            <a:prstGeom prst="rect">
+              <a:avLst/>
+            </a:prstGeom>
+            <a:solidFill>
+              <a:schemeClr val="accent3">
+                <a:lumMod val="75000"/>
+              </a:schemeClr>
+            </a:solidFill>
+            <a:ln>
+              <a:noFill/>
+            </a:ln>
+          </p:spPr>
+          <p:style>
+            <a:lnRef idx="2">
+              <a:schemeClr val="accent1">
+                <a:shade val="50000"/>
+              </a:schemeClr>
+            </a:lnRef>
+            <a:fillRef idx="1">
+              <a:schemeClr val="accent1"/>
+            </a:fillRef>
+            <a:effectRef idx="0">
+              <a:schemeClr val="accent1"/>
+            </a:effectRef>
+            <a:fontRef idx="minor">
+              <a:schemeClr val="lt1"/>
+            </a:fontRef>
+          </p:style>
+          <p:txBody>
+            <a:bodyPr rtlCol="0" anchor="ctr"/>
+            <a:lstStyle/>
+            <a:p>
+              <a:pPr algn="ctr"/>
+              <a:endParaRPr lang="en-US" dirty="0"/>
+            </a:p>
+          </p:txBody>
+        </p:sp>
+        <p:sp>
+          <p:nvSpPr>
+            <p:cNvPr id="7" name="Rounded Rectangle 6"/>
+            <p:cNvSpPr/>
+            <p:nvPr/>
+          </p:nvSpPr>
+          <p:spPr>
+            <a:xfrm>
+              <a:off x="3530851" y="1643326"/>
+              <a:ext cx="330741" cy="693693"/>
+            </a:xfrm>
+            <a:prstGeom prst="roundRect">
+              <a:avLst/>
+            </a:prstGeom>
+            <a:solidFill>
+              <a:srgbClr val="FFC000"/>
+            </a:solidFill>
+            <a:ln>
+              <a:noFill/>
+            </a:ln>
+          </p:spPr>
+          <p:style>
+            <a:lnRef idx="2">
+              <a:schemeClr val="accent1">
+                <a:shade val="50000"/>
+              </a:schemeClr>
+            </a:lnRef>
+            <a:fillRef idx="1">
+              <a:schemeClr val="accent1"/>
+            </a:fillRef>
+            <a:effectRef idx="0">
+              <a:schemeClr val="accent1"/>
+            </a:effectRef>
+            <a:fontRef idx="minor">
+              <a:schemeClr val="lt1"/>
+            </a:fontRef>
+          </p:style>
+          <p:txBody>
+            <a:bodyPr rtlCol="0" anchor="ctr"/>
+            <a:lstStyle/>
+            <a:p>
+              <a:pPr algn="ctr"/>
+              <a:endParaRPr lang="en-US"/>
+            </a:p>
+          </p:txBody>
+        </p:sp>
+        <p:sp>
+          <p:nvSpPr>
+            <p:cNvPr id="8" name="TextBox 7"/>
+            <p:cNvSpPr txBox="1"/>
+            <p:nvPr/>
+          </p:nvSpPr>
+          <p:spPr>
+            <a:xfrm>
+              <a:off x="3943532" y="1690688"/>
+              <a:ext cx="814647" cy="646331"/>
+            </a:xfrm>
+            <a:prstGeom prst="rect">
+              <a:avLst/>
+            </a:prstGeom>
+            <a:noFill/>
+          </p:spPr>
+          <p:txBody>
+            <a:bodyPr wrap="none" rtlCol="0">
+              <a:spAutoFit/>
+            </a:bodyPr>
+            <a:lstStyle/>
+            <a:p>
+              <a:r>
+                <a:rPr lang="en-US" dirty="0" smtClean="0"/>
+                <a:t>Work</a:t>
+              </a:r>
+            </a:p>
+            <a:p>
+              <a:r>
+                <a:rPr lang="en-US" dirty="0" smtClean="0"/>
+                <a:t>Queue</a:t>
+              </a:r>
+              <a:endParaRPr lang="en-US" dirty="0"/>
+            </a:p>
+          </p:txBody>
+        </p:sp>
+        <p:sp>
+          <p:nvSpPr>
+            <p:cNvPr id="9" name="TextBox 8"/>
+            <p:cNvSpPr txBox="1"/>
+            <p:nvPr/>
+          </p:nvSpPr>
+          <p:spPr>
+            <a:xfrm>
+              <a:off x="5784761" y="1860015"/>
+              <a:ext cx="622478" cy="369332"/>
+            </a:xfrm>
+            <a:prstGeom prst="rect">
+              <a:avLst/>
+            </a:prstGeom>
+            <a:noFill/>
+          </p:spPr>
+          <p:txBody>
+            <a:bodyPr wrap="none" rtlCol="0">
+              <a:spAutoFit/>
+            </a:bodyPr>
+            <a:lstStyle/>
+            <a:p>
+              <a:r>
+                <a:rPr lang="en-US" smtClean="0"/>
+                <a:t>Core</a:t>
+              </a:r>
+              <a:endParaRPr lang="en-US"/>
+            </a:p>
+          </p:txBody>
+        </p:sp>
+      </p:grpSp>
+      <p:grpSp>
+        <p:nvGrpSpPr>
+          <p:cNvPr id="11" name="Group 10"/>
+          <p:cNvGrpSpPr/>
+          <p:nvPr/>
+        </p:nvGrpSpPr>
+        <p:grpSpPr>
+          <a:xfrm>
+            <a:off x="7746670" y="1669471"/>
+            <a:ext cx="3776354" cy="969385"/>
+            <a:chOff x="3194463" y="1536309"/>
+            <a:chExt cx="3776354" cy="969385"/>
+          </a:xfrm>
+        </p:grpSpPr>
+        <p:sp>
+          <p:nvSpPr>
+            <p:cNvPr id="12" name="Rectangle 11"/>
+            <p:cNvSpPr/>
+            <p:nvPr/>
+          </p:nvSpPr>
+          <p:spPr>
+            <a:xfrm>
+              <a:off x="3194463" y="1536309"/>
+              <a:ext cx="3776354" cy="969385"/>
+            </a:xfrm>
+            <a:prstGeom prst="rect">
+              <a:avLst/>
+            </a:prstGeom>
+            <a:solidFill>
+              <a:schemeClr val="accent3">
+                <a:lumMod val="75000"/>
+              </a:schemeClr>
+            </a:solidFill>
+            <a:ln>
+              <a:noFill/>
+            </a:ln>
+          </p:spPr>
+          <p:style>
+            <a:lnRef idx="2">
+              <a:schemeClr val="accent1">
+                <a:shade val="50000"/>
+              </a:schemeClr>
+            </a:lnRef>
+            <a:fillRef idx="1">
+              <a:schemeClr val="accent1"/>
+            </a:fillRef>
+            <a:effectRef idx="0">
+              <a:schemeClr val="accent1"/>
+            </a:effectRef>
+            <a:fontRef idx="minor">
+              <a:schemeClr val="lt1"/>
+            </a:fontRef>
+          </p:style>
+          <p:txBody>
+            <a:bodyPr rtlCol="0" anchor="ctr"/>
+            <a:lstStyle/>
+            <a:p>
+              <a:pPr algn="ctr"/>
+              <a:endParaRPr lang="en-US" dirty="0"/>
+            </a:p>
+          </p:txBody>
+        </p:sp>
+        <p:sp>
+          <p:nvSpPr>
+            <p:cNvPr id="13" name="Rounded Rectangle 12"/>
+            <p:cNvSpPr/>
+            <p:nvPr/>
+          </p:nvSpPr>
+          <p:spPr>
+            <a:xfrm>
+              <a:off x="3530851" y="1643326"/>
+              <a:ext cx="330741" cy="693693"/>
+            </a:xfrm>
+            <a:prstGeom prst="roundRect">
+              <a:avLst/>
+            </a:prstGeom>
+            <a:solidFill>
+              <a:srgbClr val="FFC000"/>
+            </a:solidFill>
+            <a:ln>
+              <a:noFill/>
+            </a:ln>
+          </p:spPr>
+          <p:style>
+            <a:lnRef idx="2">
+              <a:schemeClr val="accent1">
+                <a:shade val="50000"/>
+              </a:schemeClr>
+            </a:lnRef>
+            <a:fillRef idx="1">
+              <a:schemeClr val="accent1"/>
+            </a:fillRef>
+            <a:effectRef idx="0">
+              <a:schemeClr val="accent1"/>
+            </a:effectRef>
+            <a:fontRef idx="minor">
+              <a:schemeClr val="lt1"/>
+            </a:fontRef>
+          </p:style>
+          <p:txBody>
+            <a:bodyPr rtlCol="0" anchor="ctr"/>
+            <a:lstStyle/>
+            <a:p>
+              <a:pPr algn="ctr"/>
+              <a:endParaRPr lang="en-US"/>
+            </a:p>
+          </p:txBody>
+        </p:sp>
+        <p:sp>
+          <p:nvSpPr>
+            <p:cNvPr id="14" name="TextBox 13"/>
+            <p:cNvSpPr txBox="1"/>
+            <p:nvPr/>
+          </p:nvSpPr>
+          <p:spPr>
+            <a:xfrm>
+              <a:off x="3943532" y="1690688"/>
+              <a:ext cx="814647" cy="646331"/>
+            </a:xfrm>
+            <a:prstGeom prst="rect">
+              <a:avLst/>
+            </a:prstGeom>
+            <a:noFill/>
+          </p:spPr>
+          <p:txBody>
+            <a:bodyPr wrap="none" rtlCol="0">
+              <a:spAutoFit/>
+            </a:bodyPr>
+            <a:lstStyle/>
+            <a:p>
+              <a:r>
+                <a:rPr lang="en-US" dirty="0" smtClean="0"/>
+                <a:t>Work</a:t>
+              </a:r>
+            </a:p>
+            <a:p>
+              <a:r>
+                <a:rPr lang="en-US" dirty="0" smtClean="0"/>
+                <a:t>Queue</a:t>
+              </a:r>
+              <a:endParaRPr lang="en-US" dirty="0"/>
+            </a:p>
+          </p:txBody>
+        </p:sp>
+        <p:sp>
+          <p:nvSpPr>
+            <p:cNvPr id="15" name="TextBox 14"/>
+            <p:cNvSpPr txBox="1"/>
+            <p:nvPr/>
+          </p:nvSpPr>
+          <p:spPr>
+            <a:xfrm>
+              <a:off x="5784761" y="1860015"/>
+              <a:ext cx="622478" cy="369332"/>
+            </a:xfrm>
+            <a:prstGeom prst="rect">
+              <a:avLst/>
+            </a:prstGeom>
+            <a:noFill/>
+          </p:spPr>
+          <p:txBody>
+            <a:bodyPr wrap="none" rtlCol="0">
+              <a:spAutoFit/>
+            </a:bodyPr>
+            <a:lstStyle/>
+            <a:p>
+              <a:r>
+                <a:rPr lang="en-US" smtClean="0"/>
+                <a:t>Core</a:t>
+              </a:r>
+              <a:endParaRPr lang="en-US"/>
+            </a:p>
+          </p:txBody>
+        </p:sp>
+      </p:grpSp>
+      <p:grpSp>
+        <p:nvGrpSpPr>
+          <p:cNvPr id="16" name="Group 15"/>
+          <p:cNvGrpSpPr/>
+          <p:nvPr/>
+        </p:nvGrpSpPr>
+        <p:grpSpPr>
+          <a:xfrm>
+            <a:off x="2594759" y="2868111"/>
+            <a:ext cx="3776354" cy="969385"/>
+            <a:chOff x="3194463" y="1536309"/>
+            <a:chExt cx="3776354" cy="969385"/>
+          </a:xfrm>
+        </p:grpSpPr>
+        <p:sp>
+          <p:nvSpPr>
+            <p:cNvPr id="17" name="Rectangle 16"/>
+            <p:cNvSpPr/>
+            <p:nvPr/>
+          </p:nvSpPr>
+          <p:spPr>
+            <a:xfrm>
+              <a:off x="3194463" y="1536309"/>
+              <a:ext cx="3776354" cy="969385"/>
+            </a:xfrm>
+            <a:prstGeom prst="rect">
+              <a:avLst/>
+            </a:prstGeom>
+            <a:solidFill>
+              <a:schemeClr val="accent3">
+                <a:lumMod val="75000"/>
+              </a:schemeClr>
+            </a:solidFill>
+            <a:ln>
+              <a:noFill/>
+            </a:ln>
+          </p:spPr>
+          <p:style>
+            <a:lnRef idx="2">
+              <a:schemeClr val="accent1">
+                <a:shade val="50000"/>
+              </a:schemeClr>
+            </a:lnRef>
+            <a:fillRef idx="1">
+              <a:schemeClr val="accent1"/>
+            </a:fillRef>
+            <a:effectRef idx="0">
+              <a:schemeClr val="accent1"/>
+            </a:effectRef>
+            <a:fontRef idx="minor">
+              <a:schemeClr val="lt1"/>
+            </a:fontRef>
+          </p:style>
+          <p:txBody>
+            <a:bodyPr rtlCol="0" anchor="ctr"/>
+            <a:lstStyle/>
+            <a:p>
+              <a:pPr algn="ctr"/>
+              <a:endParaRPr lang="en-US" dirty="0"/>
+            </a:p>
+          </p:txBody>
+        </p:sp>
+        <p:sp>
+          <p:nvSpPr>
+            <p:cNvPr id="18" name="Rounded Rectangle 17"/>
+            <p:cNvSpPr/>
+            <p:nvPr/>
+          </p:nvSpPr>
+          <p:spPr>
+            <a:xfrm>
+              <a:off x="3530851" y="1643326"/>
+              <a:ext cx="330741" cy="693693"/>
+            </a:xfrm>
+            <a:prstGeom prst="roundRect">
+              <a:avLst/>
+            </a:prstGeom>
+            <a:solidFill>
+              <a:srgbClr val="FFC000"/>
+            </a:solidFill>
+            <a:ln>
+              <a:noFill/>
+            </a:ln>
+          </p:spPr>
+          <p:style>
+            <a:lnRef idx="2">
+              <a:schemeClr val="accent1">
+                <a:shade val="50000"/>
+              </a:schemeClr>
+            </a:lnRef>
+            <a:fillRef idx="1">
+              <a:schemeClr val="accent1"/>
+            </a:fillRef>
+            <a:effectRef idx="0">
+              <a:schemeClr val="accent1"/>
+            </a:effectRef>
+            <a:fontRef idx="minor">
+              <a:schemeClr val="lt1"/>
+            </a:fontRef>
+          </p:style>
+          <p:txBody>
+            <a:bodyPr rtlCol="0" anchor="ctr"/>
+            <a:lstStyle/>
+            <a:p>
+              <a:pPr algn="ctr"/>
+              <a:endParaRPr lang="en-US"/>
+            </a:p>
+          </p:txBody>
+        </p:sp>
+        <p:sp>
+          <p:nvSpPr>
+            <p:cNvPr id="19" name="TextBox 18"/>
+            <p:cNvSpPr txBox="1"/>
+            <p:nvPr/>
+          </p:nvSpPr>
+          <p:spPr>
+            <a:xfrm>
+              <a:off x="3943532" y="1690688"/>
+              <a:ext cx="814647" cy="646331"/>
+            </a:xfrm>
+            <a:prstGeom prst="rect">
+              <a:avLst/>
+            </a:prstGeom>
+            <a:noFill/>
+          </p:spPr>
+          <p:txBody>
+            <a:bodyPr wrap="none" rtlCol="0">
+              <a:spAutoFit/>
+            </a:bodyPr>
+            <a:lstStyle/>
+            <a:p>
+              <a:r>
+                <a:rPr lang="en-US" dirty="0" smtClean="0"/>
+                <a:t>Work</a:t>
+              </a:r>
+            </a:p>
+            <a:p>
+              <a:r>
+                <a:rPr lang="en-US" dirty="0" smtClean="0"/>
+                <a:t>Queue</a:t>
+              </a:r>
+              <a:endParaRPr lang="en-US" dirty="0"/>
+            </a:p>
+          </p:txBody>
+        </p:sp>
+        <p:sp>
+          <p:nvSpPr>
+            <p:cNvPr id="20" name="TextBox 19"/>
+            <p:cNvSpPr txBox="1"/>
+            <p:nvPr/>
+          </p:nvSpPr>
+          <p:spPr>
+            <a:xfrm>
+              <a:off x="5784761" y="1860015"/>
+              <a:ext cx="622478" cy="369332"/>
+            </a:xfrm>
+            <a:prstGeom prst="rect">
+              <a:avLst/>
+            </a:prstGeom>
+            <a:noFill/>
+          </p:spPr>
+          <p:txBody>
+            <a:bodyPr wrap="none" rtlCol="0">
+              <a:spAutoFit/>
+            </a:bodyPr>
+            <a:lstStyle/>
+            <a:p>
+              <a:r>
+                <a:rPr lang="en-US" smtClean="0"/>
+                <a:t>Core</a:t>
+              </a:r>
+              <a:endParaRPr lang="en-US"/>
+            </a:p>
+          </p:txBody>
+        </p:sp>
+      </p:grpSp>
+      <p:grpSp>
+        <p:nvGrpSpPr>
+          <p:cNvPr id="21" name="Group 20"/>
+          <p:cNvGrpSpPr/>
+          <p:nvPr/>
+        </p:nvGrpSpPr>
+        <p:grpSpPr>
+          <a:xfrm>
+            <a:off x="7746670" y="2860962"/>
+            <a:ext cx="3776354" cy="969385"/>
+            <a:chOff x="3194463" y="1536309"/>
+            <a:chExt cx="3776354" cy="969385"/>
+          </a:xfrm>
+        </p:grpSpPr>
+        <p:sp>
+          <p:nvSpPr>
+            <p:cNvPr id="22" name="Rectangle 21"/>
+            <p:cNvSpPr/>
+            <p:nvPr/>
+          </p:nvSpPr>
+          <p:spPr>
+            <a:xfrm>
+              <a:off x="3194463" y="1536309"/>
+              <a:ext cx="3776354" cy="969385"/>
+            </a:xfrm>
+            <a:prstGeom prst="rect">
+              <a:avLst/>
+            </a:prstGeom>
+            <a:solidFill>
+              <a:schemeClr val="accent3">
+                <a:lumMod val="75000"/>
+              </a:schemeClr>
+            </a:solidFill>
+            <a:ln>
+              <a:noFill/>
+            </a:ln>
+          </p:spPr>
+          <p:style>
+            <a:lnRef idx="2">
+              <a:schemeClr val="accent1">
+                <a:shade val="50000"/>
+              </a:schemeClr>
+            </a:lnRef>
+            <a:fillRef idx="1">
+              <a:schemeClr val="accent1"/>
+            </a:fillRef>
+            <a:effectRef idx="0">
+              <a:schemeClr val="accent1"/>
+            </a:effectRef>
+            <a:fontRef idx="minor">
+              <a:schemeClr val="lt1"/>
+            </a:fontRef>
+          </p:style>
+          <p:txBody>
+            <a:bodyPr rtlCol="0" anchor="ctr"/>
+            <a:lstStyle/>
+            <a:p>
+              <a:pPr algn="ctr"/>
+              <a:endParaRPr lang="en-US" dirty="0"/>
+            </a:p>
+          </p:txBody>
+        </p:sp>
+        <p:sp>
+          <p:nvSpPr>
+            <p:cNvPr id="23" name="Rounded Rectangle 22"/>
+            <p:cNvSpPr/>
+            <p:nvPr/>
+          </p:nvSpPr>
+          <p:spPr>
+            <a:xfrm>
+              <a:off x="3530851" y="1643326"/>
+              <a:ext cx="330741" cy="693693"/>
+            </a:xfrm>
+            <a:prstGeom prst="roundRect">
+              <a:avLst/>
+            </a:prstGeom>
+            <a:solidFill>
+              <a:srgbClr val="FFC000"/>
+            </a:solidFill>
+            <a:ln>
+              <a:noFill/>
+            </a:ln>
+          </p:spPr>
+          <p:style>
+            <a:lnRef idx="2">
+              <a:schemeClr val="accent1">
+                <a:shade val="50000"/>
+              </a:schemeClr>
+            </a:lnRef>
+            <a:fillRef idx="1">
+              <a:schemeClr val="accent1"/>
+            </a:fillRef>
+            <a:effectRef idx="0">
+              <a:schemeClr val="accent1"/>
+            </a:effectRef>
+            <a:fontRef idx="minor">
+              <a:schemeClr val="lt1"/>
+            </a:fontRef>
+          </p:style>
+          <p:txBody>
+            <a:bodyPr rtlCol="0" anchor="ctr"/>
+            <a:lstStyle/>
+            <a:p>
+              <a:pPr algn="ctr"/>
+              <a:endParaRPr lang="en-US"/>
+            </a:p>
+          </p:txBody>
+        </p:sp>
+        <p:sp>
+          <p:nvSpPr>
+            <p:cNvPr id="24" name="TextBox 23"/>
+            <p:cNvSpPr txBox="1"/>
+            <p:nvPr/>
+          </p:nvSpPr>
+          <p:spPr>
+            <a:xfrm>
+              <a:off x="3943532" y="1690688"/>
+              <a:ext cx="814647" cy="646331"/>
+            </a:xfrm>
+            <a:prstGeom prst="rect">
+              <a:avLst/>
+            </a:prstGeom>
+            <a:noFill/>
+          </p:spPr>
+          <p:txBody>
+            <a:bodyPr wrap="none" rtlCol="0">
+              <a:spAutoFit/>
+            </a:bodyPr>
+            <a:lstStyle/>
+            <a:p>
+              <a:r>
+                <a:rPr lang="en-US" dirty="0" smtClean="0"/>
+                <a:t>Work</a:t>
+              </a:r>
+            </a:p>
+            <a:p>
+              <a:r>
+                <a:rPr lang="en-US" dirty="0" smtClean="0"/>
+                <a:t>Queue</a:t>
+              </a:r>
+              <a:endParaRPr lang="en-US" dirty="0"/>
+            </a:p>
+          </p:txBody>
+        </p:sp>
+        <p:sp>
+          <p:nvSpPr>
+            <p:cNvPr id="25" name="TextBox 24"/>
+            <p:cNvSpPr txBox="1"/>
+            <p:nvPr/>
+          </p:nvSpPr>
+          <p:spPr>
+            <a:xfrm>
+              <a:off x="5784761" y="1860015"/>
+              <a:ext cx="622478" cy="369332"/>
+            </a:xfrm>
+            <a:prstGeom prst="rect">
+              <a:avLst/>
+            </a:prstGeom>
+            <a:noFill/>
+          </p:spPr>
+          <p:txBody>
+            <a:bodyPr wrap="none" rtlCol="0">
+              <a:spAutoFit/>
+            </a:bodyPr>
+            <a:lstStyle/>
+            <a:p>
+              <a:r>
+                <a:rPr lang="en-US" smtClean="0"/>
+                <a:t>Core</a:t>
+              </a:r>
+              <a:endParaRPr lang="en-US"/>
+            </a:p>
+          </p:txBody>
+        </p:sp>
+      </p:grpSp>
+      <p:grpSp>
+        <p:nvGrpSpPr>
+          <p:cNvPr id="26" name="Group 25"/>
+          <p:cNvGrpSpPr/>
+          <p:nvPr/>
+        </p:nvGrpSpPr>
+        <p:grpSpPr>
+          <a:xfrm>
+            <a:off x="2594759" y="4052453"/>
+            <a:ext cx="3776354" cy="969385"/>
+            <a:chOff x="3194463" y="1536309"/>
+            <a:chExt cx="3776354" cy="969385"/>
+          </a:xfrm>
+        </p:grpSpPr>
+        <p:sp>
+          <p:nvSpPr>
+            <p:cNvPr id="27" name="Rectangle 26"/>
+            <p:cNvSpPr/>
+            <p:nvPr/>
+          </p:nvSpPr>
+          <p:spPr>
+            <a:xfrm>
+              <a:off x="3194463" y="1536309"/>
+              <a:ext cx="3776354" cy="969385"/>
+            </a:xfrm>
+            <a:prstGeom prst="rect">
+              <a:avLst/>
+            </a:prstGeom>
+            <a:solidFill>
+              <a:schemeClr val="accent3">
+                <a:lumMod val="75000"/>
+              </a:schemeClr>
+            </a:solidFill>
+            <a:ln>
+              <a:noFill/>
+            </a:ln>
+          </p:spPr>
+          <p:style>
+            <a:lnRef idx="2">
+              <a:schemeClr val="accent1">
+                <a:shade val="50000"/>
+              </a:schemeClr>
+            </a:lnRef>
+            <a:fillRef idx="1">
+              <a:schemeClr val="accent1"/>
+            </a:fillRef>
+            <a:effectRef idx="0">
+              <a:schemeClr val="accent1"/>
+            </a:effectRef>
+            <a:fontRef idx="minor">
+              <a:schemeClr val="lt1"/>
+            </a:fontRef>
+          </p:style>
+          <p:txBody>
+            <a:bodyPr rtlCol="0" anchor="ctr"/>
+            <a:lstStyle/>
+            <a:p>
+              <a:pPr algn="ctr"/>
+              <a:endParaRPr lang="en-US" dirty="0"/>
+            </a:p>
+          </p:txBody>
+        </p:sp>
+        <p:sp>
+          <p:nvSpPr>
+            <p:cNvPr id="28" name="Rounded Rectangle 27"/>
+            <p:cNvSpPr/>
+            <p:nvPr/>
+          </p:nvSpPr>
+          <p:spPr>
+            <a:xfrm>
+              <a:off x="3530851" y="1643326"/>
+              <a:ext cx="330741" cy="693693"/>
+            </a:xfrm>
+            <a:prstGeom prst="roundRect">
+              <a:avLst/>
+            </a:prstGeom>
+            <a:solidFill>
+              <a:srgbClr val="FFC000"/>
+            </a:solidFill>
+            <a:ln>
+              <a:noFill/>
+            </a:ln>
+          </p:spPr>
+          <p:style>
+            <a:lnRef idx="2">
+              <a:schemeClr val="accent1">
+                <a:shade val="50000"/>
+              </a:schemeClr>
+            </a:lnRef>
+            <a:fillRef idx="1">
+              <a:schemeClr val="accent1"/>
+            </a:fillRef>
+            <a:effectRef idx="0">
+              <a:schemeClr val="accent1"/>
+            </a:effectRef>
+            <a:fontRef idx="minor">
+              <a:schemeClr val="lt1"/>
+            </a:fontRef>
+          </p:style>
+          <p:txBody>
+            <a:bodyPr rtlCol="0" anchor="ctr"/>
+            <a:lstStyle/>
+            <a:p>
+              <a:pPr algn="ctr"/>
+              <a:endParaRPr lang="en-US"/>
+            </a:p>
+          </p:txBody>
+        </p:sp>
+        <p:sp>
+          <p:nvSpPr>
+            <p:cNvPr id="29" name="TextBox 28"/>
+            <p:cNvSpPr txBox="1"/>
+            <p:nvPr/>
+          </p:nvSpPr>
+          <p:spPr>
+            <a:xfrm>
+              <a:off x="3943532" y="1690688"/>
+              <a:ext cx="814647" cy="646331"/>
+            </a:xfrm>
+            <a:prstGeom prst="rect">
+              <a:avLst/>
+            </a:prstGeom>
+            <a:noFill/>
+          </p:spPr>
+          <p:txBody>
+            <a:bodyPr wrap="none" rtlCol="0">
+              <a:spAutoFit/>
+            </a:bodyPr>
+            <a:lstStyle/>
+            <a:p>
+              <a:r>
+                <a:rPr lang="en-US" dirty="0" smtClean="0"/>
+                <a:t>Work</a:t>
+              </a:r>
+            </a:p>
+            <a:p>
+              <a:r>
+                <a:rPr lang="en-US" dirty="0" smtClean="0"/>
+                <a:t>Queue</a:t>
+              </a:r>
+              <a:endParaRPr lang="en-US" dirty="0"/>
+            </a:p>
+          </p:txBody>
+        </p:sp>
+        <p:sp>
+          <p:nvSpPr>
+            <p:cNvPr id="30" name="TextBox 29"/>
+            <p:cNvSpPr txBox="1"/>
+            <p:nvPr/>
+          </p:nvSpPr>
+          <p:spPr>
+            <a:xfrm>
+              <a:off x="5784761" y="1860015"/>
+              <a:ext cx="622478" cy="369332"/>
+            </a:xfrm>
+            <a:prstGeom prst="rect">
+              <a:avLst/>
+            </a:prstGeom>
+            <a:noFill/>
+          </p:spPr>
+          <p:txBody>
+            <a:bodyPr wrap="none" rtlCol="0">
+              <a:spAutoFit/>
+            </a:bodyPr>
+            <a:lstStyle/>
+            <a:p>
+              <a:r>
+                <a:rPr lang="en-US" smtClean="0"/>
+                <a:t>Core</a:t>
+              </a:r>
+              <a:endParaRPr lang="en-US"/>
+            </a:p>
+          </p:txBody>
+        </p:sp>
+      </p:grpSp>
+      <p:grpSp>
+        <p:nvGrpSpPr>
+          <p:cNvPr id="31" name="Group 30"/>
+          <p:cNvGrpSpPr/>
+          <p:nvPr/>
+        </p:nvGrpSpPr>
+        <p:grpSpPr>
+          <a:xfrm>
+            <a:off x="2594759" y="5243944"/>
+            <a:ext cx="3776354" cy="969385"/>
+            <a:chOff x="3194463" y="1536309"/>
+            <a:chExt cx="3776354" cy="969385"/>
+          </a:xfrm>
+        </p:grpSpPr>
+        <p:sp>
+          <p:nvSpPr>
+            <p:cNvPr id="32" name="Rectangle 31"/>
+            <p:cNvSpPr/>
+            <p:nvPr/>
+          </p:nvSpPr>
+          <p:spPr>
+            <a:xfrm>
+              <a:off x="3194463" y="1536309"/>
+              <a:ext cx="3776354" cy="969385"/>
+            </a:xfrm>
+            <a:prstGeom prst="rect">
+              <a:avLst/>
+            </a:prstGeom>
+            <a:solidFill>
+              <a:schemeClr val="accent3">
+                <a:lumMod val="75000"/>
+              </a:schemeClr>
+            </a:solidFill>
+            <a:ln>
+              <a:noFill/>
+            </a:ln>
+          </p:spPr>
+          <p:style>
+            <a:lnRef idx="2">
+              <a:schemeClr val="accent1">
+                <a:shade val="50000"/>
+              </a:schemeClr>
+            </a:lnRef>
+            <a:fillRef idx="1">
+              <a:schemeClr val="accent1"/>
+            </a:fillRef>
+            <a:effectRef idx="0">
+              <a:schemeClr val="accent1"/>
+            </a:effectRef>
+            <a:fontRef idx="minor">
+              <a:schemeClr val="lt1"/>
+            </a:fontRef>
+          </p:style>
+          <p:txBody>
+            <a:bodyPr rtlCol="0" anchor="ctr"/>
+            <a:lstStyle/>
+            <a:p>
+              <a:pPr algn="ctr"/>
+              <a:endParaRPr lang="en-US" dirty="0"/>
+            </a:p>
+          </p:txBody>
+        </p:sp>
+        <p:sp>
+          <p:nvSpPr>
+            <p:cNvPr id="33" name="Rounded Rectangle 32"/>
+            <p:cNvSpPr/>
+            <p:nvPr/>
+          </p:nvSpPr>
+          <p:spPr>
+            <a:xfrm>
+              <a:off x="3530851" y="1643326"/>
+              <a:ext cx="330741" cy="693693"/>
+            </a:xfrm>
+            <a:prstGeom prst="roundRect">
+              <a:avLst/>
+            </a:prstGeom>
+            <a:solidFill>
+              <a:srgbClr val="FFC000"/>
+            </a:solidFill>
+            <a:ln>
+              <a:noFill/>
+            </a:ln>
+          </p:spPr>
+          <p:style>
+            <a:lnRef idx="2">
+              <a:schemeClr val="accent1">
+                <a:shade val="50000"/>
+              </a:schemeClr>
+            </a:lnRef>
+            <a:fillRef idx="1">
+              <a:schemeClr val="accent1"/>
+            </a:fillRef>
+            <a:effectRef idx="0">
+              <a:schemeClr val="accent1"/>
+            </a:effectRef>
+            <a:fontRef idx="minor">
+              <a:schemeClr val="lt1"/>
+            </a:fontRef>
+          </p:style>
+          <p:txBody>
+            <a:bodyPr rtlCol="0" anchor="ctr"/>
+            <a:lstStyle/>
+            <a:p>
+              <a:pPr algn="ctr"/>
+              <a:endParaRPr lang="en-US"/>
+            </a:p>
+          </p:txBody>
+        </p:sp>
+        <p:sp>
+          <p:nvSpPr>
+            <p:cNvPr id="34" name="TextBox 33"/>
+            <p:cNvSpPr txBox="1"/>
+            <p:nvPr/>
+          </p:nvSpPr>
+          <p:spPr>
+            <a:xfrm>
+              <a:off x="3943532" y="1690688"/>
+              <a:ext cx="814647" cy="646331"/>
+            </a:xfrm>
+            <a:prstGeom prst="rect">
+              <a:avLst/>
+            </a:prstGeom>
+            <a:noFill/>
+          </p:spPr>
+          <p:txBody>
+            <a:bodyPr wrap="none" rtlCol="0">
+              <a:spAutoFit/>
+            </a:bodyPr>
+            <a:lstStyle/>
+            <a:p>
+              <a:r>
+                <a:rPr lang="en-US" dirty="0" smtClean="0"/>
+                <a:t>Work</a:t>
+              </a:r>
+            </a:p>
+            <a:p>
+              <a:r>
+                <a:rPr lang="en-US" dirty="0" smtClean="0"/>
+                <a:t>Queue</a:t>
+              </a:r>
+              <a:endParaRPr lang="en-US" dirty="0"/>
+            </a:p>
+          </p:txBody>
+        </p:sp>
+        <p:sp>
+          <p:nvSpPr>
+            <p:cNvPr id="35" name="TextBox 34"/>
+            <p:cNvSpPr txBox="1"/>
+            <p:nvPr/>
+          </p:nvSpPr>
+          <p:spPr>
+            <a:xfrm>
+              <a:off x="5784761" y="1860015"/>
+              <a:ext cx="622478" cy="369332"/>
+            </a:xfrm>
+            <a:prstGeom prst="rect">
+              <a:avLst/>
+            </a:prstGeom>
+            <a:noFill/>
+          </p:spPr>
+          <p:txBody>
+            <a:bodyPr wrap="none" rtlCol="0">
+              <a:spAutoFit/>
+            </a:bodyPr>
+            <a:lstStyle/>
+            <a:p>
+              <a:r>
+                <a:rPr lang="en-US" smtClean="0"/>
+                <a:t>Core</a:t>
+              </a:r>
+              <a:endParaRPr lang="en-US"/>
+            </a:p>
+          </p:txBody>
+        </p:sp>
+      </p:grpSp>
+      <p:grpSp>
+        <p:nvGrpSpPr>
+          <p:cNvPr id="36" name="Group 35"/>
+          <p:cNvGrpSpPr/>
+          <p:nvPr/>
+        </p:nvGrpSpPr>
+        <p:grpSpPr>
+          <a:xfrm>
+            <a:off x="7746670" y="5236795"/>
+            <a:ext cx="3776354" cy="969385"/>
+            <a:chOff x="3194463" y="1536309"/>
+            <a:chExt cx="3776354" cy="969385"/>
+          </a:xfrm>
+        </p:grpSpPr>
+        <p:sp>
+          <p:nvSpPr>
+            <p:cNvPr id="37" name="Rectangle 36"/>
+            <p:cNvSpPr/>
+            <p:nvPr/>
+          </p:nvSpPr>
+          <p:spPr>
+            <a:xfrm>
+              <a:off x="3194463" y="1536309"/>
+              <a:ext cx="3776354" cy="969385"/>
+            </a:xfrm>
+            <a:prstGeom prst="rect">
+              <a:avLst/>
+            </a:prstGeom>
+            <a:solidFill>
+              <a:schemeClr val="accent3">
+                <a:lumMod val="75000"/>
+              </a:schemeClr>
+            </a:solidFill>
+            <a:ln>
+              <a:noFill/>
+            </a:ln>
+          </p:spPr>
+          <p:style>
+            <a:lnRef idx="2">
+              <a:schemeClr val="accent1">
+                <a:shade val="50000"/>
+              </a:schemeClr>
+            </a:lnRef>
+            <a:fillRef idx="1">
+              <a:schemeClr val="accent1"/>
+            </a:fillRef>
+            <a:effectRef idx="0">
+              <a:schemeClr val="accent1"/>
+            </a:effectRef>
+            <a:fontRef idx="minor">
+              <a:schemeClr val="lt1"/>
+            </a:fontRef>
+          </p:style>
+          <p:txBody>
+            <a:bodyPr rtlCol="0" anchor="ctr"/>
+            <a:lstStyle/>
+            <a:p>
+              <a:pPr algn="ctr"/>
+              <a:endParaRPr lang="en-US" dirty="0"/>
+            </a:p>
+          </p:txBody>
+        </p:sp>
+        <p:sp>
+          <p:nvSpPr>
+            <p:cNvPr id="38" name="Rounded Rectangle 37"/>
+            <p:cNvSpPr/>
+            <p:nvPr/>
+          </p:nvSpPr>
+          <p:spPr>
+            <a:xfrm>
+              <a:off x="3530851" y="1643326"/>
+              <a:ext cx="330741" cy="693693"/>
+            </a:xfrm>
+            <a:prstGeom prst="roundRect">
+              <a:avLst/>
+            </a:prstGeom>
+            <a:solidFill>
+              <a:srgbClr val="FFC000"/>
+            </a:solidFill>
+            <a:ln>
+              <a:noFill/>
+            </a:ln>
+          </p:spPr>
+          <p:style>
+            <a:lnRef idx="2">
+              <a:schemeClr val="accent1">
+                <a:shade val="50000"/>
+              </a:schemeClr>
+            </a:lnRef>
+            <a:fillRef idx="1">
+              <a:schemeClr val="accent1"/>
+            </a:fillRef>
+            <a:effectRef idx="0">
+              <a:schemeClr val="accent1"/>
+            </a:effectRef>
+            <a:fontRef idx="minor">
+              <a:schemeClr val="lt1"/>
+            </a:fontRef>
+          </p:style>
+          <p:txBody>
+            <a:bodyPr rtlCol="0" anchor="ctr"/>
+            <a:lstStyle/>
+            <a:p>
+              <a:pPr algn="ctr"/>
+              <a:endParaRPr lang="en-US"/>
+            </a:p>
+          </p:txBody>
+        </p:sp>
+        <p:sp>
+          <p:nvSpPr>
+            <p:cNvPr id="39" name="TextBox 38"/>
+            <p:cNvSpPr txBox="1"/>
+            <p:nvPr/>
+          </p:nvSpPr>
+          <p:spPr>
+            <a:xfrm>
+              <a:off x="3943532" y="1690688"/>
+              <a:ext cx="814647" cy="646331"/>
+            </a:xfrm>
+            <a:prstGeom prst="rect">
+              <a:avLst/>
+            </a:prstGeom>
+            <a:noFill/>
+          </p:spPr>
+          <p:txBody>
+            <a:bodyPr wrap="none" rtlCol="0">
+              <a:spAutoFit/>
+            </a:bodyPr>
+            <a:lstStyle/>
+            <a:p>
+              <a:r>
+                <a:rPr lang="en-US" dirty="0" smtClean="0"/>
+                <a:t>Work</a:t>
+              </a:r>
+            </a:p>
+            <a:p>
+              <a:r>
+                <a:rPr lang="en-US" dirty="0" smtClean="0"/>
+                <a:t>Queue</a:t>
+              </a:r>
+              <a:endParaRPr lang="en-US" dirty="0"/>
+            </a:p>
+          </p:txBody>
+        </p:sp>
+        <p:sp>
+          <p:nvSpPr>
+            <p:cNvPr id="40" name="TextBox 39"/>
+            <p:cNvSpPr txBox="1"/>
+            <p:nvPr/>
+          </p:nvSpPr>
+          <p:spPr>
+            <a:xfrm>
+              <a:off x="5784761" y="1860015"/>
+              <a:ext cx="622478" cy="369332"/>
+            </a:xfrm>
+            <a:prstGeom prst="rect">
+              <a:avLst/>
+            </a:prstGeom>
+            <a:noFill/>
+          </p:spPr>
+          <p:txBody>
+            <a:bodyPr wrap="none" rtlCol="0">
+              <a:spAutoFit/>
+            </a:bodyPr>
+            <a:lstStyle/>
+            <a:p>
+              <a:r>
+                <a:rPr lang="en-US" smtClean="0"/>
+                <a:t>Core</a:t>
+              </a:r>
+              <a:endParaRPr lang="en-US"/>
+            </a:p>
+          </p:txBody>
+        </p:sp>
+      </p:grpSp>
+      <p:grpSp>
+        <p:nvGrpSpPr>
+          <p:cNvPr id="41" name="Group 40"/>
+          <p:cNvGrpSpPr/>
+          <p:nvPr/>
+        </p:nvGrpSpPr>
+        <p:grpSpPr>
+          <a:xfrm>
+            <a:off x="7746670" y="4021623"/>
+            <a:ext cx="3776354" cy="969385"/>
+            <a:chOff x="3194463" y="1536309"/>
+            <a:chExt cx="3776354" cy="969385"/>
+          </a:xfrm>
+        </p:grpSpPr>
+        <p:sp>
+          <p:nvSpPr>
+            <p:cNvPr id="42" name="Rectangle 41"/>
+            <p:cNvSpPr/>
+            <p:nvPr/>
+          </p:nvSpPr>
+          <p:spPr>
+            <a:xfrm>
+              <a:off x="3194463" y="1536309"/>
+              <a:ext cx="3776354" cy="969385"/>
+            </a:xfrm>
+            <a:prstGeom prst="rect">
+              <a:avLst/>
+            </a:prstGeom>
+            <a:solidFill>
+              <a:schemeClr val="accent3">
+                <a:lumMod val="75000"/>
+              </a:schemeClr>
+            </a:solidFill>
+            <a:ln>
+              <a:noFill/>
+            </a:ln>
+          </p:spPr>
+          <p:style>
+            <a:lnRef idx="2">
+              <a:schemeClr val="accent1">
+                <a:shade val="50000"/>
+              </a:schemeClr>
+            </a:lnRef>
+            <a:fillRef idx="1">
+              <a:schemeClr val="accent1"/>
+            </a:fillRef>
+            <a:effectRef idx="0">
+              <a:schemeClr val="accent1"/>
+            </a:effectRef>
+            <a:fontRef idx="minor">
+              <a:schemeClr val="lt1"/>
+            </a:fontRef>
+          </p:style>
+          <p:txBody>
+            <a:bodyPr rtlCol="0" anchor="ctr"/>
+            <a:lstStyle/>
+            <a:p>
+              <a:pPr algn="ctr"/>
+              <a:endParaRPr lang="en-US" dirty="0"/>
+            </a:p>
+          </p:txBody>
+        </p:sp>
+        <p:sp>
+          <p:nvSpPr>
+            <p:cNvPr id="43" name="Rounded Rectangle 42"/>
+            <p:cNvSpPr/>
+            <p:nvPr/>
+          </p:nvSpPr>
+          <p:spPr>
+            <a:xfrm>
+              <a:off x="3530851" y="1643326"/>
+              <a:ext cx="330741" cy="693693"/>
+            </a:xfrm>
+            <a:prstGeom prst="roundRect">
+              <a:avLst/>
+            </a:prstGeom>
+            <a:solidFill>
+              <a:srgbClr val="FFC000"/>
+            </a:solidFill>
+            <a:ln>
+              <a:noFill/>
+            </a:ln>
+          </p:spPr>
+          <p:style>
+            <a:lnRef idx="2">
+              <a:schemeClr val="accent1">
+                <a:shade val="50000"/>
+              </a:schemeClr>
+            </a:lnRef>
+            <a:fillRef idx="1">
+              <a:schemeClr val="accent1"/>
+            </a:fillRef>
+            <a:effectRef idx="0">
+              <a:schemeClr val="accent1"/>
+            </a:effectRef>
+            <a:fontRef idx="minor">
+              <a:schemeClr val="lt1"/>
+            </a:fontRef>
+          </p:style>
+          <p:txBody>
+            <a:bodyPr rtlCol="0" anchor="ctr"/>
+            <a:lstStyle/>
+            <a:p>
+              <a:pPr algn="ctr"/>
+              <a:endParaRPr lang="en-US"/>
+            </a:p>
+          </p:txBody>
+        </p:sp>
+        <p:sp>
+          <p:nvSpPr>
+            <p:cNvPr id="44" name="TextBox 43"/>
+            <p:cNvSpPr txBox="1"/>
+            <p:nvPr/>
+          </p:nvSpPr>
+          <p:spPr>
+            <a:xfrm>
+              <a:off x="3943532" y="1690688"/>
+              <a:ext cx="814647" cy="646331"/>
+            </a:xfrm>
+            <a:prstGeom prst="rect">
+              <a:avLst/>
+            </a:prstGeom>
+            <a:noFill/>
+          </p:spPr>
+          <p:txBody>
+            <a:bodyPr wrap="none" rtlCol="0">
+              <a:spAutoFit/>
+            </a:bodyPr>
+            <a:lstStyle/>
+            <a:p>
+              <a:r>
+                <a:rPr lang="en-US" dirty="0" smtClean="0"/>
+                <a:t>Work</a:t>
+              </a:r>
+            </a:p>
+            <a:p>
+              <a:r>
+                <a:rPr lang="en-US" dirty="0" smtClean="0"/>
+                <a:t>Queue</a:t>
+              </a:r>
+              <a:endParaRPr lang="en-US" dirty="0"/>
+            </a:p>
+          </p:txBody>
+        </p:sp>
+        <p:sp>
+          <p:nvSpPr>
+            <p:cNvPr id="45" name="TextBox 44"/>
+            <p:cNvSpPr txBox="1"/>
+            <p:nvPr/>
+          </p:nvSpPr>
+          <p:spPr>
+            <a:xfrm>
+              <a:off x="5784761" y="1860015"/>
+              <a:ext cx="622478" cy="369332"/>
+            </a:xfrm>
+            <a:prstGeom prst="rect">
+              <a:avLst/>
+            </a:prstGeom>
+            <a:noFill/>
+          </p:spPr>
+          <p:txBody>
+            <a:bodyPr wrap="none" rtlCol="0">
+              <a:spAutoFit/>
+            </a:bodyPr>
+            <a:lstStyle/>
+            <a:p>
+              <a:r>
+                <a:rPr lang="en-US" smtClean="0"/>
+                <a:t>Core</a:t>
+              </a:r>
+              <a:endParaRPr lang="en-US"/>
+            </a:p>
+          </p:txBody>
+        </p:sp>
+      </p:grpSp>
+      <p:cxnSp>
+        <p:nvCxnSpPr>
+          <p:cNvPr id="47" name="Straight Arrow Connector 46"/>
+          <p:cNvCxnSpPr/>
+          <p:nvPr/>
+        </p:nvCxnSpPr>
+        <p:spPr>
+          <a:xfrm flipH="1">
+            <a:off x="698601" y="1959428"/>
+            <a:ext cx="2232546" cy="1377538"/>
+          </a:xfrm>
+          <a:prstGeom prst="straightConnector1">
+            <a:avLst/>
+          </a:prstGeom>
+          <a:ln w="25400">
+            <a:solidFill>
+              <a:schemeClr val="tx1"/>
+            </a:solidFill>
+            <a:tailEnd type="triangle"/>
+          </a:ln>
+        </p:spPr>
+        <p:style>
+          <a:lnRef idx="1">
+            <a:schemeClr val="accent1"/>
+          </a:lnRef>
+          <a:fillRef idx="0">
+            <a:schemeClr val="accent1"/>
+          </a:fillRef>
+          <a:effectRef idx="0">
+            <a:schemeClr val="accent1"/>
+          </a:effectRef>
+          <a:fontRef idx="minor">
+            <a:schemeClr val="tx1"/>
+          </a:fontRef>
+        </p:style>
+      </p:cxnSp>
+      <p:sp>
+        <p:nvSpPr>
+          <p:cNvPr id="48" name="TextBox 47"/>
+          <p:cNvSpPr txBox="1"/>
+          <p:nvPr/>
+        </p:nvSpPr>
+        <p:spPr>
+          <a:xfrm>
+            <a:off x="1156118" y="1902074"/>
+            <a:ext cx="944426" cy="646331"/>
+          </a:xfrm>
+          <a:prstGeom prst="rect">
+            <a:avLst/>
+          </a:prstGeom>
+          <a:noFill/>
+        </p:spPr>
+        <p:txBody>
+          <a:bodyPr wrap="none" rtlCol="0">
+            <a:spAutoFit/>
+          </a:bodyPr>
+          <a:lstStyle/>
+          <a:p>
+            <a:r>
+              <a:rPr lang="en-US" dirty="0" smtClean="0"/>
+              <a:t>Work</a:t>
+            </a:r>
+          </a:p>
+          <a:p>
+            <a:r>
+              <a:rPr lang="en-US" dirty="0" smtClean="0"/>
+              <a:t>Request</a:t>
+            </a:r>
+            <a:endParaRPr lang="en-US" dirty="0"/>
+          </a:p>
+        </p:txBody>
+      </p:sp>
+      <p:cxnSp>
+        <p:nvCxnSpPr>
+          <p:cNvPr id="50" name="Straight Arrow Connector 49"/>
+          <p:cNvCxnSpPr/>
+          <p:nvPr/>
+        </p:nvCxnSpPr>
+        <p:spPr>
+          <a:xfrm flipV="1">
+            <a:off x="698601" y="2303814"/>
+            <a:ext cx="2232546" cy="1365007"/>
+          </a:xfrm>
+          <a:prstGeom prst="straightConnector1">
+            <a:avLst/>
+          </a:prstGeom>
+          <a:ln w="25400">
+            <a:solidFill>
+              <a:schemeClr val="tx1"/>
+            </a:solidFill>
+            <a:tailEnd type="triangle"/>
+          </a:ln>
+        </p:spPr>
+        <p:style>
+          <a:lnRef idx="1">
+            <a:schemeClr val="accent1"/>
+          </a:lnRef>
+          <a:fillRef idx="0">
+            <a:schemeClr val="accent1"/>
+          </a:fillRef>
+          <a:effectRef idx="0">
+            <a:schemeClr val="accent1"/>
+          </a:effectRef>
+          <a:fontRef idx="minor">
+            <a:schemeClr val="tx1"/>
+          </a:fontRef>
+        </p:style>
+      </p:cxnSp>
+      <p:sp>
+        <p:nvSpPr>
+          <p:cNvPr id="52" name="TextBox 51"/>
+          <p:cNvSpPr txBox="1"/>
+          <p:nvPr/>
+        </p:nvSpPr>
+        <p:spPr>
+          <a:xfrm>
+            <a:off x="1219202" y="3282540"/>
+            <a:ext cx="777777" cy="646331"/>
+          </a:xfrm>
+          <a:prstGeom prst="rect">
+            <a:avLst/>
+          </a:prstGeom>
+          <a:noFill/>
+        </p:spPr>
+        <p:txBody>
+          <a:bodyPr wrap="none" rtlCol="0">
+            <a:spAutoFit/>
+          </a:bodyPr>
+          <a:lstStyle/>
+          <a:p>
+            <a:r>
+              <a:rPr lang="en-US" dirty="0" smtClean="0"/>
+              <a:t>Work</a:t>
+            </a:r>
+          </a:p>
+          <a:p>
+            <a:r>
+              <a:rPr lang="en-US" dirty="0" smtClean="0"/>
+              <a:t>Chunk</a:t>
+            </a:r>
+            <a:endParaRPr lang="en-US" dirty="0"/>
+          </a:p>
+        </p:txBody>
+      </p:sp>
+      <p:cxnSp>
+        <p:nvCxnSpPr>
+          <p:cNvPr id="54" name="Straight Arrow Connector 53"/>
+          <p:cNvCxnSpPr/>
+          <p:nvPr/>
+        </p:nvCxnSpPr>
+        <p:spPr>
+          <a:xfrm>
+            <a:off x="3261888" y="1902074"/>
+            <a:ext cx="4821170" cy="1221136"/>
+          </a:xfrm>
+          <a:prstGeom prst="straightConnector1">
+            <a:avLst/>
+          </a:prstGeom>
+          <a:ln w="25400">
+            <a:solidFill>
+              <a:schemeClr val="tx1"/>
+            </a:solidFill>
+            <a:tailEnd type="triangle"/>
+          </a:ln>
+        </p:spPr>
+        <p:style>
+          <a:lnRef idx="1">
+            <a:schemeClr val="accent1"/>
+          </a:lnRef>
+          <a:fillRef idx="0">
+            <a:schemeClr val="accent1"/>
+          </a:fillRef>
+          <a:effectRef idx="0">
+            <a:schemeClr val="accent1"/>
+          </a:effectRef>
+          <a:fontRef idx="minor">
+            <a:schemeClr val="tx1"/>
+          </a:fontRef>
+        </p:style>
+      </p:cxnSp>
+      <p:cxnSp>
+        <p:nvCxnSpPr>
+          <p:cNvPr id="55" name="Straight Arrow Connector 54"/>
+          <p:cNvCxnSpPr/>
+          <p:nvPr/>
+        </p:nvCxnSpPr>
+        <p:spPr>
+          <a:xfrm>
+            <a:off x="3261888" y="2274258"/>
+            <a:ext cx="4821170" cy="1221136"/>
+          </a:xfrm>
+          <a:prstGeom prst="straightConnector1">
+            <a:avLst/>
+          </a:prstGeom>
+          <a:ln w="25400">
+            <a:solidFill>
+              <a:schemeClr val="tx1"/>
+            </a:solidFill>
+            <a:headEnd type="triangle"/>
+            <a:tailEnd type="none"/>
+          </a:ln>
+        </p:spPr>
+        <p:style>
+          <a:lnRef idx="1">
+            <a:schemeClr val="accent1"/>
+          </a:lnRef>
+          <a:fillRef idx="0">
+            <a:schemeClr val="accent1"/>
+          </a:fillRef>
+          <a:effectRef idx="0">
+            <a:schemeClr val="accent1"/>
+          </a:effectRef>
+          <a:fontRef idx="minor">
+            <a:schemeClr val="tx1"/>
+          </a:fontRef>
+        </p:style>
+      </p:cxnSp>
+      <p:sp>
+        <p:nvSpPr>
+          <p:cNvPr id="56" name="TextBox 55"/>
+          <p:cNvSpPr txBox="1"/>
+          <p:nvPr/>
+        </p:nvSpPr>
+        <p:spPr>
+          <a:xfrm>
+            <a:off x="6667587" y="3221247"/>
+            <a:ext cx="777777" cy="646331"/>
+          </a:xfrm>
+          <a:prstGeom prst="rect">
+            <a:avLst/>
+          </a:prstGeom>
+          <a:noFill/>
+        </p:spPr>
+        <p:txBody>
+          <a:bodyPr wrap="none" rtlCol="0">
+            <a:spAutoFit/>
+          </a:bodyPr>
+          <a:lstStyle/>
+          <a:p>
+            <a:r>
+              <a:rPr lang="en-US" dirty="0" smtClean="0"/>
+              <a:t>Work</a:t>
+            </a:r>
+          </a:p>
+          <a:p>
+            <a:r>
+              <a:rPr lang="en-US" dirty="0" smtClean="0"/>
+              <a:t>Chunk</a:t>
+            </a:r>
+            <a:endParaRPr lang="en-US" dirty="0"/>
+          </a:p>
+        </p:txBody>
+      </p:sp>
+      <p:sp>
+        <p:nvSpPr>
+          <p:cNvPr id="57" name="TextBox 56"/>
+          <p:cNvSpPr txBox="1"/>
+          <p:nvPr/>
+        </p:nvSpPr>
+        <p:spPr>
+          <a:xfrm>
+            <a:off x="6711160" y="2161312"/>
+            <a:ext cx="686535" cy="646331"/>
+          </a:xfrm>
+          <a:prstGeom prst="rect">
+            <a:avLst/>
+          </a:prstGeom>
+          <a:noFill/>
+        </p:spPr>
+        <p:txBody>
+          <a:bodyPr wrap="none" rtlCol="0">
+            <a:spAutoFit/>
+          </a:bodyPr>
+          <a:lstStyle/>
+          <a:p>
+            <a:r>
+              <a:rPr lang="en-US" dirty="0" smtClean="0"/>
+              <a:t>Work</a:t>
+            </a:r>
+          </a:p>
+          <a:p>
+            <a:r>
+              <a:rPr lang="en-US" dirty="0" smtClean="0"/>
+              <a:t>Steal</a:t>
+            </a:r>
+            <a:endParaRPr lang="en-US" dirty="0"/>
+          </a:p>
+        </p:txBody>
+      </p:sp>
+    </p:spTree>
+    <p:extLst>
+      <p:ext uri="{BB962C8B-B14F-4D97-AF65-F5344CB8AC3E}">
+        <p14:creationId xmlns:p14="http://schemas.microsoft.com/office/powerpoint/2010/main" val="252744207"/>
+      </p:ext>
+    </p:extLst>
+  </p:cSld>
+  <p:clrMapOvr>
+    <a:masterClrMapping/>
+  </p:clrMapOvr>
+  <p:timing>
+    <p:tnLst>
+      <p:par>
+        <p:cTn id="1" dur="indefinite" restart="never" nodeType="tmRoot">
+          <p:childTnLst>
+            <p:seq concurrent="1" nextAc="seek">
+              <p:cTn id="2" dur="indefinite" nodeType="mainSeq">
+                <p:childTnLst>
+                  <p:par>
+                    <p:cTn id="3" fill="hold">
+                      <p:stCondLst>
+                        <p:cond delay="indefinite"/>
+                      </p:stCondLst>
+                      <p:childTnLst>
+                        <p:par>
+                          <p:cTn id="4" fill="hold">
+                            <p:stCondLst>
+                              <p:cond delay="0"/>
+                            </p:stCondLst>
+                            <p:childTnLst>
+                              <p:par>
+                                <p:cTn id="5" presetID="1" presetClass="entr" presetSubtype="0" fill="hold" grpId="0" nodeType="clickEffect">
+                                  <p:stCondLst>
+                                    <p:cond delay="0"/>
+                                  </p:stCondLst>
+                                  <p:childTnLst>
+                                    <p:set>
+                                      <p:cBhvr>
+                                        <p:cTn id="6" dur="1" fill="hold">
+                                          <p:stCondLst>
+                                            <p:cond delay="0"/>
+                                          </p:stCondLst>
+                                        </p:cTn>
+                                        <p:tgtEl>
+                                          <p:spTgt spid="57"/>
+                                        </p:tgtEl>
+                                        <p:attrNameLst>
+                                          <p:attrName>style.visibility</p:attrName>
+                                        </p:attrNameLst>
+                                      </p:cBhvr>
+                                      <p:to>
+                                        <p:strVal val="visible"/>
+                                      </p:to>
+                                    </p:set>
+                                  </p:childTnLst>
+                                </p:cTn>
+                              </p:par>
+                              <p:par>
+                                <p:cTn id="7" presetID="1" presetClass="entr" presetSubtype="0" fill="hold" nodeType="withEffect">
+                                  <p:stCondLst>
+                                    <p:cond delay="0"/>
+                                  </p:stCondLst>
+                                  <p:childTnLst>
+                                    <p:set>
+                                      <p:cBhvr>
+                                        <p:cTn id="8" dur="1" fill="hold">
+                                          <p:stCondLst>
+                                            <p:cond delay="0"/>
+                                          </p:stCondLst>
+                                        </p:cTn>
+                                        <p:tgtEl>
+                                          <p:spTgt spid="54"/>
+                                        </p:tgtEl>
+                                        <p:attrNameLst>
+                                          <p:attrName>style.visibility</p:attrName>
+                                        </p:attrNameLst>
+                                      </p:cBhvr>
+                                      <p:to>
+                                        <p:strVal val="visible"/>
+                                      </p:to>
+                                    </p:set>
+                                  </p:childTnLst>
+                                </p:cTn>
+                              </p:par>
+                              <p:par>
+                                <p:cTn id="9" presetID="1" presetClass="entr" presetSubtype="0" fill="hold" nodeType="withEffect">
+                                  <p:stCondLst>
+                                    <p:cond delay="0"/>
+                                  </p:stCondLst>
+                                  <p:childTnLst>
+                                    <p:set>
+                                      <p:cBhvr>
+                                        <p:cTn id="10" dur="1" fill="hold">
+                                          <p:stCondLst>
+                                            <p:cond delay="0"/>
+                                          </p:stCondLst>
+                                        </p:cTn>
+                                        <p:tgtEl>
+                                          <p:spTgt spid="55"/>
+                                        </p:tgtEl>
+                                        <p:attrNameLst>
+                                          <p:attrName>style.visibility</p:attrName>
+                                        </p:attrNameLst>
+                                      </p:cBhvr>
+                                      <p:to>
+                                        <p:strVal val="visible"/>
+                                      </p:to>
+                                    </p:set>
+                                  </p:childTnLst>
+                                </p:cTn>
+                              </p:par>
+                              <p:par>
+                                <p:cTn id="11" presetID="1" presetClass="entr" presetSubtype="0" fill="hold" grpId="0" nodeType="withEffect">
+                                  <p:stCondLst>
+                                    <p:cond delay="0"/>
+                                  </p:stCondLst>
+                                  <p:childTnLst>
+                                    <p:set>
+                                      <p:cBhvr>
+                                        <p:cTn id="12" dur="1" fill="hold">
+                                          <p:stCondLst>
+                                            <p:cond delay="0"/>
+                                          </p:stCondLst>
+                                        </p:cTn>
+                                        <p:tgtEl>
+                                          <p:spTgt spid="56"/>
+                                        </p:tgtEl>
+                                        <p:attrNameLst>
+                                          <p:attrName>style.visibility</p:attrName>
+                                        </p:attrNameLst>
+                                      </p:cBhvr>
+                                      <p:to>
+                                        <p:strVal val="visible"/>
+                                      </p:to>
+                                    </p:set>
+                                  </p:childTnLst>
+                                </p:cTn>
+                              </p:par>
+                            </p:childTnLst>
+                          </p:cTn>
+                        </p:par>
+                      </p:childTnLst>
+                    </p:cTn>
+                  </p:par>
+                </p:childTnLst>
+              </p:cTn>
+              <p:prevCondLst>
+                <p:cond evt="onPrev" delay="0">
+                  <p:tgtEl>
+                    <p:sldTgt/>
+                  </p:tgtEl>
+                </p:cond>
+              </p:prevCondLst>
+              <p:nextCondLst>
+                <p:cond evt="onNext" delay="0">
+                  <p:tgtEl>
+                    <p:sldTgt/>
+                  </p:tgtEl>
+                </p:cond>
+              </p:nextCondLst>
+            </p:seq>
+          </p:childTnLst>
+        </p:cTn>
+      </p:par>
+    </p:tnLst>
+    <p:bldLst>
+      <p:bldP spid="56" grpId="0"/>
+      <p:bldP spid="57" grpId="0"/>
+    </p:bldLst>
+  </p:timing>
+</p:sld>
+</file>
+
+<file path=ppt/slides/slide11.xml><?xml version="1.0" encoding="utf-8"?>
+<p:sld xmlns:a="http://schemas.openxmlformats.org/drawingml/2006/main" xmlns:r="http://schemas.openxmlformats.org/officeDocument/2006/relationships" xmlns:p="http://schemas.openxmlformats.org/presentationml/2006/main">
+  <p:cSld>
+    <p:spTree>
+      <p:nvGrpSpPr>
+        <p:cNvPr id="1" name=""/>
+        <p:cNvGrpSpPr/>
+        <p:nvPr/>
+      </p:nvGrpSpPr>
+      <p:grpSpPr>
+        <a:xfrm>
+          <a:off x="0" y="0"/>
+          <a:ext cx="0" cy="0"/>
+          <a:chOff x="0" y="0"/>
+          <a:chExt cx="0" cy="0"/>
+        </a:xfrm>
+      </p:grpSpPr>
+      <p:sp>
+        <p:nvSpPr>
+          <p:cNvPr id="2" name="Title 1"/>
+          <p:cNvSpPr>
+            <a:spLocks noGrp="1"/>
+          </p:cNvSpPr>
+          <p:nvPr>
+            <p:ph type="title"/>
+          </p:nvPr>
+        </p:nvSpPr>
+        <p:spPr/>
+        <p:txBody>
+          <a:bodyPr/>
+          <a:lstStyle/>
+          <a:p>
+            <a:r>
+              <a:rPr lang="en-US" dirty="0" smtClean="0"/>
+              <a:t>Why Isn’t That Good Enough?</a:t>
+            </a:r>
+            <a:endParaRPr lang="en-US" dirty="0"/>
+          </a:p>
+        </p:txBody>
+      </p:sp>
+      <p:sp>
+        <p:nvSpPr>
+          <p:cNvPr id="3" name="Content Placeholder 2"/>
+          <p:cNvSpPr>
+            <a:spLocks noGrp="1"/>
+          </p:cNvSpPr>
+          <p:nvPr>
+            <p:ph idx="1"/>
+          </p:nvPr>
+        </p:nvSpPr>
+        <p:spPr/>
+        <p:txBody>
+          <a:bodyPr>
+            <a:normAutofit fontScale="92500" lnSpcReduction="20000"/>
+          </a:bodyPr>
+          <a:lstStyle/>
+          <a:p>
+            <a:pPr marL="0" indent="0">
+              <a:buNone/>
+            </a:pPr>
+            <a:r>
+              <a:rPr lang="en-US" u="sng" dirty="0" smtClean="0"/>
+              <a:t>Challenge</a:t>
+            </a:r>
+            <a:r>
+              <a:rPr lang="en-US" dirty="0" smtClean="0"/>
+              <a:t>: Long comparisons highly clustered in database</a:t>
+            </a:r>
+          </a:p>
+          <a:p>
+            <a:r>
+              <a:rPr lang="en-US" dirty="0" smtClean="0"/>
+              <a:t>Database currently sorted alphabetically, names biologically relevant</a:t>
+            </a:r>
+          </a:p>
+          <a:p>
+            <a:r>
+              <a:rPr lang="en-US" dirty="0" smtClean="0"/>
+              <a:t>Will get worse when database re-</a:t>
+            </a:r>
+            <a:r>
+              <a:rPr lang="en-US" dirty="0" err="1" smtClean="0"/>
+              <a:t>orged</a:t>
+            </a:r>
+            <a:r>
+              <a:rPr lang="en-US" dirty="0" smtClean="0"/>
+              <a:t> to sort by phylogeny</a:t>
+            </a:r>
+          </a:p>
+          <a:p>
+            <a:pPr marL="0" indent="0">
+              <a:buNone/>
+            </a:pPr>
+            <a:endParaRPr lang="en-US" dirty="0"/>
+          </a:p>
+          <a:p>
+            <a:pPr marL="0" indent="0">
+              <a:buNone/>
+            </a:pPr>
+            <a:r>
+              <a:rPr lang="en-US" u="sng" dirty="0" smtClean="0"/>
+              <a:t>Effect</a:t>
+            </a:r>
+            <a:r>
+              <a:rPr lang="en-US" dirty="0" smtClean="0"/>
+              <a:t>:</a:t>
+            </a:r>
+          </a:p>
+          <a:p>
+            <a:pPr marL="514350" indent="-514350">
+              <a:buFont typeface="+mj-lt"/>
+              <a:buAutoNum type="arabicPeriod"/>
+            </a:pPr>
+            <a:r>
+              <a:rPr lang="en-US" dirty="0" smtClean="0"/>
+              <a:t>Thread A gets chunk containing many long comparisons, which takes long time to process</a:t>
+            </a:r>
+          </a:p>
+          <a:p>
+            <a:pPr marL="514350" indent="-514350">
+              <a:buFont typeface="+mj-lt"/>
+              <a:buAutoNum type="arabicPeriod"/>
+            </a:pPr>
+            <a:r>
+              <a:rPr lang="en-US" dirty="0" smtClean="0"/>
+              <a:t>Other threads process chunks until all other work is done</a:t>
+            </a:r>
+          </a:p>
+          <a:p>
+            <a:pPr marL="514350" indent="-514350">
+              <a:buFont typeface="+mj-lt"/>
+              <a:buAutoNum type="arabicPeriod"/>
+            </a:pPr>
+            <a:r>
+              <a:rPr lang="en-US" dirty="0" smtClean="0"/>
+              <a:t>Work that gets stolen at the end consists of long-running, variable-latency comparisons, leads to idle cores waiting for last comparison to finish</a:t>
+            </a:r>
+          </a:p>
+        </p:txBody>
+      </p:sp>
+    </p:spTree>
+    <p:extLst>
+      <p:ext uri="{BB962C8B-B14F-4D97-AF65-F5344CB8AC3E}">
+        <p14:creationId xmlns:p14="http://schemas.microsoft.com/office/powerpoint/2010/main" val="380162274"/>
+      </p:ext>
+    </p:extLst>
+  </p:cSld>
+  <p:clrMapOvr>
+    <a:masterClrMapping/>
+  </p:clrMapOvr>
+  <p:timing>
+    <p:tnLst>
+      <p:par>
+        <p:cTn id="1" dur="indefinite" restart="never" nodeType="tmRoot"/>
+      </p:par>
+    </p:tnLst>
+  </p:timing>
+</p:sld>
+</file>
+
+<file path=ppt/slides/slide12.xml><?xml version="1.0" encoding="utf-8"?>
+<p:sld xmlns:a="http://schemas.openxmlformats.org/drawingml/2006/main" xmlns:r="http://schemas.openxmlformats.org/officeDocument/2006/relationships" xmlns:p="http://schemas.openxmlformats.org/presentationml/2006/main">
+  <p:cSld>
+    <p:spTree>
+      <p:nvGrpSpPr>
+        <p:cNvPr id="1" name=""/>
+        <p:cNvGrpSpPr/>
+        <p:nvPr/>
+      </p:nvGrpSpPr>
+      <p:grpSpPr>
+        <a:xfrm>
+          <a:off x="0" y="0"/>
+          <a:ext cx="0" cy="0"/>
+          <a:chOff x="0" y="0"/>
+          <a:chExt cx="0" cy="0"/>
+        </a:xfrm>
+      </p:grpSpPr>
+      <p:cxnSp>
+        <p:nvCxnSpPr>
+          <p:cNvPr id="69" name="Elbow Connector 68"/>
+          <p:cNvCxnSpPr/>
+          <p:nvPr/>
+        </p:nvCxnSpPr>
+        <p:spPr>
+          <a:xfrm rot="16200000" flipH="1">
+            <a:off x="4218200" y="2825840"/>
+            <a:ext cx="1145969" cy="3842638"/>
+          </a:xfrm>
+          <a:prstGeom prst="bentConnector2">
+            <a:avLst/>
+          </a:prstGeom>
+          <a:ln w="25400">
+            <a:solidFill>
+              <a:schemeClr val="tx1"/>
+            </a:solidFill>
+            <a:tailEnd type="triangle"/>
+          </a:ln>
+        </p:spPr>
+        <p:style>
+          <a:lnRef idx="1">
+            <a:schemeClr val="accent1"/>
+          </a:lnRef>
+          <a:fillRef idx="0">
+            <a:schemeClr val="accent1"/>
+          </a:fillRef>
+          <a:effectRef idx="0">
+            <a:schemeClr val="accent1"/>
+          </a:effectRef>
+          <a:fontRef idx="minor">
+            <a:schemeClr val="tx1"/>
+          </a:fontRef>
+        </p:style>
+      </p:cxnSp>
+      <p:sp>
+        <p:nvSpPr>
+          <p:cNvPr id="2" name="Title 1"/>
+          <p:cNvSpPr>
+            <a:spLocks noGrp="1"/>
+          </p:cNvSpPr>
+          <p:nvPr>
+            <p:ph type="title"/>
+          </p:nvPr>
+        </p:nvSpPr>
+        <p:spPr>
+          <a:xfrm>
+            <a:off x="838200" y="365125"/>
+            <a:ext cx="10515600" cy="549275"/>
+          </a:xfrm>
+        </p:spPr>
+        <p:txBody>
+          <a:bodyPr>
+            <a:normAutofit fontScale="90000"/>
+          </a:bodyPr>
+          <a:lstStyle/>
+          <a:p>
+            <a:r>
+              <a:rPr lang="en-US" dirty="0" smtClean="0"/>
+              <a:t>Filter/Main-Stage Split</a:t>
+            </a:r>
+            <a:endParaRPr lang="en-US" dirty="0"/>
+          </a:p>
+        </p:txBody>
+      </p:sp>
+      <p:grpSp>
+        <p:nvGrpSpPr>
+          <p:cNvPr id="7" name="Group 6"/>
+          <p:cNvGrpSpPr/>
+          <p:nvPr/>
+        </p:nvGrpSpPr>
+        <p:grpSpPr>
+          <a:xfrm>
+            <a:off x="1509155" y="2796639"/>
+            <a:ext cx="777833" cy="1401288"/>
+            <a:chOff x="967839" y="1989117"/>
+            <a:chExt cx="777833" cy="1401288"/>
+          </a:xfrm>
+        </p:grpSpPr>
+        <p:sp>
+          <p:nvSpPr>
+            <p:cNvPr id="4" name="Rectangle 3"/>
+            <p:cNvSpPr/>
+            <p:nvPr/>
+          </p:nvSpPr>
+          <p:spPr>
+            <a:xfrm>
+              <a:off x="967839" y="1989117"/>
+              <a:ext cx="777833" cy="1401288"/>
+            </a:xfrm>
+            <a:prstGeom prst="rect">
+              <a:avLst/>
+            </a:prstGeom>
+            <a:solidFill>
+              <a:srgbClr val="FFC000"/>
+            </a:solidFill>
+            <a:ln>
+              <a:noFill/>
+            </a:ln>
+          </p:spPr>
+          <p:style>
+            <a:lnRef idx="2">
+              <a:schemeClr val="accent1">
+                <a:shade val="50000"/>
+              </a:schemeClr>
+            </a:lnRef>
+            <a:fillRef idx="1">
+              <a:schemeClr val="accent1"/>
+            </a:fillRef>
+            <a:effectRef idx="0">
+              <a:schemeClr val="accent1"/>
+            </a:effectRef>
+            <a:fontRef idx="minor">
+              <a:schemeClr val="lt1"/>
+            </a:fontRef>
+          </p:style>
+          <p:txBody>
+            <a:bodyPr rtlCol="0" anchor="ctr"/>
+            <a:lstStyle/>
+            <a:p>
+              <a:pPr algn="ctr"/>
+              <a:endParaRPr lang="en-US"/>
+            </a:p>
+          </p:txBody>
+        </p:sp>
+        <p:sp>
+          <p:nvSpPr>
+            <p:cNvPr id="5" name="Rounded Rectangle 4"/>
+            <p:cNvSpPr/>
+            <p:nvPr/>
+          </p:nvSpPr>
+          <p:spPr>
+            <a:xfrm>
+              <a:off x="1122217" y="2196935"/>
+              <a:ext cx="469075" cy="985652"/>
+            </a:xfrm>
+            <a:prstGeom prst="roundRect">
+              <a:avLst/>
+            </a:prstGeom>
+            <a:solidFill>
+              <a:srgbClr val="002060"/>
+            </a:solidFill>
+            <a:ln>
+              <a:noFill/>
+            </a:ln>
+          </p:spPr>
+          <p:style>
+            <a:lnRef idx="2">
+              <a:schemeClr val="accent1">
+                <a:shade val="50000"/>
+              </a:schemeClr>
+            </a:lnRef>
+            <a:fillRef idx="1">
+              <a:schemeClr val="accent1"/>
+            </a:fillRef>
+            <a:effectRef idx="0">
+              <a:schemeClr val="accent1"/>
+            </a:effectRef>
+            <a:fontRef idx="minor">
+              <a:schemeClr val="lt1"/>
+            </a:fontRef>
+          </p:style>
+          <p:txBody>
+            <a:bodyPr rtlCol="0" anchor="ctr"/>
+            <a:lstStyle/>
+            <a:p>
+              <a:pPr algn="ctr"/>
+              <a:endParaRPr lang="en-US"/>
+            </a:p>
+          </p:txBody>
+        </p:sp>
+        <p:sp>
+          <p:nvSpPr>
+            <p:cNvPr id="6" name="TextBox 5"/>
+            <p:cNvSpPr txBox="1"/>
+            <p:nvPr/>
+          </p:nvSpPr>
+          <p:spPr>
+            <a:xfrm rot="16200000">
+              <a:off x="980593" y="2505095"/>
+              <a:ext cx="752322" cy="369332"/>
+            </a:xfrm>
+            <a:prstGeom prst="rect">
+              <a:avLst/>
+            </a:prstGeom>
+            <a:noFill/>
+          </p:spPr>
+          <p:txBody>
+            <a:bodyPr wrap="none" rtlCol="0">
+              <a:spAutoFit/>
+            </a:bodyPr>
+            <a:lstStyle/>
+            <a:p>
+              <a:r>
+                <a:rPr lang="en-US" dirty="0" smtClean="0"/>
+                <a:t>Filters</a:t>
+              </a:r>
+            </a:p>
+          </p:txBody>
+        </p:sp>
+      </p:grpSp>
+      <p:grpSp>
+        <p:nvGrpSpPr>
+          <p:cNvPr id="8" name="Group 7"/>
+          <p:cNvGrpSpPr/>
+          <p:nvPr/>
+        </p:nvGrpSpPr>
+        <p:grpSpPr>
+          <a:xfrm>
+            <a:off x="2480948" y="2796639"/>
+            <a:ext cx="777833" cy="1401288"/>
+            <a:chOff x="967839" y="1989117"/>
+            <a:chExt cx="777833" cy="1401288"/>
+          </a:xfrm>
+        </p:grpSpPr>
+        <p:sp>
+          <p:nvSpPr>
+            <p:cNvPr id="9" name="Rectangle 8"/>
+            <p:cNvSpPr/>
+            <p:nvPr/>
+          </p:nvSpPr>
+          <p:spPr>
+            <a:xfrm>
+              <a:off x="967839" y="1989117"/>
+              <a:ext cx="777833" cy="1401288"/>
+            </a:xfrm>
+            <a:prstGeom prst="rect">
+              <a:avLst/>
+            </a:prstGeom>
+            <a:solidFill>
+              <a:srgbClr val="FFC000"/>
+            </a:solidFill>
+            <a:ln>
+              <a:noFill/>
+            </a:ln>
+          </p:spPr>
+          <p:style>
+            <a:lnRef idx="2">
+              <a:schemeClr val="accent1">
+                <a:shade val="50000"/>
+              </a:schemeClr>
+            </a:lnRef>
+            <a:fillRef idx="1">
+              <a:schemeClr val="accent1"/>
+            </a:fillRef>
+            <a:effectRef idx="0">
+              <a:schemeClr val="accent1"/>
+            </a:effectRef>
+            <a:fontRef idx="minor">
+              <a:schemeClr val="lt1"/>
+            </a:fontRef>
+          </p:style>
+          <p:txBody>
+            <a:bodyPr rtlCol="0" anchor="ctr"/>
+            <a:lstStyle/>
+            <a:p>
+              <a:pPr algn="ctr"/>
+              <a:endParaRPr lang="en-US"/>
+            </a:p>
+          </p:txBody>
+        </p:sp>
+        <p:sp>
+          <p:nvSpPr>
+            <p:cNvPr id="10" name="Rounded Rectangle 9"/>
+            <p:cNvSpPr/>
+            <p:nvPr/>
+          </p:nvSpPr>
+          <p:spPr>
+            <a:xfrm>
+              <a:off x="1122217" y="2196935"/>
+              <a:ext cx="469075" cy="985652"/>
+            </a:xfrm>
+            <a:prstGeom prst="roundRect">
+              <a:avLst/>
+            </a:prstGeom>
+            <a:solidFill>
+              <a:srgbClr val="002060"/>
+            </a:solidFill>
+            <a:ln>
+              <a:noFill/>
+            </a:ln>
+          </p:spPr>
+          <p:style>
+            <a:lnRef idx="2">
+              <a:schemeClr val="accent1">
+                <a:shade val="50000"/>
+              </a:schemeClr>
+            </a:lnRef>
+            <a:fillRef idx="1">
+              <a:schemeClr val="accent1"/>
+            </a:fillRef>
+            <a:effectRef idx="0">
+              <a:schemeClr val="accent1"/>
+            </a:effectRef>
+            <a:fontRef idx="minor">
+              <a:schemeClr val="lt1"/>
+            </a:fontRef>
+          </p:style>
+          <p:txBody>
+            <a:bodyPr rtlCol="0" anchor="ctr"/>
+            <a:lstStyle/>
+            <a:p>
+              <a:pPr algn="ctr"/>
+              <a:endParaRPr lang="en-US"/>
+            </a:p>
+          </p:txBody>
+        </p:sp>
+        <p:sp>
+          <p:nvSpPr>
+            <p:cNvPr id="11" name="TextBox 10"/>
+            <p:cNvSpPr txBox="1"/>
+            <p:nvPr/>
+          </p:nvSpPr>
+          <p:spPr>
+            <a:xfrm rot="16200000">
+              <a:off x="980593" y="2505095"/>
+              <a:ext cx="752322" cy="369332"/>
+            </a:xfrm>
+            <a:prstGeom prst="rect">
+              <a:avLst/>
+            </a:prstGeom>
+            <a:noFill/>
+          </p:spPr>
+          <p:txBody>
+            <a:bodyPr wrap="none" rtlCol="0">
+              <a:spAutoFit/>
+            </a:bodyPr>
+            <a:lstStyle/>
+            <a:p>
+              <a:r>
+                <a:rPr lang="en-US" dirty="0" smtClean="0"/>
+                <a:t>Filters</a:t>
+              </a:r>
+            </a:p>
+          </p:txBody>
+        </p:sp>
+      </p:grpSp>
+      <p:grpSp>
+        <p:nvGrpSpPr>
+          <p:cNvPr id="12" name="Group 11"/>
+          <p:cNvGrpSpPr/>
+          <p:nvPr/>
+        </p:nvGrpSpPr>
+        <p:grpSpPr>
+          <a:xfrm>
+            <a:off x="3452741" y="2796639"/>
+            <a:ext cx="777833" cy="1401288"/>
+            <a:chOff x="967839" y="1989117"/>
+            <a:chExt cx="777833" cy="1401288"/>
+          </a:xfrm>
+        </p:grpSpPr>
+        <p:sp>
+          <p:nvSpPr>
+            <p:cNvPr id="13" name="Rectangle 12"/>
+            <p:cNvSpPr/>
+            <p:nvPr/>
+          </p:nvSpPr>
+          <p:spPr>
+            <a:xfrm>
+              <a:off x="967839" y="1989117"/>
+              <a:ext cx="777833" cy="1401288"/>
+            </a:xfrm>
+            <a:prstGeom prst="rect">
+              <a:avLst/>
+            </a:prstGeom>
+            <a:solidFill>
+              <a:srgbClr val="FFC000"/>
+            </a:solidFill>
+            <a:ln>
+              <a:noFill/>
+            </a:ln>
+          </p:spPr>
+          <p:style>
+            <a:lnRef idx="2">
+              <a:schemeClr val="accent1">
+                <a:shade val="50000"/>
+              </a:schemeClr>
+            </a:lnRef>
+            <a:fillRef idx="1">
+              <a:schemeClr val="accent1"/>
+            </a:fillRef>
+            <a:effectRef idx="0">
+              <a:schemeClr val="accent1"/>
+            </a:effectRef>
+            <a:fontRef idx="minor">
+              <a:schemeClr val="lt1"/>
+            </a:fontRef>
+          </p:style>
+          <p:txBody>
+            <a:bodyPr rtlCol="0" anchor="ctr"/>
+            <a:lstStyle/>
+            <a:p>
+              <a:pPr algn="ctr"/>
+              <a:endParaRPr lang="en-US"/>
+            </a:p>
+          </p:txBody>
+        </p:sp>
+        <p:sp>
+          <p:nvSpPr>
+            <p:cNvPr id="14" name="Rounded Rectangle 13"/>
+            <p:cNvSpPr/>
+            <p:nvPr/>
+          </p:nvSpPr>
+          <p:spPr>
+            <a:xfrm>
+              <a:off x="1122217" y="2196935"/>
+              <a:ext cx="469075" cy="985652"/>
+            </a:xfrm>
+            <a:prstGeom prst="roundRect">
+              <a:avLst/>
+            </a:prstGeom>
+            <a:solidFill>
+              <a:srgbClr val="002060"/>
+            </a:solidFill>
+            <a:ln>
+              <a:noFill/>
+            </a:ln>
+          </p:spPr>
+          <p:style>
+            <a:lnRef idx="2">
+              <a:schemeClr val="accent1">
+                <a:shade val="50000"/>
+              </a:schemeClr>
+            </a:lnRef>
+            <a:fillRef idx="1">
+              <a:schemeClr val="accent1"/>
+            </a:fillRef>
+            <a:effectRef idx="0">
+              <a:schemeClr val="accent1"/>
+            </a:effectRef>
+            <a:fontRef idx="minor">
+              <a:schemeClr val="lt1"/>
+            </a:fontRef>
+          </p:style>
+          <p:txBody>
+            <a:bodyPr rtlCol="0" anchor="ctr"/>
+            <a:lstStyle/>
+            <a:p>
+              <a:pPr algn="ctr"/>
+              <a:endParaRPr lang="en-US"/>
+            </a:p>
+          </p:txBody>
+        </p:sp>
+        <p:sp>
+          <p:nvSpPr>
+            <p:cNvPr id="15" name="TextBox 14"/>
+            <p:cNvSpPr txBox="1"/>
+            <p:nvPr/>
+          </p:nvSpPr>
+          <p:spPr>
+            <a:xfrm rot="16200000">
+              <a:off x="980593" y="2505095"/>
+              <a:ext cx="752322" cy="369332"/>
+            </a:xfrm>
+            <a:prstGeom prst="rect">
+              <a:avLst/>
+            </a:prstGeom>
+            <a:noFill/>
+          </p:spPr>
+          <p:txBody>
+            <a:bodyPr wrap="none" rtlCol="0">
+              <a:spAutoFit/>
+            </a:bodyPr>
+            <a:lstStyle/>
+            <a:p>
+              <a:r>
+                <a:rPr lang="en-US" dirty="0" smtClean="0"/>
+                <a:t>Filters</a:t>
+              </a:r>
+            </a:p>
+          </p:txBody>
+        </p:sp>
+      </p:grpSp>
+      <p:grpSp>
+        <p:nvGrpSpPr>
+          <p:cNvPr id="16" name="Group 15"/>
+          <p:cNvGrpSpPr/>
+          <p:nvPr/>
+        </p:nvGrpSpPr>
+        <p:grpSpPr>
+          <a:xfrm>
+            <a:off x="4424534" y="2796639"/>
+            <a:ext cx="777833" cy="1401288"/>
+            <a:chOff x="967839" y="1989117"/>
+            <a:chExt cx="777833" cy="1401288"/>
+          </a:xfrm>
+        </p:grpSpPr>
+        <p:sp>
+          <p:nvSpPr>
+            <p:cNvPr id="17" name="Rectangle 16"/>
+            <p:cNvSpPr/>
+            <p:nvPr/>
+          </p:nvSpPr>
+          <p:spPr>
+            <a:xfrm>
+              <a:off x="967839" y="1989117"/>
+              <a:ext cx="777833" cy="1401288"/>
+            </a:xfrm>
+            <a:prstGeom prst="rect">
+              <a:avLst/>
+            </a:prstGeom>
+            <a:solidFill>
+              <a:srgbClr val="FFC000"/>
+            </a:solidFill>
+            <a:ln>
+              <a:noFill/>
+            </a:ln>
+          </p:spPr>
+          <p:style>
+            <a:lnRef idx="2">
+              <a:schemeClr val="accent1">
+                <a:shade val="50000"/>
+              </a:schemeClr>
+            </a:lnRef>
+            <a:fillRef idx="1">
+              <a:schemeClr val="accent1"/>
+            </a:fillRef>
+            <a:effectRef idx="0">
+              <a:schemeClr val="accent1"/>
+            </a:effectRef>
+            <a:fontRef idx="minor">
+              <a:schemeClr val="lt1"/>
+            </a:fontRef>
+          </p:style>
+          <p:txBody>
+            <a:bodyPr rtlCol="0" anchor="ctr"/>
+            <a:lstStyle/>
+            <a:p>
+              <a:pPr algn="ctr"/>
+              <a:endParaRPr lang="en-US"/>
+            </a:p>
+          </p:txBody>
+        </p:sp>
+        <p:sp>
+          <p:nvSpPr>
+            <p:cNvPr id="18" name="Rounded Rectangle 17"/>
+            <p:cNvSpPr/>
+            <p:nvPr/>
+          </p:nvSpPr>
+          <p:spPr>
+            <a:xfrm>
+              <a:off x="1122217" y="2196935"/>
+              <a:ext cx="469075" cy="985652"/>
+            </a:xfrm>
+            <a:prstGeom prst="roundRect">
+              <a:avLst/>
+            </a:prstGeom>
+            <a:solidFill>
+              <a:srgbClr val="002060"/>
+            </a:solidFill>
+            <a:ln>
+              <a:noFill/>
+            </a:ln>
+          </p:spPr>
+          <p:style>
+            <a:lnRef idx="2">
+              <a:schemeClr val="accent1">
+                <a:shade val="50000"/>
+              </a:schemeClr>
+            </a:lnRef>
+            <a:fillRef idx="1">
+              <a:schemeClr val="accent1"/>
+            </a:fillRef>
+            <a:effectRef idx="0">
+              <a:schemeClr val="accent1"/>
+            </a:effectRef>
+            <a:fontRef idx="minor">
+              <a:schemeClr val="lt1"/>
+            </a:fontRef>
+          </p:style>
+          <p:txBody>
+            <a:bodyPr rtlCol="0" anchor="ctr"/>
+            <a:lstStyle/>
+            <a:p>
+              <a:pPr algn="ctr"/>
+              <a:endParaRPr lang="en-US"/>
+            </a:p>
+          </p:txBody>
+        </p:sp>
+        <p:sp>
+          <p:nvSpPr>
+            <p:cNvPr id="19" name="TextBox 18"/>
+            <p:cNvSpPr txBox="1"/>
+            <p:nvPr/>
+          </p:nvSpPr>
+          <p:spPr>
+            <a:xfrm rot="16200000">
+              <a:off x="980593" y="2505095"/>
+              <a:ext cx="752322" cy="369332"/>
+            </a:xfrm>
+            <a:prstGeom prst="rect">
+              <a:avLst/>
+            </a:prstGeom>
+            <a:noFill/>
+          </p:spPr>
+          <p:txBody>
+            <a:bodyPr wrap="none" rtlCol="0">
+              <a:spAutoFit/>
+            </a:bodyPr>
+            <a:lstStyle/>
+            <a:p>
+              <a:r>
+                <a:rPr lang="en-US" dirty="0" smtClean="0"/>
+                <a:t>Filters</a:t>
+              </a:r>
+            </a:p>
+          </p:txBody>
+        </p:sp>
+      </p:grpSp>
+      <p:grpSp>
+        <p:nvGrpSpPr>
+          <p:cNvPr id="20" name="Group 19"/>
+          <p:cNvGrpSpPr/>
+          <p:nvPr/>
+        </p:nvGrpSpPr>
+        <p:grpSpPr>
+          <a:xfrm>
+            <a:off x="5396327" y="2796638"/>
+            <a:ext cx="777833" cy="1401288"/>
+            <a:chOff x="967839" y="1989117"/>
+            <a:chExt cx="777833" cy="1401288"/>
+          </a:xfrm>
+        </p:grpSpPr>
+        <p:sp>
+          <p:nvSpPr>
+            <p:cNvPr id="21" name="Rectangle 20"/>
+            <p:cNvSpPr/>
+            <p:nvPr/>
+          </p:nvSpPr>
+          <p:spPr>
+            <a:xfrm>
+              <a:off x="967839" y="1989117"/>
+              <a:ext cx="777833" cy="1401288"/>
+            </a:xfrm>
+            <a:prstGeom prst="rect">
+              <a:avLst/>
+            </a:prstGeom>
+            <a:solidFill>
+              <a:srgbClr val="FFC000"/>
+            </a:solidFill>
+            <a:ln>
+              <a:noFill/>
+            </a:ln>
+          </p:spPr>
+          <p:style>
+            <a:lnRef idx="2">
+              <a:schemeClr val="accent1">
+                <a:shade val="50000"/>
+              </a:schemeClr>
+            </a:lnRef>
+            <a:fillRef idx="1">
+              <a:schemeClr val="accent1"/>
+            </a:fillRef>
+            <a:effectRef idx="0">
+              <a:schemeClr val="accent1"/>
+            </a:effectRef>
+            <a:fontRef idx="minor">
+              <a:schemeClr val="lt1"/>
+            </a:fontRef>
+          </p:style>
+          <p:txBody>
+            <a:bodyPr rtlCol="0" anchor="ctr"/>
+            <a:lstStyle/>
+            <a:p>
+              <a:pPr algn="ctr"/>
+              <a:endParaRPr lang="en-US"/>
+            </a:p>
+          </p:txBody>
+        </p:sp>
+        <p:sp>
+          <p:nvSpPr>
+            <p:cNvPr id="22" name="Rounded Rectangle 21"/>
+            <p:cNvSpPr/>
+            <p:nvPr/>
+          </p:nvSpPr>
+          <p:spPr>
+            <a:xfrm>
+              <a:off x="1122217" y="2196935"/>
+              <a:ext cx="469075" cy="985652"/>
+            </a:xfrm>
+            <a:prstGeom prst="roundRect">
+              <a:avLst/>
+            </a:prstGeom>
+            <a:solidFill>
+              <a:srgbClr val="002060"/>
+            </a:solidFill>
+            <a:ln>
+              <a:noFill/>
+            </a:ln>
+          </p:spPr>
+          <p:style>
+            <a:lnRef idx="2">
+              <a:schemeClr val="accent1">
+                <a:shade val="50000"/>
+              </a:schemeClr>
+            </a:lnRef>
+            <a:fillRef idx="1">
+              <a:schemeClr val="accent1"/>
+            </a:fillRef>
+            <a:effectRef idx="0">
+              <a:schemeClr val="accent1"/>
+            </a:effectRef>
+            <a:fontRef idx="minor">
+              <a:schemeClr val="lt1"/>
+            </a:fontRef>
+          </p:style>
+          <p:txBody>
+            <a:bodyPr rtlCol="0" anchor="ctr"/>
+            <a:lstStyle/>
+            <a:p>
+              <a:pPr algn="ctr"/>
+              <a:endParaRPr lang="en-US"/>
+            </a:p>
+          </p:txBody>
+        </p:sp>
+        <p:sp>
+          <p:nvSpPr>
+            <p:cNvPr id="23" name="TextBox 22"/>
+            <p:cNvSpPr txBox="1"/>
+            <p:nvPr/>
+          </p:nvSpPr>
+          <p:spPr>
+            <a:xfrm rot="16200000">
+              <a:off x="980593" y="2505095"/>
+              <a:ext cx="752322" cy="369332"/>
+            </a:xfrm>
+            <a:prstGeom prst="rect">
+              <a:avLst/>
+            </a:prstGeom>
+            <a:noFill/>
+          </p:spPr>
+          <p:txBody>
+            <a:bodyPr wrap="none" rtlCol="0">
+              <a:spAutoFit/>
+            </a:bodyPr>
+            <a:lstStyle/>
+            <a:p>
+              <a:r>
+                <a:rPr lang="en-US" dirty="0" smtClean="0"/>
+                <a:t>Filters</a:t>
+              </a:r>
+            </a:p>
+          </p:txBody>
+        </p:sp>
+      </p:grpSp>
+      <p:grpSp>
+        <p:nvGrpSpPr>
+          <p:cNvPr id="24" name="Group 23"/>
+          <p:cNvGrpSpPr/>
+          <p:nvPr/>
+        </p:nvGrpSpPr>
+        <p:grpSpPr>
+          <a:xfrm>
+            <a:off x="6323588" y="2796638"/>
+            <a:ext cx="777833" cy="1401288"/>
+            <a:chOff x="967839" y="1989117"/>
+            <a:chExt cx="777833" cy="1401288"/>
+          </a:xfrm>
+        </p:grpSpPr>
+        <p:sp>
+          <p:nvSpPr>
+            <p:cNvPr id="25" name="Rectangle 24"/>
+            <p:cNvSpPr/>
+            <p:nvPr/>
+          </p:nvSpPr>
+          <p:spPr>
+            <a:xfrm>
+              <a:off x="967839" y="1989117"/>
+              <a:ext cx="777833" cy="1401288"/>
+            </a:xfrm>
+            <a:prstGeom prst="rect">
+              <a:avLst/>
+            </a:prstGeom>
+            <a:solidFill>
+              <a:srgbClr val="FFC000"/>
+            </a:solidFill>
+            <a:ln>
+              <a:noFill/>
+            </a:ln>
+          </p:spPr>
+          <p:style>
+            <a:lnRef idx="2">
+              <a:schemeClr val="accent1">
+                <a:shade val="50000"/>
+              </a:schemeClr>
+            </a:lnRef>
+            <a:fillRef idx="1">
+              <a:schemeClr val="accent1"/>
+            </a:fillRef>
+            <a:effectRef idx="0">
+              <a:schemeClr val="accent1"/>
+            </a:effectRef>
+            <a:fontRef idx="minor">
+              <a:schemeClr val="lt1"/>
+            </a:fontRef>
+          </p:style>
+          <p:txBody>
+            <a:bodyPr rtlCol="0" anchor="ctr"/>
+            <a:lstStyle/>
+            <a:p>
+              <a:pPr algn="ctr"/>
+              <a:endParaRPr lang="en-US"/>
+            </a:p>
+          </p:txBody>
+        </p:sp>
+        <p:sp>
+          <p:nvSpPr>
+            <p:cNvPr id="26" name="Rounded Rectangle 25"/>
+            <p:cNvSpPr/>
+            <p:nvPr/>
+          </p:nvSpPr>
+          <p:spPr>
+            <a:xfrm>
+              <a:off x="1122217" y="2196935"/>
+              <a:ext cx="469075" cy="985652"/>
+            </a:xfrm>
+            <a:prstGeom prst="roundRect">
+              <a:avLst/>
+            </a:prstGeom>
+            <a:solidFill>
+              <a:srgbClr val="002060"/>
+            </a:solidFill>
+            <a:ln>
+              <a:noFill/>
+            </a:ln>
+          </p:spPr>
+          <p:style>
+            <a:lnRef idx="2">
+              <a:schemeClr val="accent1">
+                <a:shade val="50000"/>
+              </a:schemeClr>
+            </a:lnRef>
+            <a:fillRef idx="1">
+              <a:schemeClr val="accent1"/>
+            </a:fillRef>
+            <a:effectRef idx="0">
+              <a:schemeClr val="accent1"/>
+            </a:effectRef>
+            <a:fontRef idx="minor">
+              <a:schemeClr val="lt1"/>
+            </a:fontRef>
+          </p:style>
+          <p:txBody>
+            <a:bodyPr rtlCol="0" anchor="ctr"/>
+            <a:lstStyle/>
+            <a:p>
+              <a:pPr algn="ctr"/>
+              <a:endParaRPr lang="en-US"/>
+            </a:p>
+          </p:txBody>
+        </p:sp>
+        <p:sp>
+          <p:nvSpPr>
+            <p:cNvPr id="27" name="TextBox 26"/>
+            <p:cNvSpPr txBox="1"/>
+            <p:nvPr/>
+          </p:nvSpPr>
+          <p:spPr>
+            <a:xfrm rot="16200000">
+              <a:off x="980593" y="2505095"/>
+              <a:ext cx="752322" cy="369332"/>
+            </a:xfrm>
+            <a:prstGeom prst="rect">
+              <a:avLst/>
+            </a:prstGeom>
+            <a:noFill/>
+          </p:spPr>
+          <p:txBody>
+            <a:bodyPr wrap="none" rtlCol="0">
+              <a:spAutoFit/>
+            </a:bodyPr>
+            <a:lstStyle/>
+            <a:p>
+              <a:r>
+                <a:rPr lang="en-US" dirty="0" smtClean="0"/>
+                <a:t>Filters</a:t>
+              </a:r>
+            </a:p>
+          </p:txBody>
+        </p:sp>
+      </p:grpSp>
+      <p:cxnSp>
+        <p:nvCxnSpPr>
+          <p:cNvPr id="29" name="Elbow Connector 28"/>
+          <p:cNvCxnSpPr/>
+          <p:nvPr/>
+        </p:nvCxnSpPr>
+        <p:spPr>
+          <a:xfrm>
+            <a:off x="1377353" y="2054702"/>
+            <a:ext cx="5462833" cy="949753"/>
+          </a:xfrm>
+          <a:prstGeom prst="bentConnector3">
+            <a:avLst>
+              <a:gd name="adj1" fmla="val 99998"/>
+            </a:avLst>
+          </a:prstGeom>
+          <a:ln w="25400">
+            <a:solidFill>
+              <a:schemeClr val="tx1"/>
+            </a:solidFill>
+            <a:tailEnd type="triangle"/>
+          </a:ln>
+        </p:spPr>
+        <p:style>
+          <a:lnRef idx="1">
+            <a:schemeClr val="accent1"/>
+          </a:lnRef>
+          <a:fillRef idx="0">
+            <a:schemeClr val="accent1"/>
+          </a:fillRef>
+          <a:effectRef idx="0">
+            <a:schemeClr val="accent1"/>
+          </a:effectRef>
+          <a:fontRef idx="minor">
+            <a:schemeClr val="tx1"/>
+          </a:fontRef>
+        </p:style>
+      </p:cxnSp>
+      <p:sp>
+        <p:nvSpPr>
+          <p:cNvPr id="36" name="TextBox 35"/>
+          <p:cNvSpPr txBox="1"/>
+          <p:nvPr/>
+        </p:nvSpPr>
+        <p:spPr>
+          <a:xfrm>
+            <a:off x="1291318" y="1729631"/>
+            <a:ext cx="1189749" cy="369332"/>
+          </a:xfrm>
+          <a:prstGeom prst="rect">
+            <a:avLst/>
+          </a:prstGeom>
+          <a:noFill/>
+        </p:spPr>
+        <p:txBody>
+          <a:bodyPr wrap="none" rtlCol="0">
+            <a:spAutoFit/>
+          </a:bodyPr>
+          <a:lstStyle/>
+          <a:p>
+            <a:r>
+              <a:rPr lang="en-US" smtClean="0"/>
+              <a:t>Sequences</a:t>
+            </a:r>
+            <a:endParaRPr lang="en-US"/>
+          </a:p>
+        </p:txBody>
+      </p:sp>
+      <p:cxnSp>
+        <p:nvCxnSpPr>
+          <p:cNvPr id="38" name="Straight Arrow Connector 37"/>
+          <p:cNvCxnSpPr/>
+          <p:nvPr/>
+        </p:nvCxnSpPr>
+        <p:spPr>
+          <a:xfrm flipH="1">
+            <a:off x="5896098" y="2054702"/>
+            <a:ext cx="11875" cy="949753"/>
+          </a:xfrm>
+          <a:prstGeom prst="straightConnector1">
+            <a:avLst/>
+          </a:prstGeom>
+          <a:ln w="25400">
+            <a:solidFill>
+              <a:schemeClr val="tx1"/>
+            </a:solidFill>
+            <a:tailEnd type="triangle"/>
+          </a:ln>
+        </p:spPr>
+        <p:style>
+          <a:lnRef idx="1">
+            <a:schemeClr val="accent1"/>
+          </a:lnRef>
+          <a:fillRef idx="0">
+            <a:schemeClr val="accent1"/>
+          </a:fillRef>
+          <a:effectRef idx="0">
+            <a:schemeClr val="accent1"/>
+          </a:effectRef>
+          <a:fontRef idx="minor">
+            <a:schemeClr val="tx1"/>
+          </a:fontRef>
+        </p:style>
+      </p:cxnSp>
+      <p:cxnSp>
+        <p:nvCxnSpPr>
+          <p:cNvPr id="39" name="Straight Arrow Connector 38"/>
+          <p:cNvCxnSpPr/>
+          <p:nvPr/>
+        </p:nvCxnSpPr>
+        <p:spPr>
+          <a:xfrm flipH="1">
+            <a:off x="4912430" y="2054700"/>
+            <a:ext cx="11875" cy="949753"/>
+          </a:xfrm>
+          <a:prstGeom prst="straightConnector1">
+            <a:avLst/>
+          </a:prstGeom>
+          <a:ln w="25400">
+            <a:solidFill>
+              <a:schemeClr val="tx1"/>
+            </a:solidFill>
+            <a:tailEnd type="triangle"/>
+          </a:ln>
+        </p:spPr>
+        <p:style>
+          <a:lnRef idx="1">
+            <a:schemeClr val="accent1"/>
+          </a:lnRef>
+          <a:fillRef idx="0">
+            <a:schemeClr val="accent1"/>
+          </a:fillRef>
+          <a:effectRef idx="0">
+            <a:schemeClr val="accent1"/>
+          </a:effectRef>
+          <a:fontRef idx="minor">
+            <a:schemeClr val="tx1"/>
+          </a:fontRef>
+        </p:style>
+      </p:cxnSp>
+      <p:cxnSp>
+        <p:nvCxnSpPr>
+          <p:cNvPr id="40" name="Straight Arrow Connector 39"/>
+          <p:cNvCxnSpPr/>
+          <p:nvPr/>
+        </p:nvCxnSpPr>
+        <p:spPr>
+          <a:xfrm flipH="1">
+            <a:off x="3934699" y="2054699"/>
+            <a:ext cx="11875" cy="949753"/>
+          </a:xfrm>
+          <a:prstGeom prst="straightConnector1">
+            <a:avLst/>
+          </a:prstGeom>
+          <a:ln w="25400">
+            <a:solidFill>
+              <a:schemeClr val="tx1"/>
+            </a:solidFill>
+            <a:tailEnd type="triangle"/>
+          </a:ln>
+        </p:spPr>
+        <p:style>
+          <a:lnRef idx="1">
+            <a:schemeClr val="accent1"/>
+          </a:lnRef>
+          <a:fillRef idx="0">
+            <a:schemeClr val="accent1"/>
+          </a:fillRef>
+          <a:effectRef idx="0">
+            <a:schemeClr val="accent1"/>
+          </a:effectRef>
+          <a:fontRef idx="minor">
+            <a:schemeClr val="tx1"/>
+          </a:fontRef>
+        </p:style>
+      </p:cxnSp>
+      <p:cxnSp>
+        <p:nvCxnSpPr>
+          <p:cNvPr id="41" name="Straight Arrow Connector 40"/>
+          <p:cNvCxnSpPr/>
+          <p:nvPr/>
+        </p:nvCxnSpPr>
+        <p:spPr>
+          <a:xfrm flipH="1">
+            <a:off x="2990611" y="2054698"/>
+            <a:ext cx="11875" cy="949753"/>
+          </a:xfrm>
+          <a:prstGeom prst="straightConnector1">
+            <a:avLst/>
+          </a:prstGeom>
+          <a:ln w="25400">
+            <a:solidFill>
+              <a:schemeClr val="tx1"/>
+            </a:solidFill>
+            <a:tailEnd type="triangle"/>
+          </a:ln>
+        </p:spPr>
+        <p:style>
+          <a:lnRef idx="1">
+            <a:schemeClr val="accent1"/>
+          </a:lnRef>
+          <a:fillRef idx="0">
+            <a:schemeClr val="accent1"/>
+          </a:fillRef>
+          <a:effectRef idx="0">
+            <a:schemeClr val="accent1"/>
+          </a:effectRef>
+          <a:fontRef idx="minor">
+            <a:schemeClr val="tx1"/>
+          </a:fontRef>
+        </p:style>
+      </p:cxnSp>
+      <p:cxnSp>
+        <p:nvCxnSpPr>
+          <p:cNvPr id="42" name="Straight Arrow Connector 41"/>
+          <p:cNvCxnSpPr/>
+          <p:nvPr/>
+        </p:nvCxnSpPr>
+        <p:spPr>
+          <a:xfrm flipH="1">
+            <a:off x="1997050" y="2054698"/>
+            <a:ext cx="11875" cy="949753"/>
+          </a:xfrm>
+          <a:prstGeom prst="straightConnector1">
+            <a:avLst/>
+          </a:prstGeom>
+          <a:ln w="25400">
+            <a:solidFill>
+              <a:schemeClr val="tx1"/>
+            </a:solidFill>
+            <a:tailEnd type="triangle"/>
+          </a:ln>
+        </p:spPr>
+        <p:style>
+          <a:lnRef idx="1">
+            <a:schemeClr val="accent1"/>
+          </a:lnRef>
+          <a:fillRef idx="0">
+            <a:schemeClr val="accent1"/>
+          </a:fillRef>
+          <a:effectRef idx="0">
+            <a:schemeClr val="accent1"/>
+          </a:effectRef>
+          <a:fontRef idx="minor">
+            <a:schemeClr val="tx1"/>
+          </a:fontRef>
+        </p:style>
+      </p:cxnSp>
+      <p:cxnSp>
+        <p:nvCxnSpPr>
+          <p:cNvPr id="44" name="Elbow Connector 43"/>
+          <p:cNvCxnSpPr/>
+          <p:nvPr/>
+        </p:nvCxnSpPr>
+        <p:spPr>
+          <a:xfrm>
+            <a:off x="1371415" y="2529574"/>
+            <a:ext cx="5249077" cy="474877"/>
+          </a:xfrm>
+          <a:prstGeom prst="bentConnector3">
+            <a:avLst>
+              <a:gd name="adj1" fmla="val 99998"/>
+            </a:avLst>
+          </a:prstGeom>
+          <a:ln w="25400">
+            <a:solidFill>
+              <a:schemeClr val="tx1"/>
+            </a:solidFill>
+            <a:tailEnd type="triangle"/>
+          </a:ln>
+        </p:spPr>
+        <p:style>
+          <a:lnRef idx="1">
+            <a:schemeClr val="accent1"/>
+          </a:lnRef>
+          <a:fillRef idx="0">
+            <a:schemeClr val="accent1"/>
+          </a:fillRef>
+          <a:effectRef idx="0">
+            <a:schemeClr val="accent1"/>
+          </a:effectRef>
+          <a:fontRef idx="minor">
+            <a:schemeClr val="tx1"/>
+          </a:fontRef>
+        </p:style>
+      </p:cxnSp>
+      <p:sp>
+        <p:nvSpPr>
+          <p:cNvPr id="46" name="TextBox 45"/>
+          <p:cNvSpPr txBox="1"/>
+          <p:nvPr/>
+        </p:nvSpPr>
+        <p:spPr>
+          <a:xfrm>
+            <a:off x="1263381" y="2215627"/>
+            <a:ext cx="813043" cy="369332"/>
+          </a:xfrm>
+          <a:prstGeom prst="rect">
+            <a:avLst/>
+          </a:prstGeom>
+          <a:noFill/>
+        </p:spPr>
+        <p:txBody>
+          <a:bodyPr wrap="none" rtlCol="0">
+            <a:spAutoFit/>
+          </a:bodyPr>
+          <a:lstStyle/>
+          <a:p>
+            <a:r>
+              <a:rPr lang="en-US" smtClean="0"/>
+              <a:t>HMMs</a:t>
+            </a:r>
+            <a:endParaRPr lang="en-US"/>
+          </a:p>
+        </p:txBody>
+      </p:sp>
+      <p:sp>
+        <p:nvSpPr>
+          <p:cNvPr id="47" name="TextBox 46"/>
+          <p:cNvSpPr txBox="1"/>
+          <p:nvPr/>
+        </p:nvSpPr>
+        <p:spPr>
+          <a:xfrm>
+            <a:off x="406062" y="3174114"/>
+            <a:ext cx="1104918" cy="646331"/>
+          </a:xfrm>
+          <a:prstGeom prst="rect">
+            <a:avLst/>
+          </a:prstGeom>
+          <a:noFill/>
+        </p:spPr>
+        <p:txBody>
+          <a:bodyPr wrap="none" rtlCol="0">
+            <a:spAutoFit/>
+          </a:bodyPr>
+          <a:lstStyle/>
+          <a:p>
+            <a:r>
+              <a:rPr lang="en-US" smtClean="0"/>
+              <a:t>Front-End</a:t>
+            </a:r>
+            <a:endParaRPr lang="en-US" dirty="0" smtClean="0"/>
+          </a:p>
+          <a:p>
+            <a:r>
+              <a:rPr lang="en-US" dirty="0" smtClean="0"/>
+              <a:t>Threads</a:t>
+            </a:r>
+            <a:endParaRPr lang="en-US" dirty="0"/>
+          </a:p>
+        </p:txBody>
+      </p:sp>
+      <p:cxnSp>
+        <p:nvCxnSpPr>
+          <p:cNvPr id="49" name="Straight Arrow Connector 48"/>
+          <p:cNvCxnSpPr/>
+          <p:nvPr/>
+        </p:nvCxnSpPr>
+        <p:spPr>
+          <a:xfrm flipH="1">
+            <a:off x="5701132" y="2529574"/>
+            <a:ext cx="1006" cy="474877"/>
+          </a:xfrm>
+          <a:prstGeom prst="straightConnector1">
+            <a:avLst/>
+          </a:prstGeom>
+          <a:ln w="25400">
+            <a:solidFill>
+              <a:schemeClr val="tx1"/>
+            </a:solidFill>
+            <a:tailEnd type="triangle"/>
+          </a:ln>
+        </p:spPr>
+        <p:style>
+          <a:lnRef idx="1">
+            <a:schemeClr val="accent1"/>
+          </a:lnRef>
+          <a:fillRef idx="0">
+            <a:schemeClr val="accent1"/>
+          </a:fillRef>
+          <a:effectRef idx="0">
+            <a:schemeClr val="accent1"/>
+          </a:effectRef>
+          <a:fontRef idx="minor">
+            <a:schemeClr val="tx1"/>
+          </a:fontRef>
+        </p:style>
+      </p:cxnSp>
+      <p:cxnSp>
+        <p:nvCxnSpPr>
+          <p:cNvPr id="54" name="Straight Arrow Connector 53"/>
+          <p:cNvCxnSpPr/>
+          <p:nvPr/>
+        </p:nvCxnSpPr>
+        <p:spPr>
+          <a:xfrm flipH="1">
+            <a:off x="4701590" y="2529570"/>
+            <a:ext cx="1006" cy="474877"/>
+          </a:xfrm>
+          <a:prstGeom prst="straightConnector1">
+            <a:avLst/>
+          </a:prstGeom>
+          <a:ln w="25400">
+            <a:solidFill>
+              <a:schemeClr val="tx1"/>
+            </a:solidFill>
+            <a:tailEnd type="triangle"/>
+          </a:ln>
+        </p:spPr>
+        <p:style>
+          <a:lnRef idx="1">
+            <a:schemeClr val="accent1"/>
+          </a:lnRef>
+          <a:fillRef idx="0">
+            <a:schemeClr val="accent1"/>
+          </a:fillRef>
+          <a:effectRef idx="0">
+            <a:schemeClr val="accent1"/>
+          </a:effectRef>
+          <a:fontRef idx="minor">
+            <a:schemeClr val="tx1"/>
+          </a:fontRef>
+        </p:style>
+      </p:cxnSp>
+      <p:cxnSp>
+        <p:nvCxnSpPr>
+          <p:cNvPr id="55" name="Straight Arrow Connector 54"/>
+          <p:cNvCxnSpPr/>
+          <p:nvPr/>
+        </p:nvCxnSpPr>
+        <p:spPr>
+          <a:xfrm flipH="1">
+            <a:off x="3739302" y="2529569"/>
+            <a:ext cx="1006" cy="474877"/>
+          </a:xfrm>
+          <a:prstGeom prst="straightConnector1">
+            <a:avLst/>
+          </a:prstGeom>
+          <a:ln w="25400">
+            <a:solidFill>
+              <a:schemeClr val="tx1"/>
+            </a:solidFill>
+            <a:tailEnd type="triangle"/>
+          </a:ln>
+        </p:spPr>
+        <p:style>
+          <a:lnRef idx="1">
+            <a:schemeClr val="accent1"/>
+          </a:lnRef>
+          <a:fillRef idx="0">
+            <a:schemeClr val="accent1"/>
+          </a:fillRef>
+          <a:effectRef idx="0">
+            <a:schemeClr val="accent1"/>
+          </a:effectRef>
+          <a:fontRef idx="minor">
+            <a:schemeClr val="tx1"/>
+          </a:fontRef>
+        </p:style>
+      </p:cxnSp>
+      <p:cxnSp>
+        <p:nvCxnSpPr>
+          <p:cNvPr id="56" name="Straight Arrow Connector 55"/>
+          <p:cNvCxnSpPr/>
+          <p:nvPr/>
+        </p:nvCxnSpPr>
+        <p:spPr>
+          <a:xfrm flipH="1">
+            <a:off x="2759892" y="2529569"/>
+            <a:ext cx="1006" cy="474877"/>
+          </a:xfrm>
+          <a:prstGeom prst="straightConnector1">
+            <a:avLst/>
+          </a:prstGeom>
+          <a:ln w="25400">
+            <a:solidFill>
+              <a:schemeClr val="tx1"/>
+            </a:solidFill>
+            <a:tailEnd type="triangle"/>
+          </a:ln>
+        </p:spPr>
+        <p:style>
+          <a:lnRef idx="1">
+            <a:schemeClr val="accent1"/>
+          </a:lnRef>
+          <a:fillRef idx="0">
+            <a:schemeClr val="accent1"/>
+          </a:fillRef>
+          <a:effectRef idx="0">
+            <a:schemeClr val="accent1"/>
+          </a:effectRef>
+          <a:fontRef idx="minor">
+            <a:schemeClr val="tx1"/>
+          </a:fontRef>
+        </p:style>
+      </p:cxnSp>
+      <p:cxnSp>
+        <p:nvCxnSpPr>
+          <p:cNvPr id="57" name="Straight Arrow Connector 56"/>
+          <p:cNvCxnSpPr/>
+          <p:nvPr/>
+        </p:nvCxnSpPr>
+        <p:spPr>
+          <a:xfrm flipH="1">
+            <a:off x="1797027" y="2524351"/>
+            <a:ext cx="1006" cy="474877"/>
+          </a:xfrm>
+          <a:prstGeom prst="straightConnector1">
+            <a:avLst/>
+          </a:prstGeom>
+          <a:ln w="25400">
+            <a:solidFill>
+              <a:schemeClr val="tx1"/>
+            </a:solidFill>
+            <a:tailEnd type="triangle"/>
+          </a:ln>
+        </p:spPr>
+        <p:style>
+          <a:lnRef idx="1">
+            <a:schemeClr val="accent1"/>
+          </a:lnRef>
+          <a:fillRef idx="0">
+            <a:schemeClr val="accent1"/>
+          </a:fillRef>
+          <a:effectRef idx="0">
+            <a:schemeClr val="accent1"/>
+          </a:effectRef>
+          <a:fontRef idx="minor">
+            <a:schemeClr val="tx1"/>
+          </a:fontRef>
+        </p:style>
+      </p:cxnSp>
+      <p:sp>
+        <p:nvSpPr>
+          <p:cNvPr id="58" name="Rectangle 57"/>
+          <p:cNvSpPr/>
+          <p:nvPr/>
+        </p:nvSpPr>
+        <p:spPr>
+          <a:xfrm>
+            <a:off x="6712503" y="4939862"/>
+            <a:ext cx="1401311" cy="564078"/>
+          </a:xfrm>
+          <a:prstGeom prst="rect">
+            <a:avLst/>
+          </a:prstGeom>
+          <a:solidFill>
+            <a:schemeClr val="accent5"/>
+          </a:solidFill>
+          <a:ln>
+            <a:noFill/>
+          </a:ln>
+        </p:spPr>
+        <p:style>
+          <a:lnRef idx="2">
+            <a:schemeClr val="accent1">
+              <a:shade val="50000"/>
+            </a:schemeClr>
+          </a:lnRef>
+          <a:fillRef idx="1">
+            <a:schemeClr val="accent1"/>
+          </a:fillRef>
+          <a:effectRef idx="0">
+            <a:schemeClr val="accent1"/>
+          </a:effectRef>
+          <a:fontRef idx="minor">
+            <a:schemeClr val="lt1"/>
+          </a:fontRef>
+        </p:style>
+        <p:txBody>
+          <a:bodyPr rtlCol="0" anchor="ctr"/>
+          <a:lstStyle/>
+          <a:p>
+            <a:pPr algn="ctr"/>
+            <a:r>
+              <a:rPr lang="en-US" dirty="0" smtClean="0"/>
+              <a:t>Queue</a:t>
+            </a:r>
+            <a:endParaRPr lang="en-US" dirty="0"/>
+          </a:p>
+        </p:txBody>
+      </p:sp>
+      <p:cxnSp>
+        <p:nvCxnSpPr>
+          <p:cNvPr id="62" name="Elbow Connector 61"/>
+          <p:cNvCxnSpPr>
+            <a:stCxn id="21" idx="2"/>
+          </p:cNvCxnSpPr>
+          <p:nvPr/>
+        </p:nvCxnSpPr>
+        <p:spPr>
+          <a:xfrm rot="16200000" flipH="1">
+            <a:off x="5830268" y="4152901"/>
+            <a:ext cx="837211" cy="927259"/>
+          </a:xfrm>
+          <a:prstGeom prst="bentConnector2">
+            <a:avLst/>
+          </a:prstGeom>
+          <a:ln w="25400">
+            <a:solidFill>
+              <a:schemeClr val="tx1"/>
+            </a:solidFill>
+            <a:tailEnd type="triangle"/>
+          </a:ln>
+        </p:spPr>
+        <p:style>
+          <a:lnRef idx="1">
+            <a:schemeClr val="accent1"/>
+          </a:lnRef>
+          <a:fillRef idx="0">
+            <a:schemeClr val="accent1"/>
+          </a:fillRef>
+          <a:effectRef idx="0">
+            <a:schemeClr val="accent1"/>
+          </a:effectRef>
+          <a:fontRef idx="minor">
+            <a:schemeClr val="tx1"/>
+          </a:fontRef>
+        </p:style>
+      </p:cxnSp>
+      <p:cxnSp>
+        <p:nvCxnSpPr>
+          <p:cNvPr id="64" name="Elbow Connector 63"/>
+          <p:cNvCxnSpPr/>
+          <p:nvPr/>
+        </p:nvCxnSpPr>
+        <p:spPr>
+          <a:xfrm rot="16200000" flipH="1">
+            <a:off x="5293901" y="3711539"/>
+            <a:ext cx="938152" cy="1899052"/>
+          </a:xfrm>
+          <a:prstGeom prst="bentConnector2">
+            <a:avLst/>
+          </a:prstGeom>
+          <a:ln w="25400">
+            <a:solidFill>
+              <a:schemeClr val="tx1"/>
+            </a:solidFill>
+            <a:tailEnd type="triangle"/>
+          </a:ln>
+        </p:spPr>
+        <p:style>
+          <a:lnRef idx="1">
+            <a:schemeClr val="accent1"/>
+          </a:lnRef>
+          <a:fillRef idx="0">
+            <a:schemeClr val="accent1"/>
+          </a:fillRef>
+          <a:effectRef idx="0">
+            <a:schemeClr val="accent1"/>
+          </a:effectRef>
+          <a:fontRef idx="minor">
+            <a:schemeClr val="tx1"/>
+          </a:fontRef>
+        </p:style>
+      </p:cxnSp>
+      <p:cxnSp>
+        <p:nvCxnSpPr>
+          <p:cNvPr id="66" name="Elbow Connector 65"/>
+          <p:cNvCxnSpPr>
+            <a:stCxn id="13" idx="2"/>
+            <a:endCxn id="58" idx="1"/>
+          </p:cNvCxnSpPr>
+          <p:nvPr/>
+        </p:nvCxnSpPr>
+        <p:spPr>
+          <a:xfrm rot="16200000" flipH="1">
+            <a:off x="4765093" y="3274491"/>
+            <a:ext cx="1023974" cy="2870845"/>
+          </a:xfrm>
+          <a:prstGeom prst="bentConnector2">
+            <a:avLst/>
+          </a:prstGeom>
+          <a:ln w="25400">
+            <a:solidFill>
+              <a:schemeClr val="tx1"/>
+            </a:solidFill>
+            <a:tailEnd type="triangle"/>
+          </a:ln>
+        </p:spPr>
+        <p:style>
+          <a:lnRef idx="1">
+            <a:schemeClr val="accent1"/>
+          </a:lnRef>
+          <a:fillRef idx="0">
+            <a:schemeClr val="accent1"/>
+          </a:fillRef>
+          <a:effectRef idx="0">
+            <a:schemeClr val="accent1"/>
+          </a:effectRef>
+          <a:fontRef idx="minor">
+            <a:schemeClr val="tx1"/>
+          </a:fontRef>
+        </p:style>
+      </p:cxnSp>
+      <p:cxnSp>
+        <p:nvCxnSpPr>
+          <p:cNvPr id="71" name="Elbow Connector 70"/>
+          <p:cNvCxnSpPr>
+            <a:stCxn id="4" idx="2"/>
+          </p:cNvCxnSpPr>
+          <p:nvPr/>
+        </p:nvCxnSpPr>
+        <p:spPr>
+          <a:xfrm rot="16200000" flipH="1">
+            <a:off x="3693708" y="2402290"/>
+            <a:ext cx="1223158" cy="4814431"/>
+          </a:xfrm>
+          <a:prstGeom prst="bentConnector2">
+            <a:avLst/>
+          </a:prstGeom>
+          <a:ln w="25400">
+            <a:solidFill>
+              <a:schemeClr val="tx1"/>
+            </a:solidFill>
+            <a:tailEnd type="triangle"/>
+          </a:ln>
+        </p:spPr>
+        <p:style>
+          <a:lnRef idx="1">
+            <a:schemeClr val="accent1"/>
+          </a:lnRef>
+          <a:fillRef idx="0">
+            <a:schemeClr val="accent1"/>
+          </a:fillRef>
+          <a:effectRef idx="0">
+            <a:schemeClr val="accent1"/>
+          </a:effectRef>
+          <a:fontRef idx="minor">
+            <a:schemeClr val="tx1"/>
+          </a:fontRef>
+        </p:style>
+      </p:cxnSp>
+      <p:cxnSp>
+        <p:nvCxnSpPr>
+          <p:cNvPr id="73" name="Straight Arrow Connector 72"/>
+          <p:cNvCxnSpPr>
+            <a:stCxn id="25" idx="2"/>
+          </p:cNvCxnSpPr>
+          <p:nvPr/>
+        </p:nvCxnSpPr>
+        <p:spPr>
+          <a:xfrm flipH="1">
+            <a:off x="6712503" y="4197926"/>
+            <a:ext cx="2" cy="741936"/>
+          </a:xfrm>
+          <a:prstGeom prst="straightConnector1">
+            <a:avLst/>
+          </a:prstGeom>
+          <a:ln w="25400">
+            <a:solidFill>
+              <a:schemeClr val="tx1"/>
+            </a:solidFill>
+            <a:tailEnd type="triangle"/>
+          </a:ln>
+        </p:spPr>
+        <p:style>
+          <a:lnRef idx="1">
+            <a:schemeClr val="accent1"/>
+          </a:lnRef>
+          <a:fillRef idx="0">
+            <a:schemeClr val="accent1"/>
+          </a:fillRef>
+          <a:effectRef idx="0">
+            <a:schemeClr val="accent1"/>
+          </a:effectRef>
+          <a:fontRef idx="minor">
+            <a:schemeClr val="tx1"/>
+          </a:fontRef>
+        </p:style>
+      </p:cxnSp>
+      <p:sp>
+        <p:nvSpPr>
+          <p:cNvPr id="74" name="TextBox 73"/>
+          <p:cNvSpPr txBox="1"/>
+          <p:nvPr/>
+        </p:nvSpPr>
+        <p:spPr>
+          <a:xfrm rot="16200000">
+            <a:off x="1395582" y="4523271"/>
+            <a:ext cx="695960" cy="369332"/>
+          </a:xfrm>
+          <a:prstGeom prst="rect">
+            <a:avLst/>
+          </a:prstGeom>
+          <a:noFill/>
+        </p:spPr>
+        <p:txBody>
+          <a:bodyPr wrap="none" rtlCol="0">
+            <a:spAutoFit/>
+          </a:bodyPr>
+          <a:lstStyle/>
+          <a:p>
+            <a:r>
+              <a:rPr lang="en-US" dirty="0" smtClean="0"/>
+              <a:t>Pass?</a:t>
+            </a:r>
+            <a:endParaRPr lang="en-US" dirty="0"/>
+          </a:p>
+        </p:txBody>
+      </p:sp>
+      <p:sp>
+        <p:nvSpPr>
+          <p:cNvPr id="75" name="TextBox 74"/>
+          <p:cNvSpPr txBox="1"/>
+          <p:nvPr/>
+        </p:nvSpPr>
+        <p:spPr>
+          <a:xfrm rot="16200000">
+            <a:off x="2340998" y="4484697"/>
+            <a:ext cx="709544" cy="369332"/>
+          </a:xfrm>
+          <a:prstGeom prst="rect">
+            <a:avLst/>
+          </a:prstGeom>
+          <a:noFill/>
+        </p:spPr>
+        <p:txBody>
+          <a:bodyPr wrap="square" rtlCol="0">
+            <a:spAutoFit/>
+          </a:bodyPr>
+          <a:lstStyle/>
+          <a:p>
+            <a:r>
+              <a:rPr lang="en-US" smtClean="0"/>
+              <a:t>Pass?</a:t>
+            </a:r>
+            <a:endParaRPr lang="en-US"/>
+          </a:p>
+        </p:txBody>
+      </p:sp>
+      <p:sp>
+        <p:nvSpPr>
+          <p:cNvPr id="76" name="TextBox 75"/>
+          <p:cNvSpPr txBox="1"/>
+          <p:nvPr/>
+        </p:nvSpPr>
+        <p:spPr>
+          <a:xfrm rot="16200000">
+            <a:off x="3309476" y="4523271"/>
+            <a:ext cx="695960" cy="369332"/>
+          </a:xfrm>
+          <a:prstGeom prst="rect">
+            <a:avLst/>
+          </a:prstGeom>
+          <a:noFill/>
+        </p:spPr>
+        <p:txBody>
+          <a:bodyPr wrap="none" rtlCol="0">
+            <a:spAutoFit/>
+          </a:bodyPr>
+          <a:lstStyle/>
+          <a:p>
+            <a:r>
+              <a:rPr lang="en-US" smtClean="0"/>
+              <a:t>Pass?</a:t>
+            </a:r>
+            <a:endParaRPr lang="en-US"/>
+          </a:p>
+        </p:txBody>
+      </p:sp>
+      <p:sp>
+        <p:nvSpPr>
+          <p:cNvPr id="77" name="TextBox 76"/>
+          <p:cNvSpPr txBox="1"/>
+          <p:nvPr/>
+        </p:nvSpPr>
+        <p:spPr>
+          <a:xfrm rot="16200000">
+            <a:off x="4297879" y="4531416"/>
+            <a:ext cx="695960" cy="369332"/>
+          </a:xfrm>
+          <a:prstGeom prst="rect">
+            <a:avLst/>
+          </a:prstGeom>
+          <a:noFill/>
+        </p:spPr>
+        <p:txBody>
+          <a:bodyPr wrap="none" rtlCol="0">
+            <a:spAutoFit/>
+          </a:bodyPr>
+          <a:lstStyle/>
+          <a:p>
+            <a:r>
+              <a:rPr lang="en-US" smtClean="0"/>
+              <a:t>Pass?</a:t>
+            </a:r>
+            <a:endParaRPr lang="en-US"/>
+          </a:p>
+        </p:txBody>
+      </p:sp>
+      <p:sp>
+        <p:nvSpPr>
+          <p:cNvPr id="78" name="TextBox 77"/>
+          <p:cNvSpPr txBox="1"/>
+          <p:nvPr/>
+        </p:nvSpPr>
+        <p:spPr>
+          <a:xfrm rot="16200000">
+            <a:off x="5286282" y="4519046"/>
+            <a:ext cx="695960" cy="369332"/>
+          </a:xfrm>
+          <a:prstGeom prst="rect">
+            <a:avLst/>
+          </a:prstGeom>
+          <a:noFill/>
+        </p:spPr>
+        <p:txBody>
+          <a:bodyPr wrap="none" rtlCol="0">
+            <a:spAutoFit/>
+          </a:bodyPr>
+          <a:lstStyle/>
+          <a:p>
+            <a:r>
+              <a:rPr lang="en-US" smtClean="0"/>
+              <a:t>Pass?</a:t>
+            </a:r>
+            <a:endParaRPr lang="en-US"/>
+          </a:p>
+        </p:txBody>
+      </p:sp>
+      <p:sp>
+        <p:nvSpPr>
+          <p:cNvPr id="79" name="TextBox 78"/>
+          <p:cNvSpPr txBox="1"/>
+          <p:nvPr/>
+        </p:nvSpPr>
+        <p:spPr>
+          <a:xfrm rot="16200000">
+            <a:off x="6195838" y="4484697"/>
+            <a:ext cx="695960" cy="369332"/>
+          </a:xfrm>
+          <a:prstGeom prst="rect">
+            <a:avLst/>
+          </a:prstGeom>
+          <a:noFill/>
+        </p:spPr>
+        <p:txBody>
+          <a:bodyPr wrap="none" rtlCol="0">
+            <a:spAutoFit/>
+          </a:bodyPr>
+          <a:lstStyle/>
+          <a:p>
+            <a:r>
+              <a:rPr lang="en-US" smtClean="0"/>
+              <a:t>Pass?</a:t>
+            </a:r>
+            <a:endParaRPr lang="en-US"/>
+          </a:p>
+        </p:txBody>
+      </p:sp>
+      <p:grpSp>
+        <p:nvGrpSpPr>
+          <p:cNvPr id="80" name="Group 79"/>
+          <p:cNvGrpSpPr/>
+          <p:nvPr/>
+        </p:nvGrpSpPr>
+        <p:grpSpPr>
+          <a:xfrm>
+            <a:off x="8797225" y="2796638"/>
+            <a:ext cx="777833" cy="1401288"/>
+            <a:chOff x="967839" y="1989117"/>
+            <a:chExt cx="777833" cy="1401288"/>
+          </a:xfrm>
+        </p:grpSpPr>
+        <p:sp>
+          <p:nvSpPr>
+            <p:cNvPr id="81" name="Rectangle 80"/>
+            <p:cNvSpPr/>
+            <p:nvPr/>
+          </p:nvSpPr>
+          <p:spPr>
+            <a:xfrm>
+              <a:off x="967839" y="1989117"/>
+              <a:ext cx="777833" cy="1401288"/>
+            </a:xfrm>
+            <a:prstGeom prst="rect">
+              <a:avLst/>
+            </a:prstGeom>
+            <a:solidFill>
+              <a:srgbClr val="FFC000"/>
+            </a:solidFill>
+            <a:ln>
+              <a:noFill/>
+            </a:ln>
+          </p:spPr>
+          <p:style>
+            <a:lnRef idx="2">
+              <a:schemeClr val="accent1">
+                <a:shade val="50000"/>
+              </a:schemeClr>
+            </a:lnRef>
+            <a:fillRef idx="1">
+              <a:schemeClr val="accent1"/>
+            </a:fillRef>
+            <a:effectRef idx="0">
+              <a:schemeClr val="accent1"/>
+            </a:effectRef>
+            <a:fontRef idx="minor">
+              <a:schemeClr val="lt1"/>
+            </a:fontRef>
+          </p:style>
+          <p:txBody>
+            <a:bodyPr rtlCol="0" anchor="ctr"/>
+            <a:lstStyle/>
+            <a:p>
+              <a:pPr algn="ctr"/>
+              <a:endParaRPr lang="en-US"/>
+            </a:p>
+          </p:txBody>
+        </p:sp>
+        <p:sp>
+          <p:nvSpPr>
+            <p:cNvPr id="82" name="Rounded Rectangle 81"/>
+            <p:cNvSpPr/>
+            <p:nvPr/>
+          </p:nvSpPr>
+          <p:spPr>
+            <a:xfrm>
+              <a:off x="1122217" y="2196935"/>
+              <a:ext cx="469075" cy="985652"/>
+            </a:xfrm>
+            <a:prstGeom prst="roundRect">
+              <a:avLst/>
+            </a:prstGeom>
+            <a:solidFill>
+              <a:srgbClr val="002060"/>
+            </a:solidFill>
+            <a:ln>
+              <a:noFill/>
+            </a:ln>
+          </p:spPr>
+          <p:style>
+            <a:lnRef idx="2">
+              <a:schemeClr val="accent1">
+                <a:shade val="50000"/>
+              </a:schemeClr>
+            </a:lnRef>
+            <a:fillRef idx="1">
+              <a:schemeClr val="accent1"/>
+            </a:fillRef>
+            <a:effectRef idx="0">
+              <a:schemeClr val="accent1"/>
+            </a:effectRef>
+            <a:fontRef idx="minor">
+              <a:schemeClr val="lt1"/>
+            </a:fontRef>
+          </p:style>
+          <p:txBody>
+            <a:bodyPr rtlCol="0" anchor="ctr"/>
+            <a:lstStyle/>
+            <a:p>
+              <a:pPr algn="ctr"/>
+              <a:endParaRPr lang="en-US"/>
+            </a:p>
+          </p:txBody>
+        </p:sp>
+        <p:sp>
+          <p:nvSpPr>
+            <p:cNvPr id="83" name="TextBox 82"/>
+            <p:cNvSpPr txBox="1"/>
+            <p:nvPr/>
+          </p:nvSpPr>
+          <p:spPr>
+            <a:xfrm rot="16200000">
+              <a:off x="996721" y="2366596"/>
+              <a:ext cx="720069" cy="646331"/>
+            </a:xfrm>
+            <a:prstGeom prst="rect">
+              <a:avLst/>
+            </a:prstGeom>
+            <a:noFill/>
+          </p:spPr>
+          <p:txBody>
+            <a:bodyPr wrap="none" rtlCol="0">
+              <a:spAutoFit/>
+            </a:bodyPr>
+            <a:lstStyle/>
+            <a:p>
+              <a:r>
+                <a:rPr lang="en-US" dirty="0" smtClean="0"/>
+                <a:t>Main </a:t>
+              </a:r>
+            </a:p>
+            <a:p>
+              <a:r>
+                <a:rPr lang="en-US" dirty="0" smtClean="0"/>
+                <a:t>Stage</a:t>
+              </a:r>
+            </a:p>
+          </p:txBody>
+        </p:sp>
+      </p:grpSp>
+      <p:grpSp>
+        <p:nvGrpSpPr>
+          <p:cNvPr id="84" name="Group 83"/>
+          <p:cNvGrpSpPr/>
+          <p:nvPr/>
+        </p:nvGrpSpPr>
+        <p:grpSpPr>
+          <a:xfrm>
+            <a:off x="9801101" y="2796638"/>
+            <a:ext cx="777833" cy="1401288"/>
+            <a:chOff x="967839" y="1989117"/>
+            <a:chExt cx="777833" cy="1401288"/>
+          </a:xfrm>
+        </p:grpSpPr>
+        <p:sp>
+          <p:nvSpPr>
+            <p:cNvPr id="85" name="Rectangle 84"/>
+            <p:cNvSpPr/>
+            <p:nvPr/>
+          </p:nvSpPr>
+          <p:spPr>
+            <a:xfrm>
+              <a:off x="967839" y="1989117"/>
+              <a:ext cx="777833" cy="1401288"/>
+            </a:xfrm>
+            <a:prstGeom prst="rect">
+              <a:avLst/>
+            </a:prstGeom>
+            <a:solidFill>
+              <a:srgbClr val="FFC000"/>
+            </a:solidFill>
+            <a:ln>
+              <a:noFill/>
+            </a:ln>
+          </p:spPr>
+          <p:style>
+            <a:lnRef idx="2">
+              <a:schemeClr val="accent1">
+                <a:shade val="50000"/>
+              </a:schemeClr>
+            </a:lnRef>
+            <a:fillRef idx="1">
+              <a:schemeClr val="accent1"/>
+            </a:fillRef>
+            <a:effectRef idx="0">
+              <a:schemeClr val="accent1"/>
+            </a:effectRef>
+            <a:fontRef idx="minor">
+              <a:schemeClr val="lt1"/>
+            </a:fontRef>
+          </p:style>
+          <p:txBody>
+            <a:bodyPr rtlCol="0" anchor="ctr"/>
+            <a:lstStyle/>
+            <a:p>
+              <a:pPr algn="ctr"/>
+              <a:endParaRPr lang="en-US"/>
+            </a:p>
+          </p:txBody>
+        </p:sp>
+        <p:sp>
+          <p:nvSpPr>
+            <p:cNvPr id="86" name="Rounded Rectangle 85"/>
+            <p:cNvSpPr/>
+            <p:nvPr/>
+          </p:nvSpPr>
+          <p:spPr>
+            <a:xfrm>
+              <a:off x="1122217" y="2196935"/>
+              <a:ext cx="469075" cy="985652"/>
+            </a:xfrm>
+            <a:prstGeom prst="roundRect">
+              <a:avLst/>
+            </a:prstGeom>
+            <a:solidFill>
+              <a:srgbClr val="002060"/>
+            </a:solidFill>
+            <a:ln>
+              <a:noFill/>
+            </a:ln>
+          </p:spPr>
+          <p:style>
+            <a:lnRef idx="2">
+              <a:schemeClr val="accent1">
+                <a:shade val="50000"/>
+              </a:schemeClr>
+            </a:lnRef>
+            <a:fillRef idx="1">
+              <a:schemeClr val="accent1"/>
+            </a:fillRef>
+            <a:effectRef idx="0">
+              <a:schemeClr val="accent1"/>
+            </a:effectRef>
+            <a:fontRef idx="minor">
+              <a:schemeClr val="lt1"/>
+            </a:fontRef>
+          </p:style>
+          <p:txBody>
+            <a:bodyPr rtlCol="0" anchor="ctr"/>
+            <a:lstStyle/>
+            <a:p>
+              <a:pPr algn="ctr"/>
+              <a:endParaRPr lang="en-US"/>
+            </a:p>
+          </p:txBody>
+        </p:sp>
+        <p:sp>
+          <p:nvSpPr>
+            <p:cNvPr id="87" name="TextBox 86"/>
+            <p:cNvSpPr txBox="1"/>
+            <p:nvPr/>
+          </p:nvSpPr>
+          <p:spPr>
+            <a:xfrm rot="16200000">
+              <a:off x="996721" y="2366596"/>
+              <a:ext cx="720069" cy="646331"/>
+            </a:xfrm>
+            <a:prstGeom prst="rect">
+              <a:avLst/>
+            </a:prstGeom>
+            <a:noFill/>
+          </p:spPr>
+          <p:txBody>
+            <a:bodyPr wrap="none" rtlCol="0">
+              <a:spAutoFit/>
+            </a:bodyPr>
+            <a:lstStyle/>
+            <a:p>
+              <a:r>
+                <a:rPr lang="en-US" dirty="0" smtClean="0"/>
+                <a:t>Main </a:t>
+              </a:r>
+            </a:p>
+            <a:p>
+              <a:r>
+                <a:rPr lang="en-US" dirty="0" smtClean="0"/>
+                <a:t>Stage</a:t>
+              </a:r>
+            </a:p>
+          </p:txBody>
+        </p:sp>
+      </p:grpSp>
+      <p:cxnSp>
+        <p:nvCxnSpPr>
+          <p:cNvPr id="89" name="Elbow Connector 88"/>
+          <p:cNvCxnSpPr>
+            <a:endCxn id="81" idx="2"/>
+          </p:cNvCxnSpPr>
+          <p:nvPr/>
+        </p:nvCxnSpPr>
+        <p:spPr>
+          <a:xfrm flipV="1">
+            <a:off x="8113814" y="4197926"/>
+            <a:ext cx="1072328" cy="866136"/>
+          </a:xfrm>
+          <a:prstGeom prst="bentConnector2">
+            <a:avLst/>
+          </a:prstGeom>
+          <a:ln w="25400">
+            <a:solidFill>
+              <a:schemeClr val="tx1"/>
+            </a:solidFill>
+            <a:tailEnd type="triangle"/>
+          </a:ln>
+        </p:spPr>
+        <p:style>
+          <a:lnRef idx="1">
+            <a:schemeClr val="accent1"/>
+          </a:lnRef>
+          <a:fillRef idx="0">
+            <a:schemeClr val="accent1"/>
+          </a:fillRef>
+          <a:effectRef idx="0">
+            <a:schemeClr val="accent1"/>
+          </a:effectRef>
+          <a:fontRef idx="minor">
+            <a:schemeClr val="tx1"/>
+          </a:fontRef>
+        </p:style>
+      </p:cxnSp>
+      <p:cxnSp>
+        <p:nvCxnSpPr>
+          <p:cNvPr id="91" name="Elbow Connector 90"/>
+          <p:cNvCxnSpPr>
+            <a:endCxn id="85" idx="2"/>
+          </p:cNvCxnSpPr>
+          <p:nvPr/>
+        </p:nvCxnSpPr>
+        <p:spPr>
+          <a:xfrm flipV="1">
+            <a:off x="8113814" y="4197926"/>
+            <a:ext cx="2076204" cy="1175658"/>
+          </a:xfrm>
+          <a:prstGeom prst="bentConnector2">
+            <a:avLst/>
+          </a:prstGeom>
+          <a:ln w="25400">
+            <a:solidFill>
+              <a:schemeClr val="tx1"/>
+            </a:solidFill>
+            <a:tailEnd type="triangle"/>
+          </a:ln>
+        </p:spPr>
+        <p:style>
+          <a:lnRef idx="1">
+            <a:schemeClr val="accent1"/>
+          </a:lnRef>
+          <a:fillRef idx="0">
+            <a:schemeClr val="accent1"/>
+          </a:fillRef>
+          <a:effectRef idx="0">
+            <a:schemeClr val="accent1"/>
+          </a:effectRef>
+          <a:fontRef idx="minor">
+            <a:schemeClr val="tx1"/>
+          </a:fontRef>
+        </p:style>
+      </p:cxnSp>
+      <p:cxnSp>
+        <p:nvCxnSpPr>
+          <p:cNvPr id="93" name="Straight Arrow Connector 92"/>
+          <p:cNvCxnSpPr>
+            <a:stCxn id="81" idx="0"/>
+          </p:cNvCxnSpPr>
+          <p:nvPr/>
+        </p:nvCxnSpPr>
+        <p:spPr>
+          <a:xfrm flipH="1" flipV="1">
+            <a:off x="9186140" y="1983179"/>
+            <a:ext cx="2" cy="813459"/>
+          </a:xfrm>
+          <a:prstGeom prst="straightConnector1">
+            <a:avLst/>
+          </a:prstGeom>
+          <a:ln w="25400">
+            <a:solidFill>
+              <a:schemeClr val="tx1"/>
+            </a:solidFill>
+            <a:tailEnd type="triangle"/>
+          </a:ln>
+        </p:spPr>
+        <p:style>
+          <a:lnRef idx="1">
+            <a:schemeClr val="accent1"/>
+          </a:lnRef>
+          <a:fillRef idx="0">
+            <a:schemeClr val="accent1"/>
+          </a:fillRef>
+          <a:effectRef idx="0">
+            <a:schemeClr val="accent1"/>
+          </a:effectRef>
+          <a:fontRef idx="minor">
+            <a:schemeClr val="tx1"/>
+          </a:fontRef>
+        </p:style>
+      </p:cxnSp>
+      <p:cxnSp>
+        <p:nvCxnSpPr>
+          <p:cNvPr id="94" name="Straight Arrow Connector 93"/>
+          <p:cNvCxnSpPr/>
+          <p:nvPr/>
+        </p:nvCxnSpPr>
+        <p:spPr>
+          <a:xfrm flipH="1" flipV="1">
+            <a:off x="10190016" y="1983178"/>
+            <a:ext cx="2" cy="813459"/>
+          </a:xfrm>
+          <a:prstGeom prst="straightConnector1">
+            <a:avLst/>
+          </a:prstGeom>
+          <a:ln w="25400">
+            <a:solidFill>
+              <a:schemeClr val="tx1"/>
+            </a:solidFill>
+            <a:tailEnd type="triangle"/>
+          </a:ln>
+        </p:spPr>
+        <p:style>
+          <a:lnRef idx="1">
+            <a:schemeClr val="accent1"/>
+          </a:lnRef>
+          <a:fillRef idx="0">
+            <a:schemeClr val="accent1"/>
+          </a:fillRef>
+          <a:effectRef idx="0">
+            <a:schemeClr val="accent1"/>
+          </a:effectRef>
+          <a:fontRef idx="minor">
+            <a:schemeClr val="tx1"/>
+          </a:fontRef>
+        </p:style>
+      </p:cxnSp>
+      <p:sp>
+        <p:nvSpPr>
+          <p:cNvPr id="95" name="TextBox 94"/>
+          <p:cNvSpPr txBox="1"/>
+          <p:nvPr/>
+        </p:nvSpPr>
+        <p:spPr>
+          <a:xfrm>
+            <a:off x="8903049" y="1694604"/>
+            <a:ext cx="566181" cy="369332"/>
+          </a:xfrm>
+          <a:prstGeom prst="rect">
+            <a:avLst/>
+          </a:prstGeom>
+          <a:noFill/>
+        </p:spPr>
+        <p:txBody>
+          <a:bodyPr wrap="none" rtlCol="0">
+            <a:spAutoFit/>
+          </a:bodyPr>
+          <a:lstStyle/>
+          <a:p>
+            <a:r>
+              <a:rPr lang="en-US" smtClean="0"/>
+              <a:t>Hit?</a:t>
+            </a:r>
+            <a:endParaRPr lang="en-US"/>
+          </a:p>
+        </p:txBody>
+      </p:sp>
+      <p:sp>
+        <p:nvSpPr>
+          <p:cNvPr id="96" name="TextBox 95"/>
+          <p:cNvSpPr txBox="1"/>
+          <p:nvPr/>
+        </p:nvSpPr>
+        <p:spPr>
+          <a:xfrm>
+            <a:off x="9906925" y="1695079"/>
+            <a:ext cx="566181" cy="369332"/>
+          </a:xfrm>
+          <a:prstGeom prst="rect">
+            <a:avLst/>
+          </a:prstGeom>
+          <a:noFill/>
+        </p:spPr>
+        <p:txBody>
+          <a:bodyPr wrap="none" rtlCol="0">
+            <a:spAutoFit/>
+          </a:bodyPr>
+          <a:lstStyle/>
+          <a:p>
+            <a:r>
+              <a:rPr lang="en-US" smtClean="0"/>
+              <a:t>Hit?</a:t>
+            </a:r>
+            <a:endParaRPr lang="en-US"/>
+          </a:p>
+        </p:txBody>
+      </p:sp>
+      <p:sp>
+        <p:nvSpPr>
+          <p:cNvPr id="97" name="TextBox 96"/>
+          <p:cNvSpPr txBox="1"/>
+          <p:nvPr/>
+        </p:nvSpPr>
+        <p:spPr>
+          <a:xfrm>
+            <a:off x="10667561" y="3174115"/>
+            <a:ext cx="1045028" cy="646331"/>
+          </a:xfrm>
+          <a:prstGeom prst="rect">
+            <a:avLst/>
+          </a:prstGeom>
+          <a:noFill/>
+        </p:spPr>
+        <p:txBody>
+          <a:bodyPr wrap="square" rtlCol="0">
+            <a:spAutoFit/>
+          </a:bodyPr>
+          <a:lstStyle/>
+          <a:p>
+            <a:r>
+              <a:rPr lang="en-US" dirty="0" smtClean="0"/>
+              <a:t>Back-End</a:t>
+            </a:r>
+          </a:p>
+          <a:p>
+            <a:r>
+              <a:rPr lang="en-US" dirty="0" smtClean="0"/>
+              <a:t>Threads</a:t>
+            </a:r>
+            <a:endParaRPr lang="en-US" dirty="0"/>
+          </a:p>
+        </p:txBody>
+      </p:sp>
+    </p:spTree>
+    <p:extLst>
+      <p:ext uri="{BB962C8B-B14F-4D97-AF65-F5344CB8AC3E}">
+        <p14:creationId xmlns:p14="http://schemas.microsoft.com/office/powerpoint/2010/main" val="1644414450"/>
+      </p:ext>
+    </p:extLst>
+  </p:cSld>
+  <p:clrMapOvr>
+    <a:masterClrMapping/>
+  </p:clrMapOvr>
+  <p:timing>
+    <p:tnLst>
+      <p:par>
+        <p:cTn id="1" dur="indefinite" restart="never" nodeType="tmRoot"/>
+      </p:par>
+    </p:tnLst>
+  </p:timing>
+</p:sld>
+</file>
+
+<file path=ppt/slides/slide13.xml><?xml version="1.0" encoding="utf-8"?>
+<p:sld xmlns:a="http://schemas.openxmlformats.org/drawingml/2006/main" xmlns:r="http://schemas.openxmlformats.org/officeDocument/2006/relationships" xmlns:p="http://schemas.openxmlformats.org/presentationml/2006/main">
+  <p:cSld>
+    <p:spTree>
+      <p:nvGrpSpPr>
+        <p:cNvPr id="1" name=""/>
+        <p:cNvGrpSpPr/>
+        <p:nvPr/>
+      </p:nvGrpSpPr>
+      <p:grpSpPr>
+        <a:xfrm>
+          <a:off x="0" y="0"/>
+          <a:ext cx="0" cy="0"/>
+          <a:chOff x="0" y="0"/>
+          <a:chExt cx="0" cy="0"/>
+        </a:xfrm>
+      </p:grpSpPr>
+      <p:sp>
+        <p:nvSpPr>
+          <p:cNvPr id="5" name="Title 4"/>
+          <p:cNvSpPr>
+            <a:spLocks noGrp="1"/>
+          </p:cNvSpPr>
+          <p:nvPr>
+            <p:ph type="title"/>
+          </p:nvPr>
+        </p:nvSpPr>
+        <p:spPr>
+          <a:xfrm>
+            <a:off x="838200" y="384175"/>
+            <a:ext cx="10515600" cy="432543"/>
+          </a:xfrm>
+        </p:spPr>
+        <p:txBody>
+          <a:bodyPr>
+            <a:normAutofit fontScale="90000"/>
+          </a:bodyPr>
+          <a:lstStyle/>
+          <a:p>
+            <a:r>
+              <a:rPr lang="en-US" smtClean="0"/>
+              <a:t>H4 Performance</a:t>
+            </a:r>
+            <a:endParaRPr lang="en-US" dirty="0"/>
+          </a:p>
+        </p:txBody>
+      </p:sp>
+      <p:graphicFrame>
+        <p:nvGraphicFramePr>
+          <p:cNvPr id="8" name="Chart 7"/>
+          <p:cNvGraphicFramePr/>
+          <p:nvPr>
+            <p:extLst>
+              <p:ext uri="{D42A27DB-BD31-4B8C-83A1-F6EECF244321}">
+                <p14:modId xmlns:p14="http://schemas.microsoft.com/office/powerpoint/2010/main" val="770091158"/>
+              </p:ext>
+            </p:extLst>
+          </p:nvPr>
+        </p:nvGraphicFramePr>
+        <p:xfrm>
+          <a:off x="0" y="698500"/>
+          <a:ext cx="12192000" cy="6159500"/>
+        </p:xfrm>
+        <a:graphic>
+          <a:graphicData uri="http://schemas.openxmlformats.org/drawingml/2006/chart">
+            <c:chart xmlns:c="http://schemas.openxmlformats.org/drawingml/2006/chart" xmlns:r="http://schemas.openxmlformats.org/officeDocument/2006/relationships" r:id="rId2"/>
+          </a:graphicData>
+        </a:graphic>
+      </p:graphicFrame>
+    </p:spTree>
+    <p:extLst>
+      <p:ext uri="{BB962C8B-B14F-4D97-AF65-F5344CB8AC3E}">
+        <p14:creationId xmlns:p14="http://schemas.microsoft.com/office/powerpoint/2010/main" val="1878760457"/>
+      </p:ext>
+    </p:extLst>
+  </p:cSld>
+  <p:clrMapOvr>
+    <a:masterClrMapping/>
+  </p:clrMapOvr>
+  <p:timing>
+    <p:tnLst>
+      <p:par>
+        <p:cTn id="1" dur="indefinite" restart="never" nodeType="tmRoot"/>
+      </p:par>
+    </p:tnLst>
+  </p:timing>
+</p:sld>
+</file>
+
+<file path=ppt/slides/slide14.xml><?xml version="1.0" encoding="utf-8"?>
 <p:sld xmlns:a="http://schemas.openxmlformats.org/drawingml/2006/main" xmlns:r="http://schemas.openxmlformats.org/officeDocument/2006/relationships" xmlns:p="http://schemas.openxmlformats.org/presentationml/2006/main">
   <p:cSld>
     <p:spTree>
@@ -12986,36 +20678,6 @@
       </p:sp>
       <p:sp>
         <p:nvSpPr>
-          <p:cNvPr id="21" name="TextBox 20"/>
-          <p:cNvSpPr txBox="1"/>
-          <p:nvPr/>
-        </p:nvSpPr>
-        <p:spPr>
-          <a:xfrm rot="16200000">
-            <a:off x="4524167" y="4165347"/>
-            <a:ext cx="367408" cy="307777"/>
-          </a:xfrm>
-          <a:prstGeom prst="rect">
-            <a:avLst/>
-          </a:prstGeom>
-          <a:noFill/>
-        </p:spPr>
-        <p:txBody>
-          <a:bodyPr wrap="none" rtlCol="0">
-            <a:spAutoFit/>
-          </a:bodyPr>
-          <a:lstStyle/>
-          <a:p>
-            <a:r>
-              <a:rPr lang="en-US" sz="1400" smtClean="0"/>
-              <a:t>48</a:t>
-            </a:r>
-            <a:endParaRPr lang="en-US" sz="1400" dirty="0"/>
-          </a:p>
-        </p:txBody>
-      </p:sp>
-      <p:sp>
-        <p:nvSpPr>
           <p:cNvPr id="22" name="TextBox 21"/>
           <p:cNvSpPr txBox="1"/>
           <p:nvPr/>
@@ -13048,6 +20710,36 @@
           </a:p>
         </p:txBody>
       </p:sp>
+      <p:sp>
+        <p:nvSpPr>
+          <p:cNvPr id="3" name="TextBox 2"/>
+          <p:cNvSpPr txBox="1"/>
+          <p:nvPr/>
+        </p:nvSpPr>
+        <p:spPr>
+          <a:xfrm>
+            <a:off x="971550" y="2399268"/>
+            <a:ext cx="729687" cy="369332"/>
+          </a:xfrm>
+          <a:prstGeom prst="rect">
+            <a:avLst/>
+          </a:prstGeom>
+          <a:noFill/>
+        </p:spPr>
+        <p:txBody>
+          <a:bodyPr wrap="none" rtlCol="0">
+            <a:spAutoFit/>
+          </a:bodyPr>
+          <a:lstStyle/>
+          <a:p>
+            <a:r>
+              <a:rPr lang="en-US" dirty="0" smtClean="0"/>
+              <a:t>Mean</a:t>
+            </a:r>
+            <a:endParaRPr lang="en-US" dirty="0"/>
+          </a:p>
+        </p:txBody>
+      </p:sp>
     </p:spTree>
     <p:extLst>
       <p:ext uri="{BB962C8B-B14F-4D97-AF65-F5344CB8AC3E}">
@@ -13061,14 +20753,197 @@
   <p:timing>
     <p:tnLst>
       <p:par>
-        <p:cTn id="1" dur="indefinite" restart="never" nodeType="tmRoot"/>
+        <p:cTn id="1" dur="indefinite" restart="never" nodeType="tmRoot">
+          <p:childTnLst>
+            <p:seq concurrent="1" nextAc="seek">
+              <p:cTn id="2" dur="indefinite" nodeType="mainSeq">
+                <p:childTnLst>
+                  <p:par>
+                    <p:cTn id="3" fill="hold">
+                      <p:stCondLst>
+                        <p:cond delay="indefinite"/>
+                      </p:stCondLst>
+                      <p:childTnLst>
+                        <p:par>
+                          <p:cTn id="4" fill="hold">
+                            <p:stCondLst>
+                              <p:cond delay="0"/>
+                            </p:stCondLst>
+                            <p:childTnLst>
+                              <p:par>
+                                <p:cTn id="5" presetID="1" presetClass="entr" presetSubtype="0" fill="hold" grpId="0" nodeType="clickEffect">
+                                  <p:stCondLst>
+                                    <p:cond delay="0"/>
+                                  </p:stCondLst>
+                                  <p:childTnLst>
+                                    <p:set>
+                                      <p:cBhvr>
+                                        <p:cTn id="6" dur="1" fill="hold">
+                                          <p:stCondLst>
+                                            <p:cond delay="0"/>
+                                          </p:stCondLst>
+                                        </p:cTn>
+                                        <p:tgtEl>
+                                          <p:spTgt spid="13"/>
+                                        </p:tgtEl>
+                                        <p:attrNameLst>
+                                          <p:attrName>style.visibility</p:attrName>
+                                        </p:attrNameLst>
+                                      </p:cBhvr>
+                                      <p:to>
+                                        <p:strVal val="visible"/>
+                                      </p:to>
+                                    </p:set>
+                                  </p:childTnLst>
+                                </p:cTn>
+                              </p:par>
+                              <p:par>
+                                <p:cTn id="7" presetID="1" presetClass="entr" presetSubtype="0" fill="hold" grpId="0" nodeType="withEffect">
+                                  <p:stCondLst>
+                                    <p:cond delay="0"/>
+                                  </p:stCondLst>
+                                  <p:childTnLst>
+                                    <p:set>
+                                      <p:cBhvr>
+                                        <p:cTn id="8" dur="1" fill="hold">
+                                          <p:stCondLst>
+                                            <p:cond delay="0"/>
+                                          </p:stCondLst>
+                                        </p:cTn>
+                                        <p:tgtEl>
+                                          <p:spTgt spid="17"/>
+                                        </p:tgtEl>
+                                        <p:attrNameLst>
+                                          <p:attrName>style.visibility</p:attrName>
+                                        </p:attrNameLst>
+                                      </p:cBhvr>
+                                      <p:to>
+                                        <p:strVal val="visible"/>
+                                      </p:to>
+                                    </p:set>
+                                  </p:childTnLst>
+                                </p:cTn>
+                              </p:par>
+                              <p:par>
+                                <p:cTn id="9" presetID="1" presetClass="entr" presetSubtype="0" fill="hold" grpId="0" nodeType="withEffect">
+                                  <p:stCondLst>
+                                    <p:cond delay="0"/>
+                                  </p:stCondLst>
+                                  <p:childTnLst>
+                                    <p:set>
+                                      <p:cBhvr>
+                                        <p:cTn id="10" dur="1" fill="hold">
+                                          <p:stCondLst>
+                                            <p:cond delay="0"/>
+                                          </p:stCondLst>
+                                        </p:cTn>
+                                        <p:tgtEl>
+                                          <p:spTgt spid="18"/>
+                                        </p:tgtEl>
+                                        <p:attrNameLst>
+                                          <p:attrName>style.visibility</p:attrName>
+                                        </p:attrNameLst>
+                                      </p:cBhvr>
+                                      <p:to>
+                                        <p:strVal val="visible"/>
+                                      </p:to>
+                                    </p:set>
+                                  </p:childTnLst>
+                                </p:cTn>
+                              </p:par>
+                              <p:par>
+                                <p:cTn id="11" presetID="1" presetClass="entr" presetSubtype="0" fill="hold" grpId="0" nodeType="withEffect">
+                                  <p:stCondLst>
+                                    <p:cond delay="0"/>
+                                  </p:stCondLst>
+                                  <p:childTnLst>
+                                    <p:set>
+                                      <p:cBhvr>
+                                        <p:cTn id="12" dur="1" fill="hold">
+                                          <p:stCondLst>
+                                            <p:cond delay="0"/>
+                                          </p:stCondLst>
+                                        </p:cTn>
+                                        <p:tgtEl>
+                                          <p:spTgt spid="19"/>
+                                        </p:tgtEl>
+                                        <p:attrNameLst>
+                                          <p:attrName>style.visibility</p:attrName>
+                                        </p:attrNameLst>
+                                      </p:cBhvr>
+                                      <p:to>
+                                        <p:strVal val="visible"/>
+                                      </p:to>
+                                    </p:set>
+                                  </p:childTnLst>
+                                </p:cTn>
+                              </p:par>
+                              <p:par>
+                                <p:cTn id="13" presetID="1" presetClass="entr" presetSubtype="0" fill="hold" grpId="0" nodeType="withEffect">
+                                  <p:stCondLst>
+                                    <p:cond delay="0"/>
+                                  </p:stCondLst>
+                                  <p:childTnLst>
+                                    <p:set>
+                                      <p:cBhvr>
+                                        <p:cTn id="14" dur="1" fill="hold">
+                                          <p:stCondLst>
+                                            <p:cond delay="0"/>
+                                          </p:stCondLst>
+                                        </p:cTn>
+                                        <p:tgtEl>
+                                          <p:spTgt spid="20"/>
+                                        </p:tgtEl>
+                                        <p:attrNameLst>
+                                          <p:attrName>style.visibility</p:attrName>
+                                        </p:attrNameLst>
+                                      </p:cBhvr>
+                                      <p:to>
+                                        <p:strVal val="visible"/>
+                                      </p:to>
+                                    </p:set>
+                                  </p:childTnLst>
+                                </p:cTn>
+                              </p:par>
+                            </p:childTnLst>
+                          </p:cTn>
+                        </p:par>
+                      </p:childTnLst>
+                    </p:cTn>
+                  </p:par>
+                </p:childTnLst>
+              </p:cTn>
+              <p:prevCondLst>
+                <p:cond evt="onPrev" delay="0">
+                  <p:tgtEl>
+                    <p:sldTgt/>
+                  </p:tgtEl>
+                </p:cond>
+              </p:prevCondLst>
+              <p:nextCondLst>
+                <p:cond evt="onNext" delay="0">
+                  <p:tgtEl>
+                    <p:sldTgt/>
+                  </p:tgtEl>
+                </p:cond>
+              </p:nextCondLst>
+            </p:seq>
+          </p:childTnLst>
+        </p:cTn>
       </p:par>
     </p:tnLst>
+    <p:bldLst>
+      <p:bldP spid="13" grpId="0"/>
+      <p:bldP spid="17" grpId="0"/>
+      <p:bldP spid="18" grpId="0"/>
+      <p:bldP spid="19" grpId="0"/>
+      <p:bldP spid="20" grpId="0"/>
+    </p:bldLst>
   </p:timing>
 </p:sld>
 </file>
 
-<file path=ppt/slides/slide11.xml><?xml version="1.0" encoding="utf-8"?>
+<file path=ppt/slides/slide15.xml><?xml version="1.0" encoding="utf-8"?>
 <p:sld xmlns:a="http://schemas.openxmlformats.org/drawingml/2006/main" xmlns:r="http://schemas.openxmlformats.org/officeDocument/2006/relationships" xmlns:p="http://schemas.openxmlformats.org/presentationml/2006/main">
   <p:cSld>
     <p:spTree>
@@ -13180,7 +21055,252 @@
 </p:sld>
 </file>
 
-<file path=ppt/slides/slide12.xml><?xml version="1.0" encoding="utf-8"?>
+<file path=ppt/slides/slide16.xml><?xml version="1.0" encoding="utf-8"?>
+<p:sld xmlns:a="http://schemas.openxmlformats.org/drawingml/2006/main" xmlns:r="http://schemas.openxmlformats.org/officeDocument/2006/relationships" xmlns:p="http://schemas.openxmlformats.org/presentationml/2006/main">
+  <p:cSld>
+    <p:spTree>
+      <p:nvGrpSpPr>
+        <p:cNvPr id="1" name=""/>
+        <p:cNvGrpSpPr/>
+        <p:nvPr/>
+      </p:nvGrpSpPr>
+      <p:grpSpPr>
+        <a:xfrm>
+          <a:off x="0" y="0"/>
+          <a:ext cx="0" cy="0"/>
+          <a:chOff x="0" y="0"/>
+          <a:chExt cx="0" cy="0"/>
+        </a:xfrm>
+      </p:grpSpPr>
+      <p:sp>
+        <p:nvSpPr>
+          <p:cNvPr id="2" name="Title 1"/>
+          <p:cNvSpPr>
+            <a:spLocks noGrp="1"/>
+          </p:cNvSpPr>
+          <p:nvPr>
+            <p:ph type="title"/>
+          </p:nvPr>
+        </p:nvSpPr>
+        <p:spPr>
+          <a:xfrm>
+            <a:off x="838200" y="365126"/>
+            <a:ext cx="10515600" cy="608652"/>
+          </a:xfrm>
+        </p:spPr>
+        <p:txBody>
+          <a:bodyPr>
+            <a:normAutofit fontScale="90000"/>
+          </a:bodyPr>
+          <a:lstStyle/>
+          <a:p>
+            <a:r>
+              <a:rPr lang="en-US" dirty="0" smtClean="0"/>
+              <a:t>Time Breakdown</a:t>
+            </a:r>
+            <a:endParaRPr lang="en-US" dirty="0"/>
+          </a:p>
+        </p:txBody>
+      </p:sp>
+      <p:graphicFrame>
+        <p:nvGraphicFramePr>
+          <p:cNvPr id="5" name="Chart 4"/>
+          <p:cNvGraphicFramePr/>
+          <p:nvPr>
+            <p:extLst>
+              <p:ext uri="{D42A27DB-BD31-4B8C-83A1-F6EECF244321}">
+                <p14:modId xmlns:p14="http://schemas.microsoft.com/office/powerpoint/2010/main" val="1864204344"/>
+              </p:ext>
+            </p:extLst>
+          </p:nvPr>
+        </p:nvGraphicFramePr>
+        <p:xfrm>
+          <a:off x="385948" y="1460664"/>
+          <a:ext cx="11806052" cy="5507677"/>
+        </p:xfrm>
+        <a:graphic>
+          <a:graphicData uri="http://schemas.openxmlformats.org/drawingml/2006/chart">
+            <c:chart xmlns:c="http://schemas.openxmlformats.org/drawingml/2006/chart" xmlns:r="http://schemas.openxmlformats.org/officeDocument/2006/relationships" r:id="rId2"/>
+          </a:graphicData>
+        </a:graphic>
+      </p:graphicFrame>
+      <p:sp>
+        <p:nvSpPr>
+          <p:cNvPr id="6" name="TextBox 5"/>
+          <p:cNvSpPr txBox="1"/>
+          <p:nvPr/>
+        </p:nvSpPr>
+        <p:spPr>
+          <a:xfrm>
+            <a:off x="0" y="894056"/>
+            <a:ext cx="1402948" cy="646331"/>
+          </a:xfrm>
+          <a:prstGeom prst="rect">
+            <a:avLst/>
+          </a:prstGeom>
+          <a:noFill/>
+        </p:spPr>
+        <p:txBody>
+          <a:bodyPr wrap="none" rtlCol="0">
+            <a:spAutoFit/>
+          </a:bodyPr>
+          <a:lstStyle/>
+          <a:p>
+            <a:r>
+              <a:rPr lang="en-US" dirty="0" smtClean="0"/>
+              <a:t>Long</a:t>
+            </a:r>
+          </a:p>
+          <a:p>
+            <a:r>
+              <a:rPr lang="en-US" dirty="0" smtClean="0"/>
+              <a:t>Comparisons</a:t>
+            </a:r>
+            <a:endParaRPr lang="en-US" dirty="0"/>
+          </a:p>
+        </p:txBody>
+      </p:sp>
+      <p:sp>
+        <p:nvSpPr>
+          <p:cNvPr id="7" name="TextBox 6"/>
+          <p:cNvSpPr txBox="1"/>
+          <p:nvPr/>
+        </p:nvSpPr>
+        <p:spPr>
+          <a:xfrm>
+            <a:off x="1508166" y="1032555"/>
+            <a:ext cx="652743" cy="369332"/>
+          </a:xfrm>
+          <a:prstGeom prst="rect">
+            <a:avLst/>
+          </a:prstGeom>
+          <a:noFill/>
+        </p:spPr>
+        <p:txBody>
+          <a:bodyPr wrap="none" rtlCol="0">
+            <a:spAutoFit/>
+          </a:bodyPr>
+          <a:lstStyle/>
+          <a:p>
+            <a:r>
+              <a:rPr lang="en-US" smtClean="0"/>
+              <a:t>5141</a:t>
+            </a:r>
+            <a:endParaRPr lang="en-US"/>
+          </a:p>
+        </p:txBody>
+      </p:sp>
+      <p:sp>
+        <p:nvSpPr>
+          <p:cNvPr id="8" name="TextBox 7"/>
+          <p:cNvSpPr txBox="1"/>
+          <p:nvPr/>
+        </p:nvSpPr>
+        <p:spPr>
+          <a:xfrm>
+            <a:off x="6858000" y="1032555"/>
+            <a:ext cx="827471" cy="369332"/>
+          </a:xfrm>
+          <a:prstGeom prst="rect">
+            <a:avLst/>
+          </a:prstGeom>
+          <a:noFill/>
+        </p:spPr>
+        <p:txBody>
+          <a:bodyPr wrap="none" rtlCol="0">
+            <a:spAutoFit/>
+          </a:bodyPr>
+          <a:lstStyle/>
+          <a:p>
+            <a:r>
+              <a:rPr lang="en-US" smtClean="0"/>
+              <a:t>58,602</a:t>
+            </a:r>
+            <a:endParaRPr lang="en-US"/>
+          </a:p>
+        </p:txBody>
+      </p:sp>
+      <p:sp>
+        <p:nvSpPr>
+          <p:cNvPr id="9" name="TextBox 8"/>
+          <p:cNvSpPr txBox="1"/>
+          <p:nvPr/>
+        </p:nvSpPr>
+        <p:spPr>
+          <a:xfrm>
+            <a:off x="8134598" y="1032555"/>
+            <a:ext cx="944489" cy="369332"/>
+          </a:xfrm>
+          <a:prstGeom prst="rect">
+            <a:avLst/>
+          </a:prstGeom>
+          <a:noFill/>
+        </p:spPr>
+        <p:txBody>
+          <a:bodyPr wrap="none" rtlCol="0">
+            <a:spAutoFit/>
+          </a:bodyPr>
+          <a:lstStyle/>
+          <a:p>
+            <a:r>
+              <a:rPr lang="en-US" smtClean="0"/>
+              <a:t>112,043</a:t>
+            </a:r>
+            <a:endParaRPr lang="en-US"/>
+          </a:p>
+        </p:txBody>
+      </p:sp>
+      <p:sp>
+        <p:nvSpPr>
+          <p:cNvPr id="10" name="TextBox 9"/>
+          <p:cNvSpPr txBox="1"/>
+          <p:nvPr/>
+        </p:nvSpPr>
+        <p:spPr>
+          <a:xfrm>
+            <a:off x="9528214" y="1027216"/>
+            <a:ext cx="944489" cy="369332"/>
+          </a:xfrm>
+          <a:prstGeom prst="rect">
+            <a:avLst/>
+          </a:prstGeom>
+          <a:noFill/>
+        </p:spPr>
+        <p:txBody>
+          <a:bodyPr wrap="none" rtlCol="0">
+            <a:spAutoFit/>
+          </a:bodyPr>
+          <a:lstStyle/>
+          <a:p>
+            <a:r>
+              <a:rPr lang="en-US" smtClean="0"/>
+              <a:t>106,607</a:t>
+            </a:r>
+            <a:endParaRPr lang="en-US"/>
+          </a:p>
+        </p:txBody>
+      </p:sp>
+    </p:spTree>
+    <p:extLst>
+      <p:ext uri="{BB962C8B-B14F-4D97-AF65-F5344CB8AC3E}">
+        <p14:creationId xmlns:p14="http://schemas.microsoft.com/office/powerpoint/2010/main" val="1950677826"/>
+      </p:ext>
+    </p:extLst>
+  </p:cSld>
+  <p:clrMapOvr>
+    <a:masterClrMapping/>
+  </p:clrMapOvr>
+  <p:timing>
+    <p:tnLst>
+      <p:par>
+        <p:cTn id="1" dur="indefinite" restart="never" nodeType="tmRoot"/>
+      </p:par>
+    </p:tnLst>
+  </p:timing>
+</p:sld>
+</file>
+
+<file path=ppt/slides/slide17.xml><?xml version="1.0" encoding="utf-8"?>
 <p:sld xmlns:a="http://schemas.openxmlformats.org/drawingml/2006/main" xmlns:r="http://schemas.openxmlformats.org/officeDocument/2006/relationships" xmlns:p="http://schemas.openxmlformats.org/presentationml/2006/main">
   <p:cSld>
     <p:spTree>
@@ -13269,7 +21389,266 @@
 </p:sld>
 </file>
 
-<file path=ppt/slides/slide13.xml><?xml version="1.0" encoding="utf-8"?>
+<file path=ppt/slides/slide18.xml><?xml version="1.0" encoding="utf-8"?>
+<p:sld xmlns:a="http://schemas.openxmlformats.org/drawingml/2006/main" xmlns:r="http://schemas.openxmlformats.org/officeDocument/2006/relationships" xmlns:p="http://schemas.openxmlformats.org/presentationml/2006/main">
+  <p:cSld>
+    <p:spTree>
+      <p:nvGrpSpPr>
+        <p:cNvPr id="1" name=""/>
+        <p:cNvGrpSpPr/>
+        <p:nvPr/>
+      </p:nvGrpSpPr>
+      <p:grpSpPr>
+        <a:xfrm>
+          <a:off x="0" y="0"/>
+          <a:ext cx="0" cy="0"/>
+          <a:chOff x="0" y="0"/>
+          <a:chExt cx="0" cy="0"/>
+        </a:xfrm>
+      </p:grpSpPr>
+      <p:sp>
+        <p:nvSpPr>
+          <p:cNvPr id="2" name="Title 1"/>
+          <p:cNvSpPr>
+            <a:spLocks noGrp="1"/>
+          </p:cNvSpPr>
+          <p:nvPr>
+            <p:ph type="title"/>
+          </p:nvPr>
+        </p:nvSpPr>
+        <p:spPr>
+          <a:xfrm>
+            <a:off x="838200" y="365125"/>
+            <a:ext cx="10515600" cy="555213"/>
+          </a:xfrm>
+        </p:spPr>
+        <p:txBody>
+          <a:bodyPr>
+            <a:normAutofit fontScale="90000"/>
+          </a:bodyPr>
+          <a:lstStyle/>
+          <a:p>
+            <a:r>
+              <a:rPr lang="en-US" dirty="0" smtClean="0"/>
+              <a:t>Parallel Scaling</a:t>
+            </a:r>
+            <a:endParaRPr lang="en-US" dirty="0"/>
+          </a:p>
+        </p:txBody>
+      </p:sp>
+      <p:graphicFrame>
+        <p:nvGraphicFramePr>
+          <p:cNvPr id="4" name="Chart 3"/>
+          <p:cNvGraphicFramePr/>
+          <p:nvPr>
+            <p:extLst>
+              <p:ext uri="{D42A27DB-BD31-4B8C-83A1-F6EECF244321}">
+                <p14:modId xmlns:p14="http://schemas.microsoft.com/office/powerpoint/2010/main" val="2045677395"/>
+              </p:ext>
+            </p:extLst>
+          </p:nvPr>
+        </p:nvGraphicFramePr>
+        <p:xfrm>
+          <a:off x="0" y="870559"/>
+          <a:ext cx="12192000" cy="5987441"/>
+        </p:xfrm>
+        <a:graphic>
+          <a:graphicData uri="http://schemas.openxmlformats.org/drawingml/2006/chart">
+            <c:chart xmlns:c="http://schemas.openxmlformats.org/drawingml/2006/chart" xmlns:r="http://schemas.openxmlformats.org/officeDocument/2006/relationships" r:id="rId3"/>
+          </a:graphicData>
+        </a:graphic>
+      </p:graphicFrame>
+      <p:cxnSp>
+        <p:nvCxnSpPr>
+          <p:cNvPr id="6" name="Straight Arrow Connector 5"/>
+          <p:cNvCxnSpPr/>
+          <p:nvPr/>
+        </p:nvCxnSpPr>
+        <p:spPr>
+          <a:xfrm flipH="1" flipV="1">
+            <a:off x="665018" y="6008914"/>
+            <a:ext cx="731322" cy="2"/>
+          </a:xfrm>
+          <a:prstGeom prst="straightConnector1">
+            <a:avLst/>
+          </a:prstGeom>
+          <a:ln w="25400">
+            <a:solidFill>
+              <a:schemeClr val="tx1"/>
+            </a:solidFill>
+            <a:headEnd type="diamond"/>
+            <a:tailEnd type="diamond"/>
+          </a:ln>
+        </p:spPr>
+        <p:style>
+          <a:lnRef idx="1">
+            <a:schemeClr val="accent1"/>
+          </a:lnRef>
+          <a:fillRef idx="0">
+            <a:schemeClr val="accent1"/>
+          </a:fillRef>
+          <a:effectRef idx="0">
+            <a:schemeClr val="accent1"/>
+          </a:effectRef>
+          <a:fontRef idx="minor">
+            <a:schemeClr val="tx1"/>
+          </a:fontRef>
+        </p:style>
+      </p:cxnSp>
+      <p:cxnSp>
+        <p:nvCxnSpPr>
+          <p:cNvPr id="8" name="Straight Arrow Connector 7"/>
+          <p:cNvCxnSpPr/>
+          <p:nvPr/>
+        </p:nvCxnSpPr>
+        <p:spPr>
+          <a:xfrm flipH="1">
+            <a:off x="1396340" y="6008914"/>
+            <a:ext cx="10526486" cy="0"/>
+          </a:xfrm>
+          <a:prstGeom prst="straightConnector1">
+            <a:avLst/>
+          </a:prstGeom>
+          <a:ln w="25400">
+            <a:solidFill>
+              <a:schemeClr val="tx1"/>
+            </a:solidFill>
+            <a:headEnd type="diamond"/>
+            <a:tailEnd type="diamond"/>
+          </a:ln>
+        </p:spPr>
+        <p:style>
+          <a:lnRef idx="1">
+            <a:schemeClr val="accent1"/>
+          </a:lnRef>
+          <a:fillRef idx="0">
+            <a:schemeClr val="accent1"/>
+          </a:fillRef>
+          <a:effectRef idx="0">
+            <a:schemeClr val="accent1"/>
+          </a:effectRef>
+          <a:fontRef idx="minor">
+            <a:schemeClr val="tx1"/>
+          </a:fontRef>
+        </p:style>
+      </p:cxnSp>
+      <p:sp>
+        <p:nvSpPr>
+          <p:cNvPr id="10" name="TextBox 9"/>
+          <p:cNvSpPr txBox="1"/>
+          <p:nvPr/>
+        </p:nvSpPr>
+        <p:spPr>
+          <a:xfrm>
+            <a:off x="627540" y="5296395"/>
+            <a:ext cx="1537600" cy="369332"/>
+          </a:xfrm>
+          <a:prstGeom prst="rect">
+            <a:avLst/>
+          </a:prstGeom>
+          <a:noFill/>
+        </p:spPr>
+        <p:txBody>
+          <a:bodyPr wrap="none" rtlCol="0">
+            <a:spAutoFit/>
+          </a:bodyPr>
+          <a:lstStyle/>
+          <a:p>
+            <a:r>
+              <a:rPr lang="en-US" smtClean="0"/>
+              <a:t>26.4/36 = 73%</a:t>
+            </a:r>
+            <a:endParaRPr lang="en-US"/>
+          </a:p>
+        </p:txBody>
+      </p:sp>
+      <p:sp>
+        <p:nvSpPr>
+          <p:cNvPr id="11" name="TextBox 10"/>
+          <p:cNvSpPr txBox="1"/>
+          <p:nvPr/>
+        </p:nvSpPr>
+        <p:spPr>
+          <a:xfrm>
+            <a:off x="6276731" y="5296395"/>
+            <a:ext cx="1537600" cy="369332"/>
+          </a:xfrm>
+          <a:prstGeom prst="rect">
+            <a:avLst/>
+          </a:prstGeom>
+          <a:noFill/>
+        </p:spPr>
+        <p:txBody>
+          <a:bodyPr wrap="none" rtlCol="0">
+            <a:spAutoFit/>
+          </a:bodyPr>
+          <a:lstStyle/>
+          <a:p>
+            <a:r>
+              <a:rPr lang="en-US" dirty="0" smtClean="0"/>
+              <a:t>14.2/15 = 95%</a:t>
+            </a:r>
+            <a:endParaRPr lang="en-US" dirty="0"/>
+          </a:p>
+        </p:txBody>
+      </p:sp>
+      <p:cxnSp>
+        <p:nvCxnSpPr>
+          <p:cNvPr id="13" name="Straight Connector 12"/>
+          <p:cNvCxnSpPr/>
+          <p:nvPr/>
+        </p:nvCxnSpPr>
+        <p:spPr>
+          <a:xfrm>
+            <a:off x="1396340" y="6008914"/>
+            <a:ext cx="0" cy="492826"/>
+          </a:xfrm>
+          <a:prstGeom prst="line">
+            <a:avLst/>
+          </a:prstGeom>
+          <a:ln w="12700" cmpd="sng">
+            <a:solidFill>
+              <a:schemeClr val="tx1"/>
+            </a:solidFill>
+            <a:prstDash val="dash"/>
+          </a:ln>
+        </p:spPr>
+        <p:style>
+          <a:lnRef idx="1">
+            <a:schemeClr val="accent1"/>
+          </a:lnRef>
+          <a:fillRef idx="0">
+            <a:schemeClr val="accent1"/>
+          </a:fillRef>
+          <a:effectRef idx="0">
+            <a:schemeClr val="accent1"/>
+          </a:effectRef>
+          <a:fontRef idx="minor">
+            <a:schemeClr val="tx1"/>
+          </a:fontRef>
+        </p:style>
+      </p:cxnSp>
+    </p:spTree>
+    <p:extLst>
+      <p:ext uri="{BB962C8B-B14F-4D97-AF65-F5344CB8AC3E}">
+        <p14:creationId xmlns:p14="http://schemas.microsoft.com/office/powerpoint/2010/main" val="2000534166"/>
+      </p:ext>
+    </p:extLst>
+  </p:cSld>
+  <p:clrMapOvr>
+    <a:masterClrMapping/>
+  </p:clrMapOvr>
+  <p:timing>
+    <p:tnLst>
+      <p:par>
+        <p:cTn id="1" dur="indefinite" restart="never" nodeType="tmRoot"/>
+      </p:par>
+    </p:tnLst>
+  </p:timing>
+</p:sld>
+</file>
+
+<file path=ppt/slides/slide19.xml><?xml version="1.0" encoding="utf-8"?>
 <p:sld xmlns:a="http://schemas.openxmlformats.org/drawingml/2006/main" xmlns:r="http://schemas.openxmlformats.org/officeDocument/2006/relationships" xmlns:p="http://schemas.openxmlformats.org/presentationml/2006/main">
   <p:cSld>
     <p:spTree>
@@ -14853,6 +23232,244 @@
   <p:clrMapOvr>
     <a:masterClrMapping/>
   </p:clrMapOvr>
+  <p:timing>
+    <p:tnLst>
+      <p:par>
+        <p:cTn id="1" dur="indefinite" restart="never" nodeType="tmRoot"/>
+      </p:par>
+    </p:tnLst>
+  </p:timing>
+</p:sld>
+</file>
+
+<file path=ppt/slides/slide20.xml><?xml version="1.0" encoding="utf-8"?>
+<p:sld xmlns:a="http://schemas.openxmlformats.org/drawingml/2006/main" xmlns:r="http://schemas.openxmlformats.org/officeDocument/2006/relationships" xmlns:p="http://schemas.openxmlformats.org/presentationml/2006/main">
+  <p:cSld>
+    <p:spTree>
+      <p:nvGrpSpPr>
+        <p:cNvPr id="1" name=""/>
+        <p:cNvGrpSpPr/>
+        <p:nvPr/>
+      </p:nvGrpSpPr>
+      <p:grpSpPr>
+        <a:xfrm>
+          <a:off x="0" y="0"/>
+          <a:ext cx="0" cy="0"/>
+          <a:chOff x="0" y="0"/>
+          <a:chExt cx="0" cy="0"/>
+        </a:xfrm>
+      </p:grpSpPr>
+      <p:sp>
+        <p:nvSpPr>
+          <p:cNvPr id="2" name="Title 1"/>
+          <p:cNvSpPr>
+            <a:spLocks noGrp="1"/>
+          </p:cNvSpPr>
+          <p:nvPr>
+            <p:ph type="title"/>
+          </p:nvPr>
+        </p:nvSpPr>
+        <p:spPr/>
+        <p:txBody>
+          <a:bodyPr/>
+          <a:lstStyle/>
+          <a:p>
+            <a:r>
+              <a:rPr lang="en-US" dirty="0" smtClean="0"/>
+              <a:t>What’s Next?</a:t>
+            </a:r>
+            <a:endParaRPr lang="en-US" dirty="0"/>
+          </a:p>
+        </p:txBody>
+      </p:sp>
+      <p:sp>
+        <p:nvSpPr>
+          <p:cNvPr id="3" name="Content Placeholder 2"/>
+          <p:cNvSpPr>
+            <a:spLocks noGrp="1"/>
+          </p:cNvSpPr>
+          <p:nvPr>
+            <p:ph idx="1"/>
+          </p:nvPr>
+        </p:nvSpPr>
+        <p:spPr/>
+        <p:txBody>
+          <a:bodyPr/>
+          <a:lstStyle/>
+          <a:p>
+            <a:r>
+              <a:rPr lang="en-US" dirty="0" smtClean="0"/>
+              <a:t>Daemon front-end</a:t>
+            </a:r>
+          </a:p>
+          <a:p>
+            <a:pPr lvl="1"/>
+            <a:r>
+              <a:rPr lang="en-US" dirty="0" smtClean="0"/>
+              <a:t>What searches do we support?</a:t>
+            </a:r>
+          </a:p>
+          <a:p>
+            <a:pPr lvl="1"/>
+            <a:r>
+              <a:rPr lang="en-US" dirty="0" smtClean="0"/>
+              <a:t>How do users request them?</a:t>
+            </a:r>
+          </a:p>
+          <a:p>
+            <a:r>
+              <a:rPr lang="en-US" dirty="0" smtClean="0"/>
+              <a:t>Output</a:t>
+            </a:r>
+          </a:p>
+          <a:p>
+            <a:pPr lvl="1"/>
+            <a:r>
+              <a:rPr lang="en-US" dirty="0" smtClean="0"/>
+              <a:t>How can we reduce the amount of data required to represent a hit?</a:t>
+            </a:r>
+          </a:p>
+          <a:p>
+            <a:r>
+              <a:rPr lang="en-US" dirty="0" smtClean="0"/>
+              <a:t>Documentation</a:t>
+            </a:r>
+          </a:p>
+          <a:p>
+            <a:r>
+              <a:rPr lang="en-US" dirty="0" smtClean="0"/>
+              <a:t>Code Cleanup</a:t>
+            </a:r>
+          </a:p>
+        </p:txBody>
+      </p:sp>
+    </p:spTree>
+    <p:extLst>
+      <p:ext uri="{BB962C8B-B14F-4D97-AF65-F5344CB8AC3E}">
+        <p14:creationId xmlns:p14="http://schemas.microsoft.com/office/powerpoint/2010/main" val="1880209477"/>
+      </p:ext>
+    </p:extLst>
+  </p:cSld>
+  <p:clrMapOvr>
+    <a:masterClrMapping/>
+  </p:clrMapOvr>
+  <p:timing>
+    <p:tnLst>
+      <p:par>
+        <p:cTn id="1" dur="indefinite" restart="never" nodeType="tmRoot"/>
+      </p:par>
+    </p:tnLst>
+  </p:timing>
+</p:sld>
+</file>
+
+<file path=ppt/slides/slide21.xml><?xml version="1.0" encoding="utf-8"?>
+<p:sld xmlns:a="http://schemas.openxmlformats.org/drawingml/2006/main" xmlns:r="http://schemas.openxmlformats.org/officeDocument/2006/relationships" xmlns:p="http://schemas.openxmlformats.org/presentationml/2006/main">
+  <p:cSld>
+    <p:spTree>
+      <p:nvGrpSpPr>
+        <p:cNvPr id="1" name=""/>
+        <p:cNvGrpSpPr/>
+        <p:nvPr/>
+      </p:nvGrpSpPr>
+      <p:grpSpPr>
+        <a:xfrm>
+          <a:off x="0" y="0"/>
+          <a:ext cx="0" cy="0"/>
+          <a:chOff x="0" y="0"/>
+          <a:chExt cx="0" cy="0"/>
+        </a:xfrm>
+      </p:grpSpPr>
+      <p:sp>
+        <p:nvSpPr>
+          <p:cNvPr id="2" name="Title 1"/>
+          <p:cNvSpPr>
+            <a:spLocks noGrp="1"/>
+          </p:cNvSpPr>
+          <p:nvPr>
+            <p:ph type="title"/>
+          </p:nvPr>
+        </p:nvSpPr>
+        <p:spPr/>
+        <p:txBody>
+          <a:bodyPr/>
+          <a:lstStyle/>
+          <a:p>
+            <a:r>
+              <a:rPr lang="en-US" dirty="0" smtClean="0"/>
+              <a:t>Conclusion</a:t>
+            </a:r>
+            <a:endParaRPr lang="en-US" dirty="0"/>
+          </a:p>
+        </p:txBody>
+      </p:sp>
+      <p:sp>
+        <p:nvSpPr>
+          <p:cNvPr id="3" name="Content Placeholder 2"/>
+          <p:cNvSpPr>
+            <a:spLocks noGrp="1"/>
+          </p:cNvSpPr>
+          <p:nvPr>
+            <p:ph idx="1"/>
+          </p:nvPr>
+        </p:nvSpPr>
+        <p:spPr/>
+        <p:txBody>
+          <a:bodyPr/>
+          <a:lstStyle/>
+          <a:p>
+            <a:r>
+              <a:rPr lang="en-US" dirty="0" smtClean="0"/>
+              <a:t>Spending a whole second on a homology search is </a:t>
+            </a:r>
+            <a:r>
+              <a:rPr lang="en-US" dirty="0" err="1" smtClean="0"/>
+              <a:t>sooooo</a:t>
+            </a:r>
+            <a:r>
+              <a:rPr lang="en-US" dirty="0" smtClean="0"/>
+              <a:t> 2016</a:t>
+            </a:r>
+          </a:p>
+          <a:p>
+            <a:r>
+              <a:rPr lang="en-US" dirty="0" smtClean="0"/>
+              <a:t>Combination of better parallel scaling + new instructions almost doubles HMMER 4 performance relative to HMMER 3</a:t>
+            </a:r>
+          </a:p>
+          <a:p>
+            <a:pPr lvl="1"/>
+            <a:r>
+              <a:rPr lang="en-US" dirty="0" smtClean="0"/>
+              <a:t>In spite of changes to main stage that sometimes add time</a:t>
+            </a:r>
+          </a:p>
+          <a:p>
+            <a:r>
+              <a:rPr lang="en-US" dirty="0" smtClean="0"/>
+              <a:t>Reduced serial time to &lt; .07% of total execution time</a:t>
+            </a:r>
+            <a:endParaRPr lang="en-US" dirty="0"/>
+          </a:p>
+        </p:txBody>
+      </p:sp>
+    </p:spTree>
+    <p:extLst>
+      <p:ext uri="{BB962C8B-B14F-4D97-AF65-F5344CB8AC3E}">
+        <p14:creationId xmlns:p14="http://schemas.microsoft.com/office/powerpoint/2010/main" val="1544752727"/>
+      </p:ext>
+    </p:extLst>
+  </p:cSld>
+  <p:clrMapOvr>
+    <a:masterClrMapping/>
+  </p:clrMapOvr>
+  <p:timing>
+    <p:tnLst>
+      <p:par>
+        <p:cTn id="1" dur="indefinite" restart="never" nodeType="tmRoot"/>
+      </p:par>
+    </p:tnLst>
+  </p:timing>
 </p:sld>
 </file>
 
@@ -15079,8 +23696,13 @@
             <a:pPr algn="ctr"/>
             <a:r>
               <a:rPr lang="en-US" dirty="0" smtClean="0"/>
-              <a:t>MSV</a:t>
+              <a:t>Bi</a:t>
             </a:r>
+            <a:r>
+              <a:rPr lang="en-US" dirty="0" smtClean="0"/>
+              <a:t>as</a:t>
+            </a:r>
+            <a:endParaRPr lang="en-US" dirty="0" smtClean="0"/>
           </a:p>
           <a:p>
             <a:pPr algn="ctr"/>
@@ -16282,6 +24904,13 @@
   <p:clrMapOvr>
     <a:masterClrMapping/>
   </p:clrMapOvr>
+  <p:timing>
+    <p:tnLst>
+      <p:par>
+        <p:cTn id="1" dur="indefinite" restart="never" nodeType="tmRoot"/>
+      </p:par>
+    </p:tnLst>
+  </p:timing>
 </p:sld>
 </file>
 
@@ -18464,6 +27093,13 @@
   <p:clrMapOvr>
     <a:masterClrMapping/>
   </p:clrMapOvr>
+  <p:timing>
+    <p:tnLst>
+      <p:par>
+        <p:cTn id="1" dur="indefinite" restart="never" nodeType="tmRoot"/>
+      </p:par>
+    </p:tnLst>
+  </p:timing>
 </p:sld>
 </file>
 
@@ -18546,6 +27182,13 @@
   <p:clrMapOvr>
     <a:masterClrMapping/>
   </p:clrMapOvr>
+  <p:timing>
+    <p:tnLst>
+      <p:par>
+        <p:cTn id="1" dur="indefinite" restart="never" nodeType="tmRoot"/>
+      </p:par>
+    </p:tnLst>
+  </p:timing>
 </p:sld>
 </file>
 
@@ -20118,6 +28761,13 @@
   <p:clrMapOvr>
     <a:masterClrMapping/>
   </p:clrMapOvr>
+  <p:timing>
+    <p:tnLst>
+      <p:par>
+        <p:cTn id="1" dur="indefinite" restart="never" nodeType="tmRoot"/>
+      </p:par>
+    </p:tnLst>
+  </p:timing>
 </p:sld>
 </file>
 
@@ -20193,10 +28843,112 @@
   <p:clrMapOvr>
     <a:masterClrMapping/>
   </p:clrMapOvr>
+  <p:timing>
+    <p:tnLst>
+      <p:par>
+        <p:cTn id="1" dur="indefinite" restart="never" nodeType="tmRoot"/>
+      </p:par>
+    </p:tnLst>
+  </p:timing>
 </p:sld>
 </file>
 
 <file path=ppt/slides/slide8.xml><?xml version="1.0" encoding="utf-8"?>
+<p:sld xmlns:a="http://schemas.openxmlformats.org/drawingml/2006/main" xmlns:r="http://schemas.openxmlformats.org/officeDocument/2006/relationships" xmlns:p="http://schemas.openxmlformats.org/presentationml/2006/main">
+  <p:cSld>
+    <p:spTree>
+      <p:nvGrpSpPr>
+        <p:cNvPr id="1" name=""/>
+        <p:cNvGrpSpPr/>
+        <p:nvPr/>
+      </p:nvGrpSpPr>
+      <p:grpSpPr>
+        <a:xfrm>
+          <a:off x="0" y="0"/>
+          <a:ext cx="0" cy="0"/>
+          <a:chOff x="0" y="0"/>
+          <a:chExt cx="0" cy="0"/>
+        </a:xfrm>
+      </p:grpSpPr>
+      <p:sp>
+        <p:nvSpPr>
+          <p:cNvPr id="2" name="Title 1"/>
+          <p:cNvSpPr>
+            <a:spLocks noGrp="1"/>
+          </p:cNvSpPr>
+          <p:nvPr>
+            <p:ph type="title"/>
+          </p:nvPr>
+        </p:nvSpPr>
+        <p:spPr/>
+        <p:txBody>
+          <a:bodyPr/>
+          <a:lstStyle/>
+          <a:p>
+            <a:r>
+              <a:rPr lang="en-US" dirty="0" smtClean="0"/>
+              <a:t>Within-Node Load Balancing	</a:t>
+            </a:r>
+            <a:endParaRPr lang="en-US" dirty="0"/>
+          </a:p>
+        </p:txBody>
+      </p:sp>
+      <p:sp>
+        <p:nvSpPr>
+          <p:cNvPr id="3" name="Content Placeholder 2"/>
+          <p:cNvSpPr>
+            <a:spLocks noGrp="1"/>
+          </p:cNvSpPr>
+          <p:nvPr>
+            <p:ph idx="1"/>
+          </p:nvPr>
+        </p:nvSpPr>
+        <p:spPr/>
+        <p:txBody>
+          <a:bodyPr/>
+          <a:lstStyle/>
+          <a:p>
+            <a:r>
+              <a:rPr lang="en-US" dirty="0" smtClean="0"/>
+              <a:t>Work Queue </a:t>
+            </a:r>
+          </a:p>
+          <a:p>
+            <a:r>
+              <a:rPr lang="en-US" dirty="0" smtClean="0"/>
+              <a:t>Work Stealing</a:t>
+            </a:r>
+          </a:p>
+          <a:p>
+            <a:r>
+              <a:rPr lang="en-US" dirty="0" smtClean="0"/>
+              <a:t>Filter/Main-Stage split</a:t>
+            </a:r>
+            <a:endParaRPr lang="en-US" dirty="0"/>
+          </a:p>
+        </p:txBody>
+      </p:sp>
+    </p:spTree>
+    <p:extLst>
+      <p:ext uri="{BB962C8B-B14F-4D97-AF65-F5344CB8AC3E}">
+        <p14:creationId xmlns:p14="http://schemas.microsoft.com/office/powerpoint/2010/main" val="1976897126"/>
+      </p:ext>
+    </p:extLst>
+  </p:cSld>
+  <p:clrMapOvr>
+    <a:masterClrMapping/>
+  </p:clrMapOvr>
+  <p:timing>
+    <p:tnLst>
+      <p:par>
+        <p:cTn id="1" dur="indefinite" restart="never" nodeType="tmRoot"/>
+      </p:par>
+    </p:tnLst>
+  </p:timing>
+</p:sld>
+</file>
+
+<file path=ppt/slides/slide9.xml><?xml version="1.0" encoding="utf-8"?>
 <p:sld xmlns:a="http://schemas.openxmlformats.org/drawingml/2006/main" xmlns:r="http://schemas.openxmlformats.org/officeDocument/2006/relationships" xmlns:p="http://schemas.openxmlformats.org/presentationml/2006/main">
   <p:cSld>
     <p:spTree>
@@ -20477,88 +29229,13 @@
   <p:clrMapOvr>
     <a:masterClrMapping/>
   </p:clrMapOvr>
-</p:sld>
-</file>
-
-<file path=ppt/slides/slide9.xml><?xml version="1.0" encoding="utf-8"?>
-<p:sld xmlns:a="http://schemas.openxmlformats.org/drawingml/2006/main" xmlns:r="http://schemas.openxmlformats.org/officeDocument/2006/relationships" xmlns:p="http://schemas.openxmlformats.org/presentationml/2006/main">
-  <p:cSld>
-    <p:spTree>
-      <p:nvGrpSpPr>
-        <p:cNvPr id="1" name=""/>
-        <p:cNvGrpSpPr/>
-        <p:nvPr/>
-      </p:nvGrpSpPr>
-      <p:grpSpPr>
-        <a:xfrm>
-          <a:off x="0" y="0"/>
-          <a:ext cx="0" cy="0"/>
-          <a:chOff x="0" y="0"/>
-          <a:chExt cx="0" cy="0"/>
-        </a:xfrm>
-      </p:grpSpPr>
-      <p:sp>
-        <p:nvSpPr>
-          <p:cNvPr id="5" name="Title 4"/>
-          <p:cNvSpPr>
-            <a:spLocks noGrp="1"/>
-          </p:cNvSpPr>
-          <p:nvPr>
-            <p:ph type="title"/>
-          </p:nvPr>
-        </p:nvSpPr>
-        <p:spPr>
-          <a:xfrm>
-            <a:off x="838200" y="384175"/>
-            <a:ext cx="10515600" cy="432543"/>
-          </a:xfrm>
-        </p:spPr>
-        <p:txBody>
-          <a:bodyPr>
-            <a:normAutofit fontScale="90000"/>
-          </a:bodyPr>
-          <a:lstStyle/>
-          <a:p>
-            <a:r>
-              <a:rPr lang="en-US" smtClean="0"/>
-              <a:t>H4 Performance</a:t>
-            </a:r>
-            <a:endParaRPr lang="en-US" dirty="0"/>
-          </a:p>
-        </p:txBody>
-      </p:sp>
-      <p:graphicFrame>
-        <p:nvGraphicFramePr>
-          <p:cNvPr id="8" name="Chart 7"/>
-          <p:cNvGraphicFramePr/>
-          <p:nvPr>
-            <p:extLst>
-              <p:ext uri="{D42A27DB-BD31-4B8C-83A1-F6EECF244321}">
-                <p14:modId xmlns:p14="http://schemas.microsoft.com/office/powerpoint/2010/main" val="770091158"/>
-              </p:ext>
-            </p:extLst>
-          </p:nvPr>
-        </p:nvGraphicFramePr>
-        <p:xfrm>
-          <a:off x="0" y="698500"/>
-          <a:ext cx="12192000" cy="6159500"/>
-        </p:xfrm>
-        <a:graphic>
-          <a:graphicData uri="http://schemas.openxmlformats.org/drawingml/2006/chart">
-            <c:chart xmlns:c="http://schemas.openxmlformats.org/drawingml/2006/chart" xmlns:r="http://schemas.openxmlformats.org/officeDocument/2006/relationships" r:id="rId2"/>
-          </a:graphicData>
-        </a:graphic>
-      </p:graphicFrame>
-    </p:spTree>
-    <p:extLst>
-      <p:ext uri="{BB962C8B-B14F-4D97-AF65-F5344CB8AC3E}">
-        <p14:creationId xmlns:p14="http://schemas.microsoft.com/office/powerpoint/2010/main" val="1878760457"/>
-      </p:ext>
-    </p:extLst>
-  </p:cSld>
-  <p:clrMapOvr>
-    <a:masterClrMapping/>
-  </p:clrMapOvr>
+  <p:timing>
+    <p:tnLst>
+      <p:par>
+        <p:cTn id="1" dur="indefinite" restart="never" nodeType="tmRoot"/>
+      </p:par>
+    </p:tnLst>
+  </p:timing>
 </p:sld>
 </file>
 

--- a/Lab Meeting 5_25_17.pptx
+++ b/Lab Meeting 5_25_17.pptx
@@ -205,7 +205,7 @@
                   <c:v>131332.6229166667</c:v>
                 </c:pt>
                 <c:pt idx="6">
-                  <c:v>65666.31145833335</c:v>
+                  <c:v>65666.31145833336</c:v>
                 </c:pt>
                 <c:pt idx="7">
                   <c:v>32833.15572916667</c:v>
@@ -298,11 +298,11 @@
           <c:showPercent val="0"/>
           <c:showBubbleSize val="0"/>
         </c:dLbls>
-        <c:axId val="-987125424"/>
-        <c:axId val="-953065744"/>
+        <c:axId val="-937892144"/>
+        <c:axId val="-937888752"/>
       </c:scatterChart>
       <c:valAx>
-        <c:axId val="-987125424"/>
+        <c:axId val="-937892144"/>
         <c:scaling>
           <c:logBase val="10.0"/>
           <c:orientation val="minMax"/>
@@ -410,12 +410,12 @@
             <a:endParaRPr lang="en-US"/>
           </a:p>
         </c:txPr>
-        <c:crossAx val="-953065744"/>
+        <c:crossAx val="-937888752"/>
         <c:crosses val="autoZero"/>
         <c:crossBetween val="midCat"/>
       </c:valAx>
       <c:valAx>
-        <c:axId val="-953065744"/>
+        <c:axId val="-937888752"/>
         <c:scaling>
           <c:orientation val="minMax"/>
         </c:scaling>
@@ -522,7 +522,7 @@
             <a:endParaRPr lang="en-US"/>
           </a:p>
         </c:txPr>
-        <c:crossAx val="-987125424"/>
+        <c:crossAx val="-937892144"/>
         <c:crosses val="autoZero"/>
         <c:crossBetween val="midCat"/>
       </c:valAx>
@@ -924,11 +924,11 @@
         </c:dLbls>
         <c:gapWidth val="219"/>
         <c:overlap val="-27"/>
-        <c:axId val="-1082256976"/>
-        <c:axId val="-1082252944"/>
+        <c:axId val="-1082305216"/>
+        <c:axId val="-1082805232"/>
       </c:barChart>
       <c:catAx>
-        <c:axId val="-1082256976"/>
+        <c:axId val="-1082305216"/>
         <c:scaling>
           <c:orientation val="minMax"/>
         </c:scaling>
@@ -1027,7 +1027,7 @@
             <a:endParaRPr lang="en-US"/>
           </a:p>
         </c:txPr>
-        <c:crossAx val="-1082252944"/>
+        <c:crossAx val="-1082805232"/>
         <c:crosses val="autoZero"/>
         <c:auto val="1"/>
         <c:lblAlgn val="ctr"/>
@@ -1035,7 +1035,7 @@
         <c:noMultiLvlLbl val="0"/>
       </c:catAx>
       <c:valAx>
-        <c:axId val="-1082252944"/>
+        <c:axId val="-1082805232"/>
         <c:scaling>
           <c:orientation val="minMax"/>
           <c:max val="150.0"/>
@@ -1138,7 +1138,7 @@
             <a:endParaRPr lang="en-US"/>
           </a:p>
         </c:txPr>
-        <c:crossAx val="-1082256976"/>
+        <c:crossAx val="-1082305216"/>
         <c:crosses val="autoZero"/>
         <c:crossBetween val="between"/>
       </c:valAx>
@@ -1597,7 +1597,7 @@
                   <c:v>1.987462</c:v>
                 </c:pt>
                 <c:pt idx="47">
-                  <c:v>2.312298999999999</c:v>
+                  <c:v>2.312298999999998</c:v>
                 </c:pt>
                 <c:pt idx="48">
                   <c:v>2.554004</c:v>
@@ -1619,11 +1619,11 @@
         </c:dLbls>
         <c:gapWidth val="219"/>
         <c:overlap val="-27"/>
-        <c:axId val="-1085387504"/>
-        <c:axId val="-1085383472"/>
+        <c:axId val="-1085835456"/>
+        <c:axId val="-938003184"/>
       </c:barChart>
       <c:catAx>
-        <c:axId val="-1085387504"/>
+        <c:axId val="-1085835456"/>
         <c:scaling>
           <c:orientation val="minMax"/>
         </c:scaling>
@@ -1722,7 +1722,7 @@
             <a:endParaRPr lang="en-US"/>
           </a:p>
         </c:txPr>
-        <c:crossAx val="-1085383472"/>
+        <c:crossAx val="-938003184"/>
         <c:crosses val="autoZero"/>
         <c:auto val="1"/>
         <c:lblAlgn val="ctr"/>
@@ -1730,7 +1730,7 @@
         <c:noMultiLvlLbl val="0"/>
       </c:catAx>
       <c:valAx>
-        <c:axId val="-1085383472"/>
+        <c:axId val="-938003184"/>
         <c:scaling>
           <c:orientation val="minMax"/>
         </c:scaling>
@@ -1831,7 +1831,7 @@
             <a:endParaRPr lang="en-US"/>
           </a:p>
         </c:txPr>
-        <c:crossAx val="-1085387504"/>
+        <c:crossAx val="-1085835456"/>
         <c:crosses val="autoZero"/>
         <c:crossBetween val="between"/>
       </c:valAx>
@@ -2146,13 +2146,13 @@
                   <c:v>9278.571242613632</c:v>
                 </c:pt>
                 <c:pt idx="2">
-                  <c:v>5867.316224858238</c:v>
+                  <c:v>5867.31622485824</c:v>
                 </c:pt>
                 <c:pt idx="3">
                   <c:v>8030.383015548729</c:v>
                 </c:pt>
                 <c:pt idx="4">
-                  <c:v>8096.28984293092</c:v>
+                  <c:v>8096.289842930919</c:v>
                 </c:pt>
                 <c:pt idx="5">
                   <c:v>4798.896853514524</c:v>
@@ -2215,7 +2215,7 @@
                   <c:v>11980.62000238286</c:v>
                 </c:pt>
                 <c:pt idx="25">
-                  <c:v>8733.70538164569</c:v>
+                  <c:v>8733.705381645688</c:v>
                 </c:pt>
                 <c:pt idx="26">
                   <c:v>10870.0854580083</c:v>
@@ -2257,7 +2257,7 @@
                   <c:v>14606.51611118474</c:v>
                 </c:pt>
                 <c:pt idx="39">
-                  <c:v>8119.151622095067</c:v>
+                  <c:v>8119.151622095068</c:v>
                 </c:pt>
                 <c:pt idx="40">
                   <c:v>13644.02056570355</c:v>
@@ -2303,11 +2303,11 @@
         </c:dLbls>
         <c:gapWidth val="219"/>
         <c:overlap val="-27"/>
-        <c:axId val="-950009024"/>
-        <c:axId val="-950005264"/>
+        <c:axId val="-952057936"/>
+        <c:axId val="-1082361296"/>
       </c:barChart>
       <c:catAx>
-        <c:axId val="-950009024"/>
+        <c:axId val="-952057936"/>
         <c:scaling>
           <c:orientation val="minMax"/>
         </c:scaling>
@@ -2406,7 +2406,7 @@
             <a:endParaRPr lang="en-US"/>
           </a:p>
         </c:txPr>
-        <c:crossAx val="-950005264"/>
+        <c:crossAx val="-1082361296"/>
         <c:crosses val="autoZero"/>
         <c:auto val="1"/>
         <c:lblAlgn val="ctr"/>
@@ -2414,7 +2414,7 @@
         <c:noMultiLvlLbl val="0"/>
       </c:catAx>
       <c:valAx>
-        <c:axId val="-950005264"/>
+        <c:axId val="-1082361296"/>
         <c:scaling>
           <c:orientation val="minMax"/>
         </c:scaling>
@@ -2515,7 +2515,7 @@
             <a:endParaRPr lang="en-US"/>
           </a:p>
         </c:txPr>
-        <c:crossAx val="-950009024"/>
+        <c:crossAx val="-952057936"/>
         <c:crosses val="autoZero"/>
         <c:crossBetween val="between"/>
       </c:valAx>
@@ -2835,7 +2835,7 @@
                   <c:v>24.19788084768496</c:v>
                 </c:pt>
                 <c:pt idx="4">
-                  <c:v>23.41869663912455</c:v>
+                  <c:v>23.41869663912454</c:v>
                 </c:pt>
                 <c:pt idx="5">
                   <c:v>13.44579323903876</c:v>
@@ -2862,16 +2862,16 @@
                   <c:v>34.23854512975448</c:v>
                 </c:pt>
                 <c:pt idx="13">
-                  <c:v>36.35738625398321</c:v>
+                  <c:v>36.35738625398319</c:v>
                 </c:pt>
                 <c:pt idx="14">
-                  <c:v>24.24218180516433</c:v>
+                  <c:v>24.24218180516432</c:v>
                 </c:pt>
                 <c:pt idx="15">
                   <c:v>30.88702634398927</c:v>
                 </c:pt>
                 <c:pt idx="16">
-                  <c:v>9.506065115639295</c:v>
+                  <c:v>9.506065115639296</c:v>
                 </c:pt>
                 <c:pt idx="17">
                   <c:v>31.59203717418092</c:v>
@@ -2952,7 +2952,7 @@
                   <c:v>39.7814178403306</c:v>
                 </c:pt>
                 <c:pt idx="43">
-                  <c:v>24.87203978114324</c:v>
+                  <c:v>24.87203978114323</c:v>
                 </c:pt>
                 <c:pt idx="44">
                   <c:v>26.22405042158617</c:v>
@@ -2964,10 +2964,10 @@
                   <c:v>23.8801565859167</c:v>
                 </c:pt>
                 <c:pt idx="47">
-                  <c:v>18.44405650616583</c:v>
+                  <c:v>18.44405650616582</c:v>
                 </c:pt>
                 <c:pt idx="48">
-                  <c:v>23.56433058216927</c:v>
+                  <c:v>23.56433058216926</c:v>
                 </c:pt>
                 <c:pt idx="49">
                   <c:v>6.28555829834931</c:v>
@@ -2986,11 +2986,11 @@
         </c:dLbls>
         <c:gapWidth val="219"/>
         <c:overlap val="-27"/>
-        <c:axId val="-952934496"/>
-        <c:axId val="-952930464"/>
+        <c:axId val="-937151088"/>
+        <c:axId val="-937142208"/>
       </c:barChart>
       <c:catAx>
-        <c:axId val="-952934496"/>
+        <c:axId val="-937151088"/>
         <c:scaling>
           <c:orientation val="minMax"/>
         </c:scaling>
@@ -3089,7 +3089,7 @@
             <a:endParaRPr lang="en-US"/>
           </a:p>
         </c:txPr>
-        <c:crossAx val="-952930464"/>
+        <c:crossAx val="-937142208"/>
         <c:crosses val="autoZero"/>
         <c:auto val="1"/>
         <c:lblAlgn val="ctr"/>
@@ -3097,7 +3097,7 @@
         <c:noMultiLvlLbl val="0"/>
       </c:catAx>
       <c:valAx>
-        <c:axId val="-952930464"/>
+        <c:axId val="-937142208"/>
         <c:scaling>
           <c:orientation val="minMax"/>
         </c:scaling>
@@ -3198,7 +3198,7 @@
             <a:endParaRPr lang="en-US"/>
           </a:p>
         </c:txPr>
-        <c:crossAx val="-952934496"/>
+        <c:crossAx val="-937151088"/>
         <c:crosses val="autoZero"/>
         <c:crossBetween val="between"/>
       </c:valAx>
@@ -3868,11 +3868,11 @@
         </c:dLbls>
         <c:gapWidth val="150"/>
         <c:overlap val="100"/>
-        <c:axId val="-934050048"/>
-        <c:axId val="-932497424"/>
+        <c:axId val="-986870928"/>
+        <c:axId val="-986862896"/>
       </c:barChart>
       <c:catAx>
-        <c:axId val="-934050048"/>
+        <c:axId val="-986870928"/>
         <c:scaling>
           <c:orientation val="minMax"/>
         </c:scaling>
@@ -3973,7 +3973,7 @@
             <a:endParaRPr lang="en-US"/>
           </a:p>
         </c:txPr>
-        <c:crossAx val="-932497424"/>
+        <c:crossAx val="-986862896"/>
         <c:crosses val="autoZero"/>
         <c:auto val="1"/>
         <c:lblAlgn val="ctr"/>
@@ -3981,7 +3981,7 @@
         <c:noMultiLvlLbl val="0"/>
       </c:catAx>
       <c:valAx>
-        <c:axId val="-932497424"/>
+        <c:axId val="-986862896"/>
         <c:scaling>
           <c:orientation val="minMax"/>
         </c:scaling>
@@ -4083,7 +4083,7 @@
             <a:endParaRPr lang="en-US"/>
           </a:p>
         </c:txPr>
-        <c:crossAx val="-934050048"/>
+        <c:crossAx val="-986870928"/>
         <c:crosses val="autoZero"/>
         <c:crossBetween val="between"/>
       </c:valAx>
@@ -4467,25 +4467,25 @@
                   <c:v>3.975694036851656</c:v>
                 </c:pt>
                 <c:pt idx="4">
-                  <c:v>4.812777714368902</c:v>
+                  <c:v>4.812777714368901</c:v>
                 </c:pt>
                 <c:pt idx="5">
                   <c:v>5.630809378819538</c:v>
                 </c:pt>
                 <c:pt idx="6">
-                  <c:v>6.477851181393653</c:v>
+                  <c:v>6.477851181393654</c:v>
                 </c:pt>
                 <c:pt idx="7">
-                  <c:v>7.310571812069241</c:v>
+                  <c:v>7.31057181206924</c:v>
                 </c:pt>
                 <c:pt idx="8">
-                  <c:v>8.094331798825484</c:v>
+                  <c:v>8.094331798825483</c:v>
                 </c:pt>
                 <c:pt idx="9">
                   <c:v>8.877655981063893</c:v>
                 </c:pt>
                 <c:pt idx="10">
-                  <c:v>9.600123890458974</c:v>
+                  <c:v>9.600123890458972</c:v>
                 </c:pt>
                 <c:pt idx="11">
                   <c:v>10.33181333310083</c:v>
@@ -4518,7 +4518,7 @@
                   <c:v>16.3804588426376</c:v>
                 </c:pt>
                 <c:pt idx="21">
-                  <c:v>17.18907220346324</c:v>
+                  <c:v>17.18907220346323</c:v>
                 </c:pt>
                 <c:pt idx="22">
                   <c:v>17.91908058899874</c:v>
@@ -4533,10 +4533,10 @@
                   <c:v>20.14353201566894</c:v>
                 </c:pt>
                 <c:pt idx="26">
-                  <c:v>20.92974527668899</c:v>
+                  <c:v>20.92974527668898</c:v>
                 </c:pt>
                 <c:pt idx="27">
-                  <c:v>21.44294291997554</c:v>
+                  <c:v>21.44294291997553</c:v>
                 </c:pt>
                 <c:pt idx="28">
                   <c:v>21.96996504073389</c:v>
@@ -4563,10 +4563,10 @@
                   <c:v>25.16454010464465</c:v>
                 </c:pt>
                 <c:pt idx="36">
-                  <c:v>50.17635289040877</c:v>
+                  <c:v>50.17635289040878</c:v>
                 </c:pt>
                 <c:pt idx="37">
-                  <c:v>73.80895931035484</c:v>
+                  <c:v>73.80895931035482</c:v>
                 </c:pt>
                 <c:pt idx="38">
                   <c:v>97.7774047008045</c:v>
@@ -4593,7 +4593,7 @@
                   <c:v>247.8038646005559</c:v>
                 </c:pt>
                 <c:pt idx="46">
-                  <c:v>266.54616974263</c:v>
+                  <c:v>266.5461697426299</c:v>
                 </c:pt>
                 <c:pt idx="47">
                   <c:v>288.9039213736116</c:v>
@@ -4908,7 +4908,7 @@
                   <c:v>6.378894674632424</c:v>
                 </c:pt>
                 <c:pt idx="7">
-                  <c:v>7.162525811725473</c:v>
+                  <c:v>7.16252581172547</c:v>
                 </c:pt>
                 <c:pt idx="8">
                   <c:v>7.958394950412978</c:v>
@@ -4947,7 +4947,7 @@
                   <c:v>15.49459796180133</c:v>
                 </c:pt>
                 <c:pt idx="20">
-                  <c:v>16.26541428942822</c:v>
+                  <c:v>16.26541428942821</c:v>
                 </c:pt>
                 <c:pt idx="21">
                   <c:v>17.03827563188969</c:v>
@@ -4980,7 +4980,7 @@
                   <c:v>23.34446787261166</c:v>
                 </c:pt>
                 <c:pt idx="31">
-                  <c:v>23.99256346213333</c:v>
+                  <c:v>23.99256346213332</c:v>
                 </c:pt>
                 <c:pt idx="32">
                   <c:v>24.00221474812025</c:v>
@@ -5025,7 +5025,7 @@
                   <c:v>274.4960031777379</c:v>
                 </c:pt>
                 <c:pt idx="46">
-                  <c:v>298.5766378621991</c:v>
+                  <c:v>298.576637862199</c:v>
                 </c:pt>
                 <c:pt idx="47">
                   <c:v>322.7684256878879</c:v>
@@ -5317,13 +5317,13 @@
                   <c:v>3.819081983984732</c:v>
                 </c:pt>
                 <c:pt idx="5">
-                  <c:v>5.471130189920876</c:v>
+                  <c:v>5.471130189920877</c:v>
                 </c:pt>
                 <c:pt idx="6">
                   <c:v>6.28873279135187</c:v>
                 </c:pt>
                 <c:pt idx="7">
-                  <c:v>7.05655022925881</c:v>
+                  <c:v>7.056550229258809</c:v>
                 </c:pt>
                 <c:pt idx="8">
                   <c:v>7.799613921190096</c:v>
@@ -5410,7 +5410,7 @@
                   <c:v>26.43756719208052</c:v>
                 </c:pt>
                 <c:pt idx="36">
-                  <c:v>49.7847505993631</c:v>
+                  <c:v>49.78475059936309</c:v>
                 </c:pt>
                 <c:pt idx="37">
                   <c:v>77.9294277614337</c:v>
@@ -5440,13 +5440,13 @@
                   <c:v>278.922790481465</c:v>
                 </c:pt>
                 <c:pt idx="46">
-                  <c:v>303.7782662066713</c:v>
+                  <c:v>303.7782662066712</c:v>
                 </c:pt>
                 <c:pt idx="47">
                   <c:v>328.6797765025556</c:v>
                 </c:pt>
                 <c:pt idx="48">
-                  <c:v>353.2466585520223</c:v>
+                  <c:v>353.2466585520222</c:v>
                 </c:pt>
                 <c:pt idx="49">
                   <c:v>377.2594189069492</c:v>
@@ -5464,11 +5464,11 @@
           <c:showPercent val="0"/>
           <c:showBubbleSize val="0"/>
         </c:dLbls>
-        <c:axId val="-951692768"/>
-        <c:axId val="-951688864"/>
+        <c:axId val="-951424256"/>
+        <c:axId val="-951412352"/>
       </c:scatterChart>
       <c:valAx>
-        <c:axId val="-951692768"/>
+        <c:axId val="-951424256"/>
         <c:scaling>
           <c:orientation val="minMax"/>
           <c:max val="540.0"/>
@@ -5577,12 +5577,12 @@
             <a:endParaRPr lang="en-US"/>
           </a:p>
         </c:txPr>
-        <c:crossAx val="-951688864"/>
+        <c:crossAx val="-951412352"/>
         <c:crosses val="autoZero"/>
         <c:crossBetween val="midCat"/>
       </c:valAx>
       <c:valAx>
-        <c:axId val="-951688864"/>
+        <c:axId val="-951412352"/>
         <c:scaling>
           <c:orientation val="minMax"/>
         </c:scaling>
@@ -5689,7 +5689,7 @@
             <a:endParaRPr lang="en-US"/>
           </a:p>
         </c:txPr>
-        <c:crossAx val="-951692768"/>
+        <c:crossAx val="-951424256"/>
         <c:crosses val="autoZero"/>
         <c:crossBetween val="midCat"/>
       </c:valAx>
@@ -6075,13 +6075,13 @@
                   <c:v>3.819081983984732</c:v>
                 </c:pt>
                 <c:pt idx="5">
-                  <c:v>5.471130189920878</c:v>
+                  <c:v>5.47113018992088</c:v>
                 </c:pt>
                 <c:pt idx="6">
                   <c:v>6.28873279135187</c:v>
                 </c:pt>
                 <c:pt idx="7">
-                  <c:v>7.056550229258808</c:v>
+                  <c:v>7.056550229258807</c:v>
                 </c:pt>
                 <c:pt idx="8">
                   <c:v>7.799613921190096</c:v>
@@ -6222,11 +6222,11 @@
           <c:showPercent val="0"/>
           <c:showBubbleSize val="0"/>
         </c:dLbls>
-        <c:axId val="-948336336"/>
-        <c:axId val="-950964032"/>
+        <c:axId val="-1321980992"/>
+        <c:axId val="-1321977600"/>
       </c:scatterChart>
       <c:valAx>
-        <c:axId val="-948336336"/>
+        <c:axId val="-1321980992"/>
         <c:scaling>
           <c:orientation val="minMax"/>
           <c:max val="540.0"/>
@@ -6299,6 +6299,7 @@
             </a:p>
           </c:txPr>
         </c:title>
+        <c:numFmt formatCode="General" sourceLinked="0"/>
         <c:majorTickMark val="none"/>
         <c:minorTickMark val="none"/>
         <c:tickLblPos val="nextTo"/>
@@ -6335,12 +6336,12 @@
             <a:endParaRPr lang="en-US"/>
           </a:p>
         </c:txPr>
-        <c:crossAx val="-950964032"/>
+        <c:crossAx val="-1321977600"/>
         <c:crosses val="autoZero"/>
         <c:crossBetween val="midCat"/>
       </c:valAx>
       <c:valAx>
-        <c:axId val="-950964032"/>
+        <c:axId val="-1321977600"/>
         <c:scaling>
           <c:orientation val="minMax"/>
         </c:scaling>
@@ -6447,7 +6448,7 @@
             <a:endParaRPr lang="en-US"/>
           </a:p>
         </c:txPr>
-        <c:crossAx val="-948336336"/>
+        <c:crossAx val="-1321980992"/>
         <c:crosses val="autoZero"/>
         <c:crossBetween val="midCat"/>
       </c:valAx>
@@ -6904,11 +6905,11 @@
           <c:showPercent val="0"/>
           <c:showBubbleSize val="0"/>
         </c:dLbls>
-        <c:axId val="-949974448"/>
-        <c:axId val="-949970416"/>
+        <c:axId val="-951841120"/>
+        <c:axId val="-888804496"/>
       </c:scatterChart>
       <c:valAx>
-        <c:axId val="-949974448"/>
+        <c:axId val="-951841120"/>
         <c:scaling>
           <c:orientation val="minMax"/>
           <c:max val="540.0"/>
@@ -7023,12 +7024,12 @@
             <a:endParaRPr lang="en-US"/>
           </a:p>
         </c:txPr>
-        <c:crossAx val="-949970416"/>
+        <c:crossAx val="-888804496"/>
         <c:crosses val="autoZero"/>
         <c:crossBetween val="midCat"/>
       </c:valAx>
       <c:valAx>
-        <c:axId val="-949970416"/>
+        <c:axId val="-888804496"/>
         <c:scaling>
           <c:orientation val="minMax"/>
           <c:max val="2.0"/>
@@ -7136,7 +7137,7 @@
             <a:endParaRPr lang="en-US"/>
           </a:p>
         </c:txPr>
-        <c:crossAx val="-949974448"/>
+        <c:crossAx val="-951841120"/>
         <c:crosses val="autoZero"/>
         <c:crossBetween val="midCat"/>
       </c:valAx>
@@ -12189,12 +12190,12 @@
 <c:userShapes xmlns:c="http://schemas.openxmlformats.org/drawingml/2006/chart">
   <cdr:relSizeAnchor xmlns:cdr="http://schemas.openxmlformats.org/drawingml/2006/chartDrawing">
     <cdr:from>
-      <cdr:x>0.07354</cdr:x>
-      <cdr:y>0.92364</cdr:y>
+      <cdr:x>0.12224</cdr:x>
+      <cdr:y>0.83488</cdr:y>
     </cdr:from>
     <cdr:to>
-      <cdr:x>0.14854</cdr:x>
-      <cdr:y>0.97025</cdr:y>
+      <cdr:x>0.19724</cdr:x>
+      <cdr:y>0.88149</cdr:y>
     </cdr:to>
     <cdr:sp macro="" textlink="">
       <cdr:nvSpPr>
@@ -12203,8 +12204,8 @@
       </cdr:nvSpPr>
       <cdr:spPr>
         <a:xfrm xmlns:a="http://schemas.openxmlformats.org/drawingml/2006/main">
-          <a:off x="896587" y="5530241"/>
-          <a:ext cx="914400" cy="279070"/>
+          <a:off x="1490366" y="4998818"/>
+          <a:ext cx="914400" cy="279074"/>
         </a:xfrm>
         <a:prstGeom xmlns:a="http://schemas.openxmlformats.org/drawingml/2006/main" prst="rect">
           <a:avLst/>
@@ -12233,12 +12234,12 @@
   </cdr:relSizeAnchor>
   <cdr:relSizeAnchor xmlns:cdr="http://schemas.openxmlformats.org/drawingml/2006/chartDrawing">
     <cdr:from>
-      <cdr:x>0.9212</cdr:x>
-      <cdr:y>0.76937</cdr:y>
+      <cdr:x>0.89968</cdr:x>
+      <cdr:y>0.29039</cdr:y>
     </cdr:from>
     <cdr:to>
-      <cdr:x>0.9962</cdr:x>
-      <cdr:y>0.81598</cdr:y>
+      <cdr:x>0.97468</cdr:x>
+      <cdr:y>0.337</cdr:y>
     </cdr:to>
     <cdr:sp macro="" textlink="">
       <cdr:nvSpPr>
@@ -12247,8 +12248,8 @@
       </cdr:nvSpPr>
       <cdr:spPr>
         <a:xfrm xmlns:a="http://schemas.openxmlformats.org/drawingml/2006/main">
-          <a:off x="11231216" y="4606568"/>
-          <a:ext cx="914400" cy="279070"/>
+          <a:off x="10968841" y="1738677"/>
+          <a:ext cx="914400" cy="279075"/>
         </a:xfrm>
         <a:prstGeom xmlns:a="http://schemas.openxmlformats.org/drawingml/2006/main" prst="rect">
           <a:avLst/>
@@ -12434,7 +12435,7 @@
           <a:p>
             <a:fld id="{E5E12688-8E35-CA4B-B576-BA5244C40734}" type="datetimeFigureOut">
               <a:rPr lang="en-US" smtClean="0"/>
-              <a:t>5/23/17</a:t>
+              <a:t>5/24/17</a:t>
             </a:fld>
             <a:endParaRPr lang="en-US"/>
           </a:p>
@@ -13001,7 +13002,7 @@
           <a:p>
             <a:fld id="{3E16F4F7-D7BF-9146-8E12-4D8712091BAE}" type="datetimeFigureOut">
               <a:rPr lang="en-US" smtClean="0"/>
-              <a:t>5/23/17</a:t>
+              <a:t>5/24/17</a:t>
             </a:fld>
             <a:endParaRPr lang="en-US"/>
           </a:p>
@@ -13171,7 +13172,7 @@
           <a:p>
             <a:fld id="{3E16F4F7-D7BF-9146-8E12-4D8712091BAE}" type="datetimeFigureOut">
               <a:rPr lang="en-US" smtClean="0"/>
-              <a:t>5/23/17</a:t>
+              <a:t>5/24/17</a:t>
             </a:fld>
             <a:endParaRPr lang="en-US"/>
           </a:p>
@@ -13351,7 +13352,7 @@
           <a:p>
             <a:fld id="{3E16F4F7-D7BF-9146-8E12-4D8712091BAE}" type="datetimeFigureOut">
               <a:rPr lang="en-US" smtClean="0"/>
-              <a:t>5/23/17</a:t>
+              <a:t>5/24/17</a:t>
             </a:fld>
             <a:endParaRPr lang="en-US"/>
           </a:p>
@@ -13521,7 +13522,7 @@
           <a:p>
             <a:fld id="{3E16F4F7-D7BF-9146-8E12-4D8712091BAE}" type="datetimeFigureOut">
               <a:rPr lang="en-US" smtClean="0"/>
-              <a:t>5/23/17</a:t>
+              <a:t>5/24/17</a:t>
             </a:fld>
             <a:endParaRPr lang="en-US"/>
           </a:p>
@@ -13767,7 +13768,7 @@
           <a:p>
             <a:fld id="{3E16F4F7-D7BF-9146-8E12-4D8712091BAE}" type="datetimeFigureOut">
               <a:rPr lang="en-US" smtClean="0"/>
-              <a:t>5/23/17</a:t>
+              <a:t>5/24/17</a:t>
             </a:fld>
             <a:endParaRPr lang="en-US"/>
           </a:p>
@@ -13999,7 +14000,7 @@
           <a:p>
             <a:fld id="{3E16F4F7-D7BF-9146-8E12-4D8712091BAE}" type="datetimeFigureOut">
               <a:rPr lang="en-US" smtClean="0"/>
-              <a:t>5/23/17</a:t>
+              <a:t>5/24/17</a:t>
             </a:fld>
             <a:endParaRPr lang="en-US"/>
           </a:p>
@@ -14366,7 +14367,7 @@
           <a:p>
             <a:fld id="{3E16F4F7-D7BF-9146-8E12-4D8712091BAE}" type="datetimeFigureOut">
               <a:rPr lang="en-US" smtClean="0"/>
-              <a:t>5/23/17</a:t>
+              <a:t>5/24/17</a:t>
             </a:fld>
             <a:endParaRPr lang="en-US"/>
           </a:p>
@@ -14484,7 +14485,7 @@
           <a:p>
             <a:fld id="{3E16F4F7-D7BF-9146-8E12-4D8712091BAE}" type="datetimeFigureOut">
               <a:rPr lang="en-US" smtClean="0"/>
-              <a:t>5/23/17</a:t>
+              <a:t>5/24/17</a:t>
             </a:fld>
             <a:endParaRPr lang="en-US"/>
           </a:p>
@@ -14579,7 +14580,7 @@
           <a:p>
             <a:fld id="{3E16F4F7-D7BF-9146-8E12-4D8712091BAE}" type="datetimeFigureOut">
               <a:rPr lang="en-US" smtClean="0"/>
-              <a:t>5/23/17</a:t>
+              <a:t>5/24/17</a:t>
             </a:fld>
             <a:endParaRPr lang="en-US"/>
           </a:p>
@@ -14856,7 +14857,7 @@
           <a:p>
             <a:fld id="{3E16F4F7-D7BF-9146-8E12-4D8712091BAE}" type="datetimeFigureOut">
               <a:rPr lang="en-US" smtClean="0"/>
-              <a:t>5/23/17</a:t>
+              <a:t>5/24/17</a:t>
             </a:fld>
             <a:endParaRPr lang="en-US"/>
           </a:p>
@@ -15113,7 +15114,7 @@
           <a:p>
             <a:fld id="{3E16F4F7-D7BF-9146-8E12-4D8712091BAE}" type="datetimeFigureOut">
               <a:rPr lang="en-US" smtClean="0"/>
-              <a:t>5/23/17</a:t>
+              <a:t>5/24/17</a:t>
             </a:fld>
             <a:endParaRPr lang="en-US"/>
           </a:p>
@@ -15326,7 +15327,7 @@
           <a:p>
             <a:fld id="{3E16F4F7-D7BF-9146-8E12-4D8712091BAE}" type="datetimeFigureOut">
               <a:rPr lang="en-US" smtClean="0"/>
-              <a:t>5/23/17</a:t>
+              <a:t>5/24/17</a:t>
             </a:fld>
             <a:endParaRPr lang="en-US"/>
           </a:p>
@@ -20700,13 +20701,9 @@
           <a:p>
             <a:r>
               <a:rPr lang="en-US" dirty="0" smtClean="0"/>
-              <a:t>Mean </a:t>
+              <a:t>Mean Model Length = 330</a:t>
             </a:r>
-            <a:r>
-              <a:rPr lang="en-US" smtClean="0"/>
-              <a:t>Model Length = 330</a:t>
-            </a:r>
-            <a:endParaRPr lang="en-US"/>
+            <a:endParaRPr lang="en-US" dirty="0"/>
           </a:p>
         </p:txBody>
       </p:sp>
@@ -20905,6 +20902,33 @@
                                   </p:childTnLst>
                                 </p:cTn>
                               </p:par>
+                              <p:par>
+                                <p:cTn id="15" presetID="1" presetClass="entr" presetSubtype="0" fill="hold" grpId="0" nodeType="withEffect">
+                                  <p:stCondLst>
+                                    <p:cond delay="0"/>
+                                  </p:stCondLst>
+                                  <p:childTnLst>
+                                    <p:set>
+                                      <p:cBhvr>
+                                        <p:cTn id="16" dur="1" fill="hold">
+                                          <p:stCondLst>
+                                            <p:cond delay="0"/>
+                                          </p:stCondLst>
+                                        </p:cTn>
+                                        <p:tgtEl>
+                                          <p:spTgt spid="22"/>
+                                        </p:tgtEl>
+                                        <p:attrNameLst>
+                                          <p:attrName>style.visibility</p:attrName>
+                                        </p:attrNameLst>
+                                      </p:cBhvr>
+                                      <p:to>
+                                        <p:strVal val="visible"/>
+                                      </p:to>
+                                    </p:set>
+                                  </p:childTnLst>
+                                </p:cTn>
+                              </p:par>
                             </p:childTnLst>
                           </p:cTn>
                         </p:par>
@@ -20938,6 +20962,7 @@
       <p:bldP spid="18" grpId="0"/>
       <p:bldP spid="19" grpId="0"/>
       <p:bldP spid="20" grpId="0"/>
+      <p:bldP spid="22" grpId="0"/>
     </p:bldLst>
   </p:timing>
 </p:sld>
@@ -21169,7 +21194,7 @@
         <p:spPr>
           <a:xfrm>
             <a:off x="1508166" y="1032555"/>
-            <a:ext cx="652743" cy="369332"/>
+            <a:ext cx="710451" cy="369332"/>
           </a:xfrm>
           <a:prstGeom prst="rect">
             <a:avLst/>
@@ -21183,10 +21208,10 @@
           <a:lstStyle/>
           <a:p>
             <a:r>
-              <a:rPr lang="en-US" smtClean="0"/>
-              <a:t>5141</a:t>
+              <a:rPr lang="en-US" dirty="0" smtClean="0"/>
+              <a:t>5,141</a:t>
             </a:r>
-            <a:endParaRPr lang="en-US"/>
+            <a:endParaRPr lang="en-US" dirty="0"/>
           </a:p>
         </p:txBody>
       </p:sp>
@@ -21275,6 +21300,66 @@
             <a:r>
               <a:rPr lang="en-US" smtClean="0"/>
               <a:t>106,607</a:t>
+            </a:r>
+            <a:endParaRPr lang="en-US"/>
+          </a:p>
+        </p:txBody>
+      </p:sp>
+      <p:sp>
+        <p:nvSpPr>
+          <p:cNvPr id="3" name="TextBox 2"/>
+          <p:cNvSpPr txBox="1"/>
+          <p:nvPr/>
+        </p:nvSpPr>
+        <p:spPr>
+          <a:xfrm>
+            <a:off x="5567760" y="1027216"/>
+            <a:ext cx="710451" cy="369332"/>
+          </a:xfrm>
+          <a:prstGeom prst="rect">
+            <a:avLst/>
+          </a:prstGeom>
+          <a:noFill/>
+        </p:spPr>
+        <p:txBody>
+          <a:bodyPr wrap="none" rtlCol="0">
+            <a:spAutoFit/>
+          </a:bodyPr>
+          <a:lstStyle/>
+          <a:p>
+            <a:r>
+              <a:rPr lang="en-US" smtClean="0"/>
+              <a:t>6,681</a:t>
+            </a:r>
+            <a:endParaRPr lang="en-US"/>
+          </a:p>
+        </p:txBody>
+      </p:sp>
+      <p:sp>
+        <p:nvSpPr>
+          <p:cNvPr id="4" name="TextBox 3"/>
+          <p:cNvSpPr txBox="1"/>
+          <p:nvPr/>
+        </p:nvSpPr>
+        <p:spPr>
+          <a:xfrm>
+            <a:off x="10881555" y="1037894"/>
+            <a:ext cx="944489" cy="369332"/>
+          </a:xfrm>
+          <a:prstGeom prst="rect">
+            <a:avLst/>
+          </a:prstGeom>
+          <a:noFill/>
+        </p:spPr>
+        <p:txBody>
+          <a:bodyPr wrap="none" rtlCol="0">
+            <a:spAutoFit/>
+          </a:bodyPr>
+          <a:lstStyle/>
+          <a:p>
+            <a:r>
+              <a:rPr lang="en-US" smtClean="0"/>
+              <a:t>821,893</a:t>
             </a:r>
             <a:endParaRPr lang="en-US"/>
           </a:p>
@@ -21443,7 +21528,7 @@
           <p:nvPr>
             <p:extLst>
               <p:ext uri="{D42A27DB-BD31-4B8C-83A1-F6EECF244321}">
-                <p14:modId xmlns:p14="http://schemas.microsoft.com/office/powerpoint/2010/main" val="2045677395"/>
+                <p14:modId xmlns:p14="http://schemas.microsoft.com/office/powerpoint/2010/main" val="269651837"/>
               </p:ext>
             </p:extLst>
           </p:nvPr>
@@ -21503,7 +21588,7 @@
         </p:nvCxnSpPr>
         <p:spPr>
           <a:xfrm flipH="1">
-            <a:off x="1396340" y="6008914"/>
+            <a:off x="1493322" y="2891641"/>
             <a:ext cx="10526486" cy="0"/>
           </a:xfrm>
           <a:prstGeom prst="straightConnector1">
@@ -21570,7 +21655,7 @@
         </p:nvSpPr>
         <p:spPr>
           <a:xfrm>
-            <a:off x="6276731" y="5296395"/>
+            <a:off x="5267328" y="2239904"/>
             <a:ext cx="1537600" cy="369332"/>
           </a:xfrm>
           <a:prstGeom prst="rect">
@@ -21592,42 +21677,6 @@
           </a:p>
         </p:txBody>
       </p:sp>
-      <p:cxnSp>
-        <p:nvCxnSpPr>
-          <p:cNvPr id="13" name="Straight Connector 12"/>
-          <p:cNvCxnSpPr/>
-          <p:nvPr/>
-        </p:nvCxnSpPr>
-        <p:spPr>
-          <a:xfrm>
-            <a:off x="1396340" y="6008914"/>
-            <a:ext cx="0" cy="492826"/>
-          </a:xfrm>
-          <a:prstGeom prst="line">
-            <a:avLst/>
-          </a:prstGeom>
-          <a:ln w="12700" cmpd="sng">
-            <a:solidFill>
-              <a:schemeClr val="tx1"/>
-            </a:solidFill>
-            <a:prstDash val="dash"/>
-          </a:ln>
-        </p:spPr>
-        <p:style>
-          <a:lnRef idx="1">
-            <a:schemeClr val="accent1"/>
-          </a:lnRef>
-          <a:fillRef idx="0">
-            <a:schemeClr val="accent1"/>
-          </a:fillRef>
-          <a:effectRef idx="0">
-            <a:schemeClr val="accent1"/>
-          </a:effectRef>
-          <a:fontRef idx="minor">
-            <a:schemeClr val="tx1"/>
-          </a:fontRef>
-        </p:style>
-      </p:cxnSp>
     </p:spTree>
     <p:extLst>
       <p:ext uri="{BB962C8B-B14F-4D97-AF65-F5344CB8AC3E}">
@@ -23434,15 +23483,13 @@
           <a:p>
             <a:r>
               <a:rPr lang="en-US" dirty="0" smtClean="0"/>
-              <a:t>Combination of better parallel scaling + new instructions almost doubles HMMER 4 performance relative to HMMER 3</a:t>
+              <a:t>Combination of better parallel scaling + new instructions almost doubles HMMER 4 performance relative to HMMER </a:t>
             </a:r>
-          </a:p>
-          <a:p>
-            <a:pPr lvl="1"/>
             <a:r>
               <a:rPr lang="en-US" dirty="0" smtClean="0"/>
-              <a:t>In spite of changes to main stage that sometimes add time</a:t>
+              <a:t>3</a:t>
             </a:r>
+            <a:endParaRPr lang="en-US" dirty="0" smtClean="0"/>
           </a:p>
           <a:p>
             <a:r>
@@ -23696,13 +23743,8 @@
             <a:pPr algn="ctr"/>
             <a:r>
               <a:rPr lang="en-US" dirty="0" smtClean="0"/>
-              <a:t>Bi</a:t>
+              <a:t>Bias</a:t>
             </a:r>
-            <a:r>
-              <a:rPr lang="en-US" dirty="0" smtClean="0"/>
-              <a:t>as</a:t>
-            </a:r>
-            <a:endParaRPr lang="en-US" dirty="0" smtClean="0"/>
           </a:p>
           <a:p>
             <a:pPr algn="ctr"/>
@@ -28887,7 +28929,11 @@
           <a:p>
             <a:r>
               <a:rPr lang="en-US" dirty="0" smtClean="0"/>
-              <a:t>Within-Node Load Balancing	</a:t>
+              <a:t>Within-Computer </a:t>
+            </a:r>
+            <a:r>
+              <a:rPr lang="en-US" dirty="0" smtClean="0"/>
+              <a:t>Load Balancing	</a:t>
             </a:r>
             <a:endParaRPr lang="en-US" dirty="0"/>
           </a:p>
@@ -29026,7 +29072,7 @@
         <p:spPr>
           <a:xfrm>
             <a:off x="165100" y="666750"/>
-            <a:ext cx="769763" cy="369332"/>
+            <a:ext cx="827471" cy="369332"/>
           </a:xfrm>
           <a:prstGeom prst="rect">
             <a:avLst/>
@@ -29041,7 +29087,7 @@
           <a:p>
             <a:r>
               <a:rPr lang="en-US" smtClean="0"/>
-              <a:t>17948</a:t>
+              <a:t>17,948</a:t>
             </a:r>
             <a:endParaRPr lang="en-US"/>
           </a:p>
@@ -29057,8 +29103,8 @@
         </p:nvCxnSpPr>
         <p:spPr>
           <a:xfrm>
-            <a:off x="549982" y="1036082"/>
-            <a:ext cx="466018" cy="240268"/>
+            <a:off x="578836" y="1036082"/>
+            <a:ext cx="437164" cy="240268"/>
           </a:xfrm>
           <a:prstGeom prst="straightConnector1">
             <a:avLst/>
